--- a/codemotion.pptx
+++ b/codemotion.pptx
@@ -276,7 +276,7 @@
           <a:p>
             <a:fld id="{DC661A4A-D0C3-4623-84C2-FD4286BDBB96}" type="datetimeFigureOut">
               <a:rPr lang="it-IT" smtClean="0"/>
-              <a:t>04/04/2014</a:t>
+              <a:t>05/04/2014</a:t>
             </a:fld>
             <a:endParaRPr lang="it-IT"/>
           </a:p>
@@ -4549,7 +4549,6 @@
               <a:rPr lang="en-US" dirty="0" smtClean="0"/>
               <a:t>helloPhaser.html</a:t>
             </a:r>
-            <a:endParaRPr lang="en-US" dirty="0" smtClean="0"/>
           </a:p>
           <a:p>
             <a:pPr lvl="1"/>
@@ -4718,34 +4717,21 @@
             </a:r>
             <a:r>
               <a:rPr lang="en-US" dirty="0" smtClean="0"/>
-              <a:t>.</a:t>
-            </a:r>
+              <a:t>.”</a:t>
+            </a:r>
+          </a:p>
+          <a:p>
             <a:r>
               <a:rPr lang="en-US" dirty="0" smtClean="0"/>
-              <a:t>”</a:t>
-            </a:r>
-          </a:p>
-          <a:p>
-            <a:r>
-              <a:rPr lang="en-US" dirty="0" smtClean="0"/>
-              <a:t>“</a:t>
-            </a:r>
-            <a:r>
-              <a:rPr lang="en-US" dirty="0" smtClean="0"/>
-              <a:t>Lives” inside game world, with </a:t>
+              <a:t>“Lives” inside game world, with </a:t>
             </a:r>
             <a:br>
               <a:rPr lang="en-US" dirty="0" smtClean="0"/>
             </a:br>
             <a:r>
               <a:rPr lang="en-US" dirty="0" smtClean="0"/>
-              <a:t>its set of coordinates and </a:t>
-            </a:r>
-            <a:r>
-              <a:rPr lang="en-US" dirty="0" smtClean="0"/>
-              <a:t>sizes</a:t>
-            </a:r>
-            <a:endParaRPr lang="en-US" dirty="0" smtClean="0"/>
+              <a:t>its set of coordinates and sizes</a:t>
+            </a:r>
           </a:p>
           <a:p>
             <a:r>
@@ -5580,7 +5566,6 @@
               <a:rPr lang="en-US" sz="4000" dirty="0"/>
               <a:t>What sprites can do</a:t>
             </a:r>
-            <a:endParaRPr lang="en-US" sz="4000" dirty="0"/>
           </a:p>
         </p:txBody>
       </p:sp>
@@ -6015,51 +6000,51 @@
               <a:t> </a:t>
             </a:r>
             <a:r>
+              <a:rPr lang="en-US" sz="2000" dirty="0" smtClean="0">
+                <a:latin typeface="Consolas" panose="020B0609020204030204" pitchFamily="49" charset="0"/>
+                <a:cs typeface="Consolas" panose="020B0609020204030204" pitchFamily="49" charset="0"/>
+              </a:rPr>
+              <a:t>zombie = </a:t>
+            </a:r>
+            <a:r>
               <a:rPr lang="en-US" sz="2000" dirty="0" err="1" smtClean="0">
                 <a:latin typeface="Consolas" panose="020B0609020204030204" pitchFamily="49" charset="0"/>
                 <a:cs typeface="Consolas" panose="020B0609020204030204" pitchFamily="49" charset="0"/>
               </a:rPr>
-              <a:t>deadSprite</a:t>
+              <a:t>g.getFirstExists</a:t>
             </a:r>
             <a:r>
               <a:rPr lang="en-US" sz="2000" dirty="0" smtClean="0">
                 <a:latin typeface="Consolas" panose="020B0609020204030204" pitchFamily="49" charset="0"/>
                 <a:cs typeface="Consolas" panose="020B0609020204030204" pitchFamily="49" charset="0"/>
               </a:rPr>
-              <a:t> = </a:t>
+              <a:t>(false);</a:t>
+            </a:r>
+          </a:p>
+          <a:p>
+            <a:pPr marL="0" indent="0">
+              <a:buNone/>
+            </a:pPr>
+            <a:r>
+              <a:rPr lang="en-US" sz="2000" dirty="0" err="1">
+                <a:latin typeface="Consolas" panose="020B0609020204030204" pitchFamily="49" charset="0"/>
+                <a:cs typeface="Consolas" panose="020B0609020204030204" pitchFamily="49" charset="0"/>
+              </a:rPr>
+              <a:t>z</a:t>
             </a:r>
             <a:r>
               <a:rPr lang="en-US" sz="2000" dirty="0" err="1" smtClean="0">
                 <a:latin typeface="Consolas" panose="020B0609020204030204" pitchFamily="49" charset="0"/>
                 <a:cs typeface="Consolas" panose="020B0609020204030204" pitchFamily="49" charset="0"/>
               </a:rPr>
-              <a:t>g.getFirstExists</a:t>
-            </a:r>
-            <a:r>
-              <a:rPr lang="en-US" sz="2000" dirty="0" smtClean="0">
+              <a:t>ombie.revive</a:t>
+            </a:r>
+            <a:r>
+              <a:rPr lang="en-US" sz="2000" smtClean="0">
                 <a:latin typeface="Consolas" panose="020B0609020204030204" pitchFamily="49" charset="0"/>
                 <a:cs typeface="Consolas" panose="020B0609020204030204" pitchFamily="49" charset="0"/>
               </a:rPr>
-              <a:t>(false);</a:t>
-            </a:r>
-          </a:p>
-          <a:p>
-            <a:pPr marL="0" indent="0">
-              <a:buNone/>
-            </a:pPr>
-            <a:r>
-              <a:rPr lang="en-US" sz="2000" dirty="0" err="1" smtClean="0">
-                <a:latin typeface="Consolas" panose="020B0609020204030204" pitchFamily="49" charset="0"/>
-                <a:cs typeface="Consolas" panose="020B0609020204030204" pitchFamily="49" charset="0"/>
-              </a:rPr>
-              <a:t>deadSprite.revive</a:t>
-            </a:r>
-            <a:r>
-              <a:rPr lang="en-US" sz="2000" dirty="0" smtClean="0">
-                <a:latin typeface="Consolas" panose="020B0609020204030204" pitchFamily="49" charset="0"/>
-                <a:cs typeface="Consolas" panose="020B0609020204030204" pitchFamily="49" charset="0"/>
-              </a:rPr>
-              <a:t>(); //not a zombie!</a:t>
+              <a:t>(); //cured!</a:t>
             </a:r>
             <a:endParaRPr lang="en-US" sz="2000" dirty="0" smtClean="0">
               <a:latin typeface="Consolas" panose="020B0609020204030204" pitchFamily="49" charset="0"/>
@@ -6234,15 +6219,7 @@
           <a:p>
             <a:r>
               <a:rPr lang="en-US" dirty="0" smtClean="0"/>
-              <a:t>Unity3D </a:t>
-            </a:r>
-            <a:r>
-              <a:rPr lang="en-US" dirty="0" smtClean="0"/>
-              <a:t>lover / </a:t>
-            </a:r>
-            <a:r>
-              <a:rPr lang="en-US" dirty="0" smtClean="0"/>
-              <a:t>hater</a:t>
+              <a:t>Unity3D lover / hater</a:t>
             </a:r>
           </a:p>
           <a:p>
@@ -6644,15 +6621,7 @@
           <a:p>
             <a:r>
               <a:rPr lang="en-US" dirty="0" smtClean="0"/>
-              <a:t>Low performances on almost every mobile (</a:t>
-            </a:r>
-            <a:r>
-              <a:rPr lang="en-US" dirty="0" smtClean="0"/>
-              <a:t>especially </a:t>
-            </a:r>
-            <a:r>
-              <a:rPr lang="en-US" dirty="0" smtClean="0"/>
-              <a:t>on Android)</a:t>
+              <a:t>Low performances on almost every mobile (especially on Android)</a:t>
             </a:r>
           </a:p>
           <a:p>
@@ -7047,11 +7016,7 @@
           <a:p>
             <a:r>
               <a:rPr lang="en-US" dirty="0" smtClean="0"/>
-              <a:t>Easy </a:t>
-            </a:r>
-            <a:r>
-              <a:rPr lang="en-US" dirty="0" smtClean="0"/>
-              <a:t>to learn</a:t>
+              <a:t>Easy to learn</a:t>
             </a:r>
           </a:p>
           <a:p>
@@ -7498,11 +7463,7 @@
             <a:pPr lvl="1"/>
             <a:r>
               <a:rPr lang="en-US" dirty="0" smtClean="0"/>
-              <a:t>render</a:t>
-            </a:r>
-            <a:r>
-              <a:rPr lang="en-US" dirty="0" smtClean="0"/>
-              <a:t>() is supplied</a:t>
+              <a:t>render() is supplied</a:t>
             </a:r>
           </a:p>
           <a:p>

--- a/codemotion.pptx
+++ b/codemotion.pptx
@@ -6,7 +6,7 @@
     <p:sldMasterId id="2147483652" r:id="rId2"/>
   </p:sldMasterIdLst>
   <p:notesMasterIdLst>
-    <p:notesMasterId r:id="rId18"/>
+    <p:notesMasterId r:id="rId26"/>
   </p:notesMasterIdLst>
   <p:sldIdLst>
     <p:sldId id="259" r:id="rId3"/>
@@ -18,12 +18,20 @@
     <p:sldId id="266" r:id="rId9"/>
     <p:sldId id="268" r:id="rId10"/>
     <p:sldId id="270" r:id="rId11"/>
-    <p:sldId id="271" r:id="rId12"/>
-    <p:sldId id="272" r:id="rId13"/>
-    <p:sldId id="273" r:id="rId14"/>
-    <p:sldId id="277" r:id="rId15"/>
-    <p:sldId id="279" r:id="rId16"/>
-    <p:sldId id="280" r:id="rId17"/>
+    <p:sldId id="272" r:id="rId12"/>
+    <p:sldId id="273" r:id="rId13"/>
+    <p:sldId id="277" r:id="rId14"/>
+    <p:sldId id="279" r:id="rId15"/>
+    <p:sldId id="280" r:id="rId16"/>
+    <p:sldId id="292" r:id="rId17"/>
+    <p:sldId id="282" r:id="rId18"/>
+    <p:sldId id="281" r:id="rId19"/>
+    <p:sldId id="290" r:id="rId20"/>
+    <p:sldId id="284" r:id="rId21"/>
+    <p:sldId id="285" r:id="rId22"/>
+    <p:sldId id="286" r:id="rId23"/>
+    <p:sldId id="287" r:id="rId24"/>
+    <p:sldId id="291" r:id="rId25"/>
   </p:sldIdLst>
   <p:sldSz cx="9144000" cy="6858000" type="screen4x3"/>
   <p:notesSz cx="6858000" cy="9144000"/>
@@ -166,12 +174,20 @@
             <p14:sldId id="266"/>
             <p14:sldId id="268"/>
             <p14:sldId id="270"/>
-            <p14:sldId id="271"/>
             <p14:sldId id="272"/>
             <p14:sldId id="273"/>
             <p14:sldId id="277"/>
             <p14:sldId id="279"/>
             <p14:sldId id="280"/>
+            <p14:sldId id="292"/>
+            <p14:sldId id="282"/>
+            <p14:sldId id="281"/>
+            <p14:sldId id="290"/>
+            <p14:sldId id="284"/>
+            <p14:sldId id="285"/>
+            <p14:sldId id="286"/>
+            <p14:sldId id="287"/>
+            <p14:sldId id="291"/>
           </p14:sldIdLst>
         </p14:section>
       </p14:sectionLst>
@@ -276,7 +292,7 @@
           <a:p>
             <a:fld id="{DC661A4A-D0C3-4623-84C2-FD4286BDBB96}" type="datetimeFigureOut">
               <a:rPr lang="it-IT" smtClean="0"/>
-              <a:t>05/04/2014</a:t>
+              <a:t>06/04/2014</a:t>
             </a:fld>
             <a:endParaRPr lang="it-IT"/>
           </a:p>
@@ -544,6 +560,594 @@
 </p:notesMaster>
 </file>
 
+<file path=ppt/notesSlides/notesSlide1.xml><?xml version="1.0" encoding="utf-8"?>
+<p:notes xmlns:a="http://schemas.openxmlformats.org/drawingml/2006/main" xmlns:r="http://schemas.openxmlformats.org/officeDocument/2006/relationships" xmlns:p="http://schemas.openxmlformats.org/presentationml/2006/main">
+  <p:cSld>
+    <p:spTree>
+      <p:nvGrpSpPr>
+        <p:cNvPr id="1" name=""/>
+        <p:cNvGrpSpPr/>
+        <p:nvPr/>
+      </p:nvGrpSpPr>
+      <p:grpSpPr>
+        <a:xfrm>
+          <a:off x="0" y="0"/>
+          <a:ext cx="0" cy="0"/>
+          <a:chOff x="0" y="0"/>
+          <a:chExt cx="0" cy="0"/>
+        </a:xfrm>
+      </p:grpSpPr>
+      <p:sp>
+        <p:nvSpPr>
+          <p:cNvPr id="2" name="Segnaposto immagine diapositiva 1"/>
+          <p:cNvSpPr>
+            <a:spLocks noGrp="1" noRot="1" noChangeAspect="1"/>
+          </p:cNvSpPr>
+          <p:nvPr>
+            <p:ph type="sldImg"/>
+          </p:nvPr>
+        </p:nvSpPr>
+        <p:spPr/>
+      </p:sp>
+      <p:sp>
+        <p:nvSpPr>
+          <p:cNvPr id="3" name="Segnaposto note 2"/>
+          <p:cNvSpPr>
+            <a:spLocks noGrp="1"/>
+          </p:cNvSpPr>
+          <p:nvPr>
+            <p:ph type="body" idx="1"/>
+          </p:nvPr>
+        </p:nvSpPr>
+        <p:spPr/>
+        <p:txBody>
+          <a:bodyPr/>
+          <a:lstStyle/>
+          <a:p>
+            <a:endParaRPr lang="en-GB"/>
+          </a:p>
+        </p:txBody>
+      </p:sp>
+      <p:sp>
+        <p:nvSpPr>
+          <p:cNvPr id="4" name="Segnaposto numero diapositiva 3"/>
+          <p:cNvSpPr>
+            <a:spLocks noGrp="1"/>
+          </p:cNvSpPr>
+          <p:nvPr>
+            <p:ph type="sldNum" sz="quarter" idx="10"/>
+          </p:nvPr>
+        </p:nvSpPr>
+        <p:spPr/>
+        <p:txBody>
+          <a:bodyPr/>
+          <a:lstStyle/>
+          <a:p>
+            <a:fld id="{B74071AC-48DE-4D22-A987-195E984FE17A}" type="slidenum">
+              <a:rPr lang="it-IT" smtClean="0"/>
+              <a:t>17</a:t>
+            </a:fld>
+            <a:endParaRPr lang="it-IT"/>
+          </a:p>
+        </p:txBody>
+      </p:sp>
+    </p:spTree>
+    <p:extLst>
+      <p:ext uri="{BB962C8B-B14F-4D97-AF65-F5344CB8AC3E}">
+        <p14:creationId xmlns:p14="http://schemas.microsoft.com/office/powerpoint/2010/main" val="453359460"/>
+      </p:ext>
+    </p:extLst>
+  </p:cSld>
+  <p:clrMapOvr>
+    <a:masterClrMapping/>
+  </p:clrMapOvr>
+</p:notes>
+</file>
+
+<file path=ppt/notesSlides/notesSlide2.xml><?xml version="1.0" encoding="utf-8"?>
+<p:notes xmlns:a="http://schemas.openxmlformats.org/drawingml/2006/main" xmlns:r="http://schemas.openxmlformats.org/officeDocument/2006/relationships" xmlns:p="http://schemas.openxmlformats.org/presentationml/2006/main">
+  <p:cSld>
+    <p:spTree>
+      <p:nvGrpSpPr>
+        <p:cNvPr id="1" name=""/>
+        <p:cNvGrpSpPr/>
+        <p:nvPr/>
+      </p:nvGrpSpPr>
+      <p:grpSpPr>
+        <a:xfrm>
+          <a:off x="0" y="0"/>
+          <a:ext cx="0" cy="0"/>
+          <a:chOff x="0" y="0"/>
+          <a:chExt cx="0" cy="0"/>
+        </a:xfrm>
+      </p:grpSpPr>
+      <p:sp>
+        <p:nvSpPr>
+          <p:cNvPr id="2" name="Segnaposto immagine diapositiva 1"/>
+          <p:cNvSpPr>
+            <a:spLocks noGrp="1" noRot="1" noChangeAspect="1"/>
+          </p:cNvSpPr>
+          <p:nvPr>
+            <p:ph type="sldImg"/>
+          </p:nvPr>
+        </p:nvSpPr>
+        <p:spPr/>
+      </p:sp>
+      <p:sp>
+        <p:nvSpPr>
+          <p:cNvPr id="3" name="Segnaposto note 2"/>
+          <p:cNvSpPr>
+            <a:spLocks noGrp="1"/>
+          </p:cNvSpPr>
+          <p:nvPr>
+            <p:ph type="body" idx="1"/>
+          </p:nvPr>
+        </p:nvSpPr>
+        <p:spPr/>
+        <p:txBody>
+          <a:bodyPr/>
+          <a:lstStyle/>
+          <a:p>
+            <a:endParaRPr lang="en-GB"/>
+          </a:p>
+        </p:txBody>
+      </p:sp>
+      <p:sp>
+        <p:nvSpPr>
+          <p:cNvPr id="4" name="Segnaposto numero diapositiva 3"/>
+          <p:cNvSpPr>
+            <a:spLocks noGrp="1"/>
+          </p:cNvSpPr>
+          <p:nvPr>
+            <p:ph type="sldNum" sz="quarter" idx="10"/>
+          </p:nvPr>
+        </p:nvSpPr>
+        <p:spPr/>
+        <p:txBody>
+          <a:bodyPr/>
+          <a:lstStyle/>
+          <a:p>
+            <a:fld id="{B74071AC-48DE-4D22-A987-195E984FE17A}" type="slidenum">
+              <a:rPr lang="it-IT" smtClean="0"/>
+              <a:t>18</a:t>
+            </a:fld>
+            <a:endParaRPr lang="it-IT"/>
+          </a:p>
+        </p:txBody>
+      </p:sp>
+    </p:spTree>
+    <p:extLst>
+      <p:ext uri="{BB962C8B-B14F-4D97-AF65-F5344CB8AC3E}">
+        <p14:creationId xmlns:p14="http://schemas.microsoft.com/office/powerpoint/2010/main" val="1096704578"/>
+      </p:ext>
+    </p:extLst>
+  </p:cSld>
+  <p:clrMapOvr>
+    <a:masterClrMapping/>
+  </p:clrMapOvr>
+</p:notes>
+</file>
+
+<file path=ppt/notesSlides/notesSlide3.xml><?xml version="1.0" encoding="utf-8"?>
+<p:notes xmlns:a="http://schemas.openxmlformats.org/drawingml/2006/main" xmlns:r="http://schemas.openxmlformats.org/officeDocument/2006/relationships" xmlns:p="http://schemas.openxmlformats.org/presentationml/2006/main">
+  <p:cSld>
+    <p:spTree>
+      <p:nvGrpSpPr>
+        <p:cNvPr id="1" name=""/>
+        <p:cNvGrpSpPr/>
+        <p:nvPr/>
+      </p:nvGrpSpPr>
+      <p:grpSpPr>
+        <a:xfrm>
+          <a:off x="0" y="0"/>
+          <a:ext cx="0" cy="0"/>
+          <a:chOff x="0" y="0"/>
+          <a:chExt cx="0" cy="0"/>
+        </a:xfrm>
+      </p:grpSpPr>
+      <p:sp>
+        <p:nvSpPr>
+          <p:cNvPr id="2" name="Segnaposto immagine diapositiva 1"/>
+          <p:cNvSpPr>
+            <a:spLocks noGrp="1" noRot="1" noChangeAspect="1"/>
+          </p:cNvSpPr>
+          <p:nvPr>
+            <p:ph type="sldImg"/>
+          </p:nvPr>
+        </p:nvSpPr>
+        <p:spPr/>
+      </p:sp>
+      <p:sp>
+        <p:nvSpPr>
+          <p:cNvPr id="3" name="Segnaposto note 2"/>
+          <p:cNvSpPr>
+            <a:spLocks noGrp="1"/>
+          </p:cNvSpPr>
+          <p:nvPr>
+            <p:ph type="body" idx="1"/>
+          </p:nvPr>
+        </p:nvSpPr>
+        <p:spPr/>
+        <p:txBody>
+          <a:bodyPr/>
+          <a:lstStyle/>
+          <a:p>
+            <a:endParaRPr lang="en-GB"/>
+          </a:p>
+        </p:txBody>
+      </p:sp>
+      <p:sp>
+        <p:nvSpPr>
+          <p:cNvPr id="4" name="Segnaposto numero diapositiva 3"/>
+          <p:cNvSpPr>
+            <a:spLocks noGrp="1"/>
+          </p:cNvSpPr>
+          <p:nvPr>
+            <p:ph type="sldNum" sz="quarter" idx="10"/>
+          </p:nvPr>
+        </p:nvSpPr>
+        <p:spPr/>
+        <p:txBody>
+          <a:bodyPr/>
+          <a:lstStyle/>
+          <a:p>
+            <a:fld id="{B74071AC-48DE-4D22-A987-195E984FE17A}" type="slidenum">
+              <a:rPr lang="it-IT" smtClean="0"/>
+              <a:t>19</a:t>
+            </a:fld>
+            <a:endParaRPr lang="it-IT"/>
+          </a:p>
+        </p:txBody>
+      </p:sp>
+    </p:spTree>
+    <p:extLst>
+      <p:ext uri="{BB962C8B-B14F-4D97-AF65-F5344CB8AC3E}">
+        <p14:creationId xmlns:p14="http://schemas.microsoft.com/office/powerpoint/2010/main" val="3591624666"/>
+      </p:ext>
+    </p:extLst>
+  </p:cSld>
+  <p:clrMapOvr>
+    <a:masterClrMapping/>
+  </p:clrMapOvr>
+</p:notes>
+</file>
+
+<file path=ppt/notesSlides/notesSlide4.xml><?xml version="1.0" encoding="utf-8"?>
+<p:notes xmlns:a="http://schemas.openxmlformats.org/drawingml/2006/main" xmlns:r="http://schemas.openxmlformats.org/officeDocument/2006/relationships" xmlns:p="http://schemas.openxmlformats.org/presentationml/2006/main">
+  <p:cSld>
+    <p:spTree>
+      <p:nvGrpSpPr>
+        <p:cNvPr id="1" name=""/>
+        <p:cNvGrpSpPr/>
+        <p:nvPr/>
+      </p:nvGrpSpPr>
+      <p:grpSpPr>
+        <a:xfrm>
+          <a:off x="0" y="0"/>
+          <a:ext cx="0" cy="0"/>
+          <a:chOff x="0" y="0"/>
+          <a:chExt cx="0" cy="0"/>
+        </a:xfrm>
+      </p:grpSpPr>
+      <p:sp>
+        <p:nvSpPr>
+          <p:cNvPr id="2" name="Segnaposto immagine diapositiva 1"/>
+          <p:cNvSpPr>
+            <a:spLocks noGrp="1" noRot="1" noChangeAspect="1"/>
+          </p:cNvSpPr>
+          <p:nvPr>
+            <p:ph type="sldImg"/>
+          </p:nvPr>
+        </p:nvSpPr>
+        <p:spPr/>
+      </p:sp>
+      <p:sp>
+        <p:nvSpPr>
+          <p:cNvPr id="3" name="Segnaposto note 2"/>
+          <p:cNvSpPr>
+            <a:spLocks noGrp="1"/>
+          </p:cNvSpPr>
+          <p:nvPr>
+            <p:ph type="body" idx="1"/>
+          </p:nvPr>
+        </p:nvSpPr>
+        <p:spPr/>
+        <p:txBody>
+          <a:bodyPr/>
+          <a:lstStyle/>
+          <a:p>
+            <a:endParaRPr lang="en-GB"/>
+          </a:p>
+        </p:txBody>
+      </p:sp>
+      <p:sp>
+        <p:nvSpPr>
+          <p:cNvPr id="4" name="Segnaposto numero diapositiva 3"/>
+          <p:cNvSpPr>
+            <a:spLocks noGrp="1"/>
+          </p:cNvSpPr>
+          <p:nvPr>
+            <p:ph type="sldNum" sz="quarter" idx="10"/>
+          </p:nvPr>
+        </p:nvSpPr>
+        <p:spPr/>
+        <p:txBody>
+          <a:bodyPr/>
+          <a:lstStyle/>
+          <a:p>
+            <a:fld id="{B74071AC-48DE-4D22-A987-195E984FE17A}" type="slidenum">
+              <a:rPr lang="it-IT" smtClean="0"/>
+              <a:t>20</a:t>
+            </a:fld>
+            <a:endParaRPr lang="it-IT"/>
+          </a:p>
+        </p:txBody>
+      </p:sp>
+    </p:spTree>
+    <p:extLst>
+      <p:ext uri="{BB962C8B-B14F-4D97-AF65-F5344CB8AC3E}">
+        <p14:creationId xmlns:p14="http://schemas.microsoft.com/office/powerpoint/2010/main" val="4268769863"/>
+      </p:ext>
+    </p:extLst>
+  </p:cSld>
+  <p:clrMapOvr>
+    <a:masterClrMapping/>
+  </p:clrMapOvr>
+</p:notes>
+</file>
+
+<file path=ppt/notesSlides/notesSlide5.xml><?xml version="1.0" encoding="utf-8"?>
+<p:notes xmlns:a="http://schemas.openxmlformats.org/drawingml/2006/main" xmlns:r="http://schemas.openxmlformats.org/officeDocument/2006/relationships" xmlns:p="http://schemas.openxmlformats.org/presentationml/2006/main">
+  <p:cSld>
+    <p:spTree>
+      <p:nvGrpSpPr>
+        <p:cNvPr id="1" name=""/>
+        <p:cNvGrpSpPr/>
+        <p:nvPr/>
+      </p:nvGrpSpPr>
+      <p:grpSpPr>
+        <a:xfrm>
+          <a:off x="0" y="0"/>
+          <a:ext cx="0" cy="0"/>
+          <a:chOff x="0" y="0"/>
+          <a:chExt cx="0" cy="0"/>
+        </a:xfrm>
+      </p:grpSpPr>
+      <p:sp>
+        <p:nvSpPr>
+          <p:cNvPr id="2" name="Segnaposto immagine diapositiva 1"/>
+          <p:cNvSpPr>
+            <a:spLocks noGrp="1" noRot="1" noChangeAspect="1"/>
+          </p:cNvSpPr>
+          <p:nvPr>
+            <p:ph type="sldImg"/>
+          </p:nvPr>
+        </p:nvSpPr>
+        <p:spPr/>
+      </p:sp>
+      <p:sp>
+        <p:nvSpPr>
+          <p:cNvPr id="3" name="Segnaposto note 2"/>
+          <p:cNvSpPr>
+            <a:spLocks noGrp="1"/>
+          </p:cNvSpPr>
+          <p:nvPr>
+            <p:ph type="body" idx="1"/>
+          </p:nvPr>
+        </p:nvSpPr>
+        <p:spPr/>
+        <p:txBody>
+          <a:bodyPr/>
+          <a:lstStyle/>
+          <a:p>
+            <a:endParaRPr lang="en-GB"/>
+          </a:p>
+        </p:txBody>
+      </p:sp>
+      <p:sp>
+        <p:nvSpPr>
+          <p:cNvPr id="4" name="Segnaposto numero diapositiva 3"/>
+          <p:cNvSpPr>
+            <a:spLocks noGrp="1"/>
+          </p:cNvSpPr>
+          <p:nvPr>
+            <p:ph type="sldNum" sz="quarter" idx="10"/>
+          </p:nvPr>
+        </p:nvSpPr>
+        <p:spPr/>
+        <p:txBody>
+          <a:bodyPr/>
+          <a:lstStyle/>
+          <a:p>
+            <a:fld id="{B74071AC-48DE-4D22-A987-195E984FE17A}" type="slidenum">
+              <a:rPr lang="it-IT" smtClean="0"/>
+              <a:t>21</a:t>
+            </a:fld>
+            <a:endParaRPr lang="it-IT"/>
+          </a:p>
+        </p:txBody>
+      </p:sp>
+    </p:spTree>
+    <p:extLst>
+      <p:ext uri="{BB962C8B-B14F-4D97-AF65-F5344CB8AC3E}">
+        <p14:creationId xmlns:p14="http://schemas.microsoft.com/office/powerpoint/2010/main" val="2889517544"/>
+      </p:ext>
+    </p:extLst>
+  </p:cSld>
+  <p:clrMapOvr>
+    <a:masterClrMapping/>
+  </p:clrMapOvr>
+</p:notes>
+</file>
+
+<file path=ppt/notesSlides/notesSlide6.xml><?xml version="1.0" encoding="utf-8"?>
+<p:notes xmlns:a="http://schemas.openxmlformats.org/drawingml/2006/main" xmlns:r="http://schemas.openxmlformats.org/officeDocument/2006/relationships" xmlns:p="http://schemas.openxmlformats.org/presentationml/2006/main">
+  <p:cSld>
+    <p:spTree>
+      <p:nvGrpSpPr>
+        <p:cNvPr id="1" name=""/>
+        <p:cNvGrpSpPr/>
+        <p:nvPr/>
+      </p:nvGrpSpPr>
+      <p:grpSpPr>
+        <a:xfrm>
+          <a:off x="0" y="0"/>
+          <a:ext cx="0" cy="0"/>
+          <a:chOff x="0" y="0"/>
+          <a:chExt cx="0" cy="0"/>
+        </a:xfrm>
+      </p:grpSpPr>
+      <p:sp>
+        <p:nvSpPr>
+          <p:cNvPr id="2" name="Segnaposto immagine diapositiva 1"/>
+          <p:cNvSpPr>
+            <a:spLocks noGrp="1" noRot="1" noChangeAspect="1"/>
+          </p:cNvSpPr>
+          <p:nvPr>
+            <p:ph type="sldImg"/>
+          </p:nvPr>
+        </p:nvSpPr>
+        <p:spPr/>
+      </p:sp>
+      <p:sp>
+        <p:nvSpPr>
+          <p:cNvPr id="3" name="Segnaposto note 2"/>
+          <p:cNvSpPr>
+            <a:spLocks noGrp="1"/>
+          </p:cNvSpPr>
+          <p:nvPr>
+            <p:ph type="body" idx="1"/>
+          </p:nvPr>
+        </p:nvSpPr>
+        <p:spPr/>
+        <p:txBody>
+          <a:bodyPr/>
+          <a:lstStyle/>
+          <a:p>
+            <a:endParaRPr lang="en-GB"/>
+          </a:p>
+        </p:txBody>
+      </p:sp>
+      <p:sp>
+        <p:nvSpPr>
+          <p:cNvPr id="4" name="Segnaposto numero diapositiva 3"/>
+          <p:cNvSpPr>
+            <a:spLocks noGrp="1"/>
+          </p:cNvSpPr>
+          <p:nvPr>
+            <p:ph type="sldNum" sz="quarter" idx="10"/>
+          </p:nvPr>
+        </p:nvSpPr>
+        <p:spPr/>
+        <p:txBody>
+          <a:bodyPr/>
+          <a:lstStyle/>
+          <a:p>
+            <a:fld id="{B74071AC-48DE-4D22-A987-195E984FE17A}" type="slidenum">
+              <a:rPr lang="it-IT" smtClean="0"/>
+              <a:t>22</a:t>
+            </a:fld>
+            <a:endParaRPr lang="it-IT"/>
+          </a:p>
+        </p:txBody>
+      </p:sp>
+    </p:spTree>
+    <p:extLst>
+      <p:ext uri="{BB962C8B-B14F-4D97-AF65-F5344CB8AC3E}">
+        <p14:creationId xmlns:p14="http://schemas.microsoft.com/office/powerpoint/2010/main" val="4289680110"/>
+      </p:ext>
+    </p:extLst>
+  </p:cSld>
+  <p:clrMapOvr>
+    <a:masterClrMapping/>
+  </p:clrMapOvr>
+</p:notes>
+</file>
+
+<file path=ppt/notesSlides/notesSlide7.xml><?xml version="1.0" encoding="utf-8"?>
+<p:notes xmlns:a="http://schemas.openxmlformats.org/drawingml/2006/main" xmlns:r="http://schemas.openxmlformats.org/officeDocument/2006/relationships" xmlns:p="http://schemas.openxmlformats.org/presentationml/2006/main">
+  <p:cSld>
+    <p:spTree>
+      <p:nvGrpSpPr>
+        <p:cNvPr id="1" name=""/>
+        <p:cNvGrpSpPr/>
+        <p:nvPr/>
+      </p:nvGrpSpPr>
+      <p:grpSpPr>
+        <a:xfrm>
+          <a:off x="0" y="0"/>
+          <a:ext cx="0" cy="0"/>
+          <a:chOff x="0" y="0"/>
+          <a:chExt cx="0" cy="0"/>
+        </a:xfrm>
+      </p:grpSpPr>
+      <p:sp>
+        <p:nvSpPr>
+          <p:cNvPr id="2" name="Segnaposto immagine diapositiva 1"/>
+          <p:cNvSpPr>
+            <a:spLocks noGrp="1" noRot="1" noChangeAspect="1"/>
+          </p:cNvSpPr>
+          <p:nvPr>
+            <p:ph type="sldImg"/>
+          </p:nvPr>
+        </p:nvSpPr>
+        <p:spPr/>
+      </p:sp>
+      <p:sp>
+        <p:nvSpPr>
+          <p:cNvPr id="3" name="Segnaposto note 2"/>
+          <p:cNvSpPr>
+            <a:spLocks noGrp="1"/>
+          </p:cNvSpPr>
+          <p:nvPr>
+            <p:ph type="body" idx="1"/>
+          </p:nvPr>
+        </p:nvSpPr>
+        <p:spPr/>
+        <p:txBody>
+          <a:bodyPr/>
+          <a:lstStyle/>
+          <a:p>
+            <a:endParaRPr lang="en-GB"/>
+          </a:p>
+        </p:txBody>
+      </p:sp>
+      <p:sp>
+        <p:nvSpPr>
+          <p:cNvPr id="4" name="Segnaposto numero diapositiva 3"/>
+          <p:cNvSpPr>
+            <a:spLocks noGrp="1"/>
+          </p:cNvSpPr>
+          <p:nvPr>
+            <p:ph type="sldNum" sz="quarter" idx="10"/>
+          </p:nvPr>
+        </p:nvSpPr>
+        <p:spPr/>
+        <p:txBody>
+          <a:bodyPr/>
+          <a:lstStyle/>
+          <a:p>
+            <a:fld id="{B74071AC-48DE-4D22-A987-195E984FE17A}" type="slidenum">
+              <a:rPr lang="it-IT" smtClean="0"/>
+              <a:t>23</a:t>
+            </a:fld>
+            <a:endParaRPr lang="it-IT"/>
+          </a:p>
+        </p:txBody>
+      </p:sp>
+    </p:spTree>
+    <p:extLst>
+      <p:ext uri="{BB962C8B-B14F-4D97-AF65-F5344CB8AC3E}">
+        <p14:creationId xmlns:p14="http://schemas.microsoft.com/office/powerpoint/2010/main" val="2770432997"/>
+      </p:ext>
+    </p:extLst>
+  </p:cSld>
+  <p:clrMapOvr>
+    <a:masterClrMapping/>
+  </p:clrMapOvr>
+</p:notes>
+</file>
+
 <file path=ppt/slideLayouts/slideLayout1.xml><?xml version="1.0" encoding="utf-8"?>
 <p:sldLayout xmlns:a="http://schemas.openxmlformats.org/drawingml/2006/main" xmlns:r="http://schemas.openxmlformats.org/officeDocument/2006/relationships" xmlns:p="http://schemas.openxmlformats.org/presentationml/2006/main" showMasterSp="0" preserve="1" userDrawn="1">
   <p:cSld name="cover">
@@ -647,8 +1251,8 @@
           <a:lstStyle/>
           <a:p>
             <a:r>
-              <a:rPr lang="it-IT" smtClean="0"/>
-              <a:t>ROME 11-12 april 2014</a:t>
+              <a:rPr lang="en-US" smtClean="0"/>
+              <a:t>ROME  11-12 april 2014 – Valerio Riva</a:t>
             </a:r>
             <a:endParaRPr lang="it-IT"/>
           </a:p>
@@ -924,8 +1528,8 @@
           <a:lstStyle/>
           <a:p>
             <a:r>
-              <a:rPr lang="it-IT" smtClean="0"/>
-              <a:t>ROME 11-12 april 2014</a:t>
+              <a:rPr lang="en-US" smtClean="0"/>
+              <a:t>ROME  11-12 april 2014 – Valerio Riva</a:t>
             </a:r>
             <a:endParaRPr lang="it-IT"/>
           </a:p>
@@ -1184,8 +1788,8 @@
           <a:lstStyle/>
           <a:p>
             <a:r>
-              <a:rPr lang="it-IT" smtClean="0"/>
-              <a:t>ROME 11-12 april 2014</a:t>
+              <a:rPr lang="en-US" smtClean="0"/>
+              <a:t>ROME  11-12 april 2014 – Valerio Riva</a:t>
             </a:r>
             <a:endParaRPr lang="it-IT"/>
           </a:p>
@@ -1361,8 +1965,8 @@
           <a:lstStyle/>
           <a:p>
             <a:r>
-              <a:rPr lang="it-IT" smtClean="0"/>
-              <a:t>ROME 11-12 april 2014</a:t>
+              <a:rPr lang="en-US" smtClean="0"/>
+              <a:t>ROME  11-12 april 2014 – Valerio Riva</a:t>
             </a:r>
             <a:endParaRPr lang="it-IT"/>
           </a:p>
@@ -1548,8 +2152,8 @@
           <a:lstStyle/>
           <a:p>
             <a:r>
-              <a:rPr lang="it-IT" smtClean="0"/>
-              <a:t>ROME 11-12 april 2014</a:t>
+              <a:rPr lang="en-US" smtClean="0"/>
+              <a:t>ROME  11-12 april 2014 – Valerio Riva</a:t>
             </a:r>
             <a:endParaRPr lang="it-IT"/>
           </a:p>
@@ -1892,8 +2496,8 @@
           <a:lstStyle/>
           <a:p>
             <a:r>
-              <a:rPr lang="it-IT" smtClean="0"/>
-              <a:t>ROME 11-12 april 2014</a:t>
+              <a:rPr lang="en-US" smtClean="0"/>
+              <a:t>ROME  11-12 april 2014 – Valerio Riva</a:t>
             </a:r>
             <a:endParaRPr lang="it-IT"/>
           </a:p>
@@ -2069,8 +2673,8 @@
           <a:lstStyle/>
           <a:p>
             <a:r>
-              <a:rPr lang="it-IT" smtClean="0"/>
-              <a:t>ROME 11-12 april 2014</a:t>
+              <a:rPr lang="en-US" smtClean="0"/>
+              <a:t>ROME  11-12 april 2014 – Valerio Riva</a:t>
             </a:r>
             <a:endParaRPr lang="it-IT"/>
           </a:p>
@@ -2322,8 +2926,8 @@
           <a:lstStyle/>
           <a:p>
             <a:r>
-              <a:rPr lang="it-IT" smtClean="0"/>
-              <a:t>ROME 11-12 april 2014</a:t>
+              <a:rPr lang="en-US" smtClean="0"/>
+              <a:t>ROME  11-12 april 2014 – Valerio Riva</a:t>
             </a:r>
             <a:endParaRPr lang="it-IT"/>
           </a:p>
@@ -2561,8 +3165,8 @@
           <a:lstStyle/>
           <a:p>
             <a:r>
-              <a:rPr lang="it-IT" smtClean="0"/>
-              <a:t>ROME 11-12 april 2014</a:t>
+              <a:rPr lang="en-US" smtClean="0"/>
+              <a:t>ROME  11-12 april 2014 – Valerio Riva</a:t>
             </a:r>
             <a:endParaRPr lang="it-IT"/>
           </a:p>
@@ -2935,8 +3539,8 @@
           <a:lstStyle/>
           <a:p>
             <a:r>
-              <a:rPr lang="it-IT" smtClean="0"/>
-              <a:t>ROME 11-12 april 2014</a:t>
+              <a:rPr lang="en-US" smtClean="0"/>
+              <a:t>ROME  11-12 april 2014 – Valerio Riva</a:t>
             </a:r>
             <a:endParaRPr lang="it-IT"/>
           </a:p>
@@ -3060,8 +3664,8 @@
           <a:lstStyle/>
           <a:p>
             <a:r>
-              <a:rPr lang="it-IT" smtClean="0"/>
-              <a:t>ROME 11-12 april 2014</a:t>
+              <a:rPr lang="en-US" smtClean="0"/>
+              <a:t>ROME  11-12 april 2014 – Valerio Riva</a:t>
             </a:r>
             <a:endParaRPr lang="it-IT"/>
           </a:p>
@@ -3168,7 +3772,7 @@
     <p:sldLayoutId id="2147483650" r:id="rId2"/>
     <p:sldLayoutId id="2147483651" r:id="rId3"/>
   </p:sldLayoutIdLst>
-  <p:hf sldNum="0" hdr="0" ftr="0"/>
+  <p:hf hdr="0" ftr="0"/>
   <p:txStyles>
     <p:titleStyle>
       <a:lvl1pPr algn="ctr" defTabSz="457200" rtl="0" fontAlgn="base">
@@ -3727,8 +4331,8 @@
           </a:lstStyle>
           <a:p>
             <a:r>
-              <a:rPr lang="it-IT" smtClean="0"/>
-              <a:t>ROME 11-12 april 2014</a:t>
+              <a:rPr lang="en-US" smtClean="0"/>
+              <a:t>ROME  11-12 april 2014 – Valerio Riva</a:t>
             </a:r>
             <a:endParaRPr lang="it-IT"/>
           </a:p>
@@ -3840,7 +4444,7 @@
       </p:par>
     </p:tnLst>
   </p:timing>
-  <p:hf sldNum="0" hdr="0" ftr="0"/>
+  <p:hf hdr="0" ftr="0"/>
   <p:txStyles>
     <p:titleStyle>
       <a:lvl1pPr algn="l" defTabSz="914400" rtl="0" eaLnBrk="1" latinLnBrk="0" hangingPunct="1">
@@ -4365,22 +4969,41 @@
           <a:p>
             <a:pPr algn="ctr"/>
             <a:r>
-              <a:rPr lang="en-US" sz="4000" dirty="0"/>
-              <a:t>d</a:t>
-            </a:r>
-            <a:r>
               <a:rPr lang="en-US" sz="4000" dirty="0" smtClean="0"/>
-              <a:t>o { </a:t>
-            </a:r>
-            <a:r>
-              <a:rPr lang="en-US" sz="4000" i="1" dirty="0" smtClean="0"/>
-              <a:t>game</a:t>
-            </a:r>
-            <a:r>
-              <a:rPr lang="en-US" sz="4000" dirty="0" smtClean="0"/>
-              <a:t> } while (true);</a:t>
+              <a:t>Hello Phaser!</a:t>
             </a:r>
             <a:endParaRPr lang="en-US" sz="4000" dirty="0"/>
+          </a:p>
+        </p:txBody>
+      </p:sp>
+      <p:sp>
+        <p:nvSpPr>
+          <p:cNvPr id="3" name="Segnaposto contenuto 2"/>
+          <p:cNvSpPr>
+            <a:spLocks noGrp="1"/>
+          </p:cNvSpPr>
+          <p:nvPr>
+            <p:ph idx="1"/>
+          </p:nvPr>
+        </p:nvSpPr>
+        <p:spPr/>
+        <p:txBody>
+          <a:bodyPr>
+            <a:normAutofit/>
+          </a:bodyPr>
+          <a:lstStyle/>
+          <a:p>
+            <a:pPr marL="0" indent="0">
+              <a:buNone/>
+            </a:pPr>
+            <a:r>
+              <a:rPr lang="en-US" dirty="0" smtClean="0"/>
+              <a:t>helloPhaser.html</a:t>
+            </a:r>
+          </a:p>
+          <a:p>
+            <a:pPr lvl="1"/>
+            <a:endParaRPr lang="en-US" dirty="0" smtClean="0"/>
           </a:p>
         </p:txBody>
       </p:sp>
@@ -4405,28 +5028,12 @@
           <a:lstStyle/>
           <a:p>
             <a:r>
-              <a:rPr lang="it-IT" b="1" i="1" dirty="0" smtClean="0">
+              <a:rPr lang="en-US" b="1" i="1" smtClean="0">
                 <a:solidFill>
                   <a:schemeClr val="bg1"/>
                 </a:solidFill>
               </a:rPr>
-              <a:t>ROME  11-12 </a:t>
-            </a:r>
-            <a:r>
-              <a:rPr lang="it-IT" b="1" i="1" dirty="0" err="1" smtClean="0">
-                <a:solidFill>
-                  <a:schemeClr val="bg1"/>
-                </a:solidFill>
-              </a:rPr>
-              <a:t>april</a:t>
-            </a:r>
-            <a:r>
-              <a:rPr lang="it-IT" b="1" i="1" dirty="0" smtClean="0">
-                <a:solidFill>
-                  <a:schemeClr val="bg1"/>
-                </a:solidFill>
-              </a:rPr>
-              <a:t> 2014 – Valerio Riva</a:t>
+              <a:t>ROME  11-12 april 2014 – Valerio Riva</a:t>
             </a:r>
             <a:endParaRPr lang="it-IT" b="1" i="1" dirty="0">
               <a:solidFill>
@@ -4438,12 +5045,12 @@
       </p:sp>
       <p:sp>
         <p:nvSpPr>
-          <p:cNvPr id="3" name="Segnaposto contenuto 2"/>
-          <p:cNvSpPr>
-            <a:spLocks noGrp="1"/>
-          </p:cNvSpPr>
-          <p:nvPr>
-            <p:ph idx="1"/>
+          <p:cNvPr id="5" name="Segnaposto numero diapositiva 4"/>
+          <p:cNvSpPr>
+            <a:spLocks noGrp="1"/>
+          </p:cNvSpPr>
+          <p:nvPr>
+            <p:ph type="sldNum" sz="quarter" idx="12"/>
           </p:nvPr>
         </p:nvSpPr>
         <p:spPr/>
@@ -4451,21 +5058,18 @@
           <a:bodyPr/>
           <a:lstStyle/>
           <a:p>
-            <a:pPr marL="0" indent="0">
-              <a:buNone/>
-            </a:pPr>
-            <a:r>
-              <a:rPr lang="it-IT" dirty="0" smtClean="0"/>
-              <a:t>gameLoop.js</a:t>
-            </a:r>
-            <a:endParaRPr lang="it-IT" dirty="0"/>
+            <a:fld id="{219C0E88-5C08-45F5-BD91-E93F425D2D58}" type="slidenum">
+              <a:rPr lang="it-IT" smtClean="0"/>
+              <a:t>10</a:t>
+            </a:fld>
+            <a:endParaRPr lang="it-IT"/>
           </a:p>
         </p:txBody>
       </p:sp>
     </p:spTree>
     <p:extLst>
       <p:ext uri="{BB962C8B-B14F-4D97-AF65-F5344CB8AC3E}">
-        <p14:creationId xmlns:p14="http://schemas.microsoft.com/office/powerpoint/2010/main" val="482261441"/>
+        <p14:creationId xmlns:p14="http://schemas.microsoft.com/office/powerpoint/2010/main" val="594233915"/>
       </p:ext>
     </p:extLst>
   </p:cSld>
@@ -4519,7 +5123,7 @@
             <a:pPr algn="ctr"/>
             <a:r>
               <a:rPr lang="en-US" sz="4000" dirty="0" smtClean="0"/>
-              <a:t>Hello Phaser!</a:t>
+              <a:t>Sprite</a:t>
             </a:r>
             <a:endParaRPr lang="en-US" sz="4000" dirty="0"/>
           </a:p>
@@ -4535,7 +5139,12 @@
             <p:ph idx="1"/>
           </p:nvPr>
         </p:nvSpPr>
-        <p:spPr/>
+        <p:spPr>
+          <a:xfrm>
+            <a:off x="628650" y="1825625"/>
+            <a:ext cx="6247606" cy="4351338"/>
+          </a:xfrm>
+        </p:spPr>
         <p:txBody>
           <a:bodyPr>
             <a:normAutofit/>
@@ -4547,8 +5156,93 @@
             </a:pPr>
             <a:r>
               <a:rPr lang="en-US" dirty="0" smtClean="0"/>
-              <a:t>helloPhaser.html</a:t>
-            </a:r>
+              <a:t>“</a:t>
+            </a:r>
+            <a:r>
+              <a:rPr lang="en-US" dirty="0"/>
+              <a:t>In computer graphics, a </a:t>
+            </a:r>
+            <a:r>
+              <a:rPr lang="en-US" b="1" dirty="0"/>
+              <a:t>sprite</a:t>
+            </a:r>
+            <a:r>
+              <a:rPr lang="en-US" dirty="0"/>
+              <a:t> </a:t>
+            </a:r>
+            <a:r>
+              <a:rPr lang="en-US" dirty="0" smtClean="0"/>
+              <a:t>is </a:t>
+            </a:r>
+            <a:r>
+              <a:rPr lang="en-US" dirty="0"/>
+              <a:t>a two-dimensional image or animation that is integrated into a larger scene</a:t>
+            </a:r>
+            <a:r>
+              <a:rPr lang="en-US" dirty="0" smtClean="0"/>
+              <a:t>.”</a:t>
+            </a:r>
+          </a:p>
+          <a:p>
+            <a:r>
+              <a:rPr lang="en-US" dirty="0" smtClean="0"/>
+              <a:t>“Lives” inside game world, with </a:t>
+            </a:r>
+            <a:br>
+              <a:rPr lang="en-US" dirty="0" smtClean="0"/>
+            </a:br>
+            <a:r>
+              <a:rPr lang="en-US" dirty="0" smtClean="0"/>
+              <a:t>its set of coordinates and sizes</a:t>
+            </a:r>
+          </a:p>
+          <a:p>
+            <a:r>
+              <a:rPr lang="en-US" dirty="0"/>
+              <a:t>C</a:t>
+            </a:r>
+            <a:r>
+              <a:rPr lang="en-US" dirty="0" smtClean="0"/>
+              <a:t>an be animated with</a:t>
+            </a:r>
+            <a:br>
+              <a:rPr lang="en-US" dirty="0" smtClean="0"/>
+            </a:br>
+            <a:r>
+              <a:rPr lang="it-IT" dirty="0" err="1" smtClean="0"/>
+              <a:t>sequential</a:t>
+            </a:r>
+            <a:r>
+              <a:rPr lang="it-IT" dirty="0" smtClean="0"/>
+              <a:t> </a:t>
+            </a:r>
+            <a:r>
+              <a:rPr lang="it-IT" dirty="0" err="1" smtClean="0"/>
+              <a:t>drawings</a:t>
+            </a:r>
+            <a:endParaRPr lang="it-IT" dirty="0" smtClean="0"/>
+          </a:p>
+          <a:p>
+            <a:r>
+              <a:rPr lang="it-IT" dirty="0" err="1" smtClean="0"/>
+              <a:t>Main</a:t>
+            </a:r>
+            <a:r>
+              <a:rPr lang="it-IT" dirty="0" smtClean="0"/>
+              <a:t> </a:t>
+            </a:r>
+            <a:r>
+              <a:rPr lang="it-IT" dirty="0" err="1" smtClean="0"/>
+              <a:t>actor</a:t>
+            </a:r>
+            <a:r>
+              <a:rPr lang="it-IT" dirty="0" smtClean="0"/>
+              <a:t> of a 2D game</a:t>
+            </a:r>
+            <a:endParaRPr lang="en-US" dirty="0" smtClean="0"/>
+          </a:p>
+          <a:p>
+            <a:endParaRPr lang="en-US" dirty="0" smtClean="0"/>
           </a:p>
           <a:p>
             <a:pPr lvl="1"/>
@@ -4577,259 +5271,12 @@
           <a:lstStyle/>
           <a:p>
             <a:r>
-              <a:rPr lang="it-IT" b="1" i="1" dirty="0" smtClean="0">
+              <a:rPr lang="en-US" b="1" i="1" smtClean="0">
                 <a:solidFill>
                   <a:schemeClr val="bg1"/>
                 </a:solidFill>
               </a:rPr>
-              <a:t>ROME  11-12 </a:t>
-            </a:r>
-            <a:r>
-              <a:rPr lang="it-IT" b="1" i="1" dirty="0" err="1" smtClean="0">
-                <a:solidFill>
-                  <a:schemeClr val="bg1"/>
-                </a:solidFill>
-              </a:rPr>
-              <a:t>april</a:t>
-            </a:r>
-            <a:r>
-              <a:rPr lang="it-IT" b="1" i="1" dirty="0" smtClean="0">
-                <a:solidFill>
-                  <a:schemeClr val="bg1"/>
-                </a:solidFill>
-              </a:rPr>
-              <a:t> 2014 – Valerio Riva</a:t>
-            </a:r>
-            <a:endParaRPr lang="it-IT" b="1" i="1" dirty="0">
-              <a:solidFill>
-                <a:schemeClr val="bg1"/>
-              </a:solidFill>
-            </a:endParaRPr>
-          </a:p>
-        </p:txBody>
-      </p:sp>
-    </p:spTree>
-    <p:extLst>
-      <p:ext uri="{BB962C8B-B14F-4D97-AF65-F5344CB8AC3E}">
-        <p14:creationId xmlns:p14="http://schemas.microsoft.com/office/powerpoint/2010/main" val="594233915"/>
-      </p:ext>
-    </p:extLst>
-  </p:cSld>
-  <p:clrMapOvr>
-    <a:masterClrMapping/>
-  </p:clrMapOvr>
-  <p:timing>
-    <p:tnLst>
-      <p:par>
-        <p:cTn id="1" dur="indefinite" restart="never" nodeType="tmRoot"/>
-      </p:par>
-    </p:tnLst>
-  </p:timing>
-</p:sld>
-</file>
-
-<file path=ppt/slides/slide12.xml><?xml version="1.0" encoding="utf-8"?>
-<p:sld xmlns:a="http://schemas.openxmlformats.org/drawingml/2006/main" xmlns:r="http://schemas.openxmlformats.org/officeDocument/2006/relationships" xmlns:p="http://schemas.openxmlformats.org/presentationml/2006/main" showMasterSp="0">
-  <p:cSld>
-    <p:spTree>
-      <p:nvGrpSpPr>
-        <p:cNvPr id="1" name=""/>
-        <p:cNvGrpSpPr/>
-        <p:nvPr/>
-      </p:nvGrpSpPr>
-      <p:grpSpPr>
-        <a:xfrm>
-          <a:off x="0" y="0"/>
-          <a:ext cx="0" cy="0"/>
-          <a:chOff x="0" y="0"/>
-          <a:chExt cx="0" cy="0"/>
-        </a:xfrm>
-      </p:grpSpPr>
-      <p:sp>
-        <p:nvSpPr>
-          <p:cNvPr id="2" name="Titolo 1"/>
-          <p:cNvSpPr>
-            <a:spLocks noGrp="1"/>
-          </p:cNvSpPr>
-          <p:nvPr>
-            <p:ph type="title"/>
-          </p:nvPr>
-        </p:nvSpPr>
-        <p:spPr/>
-        <p:txBody>
-          <a:bodyPr>
-            <a:normAutofit/>
-          </a:bodyPr>
-          <a:lstStyle/>
-          <a:p>
-            <a:pPr algn="ctr"/>
-            <a:r>
-              <a:rPr lang="en-US" sz="4000" dirty="0" smtClean="0"/>
-              <a:t>Sprite</a:t>
-            </a:r>
-            <a:endParaRPr lang="en-US" sz="4000" dirty="0"/>
-          </a:p>
-        </p:txBody>
-      </p:sp>
-      <p:sp>
-        <p:nvSpPr>
-          <p:cNvPr id="3" name="Segnaposto contenuto 2"/>
-          <p:cNvSpPr>
-            <a:spLocks noGrp="1"/>
-          </p:cNvSpPr>
-          <p:nvPr>
-            <p:ph idx="1"/>
-          </p:nvPr>
-        </p:nvSpPr>
-        <p:spPr/>
-        <p:txBody>
-          <a:bodyPr>
-            <a:normAutofit/>
-          </a:bodyPr>
-          <a:lstStyle/>
-          <a:p>
-            <a:pPr marL="0" indent="0">
-              <a:buNone/>
-            </a:pPr>
-            <a:r>
-              <a:rPr lang="en-US" dirty="0" smtClean="0"/>
-              <a:t>“</a:t>
-            </a:r>
-            <a:r>
-              <a:rPr lang="en-US" dirty="0"/>
-              <a:t>In computer graphics, a </a:t>
-            </a:r>
-            <a:r>
-              <a:rPr lang="en-US" b="1" dirty="0"/>
-              <a:t>sprite</a:t>
-            </a:r>
-            <a:r>
-              <a:rPr lang="en-US" dirty="0"/>
-              <a:t> </a:t>
-            </a:r>
-            <a:r>
-              <a:rPr lang="en-US" dirty="0" smtClean="0"/>
-              <a:t>is </a:t>
-            </a:r>
-            <a:r>
-              <a:rPr lang="en-US" dirty="0"/>
-              <a:t>a two-dimensional image or animation that is integrated into a larger scene</a:t>
-            </a:r>
-            <a:r>
-              <a:rPr lang="en-US" dirty="0" smtClean="0"/>
-              <a:t>.”</a:t>
-            </a:r>
-          </a:p>
-          <a:p>
-            <a:r>
-              <a:rPr lang="en-US" dirty="0" smtClean="0"/>
-              <a:t>“Lives” inside game world, with </a:t>
-            </a:r>
-            <a:br>
-              <a:rPr lang="en-US" dirty="0" smtClean="0"/>
-            </a:br>
-            <a:r>
-              <a:rPr lang="en-US" dirty="0" smtClean="0"/>
-              <a:t>its set of coordinates and sizes</a:t>
-            </a:r>
-          </a:p>
-          <a:p>
-            <a:r>
-              <a:rPr lang="en-US" dirty="0"/>
-              <a:t>C</a:t>
-            </a:r>
-            <a:r>
-              <a:rPr lang="en-US" dirty="0" smtClean="0"/>
-              <a:t>an be animated with</a:t>
-            </a:r>
-            <a:br>
-              <a:rPr lang="en-US" dirty="0" smtClean="0"/>
-            </a:br>
-            <a:r>
-              <a:rPr lang="it-IT" dirty="0" err="1" smtClean="0"/>
-              <a:t>sequential</a:t>
-            </a:r>
-            <a:r>
-              <a:rPr lang="it-IT" dirty="0" smtClean="0"/>
-              <a:t> </a:t>
-            </a:r>
-            <a:r>
-              <a:rPr lang="it-IT" dirty="0" err="1" smtClean="0"/>
-              <a:t>drawings</a:t>
-            </a:r>
-            <a:endParaRPr lang="it-IT" dirty="0" smtClean="0"/>
-          </a:p>
-          <a:p>
-            <a:r>
-              <a:rPr lang="it-IT" dirty="0" err="1" smtClean="0"/>
-              <a:t>Main</a:t>
-            </a:r>
-            <a:r>
-              <a:rPr lang="it-IT" dirty="0" smtClean="0"/>
-              <a:t> </a:t>
-            </a:r>
-            <a:r>
-              <a:rPr lang="it-IT" dirty="0" err="1" smtClean="0"/>
-              <a:t>actor</a:t>
-            </a:r>
-            <a:r>
-              <a:rPr lang="it-IT" dirty="0" smtClean="0"/>
-              <a:t> of a 2D game</a:t>
-            </a:r>
-            <a:endParaRPr lang="en-US" dirty="0" smtClean="0"/>
-          </a:p>
-          <a:p>
-            <a:endParaRPr lang="en-US" dirty="0" smtClean="0"/>
-          </a:p>
-          <a:p>
-            <a:pPr lvl="1"/>
-            <a:endParaRPr lang="en-US" dirty="0" smtClean="0"/>
-          </a:p>
-        </p:txBody>
-      </p:sp>
-      <p:sp>
-        <p:nvSpPr>
-          <p:cNvPr id="4" name="Segnaposto data 3"/>
-          <p:cNvSpPr>
-            <a:spLocks noGrp="1"/>
-          </p:cNvSpPr>
-          <p:nvPr>
-            <p:ph type="dt" sz="half" idx="10"/>
-          </p:nvPr>
-        </p:nvSpPr>
-        <p:spPr>
-          <a:xfrm>
-            <a:off x="539552" y="115094"/>
-            <a:ext cx="3233886" cy="365125"/>
-          </a:xfrm>
-        </p:spPr>
-        <p:txBody>
-          <a:bodyPr/>
-          <a:lstStyle/>
-          <a:p>
-            <a:r>
-              <a:rPr lang="it-IT" b="1" i="1" dirty="0" smtClean="0">
-                <a:solidFill>
-                  <a:schemeClr val="bg1"/>
-                </a:solidFill>
-              </a:rPr>
-              <a:t>ROME  11-12 </a:t>
-            </a:r>
-            <a:r>
-              <a:rPr lang="it-IT" b="1" i="1" dirty="0" err="1" smtClean="0">
-                <a:solidFill>
-                  <a:schemeClr val="bg1"/>
-                </a:solidFill>
-              </a:rPr>
-              <a:t>april</a:t>
-            </a:r>
-            <a:r>
-              <a:rPr lang="it-IT" b="1" i="1" dirty="0" smtClean="0">
-                <a:solidFill>
-                  <a:schemeClr val="bg1"/>
-                </a:solidFill>
-              </a:rPr>
-              <a:t> 2014 – Valerio Riva</a:t>
+              <a:t>ROME  11-12 april 2014 – Valerio Riva</a:t>
             </a:r>
             <a:endParaRPr lang="it-IT" b="1" i="1" dirty="0">
               <a:solidFill>
@@ -4861,7 +5308,7 @@
         </p:blipFill>
         <p:spPr>
           <a:xfrm>
-            <a:off x="5699815" y="3848099"/>
+            <a:off x="5699815" y="3144183"/>
             <a:ext cx="2791222" cy="3394729"/>
           </a:xfrm>
           <a:prstGeom prst="rect">
@@ -4891,14 +5338,37 @@
         </p:blipFill>
         <p:spPr>
           <a:xfrm>
-            <a:off x="6516216" y="2636537"/>
-            <a:ext cx="1201499" cy="1211562"/>
+            <a:off x="7443771" y="1820689"/>
+            <a:ext cx="1023602" cy="1032175"/>
           </a:xfrm>
           <a:prstGeom prst="rect">
             <a:avLst/>
           </a:prstGeom>
         </p:spPr>
       </p:pic>
+      <p:sp>
+        <p:nvSpPr>
+          <p:cNvPr id="6" name="Segnaposto numero diapositiva 5"/>
+          <p:cNvSpPr>
+            <a:spLocks noGrp="1"/>
+          </p:cNvSpPr>
+          <p:nvPr>
+            <p:ph type="sldNum" sz="quarter" idx="12"/>
+          </p:nvPr>
+        </p:nvSpPr>
+        <p:spPr/>
+        <p:txBody>
+          <a:bodyPr/>
+          <a:lstStyle/>
+          <a:p>
+            <a:fld id="{219C0E88-5C08-45F5-BD91-E93F425D2D58}" type="slidenum">
+              <a:rPr lang="it-IT" smtClean="0"/>
+              <a:t>11</a:t>
+            </a:fld>
+            <a:endParaRPr lang="it-IT"/>
+          </a:p>
+        </p:txBody>
+      </p:sp>
     </p:spTree>
     <p:extLst>
       <p:ext uri="{BB962C8B-B14F-4D97-AF65-F5344CB8AC3E}">
@@ -4919,7 +5389,7 @@
 </p:sld>
 </file>
 
-<file path=ppt/slides/slide13.xml><?xml version="1.0" encoding="utf-8"?>
+<file path=ppt/slides/slide12.xml><?xml version="1.0" encoding="utf-8"?>
 <p:sld xmlns:a="http://schemas.openxmlformats.org/drawingml/2006/main" xmlns:r="http://schemas.openxmlformats.org/officeDocument/2006/relationships" xmlns:p="http://schemas.openxmlformats.org/presentationml/2006/main" showMasterSp="0">
   <p:cSld>
     <p:spTree>
@@ -5514,6 +5984,52 @@
           </a:p>
         </p:txBody>
       </p:sp>
+      <p:sp>
+        <p:nvSpPr>
+          <p:cNvPr id="2" name="Segnaposto data 1"/>
+          <p:cNvSpPr>
+            <a:spLocks noGrp="1"/>
+          </p:cNvSpPr>
+          <p:nvPr>
+            <p:ph type="dt" sz="half" idx="10"/>
+          </p:nvPr>
+        </p:nvSpPr>
+        <p:spPr/>
+        <p:txBody>
+          <a:bodyPr/>
+          <a:lstStyle/>
+          <a:p>
+            <a:r>
+              <a:rPr lang="en-US" smtClean="0"/>
+              <a:t>ROME  11-12 april 2014 – Valerio Riva</a:t>
+            </a:r>
+            <a:endParaRPr lang="it-IT"/>
+          </a:p>
+        </p:txBody>
+      </p:sp>
+      <p:sp>
+        <p:nvSpPr>
+          <p:cNvPr id="3" name="Segnaposto numero diapositiva 2"/>
+          <p:cNvSpPr>
+            <a:spLocks noGrp="1"/>
+          </p:cNvSpPr>
+          <p:nvPr>
+            <p:ph type="sldNum" sz="quarter" idx="12"/>
+          </p:nvPr>
+        </p:nvSpPr>
+        <p:spPr/>
+        <p:txBody>
+          <a:bodyPr/>
+          <a:lstStyle/>
+          <a:p>
+            <a:fld id="{219C0E88-5C08-45F5-BD91-E93F425D2D58}" type="slidenum">
+              <a:rPr lang="it-IT" smtClean="0"/>
+              <a:t>12</a:t>
+            </a:fld>
+            <a:endParaRPr lang="it-IT"/>
+          </a:p>
+        </p:txBody>
+      </p:sp>
     </p:spTree>
     <p:extLst>
       <p:ext uri="{BB962C8B-B14F-4D97-AF65-F5344CB8AC3E}">
@@ -5527,8 +6043,8 @@
 </p:sld>
 </file>
 
-<file path=ppt/slides/slide14.xml><?xml version="1.0" encoding="utf-8"?>
-<p:sld xmlns:a="http://schemas.openxmlformats.org/drawingml/2006/main" xmlns:r="http://schemas.openxmlformats.org/officeDocument/2006/relationships" xmlns:p="http://schemas.openxmlformats.org/presentationml/2006/main" showMasterSp="0">
+<file path=ppt/slides/slide13.xml><?xml version="1.0" encoding="utf-8"?>
+<p:sld xmlns:a="http://schemas.openxmlformats.org/drawingml/2006/main" xmlns:r="http://schemas.openxmlformats.org/officeDocument/2006/relationships" xmlns:p="http://schemas.openxmlformats.org/presentationml/2006/main" showMasterSp="0" show="0">
   <p:cSld>
     <p:spTree>
       <p:nvGrpSpPr>
@@ -5625,28 +6141,12 @@
           <a:lstStyle/>
           <a:p>
             <a:r>
-              <a:rPr lang="it-IT" b="1" i="1" dirty="0" smtClean="0">
+              <a:rPr lang="en-US" b="1" i="1" smtClean="0">
                 <a:solidFill>
                   <a:schemeClr val="bg1"/>
                 </a:solidFill>
               </a:rPr>
-              <a:t>ROME  11-12 </a:t>
-            </a:r>
-            <a:r>
-              <a:rPr lang="it-IT" b="1" i="1" dirty="0" err="1" smtClean="0">
-                <a:solidFill>
-                  <a:schemeClr val="bg1"/>
-                </a:solidFill>
-              </a:rPr>
-              <a:t>april</a:t>
-            </a:r>
-            <a:r>
-              <a:rPr lang="it-IT" b="1" i="1" dirty="0" smtClean="0">
-                <a:solidFill>
-                  <a:schemeClr val="bg1"/>
-                </a:solidFill>
-              </a:rPr>
-              <a:t> 2014 – Valerio Riva</a:t>
+              <a:t>ROME  11-12 april 2014 – Valerio Riva</a:t>
             </a:r>
             <a:endParaRPr lang="it-IT" b="1" i="1" dirty="0">
               <a:solidFill>
@@ -5656,10 +6156,486 @@
           </a:p>
         </p:txBody>
       </p:sp>
+      <p:sp>
+        <p:nvSpPr>
+          <p:cNvPr id="5" name="Segnaposto numero diapositiva 4"/>
+          <p:cNvSpPr>
+            <a:spLocks noGrp="1"/>
+          </p:cNvSpPr>
+          <p:nvPr>
+            <p:ph type="sldNum" sz="quarter" idx="12"/>
+          </p:nvPr>
+        </p:nvSpPr>
+        <p:spPr/>
+        <p:txBody>
+          <a:bodyPr/>
+          <a:lstStyle/>
+          <a:p>
+            <a:fld id="{219C0E88-5C08-45F5-BD91-E93F425D2D58}" type="slidenum">
+              <a:rPr lang="it-IT" smtClean="0"/>
+              <a:t>13</a:t>
+            </a:fld>
+            <a:endParaRPr lang="it-IT"/>
+          </a:p>
+        </p:txBody>
+      </p:sp>
     </p:spTree>
     <p:extLst>
       <p:ext uri="{BB962C8B-B14F-4D97-AF65-F5344CB8AC3E}">
         <p14:creationId xmlns:p14="http://schemas.microsoft.com/office/powerpoint/2010/main" val="3927040721"/>
+      </p:ext>
+    </p:extLst>
+  </p:cSld>
+  <p:clrMapOvr>
+    <a:masterClrMapping/>
+  </p:clrMapOvr>
+  <mc:AlternateContent xmlns:mc="http://schemas.openxmlformats.org/markup-compatibility/2006" xmlns:p14="http://schemas.microsoft.com/office/powerpoint/2010/main">
+    <mc:Choice Requires="p14">
+      <p:transition spd="slow" p14:dur="2000"/>
+    </mc:Choice>
+    <mc:Fallback xmlns="">
+      <p:transition spd="slow"/>
+    </mc:Fallback>
+  </mc:AlternateContent>
+  <p:timing>
+    <p:tnLst>
+      <p:par>
+        <p:cTn id="1" dur="indefinite" restart="never" nodeType="tmRoot"/>
+      </p:par>
+    </p:tnLst>
+  </p:timing>
+</p:sld>
+</file>
+
+<file path=ppt/slides/slide14.xml><?xml version="1.0" encoding="utf-8"?>
+<p:sld xmlns:a="http://schemas.openxmlformats.org/drawingml/2006/main" xmlns:r="http://schemas.openxmlformats.org/officeDocument/2006/relationships" xmlns:p="http://schemas.openxmlformats.org/presentationml/2006/main">
+  <p:cSld>
+    <p:spTree>
+      <p:nvGrpSpPr>
+        <p:cNvPr id="1" name=""/>
+        <p:cNvGrpSpPr/>
+        <p:nvPr/>
+      </p:nvGrpSpPr>
+      <p:grpSpPr>
+        <a:xfrm>
+          <a:off x="0" y="0"/>
+          <a:ext cx="0" cy="0"/>
+          <a:chOff x="0" y="0"/>
+          <a:chExt cx="0" cy="0"/>
+        </a:xfrm>
+      </p:grpSpPr>
+      <p:sp>
+        <p:nvSpPr>
+          <p:cNvPr id="2" name="Titolo 1"/>
+          <p:cNvSpPr>
+            <a:spLocks noGrp="1"/>
+          </p:cNvSpPr>
+          <p:nvPr>
+            <p:ph type="title"/>
+          </p:nvPr>
+        </p:nvSpPr>
+        <p:spPr/>
+        <p:txBody>
+          <a:bodyPr>
+            <a:normAutofit/>
+          </a:bodyPr>
+          <a:lstStyle/>
+          <a:p>
+            <a:pPr algn="ctr"/>
+            <a:r>
+              <a:rPr lang="en-US" sz="4000" dirty="0" smtClean="0"/>
+              <a:t>Group of sprites</a:t>
+            </a:r>
+            <a:endParaRPr lang="en-US" sz="4000" dirty="0"/>
+          </a:p>
+        </p:txBody>
+      </p:sp>
+      <p:sp>
+        <p:nvSpPr>
+          <p:cNvPr id="3" name="Segnaposto contenuto 2"/>
+          <p:cNvSpPr>
+            <a:spLocks noGrp="1"/>
+          </p:cNvSpPr>
+          <p:nvPr>
+            <p:ph idx="1"/>
+          </p:nvPr>
+        </p:nvSpPr>
+        <p:spPr/>
+        <p:txBody>
+          <a:bodyPr>
+            <a:normAutofit lnSpcReduction="10000"/>
+          </a:bodyPr>
+          <a:lstStyle/>
+          <a:p>
+            <a:r>
+              <a:rPr lang="en-US" dirty="0" smtClean="0"/>
+              <a:t>Use it as z-ordered layer</a:t>
+            </a:r>
+          </a:p>
+          <a:p>
+            <a:r>
+              <a:rPr lang="en-US" dirty="0" smtClean="0"/>
+              <a:t>Use it for </a:t>
+            </a:r>
+            <a:r>
+              <a:rPr lang="it-IT" dirty="0"/>
+              <a:t>fast </a:t>
+            </a:r>
+            <a:r>
+              <a:rPr lang="it-IT" dirty="0" err="1"/>
+              <a:t>pooling</a:t>
+            </a:r>
+            <a:r>
+              <a:rPr lang="it-IT" dirty="0"/>
+              <a:t> and </a:t>
+            </a:r>
+            <a:r>
+              <a:rPr lang="it-IT" dirty="0" err="1"/>
+              <a:t>object</a:t>
+            </a:r>
+            <a:r>
+              <a:rPr lang="it-IT" dirty="0"/>
+              <a:t> </a:t>
+            </a:r>
+            <a:r>
+              <a:rPr lang="it-IT" dirty="0" err="1" smtClean="0"/>
+              <a:t>recycling</a:t>
+            </a:r>
+            <a:r>
+              <a:rPr lang="it-IT" dirty="0" smtClean="0"/>
+              <a:t> </a:t>
+            </a:r>
+            <a:r>
+              <a:rPr lang="it-IT" dirty="0" err="1" smtClean="0"/>
+              <a:t>too</a:t>
+            </a:r>
+            <a:endParaRPr lang="it-IT" dirty="0" smtClean="0"/>
+          </a:p>
+          <a:p>
+            <a:r>
+              <a:rPr lang="it-IT" dirty="0" smtClean="0"/>
+              <a:t>Can </a:t>
+            </a:r>
+            <a:r>
+              <a:rPr lang="it-IT" dirty="0" err="1" smtClean="0"/>
+              <a:t>apply</a:t>
+            </a:r>
+            <a:r>
+              <a:rPr lang="it-IT" dirty="0" smtClean="0"/>
+              <a:t> </a:t>
+            </a:r>
+            <a:r>
+              <a:rPr lang="it-IT" dirty="0" err="1" smtClean="0"/>
+              <a:t>transformation</a:t>
+            </a:r>
+            <a:r>
+              <a:rPr lang="it-IT" dirty="0" smtClean="0"/>
+              <a:t> to </a:t>
+            </a:r>
+            <a:r>
+              <a:rPr lang="it-IT" dirty="0" err="1" smtClean="0"/>
+              <a:t>every</a:t>
+            </a:r>
+            <a:r>
+              <a:rPr lang="it-IT" dirty="0" smtClean="0"/>
+              <a:t> </a:t>
+            </a:r>
+            <a:r>
+              <a:rPr lang="it-IT" dirty="0" err="1" smtClean="0"/>
+              <a:t>sprite</a:t>
+            </a:r>
+            <a:endParaRPr lang="it-IT" dirty="0" smtClean="0"/>
+          </a:p>
+          <a:p>
+            <a:r>
+              <a:rPr lang="it-IT" dirty="0" smtClean="0"/>
+              <a:t>Can call </a:t>
+            </a:r>
+            <a:r>
+              <a:rPr lang="it-IT" dirty="0" err="1" smtClean="0"/>
+              <a:t>methods</a:t>
+            </a:r>
+            <a:r>
+              <a:rPr lang="it-IT" dirty="0" smtClean="0"/>
+              <a:t> on </a:t>
+            </a:r>
+            <a:r>
+              <a:rPr lang="it-IT" dirty="0" err="1" smtClean="0"/>
+              <a:t>every</a:t>
+            </a:r>
+            <a:r>
+              <a:rPr lang="it-IT" dirty="0" smtClean="0"/>
+              <a:t> </a:t>
+            </a:r>
+            <a:r>
+              <a:rPr lang="it-IT" dirty="0" err="1" smtClean="0"/>
+              <a:t>sprite</a:t>
+            </a:r>
+            <a:endParaRPr lang="it-IT" dirty="0" smtClean="0"/>
+          </a:p>
+          <a:p>
+            <a:pPr marL="0" indent="0">
+              <a:buNone/>
+            </a:pPr>
+            <a:r>
+              <a:rPr lang="en-US" sz="2000" dirty="0" err="1" smtClean="0">
+                <a:latin typeface="Consolas" panose="020B0609020204030204" pitchFamily="49" charset="0"/>
+                <a:cs typeface="Consolas" panose="020B0609020204030204" pitchFamily="49" charset="0"/>
+              </a:rPr>
+              <a:t>var</a:t>
+            </a:r>
+            <a:r>
+              <a:rPr lang="en-US" sz="2000" dirty="0" smtClean="0">
+                <a:latin typeface="Consolas" panose="020B0609020204030204" pitchFamily="49" charset="0"/>
+                <a:cs typeface="Consolas" panose="020B0609020204030204" pitchFamily="49" charset="0"/>
+              </a:rPr>
+              <a:t> group = </a:t>
+            </a:r>
+            <a:r>
+              <a:rPr lang="en-US" sz="2000" dirty="0" err="1" smtClean="0">
+                <a:latin typeface="Consolas" panose="020B0609020204030204" pitchFamily="49" charset="0"/>
+                <a:cs typeface="Consolas" panose="020B0609020204030204" pitchFamily="49" charset="0"/>
+              </a:rPr>
+              <a:t>game.add.group</a:t>
+            </a:r>
+            <a:r>
+              <a:rPr lang="en-US" sz="2000" dirty="0" smtClean="0">
+                <a:latin typeface="Consolas" panose="020B0609020204030204" pitchFamily="49" charset="0"/>
+                <a:cs typeface="Consolas" panose="020B0609020204030204" pitchFamily="49" charset="0"/>
+              </a:rPr>
+              <a:t>();</a:t>
+            </a:r>
+          </a:p>
+          <a:p>
+            <a:pPr marL="0" indent="0">
+              <a:buNone/>
+            </a:pPr>
+            <a:r>
+              <a:rPr lang="en-US" sz="2000" dirty="0" err="1">
+                <a:latin typeface="Consolas" panose="020B0609020204030204" pitchFamily="49" charset="0"/>
+                <a:cs typeface="Consolas" panose="020B0609020204030204" pitchFamily="49" charset="0"/>
+              </a:rPr>
+              <a:t>v</a:t>
+            </a:r>
+            <a:r>
+              <a:rPr lang="en-US" sz="2000" dirty="0" err="1" smtClean="0">
+                <a:latin typeface="Consolas" panose="020B0609020204030204" pitchFamily="49" charset="0"/>
+                <a:cs typeface="Consolas" panose="020B0609020204030204" pitchFamily="49" charset="0"/>
+              </a:rPr>
+              <a:t>ar</a:t>
+            </a:r>
+            <a:r>
+              <a:rPr lang="en-US" sz="2000" dirty="0" smtClean="0">
+                <a:latin typeface="Consolas" panose="020B0609020204030204" pitchFamily="49" charset="0"/>
+                <a:cs typeface="Consolas" panose="020B0609020204030204" pitchFamily="49" charset="0"/>
+              </a:rPr>
+              <a:t> sprite = </a:t>
+            </a:r>
+            <a:r>
+              <a:rPr lang="en-US" sz="2000" dirty="0" err="1" smtClean="0">
+                <a:latin typeface="Consolas" panose="020B0609020204030204" pitchFamily="49" charset="0"/>
+                <a:cs typeface="Consolas" panose="020B0609020204030204" pitchFamily="49" charset="0"/>
+              </a:rPr>
+              <a:t>group.create</a:t>
+            </a:r>
+            <a:r>
+              <a:rPr lang="en-US" sz="2000" dirty="0" smtClean="0">
+                <a:latin typeface="Consolas" panose="020B0609020204030204" pitchFamily="49" charset="0"/>
+                <a:cs typeface="Consolas" panose="020B0609020204030204" pitchFamily="49" charset="0"/>
+              </a:rPr>
+              <a:t>(x, y, </a:t>
+            </a:r>
+            <a:r>
+              <a:rPr lang="en-US" sz="2000" dirty="0">
+                <a:latin typeface="Consolas" panose="020B0609020204030204" pitchFamily="49" charset="0"/>
+                <a:cs typeface="Consolas" panose="020B0609020204030204" pitchFamily="49" charset="0"/>
+              </a:rPr>
+              <a:t>'</a:t>
+            </a:r>
+            <a:r>
+              <a:rPr lang="en-US" sz="2000" dirty="0" smtClean="0">
+                <a:latin typeface="Consolas" panose="020B0609020204030204" pitchFamily="49" charset="0"/>
+                <a:cs typeface="Consolas" panose="020B0609020204030204" pitchFamily="49" charset="0"/>
+              </a:rPr>
+              <a:t>image');</a:t>
+            </a:r>
+          </a:p>
+          <a:p>
+            <a:pPr marL="0" indent="0">
+              <a:buNone/>
+            </a:pPr>
+            <a:r>
+              <a:rPr lang="en-US" sz="2000" dirty="0" err="1" smtClean="0">
+                <a:latin typeface="Consolas" panose="020B0609020204030204" pitchFamily="49" charset="0"/>
+                <a:cs typeface="Consolas" panose="020B0609020204030204" pitchFamily="49" charset="0"/>
+              </a:rPr>
+              <a:t>group.x</a:t>
+            </a:r>
+            <a:r>
+              <a:rPr lang="en-US" sz="2000" dirty="0" smtClean="0">
+                <a:latin typeface="Consolas" panose="020B0609020204030204" pitchFamily="49" charset="0"/>
+                <a:cs typeface="Consolas" panose="020B0609020204030204" pitchFamily="49" charset="0"/>
+              </a:rPr>
+              <a:t> += 100;</a:t>
+            </a:r>
+          </a:p>
+          <a:p>
+            <a:pPr marL="0" indent="0">
+              <a:buNone/>
+            </a:pPr>
+            <a:r>
+              <a:rPr lang="en-US" sz="2000" dirty="0" err="1" smtClean="0">
+                <a:latin typeface="Consolas" panose="020B0609020204030204" pitchFamily="49" charset="0"/>
+                <a:cs typeface="Consolas" panose="020B0609020204030204" pitchFamily="49" charset="0"/>
+              </a:rPr>
+              <a:t>group.callAll</a:t>
+            </a:r>
+            <a:r>
+              <a:rPr lang="en-US" sz="2000" dirty="0" smtClean="0">
+                <a:latin typeface="Consolas" panose="020B0609020204030204" pitchFamily="49" charset="0"/>
+                <a:cs typeface="Consolas" panose="020B0609020204030204" pitchFamily="49" charset="0"/>
+              </a:rPr>
+              <a:t>(</a:t>
+            </a:r>
+            <a:r>
+              <a:rPr lang="en-US" sz="2000" dirty="0">
+                <a:latin typeface="Consolas" panose="020B0609020204030204" pitchFamily="49" charset="0"/>
+                <a:cs typeface="Consolas" panose="020B0609020204030204" pitchFamily="49" charset="0"/>
+              </a:rPr>
+              <a:t>'</a:t>
+            </a:r>
+            <a:r>
+              <a:rPr lang="en-US" sz="2000" dirty="0" smtClean="0">
+                <a:latin typeface="Consolas" panose="020B0609020204030204" pitchFamily="49" charset="0"/>
+                <a:cs typeface="Consolas" panose="020B0609020204030204" pitchFamily="49" charset="0"/>
+              </a:rPr>
+              <a:t>kill');</a:t>
+            </a:r>
+          </a:p>
+          <a:p>
+            <a:pPr marL="0" indent="0">
+              <a:buNone/>
+            </a:pPr>
+            <a:r>
+              <a:rPr lang="en-US" sz="2000" dirty="0" err="1" smtClean="0">
+                <a:latin typeface="Consolas" panose="020B0609020204030204" pitchFamily="49" charset="0"/>
+                <a:cs typeface="Consolas" panose="020B0609020204030204" pitchFamily="49" charset="0"/>
+              </a:rPr>
+              <a:t>var</a:t>
+            </a:r>
+            <a:r>
+              <a:rPr lang="en-US" sz="2000" dirty="0" smtClean="0">
+                <a:latin typeface="Consolas" panose="020B0609020204030204" pitchFamily="49" charset="0"/>
+                <a:cs typeface="Consolas" panose="020B0609020204030204" pitchFamily="49" charset="0"/>
+              </a:rPr>
+              <a:t> zombie = </a:t>
+            </a:r>
+            <a:r>
+              <a:rPr lang="en-US" sz="2000" dirty="0" err="1" smtClean="0">
+                <a:latin typeface="Consolas" panose="020B0609020204030204" pitchFamily="49" charset="0"/>
+                <a:cs typeface="Consolas" panose="020B0609020204030204" pitchFamily="49" charset="0"/>
+              </a:rPr>
+              <a:t>group.getFirstExists</a:t>
+            </a:r>
+            <a:r>
+              <a:rPr lang="en-US" sz="2000" dirty="0" smtClean="0">
+                <a:latin typeface="Consolas" panose="020B0609020204030204" pitchFamily="49" charset="0"/>
+                <a:cs typeface="Consolas" panose="020B0609020204030204" pitchFamily="49" charset="0"/>
+              </a:rPr>
+              <a:t>(false);</a:t>
+            </a:r>
+          </a:p>
+          <a:p>
+            <a:pPr marL="0" indent="0">
+              <a:buNone/>
+            </a:pPr>
+            <a:r>
+              <a:rPr lang="en-US" sz="2000" dirty="0" err="1">
+                <a:latin typeface="Consolas" panose="020B0609020204030204" pitchFamily="49" charset="0"/>
+                <a:cs typeface="Consolas" panose="020B0609020204030204" pitchFamily="49" charset="0"/>
+              </a:rPr>
+              <a:t>z</a:t>
+            </a:r>
+            <a:r>
+              <a:rPr lang="en-US" sz="2000" dirty="0" err="1" smtClean="0">
+                <a:latin typeface="Consolas" panose="020B0609020204030204" pitchFamily="49" charset="0"/>
+                <a:cs typeface="Consolas" panose="020B0609020204030204" pitchFamily="49" charset="0"/>
+              </a:rPr>
+              <a:t>ombie.revive</a:t>
+            </a:r>
+            <a:r>
+              <a:rPr lang="en-US" sz="2000" dirty="0" smtClean="0">
+                <a:latin typeface="Consolas" panose="020B0609020204030204" pitchFamily="49" charset="0"/>
+                <a:cs typeface="Consolas" panose="020B0609020204030204" pitchFamily="49" charset="0"/>
+              </a:rPr>
+              <a:t>(); //cured!</a:t>
+            </a:r>
+          </a:p>
+        </p:txBody>
+      </p:sp>
+      <p:sp>
+        <p:nvSpPr>
+          <p:cNvPr id="4" name="Segnaposto data 3"/>
+          <p:cNvSpPr>
+            <a:spLocks noGrp="1"/>
+          </p:cNvSpPr>
+          <p:nvPr>
+            <p:ph type="dt" sz="half" idx="10"/>
+          </p:nvPr>
+        </p:nvSpPr>
+        <p:spPr>
+          <a:xfrm>
+            <a:off x="539552" y="115094"/>
+            <a:ext cx="3233886" cy="365125"/>
+          </a:xfrm>
+        </p:spPr>
+        <p:txBody>
+          <a:bodyPr/>
+          <a:lstStyle/>
+          <a:p>
+            <a:r>
+              <a:rPr lang="en-US" b="1" i="1" smtClean="0">
+                <a:solidFill>
+                  <a:schemeClr val="bg1"/>
+                </a:solidFill>
+              </a:rPr>
+              <a:t>ROME  11-12 april 2014 – Valerio Riva</a:t>
+            </a:r>
+            <a:endParaRPr lang="it-IT" b="1" i="1" dirty="0">
+              <a:solidFill>
+                <a:schemeClr val="bg1"/>
+              </a:solidFill>
+            </a:endParaRPr>
+          </a:p>
+        </p:txBody>
+      </p:sp>
+      <p:sp>
+        <p:nvSpPr>
+          <p:cNvPr id="5" name="Segnaposto numero diapositiva 4"/>
+          <p:cNvSpPr>
+            <a:spLocks noGrp="1"/>
+          </p:cNvSpPr>
+          <p:nvPr>
+            <p:ph type="sldNum" sz="quarter" idx="12"/>
+          </p:nvPr>
+        </p:nvSpPr>
+        <p:spPr/>
+        <p:txBody>
+          <a:bodyPr/>
+          <a:lstStyle/>
+          <a:p>
+            <a:fld id="{219C0E88-5C08-45F5-BD91-E93F425D2D58}" type="slidenum">
+              <a:rPr lang="it-IT" smtClean="0"/>
+              <a:t>14</a:t>
+            </a:fld>
+            <a:endParaRPr lang="it-IT"/>
+          </a:p>
+        </p:txBody>
+      </p:sp>
+    </p:spTree>
+    <p:extLst>
+      <p:ext uri="{BB962C8B-B14F-4D97-AF65-F5344CB8AC3E}">
+        <p14:creationId xmlns:p14="http://schemas.microsoft.com/office/powerpoint/2010/main" val="2863946840"/>
       </p:ext>
     </p:extLst>
   </p:cSld>
@@ -5905,7 +6881,7 @@
                 <a:latin typeface="Consolas" panose="020B0609020204030204" pitchFamily="49" charset="0"/>
                 <a:cs typeface="Consolas" panose="020B0609020204030204" pitchFamily="49" charset="0"/>
               </a:rPr>
-              <a:t>g.create</a:t>
+              <a:t>group.create</a:t>
             </a:r>
             <a:r>
               <a:rPr lang="en-US" sz="2000" dirty="0" smtClean="0">
@@ -5997,59 +6973,48 @@
                 <a:latin typeface="Consolas" panose="020B0609020204030204" pitchFamily="49" charset="0"/>
                 <a:cs typeface="Consolas" panose="020B0609020204030204" pitchFamily="49" charset="0"/>
               </a:rPr>
-              <a:t> </a:t>
+              <a:t> zombie = </a:t>
+            </a:r>
+            <a:r>
+              <a:rPr lang="en-US" sz="2000" dirty="0" err="1" smtClean="0">
+                <a:latin typeface="Consolas" panose="020B0609020204030204" pitchFamily="49" charset="0"/>
+                <a:cs typeface="Consolas" panose="020B0609020204030204" pitchFamily="49" charset="0"/>
+              </a:rPr>
+              <a:t>group.getFirstExists</a:t>
             </a:r>
             <a:r>
               <a:rPr lang="en-US" sz="2000" dirty="0" smtClean="0">
                 <a:latin typeface="Consolas" panose="020B0609020204030204" pitchFamily="49" charset="0"/>
                 <a:cs typeface="Consolas" panose="020B0609020204030204" pitchFamily="49" charset="0"/>
               </a:rPr>
-              <a:t>zombie = </a:t>
+              <a:t>(false);</a:t>
+            </a:r>
+          </a:p>
+          <a:p>
+            <a:pPr marL="0" indent="0">
+              <a:buNone/>
+            </a:pPr>
+            <a:r>
+              <a:rPr lang="en-US" sz="2000" dirty="0" err="1">
+                <a:latin typeface="Consolas" panose="020B0609020204030204" pitchFamily="49" charset="0"/>
+                <a:cs typeface="Consolas" panose="020B0609020204030204" pitchFamily="49" charset="0"/>
+              </a:rPr>
+              <a:t>z</a:t>
             </a:r>
             <a:r>
               <a:rPr lang="en-US" sz="2000" dirty="0" err="1" smtClean="0">
                 <a:latin typeface="Consolas" panose="020B0609020204030204" pitchFamily="49" charset="0"/>
                 <a:cs typeface="Consolas" panose="020B0609020204030204" pitchFamily="49" charset="0"/>
               </a:rPr>
-              <a:t>g.getFirstExists</a:t>
+              <a:t>ombie.revive</a:t>
             </a:r>
             <a:r>
               <a:rPr lang="en-US" sz="2000" dirty="0" smtClean="0">
                 <a:latin typeface="Consolas" panose="020B0609020204030204" pitchFamily="49" charset="0"/>
                 <a:cs typeface="Consolas" panose="020B0609020204030204" pitchFamily="49" charset="0"/>
               </a:rPr>
-              <a:t>(false);</a:t>
-            </a:r>
-          </a:p>
-          <a:p>
-            <a:pPr marL="0" indent="0">
-              <a:buNone/>
-            </a:pPr>
-            <a:r>
-              <a:rPr lang="en-US" sz="2000" dirty="0" err="1">
-                <a:latin typeface="Consolas" panose="020B0609020204030204" pitchFamily="49" charset="0"/>
-                <a:cs typeface="Consolas" panose="020B0609020204030204" pitchFamily="49" charset="0"/>
-              </a:rPr>
-              <a:t>z</a:t>
-            </a:r>
-            <a:r>
-              <a:rPr lang="en-US" sz="2000" dirty="0" err="1" smtClean="0">
-                <a:latin typeface="Consolas" panose="020B0609020204030204" pitchFamily="49" charset="0"/>
-                <a:cs typeface="Consolas" panose="020B0609020204030204" pitchFamily="49" charset="0"/>
-              </a:rPr>
-              <a:t>ombie.revive</a:t>
-            </a:r>
-            <a:r>
-              <a:rPr lang="en-US" sz="2000" smtClean="0">
-                <a:latin typeface="Consolas" panose="020B0609020204030204" pitchFamily="49" charset="0"/>
-                <a:cs typeface="Consolas" panose="020B0609020204030204" pitchFamily="49" charset="0"/>
-              </a:rPr>
               <a:t>(); //cured!</a:t>
             </a:r>
-            <a:endParaRPr lang="en-US" sz="2000" dirty="0" smtClean="0">
-              <a:latin typeface="Consolas" panose="020B0609020204030204" pitchFamily="49" charset="0"/>
-              <a:cs typeface="Consolas" panose="020B0609020204030204" pitchFamily="49" charset="0"/>
-            </a:endParaRPr>
           </a:p>
         </p:txBody>
       </p:sp>
@@ -6074,28 +7039,12 @@
           <a:lstStyle/>
           <a:p>
             <a:r>
-              <a:rPr lang="it-IT" b="1" i="1" dirty="0" smtClean="0">
+              <a:rPr lang="en-US" b="1" i="1" smtClean="0">
                 <a:solidFill>
                   <a:schemeClr val="bg1"/>
                 </a:solidFill>
               </a:rPr>
-              <a:t>ROME  11-12 </a:t>
-            </a:r>
-            <a:r>
-              <a:rPr lang="it-IT" b="1" i="1" dirty="0" err="1" smtClean="0">
-                <a:solidFill>
-                  <a:schemeClr val="bg1"/>
-                </a:solidFill>
-              </a:rPr>
-              <a:t>april</a:t>
-            </a:r>
-            <a:r>
-              <a:rPr lang="it-IT" b="1" i="1" dirty="0" smtClean="0">
-                <a:solidFill>
-                  <a:schemeClr val="bg1"/>
-                </a:solidFill>
-              </a:rPr>
-              <a:t> 2014 – Valerio Riva</a:t>
+              <a:t>ROME  11-12 april 2014 – Valerio Riva</a:t>
             </a:r>
             <a:endParaRPr lang="it-IT" b="1" i="1" dirty="0">
               <a:solidFill>
@@ -6105,10 +7054,1580 @@
           </a:p>
         </p:txBody>
       </p:sp>
+      <p:sp>
+        <p:nvSpPr>
+          <p:cNvPr id="5" name="Segnaposto numero diapositiva 4"/>
+          <p:cNvSpPr>
+            <a:spLocks noGrp="1"/>
+          </p:cNvSpPr>
+          <p:nvPr>
+            <p:ph type="sldNum" sz="quarter" idx="12"/>
+          </p:nvPr>
+        </p:nvSpPr>
+        <p:spPr/>
+        <p:txBody>
+          <a:bodyPr/>
+          <a:lstStyle/>
+          <a:p>
+            <a:fld id="{219C0E88-5C08-45F5-BD91-E93F425D2D58}" type="slidenum">
+              <a:rPr lang="it-IT" smtClean="0"/>
+              <a:t>15</a:t>
+            </a:fld>
+            <a:endParaRPr lang="it-IT"/>
+          </a:p>
+        </p:txBody>
+      </p:sp>
     </p:spTree>
     <p:extLst>
       <p:ext uri="{BB962C8B-B14F-4D97-AF65-F5344CB8AC3E}">
-        <p14:creationId xmlns:p14="http://schemas.microsoft.com/office/powerpoint/2010/main" val="2863946840"/>
+        <p14:creationId xmlns:p14="http://schemas.microsoft.com/office/powerpoint/2010/main" val="50379283"/>
+      </p:ext>
+    </p:extLst>
+  </p:cSld>
+  <p:clrMapOvr>
+    <a:masterClrMapping/>
+  </p:clrMapOvr>
+  <p:timing>
+    <p:tnLst>
+      <p:par>
+        <p:cTn id="1" dur="indefinite" restart="never" nodeType="tmRoot"/>
+      </p:par>
+    </p:tnLst>
+  </p:timing>
+</p:sld>
+</file>
+
+<file path=ppt/slides/slide16.xml><?xml version="1.0" encoding="utf-8"?>
+<p:sld xmlns:a="http://schemas.openxmlformats.org/drawingml/2006/main" xmlns:r="http://schemas.openxmlformats.org/officeDocument/2006/relationships" xmlns:p="http://schemas.openxmlformats.org/presentationml/2006/main">
+  <p:cSld>
+    <p:spTree>
+      <p:nvGrpSpPr>
+        <p:cNvPr id="1" name=""/>
+        <p:cNvGrpSpPr/>
+        <p:nvPr/>
+      </p:nvGrpSpPr>
+      <p:grpSpPr>
+        <a:xfrm>
+          <a:off x="0" y="0"/>
+          <a:ext cx="0" cy="0"/>
+          <a:chOff x="0" y="0"/>
+          <a:chExt cx="0" cy="0"/>
+        </a:xfrm>
+      </p:grpSpPr>
+      <p:sp>
+        <p:nvSpPr>
+          <p:cNvPr id="2" name="Titolo 1"/>
+          <p:cNvSpPr>
+            <a:spLocks noGrp="1"/>
+          </p:cNvSpPr>
+          <p:nvPr>
+            <p:ph type="title"/>
+          </p:nvPr>
+        </p:nvSpPr>
+        <p:spPr/>
+        <p:txBody>
+          <a:bodyPr>
+            <a:normAutofit/>
+          </a:bodyPr>
+          <a:lstStyle/>
+          <a:p>
+            <a:pPr algn="ctr"/>
+            <a:r>
+              <a:rPr lang="en-US" sz="4000" dirty="0" err="1" smtClean="0"/>
+              <a:t>Tilemap</a:t>
+            </a:r>
+            <a:endParaRPr lang="en-US" sz="4000" dirty="0"/>
+          </a:p>
+        </p:txBody>
+      </p:sp>
+      <p:sp>
+        <p:nvSpPr>
+          <p:cNvPr id="3" name="Segnaposto contenuto 2"/>
+          <p:cNvSpPr>
+            <a:spLocks noGrp="1"/>
+          </p:cNvSpPr>
+          <p:nvPr>
+            <p:ph idx="1"/>
+          </p:nvPr>
+        </p:nvSpPr>
+        <p:spPr>
+          <a:noFill/>
+        </p:spPr>
+        <p:txBody>
+          <a:bodyPr>
+            <a:normAutofit/>
+          </a:bodyPr>
+          <a:lstStyle/>
+          <a:p>
+            <a:pPr marL="0" indent="0">
+              <a:buNone/>
+            </a:pPr>
+            <a:r>
+              <a:rPr lang="en-US" dirty="0" smtClean="0"/>
+              <a:t>A </a:t>
+            </a:r>
+            <a:r>
+              <a:rPr lang="en-US" dirty="0" err="1" smtClean="0"/>
+              <a:t>tilemap</a:t>
+            </a:r>
+            <a:r>
+              <a:rPr lang="en-US" dirty="0" smtClean="0"/>
+              <a:t> is a map composed by sprites of same size (tiles)</a:t>
+            </a:r>
+          </a:p>
+          <a:p>
+            <a:r>
+              <a:rPr lang="en-US" dirty="0" smtClean="0"/>
+              <a:t>Each tile can have different </a:t>
+            </a:r>
+            <a:r>
+              <a:rPr lang="en-US" dirty="0" err="1" smtClean="0"/>
+              <a:t>behaviour</a:t>
+            </a:r>
+            <a:endParaRPr lang="en-US" dirty="0" smtClean="0"/>
+          </a:p>
+          <a:p>
+            <a:r>
+              <a:rPr lang="en-US" dirty="0" smtClean="0"/>
+              <a:t>Used to create platform and map based games</a:t>
+            </a:r>
+          </a:p>
+          <a:p>
+            <a:r>
+              <a:rPr lang="en-US" dirty="0" smtClean="0"/>
+              <a:t>Can be orthogonal or isometric</a:t>
+            </a:r>
+          </a:p>
+          <a:p>
+            <a:r>
+              <a:rPr lang="en-US" dirty="0" smtClean="0"/>
+              <a:t>Easy to create with Tiled </a:t>
+            </a:r>
+            <a:r>
+              <a:rPr lang="en-GB" dirty="0" smtClean="0"/>
+              <a:t>http</a:t>
+            </a:r>
+            <a:r>
+              <a:rPr lang="en-GB" dirty="0"/>
+              <a:t>://www.mapeditor.org</a:t>
+            </a:r>
+            <a:r>
+              <a:rPr lang="en-GB" dirty="0" smtClean="0"/>
+              <a:t>/</a:t>
+            </a:r>
+            <a:endParaRPr lang="en-US" dirty="0" smtClean="0"/>
+          </a:p>
+        </p:txBody>
+      </p:sp>
+      <p:sp>
+        <p:nvSpPr>
+          <p:cNvPr id="4" name="Segnaposto data 3"/>
+          <p:cNvSpPr>
+            <a:spLocks noGrp="1"/>
+          </p:cNvSpPr>
+          <p:nvPr>
+            <p:ph type="dt" sz="half" idx="10"/>
+          </p:nvPr>
+        </p:nvSpPr>
+        <p:spPr>
+          <a:xfrm>
+            <a:off x="539552" y="115094"/>
+            <a:ext cx="3233886" cy="365125"/>
+          </a:xfrm>
+        </p:spPr>
+        <p:txBody>
+          <a:bodyPr/>
+          <a:lstStyle/>
+          <a:p>
+            <a:r>
+              <a:rPr lang="en-US" b="1" i="1" smtClean="0">
+                <a:solidFill>
+                  <a:schemeClr val="bg1"/>
+                </a:solidFill>
+              </a:rPr>
+              <a:t>ROME  11-12 april 2014 – Valerio Riva</a:t>
+            </a:r>
+            <a:endParaRPr lang="it-IT" b="1" i="1" dirty="0">
+              <a:solidFill>
+                <a:schemeClr val="bg1"/>
+              </a:solidFill>
+            </a:endParaRPr>
+          </a:p>
+        </p:txBody>
+      </p:sp>
+      <p:sp>
+        <p:nvSpPr>
+          <p:cNvPr id="5" name="Segnaposto numero diapositiva 4"/>
+          <p:cNvSpPr>
+            <a:spLocks noGrp="1"/>
+          </p:cNvSpPr>
+          <p:nvPr>
+            <p:ph type="sldNum" sz="quarter" idx="12"/>
+          </p:nvPr>
+        </p:nvSpPr>
+        <p:spPr/>
+        <p:txBody>
+          <a:bodyPr/>
+          <a:lstStyle/>
+          <a:p>
+            <a:fld id="{219C0E88-5C08-45F5-BD91-E93F425D2D58}" type="slidenum">
+              <a:rPr lang="it-IT" smtClean="0"/>
+              <a:t>16</a:t>
+            </a:fld>
+            <a:endParaRPr lang="it-IT"/>
+          </a:p>
+        </p:txBody>
+      </p:sp>
+    </p:spTree>
+    <p:extLst>
+      <p:ext uri="{BB962C8B-B14F-4D97-AF65-F5344CB8AC3E}">
+        <p14:creationId xmlns:p14="http://schemas.microsoft.com/office/powerpoint/2010/main" val="1082215177"/>
+      </p:ext>
+    </p:extLst>
+  </p:cSld>
+  <p:clrMapOvr>
+    <a:masterClrMapping/>
+  </p:clrMapOvr>
+  <p:timing>
+    <p:tnLst>
+      <p:par>
+        <p:cTn id="1" dur="indefinite" restart="never" nodeType="tmRoot"/>
+      </p:par>
+    </p:tnLst>
+  </p:timing>
+</p:sld>
+</file>
+
+<file path=ppt/slides/slide17.xml><?xml version="1.0" encoding="utf-8"?>
+<p:sld xmlns:a="http://schemas.openxmlformats.org/drawingml/2006/main" xmlns:r="http://schemas.openxmlformats.org/officeDocument/2006/relationships" xmlns:p="http://schemas.openxmlformats.org/presentationml/2006/main">
+  <p:cSld>
+    <p:spTree>
+      <p:nvGrpSpPr>
+        <p:cNvPr id="1" name=""/>
+        <p:cNvGrpSpPr/>
+        <p:nvPr/>
+      </p:nvGrpSpPr>
+      <p:grpSpPr>
+        <a:xfrm>
+          <a:off x="0" y="0"/>
+          <a:ext cx="0" cy="0"/>
+          <a:chOff x="0" y="0"/>
+          <a:chExt cx="0" cy="0"/>
+        </a:xfrm>
+      </p:grpSpPr>
+      <p:sp>
+        <p:nvSpPr>
+          <p:cNvPr id="2" name="Titolo 1"/>
+          <p:cNvSpPr>
+            <a:spLocks noGrp="1"/>
+          </p:cNvSpPr>
+          <p:nvPr>
+            <p:ph type="title"/>
+          </p:nvPr>
+        </p:nvSpPr>
+        <p:spPr/>
+        <p:txBody>
+          <a:bodyPr>
+            <a:normAutofit/>
+          </a:bodyPr>
+          <a:lstStyle/>
+          <a:p>
+            <a:pPr algn="ctr"/>
+            <a:r>
+              <a:rPr lang="en-US" sz="4000" dirty="0" err="1" smtClean="0"/>
+              <a:t>Tilemap</a:t>
+            </a:r>
+            <a:endParaRPr lang="en-US" sz="4000" dirty="0"/>
+          </a:p>
+        </p:txBody>
+      </p:sp>
+      <p:sp>
+        <p:nvSpPr>
+          <p:cNvPr id="3" name="Segnaposto contenuto 2"/>
+          <p:cNvSpPr>
+            <a:spLocks noGrp="1"/>
+          </p:cNvSpPr>
+          <p:nvPr>
+            <p:ph idx="1"/>
+          </p:nvPr>
+        </p:nvSpPr>
+        <p:spPr/>
+        <p:txBody>
+          <a:bodyPr>
+            <a:normAutofit fontScale="92500" lnSpcReduction="10000"/>
+          </a:bodyPr>
+          <a:lstStyle/>
+          <a:p>
+            <a:pPr marL="0" indent="0">
+              <a:lnSpc>
+                <a:spcPct val="120000"/>
+              </a:lnSpc>
+              <a:spcBef>
+                <a:spcPts val="0"/>
+              </a:spcBef>
+              <a:buNone/>
+            </a:pPr>
+            <a:r>
+              <a:rPr lang="en-US" sz="2000" dirty="0" smtClean="0">
+                <a:latin typeface="Consolas" panose="020B0609020204030204" pitchFamily="49" charset="0"/>
+                <a:cs typeface="Consolas" panose="020B0609020204030204" pitchFamily="49" charset="0"/>
+              </a:rPr>
+              <a:t>function preload() {</a:t>
+            </a:r>
+          </a:p>
+          <a:p>
+            <a:pPr marL="0" indent="0">
+              <a:lnSpc>
+                <a:spcPct val="120000"/>
+              </a:lnSpc>
+              <a:spcBef>
+                <a:spcPts val="0"/>
+              </a:spcBef>
+              <a:buNone/>
+            </a:pPr>
+            <a:r>
+              <a:rPr lang="en-US" sz="2000" dirty="0" smtClean="0">
+                <a:latin typeface="Consolas" panose="020B0609020204030204" pitchFamily="49" charset="0"/>
+                <a:cs typeface="Consolas" panose="020B0609020204030204" pitchFamily="49" charset="0"/>
+              </a:rPr>
+              <a:t>	</a:t>
+            </a:r>
+            <a:r>
+              <a:rPr lang="en-US" sz="2000" dirty="0" err="1" smtClean="0">
+                <a:latin typeface="Consolas" panose="020B0609020204030204" pitchFamily="49" charset="0"/>
+                <a:cs typeface="Consolas" panose="020B0609020204030204" pitchFamily="49" charset="0"/>
+              </a:rPr>
+              <a:t>game.load.tilemap</a:t>
+            </a:r>
+            <a:r>
+              <a:rPr lang="en-US" sz="2000" dirty="0" smtClean="0">
+                <a:latin typeface="Consolas" panose="020B0609020204030204" pitchFamily="49" charset="0"/>
+                <a:cs typeface="Consolas" panose="020B0609020204030204" pitchFamily="49" charset="0"/>
+              </a:rPr>
+              <a:t>('</a:t>
+            </a:r>
+            <a:r>
+              <a:rPr lang="en-US" sz="2000" dirty="0" err="1" smtClean="0">
+                <a:latin typeface="Consolas" panose="020B0609020204030204" pitchFamily="49" charset="0"/>
+                <a:cs typeface="Consolas" panose="020B0609020204030204" pitchFamily="49" charset="0"/>
+              </a:rPr>
+              <a:t>codem</a:t>
+            </a:r>
+            <a:r>
+              <a:rPr lang="en-US" sz="2000" dirty="0" smtClean="0">
+                <a:latin typeface="Consolas" panose="020B0609020204030204" pitchFamily="49" charset="0"/>
+                <a:cs typeface="Consolas" panose="020B0609020204030204" pitchFamily="49" charset="0"/>
+              </a:rPr>
+              <a:t>', '</a:t>
+            </a:r>
+            <a:r>
+              <a:rPr lang="en-US" sz="2000" dirty="0" err="1" smtClean="0">
+                <a:latin typeface="Consolas" panose="020B0609020204030204" pitchFamily="49" charset="0"/>
+                <a:cs typeface="Consolas" panose="020B0609020204030204" pitchFamily="49" charset="0"/>
+              </a:rPr>
+              <a:t>tilemap</a:t>
+            </a:r>
+            <a:r>
+              <a:rPr lang="en-US" sz="2000" dirty="0" smtClean="0">
+                <a:latin typeface="Consolas" panose="020B0609020204030204" pitchFamily="49" charset="0"/>
+                <a:cs typeface="Consolas" panose="020B0609020204030204" pitchFamily="49" charset="0"/>
+              </a:rPr>
+              <a:t>/</a:t>
+            </a:r>
+            <a:r>
+              <a:rPr lang="en-US" sz="2000" dirty="0" err="1" smtClean="0">
+                <a:latin typeface="Consolas" panose="020B0609020204030204" pitchFamily="49" charset="0"/>
+                <a:cs typeface="Consolas" panose="020B0609020204030204" pitchFamily="49" charset="0"/>
+              </a:rPr>
+              <a:t>codem.json</a:t>
+            </a:r>
+            <a:r>
+              <a:rPr lang="en-US" sz="2000" dirty="0" smtClean="0">
+                <a:latin typeface="Consolas" panose="020B0609020204030204" pitchFamily="49" charset="0"/>
+                <a:cs typeface="Consolas" panose="020B0609020204030204" pitchFamily="49" charset="0"/>
+              </a:rPr>
+              <a:t>', null, </a:t>
+            </a:r>
+            <a:r>
+              <a:rPr lang="en-US" sz="2000" dirty="0" err="1" smtClean="0">
+                <a:latin typeface="Consolas" panose="020B0609020204030204" pitchFamily="49" charset="0"/>
+                <a:cs typeface="Consolas" panose="020B0609020204030204" pitchFamily="49" charset="0"/>
+              </a:rPr>
+              <a:t>Phaser.Tilemap.TILED_JSON</a:t>
+            </a:r>
+            <a:r>
+              <a:rPr lang="en-US" sz="2000" dirty="0" smtClean="0">
+                <a:latin typeface="Consolas" panose="020B0609020204030204" pitchFamily="49" charset="0"/>
+                <a:cs typeface="Consolas" panose="020B0609020204030204" pitchFamily="49" charset="0"/>
+              </a:rPr>
+              <a:t>);</a:t>
+            </a:r>
+          </a:p>
+          <a:p>
+            <a:pPr marL="0" indent="0">
+              <a:lnSpc>
+                <a:spcPct val="120000"/>
+              </a:lnSpc>
+              <a:spcBef>
+                <a:spcPts val="0"/>
+              </a:spcBef>
+              <a:buNone/>
+            </a:pPr>
+            <a:r>
+              <a:rPr lang="en-US" sz="2000" dirty="0" smtClean="0">
+                <a:latin typeface="Consolas" panose="020B0609020204030204" pitchFamily="49" charset="0"/>
+                <a:cs typeface="Consolas" panose="020B0609020204030204" pitchFamily="49" charset="0"/>
+              </a:rPr>
+              <a:t>	</a:t>
+            </a:r>
+            <a:r>
+              <a:rPr lang="en-US" sz="2000" dirty="0" err="1" smtClean="0">
+                <a:latin typeface="Consolas" panose="020B0609020204030204" pitchFamily="49" charset="0"/>
+                <a:cs typeface="Consolas" panose="020B0609020204030204" pitchFamily="49" charset="0"/>
+              </a:rPr>
+              <a:t>game.load.image</a:t>
+            </a:r>
+            <a:r>
+              <a:rPr lang="en-US" sz="2000" dirty="0" smtClean="0">
+                <a:latin typeface="Consolas" panose="020B0609020204030204" pitchFamily="49" charset="0"/>
+                <a:cs typeface="Consolas" panose="020B0609020204030204" pitchFamily="49" charset="0"/>
+              </a:rPr>
+              <a:t>('block', 'sprites/block.gif');</a:t>
+            </a:r>
+          </a:p>
+          <a:p>
+            <a:pPr marL="0" indent="0">
+              <a:lnSpc>
+                <a:spcPct val="120000"/>
+              </a:lnSpc>
+              <a:spcBef>
+                <a:spcPts val="0"/>
+              </a:spcBef>
+              <a:buNone/>
+            </a:pPr>
+            <a:r>
+              <a:rPr lang="en-US" sz="2000" dirty="0" smtClean="0">
+                <a:latin typeface="Consolas" panose="020B0609020204030204" pitchFamily="49" charset="0"/>
+                <a:cs typeface="Consolas" panose="020B0609020204030204" pitchFamily="49" charset="0"/>
+              </a:rPr>
+              <a:t>}</a:t>
+            </a:r>
+          </a:p>
+          <a:p>
+            <a:pPr marL="0" indent="0">
+              <a:lnSpc>
+                <a:spcPct val="120000"/>
+              </a:lnSpc>
+              <a:spcBef>
+                <a:spcPts val="0"/>
+              </a:spcBef>
+              <a:buNone/>
+            </a:pPr>
+            <a:endParaRPr lang="en-US" sz="2000" dirty="0" smtClean="0">
+              <a:latin typeface="Consolas" panose="020B0609020204030204" pitchFamily="49" charset="0"/>
+              <a:cs typeface="Consolas" panose="020B0609020204030204" pitchFamily="49" charset="0"/>
+            </a:endParaRPr>
+          </a:p>
+          <a:p>
+            <a:pPr marL="0" indent="0">
+              <a:lnSpc>
+                <a:spcPct val="120000"/>
+              </a:lnSpc>
+              <a:spcBef>
+                <a:spcPts val="0"/>
+              </a:spcBef>
+              <a:buNone/>
+            </a:pPr>
+            <a:r>
+              <a:rPr lang="en-US" sz="2000" dirty="0" smtClean="0">
+                <a:latin typeface="Consolas" panose="020B0609020204030204" pitchFamily="49" charset="0"/>
+                <a:cs typeface="Consolas" panose="020B0609020204030204" pitchFamily="49" charset="0"/>
+              </a:rPr>
+              <a:t>function create() {</a:t>
+            </a:r>
+          </a:p>
+          <a:p>
+            <a:pPr marL="0" indent="0">
+              <a:lnSpc>
+                <a:spcPct val="120000"/>
+              </a:lnSpc>
+              <a:spcBef>
+                <a:spcPts val="0"/>
+              </a:spcBef>
+              <a:buNone/>
+            </a:pPr>
+            <a:r>
+              <a:rPr lang="en-US" sz="2000" dirty="0" smtClean="0">
+                <a:latin typeface="Consolas" panose="020B0609020204030204" pitchFamily="49" charset="0"/>
+                <a:cs typeface="Consolas" panose="020B0609020204030204" pitchFamily="49" charset="0"/>
+              </a:rPr>
+              <a:t>	map = </a:t>
+            </a:r>
+            <a:r>
+              <a:rPr lang="en-US" sz="2000" dirty="0" err="1" smtClean="0">
+                <a:latin typeface="Consolas" panose="020B0609020204030204" pitchFamily="49" charset="0"/>
+                <a:cs typeface="Consolas" panose="020B0609020204030204" pitchFamily="49" charset="0"/>
+              </a:rPr>
+              <a:t>game.add.tilemap</a:t>
+            </a:r>
+            <a:r>
+              <a:rPr lang="en-US" sz="2000" dirty="0" smtClean="0">
+                <a:latin typeface="Consolas" panose="020B0609020204030204" pitchFamily="49" charset="0"/>
+                <a:cs typeface="Consolas" panose="020B0609020204030204" pitchFamily="49" charset="0"/>
+              </a:rPr>
+              <a:t>("</a:t>
+            </a:r>
+            <a:r>
+              <a:rPr lang="en-US" sz="2000" dirty="0" err="1" smtClean="0">
+                <a:latin typeface="Consolas" panose="020B0609020204030204" pitchFamily="49" charset="0"/>
+                <a:cs typeface="Consolas" panose="020B0609020204030204" pitchFamily="49" charset="0"/>
+              </a:rPr>
+              <a:t>codem</a:t>
+            </a:r>
+            <a:r>
+              <a:rPr lang="en-US" sz="2000" dirty="0" smtClean="0">
+                <a:latin typeface="Consolas" panose="020B0609020204030204" pitchFamily="49" charset="0"/>
+                <a:cs typeface="Consolas" panose="020B0609020204030204" pitchFamily="49" charset="0"/>
+              </a:rPr>
+              <a:t>");</a:t>
+            </a:r>
+          </a:p>
+          <a:p>
+            <a:pPr marL="0" indent="0">
+              <a:lnSpc>
+                <a:spcPct val="120000"/>
+              </a:lnSpc>
+              <a:spcBef>
+                <a:spcPts val="0"/>
+              </a:spcBef>
+              <a:buNone/>
+            </a:pPr>
+            <a:r>
+              <a:rPr lang="en-US" sz="2000" dirty="0" smtClean="0">
+                <a:latin typeface="Consolas" panose="020B0609020204030204" pitchFamily="49" charset="0"/>
+                <a:cs typeface="Consolas" panose="020B0609020204030204" pitchFamily="49" charset="0"/>
+              </a:rPr>
+              <a:t>	</a:t>
+            </a:r>
+            <a:r>
+              <a:rPr lang="en-US" sz="2000" dirty="0" err="1" smtClean="0">
+                <a:latin typeface="Consolas" panose="020B0609020204030204" pitchFamily="49" charset="0"/>
+                <a:cs typeface="Consolas" panose="020B0609020204030204" pitchFamily="49" charset="0"/>
+              </a:rPr>
+              <a:t>map.addTilesetImage</a:t>
+            </a:r>
+            <a:r>
+              <a:rPr lang="en-US" sz="2000" dirty="0" smtClean="0">
+                <a:latin typeface="Consolas" panose="020B0609020204030204" pitchFamily="49" charset="0"/>
+                <a:cs typeface="Consolas" panose="020B0609020204030204" pitchFamily="49" charset="0"/>
+              </a:rPr>
+              <a:t>("block");</a:t>
+            </a:r>
+          </a:p>
+          <a:p>
+            <a:pPr marL="0" indent="0">
+              <a:lnSpc>
+                <a:spcPct val="120000"/>
+              </a:lnSpc>
+              <a:spcBef>
+                <a:spcPts val="0"/>
+              </a:spcBef>
+              <a:buNone/>
+            </a:pPr>
+            <a:r>
+              <a:rPr lang="en-US" sz="2000" dirty="0" smtClean="0">
+                <a:latin typeface="Consolas" panose="020B0609020204030204" pitchFamily="49" charset="0"/>
+                <a:cs typeface="Consolas" panose="020B0609020204030204" pitchFamily="49" charset="0"/>
+              </a:rPr>
+              <a:t>	</a:t>
+            </a:r>
+            <a:r>
+              <a:rPr lang="en-US" sz="2000" dirty="0" err="1" smtClean="0">
+                <a:latin typeface="Consolas" panose="020B0609020204030204" pitchFamily="49" charset="0"/>
+                <a:cs typeface="Consolas" panose="020B0609020204030204" pitchFamily="49" charset="0"/>
+              </a:rPr>
+              <a:t>map.setCollisionByExclusion</a:t>
+            </a:r>
+            <a:r>
+              <a:rPr lang="en-US" sz="2000" dirty="0" smtClean="0">
+                <a:latin typeface="Consolas" panose="020B0609020204030204" pitchFamily="49" charset="0"/>
+                <a:cs typeface="Consolas" panose="020B0609020204030204" pitchFamily="49" charset="0"/>
+              </a:rPr>
+              <a:t>([]);</a:t>
+            </a:r>
+          </a:p>
+          <a:p>
+            <a:pPr marL="0" indent="0">
+              <a:lnSpc>
+                <a:spcPct val="120000"/>
+              </a:lnSpc>
+              <a:spcBef>
+                <a:spcPts val="0"/>
+              </a:spcBef>
+              <a:buNone/>
+            </a:pPr>
+            <a:r>
+              <a:rPr lang="en-US" sz="2000" dirty="0" smtClean="0">
+                <a:latin typeface="Consolas" panose="020B0609020204030204" pitchFamily="49" charset="0"/>
+                <a:cs typeface="Consolas" panose="020B0609020204030204" pitchFamily="49" charset="0"/>
+              </a:rPr>
+              <a:t>	layer = </a:t>
+            </a:r>
+            <a:r>
+              <a:rPr lang="en-US" sz="2000" dirty="0" err="1" smtClean="0">
+                <a:latin typeface="Consolas" panose="020B0609020204030204" pitchFamily="49" charset="0"/>
+                <a:cs typeface="Consolas" panose="020B0609020204030204" pitchFamily="49" charset="0"/>
+              </a:rPr>
+              <a:t>map.createLayer</a:t>
+            </a:r>
+            <a:r>
+              <a:rPr lang="en-US" sz="2000" dirty="0" smtClean="0">
+                <a:latin typeface="Consolas" panose="020B0609020204030204" pitchFamily="49" charset="0"/>
+                <a:cs typeface="Consolas" panose="020B0609020204030204" pitchFamily="49" charset="0"/>
+              </a:rPr>
+              <a:t>("</a:t>
+            </a:r>
+            <a:r>
+              <a:rPr lang="en-US" sz="2000" dirty="0" err="1" smtClean="0">
+                <a:latin typeface="Consolas" panose="020B0609020204030204" pitchFamily="49" charset="0"/>
+                <a:cs typeface="Consolas" panose="020B0609020204030204" pitchFamily="49" charset="0"/>
+              </a:rPr>
+              <a:t>codemotion</a:t>
+            </a:r>
+            <a:r>
+              <a:rPr lang="en-US" sz="2000" dirty="0" smtClean="0">
+                <a:latin typeface="Consolas" panose="020B0609020204030204" pitchFamily="49" charset="0"/>
+                <a:cs typeface="Consolas" panose="020B0609020204030204" pitchFamily="49" charset="0"/>
+              </a:rPr>
+              <a:t>");</a:t>
+            </a:r>
+          </a:p>
+          <a:p>
+            <a:pPr marL="0" indent="0">
+              <a:lnSpc>
+                <a:spcPct val="120000"/>
+              </a:lnSpc>
+              <a:spcBef>
+                <a:spcPts val="0"/>
+              </a:spcBef>
+              <a:buNone/>
+            </a:pPr>
+            <a:r>
+              <a:rPr lang="en-US" sz="2000" dirty="0" smtClean="0">
+                <a:latin typeface="Consolas" panose="020B0609020204030204" pitchFamily="49" charset="0"/>
+                <a:cs typeface="Consolas" panose="020B0609020204030204" pitchFamily="49" charset="0"/>
+              </a:rPr>
+              <a:t>	</a:t>
+            </a:r>
+            <a:r>
+              <a:rPr lang="en-US" sz="2000" dirty="0" err="1" smtClean="0">
+                <a:latin typeface="Consolas" panose="020B0609020204030204" pitchFamily="49" charset="0"/>
+                <a:cs typeface="Consolas" panose="020B0609020204030204" pitchFamily="49" charset="0"/>
+              </a:rPr>
+              <a:t>layer.resizeWorld</a:t>
+            </a:r>
+            <a:r>
+              <a:rPr lang="en-US" sz="2000" dirty="0" smtClean="0">
+                <a:latin typeface="Consolas" panose="020B0609020204030204" pitchFamily="49" charset="0"/>
+                <a:cs typeface="Consolas" panose="020B0609020204030204" pitchFamily="49" charset="0"/>
+              </a:rPr>
+              <a:t>();</a:t>
+            </a:r>
+            <a:br>
+              <a:rPr lang="en-US" sz="2000" dirty="0" smtClean="0">
+                <a:latin typeface="Consolas" panose="020B0609020204030204" pitchFamily="49" charset="0"/>
+                <a:cs typeface="Consolas" panose="020B0609020204030204" pitchFamily="49" charset="0"/>
+              </a:rPr>
+            </a:br>
+            <a:r>
+              <a:rPr lang="en-US" sz="2000" dirty="0" smtClean="0">
+                <a:latin typeface="Consolas" panose="020B0609020204030204" pitchFamily="49" charset="0"/>
+                <a:cs typeface="Consolas" panose="020B0609020204030204" pitchFamily="49" charset="0"/>
+              </a:rPr>
+              <a:t>}</a:t>
+            </a:r>
+          </a:p>
+        </p:txBody>
+      </p:sp>
+      <p:sp>
+        <p:nvSpPr>
+          <p:cNvPr id="4" name="Segnaposto data 3"/>
+          <p:cNvSpPr>
+            <a:spLocks noGrp="1"/>
+          </p:cNvSpPr>
+          <p:nvPr>
+            <p:ph type="dt" sz="half" idx="10"/>
+          </p:nvPr>
+        </p:nvSpPr>
+        <p:spPr>
+          <a:xfrm>
+            <a:off x="539552" y="115094"/>
+            <a:ext cx="3233886" cy="365125"/>
+          </a:xfrm>
+        </p:spPr>
+        <p:txBody>
+          <a:bodyPr/>
+          <a:lstStyle/>
+          <a:p>
+            <a:r>
+              <a:rPr lang="en-US" b="1" i="1" smtClean="0">
+                <a:solidFill>
+                  <a:schemeClr val="bg1"/>
+                </a:solidFill>
+              </a:rPr>
+              <a:t>ROME  11-12 april 2014 – Valerio Riva</a:t>
+            </a:r>
+            <a:endParaRPr lang="it-IT" b="1" i="1" dirty="0">
+              <a:solidFill>
+                <a:schemeClr val="bg1"/>
+              </a:solidFill>
+            </a:endParaRPr>
+          </a:p>
+        </p:txBody>
+      </p:sp>
+      <p:sp>
+        <p:nvSpPr>
+          <p:cNvPr id="5" name="Segnaposto numero diapositiva 4"/>
+          <p:cNvSpPr>
+            <a:spLocks noGrp="1"/>
+          </p:cNvSpPr>
+          <p:nvPr>
+            <p:ph type="sldNum" sz="quarter" idx="12"/>
+          </p:nvPr>
+        </p:nvSpPr>
+        <p:spPr/>
+        <p:txBody>
+          <a:bodyPr/>
+          <a:lstStyle/>
+          <a:p>
+            <a:fld id="{219C0E88-5C08-45F5-BD91-E93F425D2D58}" type="slidenum">
+              <a:rPr lang="it-IT" smtClean="0"/>
+              <a:t>17</a:t>
+            </a:fld>
+            <a:endParaRPr lang="it-IT" dirty="0"/>
+          </a:p>
+        </p:txBody>
+      </p:sp>
+    </p:spTree>
+    <p:extLst>
+      <p:ext uri="{BB962C8B-B14F-4D97-AF65-F5344CB8AC3E}">
+        <p14:creationId xmlns:p14="http://schemas.microsoft.com/office/powerpoint/2010/main" val="1160956334"/>
+      </p:ext>
+    </p:extLst>
+  </p:cSld>
+  <p:clrMapOvr>
+    <a:masterClrMapping/>
+  </p:clrMapOvr>
+  <p:timing>
+    <p:tnLst>
+      <p:par>
+        <p:cTn id="1" dur="indefinite" restart="never" nodeType="tmRoot"/>
+      </p:par>
+    </p:tnLst>
+  </p:timing>
+</p:sld>
+</file>
+
+<file path=ppt/slides/slide18.xml><?xml version="1.0" encoding="utf-8"?>
+<p:sld xmlns:a="http://schemas.openxmlformats.org/drawingml/2006/main" xmlns:r="http://schemas.openxmlformats.org/officeDocument/2006/relationships" xmlns:p="http://schemas.openxmlformats.org/presentationml/2006/main">
+  <p:cSld>
+    <p:spTree>
+      <p:nvGrpSpPr>
+        <p:cNvPr id="1" name=""/>
+        <p:cNvGrpSpPr/>
+        <p:nvPr/>
+      </p:nvGrpSpPr>
+      <p:grpSpPr>
+        <a:xfrm>
+          <a:off x="0" y="0"/>
+          <a:ext cx="0" cy="0"/>
+          <a:chOff x="0" y="0"/>
+          <a:chExt cx="0" cy="0"/>
+        </a:xfrm>
+      </p:grpSpPr>
+      <p:sp>
+        <p:nvSpPr>
+          <p:cNvPr id="2" name="Titolo 1"/>
+          <p:cNvSpPr>
+            <a:spLocks noGrp="1"/>
+          </p:cNvSpPr>
+          <p:nvPr>
+            <p:ph type="title"/>
+          </p:nvPr>
+        </p:nvSpPr>
+        <p:spPr/>
+        <p:txBody>
+          <a:bodyPr>
+            <a:normAutofit/>
+          </a:bodyPr>
+          <a:lstStyle/>
+          <a:p>
+            <a:pPr algn="ctr"/>
+            <a:r>
+              <a:rPr lang="en-US" sz="4000" dirty="0" smtClean="0"/>
+              <a:t>Input</a:t>
+            </a:r>
+            <a:endParaRPr lang="en-US" sz="4000" dirty="0"/>
+          </a:p>
+        </p:txBody>
+      </p:sp>
+      <p:sp>
+        <p:nvSpPr>
+          <p:cNvPr id="3" name="Segnaposto contenuto 2"/>
+          <p:cNvSpPr>
+            <a:spLocks noGrp="1"/>
+          </p:cNvSpPr>
+          <p:nvPr>
+            <p:ph idx="1"/>
+          </p:nvPr>
+        </p:nvSpPr>
+        <p:spPr/>
+        <p:txBody>
+          <a:bodyPr>
+            <a:normAutofit/>
+          </a:bodyPr>
+          <a:lstStyle/>
+          <a:p>
+            <a:pPr marL="0" indent="0">
+              <a:lnSpc>
+                <a:spcPct val="120000"/>
+              </a:lnSpc>
+              <a:spcBef>
+                <a:spcPts val="0"/>
+              </a:spcBef>
+              <a:buNone/>
+            </a:pPr>
+            <a:r>
+              <a:rPr lang="en-US" dirty="0" smtClean="0">
+                <a:cs typeface="Consolas" panose="020B0609020204030204" pitchFamily="49" charset="0"/>
+              </a:rPr>
+              <a:t>Phaser supports natively</a:t>
+            </a:r>
+          </a:p>
+          <a:p>
+            <a:pPr>
+              <a:lnSpc>
+                <a:spcPct val="120000"/>
+              </a:lnSpc>
+              <a:spcBef>
+                <a:spcPts val="0"/>
+              </a:spcBef>
+            </a:pPr>
+            <a:r>
+              <a:rPr lang="en-US" dirty="0" smtClean="0">
+                <a:cs typeface="Consolas" panose="020B0609020204030204" pitchFamily="49" charset="0"/>
+              </a:rPr>
+              <a:t>Keyboard</a:t>
+            </a:r>
+          </a:p>
+          <a:p>
+            <a:pPr>
+              <a:lnSpc>
+                <a:spcPct val="120000"/>
+              </a:lnSpc>
+              <a:spcBef>
+                <a:spcPts val="0"/>
+              </a:spcBef>
+            </a:pPr>
+            <a:r>
+              <a:rPr lang="en-US" dirty="0" smtClean="0">
+                <a:cs typeface="Consolas" panose="020B0609020204030204" pitchFamily="49" charset="0"/>
+              </a:rPr>
+              <a:t>Mouse</a:t>
+            </a:r>
+          </a:p>
+          <a:p>
+            <a:pPr>
+              <a:lnSpc>
+                <a:spcPct val="120000"/>
+              </a:lnSpc>
+              <a:spcBef>
+                <a:spcPts val="0"/>
+              </a:spcBef>
+            </a:pPr>
+            <a:r>
+              <a:rPr lang="en-US" dirty="0" smtClean="0">
+                <a:cs typeface="Consolas" panose="020B0609020204030204" pitchFamily="49" charset="0"/>
+              </a:rPr>
+              <a:t>Multi-touch</a:t>
+            </a:r>
+          </a:p>
+          <a:p>
+            <a:pPr>
+              <a:lnSpc>
+                <a:spcPct val="120000"/>
+              </a:lnSpc>
+              <a:spcBef>
+                <a:spcPts val="0"/>
+              </a:spcBef>
+            </a:pPr>
+            <a:r>
+              <a:rPr lang="en-US" dirty="0" smtClean="0">
+                <a:cs typeface="Consolas" panose="020B0609020204030204" pitchFamily="49" charset="0"/>
+              </a:rPr>
+              <a:t>Gamepads (up to four, each one with 10 axis and 16 buttons)</a:t>
+            </a:r>
+          </a:p>
+          <a:p>
+            <a:pPr>
+              <a:lnSpc>
+                <a:spcPct val="120000"/>
+              </a:lnSpc>
+              <a:spcBef>
+                <a:spcPts val="0"/>
+              </a:spcBef>
+            </a:pPr>
+            <a:r>
+              <a:rPr lang="en-US" dirty="0" smtClean="0">
+                <a:cs typeface="Consolas" panose="020B0609020204030204" pitchFamily="49" charset="0"/>
+              </a:rPr>
+              <a:t>Supports even Xbox 360 gamepad! (button mapping depends on browser :\ )</a:t>
+            </a:r>
+          </a:p>
+        </p:txBody>
+      </p:sp>
+      <p:sp>
+        <p:nvSpPr>
+          <p:cNvPr id="4" name="Segnaposto data 3"/>
+          <p:cNvSpPr>
+            <a:spLocks noGrp="1"/>
+          </p:cNvSpPr>
+          <p:nvPr>
+            <p:ph type="dt" sz="half" idx="10"/>
+          </p:nvPr>
+        </p:nvSpPr>
+        <p:spPr>
+          <a:xfrm>
+            <a:off x="539552" y="115094"/>
+            <a:ext cx="3233886" cy="365125"/>
+          </a:xfrm>
+        </p:spPr>
+        <p:txBody>
+          <a:bodyPr/>
+          <a:lstStyle/>
+          <a:p>
+            <a:r>
+              <a:rPr lang="en-US" b="1" i="1" smtClean="0">
+                <a:solidFill>
+                  <a:schemeClr val="bg1"/>
+                </a:solidFill>
+              </a:rPr>
+              <a:t>ROME  11-12 april 2014 – Valerio Riva</a:t>
+            </a:r>
+            <a:endParaRPr lang="it-IT" b="1" i="1" dirty="0">
+              <a:solidFill>
+                <a:schemeClr val="bg1"/>
+              </a:solidFill>
+            </a:endParaRPr>
+          </a:p>
+        </p:txBody>
+      </p:sp>
+      <p:sp>
+        <p:nvSpPr>
+          <p:cNvPr id="5" name="Segnaposto numero diapositiva 4"/>
+          <p:cNvSpPr>
+            <a:spLocks noGrp="1"/>
+          </p:cNvSpPr>
+          <p:nvPr>
+            <p:ph type="sldNum" sz="quarter" idx="12"/>
+          </p:nvPr>
+        </p:nvSpPr>
+        <p:spPr/>
+        <p:txBody>
+          <a:bodyPr/>
+          <a:lstStyle/>
+          <a:p>
+            <a:fld id="{219C0E88-5C08-45F5-BD91-E93F425D2D58}" type="slidenum">
+              <a:rPr lang="it-IT" smtClean="0"/>
+              <a:t>18</a:t>
+            </a:fld>
+            <a:endParaRPr lang="it-IT" dirty="0"/>
+          </a:p>
+        </p:txBody>
+      </p:sp>
+    </p:spTree>
+    <p:extLst>
+      <p:ext uri="{BB962C8B-B14F-4D97-AF65-F5344CB8AC3E}">
+        <p14:creationId xmlns:p14="http://schemas.microsoft.com/office/powerpoint/2010/main" val="635934165"/>
+      </p:ext>
+    </p:extLst>
+  </p:cSld>
+  <p:clrMapOvr>
+    <a:masterClrMapping/>
+  </p:clrMapOvr>
+  <p:timing>
+    <p:tnLst>
+      <p:par>
+        <p:cTn id="1" dur="indefinite" restart="never" nodeType="tmRoot"/>
+      </p:par>
+    </p:tnLst>
+  </p:timing>
+</p:sld>
+</file>
+
+<file path=ppt/slides/slide19.xml><?xml version="1.0" encoding="utf-8"?>
+<p:sld xmlns:a="http://schemas.openxmlformats.org/drawingml/2006/main" xmlns:r="http://schemas.openxmlformats.org/officeDocument/2006/relationships" xmlns:p="http://schemas.openxmlformats.org/presentationml/2006/main">
+  <p:cSld>
+    <p:spTree>
+      <p:nvGrpSpPr>
+        <p:cNvPr id="1" name=""/>
+        <p:cNvGrpSpPr/>
+        <p:nvPr/>
+      </p:nvGrpSpPr>
+      <p:grpSpPr>
+        <a:xfrm>
+          <a:off x="0" y="0"/>
+          <a:ext cx="0" cy="0"/>
+          <a:chOff x="0" y="0"/>
+          <a:chExt cx="0" cy="0"/>
+        </a:xfrm>
+      </p:grpSpPr>
+      <p:sp>
+        <p:nvSpPr>
+          <p:cNvPr id="2" name="Titolo 1"/>
+          <p:cNvSpPr>
+            <a:spLocks noGrp="1"/>
+          </p:cNvSpPr>
+          <p:nvPr>
+            <p:ph type="title"/>
+          </p:nvPr>
+        </p:nvSpPr>
+        <p:spPr/>
+        <p:txBody>
+          <a:bodyPr>
+            <a:normAutofit/>
+          </a:bodyPr>
+          <a:lstStyle/>
+          <a:p>
+            <a:pPr algn="ctr"/>
+            <a:r>
+              <a:rPr lang="en-US" sz="4000" dirty="0" smtClean="0"/>
+              <a:t>Input: Keyboard</a:t>
+            </a:r>
+            <a:endParaRPr lang="en-US" sz="4000" dirty="0"/>
+          </a:p>
+        </p:txBody>
+      </p:sp>
+      <p:sp>
+        <p:nvSpPr>
+          <p:cNvPr id="3" name="Segnaposto contenuto 2"/>
+          <p:cNvSpPr>
+            <a:spLocks noGrp="1"/>
+          </p:cNvSpPr>
+          <p:nvPr>
+            <p:ph idx="1"/>
+          </p:nvPr>
+        </p:nvSpPr>
+        <p:spPr/>
+        <p:txBody>
+          <a:bodyPr>
+            <a:noAutofit/>
+          </a:bodyPr>
+          <a:lstStyle/>
+          <a:p>
+            <a:pPr marL="0" indent="0">
+              <a:lnSpc>
+                <a:spcPct val="120000"/>
+              </a:lnSpc>
+              <a:spcBef>
+                <a:spcPts val="0"/>
+              </a:spcBef>
+              <a:buNone/>
+            </a:pPr>
+            <a:r>
+              <a:rPr lang="en-US" sz="1600" dirty="0">
+                <a:latin typeface="Consolas" panose="020B0609020204030204" pitchFamily="49" charset="0"/>
+                <a:cs typeface="Consolas" panose="020B0609020204030204" pitchFamily="49" charset="0"/>
+              </a:rPr>
+              <a:t>function update() {</a:t>
+            </a:r>
+          </a:p>
+          <a:p>
+            <a:pPr marL="0" indent="0">
+              <a:lnSpc>
+                <a:spcPct val="120000"/>
+              </a:lnSpc>
+              <a:spcBef>
+                <a:spcPts val="0"/>
+              </a:spcBef>
+              <a:buNone/>
+            </a:pPr>
+            <a:r>
+              <a:rPr lang="en-US" sz="1600" dirty="0">
+                <a:latin typeface="Consolas" panose="020B0609020204030204" pitchFamily="49" charset="0"/>
+                <a:cs typeface="Consolas" panose="020B0609020204030204" pitchFamily="49" charset="0"/>
+              </a:rPr>
+              <a:t>    if (</a:t>
+            </a:r>
+            <a:r>
+              <a:rPr lang="en-US" sz="1600" dirty="0" err="1">
+                <a:latin typeface="Consolas" panose="020B0609020204030204" pitchFamily="49" charset="0"/>
+                <a:cs typeface="Consolas" panose="020B0609020204030204" pitchFamily="49" charset="0"/>
+              </a:rPr>
+              <a:t>game.input.keyboard.isDown</a:t>
+            </a:r>
+            <a:r>
+              <a:rPr lang="en-US" sz="1600" dirty="0">
+                <a:latin typeface="Consolas" panose="020B0609020204030204" pitchFamily="49" charset="0"/>
+                <a:cs typeface="Consolas" panose="020B0609020204030204" pitchFamily="49" charset="0"/>
+              </a:rPr>
+              <a:t>(</a:t>
+            </a:r>
+            <a:r>
+              <a:rPr lang="en-US" sz="1600" dirty="0" err="1">
+                <a:latin typeface="Consolas" panose="020B0609020204030204" pitchFamily="49" charset="0"/>
+                <a:cs typeface="Consolas" panose="020B0609020204030204" pitchFamily="49" charset="0"/>
+              </a:rPr>
+              <a:t>Phaser.Keyboard.UP</a:t>
+            </a:r>
+            <a:r>
+              <a:rPr lang="en-US" sz="1600" dirty="0">
+                <a:latin typeface="Consolas" panose="020B0609020204030204" pitchFamily="49" charset="0"/>
+                <a:cs typeface="Consolas" panose="020B0609020204030204" pitchFamily="49" charset="0"/>
+              </a:rPr>
+              <a:t>)) {</a:t>
+            </a:r>
+          </a:p>
+          <a:p>
+            <a:pPr marL="0" indent="0">
+              <a:lnSpc>
+                <a:spcPct val="120000"/>
+              </a:lnSpc>
+              <a:spcBef>
+                <a:spcPts val="0"/>
+              </a:spcBef>
+              <a:buNone/>
+            </a:pPr>
+            <a:r>
+              <a:rPr lang="en-US" sz="1600" dirty="0">
+                <a:latin typeface="Consolas" panose="020B0609020204030204" pitchFamily="49" charset="0"/>
+                <a:cs typeface="Consolas" panose="020B0609020204030204" pitchFamily="49" charset="0"/>
+              </a:rPr>
+              <a:t>        </a:t>
+            </a:r>
+            <a:r>
+              <a:rPr lang="en-US" sz="1600" dirty="0" err="1">
+                <a:latin typeface="Consolas" panose="020B0609020204030204" pitchFamily="49" charset="0"/>
+                <a:cs typeface="Consolas" panose="020B0609020204030204" pitchFamily="49" charset="0"/>
+              </a:rPr>
+              <a:t>ufo.y</a:t>
+            </a:r>
+            <a:r>
+              <a:rPr lang="en-US" sz="1600" dirty="0">
+                <a:latin typeface="Consolas" panose="020B0609020204030204" pitchFamily="49" charset="0"/>
+                <a:cs typeface="Consolas" panose="020B0609020204030204" pitchFamily="49" charset="0"/>
+              </a:rPr>
+              <a:t> -= speed;</a:t>
+            </a:r>
+          </a:p>
+          <a:p>
+            <a:pPr marL="0" indent="0">
+              <a:lnSpc>
+                <a:spcPct val="120000"/>
+              </a:lnSpc>
+              <a:spcBef>
+                <a:spcPts val="0"/>
+              </a:spcBef>
+              <a:buNone/>
+            </a:pPr>
+            <a:r>
+              <a:rPr lang="en-US" sz="1600" dirty="0">
+                <a:latin typeface="Consolas" panose="020B0609020204030204" pitchFamily="49" charset="0"/>
+                <a:cs typeface="Consolas" panose="020B0609020204030204" pitchFamily="49" charset="0"/>
+              </a:rPr>
+              <a:t>    }</a:t>
+            </a:r>
+          </a:p>
+          <a:p>
+            <a:pPr marL="0" indent="0">
+              <a:lnSpc>
+                <a:spcPct val="120000"/>
+              </a:lnSpc>
+              <a:spcBef>
+                <a:spcPts val="0"/>
+              </a:spcBef>
+              <a:buNone/>
+            </a:pPr>
+            <a:r>
+              <a:rPr lang="en-US" sz="1600" dirty="0">
+                <a:latin typeface="Consolas" panose="020B0609020204030204" pitchFamily="49" charset="0"/>
+                <a:cs typeface="Consolas" panose="020B0609020204030204" pitchFamily="49" charset="0"/>
+              </a:rPr>
+              <a:t>    else if (</a:t>
+            </a:r>
+            <a:r>
+              <a:rPr lang="en-US" sz="1600" dirty="0" err="1">
+                <a:latin typeface="Consolas" panose="020B0609020204030204" pitchFamily="49" charset="0"/>
+                <a:cs typeface="Consolas" panose="020B0609020204030204" pitchFamily="49" charset="0"/>
+              </a:rPr>
+              <a:t>game.input.keyboard.isDown</a:t>
+            </a:r>
+            <a:r>
+              <a:rPr lang="en-US" sz="1600" dirty="0">
+                <a:latin typeface="Consolas" panose="020B0609020204030204" pitchFamily="49" charset="0"/>
+                <a:cs typeface="Consolas" panose="020B0609020204030204" pitchFamily="49" charset="0"/>
+              </a:rPr>
+              <a:t>(</a:t>
+            </a:r>
+            <a:r>
+              <a:rPr lang="en-US" sz="1600" dirty="0" err="1">
+                <a:latin typeface="Consolas" panose="020B0609020204030204" pitchFamily="49" charset="0"/>
+                <a:cs typeface="Consolas" panose="020B0609020204030204" pitchFamily="49" charset="0"/>
+              </a:rPr>
+              <a:t>Phaser.Keyboard.DOWN</a:t>
+            </a:r>
+            <a:r>
+              <a:rPr lang="en-US" sz="1600" dirty="0">
+                <a:latin typeface="Consolas" panose="020B0609020204030204" pitchFamily="49" charset="0"/>
+                <a:cs typeface="Consolas" panose="020B0609020204030204" pitchFamily="49" charset="0"/>
+              </a:rPr>
+              <a:t>)) {</a:t>
+            </a:r>
+          </a:p>
+          <a:p>
+            <a:pPr marL="0" indent="0">
+              <a:lnSpc>
+                <a:spcPct val="120000"/>
+              </a:lnSpc>
+              <a:spcBef>
+                <a:spcPts val="0"/>
+              </a:spcBef>
+              <a:buNone/>
+            </a:pPr>
+            <a:r>
+              <a:rPr lang="en-US" sz="1600" dirty="0">
+                <a:latin typeface="Consolas" panose="020B0609020204030204" pitchFamily="49" charset="0"/>
+                <a:cs typeface="Consolas" panose="020B0609020204030204" pitchFamily="49" charset="0"/>
+              </a:rPr>
+              <a:t>        </a:t>
+            </a:r>
+            <a:r>
+              <a:rPr lang="en-US" sz="1600" dirty="0" err="1">
+                <a:latin typeface="Consolas" panose="020B0609020204030204" pitchFamily="49" charset="0"/>
+                <a:cs typeface="Consolas" panose="020B0609020204030204" pitchFamily="49" charset="0"/>
+              </a:rPr>
+              <a:t>ufo.y</a:t>
+            </a:r>
+            <a:r>
+              <a:rPr lang="en-US" sz="1600" dirty="0">
+                <a:latin typeface="Consolas" panose="020B0609020204030204" pitchFamily="49" charset="0"/>
+                <a:cs typeface="Consolas" panose="020B0609020204030204" pitchFamily="49" charset="0"/>
+              </a:rPr>
+              <a:t> += speed;</a:t>
+            </a:r>
+          </a:p>
+          <a:p>
+            <a:pPr marL="0" indent="0">
+              <a:lnSpc>
+                <a:spcPct val="120000"/>
+              </a:lnSpc>
+              <a:spcBef>
+                <a:spcPts val="0"/>
+              </a:spcBef>
+              <a:buNone/>
+            </a:pPr>
+            <a:r>
+              <a:rPr lang="en-US" sz="1600" dirty="0">
+                <a:latin typeface="Consolas" panose="020B0609020204030204" pitchFamily="49" charset="0"/>
+                <a:cs typeface="Consolas" panose="020B0609020204030204" pitchFamily="49" charset="0"/>
+              </a:rPr>
+              <a:t>    }</a:t>
+            </a:r>
+          </a:p>
+          <a:p>
+            <a:pPr marL="0" indent="0">
+              <a:lnSpc>
+                <a:spcPct val="120000"/>
+              </a:lnSpc>
+              <a:spcBef>
+                <a:spcPts val="0"/>
+              </a:spcBef>
+              <a:buNone/>
+            </a:pPr>
+            <a:endParaRPr lang="en-US" sz="1600" dirty="0">
+              <a:latin typeface="Consolas" panose="020B0609020204030204" pitchFamily="49" charset="0"/>
+              <a:cs typeface="Consolas" panose="020B0609020204030204" pitchFamily="49" charset="0"/>
+            </a:endParaRPr>
+          </a:p>
+          <a:p>
+            <a:pPr marL="0" indent="0">
+              <a:lnSpc>
+                <a:spcPct val="120000"/>
+              </a:lnSpc>
+              <a:spcBef>
+                <a:spcPts val="0"/>
+              </a:spcBef>
+              <a:buNone/>
+            </a:pPr>
+            <a:r>
+              <a:rPr lang="en-US" sz="1600" dirty="0">
+                <a:latin typeface="Consolas" panose="020B0609020204030204" pitchFamily="49" charset="0"/>
+                <a:cs typeface="Consolas" panose="020B0609020204030204" pitchFamily="49" charset="0"/>
+              </a:rPr>
+              <a:t>    if (</a:t>
+            </a:r>
+            <a:r>
+              <a:rPr lang="en-US" sz="1600" dirty="0" err="1">
+                <a:latin typeface="Consolas" panose="020B0609020204030204" pitchFamily="49" charset="0"/>
+                <a:cs typeface="Consolas" panose="020B0609020204030204" pitchFamily="49" charset="0"/>
+              </a:rPr>
+              <a:t>game.input.keyboard.isDown</a:t>
+            </a:r>
+            <a:r>
+              <a:rPr lang="en-US" sz="1600" dirty="0">
+                <a:latin typeface="Consolas" panose="020B0609020204030204" pitchFamily="49" charset="0"/>
+                <a:cs typeface="Consolas" panose="020B0609020204030204" pitchFamily="49" charset="0"/>
+              </a:rPr>
+              <a:t>(</a:t>
+            </a:r>
+            <a:r>
+              <a:rPr lang="en-US" sz="1600" dirty="0" err="1">
+                <a:latin typeface="Consolas" panose="020B0609020204030204" pitchFamily="49" charset="0"/>
+                <a:cs typeface="Consolas" panose="020B0609020204030204" pitchFamily="49" charset="0"/>
+              </a:rPr>
+              <a:t>Phaser.Keyboard.LEFT</a:t>
+            </a:r>
+            <a:r>
+              <a:rPr lang="en-US" sz="1600" dirty="0">
+                <a:latin typeface="Consolas" panose="020B0609020204030204" pitchFamily="49" charset="0"/>
+                <a:cs typeface="Consolas" panose="020B0609020204030204" pitchFamily="49" charset="0"/>
+              </a:rPr>
+              <a:t>)) {</a:t>
+            </a:r>
+          </a:p>
+          <a:p>
+            <a:pPr marL="0" indent="0">
+              <a:lnSpc>
+                <a:spcPct val="120000"/>
+              </a:lnSpc>
+              <a:spcBef>
+                <a:spcPts val="0"/>
+              </a:spcBef>
+              <a:buNone/>
+            </a:pPr>
+            <a:r>
+              <a:rPr lang="en-US" sz="1600" dirty="0">
+                <a:latin typeface="Consolas" panose="020B0609020204030204" pitchFamily="49" charset="0"/>
+                <a:cs typeface="Consolas" panose="020B0609020204030204" pitchFamily="49" charset="0"/>
+              </a:rPr>
+              <a:t>        </a:t>
+            </a:r>
+            <a:r>
+              <a:rPr lang="en-US" sz="1600" dirty="0" err="1">
+                <a:latin typeface="Consolas" panose="020B0609020204030204" pitchFamily="49" charset="0"/>
+                <a:cs typeface="Consolas" panose="020B0609020204030204" pitchFamily="49" charset="0"/>
+              </a:rPr>
+              <a:t>ufo.x</a:t>
+            </a:r>
+            <a:r>
+              <a:rPr lang="en-US" sz="1600" dirty="0">
+                <a:latin typeface="Consolas" panose="020B0609020204030204" pitchFamily="49" charset="0"/>
+                <a:cs typeface="Consolas" panose="020B0609020204030204" pitchFamily="49" charset="0"/>
+              </a:rPr>
+              <a:t> -= speed;</a:t>
+            </a:r>
+          </a:p>
+          <a:p>
+            <a:pPr marL="0" indent="0">
+              <a:lnSpc>
+                <a:spcPct val="120000"/>
+              </a:lnSpc>
+              <a:spcBef>
+                <a:spcPts val="0"/>
+              </a:spcBef>
+              <a:buNone/>
+            </a:pPr>
+            <a:r>
+              <a:rPr lang="en-US" sz="1600" dirty="0">
+                <a:latin typeface="Consolas" panose="020B0609020204030204" pitchFamily="49" charset="0"/>
+                <a:cs typeface="Consolas" panose="020B0609020204030204" pitchFamily="49" charset="0"/>
+              </a:rPr>
+              <a:t>    }</a:t>
+            </a:r>
+          </a:p>
+          <a:p>
+            <a:pPr marL="0" indent="0">
+              <a:lnSpc>
+                <a:spcPct val="120000"/>
+              </a:lnSpc>
+              <a:spcBef>
+                <a:spcPts val="0"/>
+              </a:spcBef>
+              <a:buNone/>
+            </a:pPr>
+            <a:r>
+              <a:rPr lang="en-US" sz="1600" dirty="0">
+                <a:latin typeface="Consolas" panose="020B0609020204030204" pitchFamily="49" charset="0"/>
+                <a:cs typeface="Consolas" panose="020B0609020204030204" pitchFamily="49" charset="0"/>
+              </a:rPr>
+              <a:t>    else if (</a:t>
+            </a:r>
+            <a:r>
+              <a:rPr lang="en-US" sz="1600" dirty="0" err="1">
+                <a:latin typeface="Consolas" panose="020B0609020204030204" pitchFamily="49" charset="0"/>
+                <a:cs typeface="Consolas" panose="020B0609020204030204" pitchFamily="49" charset="0"/>
+              </a:rPr>
+              <a:t>game.input.keyboard.isDown</a:t>
+            </a:r>
+            <a:r>
+              <a:rPr lang="en-US" sz="1600" dirty="0">
+                <a:latin typeface="Consolas" panose="020B0609020204030204" pitchFamily="49" charset="0"/>
+                <a:cs typeface="Consolas" panose="020B0609020204030204" pitchFamily="49" charset="0"/>
+              </a:rPr>
+              <a:t>(</a:t>
+            </a:r>
+            <a:r>
+              <a:rPr lang="en-US" sz="1600" dirty="0" err="1">
+                <a:latin typeface="Consolas" panose="020B0609020204030204" pitchFamily="49" charset="0"/>
+                <a:cs typeface="Consolas" panose="020B0609020204030204" pitchFamily="49" charset="0"/>
+              </a:rPr>
+              <a:t>Phaser.Keyboard.RIGHT</a:t>
+            </a:r>
+            <a:r>
+              <a:rPr lang="en-US" sz="1600" dirty="0">
+                <a:latin typeface="Consolas" panose="020B0609020204030204" pitchFamily="49" charset="0"/>
+                <a:cs typeface="Consolas" panose="020B0609020204030204" pitchFamily="49" charset="0"/>
+              </a:rPr>
+              <a:t>)) {</a:t>
+            </a:r>
+          </a:p>
+          <a:p>
+            <a:pPr marL="0" indent="0">
+              <a:lnSpc>
+                <a:spcPct val="120000"/>
+              </a:lnSpc>
+              <a:spcBef>
+                <a:spcPts val="0"/>
+              </a:spcBef>
+              <a:buNone/>
+            </a:pPr>
+            <a:r>
+              <a:rPr lang="en-US" sz="1600" dirty="0">
+                <a:latin typeface="Consolas" panose="020B0609020204030204" pitchFamily="49" charset="0"/>
+                <a:cs typeface="Consolas" panose="020B0609020204030204" pitchFamily="49" charset="0"/>
+              </a:rPr>
+              <a:t>        </a:t>
+            </a:r>
+            <a:r>
+              <a:rPr lang="en-US" sz="1600" dirty="0" err="1">
+                <a:latin typeface="Consolas" panose="020B0609020204030204" pitchFamily="49" charset="0"/>
+                <a:cs typeface="Consolas" panose="020B0609020204030204" pitchFamily="49" charset="0"/>
+              </a:rPr>
+              <a:t>ufo.x</a:t>
+            </a:r>
+            <a:r>
+              <a:rPr lang="en-US" sz="1600" dirty="0">
+                <a:latin typeface="Consolas" panose="020B0609020204030204" pitchFamily="49" charset="0"/>
+                <a:cs typeface="Consolas" panose="020B0609020204030204" pitchFamily="49" charset="0"/>
+              </a:rPr>
+              <a:t> += speed;</a:t>
+            </a:r>
+          </a:p>
+          <a:p>
+            <a:pPr marL="0" indent="0">
+              <a:lnSpc>
+                <a:spcPct val="120000"/>
+              </a:lnSpc>
+              <a:spcBef>
+                <a:spcPts val="0"/>
+              </a:spcBef>
+              <a:buNone/>
+            </a:pPr>
+            <a:r>
+              <a:rPr lang="en-US" sz="1600" dirty="0">
+                <a:latin typeface="Consolas" panose="020B0609020204030204" pitchFamily="49" charset="0"/>
+                <a:cs typeface="Consolas" panose="020B0609020204030204" pitchFamily="49" charset="0"/>
+              </a:rPr>
+              <a:t>    }</a:t>
+            </a:r>
+          </a:p>
+          <a:p>
+            <a:pPr marL="0" indent="0">
+              <a:lnSpc>
+                <a:spcPct val="120000"/>
+              </a:lnSpc>
+              <a:spcBef>
+                <a:spcPts val="0"/>
+              </a:spcBef>
+              <a:buNone/>
+            </a:pPr>
+            <a:r>
+              <a:rPr lang="en-US" sz="1600" dirty="0">
+                <a:latin typeface="Consolas" panose="020B0609020204030204" pitchFamily="49" charset="0"/>
+                <a:cs typeface="Consolas" panose="020B0609020204030204" pitchFamily="49" charset="0"/>
+              </a:rPr>
+              <a:t>}</a:t>
+            </a:r>
+            <a:endParaRPr lang="en-US" sz="1600" dirty="0" smtClean="0">
+              <a:latin typeface="Consolas" panose="020B0609020204030204" pitchFamily="49" charset="0"/>
+              <a:cs typeface="Consolas" panose="020B0609020204030204" pitchFamily="49" charset="0"/>
+            </a:endParaRPr>
+          </a:p>
+        </p:txBody>
+      </p:sp>
+      <p:sp>
+        <p:nvSpPr>
+          <p:cNvPr id="4" name="Segnaposto data 3"/>
+          <p:cNvSpPr>
+            <a:spLocks noGrp="1"/>
+          </p:cNvSpPr>
+          <p:nvPr>
+            <p:ph type="dt" sz="half" idx="10"/>
+          </p:nvPr>
+        </p:nvSpPr>
+        <p:spPr>
+          <a:xfrm>
+            <a:off x="539552" y="115094"/>
+            <a:ext cx="3233886" cy="365125"/>
+          </a:xfrm>
+        </p:spPr>
+        <p:txBody>
+          <a:bodyPr/>
+          <a:lstStyle/>
+          <a:p>
+            <a:r>
+              <a:rPr lang="en-US" b="1" i="1" smtClean="0">
+                <a:solidFill>
+                  <a:schemeClr val="bg1"/>
+                </a:solidFill>
+              </a:rPr>
+              <a:t>ROME  11-12 april 2014 – Valerio Riva</a:t>
+            </a:r>
+            <a:endParaRPr lang="it-IT" b="1" i="1" dirty="0">
+              <a:solidFill>
+                <a:schemeClr val="bg1"/>
+              </a:solidFill>
+            </a:endParaRPr>
+          </a:p>
+        </p:txBody>
+      </p:sp>
+      <p:sp>
+        <p:nvSpPr>
+          <p:cNvPr id="5" name="Segnaposto numero diapositiva 4"/>
+          <p:cNvSpPr>
+            <a:spLocks noGrp="1"/>
+          </p:cNvSpPr>
+          <p:nvPr>
+            <p:ph type="sldNum" sz="quarter" idx="12"/>
+          </p:nvPr>
+        </p:nvSpPr>
+        <p:spPr/>
+        <p:txBody>
+          <a:bodyPr/>
+          <a:lstStyle/>
+          <a:p>
+            <a:fld id="{219C0E88-5C08-45F5-BD91-E93F425D2D58}" type="slidenum">
+              <a:rPr lang="it-IT" smtClean="0"/>
+              <a:t>19</a:t>
+            </a:fld>
+            <a:endParaRPr lang="it-IT" dirty="0"/>
+          </a:p>
+        </p:txBody>
+      </p:sp>
+    </p:spTree>
+    <p:extLst>
+      <p:ext uri="{BB962C8B-B14F-4D97-AF65-F5344CB8AC3E}">
+        <p14:creationId xmlns:p14="http://schemas.microsoft.com/office/powerpoint/2010/main" val="100593303"/>
       </p:ext>
     </p:extLst>
   </p:cSld>
@@ -6224,14 +8743,9 @@
           </a:p>
           <a:p>
             <a:r>
-              <a:rPr lang="en-US" dirty="0"/>
-              <a:t>VCS </a:t>
-            </a:r>
-            <a:r>
               <a:rPr lang="en-US" dirty="0" smtClean="0"/>
-              <a:t>enthusiast</a:t>
-            </a:r>
-            <a:endParaRPr lang="en-US" dirty="0"/>
+              <a:t>First game made: “Who wants to be a fake millionaire” on Nintendo DS as homebrew</a:t>
+            </a:r>
           </a:p>
         </p:txBody>
       </p:sp>
@@ -6256,28 +8770,12 @@
           <a:lstStyle/>
           <a:p>
             <a:r>
-              <a:rPr lang="it-IT" b="1" i="1" dirty="0" smtClean="0">
+              <a:rPr lang="en-US" b="1" i="1" smtClean="0">
                 <a:solidFill>
                   <a:schemeClr val="bg1"/>
                 </a:solidFill>
               </a:rPr>
-              <a:t>ROME  11-12 </a:t>
-            </a:r>
-            <a:r>
-              <a:rPr lang="it-IT" b="1" i="1" dirty="0" err="1" smtClean="0">
-                <a:solidFill>
-                  <a:schemeClr val="bg1"/>
-                </a:solidFill>
-              </a:rPr>
-              <a:t>april</a:t>
-            </a:r>
-            <a:r>
-              <a:rPr lang="it-IT" b="1" i="1" dirty="0" smtClean="0">
-                <a:solidFill>
-                  <a:schemeClr val="bg1"/>
-                </a:solidFill>
-              </a:rPr>
-              <a:t> 2014 – Valerio Riva</a:t>
+              <a:t>ROME  11-12 april 2014 – Valerio Riva</a:t>
             </a:r>
             <a:endParaRPr lang="it-IT" b="1" i="1" dirty="0">
               <a:solidFill>
@@ -6287,10 +8785,1647 @@
           </a:p>
         </p:txBody>
       </p:sp>
+      <p:sp>
+        <p:nvSpPr>
+          <p:cNvPr id="5" name="Segnaposto numero diapositiva 4"/>
+          <p:cNvSpPr>
+            <a:spLocks noGrp="1"/>
+          </p:cNvSpPr>
+          <p:nvPr>
+            <p:ph type="sldNum" sz="quarter" idx="12"/>
+          </p:nvPr>
+        </p:nvSpPr>
+        <p:spPr/>
+        <p:txBody>
+          <a:bodyPr/>
+          <a:lstStyle/>
+          <a:p>
+            <a:fld id="{219C0E88-5C08-45F5-BD91-E93F425D2D58}" type="slidenum">
+              <a:rPr lang="it-IT" smtClean="0"/>
+              <a:t>2</a:t>
+            </a:fld>
+            <a:endParaRPr lang="it-IT"/>
+          </a:p>
+        </p:txBody>
+      </p:sp>
     </p:spTree>
     <p:extLst>
       <p:ext uri="{BB962C8B-B14F-4D97-AF65-F5344CB8AC3E}">
         <p14:creationId xmlns:p14="http://schemas.microsoft.com/office/powerpoint/2010/main" val="3955662888"/>
+      </p:ext>
+    </p:extLst>
+  </p:cSld>
+  <p:clrMapOvr>
+    <a:masterClrMapping/>
+  </p:clrMapOvr>
+  <p:timing>
+    <p:tnLst>
+      <p:par>
+        <p:cTn id="1" dur="indefinite" restart="never" nodeType="tmRoot"/>
+      </p:par>
+    </p:tnLst>
+  </p:timing>
+</p:sld>
+</file>
+
+<file path=ppt/slides/slide20.xml><?xml version="1.0" encoding="utf-8"?>
+<p:sld xmlns:a="http://schemas.openxmlformats.org/drawingml/2006/main" xmlns:r="http://schemas.openxmlformats.org/officeDocument/2006/relationships" xmlns:p="http://schemas.openxmlformats.org/presentationml/2006/main">
+  <p:cSld>
+    <p:spTree>
+      <p:nvGrpSpPr>
+        <p:cNvPr id="1" name=""/>
+        <p:cNvGrpSpPr/>
+        <p:nvPr/>
+      </p:nvGrpSpPr>
+      <p:grpSpPr>
+        <a:xfrm>
+          <a:off x="0" y="0"/>
+          <a:ext cx="0" cy="0"/>
+          <a:chOff x="0" y="0"/>
+          <a:chExt cx="0" cy="0"/>
+        </a:xfrm>
+      </p:grpSpPr>
+      <p:sp>
+        <p:nvSpPr>
+          <p:cNvPr id="2" name="Titolo 1"/>
+          <p:cNvSpPr>
+            <a:spLocks noGrp="1"/>
+          </p:cNvSpPr>
+          <p:nvPr>
+            <p:ph type="title"/>
+          </p:nvPr>
+        </p:nvSpPr>
+        <p:spPr/>
+        <p:txBody>
+          <a:bodyPr>
+            <a:normAutofit/>
+          </a:bodyPr>
+          <a:lstStyle/>
+          <a:p>
+            <a:pPr algn="ctr"/>
+            <a:r>
+              <a:rPr lang="en-US" sz="4000" dirty="0" smtClean="0"/>
+              <a:t>Input: Mouse</a:t>
+            </a:r>
+            <a:endParaRPr lang="en-US" sz="4000" dirty="0"/>
+          </a:p>
+        </p:txBody>
+      </p:sp>
+      <p:sp>
+        <p:nvSpPr>
+          <p:cNvPr id="3" name="Segnaposto contenuto 2"/>
+          <p:cNvSpPr>
+            <a:spLocks noGrp="1"/>
+          </p:cNvSpPr>
+          <p:nvPr>
+            <p:ph idx="1"/>
+          </p:nvPr>
+        </p:nvSpPr>
+        <p:spPr/>
+        <p:txBody>
+          <a:bodyPr>
+            <a:normAutofit fontScale="55000" lnSpcReduction="20000"/>
+          </a:bodyPr>
+          <a:lstStyle/>
+          <a:p>
+            <a:pPr marL="0" indent="0">
+              <a:lnSpc>
+                <a:spcPct val="120000"/>
+              </a:lnSpc>
+              <a:spcBef>
+                <a:spcPts val="0"/>
+              </a:spcBef>
+              <a:buNone/>
+            </a:pPr>
+            <a:r>
+              <a:rPr lang="en-US" dirty="0">
+                <a:latin typeface="Consolas" panose="020B0609020204030204" pitchFamily="49" charset="0"/>
+                <a:cs typeface="Consolas" panose="020B0609020204030204" pitchFamily="49" charset="0"/>
+              </a:rPr>
+              <a:t>if (</a:t>
+            </a:r>
+            <a:r>
+              <a:rPr lang="en-US" dirty="0" err="1">
+                <a:latin typeface="Consolas" panose="020B0609020204030204" pitchFamily="49" charset="0"/>
+                <a:cs typeface="Consolas" panose="020B0609020204030204" pitchFamily="49" charset="0"/>
+              </a:rPr>
+              <a:t>game.input.mousePointer.isDown</a:t>
+            </a:r>
+            <a:r>
+              <a:rPr lang="en-US" dirty="0">
+                <a:latin typeface="Consolas" panose="020B0609020204030204" pitchFamily="49" charset="0"/>
+                <a:cs typeface="Consolas" panose="020B0609020204030204" pitchFamily="49" charset="0"/>
+              </a:rPr>
+              <a:t>) {</a:t>
+            </a:r>
+          </a:p>
+          <a:p>
+            <a:pPr marL="0" indent="0">
+              <a:lnSpc>
+                <a:spcPct val="120000"/>
+              </a:lnSpc>
+              <a:spcBef>
+                <a:spcPts val="0"/>
+              </a:spcBef>
+              <a:buNone/>
+            </a:pPr>
+            <a:r>
+              <a:rPr lang="en-US" dirty="0">
+                <a:latin typeface="Consolas" panose="020B0609020204030204" pitchFamily="49" charset="0"/>
+                <a:cs typeface="Consolas" panose="020B0609020204030204" pitchFamily="49" charset="0"/>
+              </a:rPr>
+              <a:t>	if (</a:t>
+            </a:r>
+            <a:r>
+              <a:rPr lang="en-US" dirty="0" err="1">
+                <a:latin typeface="Consolas" panose="020B0609020204030204" pitchFamily="49" charset="0"/>
+                <a:cs typeface="Consolas" panose="020B0609020204030204" pitchFamily="49" charset="0"/>
+              </a:rPr>
+              <a:t>game.input.mousePointer.x</a:t>
+            </a:r>
+            <a:r>
+              <a:rPr lang="en-US" dirty="0">
+                <a:latin typeface="Consolas" panose="020B0609020204030204" pitchFamily="49" charset="0"/>
+                <a:cs typeface="Consolas" panose="020B0609020204030204" pitchFamily="49" charset="0"/>
+              </a:rPr>
+              <a:t> &lt; </a:t>
+            </a:r>
+            <a:r>
+              <a:rPr lang="en-US" dirty="0" err="1">
+                <a:latin typeface="Consolas" panose="020B0609020204030204" pitchFamily="49" charset="0"/>
+                <a:cs typeface="Consolas" panose="020B0609020204030204" pitchFamily="49" charset="0"/>
+              </a:rPr>
+              <a:t>game.width</a:t>
+            </a:r>
+            <a:r>
+              <a:rPr lang="en-US" dirty="0">
+                <a:latin typeface="Consolas" panose="020B0609020204030204" pitchFamily="49" charset="0"/>
+                <a:cs typeface="Consolas" panose="020B0609020204030204" pitchFamily="49" charset="0"/>
+              </a:rPr>
+              <a:t>*0.5) {</a:t>
+            </a:r>
+          </a:p>
+          <a:p>
+            <a:pPr marL="0" indent="0">
+              <a:lnSpc>
+                <a:spcPct val="120000"/>
+              </a:lnSpc>
+              <a:spcBef>
+                <a:spcPts val="0"/>
+              </a:spcBef>
+              <a:buNone/>
+            </a:pPr>
+            <a:r>
+              <a:rPr lang="en-US" dirty="0">
+                <a:latin typeface="Consolas" panose="020B0609020204030204" pitchFamily="49" charset="0"/>
+                <a:cs typeface="Consolas" panose="020B0609020204030204" pitchFamily="49" charset="0"/>
+              </a:rPr>
+              <a:t>		</a:t>
+            </a:r>
+            <a:r>
+              <a:rPr lang="en-US" dirty="0" err="1">
+                <a:latin typeface="Consolas" panose="020B0609020204030204" pitchFamily="49" charset="0"/>
+                <a:cs typeface="Consolas" panose="020B0609020204030204" pitchFamily="49" charset="0"/>
+              </a:rPr>
+              <a:t>clickOnLeft</a:t>
+            </a:r>
+            <a:r>
+              <a:rPr lang="en-US" dirty="0">
+                <a:latin typeface="Consolas" panose="020B0609020204030204" pitchFamily="49" charset="0"/>
+                <a:cs typeface="Consolas" panose="020B0609020204030204" pitchFamily="49" charset="0"/>
+              </a:rPr>
+              <a:t> = true;</a:t>
+            </a:r>
+          </a:p>
+          <a:p>
+            <a:pPr marL="0" indent="0">
+              <a:lnSpc>
+                <a:spcPct val="120000"/>
+              </a:lnSpc>
+              <a:spcBef>
+                <a:spcPts val="0"/>
+              </a:spcBef>
+              <a:buNone/>
+            </a:pPr>
+            <a:r>
+              <a:rPr lang="en-US" dirty="0">
+                <a:latin typeface="Consolas" panose="020B0609020204030204" pitchFamily="49" charset="0"/>
+                <a:cs typeface="Consolas" panose="020B0609020204030204" pitchFamily="49" charset="0"/>
+              </a:rPr>
+              <a:t>	}</a:t>
+            </a:r>
+          </a:p>
+          <a:p>
+            <a:pPr marL="0" indent="0">
+              <a:lnSpc>
+                <a:spcPct val="120000"/>
+              </a:lnSpc>
+              <a:spcBef>
+                <a:spcPts val="0"/>
+              </a:spcBef>
+              <a:buNone/>
+            </a:pPr>
+            <a:r>
+              <a:rPr lang="en-US" dirty="0">
+                <a:latin typeface="Consolas" panose="020B0609020204030204" pitchFamily="49" charset="0"/>
+                <a:cs typeface="Consolas" panose="020B0609020204030204" pitchFamily="49" charset="0"/>
+              </a:rPr>
+              <a:t>	else if (</a:t>
+            </a:r>
+            <a:r>
+              <a:rPr lang="en-US" dirty="0" err="1">
+                <a:latin typeface="Consolas" panose="020B0609020204030204" pitchFamily="49" charset="0"/>
+                <a:cs typeface="Consolas" panose="020B0609020204030204" pitchFamily="49" charset="0"/>
+              </a:rPr>
+              <a:t>game.input.mousePointer.x</a:t>
+            </a:r>
+            <a:r>
+              <a:rPr lang="en-US" dirty="0">
+                <a:latin typeface="Consolas" panose="020B0609020204030204" pitchFamily="49" charset="0"/>
+                <a:cs typeface="Consolas" panose="020B0609020204030204" pitchFamily="49" charset="0"/>
+              </a:rPr>
+              <a:t> &gt; </a:t>
+            </a:r>
+            <a:r>
+              <a:rPr lang="en-US" dirty="0" err="1">
+                <a:latin typeface="Consolas" panose="020B0609020204030204" pitchFamily="49" charset="0"/>
+                <a:cs typeface="Consolas" panose="020B0609020204030204" pitchFamily="49" charset="0"/>
+              </a:rPr>
+              <a:t>game.width</a:t>
+            </a:r>
+            <a:r>
+              <a:rPr lang="en-US" dirty="0">
+                <a:latin typeface="Consolas" panose="020B0609020204030204" pitchFamily="49" charset="0"/>
+                <a:cs typeface="Consolas" panose="020B0609020204030204" pitchFamily="49" charset="0"/>
+              </a:rPr>
+              <a:t>*0.5) {</a:t>
+            </a:r>
+          </a:p>
+          <a:p>
+            <a:pPr marL="0" indent="0">
+              <a:lnSpc>
+                <a:spcPct val="120000"/>
+              </a:lnSpc>
+              <a:spcBef>
+                <a:spcPts val="0"/>
+              </a:spcBef>
+              <a:buNone/>
+            </a:pPr>
+            <a:r>
+              <a:rPr lang="en-US" dirty="0">
+                <a:latin typeface="Consolas" panose="020B0609020204030204" pitchFamily="49" charset="0"/>
+                <a:cs typeface="Consolas" panose="020B0609020204030204" pitchFamily="49" charset="0"/>
+              </a:rPr>
+              <a:t>		</a:t>
+            </a:r>
+            <a:r>
+              <a:rPr lang="en-US" dirty="0" err="1">
+                <a:latin typeface="Consolas" panose="020B0609020204030204" pitchFamily="49" charset="0"/>
+                <a:cs typeface="Consolas" panose="020B0609020204030204" pitchFamily="49" charset="0"/>
+              </a:rPr>
+              <a:t>clickOnRight</a:t>
+            </a:r>
+            <a:r>
+              <a:rPr lang="en-US" dirty="0">
+                <a:latin typeface="Consolas" panose="020B0609020204030204" pitchFamily="49" charset="0"/>
+                <a:cs typeface="Consolas" panose="020B0609020204030204" pitchFamily="49" charset="0"/>
+              </a:rPr>
+              <a:t> = true;</a:t>
+            </a:r>
+          </a:p>
+          <a:p>
+            <a:pPr marL="0" indent="0">
+              <a:lnSpc>
+                <a:spcPct val="120000"/>
+              </a:lnSpc>
+              <a:spcBef>
+                <a:spcPts val="0"/>
+              </a:spcBef>
+              <a:buNone/>
+            </a:pPr>
+            <a:r>
+              <a:rPr lang="en-US" dirty="0">
+                <a:latin typeface="Consolas" panose="020B0609020204030204" pitchFamily="49" charset="0"/>
+                <a:cs typeface="Consolas" panose="020B0609020204030204" pitchFamily="49" charset="0"/>
+              </a:rPr>
+              <a:t>	}</a:t>
+            </a:r>
+          </a:p>
+          <a:p>
+            <a:pPr marL="0" indent="0">
+              <a:lnSpc>
+                <a:spcPct val="120000"/>
+              </a:lnSpc>
+              <a:spcBef>
+                <a:spcPts val="0"/>
+              </a:spcBef>
+              <a:buNone/>
+            </a:pPr>
+            <a:endParaRPr lang="en-US" dirty="0">
+              <a:latin typeface="Consolas" panose="020B0609020204030204" pitchFamily="49" charset="0"/>
+              <a:cs typeface="Consolas" panose="020B0609020204030204" pitchFamily="49" charset="0"/>
+            </a:endParaRPr>
+          </a:p>
+          <a:p>
+            <a:pPr marL="0" indent="0">
+              <a:lnSpc>
+                <a:spcPct val="120000"/>
+              </a:lnSpc>
+              <a:spcBef>
+                <a:spcPts val="0"/>
+              </a:spcBef>
+              <a:buNone/>
+            </a:pPr>
+            <a:r>
+              <a:rPr lang="en-US" dirty="0">
+                <a:latin typeface="Consolas" panose="020B0609020204030204" pitchFamily="49" charset="0"/>
+                <a:cs typeface="Consolas" panose="020B0609020204030204" pitchFamily="49" charset="0"/>
+              </a:rPr>
+              <a:t>	if (</a:t>
+            </a:r>
+            <a:r>
+              <a:rPr lang="en-US" dirty="0" err="1">
+                <a:latin typeface="Consolas" panose="020B0609020204030204" pitchFamily="49" charset="0"/>
+                <a:cs typeface="Consolas" panose="020B0609020204030204" pitchFamily="49" charset="0"/>
+              </a:rPr>
+              <a:t>game.input.mousePointer.y</a:t>
+            </a:r>
+            <a:r>
+              <a:rPr lang="en-US" dirty="0">
+                <a:latin typeface="Consolas" panose="020B0609020204030204" pitchFamily="49" charset="0"/>
+                <a:cs typeface="Consolas" panose="020B0609020204030204" pitchFamily="49" charset="0"/>
+              </a:rPr>
+              <a:t> &lt; </a:t>
+            </a:r>
+            <a:r>
+              <a:rPr lang="en-US" dirty="0" err="1">
+                <a:latin typeface="Consolas" panose="020B0609020204030204" pitchFamily="49" charset="0"/>
+                <a:cs typeface="Consolas" panose="020B0609020204030204" pitchFamily="49" charset="0"/>
+              </a:rPr>
+              <a:t>game.height</a:t>
+            </a:r>
+            <a:r>
+              <a:rPr lang="en-US" dirty="0">
+                <a:latin typeface="Consolas" panose="020B0609020204030204" pitchFamily="49" charset="0"/>
+                <a:cs typeface="Consolas" panose="020B0609020204030204" pitchFamily="49" charset="0"/>
+              </a:rPr>
+              <a:t>*0.5) {</a:t>
+            </a:r>
+          </a:p>
+          <a:p>
+            <a:pPr marL="0" indent="0">
+              <a:lnSpc>
+                <a:spcPct val="120000"/>
+              </a:lnSpc>
+              <a:spcBef>
+                <a:spcPts val="0"/>
+              </a:spcBef>
+              <a:buNone/>
+            </a:pPr>
+            <a:r>
+              <a:rPr lang="en-US" dirty="0">
+                <a:latin typeface="Consolas" panose="020B0609020204030204" pitchFamily="49" charset="0"/>
+                <a:cs typeface="Consolas" panose="020B0609020204030204" pitchFamily="49" charset="0"/>
+              </a:rPr>
+              <a:t>		</a:t>
+            </a:r>
+            <a:r>
+              <a:rPr lang="en-US" dirty="0" err="1">
+                <a:latin typeface="Consolas" panose="020B0609020204030204" pitchFamily="49" charset="0"/>
+                <a:cs typeface="Consolas" panose="020B0609020204030204" pitchFamily="49" charset="0"/>
+              </a:rPr>
+              <a:t>clickOnTop</a:t>
+            </a:r>
+            <a:r>
+              <a:rPr lang="en-US" dirty="0">
+                <a:latin typeface="Consolas" panose="020B0609020204030204" pitchFamily="49" charset="0"/>
+                <a:cs typeface="Consolas" panose="020B0609020204030204" pitchFamily="49" charset="0"/>
+              </a:rPr>
+              <a:t> = true;</a:t>
+            </a:r>
+          </a:p>
+          <a:p>
+            <a:pPr marL="0" indent="0">
+              <a:lnSpc>
+                <a:spcPct val="120000"/>
+              </a:lnSpc>
+              <a:spcBef>
+                <a:spcPts val="0"/>
+              </a:spcBef>
+              <a:buNone/>
+            </a:pPr>
+            <a:r>
+              <a:rPr lang="en-US" dirty="0">
+                <a:latin typeface="Consolas" panose="020B0609020204030204" pitchFamily="49" charset="0"/>
+                <a:cs typeface="Consolas" panose="020B0609020204030204" pitchFamily="49" charset="0"/>
+              </a:rPr>
+              <a:t>	}</a:t>
+            </a:r>
+          </a:p>
+          <a:p>
+            <a:pPr marL="0" indent="0">
+              <a:lnSpc>
+                <a:spcPct val="120000"/>
+              </a:lnSpc>
+              <a:spcBef>
+                <a:spcPts val="0"/>
+              </a:spcBef>
+              <a:buNone/>
+            </a:pPr>
+            <a:r>
+              <a:rPr lang="en-US" dirty="0" smtClean="0">
+                <a:latin typeface="Consolas" panose="020B0609020204030204" pitchFamily="49" charset="0"/>
+                <a:cs typeface="Consolas" panose="020B0609020204030204" pitchFamily="49" charset="0"/>
+              </a:rPr>
+              <a:t>}</a:t>
+            </a:r>
+          </a:p>
+          <a:p>
+            <a:pPr marL="0" indent="0">
+              <a:lnSpc>
+                <a:spcPct val="120000"/>
+              </a:lnSpc>
+              <a:spcBef>
+                <a:spcPts val="0"/>
+              </a:spcBef>
+              <a:buNone/>
+            </a:pPr>
+            <a:endParaRPr lang="en-US" dirty="0">
+              <a:latin typeface="Consolas" panose="020B0609020204030204" pitchFamily="49" charset="0"/>
+              <a:cs typeface="Consolas" panose="020B0609020204030204" pitchFamily="49" charset="0"/>
+            </a:endParaRPr>
+          </a:p>
+          <a:p>
+            <a:pPr>
+              <a:lnSpc>
+                <a:spcPct val="120000"/>
+              </a:lnSpc>
+              <a:spcBef>
+                <a:spcPts val="0"/>
+              </a:spcBef>
+            </a:pPr>
+            <a:r>
+              <a:rPr lang="en-US" sz="5100" dirty="0" smtClean="0">
+                <a:cs typeface="Consolas" panose="020B0609020204030204" pitchFamily="49" charset="0"/>
+              </a:rPr>
+              <a:t>Swap </a:t>
+            </a:r>
+            <a:r>
+              <a:rPr lang="en-US" sz="5100" dirty="0" err="1" smtClean="0">
+                <a:cs typeface="Consolas" panose="020B0609020204030204" pitchFamily="49" charset="0"/>
+              </a:rPr>
+              <a:t>mousePointer</a:t>
+            </a:r>
+            <a:r>
+              <a:rPr lang="en-US" sz="5100" dirty="0" smtClean="0">
+                <a:cs typeface="Consolas" panose="020B0609020204030204" pitchFamily="49" charset="0"/>
+              </a:rPr>
+              <a:t> with </a:t>
+            </a:r>
+            <a:r>
+              <a:rPr lang="en-US" sz="5100" dirty="0" err="1" smtClean="0">
+                <a:cs typeface="Consolas" panose="020B0609020204030204" pitchFamily="49" charset="0"/>
+              </a:rPr>
+              <a:t>activePointer</a:t>
+            </a:r>
+            <a:r>
+              <a:rPr lang="en-US" sz="5100" dirty="0" smtClean="0">
+                <a:cs typeface="Consolas" panose="020B0609020204030204" pitchFamily="49" charset="0"/>
+              </a:rPr>
+              <a:t> to capture any active pointer (works with mouse and touch inputs)</a:t>
+            </a:r>
+          </a:p>
+        </p:txBody>
+      </p:sp>
+      <p:sp>
+        <p:nvSpPr>
+          <p:cNvPr id="4" name="Segnaposto data 3"/>
+          <p:cNvSpPr>
+            <a:spLocks noGrp="1"/>
+          </p:cNvSpPr>
+          <p:nvPr>
+            <p:ph type="dt" sz="half" idx="10"/>
+          </p:nvPr>
+        </p:nvSpPr>
+        <p:spPr>
+          <a:xfrm>
+            <a:off x="539552" y="115094"/>
+            <a:ext cx="3233886" cy="365125"/>
+          </a:xfrm>
+        </p:spPr>
+        <p:txBody>
+          <a:bodyPr/>
+          <a:lstStyle/>
+          <a:p>
+            <a:r>
+              <a:rPr lang="en-US" b="1" i="1" smtClean="0">
+                <a:solidFill>
+                  <a:schemeClr val="bg1"/>
+                </a:solidFill>
+              </a:rPr>
+              <a:t>ROME  11-12 april 2014 – Valerio Riva</a:t>
+            </a:r>
+            <a:endParaRPr lang="it-IT" b="1" i="1" dirty="0">
+              <a:solidFill>
+                <a:schemeClr val="bg1"/>
+              </a:solidFill>
+            </a:endParaRPr>
+          </a:p>
+        </p:txBody>
+      </p:sp>
+      <p:sp>
+        <p:nvSpPr>
+          <p:cNvPr id="5" name="Segnaposto numero diapositiva 4"/>
+          <p:cNvSpPr>
+            <a:spLocks noGrp="1"/>
+          </p:cNvSpPr>
+          <p:nvPr>
+            <p:ph type="sldNum" sz="quarter" idx="12"/>
+          </p:nvPr>
+        </p:nvSpPr>
+        <p:spPr/>
+        <p:txBody>
+          <a:bodyPr/>
+          <a:lstStyle/>
+          <a:p>
+            <a:fld id="{219C0E88-5C08-45F5-BD91-E93F425D2D58}" type="slidenum">
+              <a:rPr lang="it-IT" smtClean="0"/>
+              <a:t>20</a:t>
+            </a:fld>
+            <a:endParaRPr lang="it-IT" dirty="0"/>
+          </a:p>
+        </p:txBody>
+      </p:sp>
+    </p:spTree>
+    <p:extLst>
+      <p:ext uri="{BB962C8B-B14F-4D97-AF65-F5344CB8AC3E}">
+        <p14:creationId xmlns:p14="http://schemas.microsoft.com/office/powerpoint/2010/main" val="4174560926"/>
+      </p:ext>
+    </p:extLst>
+  </p:cSld>
+  <p:clrMapOvr>
+    <a:masterClrMapping/>
+  </p:clrMapOvr>
+  <p:timing>
+    <p:tnLst>
+      <p:par>
+        <p:cTn id="1" dur="indefinite" restart="never" nodeType="tmRoot"/>
+      </p:par>
+    </p:tnLst>
+  </p:timing>
+</p:sld>
+</file>
+
+<file path=ppt/slides/slide21.xml><?xml version="1.0" encoding="utf-8"?>
+<p:sld xmlns:a="http://schemas.openxmlformats.org/drawingml/2006/main" xmlns:r="http://schemas.openxmlformats.org/officeDocument/2006/relationships" xmlns:p="http://schemas.openxmlformats.org/presentationml/2006/main">
+  <p:cSld>
+    <p:spTree>
+      <p:nvGrpSpPr>
+        <p:cNvPr id="1" name=""/>
+        <p:cNvGrpSpPr/>
+        <p:nvPr/>
+      </p:nvGrpSpPr>
+      <p:grpSpPr>
+        <a:xfrm>
+          <a:off x="0" y="0"/>
+          <a:ext cx="0" cy="0"/>
+          <a:chOff x="0" y="0"/>
+          <a:chExt cx="0" cy="0"/>
+        </a:xfrm>
+      </p:grpSpPr>
+      <p:sp>
+        <p:nvSpPr>
+          <p:cNvPr id="2" name="Titolo 1"/>
+          <p:cNvSpPr>
+            <a:spLocks noGrp="1"/>
+          </p:cNvSpPr>
+          <p:nvPr>
+            <p:ph type="title"/>
+          </p:nvPr>
+        </p:nvSpPr>
+        <p:spPr/>
+        <p:txBody>
+          <a:bodyPr>
+            <a:normAutofit/>
+          </a:bodyPr>
+          <a:lstStyle/>
+          <a:p>
+            <a:pPr algn="ctr"/>
+            <a:r>
+              <a:rPr lang="en-US" sz="4000" dirty="0" smtClean="0"/>
+              <a:t>Input: Multi-touch</a:t>
+            </a:r>
+            <a:endParaRPr lang="en-US" sz="4000" dirty="0"/>
+          </a:p>
+        </p:txBody>
+      </p:sp>
+      <p:sp>
+        <p:nvSpPr>
+          <p:cNvPr id="3" name="Segnaposto contenuto 2"/>
+          <p:cNvSpPr>
+            <a:spLocks noGrp="1"/>
+          </p:cNvSpPr>
+          <p:nvPr>
+            <p:ph idx="1"/>
+          </p:nvPr>
+        </p:nvSpPr>
+        <p:spPr/>
+        <p:txBody>
+          <a:bodyPr>
+            <a:normAutofit/>
+          </a:bodyPr>
+          <a:lstStyle/>
+          <a:p>
+            <a:pPr>
+              <a:lnSpc>
+                <a:spcPct val="120000"/>
+              </a:lnSpc>
+              <a:spcBef>
+                <a:spcPts val="0"/>
+              </a:spcBef>
+            </a:pPr>
+            <a:r>
+              <a:rPr lang="en-US" dirty="0" smtClean="0">
+                <a:cs typeface="Consolas" panose="020B0609020204030204" pitchFamily="49" charset="0"/>
+              </a:rPr>
+              <a:t>Supports 10 pointers (= fingers)!</a:t>
+            </a:r>
+          </a:p>
+          <a:p>
+            <a:pPr>
+              <a:lnSpc>
+                <a:spcPct val="120000"/>
+              </a:lnSpc>
+              <a:spcBef>
+                <a:spcPts val="0"/>
+              </a:spcBef>
+            </a:pPr>
+            <a:r>
+              <a:rPr lang="en-US" dirty="0" smtClean="0">
+                <a:cs typeface="Consolas" panose="020B0609020204030204" pitchFamily="49" charset="0"/>
+              </a:rPr>
+              <a:t>Two pointers are already available</a:t>
+            </a:r>
+          </a:p>
+          <a:p>
+            <a:pPr>
+              <a:lnSpc>
+                <a:spcPct val="120000"/>
+              </a:lnSpc>
+              <a:spcBef>
+                <a:spcPts val="0"/>
+              </a:spcBef>
+            </a:pPr>
+            <a:r>
+              <a:rPr lang="en-US" dirty="0" smtClean="0">
+                <a:cs typeface="Consolas" panose="020B0609020204030204" pitchFamily="49" charset="0"/>
+              </a:rPr>
+              <a:t>Add another pointer</a:t>
+            </a:r>
+          </a:p>
+          <a:p>
+            <a:pPr marL="457200" lvl="1" indent="0">
+              <a:lnSpc>
+                <a:spcPct val="120000"/>
+              </a:lnSpc>
+              <a:spcBef>
+                <a:spcPts val="0"/>
+              </a:spcBef>
+              <a:buNone/>
+            </a:pPr>
+            <a:r>
+              <a:rPr lang="en-US" sz="2000" dirty="0" err="1" smtClean="0">
+                <a:latin typeface="Consolas" panose="020B0609020204030204" pitchFamily="49" charset="0"/>
+                <a:cs typeface="Consolas" panose="020B0609020204030204" pitchFamily="49" charset="0"/>
+              </a:rPr>
+              <a:t>game.input.addPointer</a:t>
+            </a:r>
+            <a:r>
+              <a:rPr lang="en-US" sz="2000" dirty="0" smtClean="0">
+                <a:latin typeface="Consolas" panose="020B0609020204030204" pitchFamily="49" charset="0"/>
+                <a:cs typeface="Consolas" panose="020B0609020204030204" pitchFamily="49" charset="0"/>
+              </a:rPr>
+              <a:t>();</a:t>
+            </a:r>
+          </a:p>
+          <a:p>
+            <a:pPr>
+              <a:lnSpc>
+                <a:spcPct val="120000"/>
+              </a:lnSpc>
+              <a:spcBef>
+                <a:spcPts val="0"/>
+              </a:spcBef>
+            </a:pPr>
+            <a:r>
+              <a:rPr lang="en-US" dirty="0" smtClean="0">
+                <a:cs typeface="Consolas" panose="020B0609020204030204" pitchFamily="49" charset="0"/>
+              </a:rPr>
+              <a:t>Read different pointers</a:t>
+            </a:r>
+          </a:p>
+          <a:p>
+            <a:pPr marL="457200" lvl="1" indent="0">
+              <a:lnSpc>
+                <a:spcPct val="120000"/>
+              </a:lnSpc>
+              <a:spcBef>
+                <a:spcPts val="0"/>
+              </a:spcBef>
+              <a:buNone/>
+            </a:pPr>
+            <a:r>
+              <a:rPr lang="en-US" sz="2000" dirty="0" smtClean="0">
+                <a:latin typeface="Consolas" panose="020B0609020204030204" pitchFamily="49" charset="0"/>
+                <a:cs typeface="Consolas" panose="020B0609020204030204" pitchFamily="49" charset="0"/>
+              </a:rPr>
+              <a:t>game.input.pointer3;</a:t>
+            </a:r>
+            <a:r>
+              <a:rPr lang="en-US" dirty="0" smtClean="0">
+                <a:cs typeface="Consolas" panose="020B0609020204030204" pitchFamily="49" charset="0"/>
+              </a:rPr>
+              <a:t> or </a:t>
+            </a:r>
+            <a:r>
+              <a:rPr lang="en-US" sz="2000" dirty="0" smtClean="0">
+                <a:latin typeface="Consolas" panose="020B0609020204030204" pitchFamily="49" charset="0"/>
+                <a:cs typeface="Consolas" panose="020B0609020204030204" pitchFamily="49" charset="0"/>
+              </a:rPr>
+              <a:t>game.input.pointer4;</a:t>
+            </a:r>
+            <a:endParaRPr lang="en-US" sz="2000" dirty="0">
+              <a:latin typeface="Consolas" panose="020B0609020204030204" pitchFamily="49" charset="0"/>
+              <a:cs typeface="Consolas" panose="020B0609020204030204" pitchFamily="49" charset="0"/>
+            </a:endParaRPr>
+          </a:p>
+        </p:txBody>
+      </p:sp>
+      <p:sp>
+        <p:nvSpPr>
+          <p:cNvPr id="4" name="Segnaposto data 3"/>
+          <p:cNvSpPr>
+            <a:spLocks noGrp="1"/>
+          </p:cNvSpPr>
+          <p:nvPr>
+            <p:ph type="dt" sz="half" idx="10"/>
+          </p:nvPr>
+        </p:nvSpPr>
+        <p:spPr>
+          <a:xfrm>
+            <a:off x="539552" y="115094"/>
+            <a:ext cx="3233886" cy="365125"/>
+          </a:xfrm>
+        </p:spPr>
+        <p:txBody>
+          <a:bodyPr/>
+          <a:lstStyle/>
+          <a:p>
+            <a:r>
+              <a:rPr lang="en-US" b="1" i="1" smtClean="0">
+                <a:solidFill>
+                  <a:schemeClr val="bg1"/>
+                </a:solidFill>
+              </a:rPr>
+              <a:t>ROME  11-12 april 2014 – Valerio Riva</a:t>
+            </a:r>
+            <a:endParaRPr lang="it-IT" b="1" i="1" dirty="0">
+              <a:solidFill>
+                <a:schemeClr val="bg1"/>
+              </a:solidFill>
+            </a:endParaRPr>
+          </a:p>
+        </p:txBody>
+      </p:sp>
+      <p:sp>
+        <p:nvSpPr>
+          <p:cNvPr id="5" name="Segnaposto numero diapositiva 4"/>
+          <p:cNvSpPr>
+            <a:spLocks noGrp="1"/>
+          </p:cNvSpPr>
+          <p:nvPr>
+            <p:ph type="sldNum" sz="quarter" idx="12"/>
+          </p:nvPr>
+        </p:nvSpPr>
+        <p:spPr/>
+        <p:txBody>
+          <a:bodyPr/>
+          <a:lstStyle/>
+          <a:p>
+            <a:fld id="{219C0E88-5C08-45F5-BD91-E93F425D2D58}" type="slidenum">
+              <a:rPr lang="it-IT" smtClean="0"/>
+              <a:t>21</a:t>
+            </a:fld>
+            <a:endParaRPr lang="it-IT" dirty="0"/>
+          </a:p>
+        </p:txBody>
+      </p:sp>
+    </p:spTree>
+    <p:extLst>
+      <p:ext uri="{BB962C8B-B14F-4D97-AF65-F5344CB8AC3E}">
+        <p14:creationId xmlns:p14="http://schemas.microsoft.com/office/powerpoint/2010/main" val="1177716729"/>
+      </p:ext>
+    </p:extLst>
+  </p:cSld>
+  <p:clrMapOvr>
+    <a:masterClrMapping/>
+  </p:clrMapOvr>
+  <p:timing>
+    <p:tnLst>
+      <p:par>
+        <p:cTn id="1" dur="indefinite" restart="never" nodeType="tmRoot"/>
+      </p:par>
+    </p:tnLst>
+  </p:timing>
+</p:sld>
+</file>
+
+<file path=ppt/slides/slide22.xml><?xml version="1.0" encoding="utf-8"?>
+<p:sld xmlns:a="http://schemas.openxmlformats.org/drawingml/2006/main" xmlns:r="http://schemas.openxmlformats.org/officeDocument/2006/relationships" xmlns:p="http://schemas.openxmlformats.org/presentationml/2006/main">
+  <p:cSld>
+    <p:spTree>
+      <p:nvGrpSpPr>
+        <p:cNvPr id="1" name=""/>
+        <p:cNvGrpSpPr/>
+        <p:nvPr/>
+      </p:nvGrpSpPr>
+      <p:grpSpPr>
+        <a:xfrm>
+          <a:off x="0" y="0"/>
+          <a:ext cx="0" cy="0"/>
+          <a:chOff x="0" y="0"/>
+          <a:chExt cx="0" cy="0"/>
+        </a:xfrm>
+      </p:grpSpPr>
+      <p:sp>
+        <p:nvSpPr>
+          <p:cNvPr id="2" name="Titolo 1"/>
+          <p:cNvSpPr>
+            <a:spLocks noGrp="1"/>
+          </p:cNvSpPr>
+          <p:nvPr>
+            <p:ph type="title"/>
+          </p:nvPr>
+        </p:nvSpPr>
+        <p:spPr/>
+        <p:txBody>
+          <a:bodyPr>
+            <a:normAutofit/>
+          </a:bodyPr>
+          <a:lstStyle/>
+          <a:p>
+            <a:pPr algn="ctr"/>
+            <a:r>
+              <a:rPr lang="en-US" sz="4000" dirty="0" smtClean="0"/>
+              <a:t>Input: Gamepad</a:t>
+            </a:r>
+            <a:endParaRPr lang="en-US" sz="4000" dirty="0"/>
+          </a:p>
+        </p:txBody>
+      </p:sp>
+      <p:sp>
+        <p:nvSpPr>
+          <p:cNvPr id="3" name="Segnaposto contenuto 2"/>
+          <p:cNvSpPr>
+            <a:spLocks noGrp="1"/>
+          </p:cNvSpPr>
+          <p:nvPr>
+            <p:ph idx="1"/>
+          </p:nvPr>
+        </p:nvSpPr>
+        <p:spPr/>
+        <p:txBody>
+          <a:bodyPr>
+            <a:noAutofit/>
+          </a:bodyPr>
+          <a:lstStyle/>
+          <a:p>
+            <a:pPr marL="0" indent="0">
+              <a:lnSpc>
+                <a:spcPct val="120000"/>
+              </a:lnSpc>
+              <a:spcBef>
+                <a:spcPts val="0"/>
+              </a:spcBef>
+              <a:buNone/>
+            </a:pPr>
+            <a:r>
+              <a:rPr lang="en-US" sz="1400" dirty="0">
+                <a:latin typeface="Consolas" panose="020B0609020204030204" pitchFamily="49" charset="0"/>
+                <a:cs typeface="Consolas" panose="020B0609020204030204" pitchFamily="49" charset="0"/>
+              </a:rPr>
+              <a:t>f</a:t>
+            </a:r>
+            <a:r>
+              <a:rPr lang="en-US" sz="1400" dirty="0" smtClean="0">
+                <a:latin typeface="Consolas" panose="020B0609020204030204" pitchFamily="49" charset="0"/>
+                <a:cs typeface="Consolas" panose="020B0609020204030204" pitchFamily="49" charset="0"/>
+              </a:rPr>
+              <a:t>unction create</a:t>
+            </a:r>
+            <a:r>
+              <a:rPr lang="en-US" sz="1400" dirty="0">
+                <a:latin typeface="Consolas" panose="020B0609020204030204" pitchFamily="49" charset="0"/>
+                <a:cs typeface="Consolas" panose="020B0609020204030204" pitchFamily="49" charset="0"/>
+              </a:rPr>
+              <a:t>() </a:t>
+            </a:r>
+            <a:r>
+              <a:rPr lang="en-US" sz="1400" dirty="0" smtClean="0">
+                <a:latin typeface="Consolas" panose="020B0609020204030204" pitchFamily="49" charset="0"/>
+                <a:cs typeface="Consolas" panose="020B0609020204030204" pitchFamily="49" charset="0"/>
+              </a:rPr>
+              <a:t>{</a:t>
+            </a:r>
+          </a:p>
+          <a:p>
+            <a:pPr marL="0" indent="0">
+              <a:lnSpc>
+                <a:spcPct val="120000"/>
+              </a:lnSpc>
+              <a:spcBef>
+                <a:spcPts val="0"/>
+              </a:spcBef>
+              <a:buNone/>
+            </a:pPr>
+            <a:r>
+              <a:rPr lang="en-US" sz="1400" dirty="0" smtClean="0">
+                <a:latin typeface="Consolas" panose="020B0609020204030204" pitchFamily="49" charset="0"/>
+                <a:cs typeface="Consolas" panose="020B0609020204030204" pitchFamily="49" charset="0"/>
+              </a:rPr>
+              <a:t>	</a:t>
+            </a:r>
+            <a:r>
+              <a:rPr lang="en-US" sz="1400" dirty="0" err="1" smtClean="0">
+                <a:latin typeface="Consolas" panose="020B0609020204030204" pitchFamily="49" charset="0"/>
+                <a:cs typeface="Consolas" panose="020B0609020204030204" pitchFamily="49" charset="0"/>
+              </a:rPr>
+              <a:t>game.input.gamepad.start</a:t>
+            </a:r>
+            <a:r>
+              <a:rPr lang="en-US" sz="1400" dirty="0">
+                <a:latin typeface="Consolas" panose="020B0609020204030204" pitchFamily="49" charset="0"/>
+                <a:cs typeface="Consolas" panose="020B0609020204030204" pitchFamily="49" charset="0"/>
+              </a:rPr>
+              <a:t>();</a:t>
+            </a:r>
+          </a:p>
+          <a:p>
+            <a:pPr marL="0" indent="0">
+              <a:lnSpc>
+                <a:spcPct val="120000"/>
+              </a:lnSpc>
+              <a:spcBef>
+                <a:spcPts val="0"/>
+              </a:spcBef>
+              <a:buNone/>
+            </a:pPr>
+            <a:r>
+              <a:rPr lang="en-US" sz="1400" dirty="0" smtClean="0">
+                <a:latin typeface="Consolas" panose="020B0609020204030204" pitchFamily="49" charset="0"/>
+                <a:cs typeface="Consolas" panose="020B0609020204030204" pitchFamily="49" charset="0"/>
+              </a:rPr>
+              <a:t>	pad1 </a:t>
+            </a:r>
+            <a:r>
+              <a:rPr lang="en-US" sz="1400" dirty="0">
+                <a:latin typeface="Consolas" panose="020B0609020204030204" pitchFamily="49" charset="0"/>
+                <a:cs typeface="Consolas" panose="020B0609020204030204" pitchFamily="49" charset="0"/>
+              </a:rPr>
+              <a:t>= game.input.gamepad.pad1</a:t>
+            </a:r>
+            <a:r>
+              <a:rPr lang="en-US" sz="1400" dirty="0" smtClean="0">
+                <a:latin typeface="Consolas" panose="020B0609020204030204" pitchFamily="49" charset="0"/>
+                <a:cs typeface="Consolas" panose="020B0609020204030204" pitchFamily="49" charset="0"/>
+              </a:rPr>
+              <a:t>;</a:t>
+            </a:r>
+          </a:p>
+          <a:p>
+            <a:pPr marL="0" indent="0">
+              <a:lnSpc>
+                <a:spcPct val="120000"/>
+              </a:lnSpc>
+              <a:spcBef>
+                <a:spcPts val="0"/>
+              </a:spcBef>
+              <a:buNone/>
+            </a:pPr>
+            <a:r>
+              <a:rPr lang="en-US" sz="1400" dirty="0" smtClean="0">
+                <a:latin typeface="Consolas" panose="020B0609020204030204" pitchFamily="49" charset="0"/>
+                <a:cs typeface="Consolas" panose="020B0609020204030204" pitchFamily="49" charset="0"/>
+              </a:rPr>
+              <a:t>}</a:t>
+            </a:r>
+          </a:p>
+          <a:p>
+            <a:pPr marL="0" indent="0">
+              <a:lnSpc>
+                <a:spcPct val="120000"/>
+              </a:lnSpc>
+              <a:spcBef>
+                <a:spcPts val="0"/>
+              </a:spcBef>
+              <a:buNone/>
+            </a:pPr>
+            <a:r>
+              <a:rPr lang="en-US" sz="1400" dirty="0">
+                <a:latin typeface="Consolas" panose="020B0609020204030204" pitchFamily="49" charset="0"/>
+                <a:cs typeface="Consolas" panose="020B0609020204030204" pitchFamily="49" charset="0"/>
+              </a:rPr>
+              <a:t>f</a:t>
+            </a:r>
+            <a:r>
+              <a:rPr lang="en-US" sz="1400" dirty="0" smtClean="0">
+                <a:latin typeface="Consolas" panose="020B0609020204030204" pitchFamily="49" charset="0"/>
+                <a:cs typeface="Consolas" panose="020B0609020204030204" pitchFamily="49" charset="0"/>
+              </a:rPr>
+              <a:t>unction update() {</a:t>
+            </a:r>
+          </a:p>
+          <a:p>
+            <a:pPr marL="0" indent="0">
+              <a:lnSpc>
+                <a:spcPct val="120000"/>
+              </a:lnSpc>
+              <a:spcBef>
+                <a:spcPts val="0"/>
+              </a:spcBef>
+              <a:buNone/>
+            </a:pPr>
+            <a:r>
+              <a:rPr lang="en-US" sz="1400" dirty="0" smtClean="0">
+                <a:latin typeface="Consolas" panose="020B0609020204030204" pitchFamily="49" charset="0"/>
+                <a:cs typeface="Consolas" panose="020B0609020204030204" pitchFamily="49" charset="0"/>
+              </a:rPr>
+              <a:t>	if </a:t>
+            </a:r>
+            <a:r>
+              <a:rPr lang="en-US" sz="1400" dirty="0">
+                <a:latin typeface="Consolas" panose="020B0609020204030204" pitchFamily="49" charset="0"/>
+                <a:cs typeface="Consolas" panose="020B0609020204030204" pitchFamily="49" charset="0"/>
+              </a:rPr>
+              <a:t>(</a:t>
+            </a:r>
+            <a:r>
+              <a:rPr lang="en-US" sz="1400" dirty="0" err="1" smtClean="0">
+                <a:latin typeface="Consolas" panose="020B0609020204030204" pitchFamily="49" charset="0"/>
+                <a:cs typeface="Consolas" panose="020B0609020204030204" pitchFamily="49" charset="0"/>
+              </a:rPr>
+              <a:t>game.input.gamepad.supported</a:t>
+            </a:r>
+            <a:r>
+              <a:rPr lang="en-US" sz="1400" dirty="0" smtClean="0">
+                <a:latin typeface="Consolas" panose="020B0609020204030204" pitchFamily="49" charset="0"/>
+                <a:cs typeface="Consolas" panose="020B0609020204030204" pitchFamily="49" charset="0"/>
+              </a:rPr>
+              <a:t> </a:t>
+            </a:r>
+          </a:p>
+          <a:p>
+            <a:pPr marL="0" indent="0">
+              <a:lnSpc>
+                <a:spcPct val="120000"/>
+              </a:lnSpc>
+              <a:spcBef>
+                <a:spcPts val="0"/>
+              </a:spcBef>
+              <a:buNone/>
+            </a:pPr>
+            <a:r>
+              <a:rPr lang="en-US" sz="1400" dirty="0" smtClean="0">
+                <a:latin typeface="Consolas" panose="020B0609020204030204" pitchFamily="49" charset="0"/>
+                <a:cs typeface="Consolas" panose="020B0609020204030204" pitchFamily="49" charset="0"/>
+              </a:rPr>
+              <a:t>		&amp;&amp; </a:t>
+            </a:r>
+            <a:r>
+              <a:rPr lang="en-US" sz="1400" dirty="0" err="1" smtClean="0">
+                <a:latin typeface="Consolas" panose="020B0609020204030204" pitchFamily="49" charset="0"/>
+                <a:cs typeface="Consolas" panose="020B0609020204030204" pitchFamily="49" charset="0"/>
+              </a:rPr>
+              <a:t>game.input.gamepad.active</a:t>
+            </a:r>
+            <a:r>
+              <a:rPr lang="en-US" sz="1400" dirty="0" smtClean="0">
+                <a:latin typeface="Consolas" panose="020B0609020204030204" pitchFamily="49" charset="0"/>
+                <a:cs typeface="Consolas" panose="020B0609020204030204" pitchFamily="49" charset="0"/>
+              </a:rPr>
+              <a:t> </a:t>
+            </a:r>
+          </a:p>
+          <a:p>
+            <a:pPr marL="0" indent="0">
+              <a:lnSpc>
+                <a:spcPct val="120000"/>
+              </a:lnSpc>
+              <a:spcBef>
+                <a:spcPts val="0"/>
+              </a:spcBef>
+              <a:buNone/>
+            </a:pPr>
+            <a:r>
+              <a:rPr lang="en-US" sz="1400" dirty="0" smtClean="0">
+                <a:latin typeface="Consolas" panose="020B0609020204030204" pitchFamily="49" charset="0"/>
+                <a:cs typeface="Consolas" panose="020B0609020204030204" pitchFamily="49" charset="0"/>
+              </a:rPr>
+              <a:t>		&amp;&amp; pad1.connected</a:t>
+            </a:r>
+            <a:r>
+              <a:rPr lang="en-US" sz="1400" dirty="0">
+                <a:latin typeface="Consolas" panose="020B0609020204030204" pitchFamily="49" charset="0"/>
+                <a:cs typeface="Consolas" panose="020B0609020204030204" pitchFamily="49" charset="0"/>
+              </a:rPr>
+              <a:t>) </a:t>
+            </a:r>
+            <a:r>
+              <a:rPr lang="en-US" sz="1400" dirty="0" smtClean="0">
+                <a:latin typeface="Consolas" panose="020B0609020204030204" pitchFamily="49" charset="0"/>
+                <a:cs typeface="Consolas" panose="020B0609020204030204" pitchFamily="49" charset="0"/>
+              </a:rPr>
+              <a:t>{</a:t>
+            </a:r>
+          </a:p>
+          <a:p>
+            <a:pPr marL="0" indent="0">
+              <a:lnSpc>
+                <a:spcPct val="120000"/>
+              </a:lnSpc>
+              <a:spcBef>
+                <a:spcPts val="0"/>
+              </a:spcBef>
+              <a:buNone/>
+            </a:pPr>
+            <a:r>
+              <a:rPr lang="en-US" sz="1400" dirty="0">
+                <a:latin typeface="Consolas" panose="020B0609020204030204" pitchFamily="49" charset="0"/>
+                <a:cs typeface="Consolas" panose="020B0609020204030204" pitchFamily="49" charset="0"/>
+              </a:rPr>
+              <a:t>	</a:t>
+            </a:r>
+            <a:r>
+              <a:rPr lang="en-US" sz="1400" dirty="0" smtClean="0">
+                <a:latin typeface="Consolas" panose="020B0609020204030204" pitchFamily="49" charset="0"/>
+                <a:cs typeface="Consolas" panose="020B0609020204030204" pitchFamily="49" charset="0"/>
+              </a:rPr>
+              <a:t>	//play with gamepad!</a:t>
+            </a:r>
+          </a:p>
+          <a:p>
+            <a:pPr marL="0" indent="0">
+              <a:lnSpc>
+                <a:spcPct val="120000"/>
+              </a:lnSpc>
+              <a:spcBef>
+                <a:spcPts val="0"/>
+              </a:spcBef>
+              <a:buNone/>
+            </a:pPr>
+            <a:r>
+              <a:rPr lang="en-US" sz="1400" dirty="0" smtClean="0">
+                <a:latin typeface="Consolas" panose="020B0609020204030204" pitchFamily="49" charset="0"/>
+                <a:cs typeface="Consolas" panose="020B0609020204030204" pitchFamily="49" charset="0"/>
+              </a:rPr>
+              <a:t>		if </a:t>
+            </a:r>
+            <a:r>
+              <a:rPr lang="en-US" sz="1400" dirty="0">
+                <a:latin typeface="Consolas" panose="020B0609020204030204" pitchFamily="49" charset="0"/>
+                <a:cs typeface="Consolas" panose="020B0609020204030204" pitchFamily="49" charset="0"/>
+              </a:rPr>
+              <a:t>(pad1.isDown(Phaser.Gamepad.XBOX360_DPAD_LEFT)) { … }</a:t>
+            </a:r>
+          </a:p>
+          <a:p>
+            <a:pPr marL="0" indent="0">
+              <a:lnSpc>
+                <a:spcPct val="120000"/>
+              </a:lnSpc>
+              <a:spcBef>
+                <a:spcPts val="0"/>
+              </a:spcBef>
+              <a:buNone/>
+            </a:pPr>
+            <a:r>
+              <a:rPr lang="en-US" sz="1400" dirty="0" smtClean="0">
+                <a:latin typeface="Consolas" panose="020B0609020204030204" pitchFamily="49" charset="0"/>
+                <a:cs typeface="Consolas" panose="020B0609020204030204" pitchFamily="49" charset="0"/>
+              </a:rPr>
+              <a:t>		if </a:t>
+            </a:r>
+            <a:r>
+              <a:rPr lang="en-US" sz="1400" dirty="0">
+                <a:latin typeface="Consolas" panose="020B0609020204030204" pitchFamily="49" charset="0"/>
+                <a:cs typeface="Consolas" panose="020B0609020204030204" pitchFamily="49" charset="0"/>
+              </a:rPr>
+              <a:t>(pad1.axis(Phaser.Gamepad.XBOX360_STICK_LEFT_X)) { … }</a:t>
+            </a:r>
+          </a:p>
+          <a:p>
+            <a:pPr marL="0" indent="0">
+              <a:lnSpc>
+                <a:spcPct val="120000"/>
+              </a:lnSpc>
+              <a:spcBef>
+                <a:spcPts val="0"/>
+              </a:spcBef>
+              <a:buNone/>
+            </a:pPr>
+            <a:r>
+              <a:rPr lang="en-US" sz="1400" dirty="0" smtClean="0">
+                <a:latin typeface="Consolas" panose="020B0609020204030204" pitchFamily="49" charset="0"/>
+                <a:cs typeface="Consolas" panose="020B0609020204030204" pitchFamily="49" charset="0"/>
+              </a:rPr>
+              <a:t>		if </a:t>
+            </a:r>
+            <a:r>
+              <a:rPr lang="en-US" sz="1400" dirty="0">
+                <a:latin typeface="Consolas" panose="020B0609020204030204" pitchFamily="49" charset="0"/>
+                <a:cs typeface="Consolas" panose="020B0609020204030204" pitchFamily="49" charset="0"/>
+              </a:rPr>
+              <a:t>(pad1.justPressed(Phaser.Gamepad.XBOX360_A)) { … </a:t>
+            </a:r>
+            <a:r>
+              <a:rPr lang="en-US" sz="1400" dirty="0" smtClean="0">
+                <a:latin typeface="Consolas" panose="020B0609020204030204" pitchFamily="49" charset="0"/>
+                <a:cs typeface="Consolas" panose="020B0609020204030204" pitchFamily="49" charset="0"/>
+              </a:rPr>
+              <a:t>}</a:t>
+            </a:r>
+          </a:p>
+          <a:p>
+            <a:pPr marL="0" indent="0">
+              <a:lnSpc>
+                <a:spcPct val="120000"/>
+              </a:lnSpc>
+              <a:spcBef>
+                <a:spcPts val="0"/>
+              </a:spcBef>
+              <a:buNone/>
+            </a:pPr>
+            <a:r>
+              <a:rPr lang="en-US" sz="1400" dirty="0" smtClean="0">
+                <a:latin typeface="Consolas" panose="020B0609020204030204" pitchFamily="49" charset="0"/>
+                <a:cs typeface="Consolas" panose="020B0609020204030204" pitchFamily="49" charset="0"/>
+              </a:rPr>
+              <a:t>	}</a:t>
+            </a:r>
+          </a:p>
+          <a:p>
+            <a:pPr marL="0" indent="0">
+              <a:lnSpc>
+                <a:spcPct val="120000"/>
+              </a:lnSpc>
+              <a:spcBef>
+                <a:spcPts val="0"/>
+              </a:spcBef>
+              <a:buNone/>
+            </a:pPr>
+            <a:r>
+              <a:rPr lang="en-US" sz="1400" dirty="0">
+                <a:latin typeface="Consolas" panose="020B0609020204030204" pitchFamily="49" charset="0"/>
+                <a:cs typeface="Consolas" panose="020B0609020204030204" pitchFamily="49" charset="0"/>
+              </a:rPr>
+              <a:t>	</a:t>
+            </a:r>
+            <a:r>
+              <a:rPr lang="en-US" sz="1400" dirty="0" smtClean="0">
+                <a:latin typeface="Consolas" panose="020B0609020204030204" pitchFamily="49" charset="0"/>
+                <a:cs typeface="Consolas" panose="020B0609020204030204" pitchFamily="49" charset="0"/>
+              </a:rPr>
+              <a:t>else {</a:t>
+            </a:r>
+          </a:p>
+          <a:p>
+            <a:pPr marL="0" indent="0">
+              <a:lnSpc>
+                <a:spcPct val="120000"/>
+              </a:lnSpc>
+              <a:spcBef>
+                <a:spcPts val="0"/>
+              </a:spcBef>
+              <a:buNone/>
+            </a:pPr>
+            <a:r>
+              <a:rPr lang="en-US" sz="1400" dirty="0">
+                <a:latin typeface="Consolas" panose="020B0609020204030204" pitchFamily="49" charset="0"/>
+                <a:cs typeface="Consolas" panose="020B0609020204030204" pitchFamily="49" charset="0"/>
+              </a:rPr>
+              <a:t>		</a:t>
+            </a:r>
+            <a:r>
+              <a:rPr lang="en-US" sz="1400" dirty="0" smtClean="0">
+                <a:latin typeface="Consolas" panose="020B0609020204030204" pitchFamily="49" charset="0"/>
+                <a:cs typeface="Consolas" panose="020B0609020204030204" pitchFamily="49" charset="0"/>
+              </a:rPr>
+              <a:t>//play with boring keyboard!</a:t>
+            </a:r>
+          </a:p>
+          <a:p>
+            <a:pPr marL="0" indent="0">
+              <a:lnSpc>
+                <a:spcPct val="120000"/>
+              </a:lnSpc>
+              <a:spcBef>
+                <a:spcPts val="0"/>
+              </a:spcBef>
+              <a:buNone/>
+            </a:pPr>
+            <a:r>
+              <a:rPr lang="en-US" sz="1400" dirty="0">
+                <a:latin typeface="Consolas" panose="020B0609020204030204" pitchFamily="49" charset="0"/>
+                <a:cs typeface="Consolas" panose="020B0609020204030204" pitchFamily="49" charset="0"/>
+              </a:rPr>
+              <a:t>	</a:t>
+            </a:r>
+            <a:r>
+              <a:rPr lang="en-US" sz="1400" dirty="0" smtClean="0">
+                <a:latin typeface="Consolas" panose="020B0609020204030204" pitchFamily="49" charset="0"/>
+                <a:cs typeface="Consolas" panose="020B0609020204030204" pitchFamily="49" charset="0"/>
+              </a:rPr>
+              <a:t>}</a:t>
+            </a:r>
+          </a:p>
+          <a:p>
+            <a:pPr marL="0" indent="0">
+              <a:lnSpc>
+                <a:spcPct val="120000"/>
+              </a:lnSpc>
+              <a:spcBef>
+                <a:spcPts val="0"/>
+              </a:spcBef>
+              <a:buNone/>
+            </a:pPr>
+            <a:r>
+              <a:rPr lang="en-US" sz="1400" dirty="0" smtClean="0">
+                <a:latin typeface="Consolas" panose="020B0609020204030204" pitchFamily="49" charset="0"/>
+                <a:cs typeface="Consolas" panose="020B0609020204030204" pitchFamily="49" charset="0"/>
+              </a:rPr>
+              <a:t>}</a:t>
+            </a:r>
+          </a:p>
+        </p:txBody>
+      </p:sp>
+      <p:sp>
+        <p:nvSpPr>
+          <p:cNvPr id="4" name="Segnaposto data 3"/>
+          <p:cNvSpPr>
+            <a:spLocks noGrp="1"/>
+          </p:cNvSpPr>
+          <p:nvPr>
+            <p:ph type="dt" sz="half" idx="10"/>
+          </p:nvPr>
+        </p:nvSpPr>
+        <p:spPr>
+          <a:xfrm>
+            <a:off x="539552" y="115094"/>
+            <a:ext cx="3233886" cy="365125"/>
+          </a:xfrm>
+        </p:spPr>
+        <p:txBody>
+          <a:bodyPr/>
+          <a:lstStyle/>
+          <a:p>
+            <a:r>
+              <a:rPr lang="en-US" b="1" i="1" smtClean="0">
+                <a:solidFill>
+                  <a:schemeClr val="bg1"/>
+                </a:solidFill>
+              </a:rPr>
+              <a:t>ROME  11-12 april 2014 – Valerio Riva</a:t>
+            </a:r>
+            <a:endParaRPr lang="it-IT" b="1" i="1" dirty="0">
+              <a:solidFill>
+                <a:schemeClr val="bg1"/>
+              </a:solidFill>
+            </a:endParaRPr>
+          </a:p>
+        </p:txBody>
+      </p:sp>
+      <p:sp>
+        <p:nvSpPr>
+          <p:cNvPr id="5" name="Segnaposto numero diapositiva 4"/>
+          <p:cNvSpPr>
+            <a:spLocks noGrp="1"/>
+          </p:cNvSpPr>
+          <p:nvPr>
+            <p:ph type="sldNum" sz="quarter" idx="12"/>
+          </p:nvPr>
+        </p:nvSpPr>
+        <p:spPr/>
+        <p:txBody>
+          <a:bodyPr/>
+          <a:lstStyle/>
+          <a:p>
+            <a:fld id="{219C0E88-5C08-45F5-BD91-E93F425D2D58}" type="slidenum">
+              <a:rPr lang="it-IT" smtClean="0"/>
+              <a:t>22</a:t>
+            </a:fld>
+            <a:endParaRPr lang="it-IT" dirty="0"/>
+          </a:p>
+        </p:txBody>
+      </p:sp>
+    </p:spTree>
+    <p:extLst>
+      <p:ext uri="{BB962C8B-B14F-4D97-AF65-F5344CB8AC3E}">
+        <p14:creationId xmlns:p14="http://schemas.microsoft.com/office/powerpoint/2010/main" val="1566433481"/>
+      </p:ext>
+    </p:extLst>
+  </p:cSld>
+  <p:clrMapOvr>
+    <a:masterClrMapping/>
+  </p:clrMapOvr>
+  <p:timing>
+    <p:tnLst>
+      <p:par>
+        <p:cTn id="1" dur="indefinite" restart="never" nodeType="tmRoot"/>
+      </p:par>
+    </p:tnLst>
+  </p:timing>
+</p:sld>
+</file>
+
+<file path=ppt/slides/slide23.xml><?xml version="1.0" encoding="utf-8"?>
+<p:sld xmlns:a="http://schemas.openxmlformats.org/drawingml/2006/main" xmlns:r="http://schemas.openxmlformats.org/officeDocument/2006/relationships" xmlns:p="http://schemas.openxmlformats.org/presentationml/2006/main">
+  <p:cSld>
+    <p:spTree>
+      <p:nvGrpSpPr>
+        <p:cNvPr id="1" name=""/>
+        <p:cNvGrpSpPr/>
+        <p:nvPr/>
+      </p:nvGrpSpPr>
+      <p:grpSpPr>
+        <a:xfrm>
+          <a:off x="0" y="0"/>
+          <a:ext cx="0" cy="0"/>
+          <a:chOff x="0" y="0"/>
+          <a:chExt cx="0" cy="0"/>
+        </a:xfrm>
+      </p:grpSpPr>
+      <p:sp>
+        <p:nvSpPr>
+          <p:cNvPr id="2" name="Titolo 1"/>
+          <p:cNvSpPr>
+            <a:spLocks noGrp="1"/>
+          </p:cNvSpPr>
+          <p:nvPr>
+            <p:ph type="title"/>
+          </p:nvPr>
+        </p:nvSpPr>
+        <p:spPr/>
+        <p:txBody>
+          <a:bodyPr>
+            <a:normAutofit/>
+          </a:bodyPr>
+          <a:lstStyle/>
+          <a:p>
+            <a:pPr algn="ctr"/>
+            <a:r>
+              <a:rPr lang="en-GB" sz="4000" dirty="0"/>
+              <a:t>Dissecting the mummy</a:t>
+            </a:r>
+            <a:endParaRPr lang="en-US" sz="4000" dirty="0"/>
+          </a:p>
+        </p:txBody>
+      </p:sp>
+      <p:sp>
+        <p:nvSpPr>
+          <p:cNvPr id="3" name="Segnaposto contenuto 2"/>
+          <p:cNvSpPr>
+            <a:spLocks noGrp="1"/>
+          </p:cNvSpPr>
+          <p:nvPr>
+            <p:ph idx="1"/>
+          </p:nvPr>
+        </p:nvSpPr>
+        <p:spPr/>
+        <p:txBody>
+          <a:bodyPr>
+            <a:normAutofit/>
+          </a:bodyPr>
+          <a:lstStyle/>
+          <a:p>
+            <a:pPr>
+              <a:lnSpc>
+                <a:spcPct val="120000"/>
+              </a:lnSpc>
+              <a:spcBef>
+                <a:spcPts val="0"/>
+              </a:spcBef>
+            </a:pPr>
+            <a:r>
+              <a:rPr lang="en-US" dirty="0" err="1" smtClean="0">
+                <a:cs typeface="Consolas" panose="020B0609020204030204" pitchFamily="49" charset="0"/>
+              </a:rPr>
+              <a:t>Vediamo</a:t>
+            </a:r>
+            <a:r>
+              <a:rPr lang="en-US" dirty="0" smtClean="0">
+                <a:cs typeface="Consolas" panose="020B0609020204030204" pitchFamily="49" charset="0"/>
+              </a:rPr>
+              <a:t> </a:t>
+            </a:r>
+            <a:r>
+              <a:rPr lang="en-US" dirty="0" err="1" smtClean="0">
+                <a:cs typeface="Consolas" panose="020B0609020204030204" pitchFamily="49" charset="0"/>
+              </a:rPr>
+              <a:t>il</a:t>
+            </a:r>
+            <a:r>
+              <a:rPr lang="en-US" dirty="0" smtClean="0">
+                <a:cs typeface="Consolas" panose="020B0609020204030204" pitchFamily="49" charset="0"/>
+              </a:rPr>
+              <a:t> </a:t>
+            </a:r>
+            <a:r>
+              <a:rPr lang="en-US" dirty="0" err="1" smtClean="0">
+                <a:cs typeface="Consolas" panose="020B0609020204030204" pitchFamily="49" charset="0"/>
+              </a:rPr>
+              <a:t>gioco</a:t>
+            </a:r>
+            <a:r>
+              <a:rPr lang="en-US" dirty="0" smtClean="0">
+                <a:cs typeface="Consolas" panose="020B0609020204030204" pitchFamily="49" charset="0"/>
+              </a:rPr>
+              <a:t> blah </a:t>
+            </a:r>
+            <a:r>
+              <a:rPr lang="en-US" dirty="0" err="1" smtClean="0">
+                <a:cs typeface="Consolas" panose="020B0609020204030204" pitchFamily="49" charset="0"/>
+              </a:rPr>
+              <a:t>blah</a:t>
+            </a:r>
+            <a:endParaRPr lang="en-US" dirty="0" smtClean="0">
+              <a:cs typeface="Consolas" panose="020B0609020204030204" pitchFamily="49" charset="0"/>
+            </a:endParaRPr>
+          </a:p>
+        </p:txBody>
+      </p:sp>
+      <p:sp>
+        <p:nvSpPr>
+          <p:cNvPr id="4" name="Segnaposto data 3"/>
+          <p:cNvSpPr>
+            <a:spLocks noGrp="1"/>
+          </p:cNvSpPr>
+          <p:nvPr>
+            <p:ph type="dt" sz="half" idx="10"/>
+          </p:nvPr>
+        </p:nvSpPr>
+        <p:spPr>
+          <a:xfrm>
+            <a:off x="539552" y="115094"/>
+            <a:ext cx="3233886" cy="365125"/>
+          </a:xfrm>
+        </p:spPr>
+        <p:txBody>
+          <a:bodyPr/>
+          <a:lstStyle/>
+          <a:p>
+            <a:r>
+              <a:rPr lang="en-US" b="1" i="1" smtClean="0">
+                <a:solidFill>
+                  <a:schemeClr val="bg1"/>
+                </a:solidFill>
+              </a:rPr>
+              <a:t>ROME  11-12 april 2014 – Valerio Riva</a:t>
+            </a:r>
+            <a:endParaRPr lang="it-IT" b="1" i="1" dirty="0">
+              <a:solidFill>
+                <a:schemeClr val="bg1"/>
+              </a:solidFill>
+            </a:endParaRPr>
+          </a:p>
+        </p:txBody>
+      </p:sp>
+      <p:sp>
+        <p:nvSpPr>
+          <p:cNvPr id="5" name="Segnaposto numero diapositiva 4"/>
+          <p:cNvSpPr>
+            <a:spLocks noGrp="1"/>
+          </p:cNvSpPr>
+          <p:nvPr>
+            <p:ph type="sldNum" sz="quarter" idx="12"/>
+          </p:nvPr>
+        </p:nvSpPr>
+        <p:spPr/>
+        <p:txBody>
+          <a:bodyPr/>
+          <a:lstStyle/>
+          <a:p>
+            <a:fld id="{219C0E88-5C08-45F5-BD91-E93F425D2D58}" type="slidenum">
+              <a:rPr lang="it-IT" smtClean="0"/>
+              <a:t>23</a:t>
+            </a:fld>
+            <a:endParaRPr lang="it-IT" dirty="0"/>
+          </a:p>
+        </p:txBody>
+      </p:sp>
+    </p:spTree>
+    <p:extLst>
+      <p:ext uri="{BB962C8B-B14F-4D97-AF65-F5344CB8AC3E}">
+        <p14:creationId xmlns:p14="http://schemas.microsoft.com/office/powerpoint/2010/main" val="3911238045"/>
       </p:ext>
     </p:extLst>
   </p:cSld>
@@ -6410,28 +10545,12 @@
           <a:lstStyle/>
           <a:p>
             <a:r>
-              <a:rPr lang="it-IT" b="1" i="1" dirty="0" smtClean="0">
+              <a:rPr lang="en-US" b="1" i="1" smtClean="0">
                 <a:solidFill>
                   <a:schemeClr val="bg1"/>
                 </a:solidFill>
               </a:rPr>
-              <a:t>ROME  11-12 </a:t>
-            </a:r>
-            <a:r>
-              <a:rPr lang="it-IT" b="1" i="1" dirty="0" err="1" smtClean="0">
-                <a:solidFill>
-                  <a:schemeClr val="bg1"/>
-                </a:solidFill>
-              </a:rPr>
-              <a:t>april</a:t>
-            </a:r>
-            <a:r>
-              <a:rPr lang="it-IT" b="1" i="1" dirty="0" smtClean="0">
-                <a:solidFill>
-                  <a:schemeClr val="bg1"/>
-                </a:solidFill>
-              </a:rPr>
-              <a:t> 2014 – Valerio Riva</a:t>
+              <a:t>ROME  11-12 april 2014 – Valerio Riva</a:t>
             </a:r>
             <a:endParaRPr lang="it-IT" b="1" i="1" dirty="0">
               <a:solidFill>
@@ -6516,6 +10635,29 @@
           </p:spPr>
         </p:pic>
       </p:grpSp>
+      <p:sp>
+        <p:nvSpPr>
+          <p:cNvPr id="8" name="Segnaposto numero diapositiva 7"/>
+          <p:cNvSpPr>
+            <a:spLocks noGrp="1"/>
+          </p:cNvSpPr>
+          <p:nvPr>
+            <p:ph type="sldNum" sz="quarter" idx="12"/>
+          </p:nvPr>
+        </p:nvSpPr>
+        <p:spPr/>
+        <p:txBody>
+          <a:bodyPr/>
+          <a:lstStyle/>
+          <a:p>
+            <a:fld id="{219C0E88-5C08-45F5-BD91-E93F425D2D58}" type="slidenum">
+              <a:rPr lang="it-IT" smtClean="0"/>
+              <a:t>3</a:t>
+            </a:fld>
+            <a:endParaRPr lang="it-IT"/>
+          </a:p>
+        </p:txBody>
+      </p:sp>
     </p:spTree>
     <p:extLst>
       <p:ext uri="{BB962C8B-B14F-4D97-AF65-F5344CB8AC3E}">
@@ -6603,25 +10745,29 @@
           </a:p>
           <a:p>
             <a:r>
+              <a:rPr lang="en-US" dirty="0"/>
+              <a:t>Available on all </a:t>
+            </a:r>
+            <a:r>
               <a:rPr lang="en-US" dirty="0" smtClean="0"/>
-              <a:t>Overload of </a:t>
-            </a:r>
+              <a:t>mobile devices</a:t>
+            </a:r>
+            <a:endParaRPr lang="en-US" dirty="0"/>
+          </a:p>
+          <a:p>
+            <a:r>
+              <a:rPr lang="en-US" dirty="0" smtClean="0"/>
+              <a:t>Low performances on almost every mobile devices (especially on Android)</a:t>
+            </a:r>
+          </a:p>
+          <a:p>
             <a:r>
               <a:rPr lang="en-US" dirty="0"/>
-              <a:t>game engine http://html5gameengine.com/</a:t>
-            </a:r>
-            <a:endParaRPr lang="en-US" dirty="0" smtClean="0"/>
-          </a:p>
-          <a:p>
+              <a:t>Overload of game engine http://html5gameengine.com</a:t>
+            </a:r>
             <a:r>
               <a:rPr lang="en-US" dirty="0" smtClean="0"/>
-              <a:t>Available on all mobile </a:t>
-            </a:r>
-          </a:p>
-          <a:p>
-            <a:r>
-              <a:rPr lang="en-US" dirty="0" smtClean="0"/>
-              <a:t>Low performances on almost every mobile (especially on Android)</a:t>
+              <a:t>/</a:t>
             </a:r>
           </a:p>
           <a:p>
@@ -6661,34 +10807,41 @@
           <a:lstStyle/>
           <a:p>
             <a:r>
-              <a:rPr lang="it-IT" b="1" i="1" dirty="0" smtClean="0">
+              <a:rPr lang="en-US" b="1" i="1" smtClean="0">
                 <a:solidFill>
                   <a:schemeClr val="bg1"/>
                 </a:solidFill>
               </a:rPr>
-              <a:t>ROME  11-12 </a:t>
-            </a:r>
-            <a:r>
-              <a:rPr lang="it-IT" b="1" i="1" dirty="0" err="1" smtClean="0">
-                <a:solidFill>
-                  <a:schemeClr val="bg1"/>
-                </a:solidFill>
-              </a:rPr>
-              <a:t>april</a:t>
-            </a:r>
-            <a:r>
-              <a:rPr lang="it-IT" b="1" i="1" dirty="0" smtClean="0">
-                <a:solidFill>
-                  <a:schemeClr val="bg1"/>
-                </a:solidFill>
-              </a:rPr>
-              <a:t> 2014 – Valerio Riva</a:t>
+              <a:t>ROME  11-12 april 2014 – Valerio Riva</a:t>
             </a:r>
             <a:endParaRPr lang="it-IT" b="1" i="1" dirty="0">
               <a:solidFill>
                 <a:schemeClr val="bg1"/>
               </a:solidFill>
             </a:endParaRPr>
+          </a:p>
+        </p:txBody>
+      </p:sp>
+      <p:sp>
+        <p:nvSpPr>
+          <p:cNvPr id="5" name="Segnaposto numero diapositiva 4"/>
+          <p:cNvSpPr>
+            <a:spLocks noGrp="1"/>
+          </p:cNvSpPr>
+          <p:nvPr>
+            <p:ph type="sldNum" sz="quarter" idx="12"/>
+          </p:nvPr>
+        </p:nvSpPr>
+        <p:spPr/>
+        <p:txBody>
+          <a:bodyPr/>
+          <a:lstStyle/>
+          <a:p>
+            <a:fld id="{219C0E88-5C08-45F5-BD91-E93F425D2D58}" type="slidenum">
+              <a:rPr lang="it-IT" smtClean="0"/>
+              <a:t>4</a:t>
+            </a:fld>
+            <a:endParaRPr lang="it-IT"/>
           </a:p>
         </p:txBody>
       </p:sp>
@@ -6814,21 +10967,6 @@
             </a:r>
           </a:p>
           <a:p>
-            <a:r>
-              <a:rPr lang="en-US" dirty="0" smtClean="0"/>
-              <a:t>Almost </a:t>
-            </a:r>
-            <a:r>
-              <a:rPr lang="en-US" dirty="0"/>
-              <a:t>compatible with </a:t>
-            </a:r>
-            <a:r>
-              <a:rPr lang="en-US" dirty="0" err="1" smtClean="0"/>
-              <a:t>CocoonJS</a:t>
-            </a:r>
-            <a:endParaRPr lang="en-US" dirty="0" smtClean="0"/>
-          </a:p>
-          <a:p>
             <a:endParaRPr lang="en-US" dirty="0"/>
           </a:p>
           <a:p>
@@ -6871,28 +11009,12 @@
           <a:lstStyle/>
           <a:p>
             <a:r>
-              <a:rPr lang="it-IT" b="1" i="1" dirty="0" smtClean="0">
+              <a:rPr lang="en-US" b="1" i="1" smtClean="0">
                 <a:solidFill>
                   <a:schemeClr val="bg1"/>
                 </a:solidFill>
               </a:rPr>
-              <a:t>ROME  11-12 </a:t>
-            </a:r>
-            <a:r>
-              <a:rPr lang="it-IT" b="1" i="1" dirty="0" err="1" smtClean="0">
-                <a:solidFill>
-                  <a:schemeClr val="bg1"/>
-                </a:solidFill>
-              </a:rPr>
-              <a:t>april</a:t>
-            </a:r>
-            <a:r>
-              <a:rPr lang="it-IT" b="1" i="1" dirty="0" smtClean="0">
-                <a:solidFill>
-                  <a:schemeClr val="bg1"/>
-                </a:solidFill>
-              </a:rPr>
-              <a:t> 2014 – Valerio Riva</a:t>
+              <a:t>ROME  11-12 april 2014 – Valerio Riva</a:t>
             </a:r>
             <a:endParaRPr lang="it-IT" b="1" i="1" dirty="0">
               <a:solidFill>
@@ -6924,7 +11046,7 @@
         </p:blipFill>
         <p:spPr>
           <a:xfrm>
-            <a:off x="3803154" y="4866754"/>
+            <a:off x="3807470" y="4509120"/>
             <a:ext cx="1445146" cy="1445146"/>
           </a:xfrm>
           <a:prstGeom prst="rect">
@@ -6932,6 +11054,29 @@
           </a:prstGeom>
         </p:spPr>
       </p:pic>
+      <p:sp>
+        <p:nvSpPr>
+          <p:cNvPr id="6" name="Segnaposto numero diapositiva 5"/>
+          <p:cNvSpPr>
+            <a:spLocks noGrp="1"/>
+          </p:cNvSpPr>
+          <p:nvPr>
+            <p:ph type="sldNum" sz="quarter" idx="12"/>
+          </p:nvPr>
+        </p:nvSpPr>
+        <p:spPr/>
+        <p:txBody>
+          <a:bodyPr/>
+          <a:lstStyle/>
+          <a:p>
+            <a:fld id="{219C0E88-5C08-45F5-BD91-E93F425D2D58}" type="slidenum">
+              <a:rPr lang="it-IT" smtClean="0"/>
+              <a:t>5</a:t>
+            </a:fld>
+            <a:endParaRPr lang="it-IT"/>
+          </a:p>
+        </p:txBody>
+      </p:sp>
     </p:spTree>
     <p:extLst>
       <p:ext uri="{BB962C8B-B14F-4D97-AF65-F5344CB8AC3E}">
@@ -7030,13 +11175,8 @@
             </a:r>
             <a:r>
               <a:rPr lang="en-US" dirty="0" smtClean="0"/>
-              <a:t>with </a:t>
-            </a:r>
-            <a:r>
-              <a:rPr lang="en-US" dirty="0" err="1" smtClean="0"/>
-              <a:t>Multitouch</a:t>
-            </a:r>
-            <a:endParaRPr lang="en-US" dirty="0" smtClean="0"/>
+              <a:t>with Multi-touch</a:t>
+            </a:r>
           </a:p>
           <a:p>
             <a:r>
@@ -7151,34 +11291,41 @@
           <a:lstStyle/>
           <a:p>
             <a:r>
-              <a:rPr lang="it-IT" b="1" i="1" dirty="0" smtClean="0">
+              <a:rPr lang="en-US" b="1" i="1" smtClean="0">
                 <a:solidFill>
                   <a:schemeClr val="bg1"/>
                 </a:solidFill>
               </a:rPr>
-              <a:t>ROME  11-12 </a:t>
-            </a:r>
-            <a:r>
-              <a:rPr lang="it-IT" b="1" i="1" dirty="0" err="1" smtClean="0">
-                <a:solidFill>
-                  <a:schemeClr val="bg1"/>
-                </a:solidFill>
-              </a:rPr>
-              <a:t>april</a:t>
-            </a:r>
-            <a:r>
-              <a:rPr lang="it-IT" b="1" i="1" dirty="0" smtClean="0">
-                <a:solidFill>
-                  <a:schemeClr val="bg1"/>
-                </a:solidFill>
-              </a:rPr>
-              <a:t> 2014 – Valerio Riva</a:t>
+              <a:t>ROME  11-12 april 2014 – Valerio Riva</a:t>
             </a:r>
             <a:endParaRPr lang="it-IT" b="1" i="1" dirty="0">
               <a:solidFill>
                 <a:schemeClr val="bg1"/>
               </a:solidFill>
             </a:endParaRPr>
+          </a:p>
+        </p:txBody>
+      </p:sp>
+      <p:sp>
+        <p:nvSpPr>
+          <p:cNvPr id="5" name="Segnaposto numero diapositiva 4"/>
+          <p:cNvSpPr>
+            <a:spLocks noGrp="1"/>
+          </p:cNvSpPr>
+          <p:nvPr>
+            <p:ph type="sldNum" sz="quarter" idx="12"/>
+          </p:nvPr>
+        </p:nvSpPr>
+        <p:spPr/>
+        <p:txBody>
+          <a:bodyPr/>
+          <a:lstStyle/>
+          <a:p>
+            <a:fld id="{219C0E88-5C08-45F5-BD91-E93F425D2D58}" type="slidenum">
+              <a:rPr lang="it-IT" smtClean="0"/>
+              <a:t>6</a:t>
+            </a:fld>
+            <a:endParaRPr lang="it-IT"/>
           </a:p>
         </p:txBody>
       </p:sp>
@@ -7280,15 +11427,8 @@
           </a:p>
           <a:p>
             <a:r>
-              <a:rPr lang="en-US" smtClean="0"/>
+              <a:rPr lang="en-US" dirty="0" smtClean="0"/>
               <a:t>Collision</a:t>
-            </a:r>
-            <a:endParaRPr lang="en-US" dirty="0" smtClean="0"/>
-          </a:p>
-          <a:p>
-            <a:r>
-              <a:rPr lang="en-US" dirty="0" smtClean="0"/>
-              <a:t>Tweens</a:t>
             </a:r>
           </a:p>
           <a:p>
@@ -7321,34 +11461,41 @@
           <a:lstStyle/>
           <a:p>
             <a:r>
-              <a:rPr lang="it-IT" b="1" i="1" dirty="0" smtClean="0">
+              <a:rPr lang="en-US" b="1" i="1" smtClean="0">
                 <a:solidFill>
                   <a:schemeClr val="bg1"/>
                 </a:solidFill>
               </a:rPr>
-              <a:t>ROME  11-12 </a:t>
-            </a:r>
-            <a:r>
-              <a:rPr lang="it-IT" b="1" i="1" dirty="0" err="1" smtClean="0">
-                <a:solidFill>
-                  <a:schemeClr val="bg1"/>
-                </a:solidFill>
-              </a:rPr>
-              <a:t>april</a:t>
-            </a:r>
-            <a:r>
-              <a:rPr lang="it-IT" b="1" i="1" dirty="0" smtClean="0">
-                <a:solidFill>
-                  <a:schemeClr val="bg1"/>
-                </a:solidFill>
-              </a:rPr>
-              <a:t> 2014 – Valerio Riva</a:t>
+              <a:t>ROME  11-12 april 2014 – Valerio Riva</a:t>
             </a:r>
             <a:endParaRPr lang="it-IT" b="1" i="1" dirty="0">
               <a:solidFill>
                 <a:schemeClr val="bg1"/>
               </a:solidFill>
             </a:endParaRPr>
+          </a:p>
+        </p:txBody>
+      </p:sp>
+      <p:sp>
+        <p:nvSpPr>
+          <p:cNvPr id="5" name="Segnaposto numero diapositiva 4"/>
+          <p:cNvSpPr>
+            <a:spLocks noGrp="1"/>
+          </p:cNvSpPr>
+          <p:nvPr>
+            <p:ph type="sldNum" sz="quarter" idx="12"/>
+          </p:nvPr>
+        </p:nvSpPr>
+        <p:spPr/>
+        <p:txBody>
+          <a:bodyPr/>
+          <a:lstStyle/>
+          <a:p>
+            <a:fld id="{219C0E88-5C08-45F5-BD91-E93F425D2D58}" type="slidenum">
+              <a:rPr lang="it-IT" smtClean="0"/>
+              <a:t>7</a:t>
+            </a:fld>
+            <a:endParaRPr lang="it-IT"/>
           </a:p>
         </p:txBody>
       </p:sp>
@@ -7444,7 +11591,7 @@
           <a:p>
             <a:r>
               <a:rPr lang="en-US" dirty="0" smtClean="0"/>
-              <a:t>Inputs, AI, collisions, rendering … your game is computed here!</a:t>
+              <a:t>Inputs, AI, collisions, rendering… your game is computed here!</a:t>
             </a:r>
           </a:p>
           <a:p>
@@ -7508,34 +11655,41 @@
           <a:lstStyle/>
           <a:p>
             <a:r>
-              <a:rPr lang="it-IT" b="1" i="1" dirty="0" smtClean="0">
+              <a:rPr lang="en-US" b="1" i="1" smtClean="0">
                 <a:solidFill>
                   <a:schemeClr val="bg1"/>
                 </a:solidFill>
               </a:rPr>
-              <a:t>ROME  11-12 </a:t>
-            </a:r>
-            <a:r>
-              <a:rPr lang="it-IT" b="1" i="1" dirty="0" err="1" smtClean="0">
-                <a:solidFill>
-                  <a:schemeClr val="bg1"/>
-                </a:solidFill>
-              </a:rPr>
-              <a:t>april</a:t>
-            </a:r>
-            <a:r>
-              <a:rPr lang="it-IT" b="1" i="1" dirty="0" smtClean="0">
-                <a:solidFill>
-                  <a:schemeClr val="bg1"/>
-                </a:solidFill>
-              </a:rPr>
-              <a:t> 2014 – Valerio Riva</a:t>
+              <a:t>ROME  11-12 april 2014 – Valerio Riva</a:t>
             </a:r>
             <a:endParaRPr lang="it-IT" b="1" i="1" dirty="0">
               <a:solidFill>
                 <a:schemeClr val="bg1"/>
               </a:solidFill>
             </a:endParaRPr>
+          </a:p>
+        </p:txBody>
+      </p:sp>
+      <p:sp>
+        <p:nvSpPr>
+          <p:cNvPr id="5" name="Segnaposto numero diapositiva 4"/>
+          <p:cNvSpPr>
+            <a:spLocks noGrp="1"/>
+          </p:cNvSpPr>
+          <p:nvPr>
+            <p:ph type="sldNum" sz="quarter" idx="12"/>
+          </p:nvPr>
+        </p:nvSpPr>
+        <p:spPr/>
+        <p:txBody>
+          <a:bodyPr/>
+          <a:lstStyle/>
+          <a:p>
+            <a:fld id="{219C0E88-5C08-45F5-BD91-E93F425D2D58}" type="slidenum">
+              <a:rPr lang="it-IT" smtClean="0"/>
+              <a:t>8</a:t>
+            </a:fld>
+            <a:endParaRPr lang="it-IT"/>
           </a:p>
         </p:txBody>
       </p:sp>
@@ -7635,8 +11789,12 @@
               <a:buNone/>
             </a:pPr>
             <a:r>
+              <a:rPr lang="en-US" dirty="0"/>
+              <a:t>S</a:t>
+            </a:r>
+            <a:r>
               <a:rPr lang="en-US" dirty="0" smtClean="0"/>
-              <a:t>Each state has:</a:t>
+              <a:t>tate main functions:</a:t>
             </a:r>
           </a:p>
           <a:p>
@@ -7647,34 +11805,13 @@
             </a:r>
             <a:r>
               <a:rPr lang="en-US" dirty="0"/>
-              <a:t>: preload state initialization</a:t>
-            </a:r>
-          </a:p>
-          <a:p>
-            <a:pPr lvl="1"/>
-            <a:r>
-              <a:rPr lang="en-US" b="1" dirty="0" err="1"/>
-              <a:t>loadUpdate</a:t>
-            </a:r>
-            <a:r>
-              <a:rPr lang="en-US" dirty="0"/>
-              <a:t>: preload main loop</a:t>
-            </a:r>
-          </a:p>
-          <a:p>
-            <a:pPr lvl="1"/>
-            <a:r>
-              <a:rPr lang="en-US" b="1" dirty="0" err="1"/>
-              <a:t>loadRender</a:t>
-            </a:r>
-            <a:r>
-              <a:rPr lang="en-US" dirty="0"/>
-              <a:t>: preload post rendering </a:t>
+              <a:t>: </a:t>
             </a:r>
             <a:r>
               <a:rPr lang="en-US" dirty="0" smtClean="0"/>
-              <a:t>call</a:t>
-            </a:r>
+              <a:t>used to load assets</a:t>
+            </a:r>
+            <a:endParaRPr lang="en-US" dirty="0"/>
           </a:p>
           <a:p>
             <a:pPr lvl="1"/>
@@ -7717,32 +11854,6 @@
               <a:t>: called after rendering. Use it for debugging and post-rendering purposes</a:t>
             </a:r>
             <a:endParaRPr lang="en-US" b="1" dirty="0" smtClean="0"/>
-          </a:p>
-          <a:p>
-            <a:pPr lvl="1"/>
-            <a:r>
-              <a:rPr lang="en-US" b="1" dirty="0" smtClean="0"/>
-              <a:t>paused</a:t>
-            </a:r>
-            <a:r>
-              <a:rPr lang="en-US" dirty="0" smtClean="0"/>
-              <a:t>: called when game is paused</a:t>
-            </a:r>
-          </a:p>
-          <a:p>
-            <a:pPr lvl="1"/>
-            <a:r>
-              <a:rPr lang="en-US" b="1" dirty="0" smtClean="0"/>
-              <a:t>shutdown</a:t>
-            </a:r>
-            <a:r>
-              <a:rPr lang="en-US" dirty="0" smtClean="0"/>
-              <a:t>: called when game is leaving the stage</a:t>
-            </a:r>
-          </a:p>
-          <a:p>
-            <a:pPr lvl="1"/>
-            <a:endParaRPr lang="en-US" dirty="0" smtClean="0"/>
           </a:p>
         </p:txBody>
       </p:sp>
@@ -7767,34 +11878,41 @@
           <a:lstStyle/>
           <a:p>
             <a:r>
-              <a:rPr lang="it-IT" b="1" i="1" dirty="0" smtClean="0">
+              <a:rPr lang="en-US" b="1" i="1" smtClean="0">
                 <a:solidFill>
                   <a:schemeClr val="bg1"/>
                 </a:solidFill>
               </a:rPr>
-              <a:t>ROME  11-12 </a:t>
-            </a:r>
-            <a:r>
-              <a:rPr lang="it-IT" b="1" i="1" dirty="0" err="1" smtClean="0">
-                <a:solidFill>
-                  <a:schemeClr val="bg1"/>
-                </a:solidFill>
-              </a:rPr>
-              <a:t>april</a:t>
-            </a:r>
-            <a:r>
-              <a:rPr lang="it-IT" b="1" i="1" dirty="0" smtClean="0">
-                <a:solidFill>
-                  <a:schemeClr val="bg1"/>
-                </a:solidFill>
-              </a:rPr>
-              <a:t> 2014 – Valerio Riva</a:t>
+              <a:t>ROME  11-12 april 2014 – Valerio Riva</a:t>
             </a:r>
             <a:endParaRPr lang="it-IT" b="1" i="1" dirty="0">
               <a:solidFill>
                 <a:schemeClr val="bg1"/>
               </a:solidFill>
             </a:endParaRPr>
+          </a:p>
+        </p:txBody>
+      </p:sp>
+      <p:sp>
+        <p:nvSpPr>
+          <p:cNvPr id="5" name="Segnaposto numero diapositiva 4"/>
+          <p:cNvSpPr>
+            <a:spLocks noGrp="1"/>
+          </p:cNvSpPr>
+          <p:nvPr>
+            <p:ph type="sldNum" sz="quarter" idx="12"/>
+          </p:nvPr>
+        </p:nvSpPr>
+        <p:spPr/>
+        <p:txBody>
+          <a:bodyPr/>
+          <a:lstStyle/>
+          <a:p>
+            <a:fld id="{219C0E88-5C08-45F5-BD91-E93F425D2D58}" type="slidenum">
+              <a:rPr lang="it-IT" smtClean="0"/>
+              <a:t>9</a:t>
+            </a:fld>
+            <a:endParaRPr lang="it-IT"/>
           </a:p>
         </p:txBody>
       </p:sp>

--- a/codemotion.pptx
+++ b/codemotion.pptx
@@ -6,32 +6,37 @@
     <p:sldMasterId id="2147483652" r:id="rId2"/>
   </p:sldMasterIdLst>
   <p:notesMasterIdLst>
-    <p:notesMasterId r:id="rId26"/>
+    <p:notesMasterId r:id="rId31"/>
   </p:notesMasterIdLst>
   <p:sldIdLst>
     <p:sldId id="259" r:id="rId3"/>
     <p:sldId id="262" r:id="rId4"/>
     <p:sldId id="263" r:id="rId5"/>
     <p:sldId id="264" r:id="rId6"/>
-    <p:sldId id="265" r:id="rId7"/>
-    <p:sldId id="267" r:id="rId8"/>
-    <p:sldId id="266" r:id="rId9"/>
-    <p:sldId id="268" r:id="rId10"/>
-    <p:sldId id="270" r:id="rId11"/>
-    <p:sldId id="272" r:id="rId12"/>
-    <p:sldId id="273" r:id="rId13"/>
-    <p:sldId id="277" r:id="rId14"/>
-    <p:sldId id="279" r:id="rId15"/>
-    <p:sldId id="280" r:id="rId16"/>
-    <p:sldId id="292" r:id="rId17"/>
+    <p:sldId id="293" r:id="rId7"/>
+    <p:sldId id="265" r:id="rId8"/>
+    <p:sldId id="267" r:id="rId9"/>
+    <p:sldId id="266" r:id="rId10"/>
+    <p:sldId id="268" r:id="rId11"/>
+    <p:sldId id="270" r:id="rId12"/>
+    <p:sldId id="272" r:id="rId13"/>
+    <p:sldId id="273" r:id="rId14"/>
+    <p:sldId id="277" r:id="rId15"/>
+    <p:sldId id="279" r:id="rId16"/>
+    <p:sldId id="280" r:id="rId17"/>
     <p:sldId id="282" r:id="rId18"/>
-    <p:sldId id="281" r:id="rId19"/>
-    <p:sldId id="290" r:id="rId20"/>
-    <p:sldId id="284" r:id="rId21"/>
-    <p:sldId id="285" r:id="rId22"/>
-    <p:sldId id="286" r:id="rId23"/>
-    <p:sldId id="287" r:id="rId24"/>
-    <p:sldId id="291" r:id="rId25"/>
+    <p:sldId id="294" r:id="rId19"/>
+    <p:sldId id="281" r:id="rId20"/>
+    <p:sldId id="290" r:id="rId21"/>
+    <p:sldId id="284" r:id="rId22"/>
+    <p:sldId id="285" r:id="rId23"/>
+    <p:sldId id="286" r:id="rId24"/>
+    <p:sldId id="287" r:id="rId25"/>
+    <p:sldId id="291" r:id="rId26"/>
+    <p:sldId id="297" r:id="rId27"/>
+    <p:sldId id="296" r:id="rId28"/>
+    <p:sldId id="298" r:id="rId29"/>
+    <p:sldId id="299" r:id="rId30"/>
   </p:sldIdLst>
   <p:sldSz cx="9144000" cy="6858000" type="screen4x3"/>
   <p:notesSz cx="6858000" cy="9144000"/>
@@ -169,6 +174,7 @@
             <p14:sldId id="262"/>
             <p14:sldId id="263"/>
             <p14:sldId id="264"/>
+            <p14:sldId id="293"/>
             <p14:sldId id="265"/>
             <p14:sldId id="267"/>
             <p14:sldId id="266"/>
@@ -179,8 +185,8 @@
             <p14:sldId id="277"/>
             <p14:sldId id="279"/>
             <p14:sldId id="280"/>
-            <p14:sldId id="292"/>
             <p14:sldId id="282"/>
+            <p14:sldId id="294"/>
             <p14:sldId id="281"/>
             <p14:sldId id="290"/>
             <p14:sldId id="284"/>
@@ -188,6 +194,10 @@
             <p14:sldId id="286"/>
             <p14:sldId id="287"/>
             <p14:sldId id="291"/>
+            <p14:sldId id="297"/>
+            <p14:sldId id="296"/>
+            <p14:sldId id="298"/>
+            <p14:sldId id="299"/>
           </p14:sldIdLst>
         </p14:section>
       </p14:sectionLst>
@@ -625,7 +635,7 @@
           <a:p>
             <a:fld id="{B74071AC-48DE-4D22-A987-195E984FE17A}" type="slidenum">
               <a:rPr lang="it-IT" smtClean="0"/>
-              <a:t>17</a:t>
+              <a:t>18</a:t>
             </a:fld>
             <a:endParaRPr lang="it-IT"/>
           </a:p>
@@ -635,6 +645,174 @@
     <p:extLst>
       <p:ext uri="{BB962C8B-B14F-4D97-AF65-F5344CB8AC3E}">
         <p14:creationId xmlns:p14="http://schemas.microsoft.com/office/powerpoint/2010/main" val="453359460"/>
+      </p:ext>
+    </p:extLst>
+  </p:cSld>
+  <p:clrMapOvr>
+    <a:masterClrMapping/>
+  </p:clrMapOvr>
+</p:notes>
+</file>
+
+<file path=ppt/notesSlides/notesSlide10.xml><?xml version="1.0" encoding="utf-8"?>
+<p:notes xmlns:a="http://schemas.openxmlformats.org/drawingml/2006/main" xmlns:r="http://schemas.openxmlformats.org/officeDocument/2006/relationships" xmlns:p="http://schemas.openxmlformats.org/presentationml/2006/main">
+  <p:cSld>
+    <p:spTree>
+      <p:nvGrpSpPr>
+        <p:cNvPr id="1" name=""/>
+        <p:cNvGrpSpPr/>
+        <p:nvPr/>
+      </p:nvGrpSpPr>
+      <p:grpSpPr>
+        <a:xfrm>
+          <a:off x="0" y="0"/>
+          <a:ext cx="0" cy="0"/>
+          <a:chOff x="0" y="0"/>
+          <a:chExt cx="0" cy="0"/>
+        </a:xfrm>
+      </p:grpSpPr>
+      <p:sp>
+        <p:nvSpPr>
+          <p:cNvPr id="2" name="Segnaposto immagine diapositiva 1"/>
+          <p:cNvSpPr>
+            <a:spLocks noGrp="1" noRot="1" noChangeAspect="1"/>
+          </p:cNvSpPr>
+          <p:nvPr>
+            <p:ph type="sldImg"/>
+          </p:nvPr>
+        </p:nvSpPr>
+        <p:spPr/>
+      </p:sp>
+      <p:sp>
+        <p:nvSpPr>
+          <p:cNvPr id="3" name="Segnaposto note 2"/>
+          <p:cNvSpPr>
+            <a:spLocks noGrp="1"/>
+          </p:cNvSpPr>
+          <p:nvPr>
+            <p:ph type="body" idx="1"/>
+          </p:nvPr>
+        </p:nvSpPr>
+        <p:spPr/>
+        <p:txBody>
+          <a:bodyPr/>
+          <a:lstStyle/>
+          <a:p>
+            <a:endParaRPr lang="en-GB"/>
+          </a:p>
+        </p:txBody>
+      </p:sp>
+      <p:sp>
+        <p:nvSpPr>
+          <p:cNvPr id="4" name="Segnaposto numero diapositiva 3"/>
+          <p:cNvSpPr>
+            <a:spLocks noGrp="1"/>
+          </p:cNvSpPr>
+          <p:nvPr>
+            <p:ph type="sldNum" sz="quarter" idx="10"/>
+          </p:nvPr>
+        </p:nvSpPr>
+        <p:spPr/>
+        <p:txBody>
+          <a:bodyPr/>
+          <a:lstStyle/>
+          <a:p>
+            <a:fld id="{B74071AC-48DE-4D22-A987-195E984FE17A}" type="slidenum">
+              <a:rPr lang="it-IT" smtClean="0"/>
+              <a:t>27</a:t>
+            </a:fld>
+            <a:endParaRPr lang="it-IT"/>
+          </a:p>
+        </p:txBody>
+      </p:sp>
+    </p:spTree>
+    <p:extLst>
+      <p:ext uri="{BB962C8B-B14F-4D97-AF65-F5344CB8AC3E}">
+        <p14:creationId xmlns:p14="http://schemas.microsoft.com/office/powerpoint/2010/main" val="14870337"/>
+      </p:ext>
+    </p:extLst>
+  </p:cSld>
+  <p:clrMapOvr>
+    <a:masterClrMapping/>
+  </p:clrMapOvr>
+</p:notes>
+</file>
+
+<file path=ppt/notesSlides/notesSlide11.xml><?xml version="1.0" encoding="utf-8"?>
+<p:notes xmlns:a="http://schemas.openxmlformats.org/drawingml/2006/main" xmlns:r="http://schemas.openxmlformats.org/officeDocument/2006/relationships" xmlns:p="http://schemas.openxmlformats.org/presentationml/2006/main">
+  <p:cSld>
+    <p:spTree>
+      <p:nvGrpSpPr>
+        <p:cNvPr id="1" name=""/>
+        <p:cNvGrpSpPr/>
+        <p:nvPr/>
+      </p:nvGrpSpPr>
+      <p:grpSpPr>
+        <a:xfrm>
+          <a:off x="0" y="0"/>
+          <a:ext cx="0" cy="0"/>
+          <a:chOff x="0" y="0"/>
+          <a:chExt cx="0" cy="0"/>
+        </a:xfrm>
+      </p:grpSpPr>
+      <p:sp>
+        <p:nvSpPr>
+          <p:cNvPr id="2" name="Segnaposto immagine diapositiva 1"/>
+          <p:cNvSpPr>
+            <a:spLocks noGrp="1" noRot="1" noChangeAspect="1"/>
+          </p:cNvSpPr>
+          <p:nvPr>
+            <p:ph type="sldImg"/>
+          </p:nvPr>
+        </p:nvSpPr>
+        <p:spPr/>
+      </p:sp>
+      <p:sp>
+        <p:nvSpPr>
+          <p:cNvPr id="3" name="Segnaposto note 2"/>
+          <p:cNvSpPr>
+            <a:spLocks noGrp="1"/>
+          </p:cNvSpPr>
+          <p:nvPr>
+            <p:ph type="body" idx="1"/>
+          </p:nvPr>
+        </p:nvSpPr>
+        <p:spPr/>
+        <p:txBody>
+          <a:bodyPr/>
+          <a:lstStyle/>
+          <a:p>
+            <a:endParaRPr lang="en-GB"/>
+          </a:p>
+        </p:txBody>
+      </p:sp>
+      <p:sp>
+        <p:nvSpPr>
+          <p:cNvPr id="4" name="Segnaposto numero diapositiva 3"/>
+          <p:cNvSpPr>
+            <a:spLocks noGrp="1"/>
+          </p:cNvSpPr>
+          <p:nvPr>
+            <p:ph type="sldNum" sz="quarter" idx="10"/>
+          </p:nvPr>
+        </p:nvSpPr>
+        <p:spPr/>
+        <p:txBody>
+          <a:bodyPr/>
+          <a:lstStyle/>
+          <a:p>
+            <a:fld id="{B74071AC-48DE-4D22-A987-195E984FE17A}" type="slidenum">
+              <a:rPr lang="it-IT" smtClean="0"/>
+              <a:t>28</a:t>
+            </a:fld>
+            <a:endParaRPr lang="it-IT"/>
+          </a:p>
+        </p:txBody>
+      </p:sp>
+    </p:spTree>
+    <p:extLst>
+      <p:ext uri="{BB962C8B-B14F-4D97-AF65-F5344CB8AC3E}">
+        <p14:creationId xmlns:p14="http://schemas.microsoft.com/office/powerpoint/2010/main" val="2838837127"/>
       </p:ext>
     </p:extLst>
   </p:cSld>
@@ -709,7 +887,7 @@
           <a:p>
             <a:fld id="{B74071AC-48DE-4D22-A987-195E984FE17A}" type="slidenum">
               <a:rPr lang="it-IT" smtClean="0"/>
-              <a:t>18</a:t>
+              <a:t>19</a:t>
             </a:fld>
             <a:endParaRPr lang="it-IT"/>
           </a:p>
@@ -793,7 +971,7 @@
           <a:p>
             <a:fld id="{B74071AC-48DE-4D22-A987-195E984FE17A}" type="slidenum">
               <a:rPr lang="it-IT" smtClean="0"/>
-              <a:t>19</a:t>
+              <a:t>20</a:t>
             </a:fld>
             <a:endParaRPr lang="it-IT"/>
           </a:p>
@@ -877,7 +1055,7 @@
           <a:p>
             <a:fld id="{B74071AC-48DE-4D22-A987-195E984FE17A}" type="slidenum">
               <a:rPr lang="it-IT" smtClean="0"/>
-              <a:t>20</a:t>
+              <a:t>21</a:t>
             </a:fld>
             <a:endParaRPr lang="it-IT"/>
           </a:p>
@@ -961,7 +1139,7 @@
           <a:p>
             <a:fld id="{B74071AC-48DE-4D22-A987-195E984FE17A}" type="slidenum">
               <a:rPr lang="it-IT" smtClean="0"/>
-              <a:t>21</a:t>
+              <a:t>22</a:t>
             </a:fld>
             <a:endParaRPr lang="it-IT"/>
           </a:p>
@@ -1045,7 +1223,7 @@
           <a:p>
             <a:fld id="{B74071AC-48DE-4D22-A987-195E984FE17A}" type="slidenum">
               <a:rPr lang="it-IT" smtClean="0"/>
-              <a:t>22</a:t>
+              <a:t>23</a:t>
             </a:fld>
             <a:endParaRPr lang="it-IT"/>
           </a:p>
@@ -1129,7 +1307,7 @@
           <a:p>
             <a:fld id="{B74071AC-48DE-4D22-A987-195E984FE17A}" type="slidenum">
               <a:rPr lang="it-IT" smtClean="0"/>
-              <a:t>23</a:t>
+              <a:t>24</a:t>
             </a:fld>
             <a:endParaRPr lang="it-IT"/>
           </a:p>
@@ -1139,6 +1317,174 @@
     <p:extLst>
       <p:ext uri="{BB962C8B-B14F-4D97-AF65-F5344CB8AC3E}">
         <p14:creationId xmlns:p14="http://schemas.microsoft.com/office/powerpoint/2010/main" val="2770432997"/>
+      </p:ext>
+    </p:extLst>
+  </p:cSld>
+  <p:clrMapOvr>
+    <a:masterClrMapping/>
+  </p:clrMapOvr>
+</p:notes>
+</file>
+
+<file path=ppt/notesSlides/notesSlide8.xml><?xml version="1.0" encoding="utf-8"?>
+<p:notes xmlns:a="http://schemas.openxmlformats.org/drawingml/2006/main" xmlns:r="http://schemas.openxmlformats.org/officeDocument/2006/relationships" xmlns:p="http://schemas.openxmlformats.org/presentationml/2006/main">
+  <p:cSld>
+    <p:spTree>
+      <p:nvGrpSpPr>
+        <p:cNvPr id="1" name=""/>
+        <p:cNvGrpSpPr/>
+        <p:nvPr/>
+      </p:nvGrpSpPr>
+      <p:grpSpPr>
+        <a:xfrm>
+          <a:off x="0" y="0"/>
+          <a:ext cx="0" cy="0"/>
+          <a:chOff x="0" y="0"/>
+          <a:chExt cx="0" cy="0"/>
+        </a:xfrm>
+      </p:grpSpPr>
+      <p:sp>
+        <p:nvSpPr>
+          <p:cNvPr id="2" name="Segnaposto immagine diapositiva 1"/>
+          <p:cNvSpPr>
+            <a:spLocks noGrp="1" noRot="1" noChangeAspect="1"/>
+          </p:cNvSpPr>
+          <p:nvPr>
+            <p:ph type="sldImg"/>
+          </p:nvPr>
+        </p:nvSpPr>
+        <p:spPr/>
+      </p:sp>
+      <p:sp>
+        <p:nvSpPr>
+          <p:cNvPr id="3" name="Segnaposto note 2"/>
+          <p:cNvSpPr>
+            <a:spLocks noGrp="1"/>
+          </p:cNvSpPr>
+          <p:nvPr>
+            <p:ph type="body" idx="1"/>
+          </p:nvPr>
+        </p:nvSpPr>
+        <p:spPr/>
+        <p:txBody>
+          <a:bodyPr/>
+          <a:lstStyle/>
+          <a:p>
+            <a:endParaRPr lang="en-GB"/>
+          </a:p>
+        </p:txBody>
+      </p:sp>
+      <p:sp>
+        <p:nvSpPr>
+          <p:cNvPr id="4" name="Segnaposto numero diapositiva 3"/>
+          <p:cNvSpPr>
+            <a:spLocks noGrp="1"/>
+          </p:cNvSpPr>
+          <p:nvPr>
+            <p:ph type="sldNum" sz="quarter" idx="10"/>
+          </p:nvPr>
+        </p:nvSpPr>
+        <p:spPr/>
+        <p:txBody>
+          <a:bodyPr/>
+          <a:lstStyle/>
+          <a:p>
+            <a:fld id="{B74071AC-48DE-4D22-A987-195E984FE17A}" type="slidenum">
+              <a:rPr lang="it-IT" smtClean="0"/>
+              <a:t>25</a:t>
+            </a:fld>
+            <a:endParaRPr lang="it-IT"/>
+          </a:p>
+        </p:txBody>
+      </p:sp>
+    </p:spTree>
+    <p:extLst>
+      <p:ext uri="{BB962C8B-B14F-4D97-AF65-F5344CB8AC3E}">
+        <p14:creationId xmlns:p14="http://schemas.microsoft.com/office/powerpoint/2010/main" val="2464347853"/>
+      </p:ext>
+    </p:extLst>
+  </p:cSld>
+  <p:clrMapOvr>
+    <a:masterClrMapping/>
+  </p:clrMapOvr>
+</p:notes>
+</file>
+
+<file path=ppt/notesSlides/notesSlide9.xml><?xml version="1.0" encoding="utf-8"?>
+<p:notes xmlns:a="http://schemas.openxmlformats.org/drawingml/2006/main" xmlns:r="http://schemas.openxmlformats.org/officeDocument/2006/relationships" xmlns:p="http://schemas.openxmlformats.org/presentationml/2006/main">
+  <p:cSld>
+    <p:spTree>
+      <p:nvGrpSpPr>
+        <p:cNvPr id="1" name=""/>
+        <p:cNvGrpSpPr/>
+        <p:nvPr/>
+      </p:nvGrpSpPr>
+      <p:grpSpPr>
+        <a:xfrm>
+          <a:off x="0" y="0"/>
+          <a:ext cx="0" cy="0"/>
+          <a:chOff x="0" y="0"/>
+          <a:chExt cx="0" cy="0"/>
+        </a:xfrm>
+      </p:grpSpPr>
+      <p:sp>
+        <p:nvSpPr>
+          <p:cNvPr id="2" name="Segnaposto immagine diapositiva 1"/>
+          <p:cNvSpPr>
+            <a:spLocks noGrp="1" noRot="1" noChangeAspect="1"/>
+          </p:cNvSpPr>
+          <p:nvPr>
+            <p:ph type="sldImg"/>
+          </p:nvPr>
+        </p:nvSpPr>
+        <p:spPr/>
+      </p:sp>
+      <p:sp>
+        <p:nvSpPr>
+          <p:cNvPr id="3" name="Segnaposto note 2"/>
+          <p:cNvSpPr>
+            <a:spLocks noGrp="1"/>
+          </p:cNvSpPr>
+          <p:nvPr>
+            <p:ph type="body" idx="1"/>
+          </p:nvPr>
+        </p:nvSpPr>
+        <p:spPr/>
+        <p:txBody>
+          <a:bodyPr/>
+          <a:lstStyle/>
+          <a:p>
+            <a:endParaRPr lang="en-GB"/>
+          </a:p>
+        </p:txBody>
+      </p:sp>
+      <p:sp>
+        <p:nvSpPr>
+          <p:cNvPr id="4" name="Segnaposto numero diapositiva 3"/>
+          <p:cNvSpPr>
+            <a:spLocks noGrp="1"/>
+          </p:cNvSpPr>
+          <p:nvPr>
+            <p:ph type="sldNum" sz="quarter" idx="10"/>
+          </p:nvPr>
+        </p:nvSpPr>
+        <p:spPr/>
+        <p:txBody>
+          <a:bodyPr/>
+          <a:lstStyle/>
+          <a:p>
+            <a:fld id="{B74071AC-48DE-4D22-A987-195E984FE17A}" type="slidenum">
+              <a:rPr lang="it-IT" smtClean="0"/>
+              <a:t>26</a:t>
+            </a:fld>
+            <a:endParaRPr lang="it-IT"/>
+          </a:p>
+        </p:txBody>
+      </p:sp>
+    </p:spTree>
+    <p:extLst>
+      <p:ext uri="{BB962C8B-B14F-4D97-AF65-F5344CB8AC3E}">
+        <p14:creationId xmlns:p14="http://schemas.microsoft.com/office/powerpoint/2010/main" val="2443424499"/>
       </p:ext>
     </p:extLst>
   </p:cSld>
@@ -4819,7 +5165,6 @@
                 <a:latin typeface="Arial"/>
                 <a:ea typeface="+mn-ea"/>
                 <a:cs typeface="Arial"/>
-                <a:hlinkClick r:id="rId2"/>
               </a:rPr>
               <a:t>valerio.riva@gmail.com</a:t>
             </a:r>
@@ -4835,21 +5180,7 @@
                 <a:ea typeface="+mn-ea"/>
                 <a:cs typeface="Arial"/>
               </a:rPr>
-              <a:t> – Interactive Project </a:t>
-            </a:r>
-            <a:r>
-              <a:rPr lang="it-IT" b="1" i="1" dirty="0" err="1" smtClean="0">
-                <a:solidFill>
-                  <a:schemeClr val="tx1">
-                    <a:lumMod val="75000"/>
-                    <a:lumOff val="25000"/>
-                  </a:schemeClr>
-                </a:solidFill>
-                <a:latin typeface="Arial"/>
-                <a:ea typeface="+mn-ea"/>
-                <a:cs typeface="Arial"/>
-              </a:rPr>
-              <a:t>srl</a:t>
+              <a:t> – Interactive Project</a:t>
             </a:r>
             <a:endParaRPr lang="it-IT" b="1" i="1" dirty="0">
               <a:solidFill>
@@ -4970,7 +5301,7 @@
             <a:pPr algn="ctr"/>
             <a:r>
               <a:rPr lang="en-US" sz="4000" dirty="0" smtClean="0"/>
-              <a:t>Hello Phaser!</a:t>
+              <a:t>Phaser game state</a:t>
             </a:r>
             <a:endParaRPr lang="en-US" sz="4000" dirty="0"/>
           </a:p>
@@ -4998,12 +5329,110 @@
             </a:pPr>
             <a:r>
               <a:rPr lang="en-US" dirty="0" smtClean="0"/>
-              <a:t>helloPhaser.html</a:t>
+              <a:t>Main functions:</a:t>
             </a:r>
           </a:p>
           <a:p>
             <a:pPr lvl="1"/>
-            <a:endParaRPr lang="en-US" dirty="0" smtClean="0"/>
+            <a:r>
+              <a:rPr lang="en-US" b="1" dirty="0"/>
+              <a:t>preload</a:t>
+            </a:r>
+            <a:r>
+              <a:rPr lang="en-US" dirty="0"/>
+              <a:t>: </a:t>
+            </a:r>
+            <a:r>
+              <a:rPr lang="en-US" dirty="0" smtClean="0"/>
+              <a:t>used to load assets</a:t>
+            </a:r>
+            <a:endParaRPr lang="en-US" dirty="0"/>
+          </a:p>
+          <a:p>
+            <a:pPr lvl="1"/>
+            <a:r>
+              <a:rPr lang="en-US" b="1" dirty="0" smtClean="0"/>
+              <a:t>create</a:t>
+            </a:r>
+            <a:r>
+              <a:rPr lang="en-US" dirty="0" smtClean="0"/>
+              <a:t>: state initialization</a:t>
+            </a:r>
+          </a:p>
+          <a:p>
+            <a:pPr lvl="1"/>
+            <a:r>
+              <a:rPr lang="en-US" b="1" dirty="0" smtClean="0"/>
+              <a:t>update</a:t>
+            </a:r>
+            <a:r>
+              <a:rPr lang="en-US" dirty="0" smtClean="0"/>
+              <a:t>: the </a:t>
+            </a:r>
+            <a:r>
+              <a:rPr lang="en-US" i="1" dirty="0" smtClean="0"/>
+              <a:t>real</a:t>
+            </a:r>
+            <a:r>
+              <a:rPr lang="en-US" dirty="0" smtClean="0"/>
+              <a:t> game loop</a:t>
+            </a:r>
+          </a:p>
+          <a:p>
+            <a:pPr lvl="1"/>
+            <a:r>
+              <a:rPr lang="en-US" b="1" dirty="0" smtClean="0"/>
+              <a:t>render</a:t>
+            </a:r>
+            <a:r>
+              <a:rPr lang="en-US" dirty="0" smtClean="0"/>
+              <a:t>: called after rendering. Use it for debugging and post-rendering purposes</a:t>
+            </a:r>
+            <a:endParaRPr lang="en-US" b="1" dirty="0"/>
+          </a:p>
+          <a:p>
+            <a:r>
+              <a:rPr lang="en-US" dirty="0" smtClean="0"/>
+              <a:t>Other function:</a:t>
+            </a:r>
+          </a:p>
+          <a:p>
+            <a:pPr lvl="1"/>
+            <a:r>
+              <a:rPr lang="en-US" b="1" dirty="0"/>
+              <a:t>p</a:t>
+            </a:r>
+            <a:r>
+              <a:rPr lang="en-US" b="1" dirty="0" smtClean="0"/>
+              <a:t>ause</a:t>
+            </a:r>
+            <a:r>
+              <a:rPr lang="en-US" dirty="0" smtClean="0"/>
+              <a:t>: called when the game is paused (on focus loss)</a:t>
+            </a:r>
+          </a:p>
+          <a:p>
+            <a:pPr lvl="1"/>
+            <a:r>
+              <a:rPr lang="en-US" b="1" dirty="0"/>
+              <a:t>s</a:t>
+            </a:r>
+            <a:r>
+              <a:rPr lang="en-US" b="1" dirty="0" smtClean="0"/>
+              <a:t>hutdown</a:t>
+            </a:r>
+            <a:r>
+              <a:rPr lang="en-US" dirty="0" smtClean="0"/>
+              <a:t>: called when leaving a state</a:t>
+            </a:r>
+          </a:p>
+          <a:p>
+            <a:pPr lvl="1"/>
+            <a:r>
+              <a:rPr lang="en-US" dirty="0" smtClean="0"/>
+              <a:t>…</a:t>
+            </a:r>
+            <a:endParaRPr lang="en-US" dirty="0"/>
           </a:p>
         </p:txBody>
       </p:sp>
@@ -5061,6 +5490,159 @@
             <a:fld id="{219C0E88-5C08-45F5-BD91-E93F425D2D58}" type="slidenum">
               <a:rPr lang="it-IT" smtClean="0"/>
               <a:t>10</a:t>
+            </a:fld>
+            <a:endParaRPr lang="it-IT"/>
+          </a:p>
+        </p:txBody>
+      </p:sp>
+    </p:spTree>
+    <p:extLst>
+      <p:ext uri="{BB962C8B-B14F-4D97-AF65-F5344CB8AC3E}">
+        <p14:creationId xmlns:p14="http://schemas.microsoft.com/office/powerpoint/2010/main" val="3632048830"/>
+      </p:ext>
+    </p:extLst>
+  </p:cSld>
+  <p:clrMapOvr>
+    <a:masterClrMapping/>
+  </p:clrMapOvr>
+  <p:timing>
+    <p:tnLst>
+      <p:par>
+        <p:cTn id="1" dur="indefinite" restart="never" nodeType="tmRoot"/>
+      </p:par>
+    </p:tnLst>
+  </p:timing>
+</p:sld>
+</file>
+
+<file path=ppt/slides/slide11.xml><?xml version="1.0" encoding="utf-8"?>
+<p:sld xmlns:a="http://schemas.openxmlformats.org/drawingml/2006/main" xmlns:r="http://schemas.openxmlformats.org/officeDocument/2006/relationships" xmlns:p="http://schemas.openxmlformats.org/presentationml/2006/main" showMasterSp="0">
+  <p:cSld>
+    <p:spTree>
+      <p:nvGrpSpPr>
+        <p:cNvPr id="1" name=""/>
+        <p:cNvGrpSpPr/>
+        <p:nvPr/>
+      </p:nvGrpSpPr>
+      <p:grpSpPr>
+        <a:xfrm>
+          <a:off x="0" y="0"/>
+          <a:ext cx="0" cy="0"/>
+          <a:chOff x="0" y="0"/>
+          <a:chExt cx="0" cy="0"/>
+        </a:xfrm>
+      </p:grpSpPr>
+      <p:sp>
+        <p:nvSpPr>
+          <p:cNvPr id="2" name="Titolo 1"/>
+          <p:cNvSpPr>
+            <a:spLocks noGrp="1"/>
+          </p:cNvSpPr>
+          <p:nvPr>
+            <p:ph type="title"/>
+          </p:nvPr>
+        </p:nvSpPr>
+        <p:spPr/>
+        <p:txBody>
+          <a:bodyPr>
+            <a:normAutofit/>
+          </a:bodyPr>
+          <a:lstStyle/>
+          <a:p>
+            <a:pPr algn="ctr"/>
+            <a:r>
+              <a:rPr lang="en-US" sz="4000" dirty="0" smtClean="0"/>
+              <a:t>Hello Phaser!</a:t>
+            </a:r>
+            <a:endParaRPr lang="en-US" sz="4000" dirty="0"/>
+          </a:p>
+        </p:txBody>
+      </p:sp>
+      <p:sp>
+        <p:nvSpPr>
+          <p:cNvPr id="3" name="Segnaposto contenuto 2"/>
+          <p:cNvSpPr>
+            <a:spLocks noGrp="1"/>
+          </p:cNvSpPr>
+          <p:nvPr>
+            <p:ph idx="1"/>
+          </p:nvPr>
+        </p:nvSpPr>
+        <p:spPr/>
+        <p:txBody>
+          <a:bodyPr>
+            <a:normAutofit/>
+          </a:bodyPr>
+          <a:lstStyle/>
+          <a:p>
+            <a:pPr marL="0" indent="0">
+              <a:buNone/>
+            </a:pPr>
+            <a:r>
+              <a:rPr lang="en-US" dirty="0" smtClean="0"/>
+              <a:t>helloPhaser.html</a:t>
+            </a:r>
+          </a:p>
+          <a:p>
+            <a:pPr lvl="1"/>
+            <a:endParaRPr lang="en-US" dirty="0" smtClean="0"/>
+          </a:p>
+        </p:txBody>
+      </p:sp>
+      <p:sp>
+        <p:nvSpPr>
+          <p:cNvPr id="4" name="Segnaposto data 3"/>
+          <p:cNvSpPr>
+            <a:spLocks noGrp="1"/>
+          </p:cNvSpPr>
+          <p:nvPr>
+            <p:ph type="dt" sz="half" idx="10"/>
+          </p:nvPr>
+        </p:nvSpPr>
+        <p:spPr>
+          <a:xfrm>
+            <a:off x="539552" y="115094"/>
+            <a:ext cx="3233886" cy="365125"/>
+          </a:xfrm>
+        </p:spPr>
+        <p:txBody>
+          <a:bodyPr/>
+          <a:lstStyle/>
+          <a:p>
+            <a:r>
+              <a:rPr lang="en-US" b="1" i="1" smtClean="0">
+                <a:solidFill>
+                  <a:schemeClr val="bg1"/>
+                </a:solidFill>
+              </a:rPr>
+              <a:t>ROME  11-12 april 2014 – Valerio Riva</a:t>
+            </a:r>
+            <a:endParaRPr lang="it-IT" b="1" i="1" dirty="0">
+              <a:solidFill>
+                <a:schemeClr val="bg1"/>
+              </a:solidFill>
+            </a:endParaRPr>
+          </a:p>
+        </p:txBody>
+      </p:sp>
+      <p:sp>
+        <p:nvSpPr>
+          <p:cNvPr id="5" name="Segnaposto numero diapositiva 4"/>
+          <p:cNvSpPr>
+            <a:spLocks noGrp="1"/>
+          </p:cNvSpPr>
+          <p:nvPr>
+            <p:ph type="sldNum" sz="quarter" idx="12"/>
+          </p:nvPr>
+        </p:nvSpPr>
+        <p:spPr/>
+        <p:txBody>
+          <a:bodyPr/>
+          <a:lstStyle/>
+          <a:p>
+            <a:fld id="{219C0E88-5C08-45F5-BD91-E93F425D2D58}" type="slidenum">
+              <a:rPr lang="it-IT" smtClean="0"/>
+              <a:t>11</a:t>
             </a:fld>
             <a:endParaRPr lang="it-IT"/>
           </a:p>
@@ -5086,7 +5668,7 @@
 </p:sld>
 </file>
 
-<file path=ppt/slides/slide11.xml><?xml version="1.0" encoding="utf-8"?>
+<file path=ppt/slides/slide12.xml><?xml version="1.0" encoding="utf-8"?>
 <p:sld xmlns:a="http://schemas.openxmlformats.org/drawingml/2006/main" xmlns:r="http://schemas.openxmlformats.org/officeDocument/2006/relationships" xmlns:p="http://schemas.openxmlformats.org/presentationml/2006/main" showMasterSp="0">
   <p:cSld>
     <p:spTree>
@@ -5363,7 +5945,7 @@
           <a:p>
             <a:fld id="{219C0E88-5C08-45F5-BD91-E93F425D2D58}" type="slidenum">
               <a:rPr lang="it-IT" smtClean="0"/>
-              <a:t>11</a:t>
+              <a:t>12</a:t>
             </a:fld>
             <a:endParaRPr lang="it-IT"/>
           </a:p>
@@ -5389,7 +5971,7 @@
 </p:sld>
 </file>
 
-<file path=ppt/slides/slide12.xml><?xml version="1.0" encoding="utf-8"?>
+<file path=ppt/slides/slide13.xml><?xml version="1.0" encoding="utf-8"?>
 <p:sld xmlns:a="http://schemas.openxmlformats.org/drawingml/2006/main" xmlns:r="http://schemas.openxmlformats.org/officeDocument/2006/relationships" xmlns:p="http://schemas.openxmlformats.org/presentationml/2006/main" showMasterSp="0">
   <p:cSld>
     <p:spTree>
@@ -6024,7 +6606,7 @@
           <a:p>
             <a:fld id="{219C0E88-5C08-45F5-BD91-E93F425D2D58}" type="slidenum">
               <a:rPr lang="it-IT" smtClean="0"/>
-              <a:t>12</a:t>
+              <a:t>13</a:t>
             </a:fld>
             <a:endParaRPr lang="it-IT"/>
           </a:p>
@@ -6043,7 +6625,7 @@
 </p:sld>
 </file>
 
-<file path=ppt/slides/slide13.xml><?xml version="1.0" encoding="utf-8"?>
+<file path=ppt/slides/slide14.xml><?xml version="1.0" encoding="utf-8"?>
 <p:sld xmlns:a="http://schemas.openxmlformats.org/drawingml/2006/main" xmlns:r="http://schemas.openxmlformats.org/officeDocument/2006/relationships" xmlns:p="http://schemas.openxmlformats.org/presentationml/2006/main" showMasterSp="0" show="0">
   <p:cSld>
     <p:spTree>
@@ -6173,7 +6755,7 @@
           <a:p>
             <a:fld id="{219C0E88-5C08-45F5-BD91-E93F425D2D58}" type="slidenum">
               <a:rPr lang="it-IT" smtClean="0"/>
-              <a:t>13</a:t>
+              <a:t>14</a:t>
             </a:fld>
             <a:endParaRPr lang="it-IT"/>
           </a:p>
@@ -6207,451 +6789,6 @@
 </p:sld>
 </file>
 
-<file path=ppt/slides/slide14.xml><?xml version="1.0" encoding="utf-8"?>
-<p:sld xmlns:a="http://schemas.openxmlformats.org/drawingml/2006/main" xmlns:r="http://schemas.openxmlformats.org/officeDocument/2006/relationships" xmlns:p="http://schemas.openxmlformats.org/presentationml/2006/main">
-  <p:cSld>
-    <p:spTree>
-      <p:nvGrpSpPr>
-        <p:cNvPr id="1" name=""/>
-        <p:cNvGrpSpPr/>
-        <p:nvPr/>
-      </p:nvGrpSpPr>
-      <p:grpSpPr>
-        <a:xfrm>
-          <a:off x="0" y="0"/>
-          <a:ext cx="0" cy="0"/>
-          <a:chOff x="0" y="0"/>
-          <a:chExt cx="0" cy="0"/>
-        </a:xfrm>
-      </p:grpSpPr>
-      <p:sp>
-        <p:nvSpPr>
-          <p:cNvPr id="2" name="Titolo 1"/>
-          <p:cNvSpPr>
-            <a:spLocks noGrp="1"/>
-          </p:cNvSpPr>
-          <p:nvPr>
-            <p:ph type="title"/>
-          </p:nvPr>
-        </p:nvSpPr>
-        <p:spPr/>
-        <p:txBody>
-          <a:bodyPr>
-            <a:normAutofit/>
-          </a:bodyPr>
-          <a:lstStyle/>
-          <a:p>
-            <a:pPr algn="ctr"/>
-            <a:r>
-              <a:rPr lang="en-US" sz="4000" dirty="0" smtClean="0"/>
-              <a:t>Group of sprites</a:t>
-            </a:r>
-            <a:endParaRPr lang="en-US" sz="4000" dirty="0"/>
-          </a:p>
-        </p:txBody>
-      </p:sp>
-      <p:sp>
-        <p:nvSpPr>
-          <p:cNvPr id="3" name="Segnaposto contenuto 2"/>
-          <p:cNvSpPr>
-            <a:spLocks noGrp="1"/>
-          </p:cNvSpPr>
-          <p:nvPr>
-            <p:ph idx="1"/>
-          </p:nvPr>
-        </p:nvSpPr>
-        <p:spPr/>
-        <p:txBody>
-          <a:bodyPr>
-            <a:normAutofit lnSpcReduction="10000"/>
-          </a:bodyPr>
-          <a:lstStyle/>
-          <a:p>
-            <a:r>
-              <a:rPr lang="en-US" dirty="0" smtClean="0"/>
-              <a:t>Use it as z-ordered layer</a:t>
-            </a:r>
-          </a:p>
-          <a:p>
-            <a:r>
-              <a:rPr lang="en-US" dirty="0" smtClean="0"/>
-              <a:t>Use it for </a:t>
-            </a:r>
-            <a:r>
-              <a:rPr lang="it-IT" dirty="0"/>
-              <a:t>fast </a:t>
-            </a:r>
-            <a:r>
-              <a:rPr lang="it-IT" dirty="0" err="1"/>
-              <a:t>pooling</a:t>
-            </a:r>
-            <a:r>
-              <a:rPr lang="it-IT" dirty="0"/>
-              <a:t> and </a:t>
-            </a:r>
-            <a:r>
-              <a:rPr lang="it-IT" dirty="0" err="1"/>
-              <a:t>object</a:t>
-            </a:r>
-            <a:r>
-              <a:rPr lang="it-IT" dirty="0"/>
-              <a:t> </a:t>
-            </a:r>
-            <a:r>
-              <a:rPr lang="it-IT" dirty="0" err="1" smtClean="0"/>
-              <a:t>recycling</a:t>
-            </a:r>
-            <a:r>
-              <a:rPr lang="it-IT" dirty="0" smtClean="0"/>
-              <a:t> </a:t>
-            </a:r>
-            <a:r>
-              <a:rPr lang="it-IT" dirty="0" err="1" smtClean="0"/>
-              <a:t>too</a:t>
-            </a:r>
-            <a:endParaRPr lang="it-IT" dirty="0" smtClean="0"/>
-          </a:p>
-          <a:p>
-            <a:r>
-              <a:rPr lang="it-IT" dirty="0" smtClean="0"/>
-              <a:t>Can </a:t>
-            </a:r>
-            <a:r>
-              <a:rPr lang="it-IT" dirty="0" err="1" smtClean="0"/>
-              <a:t>apply</a:t>
-            </a:r>
-            <a:r>
-              <a:rPr lang="it-IT" dirty="0" smtClean="0"/>
-              <a:t> </a:t>
-            </a:r>
-            <a:r>
-              <a:rPr lang="it-IT" dirty="0" err="1" smtClean="0"/>
-              <a:t>transformation</a:t>
-            </a:r>
-            <a:r>
-              <a:rPr lang="it-IT" dirty="0" smtClean="0"/>
-              <a:t> to </a:t>
-            </a:r>
-            <a:r>
-              <a:rPr lang="it-IT" dirty="0" err="1" smtClean="0"/>
-              <a:t>every</a:t>
-            </a:r>
-            <a:r>
-              <a:rPr lang="it-IT" dirty="0" smtClean="0"/>
-              <a:t> </a:t>
-            </a:r>
-            <a:r>
-              <a:rPr lang="it-IT" dirty="0" err="1" smtClean="0"/>
-              <a:t>sprite</a:t>
-            </a:r>
-            <a:endParaRPr lang="it-IT" dirty="0" smtClean="0"/>
-          </a:p>
-          <a:p>
-            <a:r>
-              <a:rPr lang="it-IT" dirty="0" smtClean="0"/>
-              <a:t>Can call </a:t>
-            </a:r>
-            <a:r>
-              <a:rPr lang="it-IT" dirty="0" err="1" smtClean="0"/>
-              <a:t>methods</a:t>
-            </a:r>
-            <a:r>
-              <a:rPr lang="it-IT" dirty="0" smtClean="0"/>
-              <a:t> on </a:t>
-            </a:r>
-            <a:r>
-              <a:rPr lang="it-IT" dirty="0" err="1" smtClean="0"/>
-              <a:t>every</a:t>
-            </a:r>
-            <a:r>
-              <a:rPr lang="it-IT" dirty="0" smtClean="0"/>
-              <a:t> </a:t>
-            </a:r>
-            <a:r>
-              <a:rPr lang="it-IT" dirty="0" err="1" smtClean="0"/>
-              <a:t>sprite</a:t>
-            </a:r>
-            <a:endParaRPr lang="it-IT" dirty="0" smtClean="0"/>
-          </a:p>
-          <a:p>
-            <a:pPr marL="0" indent="0">
-              <a:buNone/>
-            </a:pPr>
-            <a:r>
-              <a:rPr lang="en-US" sz="2000" dirty="0" err="1" smtClean="0">
-                <a:latin typeface="Consolas" panose="020B0609020204030204" pitchFamily="49" charset="0"/>
-                <a:cs typeface="Consolas" panose="020B0609020204030204" pitchFamily="49" charset="0"/>
-              </a:rPr>
-              <a:t>var</a:t>
-            </a:r>
-            <a:r>
-              <a:rPr lang="en-US" sz="2000" dirty="0" smtClean="0">
-                <a:latin typeface="Consolas" panose="020B0609020204030204" pitchFamily="49" charset="0"/>
-                <a:cs typeface="Consolas" panose="020B0609020204030204" pitchFamily="49" charset="0"/>
-              </a:rPr>
-              <a:t> group = </a:t>
-            </a:r>
-            <a:r>
-              <a:rPr lang="en-US" sz="2000" dirty="0" err="1" smtClean="0">
-                <a:latin typeface="Consolas" panose="020B0609020204030204" pitchFamily="49" charset="0"/>
-                <a:cs typeface="Consolas" panose="020B0609020204030204" pitchFamily="49" charset="0"/>
-              </a:rPr>
-              <a:t>game.add.group</a:t>
-            </a:r>
-            <a:r>
-              <a:rPr lang="en-US" sz="2000" dirty="0" smtClean="0">
-                <a:latin typeface="Consolas" panose="020B0609020204030204" pitchFamily="49" charset="0"/>
-                <a:cs typeface="Consolas" panose="020B0609020204030204" pitchFamily="49" charset="0"/>
-              </a:rPr>
-              <a:t>();</a:t>
-            </a:r>
-          </a:p>
-          <a:p>
-            <a:pPr marL="0" indent="0">
-              <a:buNone/>
-            </a:pPr>
-            <a:r>
-              <a:rPr lang="en-US" sz="2000" dirty="0" err="1">
-                <a:latin typeface="Consolas" panose="020B0609020204030204" pitchFamily="49" charset="0"/>
-                <a:cs typeface="Consolas" panose="020B0609020204030204" pitchFamily="49" charset="0"/>
-              </a:rPr>
-              <a:t>v</a:t>
-            </a:r>
-            <a:r>
-              <a:rPr lang="en-US" sz="2000" dirty="0" err="1" smtClean="0">
-                <a:latin typeface="Consolas" panose="020B0609020204030204" pitchFamily="49" charset="0"/>
-                <a:cs typeface="Consolas" panose="020B0609020204030204" pitchFamily="49" charset="0"/>
-              </a:rPr>
-              <a:t>ar</a:t>
-            </a:r>
-            <a:r>
-              <a:rPr lang="en-US" sz="2000" dirty="0" smtClean="0">
-                <a:latin typeface="Consolas" panose="020B0609020204030204" pitchFamily="49" charset="0"/>
-                <a:cs typeface="Consolas" panose="020B0609020204030204" pitchFamily="49" charset="0"/>
-              </a:rPr>
-              <a:t> sprite = </a:t>
-            </a:r>
-            <a:r>
-              <a:rPr lang="en-US" sz="2000" dirty="0" err="1" smtClean="0">
-                <a:latin typeface="Consolas" panose="020B0609020204030204" pitchFamily="49" charset="0"/>
-                <a:cs typeface="Consolas" panose="020B0609020204030204" pitchFamily="49" charset="0"/>
-              </a:rPr>
-              <a:t>group.create</a:t>
-            </a:r>
-            <a:r>
-              <a:rPr lang="en-US" sz="2000" dirty="0" smtClean="0">
-                <a:latin typeface="Consolas" panose="020B0609020204030204" pitchFamily="49" charset="0"/>
-                <a:cs typeface="Consolas" panose="020B0609020204030204" pitchFamily="49" charset="0"/>
-              </a:rPr>
-              <a:t>(x, y, </a:t>
-            </a:r>
-            <a:r>
-              <a:rPr lang="en-US" sz="2000" dirty="0">
-                <a:latin typeface="Consolas" panose="020B0609020204030204" pitchFamily="49" charset="0"/>
-                <a:cs typeface="Consolas" panose="020B0609020204030204" pitchFamily="49" charset="0"/>
-              </a:rPr>
-              <a:t>'</a:t>
-            </a:r>
-            <a:r>
-              <a:rPr lang="en-US" sz="2000" dirty="0" smtClean="0">
-                <a:latin typeface="Consolas" panose="020B0609020204030204" pitchFamily="49" charset="0"/>
-                <a:cs typeface="Consolas" panose="020B0609020204030204" pitchFamily="49" charset="0"/>
-              </a:rPr>
-              <a:t>image');</a:t>
-            </a:r>
-          </a:p>
-          <a:p>
-            <a:pPr marL="0" indent="0">
-              <a:buNone/>
-            </a:pPr>
-            <a:r>
-              <a:rPr lang="en-US" sz="2000" dirty="0" err="1" smtClean="0">
-                <a:latin typeface="Consolas" panose="020B0609020204030204" pitchFamily="49" charset="0"/>
-                <a:cs typeface="Consolas" panose="020B0609020204030204" pitchFamily="49" charset="0"/>
-              </a:rPr>
-              <a:t>group.x</a:t>
-            </a:r>
-            <a:r>
-              <a:rPr lang="en-US" sz="2000" dirty="0" smtClean="0">
-                <a:latin typeface="Consolas" panose="020B0609020204030204" pitchFamily="49" charset="0"/>
-                <a:cs typeface="Consolas" panose="020B0609020204030204" pitchFamily="49" charset="0"/>
-              </a:rPr>
-              <a:t> += 100;</a:t>
-            </a:r>
-          </a:p>
-          <a:p>
-            <a:pPr marL="0" indent="0">
-              <a:buNone/>
-            </a:pPr>
-            <a:r>
-              <a:rPr lang="en-US" sz="2000" dirty="0" err="1" smtClean="0">
-                <a:latin typeface="Consolas" panose="020B0609020204030204" pitchFamily="49" charset="0"/>
-                <a:cs typeface="Consolas" panose="020B0609020204030204" pitchFamily="49" charset="0"/>
-              </a:rPr>
-              <a:t>group.callAll</a:t>
-            </a:r>
-            <a:r>
-              <a:rPr lang="en-US" sz="2000" dirty="0" smtClean="0">
-                <a:latin typeface="Consolas" panose="020B0609020204030204" pitchFamily="49" charset="0"/>
-                <a:cs typeface="Consolas" panose="020B0609020204030204" pitchFamily="49" charset="0"/>
-              </a:rPr>
-              <a:t>(</a:t>
-            </a:r>
-            <a:r>
-              <a:rPr lang="en-US" sz="2000" dirty="0">
-                <a:latin typeface="Consolas" panose="020B0609020204030204" pitchFamily="49" charset="0"/>
-                <a:cs typeface="Consolas" panose="020B0609020204030204" pitchFamily="49" charset="0"/>
-              </a:rPr>
-              <a:t>'</a:t>
-            </a:r>
-            <a:r>
-              <a:rPr lang="en-US" sz="2000" dirty="0" smtClean="0">
-                <a:latin typeface="Consolas" panose="020B0609020204030204" pitchFamily="49" charset="0"/>
-                <a:cs typeface="Consolas" panose="020B0609020204030204" pitchFamily="49" charset="0"/>
-              </a:rPr>
-              <a:t>kill');</a:t>
-            </a:r>
-          </a:p>
-          <a:p>
-            <a:pPr marL="0" indent="0">
-              <a:buNone/>
-            </a:pPr>
-            <a:r>
-              <a:rPr lang="en-US" sz="2000" dirty="0" err="1" smtClean="0">
-                <a:latin typeface="Consolas" panose="020B0609020204030204" pitchFamily="49" charset="0"/>
-                <a:cs typeface="Consolas" panose="020B0609020204030204" pitchFamily="49" charset="0"/>
-              </a:rPr>
-              <a:t>var</a:t>
-            </a:r>
-            <a:r>
-              <a:rPr lang="en-US" sz="2000" dirty="0" smtClean="0">
-                <a:latin typeface="Consolas" panose="020B0609020204030204" pitchFamily="49" charset="0"/>
-                <a:cs typeface="Consolas" panose="020B0609020204030204" pitchFamily="49" charset="0"/>
-              </a:rPr>
-              <a:t> zombie = </a:t>
-            </a:r>
-            <a:r>
-              <a:rPr lang="en-US" sz="2000" dirty="0" err="1" smtClean="0">
-                <a:latin typeface="Consolas" panose="020B0609020204030204" pitchFamily="49" charset="0"/>
-                <a:cs typeface="Consolas" panose="020B0609020204030204" pitchFamily="49" charset="0"/>
-              </a:rPr>
-              <a:t>group.getFirstExists</a:t>
-            </a:r>
-            <a:r>
-              <a:rPr lang="en-US" sz="2000" dirty="0" smtClean="0">
-                <a:latin typeface="Consolas" panose="020B0609020204030204" pitchFamily="49" charset="0"/>
-                <a:cs typeface="Consolas" panose="020B0609020204030204" pitchFamily="49" charset="0"/>
-              </a:rPr>
-              <a:t>(false);</a:t>
-            </a:r>
-          </a:p>
-          <a:p>
-            <a:pPr marL="0" indent="0">
-              <a:buNone/>
-            </a:pPr>
-            <a:r>
-              <a:rPr lang="en-US" sz="2000" dirty="0" err="1">
-                <a:latin typeface="Consolas" panose="020B0609020204030204" pitchFamily="49" charset="0"/>
-                <a:cs typeface="Consolas" panose="020B0609020204030204" pitchFamily="49" charset="0"/>
-              </a:rPr>
-              <a:t>z</a:t>
-            </a:r>
-            <a:r>
-              <a:rPr lang="en-US" sz="2000" dirty="0" err="1" smtClean="0">
-                <a:latin typeface="Consolas" panose="020B0609020204030204" pitchFamily="49" charset="0"/>
-                <a:cs typeface="Consolas" panose="020B0609020204030204" pitchFamily="49" charset="0"/>
-              </a:rPr>
-              <a:t>ombie.revive</a:t>
-            </a:r>
-            <a:r>
-              <a:rPr lang="en-US" sz="2000" dirty="0" smtClean="0">
-                <a:latin typeface="Consolas" panose="020B0609020204030204" pitchFamily="49" charset="0"/>
-                <a:cs typeface="Consolas" panose="020B0609020204030204" pitchFamily="49" charset="0"/>
-              </a:rPr>
-              <a:t>(); //cured!</a:t>
-            </a:r>
-          </a:p>
-        </p:txBody>
-      </p:sp>
-      <p:sp>
-        <p:nvSpPr>
-          <p:cNvPr id="4" name="Segnaposto data 3"/>
-          <p:cNvSpPr>
-            <a:spLocks noGrp="1"/>
-          </p:cNvSpPr>
-          <p:nvPr>
-            <p:ph type="dt" sz="half" idx="10"/>
-          </p:nvPr>
-        </p:nvSpPr>
-        <p:spPr>
-          <a:xfrm>
-            <a:off x="539552" y="115094"/>
-            <a:ext cx="3233886" cy="365125"/>
-          </a:xfrm>
-        </p:spPr>
-        <p:txBody>
-          <a:bodyPr/>
-          <a:lstStyle/>
-          <a:p>
-            <a:r>
-              <a:rPr lang="en-US" b="1" i="1" smtClean="0">
-                <a:solidFill>
-                  <a:schemeClr val="bg1"/>
-                </a:solidFill>
-              </a:rPr>
-              <a:t>ROME  11-12 april 2014 – Valerio Riva</a:t>
-            </a:r>
-            <a:endParaRPr lang="it-IT" b="1" i="1" dirty="0">
-              <a:solidFill>
-                <a:schemeClr val="bg1"/>
-              </a:solidFill>
-            </a:endParaRPr>
-          </a:p>
-        </p:txBody>
-      </p:sp>
-      <p:sp>
-        <p:nvSpPr>
-          <p:cNvPr id="5" name="Segnaposto numero diapositiva 4"/>
-          <p:cNvSpPr>
-            <a:spLocks noGrp="1"/>
-          </p:cNvSpPr>
-          <p:nvPr>
-            <p:ph type="sldNum" sz="quarter" idx="12"/>
-          </p:nvPr>
-        </p:nvSpPr>
-        <p:spPr/>
-        <p:txBody>
-          <a:bodyPr/>
-          <a:lstStyle/>
-          <a:p>
-            <a:fld id="{219C0E88-5C08-45F5-BD91-E93F425D2D58}" type="slidenum">
-              <a:rPr lang="it-IT" smtClean="0"/>
-              <a:t>14</a:t>
-            </a:fld>
-            <a:endParaRPr lang="it-IT"/>
-          </a:p>
-        </p:txBody>
-      </p:sp>
-    </p:spTree>
-    <p:extLst>
-      <p:ext uri="{BB962C8B-B14F-4D97-AF65-F5344CB8AC3E}">
-        <p14:creationId xmlns:p14="http://schemas.microsoft.com/office/powerpoint/2010/main" val="2863946840"/>
-      </p:ext>
-    </p:extLst>
-  </p:cSld>
-  <p:clrMapOvr>
-    <a:masterClrMapping/>
-  </p:clrMapOvr>
-  <p:timing>
-    <p:tnLst>
-      <p:par>
-        <p:cTn id="1" dur="indefinite" restart="never" nodeType="tmRoot"/>
-      </p:par>
-    </p:tnLst>
-  </p:timing>
-</p:sld>
-</file>
-
 <file path=ppt/slides/slide15.xml><?xml version="1.0" encoding="utf-8"?>
 <p:sld xmlns:a="http://schemas.openxmlformats.org/drawingml/2006/main" xmlns:r="http://schemas.openxmlformats.org/officeDocument/2006/relationships" xmlns:p="http://schemas.openxmlformats.org/presentationml/2006/main">
   <p:cSld>
@@ -7080,7 +7217,7 @@
     </p:spTree>
     <p:extLst>
       <p:ext uri="{BB962C8B-B14F-4D97-AF65-F5344CB8AC3E}">
-        <p14:creationId xmlns:p14="http://schemas.microsoft.com/office/powerpoint/2010/main" val="50379283"/>
+        <p14:creationId xmlns:p14="http://schemas.microsoft.com/office/powerpoint/2010/main" val="2863946840"/>
       </p:ext>
     </p:extLst>
   </p:cSld>
@@ -7134,7 +7271,7 @@
             <a:pPr algn="ctr"/>
             <a:r>
               <a:rPr lang="en-US" sz="4000" dirty="0" err="1" smtClean="0"/>
-              <a:t>Tilemap</a:t>
+              <a:t>Tilesprite</a:t>
             </a:r>
             <a:endParaRPr lang="en-US" sz="4000" dirty="0"/>
           </a:p>
@@ -7163,59 +7300,190 @@
               <a:buNone/>
             </a:pPr>
             <a:r>
-              <a:rPr lang="en-US" dirty="0" smtClean="0"/>
-              <a:t>A </a:t>
-            </a:r>
-            <a:r>
-              <a:rPr lang="en-US" dirty="0" err="1" smtClean="0"/>
-              <a:t>tilemap</a:t>
-            </a:r>
-            <a:r>
-              <a:rPr lang="en-US" dirty="0" smtClean="0"/>
-              <a:t> is a map composed by sprites of same size (tiles)</a:t>
-            </a:r>
-          </a:p>
-          <a:p>
-            <a:r>
-              <a:rPr lang="en-US" dirty="0" smtClean="0"/>
-              <a:t>Each tile can have different </a:t>
-            </a:r>
-            <a:r>
-              <a:rPr lang="en-US" dirty="0" err="1" smtClean="0"/>
-              <a:t>behaviour</a:t>
-            </a:r>
-            <a:endParaRPr lang="en-US" dirty="0" smtClean="0"/>
-          </a:p>
-          <a:p>
-            <a:r>
-              <a:rPr lang="en-US" dirty="0" smtClean="0"/>
-              <a:t>Used to create platform and map based games</a:t>
-            </a:r>
-          </a:p>
-          <a:p>
-            <a:r>
-              <a:rPr lang="en-US" dirty="0" smtClean="0"/>
-              <a:t>Can be orthogonal or isometric</a:t>
-            </a:r>
-          </a:p>
-          <a:p>
-            <a:r>
-              <a:rPr lang="en-US" dirty="0" smtClean="0"/>
-              <a:t>Easy to create with Tiled </a:t>
-            </a:r>
-            <a:r>
               <a:rPr lang="en-GB" dirty="0" smtClean="0"/>
-              <a:t>http</a:t>
+              <a:t>“A </a:t>
+            </a:r>
+            <a:r>
+              <a:rPr lang="en-GB" dirty="0" err="1"/>
+              <a:t>t</a:t>
+            </a:r>
+            <a:r>
+              <a:rPr lang="en-GB" dirty="0" err="1" smtClean="0"/>
+              <a:t>ilesprite</a:t>
+            </a:r>
+            <a:r>
+              <a:rPr lang="en-GB" dirty="0" smtClean="0"/>
+              <a:t> </a:t>
             </a:r>
             <a:r>
               <a:rPr lang="en-GB" dirty="0"/>
-              <a:t>://www.mapeditor.org</a:t>
+              <a:t>is a </a:t>
             </a:r>
             <a:r>
               <a:rPr lang="en-GB" dirty="0" smtClean="0"/>
-              <a:t>/</a:t>
-            </a:r>
-            <a:endParaRPr lang="en-US" dirty="0" smtClean="0"/>
+              <a:t>sprite </a:t>
+            </a:r>
+            <a:r>
+              <a:rPr lang="en-GB" dirty="0"/>
+              <a:t>that has a repeating texture</a:t>
+            </a:r>
+            <a:r>
+              <a:rPr lang="en-GB" dirty="0" smtClean="0"/>
+              <a:t>.”</a:t>
+            </a:r>
+          </a:p>
+          <a:p>
+            <a:pPr marL="0" indent="0">
+              <a:buNone/>
+            </a:pPr>
+            <a:endParaRPr lang="en-GB" sz="2400" dirty="0" smtClean="0">
+              <a:latin typeface="Consolas" panose="020B0609020204030204" pitchFamily="49" charset="0"/>
+              <a:cs typeface="Consolas" panose="020B0609020204030204" pitchFamily="49" charset="0"/>
+            </a:endParaRPr>
+          </a:p>
+          <a:p>
+            <a:pPr marL="0" indent="0">
+              <a:buNone/>
+            </a:pPr>
+            <a:r>
+              <a:rPr lang="en-GB" sz="2400" dirty="0" err="1" smtClean="0">
+                <a:latin typeface="Consolas" panose="020B0609020204030204" pitchFamily="49" charset="0"/>
+                <a:cs typeface="Consolas" panose="020B0609020204030204" pitchFamily="49" charset="0"/>
+              </a:rPr>
+              <a:t>var</a:t>
+            </a:r>
+            <a:r>
+              <a:rPr lang="en-GB" sz="2400" dirty="0" smtClean="0">
+                <a:latin typeface="Consolas" panose="020B0609020204030204" pitchFamily="49" charset="0"/>
+                <a:cs typeface="Consolas" panose="020B0609020204030204" pitchFamily="49" charset="0"/>
+              </a:rPr>
+              <a:t> </a:t>
+            </a:r>
+            <a:r>
+              <a:rPr lang="en-GB" sz="2400" dirty="0" err="1">
+                <a:latin typeface="Consolas" panose="020B0609020204030204" pitchFamily="49" charset="0"/>
+                <a:cs typeface="Consolas" panose="020B0609020204030204" pitchFamily="49" charset="0"/>
+              </a:rPr>
+              <a:t>tilesprite</a:t>
+            </a:r>
+            <a:r>
+              <a:rPr lang="en-GB" sz="2400" dirty="0">
+                <a:latin typeface="Consolas" panose="020B0609020204030204" pitchFamily="49" charset="0"/>
+                <a:cs typeface="Consolas" panose="020B0609020204030204" pitchFamily="49" charset="0"/>
+              </a:rPr>
+              <a:t> = </a:t>
+            </a:r>
+            <a:r>
+              <a:rPr lang="en-GB" sz="2400" dirty="0" err="1">
+                <a:latin typeface="Consolas" panose="020B0609020204030204" pitchFamily="49" charset="0"/>
+                <a:cs typeface="Consolas" panose="020B0609020204030204" pitchFamily="49" charset="0"/>
+              </a:rPr>
+              <a:t>game.add.tileSprite</a:t>
+            </a:r>
+            <a:r>
+              <a:rPr lang="en-GB" sz="2400" dirty="0">
+                <a:latin typeface="Consolas" panose="020B0609020204030204" pitchFamily="49" charset="0"/>
+                <a:cs typeface="Consolas" panose="020B0609020204030204" pitchFamily="49" charset="0"/>
+              </a:rPr>
+              <a:t>(0, 0, 32, 64, 'image');</a:t>
+            </a:r>
+            <a:endParaRPr lang="en-GB" sz="2400" dirty="0" smtClean="0">
+              <a:latin typeface="Consolas" panose="020B0609020204030204" pitchFamily="49" charset="0"/>
+              <a:cs typeface="Consolas" panose="020B0609020204030204" pitchFamily="49" charset="0"/>
+            </a:endParaRPr>
+          </a:p>
+          <a:p>
+            <a:endParaRPr lang="en-GB" dirty="0" smtClean="0"/>
+          </a:p>
+          <a:p>
+            <a:r>
+              <a:rPr lang="en-GB" dirty="0" smtClean="0"/>
+              <a:t>texture </a:t>
+            </a:r>
+            <a:r>
+              <a:rPr lang="en-GB" dirty="0"/>
+              <a:t>can be </a:t>
+            </a:r>
+            <a:r>
+              <a:rPr lang="en-GB" dirty="0" smtClean="0"/>
+              <a:t>scrolled</a:t>
+            </a:r>
+          </a:p>
+          <a:p>
+            <a:pPr marL="457200" lvl="1" indent="0">
+              <a:buNone/>
+            </a:pPr>
+            <a:r>
+              <a:rPr lang="en-GB" dirty="0" err="1" smtClean="0">
+                <a:latin typeface="Consolas" panose="020B0609020204030204" pitchFamily="49" charset="0"/>
+                <a:cs typeface="Consolas" panose="020B0609020204030204" pitchFamily="49" charset="0"/>
+              </a:rPr>
+              <a:t>tilesprite.tilePosition.setTo</a:t>
+            </a:r>
+            <a:r>
+              <a:rPr lang="en-GB" dirty="0" smtClean="0">
+                <a:latin typeface="Consolas" panose="020B0609020204030204" pitchFamily="49" charset="0"/>
+                <a:cs typeface="Consolas" panose="020B0609020204030204" pitchFamily="49" charset="0"/>
+              </a:rPr>
+              <a:t>(10,20);</a:t>
+            </a:r>
+          </a:p>
+          <a:p>
+            <a:r>
+              <a:rPr lang="en-GB" dirty="0"/>
+              <a:t>t</a:t>
+            </a:r>
+            <a:r>
+              <a:rPr lang="en-GB" dirty="0" smtClean="0"/>
+              <a:t>exture can be scaled</a:t>
+            </a:r>
+          </a:p>
+          <a:p>
+            <a:pPr marL="457200" lvl="1" indent="0">
+              <a:buNone/>
+            </a:pPr>
+            <a:r>
+              <a:rPr lang="en-US" dirty="0" err="1" smtClean="0">
+                <a:latin typeface="Consolas" panose="020B0609020204030204" pitchFamily="49" charset="0"/>
+                <a:cs typeface="Consolas" panose="020B0609020204030204" pitchFamily="49" charset="0"/>
+              </a:rPr>
+              <a:t>tilesprite</a:t>
+            </a:r>
+            <a:r>
+              <a:rPr lang="en-US" dirty="0" smtClean="0">
+                <a:latin typeface="Consolas" panose="020B0609020204030204" pitchFamily="49" charset="0"/>
+                <a:cs typeface="Consolas" panose="020B0609020204030204" pitchFamily="49" charset="0"/>
+              </a:rPr>
+              <a:t>.</a:t>
+            </a:r>
+            <a:r>
+              <a:rPr lang="en-GB" dirty="0" err="1" smtClean="0">
+                <a:latin typeface="Consolas" panose="020B0609020204030204" pitchFamily="49" charset="0"/>
+                <a:cs typeface="Consolas" panose="020B0609020204030204" pitchFamily="49" charset="0"/>
+              </a:rPr>
+              <a:t>tileScale</a:t>
+            </a:r>
+            <a:r>
+              <a:rPr lang="en-US" dirty="0" smtClean="0">
+                <a:latin typeface="Consolas" panose="020B0609020204030204" pitchFamily="49" charset="0"/>
+                <a:cs typeface="Consolas" panose="020B0609020204030204" pitchFamily="49" charset="0"/>
+              </a:rPr>
+              <a:t>.</a:t>
+            </a:r>
+            <a:r>
+              <a:rPr lang="en-US" dirty="0" err="1" smtClean="0">
+                <a:latin typeface="Consolas" panose="020B0609020204030204" pitchFamily="49" charset="0"/>
+                <a:cs typeface="Consolas" panose="020B0609020204030204" pitchFamily="49" charset="0"/>
+              </a:rPr>
+              <a:t>setTo</a:t>
+            </a:r>
+            <a:r>
+              <a:rPr lang="en-US" dirty="0" smtClean="0">
+                <a:latin typeface="Consolas" panose="020B0609020204030204" pitchFamily="49" charset="0"/>
+                <a:cs typeface="Consolas" panose="020B0609020204030204" pitchFamily="49" charset="0"/>
+              </a:rPr>
+              <a:t>(1.5,1.5);</a:t>
+            </a:r>
           </a:p>
         </p:txBody>
       </p:sp>
@@ -7351,401 +7619,83 @@
             <p:ph idx="1"/>
           </p:nvPr>
         </p:nvSpPr>
-        <p:spPr/>
+        <p:spPr>
+          <a:noFill/>
+        </p:spPr>
         <p:txBody>
           <a:bodyPr>
-            <a:normAutofit fontScale="92500" lnSpcReduction="10000"/>
+            <a:normAutofit/>
           </a:bodyPr>
           <a:lstStyle/>
           <a:p>
             <a:pPr marL="0" indent="0">
-              <a:lnSpc>
-                <a:spcPct val="120000"/>
-              </a:lnSpc>
-              <a:spcBef>
-                <a:spcPts val="0"/>
-              </a:spcBef>
               <a:buNone/>
             </a:pPr>
             <a:r>
-              <a:rPr lang="en-US" sz="2000" dirty="0" smtClean="0">
-                <a:latin typeface="Consolas" panose="020B0609020204030204" pitchFamily="49" charset="0"/>
-                <a:cs typeface="Consolas" panose="020B0609020204030204" pitchFamily="49" charset="0"/>
-              </a:rPr>
-              <a:t>function preload() {</a:t>
-            </a:r>
-          </a:p>
-          <a:p>
-            <a:pPr marL="0" indent="0">
-              <a:lnSpc>
-                <a:spcPct val="120000"/>
-              </a:lnSpc>
-              <a:spcBef>
-                <a:spcPts val="0"/>
-              </a:spcBef>
-              <a:buNone/>
-            </a:pPr>
-            <a:r>
-              <a:rPr lang="en-US" sz="2000" dirty="0" smtClean="0">
-                <a:latin typeface="Consolas" panose="020B0609020204030204" pitchFamily="49" charset="0"/>
-                <a:cs typeface="Consolas" panose="020B0609020204030204" pitchFamily="49" charset="0"/>
-              </a:rPr>
-              <a:t>	</a:t>
-            </a:r>
-            <a:r>
-              <a:rPr lang="en-US" sz="2000" dirty="0" err="1" smtClean="0">
-                <a:latin typeface="Consolas" panose="020B0609020204030204" pitchFamily="49" charset="0"/>
-                <a:cs typeface="Consolas" panose="020B0609020204030204" pitchFamily="49" charset="0"/>
-              </a:rPr>
-              <a:t>game.load.tilemap</a:t>
-            </a:r>
-            <a:r>
-              <a:rPr lang="en-US" sz="2000" dirty="0" smtClean="0">
-                <a:latin typeface="Consolas" panose="020B0609020204030204" pitchFamily="49" charset="0"/>
-                <a:cs typeface="Consolas" panose="020B0609020204030204" pitchFamily="49" charset="0"/>
-              </a:rPr>
-              <a:t>('</a:t>
-            </a:r>
-            <a:r>
-              <a:rPr lang="en-US" sz="2000" dirty="0" err="1" smtClean="0">
-                <a:latin typeface="Consolas" panose="020B0609020204030204" pitchFamily="49" charset="0"/>
-                <a:cs typeface="Consolas" panose="020B0609020204030204" pitchFamily="49" charset="0"/>
-              </a:rPr>
-              <a:t>codem</a:t>
-            </a:r>
-            <a:r>
-              <a:rPr lang="en-US" sz="2000" dirty="0" smtClean="0">
-                <a:latin typeface="Consolas" panose="020B0609020204030204" pitchFamily="49" charset="0"/>
-                <a:cs typeface="Consolas" panose="020B0609020204030204" pitchFamily="49" charset="0"/>
-              </a:rPr>
-              <a:t>', '</a:t>
-            </a:r>
-            <a:r>
-              <a:rPr lang="en-US" sz="2000" dirty="0" err="1" smtClean="0">
-                <a:latin typeface="Consolas" panose="020B0609020204030204" pitchFamily="49" charset="0"/>
-                <a:cs typeface="Consolas" panose="020B0609020204030204" pitchFamily="49" charset="0"/>
-              </a:rPr>
+              <a:rPr lang="en-US" dirty="0"/>
+              <a:t>A </a:t>
+            </a:r>
+            <a:r>
+              <a:rPr lang="en-US" dirty="0" err="1"/>
               <a:t>tilemap</a:t>
             </a:r>
             <a:r>
-              <a:rPr lang="en-US" sz="2000" dirty="0" smtClean="0">
-                <a:latin typeface="Consolas" panose="020B0609020204030204" pitchFamily="49" charset="0"/>
-                <a:cs typeface="Consolas" panose="020B0609020204030204" pitchFamily="49" charset="0"/>
+              <a:rPr lang="en-US" dirty="0"/>
+              <a:t> is a map composed by a fixed number of same sized sprites (tiles)</a:t>
+            </a:r>
+            <a:endParaRPr lang="en-US" dirty="0" smtClean="0"/>
+          </a:p>
+          <a:p>
+            <a:r>
+              <a:rPr lang="en-US" dirty="0" smtClean="0"/>
+              <a:t>Each tile can have different </a:t>
+            </a:r>
+            <a:r>
+              <a:rPr lang="en-US" dirty="0" err="1" smtClean="0"/>
+              <a:t>behaviour</a:t>
+            </a:r>
+            <a:endParaRPr lang="en-US" dirty="0" smtClean="0"/>
+          </a:p>
+          <a:p>
+            <a:r>
+              <a:rPr lang="en-US" dirty="0" smtClean="0"/>
+              <a:t>Used to create platform and map based games</a:t>
+            </a:r>
+          </a:p>
+          <a:p>
+            <a:r>
+              <a:rPr lang="en-US" dirty="0" smtClean="0"/>
+              <a:t>Can be orthogonal or isometric</a:t>
+            </a:r>
+          </a:p>
+          <a:p>
+            <a:r>
+              <a:rPr lang="en-US" dirty="0" smtClean="0"/>
+              <a:t>Easy to create with Tiled (</a:t>
+            </a:r>
+            <a:r>
+              <a:rPr lang="en-GB" dirty="0" smtClean="0">
+                <a:hlinkClick r:id="rId2"/>
+              </a:rPr>
+              <a:t>http</a:t>
+            </a:r>
+            <a:r>
+              <a:rPr lang="en-GB" dirty="0">
+                <a:hlinkClick r:id="rId2"/>
+              </a:rPr>
+              <a:t>://www.mapeditor.org</a:t>
+            </a:r>
+            <a:r>
+              <a:rPr lang="en-GB" dirty="0" smtClean="0">
+                <a:hlinkClick r:id="rId2"/>
               </a:rPr>
               <a:t>/</a:t>
             </a:r>
             <a:r>
-              <a:rPr lang="en-US" sz="2000" dirty="0" err="1" smtClean="0">
-                <a:latin typeface="Consolas" panose="020B0609020204030204" pitchFamily="49" charset="0"/>
-                <a:cs typeface="Consolas" panose="020B0609020204030204" pitchFamily="49" charset="0"/>
-              </a:rPr>
-              <a:t>codem.json</a:t>
-            </a:r>
-            <a:r>
-              <a:rPr lang="en-US" sz="2000" dirty="0" smtClean="0">
-                <a:latin typeface="Consolas" panose="020B0609020204030204" pitchFamily="49" charset="0"/>
-                <a:cs typeface="Consolas" panose="020B0609020204030204" pitchFamily="49" charset="0"/>
-              </a:rPr>
-              <a:t>', null, </a:t>
-            </a:r>
-            <a:r>
-              <a:rPr lang="en-US" sz="2000" dirty="0" err="1" smtClean="0">
-                <a:latin typeface="Consolas" panose="020B0609020204030204" pitchFamily="49" charset="0"/>
-                <a:cs typeface="Consolas" panose="020B0609020204030204" pitchFamily="49" charset="0"/>
-              </a:rPr>
-              <a:t>Phaser.Tilemap.TILED_JSON</a:t>
-            </a:r>
-            <a:r>
-              <a:rPr lang="en-US" sz="2000" dirty="0" smtClean="0">
-                <a:latin typeface="Consolas" panose="020B0609020204030204" pitchFamily="49" charset="0"/>
-                <a:cs typeface="Consolas" panose="020B0609020204030204" pitchFamily="49" charset="0"/>
-              </a:rPr>
-              <a:t>);</a:t>
-            </a:r>
-          </a:p>
-          <a:p>
-            <a:pPr marL="0" indent="0">
-              <a:lnSpc>
-                <a:spcPct val="120000"/>
-              </a:lnSpc>
-              <a:spcBef>
-                <a:spcPts val="0"/>
-              </a:spcBef>
-              <a:buNone/>
-            </a:pPr>
-            <a:r>
-              <a:rPr lang="en-US" sz="2000" dirty="0" smtClean="0">
-                <a:latin typeface="Consolas" panose="020B0609020204030204" pitchFamily="49" charset="0"/>
-                <a:cs typeface="Consolas" panose="020B0609020204030204" pitchFamily="49" charset="0"/>
-              </a:rPr>
-              <a:t>	</a:t>
-            </a:r>
-            <a:r>
-              <a:rPr lang="en-US" sz="2000" dirty="0" err="1" smtClean="0">
-                <a:latin typeface="Consolas" panose="020B0609020204030204" pitchFamily="49" charset="0"/>
-                <a:cs typeface="Consolas" panose="020B0609020204030204" pitchFamily="49" charset="0"/>
-              </a:rPr>
-              <a:t>game.load.image</a:t>
-            </a:r>
-            <a:r>
-              <a:rPr lang="en-US" sz="2000" dirty="0" smtClean="0">
-                <a:latin typeface="Consolas" panose="020B0609020204030204" pitchFamily="49" charset="0"/>
-                <a:cs typeface="Consolas" panose="020B0609020204030204" pitchFamily="49" charset="0"/>
-              </a:rPr>
-              <a:t>('block', 'sprites/block.gif');</a:t>
-            </a:r>
-          </a:p>
-          <a:p>
-            <a:pPr marL="0" indent="0">
-              <a:lnSpc>
-                <a:spcPct val="120000"/>
-              </a:lnSpc>
-              <a:spcBef>
-                <a:spcPts val="0"/>
-              </a:spcBef>
-              <a:buNone/>
-            </a:pPr>
-            <a:r>
-              <a:rPr lang="en-US" sz="2000" dirty="0" smtClean="0">
-                <a:latin typeface="Consolas" panose="020B0609020204030204" pitchFamily="49" charset="0"/>
-                <a:cs typeface="Consolas" panose="020B0609020204030204" pitchFamily="49" charset="0"/>
-              </a:rPr>
-              <a:t>}</a:t>
-            </a:r>
-          </a:p>
-          <a:p>
-            <a:pPr marL="0" indent="0">
-              <a:lnSpc>
-                <a:spcPct val="120000"/>
-              </a:lnSpc>
-              <a:spcBef>
-                <a:spcPts val="0"/>
-              </a:spcBef>
-              <a:buNone/>
-            </a:pPr>
-            <a:endParaRPr lang="en-US" sz="2000" dirty="0" smtClean="0">
-              <a:latin typeface="Consolas" panose="020B0609020204030204" pitchFamily="49" charset="0"/>
-              <a:cs typeface="Consolas" panose="020B0609020204030204" pitchFamily="49" charset="0"/>
-            </a:endParaRPr>
-          </a:p>
-          <a:p>
-            <a:pPr marL="0" indent="0">
-              <a:lnSpc>
-                <a:spcPct val="120000"/>
-              </a:lnSpc>
-              <a:spcBef>
-                <a:spcPts val="0"/>
-              </a:spcBef>
-              <a:buNone/>
-            </a:pPr>
-            <a:r>
-              <a:rPr lang="en-US" sz="2000" dirty="0" smtClean="0">
-                <a:latin typeface="Consolas" panose="020B0609020204030204" pitchFamily="49" charset="0"/>
-                <a:cs typeface="Consolas" panose="020B0609020204030204" pitchFamily="49" charset="0"/>
-              </a:rPr>
-              <a:t>function create() {</a:t>
-            </a:r>
-          </a:p>
-          <a:p>
-            <a:pPr marL="0" indent="0">
-              <a:lnSpc>
-                <a:spcPct val="120000"/>
-              </a:lnSpc>
-              <a:spcBef>
-                <a:spcPts val="0"/>
-              </a:spcBef>
-              <a:buNone/>
-            </a:pPr>
-            <a:r>
-              <a:rPr lang="en-US" sz="2000" dirty="0" smtClean="0">
-                <a:latin typeface="Consolas" panose="020B0609020204030204" pitchFamily="49" charset="0"/>
-                <a:cs typeface="Consolas" panose="020B0609020204030204" pitchFamily="49" charset="0"/>
-              </a:rPr>
-              <a:t>	map = </a:t>
-            </a:r>
-            <a:r>
-              <a:rPr lang="en-US" sz="2000" dirty="0" err="1" smtClean="0">
-                <a:latin typeface="Consolas" panose="020B0609020204030204" pitchFamily="49" charset="0"/>
-                <a:cs typeface="Consolas" panose="020B0609020204030204" pitchFamily="49" charset="0"/>
-              </a:rPr>
-              <a:t>game.add.tilemap</a:t>
-            </a:r>
-            <a:r>
-              <a:rPr lang="en-US" sz="2000" dirty="0" smtClean="0">
-                <a:latin typeface="Consolas" panose="020B0609020204030204" pitchFamily="49" charset="0"/>
-                <a:cs typeface="Consolas" panose="020B0609020204030204" pitchFamily="49" charset="0"/>
-              </a:rPr>
-              <a:t>("</a:t>
-            </a:r>
-            <a:r>
-              <a:rPr lang="en-US" sz="2000" dirty="0" err="1" smtClean="0">
-                <a:latin typeface="Consolas" panose="020B0609020204030204" pitchFamily="49" charset="0"/>
-                <a:cs typeface="Consolas" panose="020B0609020204030204" pitchFamily="49" charset="0"/>
-              </a:rPr>
-              <a:t>codem</a:t>
-            </a:r>
-            <a:r>
-              <a:rPr lang="en-US" sz="2000" dirty="0" smtClean="0">
-                <a:latin typeface="Consolas" panose="020B0609020204030204" pitchFamily="49" charset="0"/>
-                <a:cs typeface="Consolas" panose="020B0609020204030204" pitchFamily="49" charset="0"/>
-              </a:rPr>
-              <a:t>");</a:t>
-            </a:r>
-          </a:p>
-          <a:p>
-            <a:pPr marL="0" indent="0">
-              <a:lnSpc>
-                <a:spcPct val="120000"/>
-              </a:lnSpc>
-              <a:spcBef>
-                <a:spcPts val="0"/>
-              </a:spcBef>
-              <a:buNone/>
-            </a:pPr>
-            <a:r>
-              <a:rPr lang="en-US" sz="2000" dirty="0" smtClean="0">
-                <a:latin typeface="Consolas" panose="020B0609020204030204" pitchFamily="49" charset="0"/>
-                <a:cs typeface="Consolas" panose="020B0609020204030204" pitchFamily="49" charset="0"/>
-              </a:rPr>
-              <a:t>	</a:t>
-            </a:r>
-            <a:r>
-              <a:rPr lang="en-US" sz="2000" dirty="0" err="1" smtClean="0">
-                <a:latin typeface="Consolas" panose="020B0609020204030204" pitchFamily="49" charset="0"/>
-                <a:cs typeface="Consolas" panose="020B0609020204030204" pitchFamily="49" charset="0"/>
-              </a:rPr>
-              <a:t>map.addTilesetImage</a:t>
-            </a:r>
-            <a:r>
-              <a:rPr lang="en-US" sz="2000" dirty="0" smtClean="0">
-                <a:latin typeface="Consolas" panose="020B0609020204030204" pitchFamily="49" charset="0"/>
-                <a:cs typeface="Consolas" panose="020B0609020204030204" pitchFamily="49" charset="0"/>
-              </a:rPr>
-              <a:t>("block");</a:t>
-            </a:r>
-          </a:p>
-          <a:p>
-            <a:pPr marL="0" indent="0">
-              <a:lnSpc>
-                <a:spcPct val="120000"/>
-              </a:lnSpc>
-              <a:spcBef>
-                <a:spcPts val="0"/>
-              </a:spcBef>
-              <a:buNone/>
-            </a:pPr>
-            <a:r>
-              <a:rPr lang="en-US" sz="2000" dirty="0" smtClean="0">
-                <a:latin typeface="Consolas" panose="020B0609020204030204" pitchFamily="49" charset="0"/>
-                <a:cs typeface="Consolas" panose="020B0609020204030204" pitchFamily="49" charset="0"/>
-              </a:rPr>
-              <a:t>	</a:t>
-            </a:r>
-            <a:r>
-              <a:rPr lang="en-US" sz="2000" dirty="0" err="1" smtClean="0">
-                <a:latin typeface="Consolas" panose="020B0609020204030204" pitchFamily="49" charset="0"/>
-                <a:cs typeface="Consolas" panose="020B0609020204030204" pitchFamily="49" charset="0"/>
-              </a:rPr>
-              <a:t>map.setCollisionByExclusion</a:t>
-            </a:r>
-            <a:r>
-              <a:rPr lang="en-US" sz="2000" dirty="0" smtClean="0">
-                <a:latin typeface="Consolas" panose="020B0609020204030204" pitchFamily="49" charset="0"/>
-                <a:cs typeface="Consolas" panose="020B0609020204030204" pitchFamily="49" charset="0"/>
-              </a:rPr>
-              <a:t>([]);</a:t>
-            </a:r>
-          </a:p>
-          <a:p>
-            <a:pPr marL="0" indent="0">
-              <a:lnSpc>
-                <a:spcPct val="120000"/>
-              </a:lnSpc>
-              <a:spcBef>
-                <a:spcPts val="0"/>
-              </a:spcBef>
-              <a:buNone/>
-            </a:pPr>
-            <a:r>
-              <a:rPr lang="en-US" sz="2000" dirty="0" smtClean="0">
-                <a:latin typeface="Consolas" panose="020B0609020204030204" pitchFamily="49" charset="0"/>
-                <a:cs typeface="Consolas" panose="020B0609020204030204" pitchFamily="49" charset="0"/>
-              </a:rPr>
-              <a:t>	layer = </a:t>
-            </a:r>
-            <a:r>
-              <a:rPr lang="en-US" sz="2000" dirty="0" err="1" smtClean="0">
-                <a:latin typeface="Consolas" panose="020B0609020204030204" pitchFamily="49" charset="0"/>
-                <a:cs typeface="Consolas" panose="020B0609020204030204" pitchFamily="49" charset="0"/>
-              </a:rPr>
-              <a:t>map.createLayer</a:t>
-            </a:r>
-            <a:r>
-              <a:rPr lang="en-US" sz="2000" dirty="0" smtClean="0">
-                <a:latin typeface="Consolas" panose="020B0609020204030204" pitchFamily="49" charset="0"/>
-                <a:cs typeface="Consolas" panose="020B0609020204030204" pitchFamily="49" charset="0"/>
-              </a:rPr>
-              <a:t>("</a:t>
-            </a:r>
-            <a:r>
-              <a:rPr lang="en-US" sz="2000" dirty="0" err="1" smtClean="0">
-                <a:latin typeface="Consolas" panose="020B0609020204030204" pitchFamily="49" charset="0"/>
-                <a:cs typeface="Consolas" panose="020B0609020204030204" pitchFamily="49" charset="0"/>
-              </a:rPr>
-              <a:t>codemotion</a:t>
-            </a:r>
-            <a:r>
-              <a:rPr lang="en-US" sz="2000" dirty="0" smtClean="0">
-                <a:latin typeface="Consolas" panose="020B0609020204030204" pitchFamily="49" charset="0"/>
-                <a:cs typeface="Consolas" panose="020B0609020204030204" pitchFamily="49" charset="0"/>
-              </a:rPr>
-              <a:t>");</a:t>
-            </a:r>
-          </a:p>
-          <a:p>
-            <a:pPr marL="0" indent="0">
-              <a:lnSpc>
-                <a:spcPct val="120000"/>
-              </a:lnSpc>
-              <a:spcBef>
-                <a:spcPts val="0"/>
-              </a:spcBef>
-              <a:buNone/>
-            </a:pPr>
-            <a:r>
-              <a:rPr lang="en-US" sz="2000" dirty="0" smtClean="0">
-                <a:latin typeface="Consolas" panose="020B0609020204030204" pitchFamily="49" charset="0"/>
-                <a:cs typeface="Consolas" panose="020B0609020204030204" pitchFamily="49" charset="0"/>
-              </a:rPr>
-              <a:t>	</a:t>
-            </a:r>
-            <a:r>
-              <a:rPr lang="en-US" sz="2000" dirty="0" err="1" smtClean="0">
-                <a:latin typeface="Consolas" panose="020B0609020204030204" pitchFamily="49" charset="0"/>
-                <a:cs typeface="Consolas" panose="020B0609020204030204" pitchFamily="49" charset="0"/>
-              </a:rPr>
-              <a:t>layer.resizeWorld</a:t>
-            </a:r>
-            <a:r>
-              <a:rPr lang="en-US" sz="2000" dirty="0" smtClean="0">
-                <a:latin typeface="Consolas" panose="020B0609020204030204" pitchFamily="49" charset="0"/>
-                <a:cs typeface="Consolas" panose="020B0609020204030204" pitchFamily="49" charset="0"/>
-              </a:rPr>
-              <a:t>();</a:t>
-            </a:r>
-            <a:br>
-              <a:rPr lang="en-US" sz="2000" dirty="0" smtClean="0">
-                <a:latin typeface="Consolas" panose="020B0609020204030204" pitchFamily="49" charset="0"/>
-                <a:cs typeface="Consolas" panose="020B0609020204030204" pitchFamily="49" charset="0"/>
-              </a:rPr>
-            </a:br>
-            <a:r>
-              <a:rPr lang="en-US" sz="2000" dirty="0" smtClean="0">
-                <a:latin typeface="Consolas" panose="020B0609020204030204" pitchFamily="49" charset="0"/>
-                <a:cs typeface="Consolas" panose="020B0609020204030204" pitchFamily="49" charset="0"/>
-              </a:rPr>
-              <a:t>}</a:t>
-            </a:r>
+              <a:rPr lang="en-GB" dirty="0" smtClean="0"/>
+              <a:t>)</a:t>
+            </a:r>
+            <a:endParaRPr lang="en-US" dirty="0" smtClean="0"/>
           </a:p>
         </p:txBody>
       </p:sp>
@@ -7804,14 +7754,14 @@
               <a:rPr lang="it-IT" smtClean="0"/>
               <a:t>17</a:t>
             </a:fld>
-            <a:endParaRPr lang="it-IT" dirty="0"/>
+            <a:endParaRPr lang="it-IT"/>
           </a:p>
         </p:txBody>
       </p:sp>
     </p:spTree>
     <p:extLst>
       <p:ext uri="{BB962C8B-B14F-4D97-AF65-F5344CB8AC3E}">
-        <p14:creationId xmlns:p14="http://schemas.microsoft.com/office/powerpoint/2010/main" val="1160956334"/>
+        <p14:creationId xmlns:p14="http://schemas.microsoft.com/office/powerpoint/2010/main" val="4097671932"/>
       </p:ext>
     </p:extLst>
   </p:cSld>
@@ -7864,8 +7814,8 @@
           <a:p>
             <a:pPr algn="ctr"/>
             <a:r>
-              <a:rPr lang="en-US" sz="4000" dirty="0" smtClean="0"/>
-              <a:t>Input</a:t>
+              <a:rPr lang="en-US" sz="4000" dirty="0" err="1" smtClean="0"/>
+              <a:t>Tilemap</a:t>
             </a:r>
             <a:endParaRPr lang="en-US" sz="4000" dirty="0"/>
           </a:p>
@@ -7884,7 +7834,7 @@
         <p:spPr/>
         <p:txBody>
           <a:bodyPr>
-            <a:normAutofit/>
+            <a:normAutofit fontScale="92500" lnSpcReduction="10000"/>
           </a:bodyPr>
           <a:lstStyle/>
           <a:p>
@@ -7898,90 +7848,383 @@
               <a:buNone/>
             </a:pPr>
             <a:r>
-              <a:rPr lang="en-US" dirty="0" smtClean="0">
-                <a:cs typeface="Consolas" panose="020B0609020204030204" pitchFamily="49" charset="0"/>
-              </a:rPr>
-              <a:t>Phaser supports natively</a:t>
-            </a:r>
-          </a:p>
-          <a:p>
-            <a:pPr>
+              <a:rPr lang="en-US" sz="2000" dirty="0" smtClean="0">
+                <a:latin typeface="Consolas" panose="020B0609020204030204" pitchFamily="49" charset="0"/>
+                <a:cs typeface="Consolas" panose="020B0609020204030204" pitchFamily="49" charset="0"/>
+              </a:rPr>
+              <a:t>function preload() {</a:t>
+            </a:r>
+          </a:p>
+          <a:p>
+            <a:pPr marL="0" indent="0">
               <a:lnSpc>
                 <a:spcPct val="120000"/>
               </a:lnSpc>
               <a:spcBef>
                 <a:spcPts val="0"/>
               </a:spcBef>
+              <a:buNone/>
             </a:pPr>
             <a:r>
-              <a:rPr lang="en-US" dirty="0" smtClean="0">
-                <a:cs typeface="Consolas" panose="020B0609020204030204" pitchFamily="49" charset="0"/>
-              </a:rPr>
-              <a:t>Keyboard</a:t>
-            </a:r>
-          </a:p>
-          <a:p>
-            <a:pPr>
+              <a:rPr lang="en-US" sz="2000" dirty="0" smtClean="0">
+                <a:latin typeface="Consolas" panose="020B0609020204030204" pitchFamily="49" charset="0"/>
+                <a:cs typeface="Consolas" panose="020B0609020204030204" pitchFamily="49" charset="0"/>
+              </a:rPr>
+              <a:t>	</a:t>
+            </a:r>
+            <a:r>
+              <a:rPr lang="en-US" sz="2000" dirty="0" err="1" smtClean="0">
+                <a:latin typeface="Consolas" panose="020B0609020204030204" pitchFamily="49" charset="0"/>
+                <a:cs typeface="Consolas" panose="020B0609020204030204" pitchFamily="49" charset="0"/>
+              </a:rPr>
+              <a:t>game.load.tilemap</a:t>
+            </a:r>
+            <a:r>
+              <a:rPr lang="en-US" sz="2000" dirty="0" smtClean="0">
+                <a:latin typeface="Consolas" panose="020B0609020204030204" pitchFamily="49" charset="0"/>
+                <a:cs typeface="Consolas" panose="020B0609020204030204" pitchFamily="49" charset="0"/>
+              </a:rPr>
+              <a:t>('</a:t>
+            </a:r>
+            <a:r>
+              <a:rPr lang="en-US" sz="2000" dirty="0" err="1" smtClean="0">
+                <a:latin typeface="Consolas" panose="020B0609020204030204" pitchFamily="49" charset="0"/>
+                <a:cs typeface="Consolas" panose="020B0609020204030204" pitchFamily="49" charset="0"/>
+              </a:rPr>
+              <a:t>codem</a:t>
+            </a:r>
+            <a:r>
+              <a:rPr lang="en-US" sz="2000" dirty="0" smtClean="0">
+                <a:latin typeface="Consolas" panose="020B0609020204030204" pitchFamily="49" charset="0"/>
+                <a:cs typeface="Consolas" panose="020B0609020204030204" pitchFamily="49" charset="0"/>
+              </a:rPr>
+              <a:t>', '</a:t>
+            </a:r>
+            <a:r>
+              <a:rPr lang="en-US" sz="2000" dirty="0" err="1" smtClean="0">
+                <a:latin typeface="Consolas" panose="020B0609020204030204" pitchFamily="49" charset="0"/>
+                <a:cs typeface="Consolas" panose="020B0609020204030204" pitchFamily="49" charset="0"/>
+              </a:rPr>
+              <a:t>tilemap</a:t>
+            </a:r>
+            <a:r>
+              <a:rPr lang="en-US" sz="2000" dirty="0" smtClean="0">
+                <a:latin typeface="Consolas" panose="020B0609020204030204" pitchFamily="49" charset="0"/>
+                <a:cs typeface="Consolas" panose="020B0609020204030204" pitchFamily="49" charset="0"/>
+              </a:rPr>
+              <a:t>/</a:t>
+            </a:r>
+            <a:r>
+              <a:rPr lang="en-US" sz="2000" dirty="0" err="1" smtClean="0">
+                <a:latin typeface="Consolas" panose="020B0609020204030204" pitchFamily="49" charset="0"/>
+                <a:cs typeface="Consolas" panose="020B0609020204030204" pitchFamily="49" charset="0"/>
+              </a:rPr>
+              <a:t>codem.json</a:t>
+            </a:r>
+            <a:r>
+              <a:rPr lang="en-US" sz="2000" dirty="0" smtClean="0">
+                <a:latin typeface="Consolas" panose="020B0609020204030204" pitchFamily="49" charset="0"/>
+                <a:cs typeface="Consolas" panose="020B0609020204030204" pitchFamily="49" charset="0"/>
+              </a:rPr>
+              <a:t>', null, </a:t>
+            </a:r>
+            <a:r>
+              <a:rPr lang="en-US" sz="2000" dirty="0" err="1" smtClean="0">
+                <a:latin typeface="Consolas" panose="020B0609020204030204" pitchFamily="49" charset="0"/>
+                <a:cs typeface="Consolas" panose="020B0609020204030204" pitchFamily="49" charset="0"/>
+              </a:rPr>
+              <a:t>Phaser.Tilemap.TILED_JSON</a:t>
+            </a:r>
+            <a:r>
+              <a:rPr lang="en-US" sz="2000" dirty="0" smtClean="0">
+                <a:latin typeface="Consolas" panose="020B0609020204030204" pitchFamily="49" charset="0"/>
+                <a:cs typeface="Consolas" panose="020B0609020204030204" pitchFamily="49" charset="0"/>
+              </a:rPr>
+              <a:t>);</a:t>
+            </a:r>
+          </a:p>
+          <a:p>
+            <a:pPr marL="0" indent="0">
               <a:lnSpc>
                 <a:spcPct val="120000"/>
               </a:lnSpc>
               <a:spcBef>
                 <a:spcPts val="0"/>
               </a:spcBef>
+              <a:buNone/>
             </a:pPr>
             <a:r>
-              <a:rPr lang="en-US" dirty="0" smtClean="0">
-                <a:cs typeface="Consolas" panose="020B0609020204030204" pitchFamily="49" charset="0"/>
-              </a:rPr>
-              <a:t>Mouse</a:t>
-            </a:r>
-          </a:p>
-          <a:p>
-            <a:pPr>
+              <a:rPr lang="en-US" sz="2000" dirty="0" smtClean="0">
+                <a:latin typeface="Consolas" panose="020B0609020204030204" pitchFamily="49" charset="0"/>
+                <a:cs typeface="Consolas" panose="020B0609020204030204" pitchFamily="49" charset="0"/>
+              </a:rPr>
+              <a:t>	</a:t>
+            </a:r>
+            <a:r>
+              <a:rPr lang="en-US" sz="2000" dirty="0" err="1" smtClean="0">
+                <a:latin typeface="Consolas" panose="020B0609020204030204" pitchFamily="49" charset="0"/>
+                <a:cs typeface="Consolas" panose="020B0609020204030204" pitchFamily="49" charset="0"/>
+              </a:rPr>
+              <a:t>game.load.image</a:t>
+            </a:r>
+            <a:r>
+              <a:rPr lang="en-US" sz="2000" dirty="0" smtClean="0">
+                <a:latin typeface="Consolas" panose="020B0609020204030204" pitchFamily="49" charset="0"/>
+                <a:cs typeface="Consolas" panose="020B0609020204030204" pitchFamily="49" charset="0"/>
+              </a:rPr>
+              <a:t>('block', 'sprites/block.gif');</a:t>
+            </a:r>
+          </a:p>
+          <a:p>
+            <a:pPr marL="0" indent="0">
               <a:lnSpc>
                 <a:spcPct val="120000"/>
               </a:lnSpc>
               <a:spcBef>
                 <a:spcPts val="0"/>
               </a:spcBef>
+              <a:buNone/>
             </a:pPr>
             <a:r>
-              <a:rPr lang="en-US" dirty="0" smtClean="0">
-                <a:cs typeface="Consolas" panose="020B0609020204030204" pitchFamily="49" charset="0"/>
-              </a:rPr>
-              <a:t>Multi-touch</a:t>
-            </a:r>
-          </a:p>
-          <a:p>
-            <a:pPr>
+              <a:rPr lang="en-US" sz="2000" dirty="0" smtClean="0">
+                <a:latin typeface="Consolas" panose="020B0609020204030204" pitchFamily="49" charset="0"/>
+                <a:cs typeface="Consolas" panose="020B0609020204030204" pitchFamily="49" charset="0"/>
+              </a:rPr>
+              <a:t>}</a:t>
+            </a:r>
+          </a:p>
+          <a:p>
+            <a:pPr marL="0" indent="0">
               <a:lnSpc>
                 <a:spcPct val="120000"/>
               </a:lnSpc>
               <a:spcBef>
                 <a:spcPts val="0"/>
               </a:spcBef>
+              <a:buNone/>
             </a:pPr>
-            <a:r>
-              <a:rPr lang="en-US" dirty="0" smtClean="0">
-                <a:cs typeface="Consolas" panose="020B0609020204030204" pitchFamily="49" charset="0"/>
-              </a:rPr>
-              <a:t>Gamepads (up to four, each one with 10 axis and 16 buttons)</a:t>
-            </a:r>
-          </a:p>
-          <a:p>
-            <a:pPr>
+            <a:endParaRPr lang="en-US" sz="2000" dirty="0" smtClean="0">
+              <a:latin typeface="Consolas" panose="020B0609020204030204" pitchFamily="49" charset="0"/>
+              <a:cs typeface="Consolas" panose="020B0609020204030204" pitchFamily="49" charset="0"/>
+            </a:endParaRPr>
+          </a:p>
+          <a:p>
+            <a:pPr marL="0" indent="0">
               <a:lnSpc>
                 <a:spcPct val="120000"/>
               </a:lnSpc>
               <a:spcBef>
                 <a:spcPts val="0"/>
               </a:spcBef>
+              <a:buNone/>
             </a:pPr>
             <a:r>
-              <a:rPr lang="en-US" dirty="0" smtClean="0">
-                <a:cs typeface="Consolas" panose="020B0609020204030204" pitchFamily="49" charset="0"/>
-              </a:rPr>
-              <a:t>Supports even Xbox 360 gamepad! (button mapping depends on browser :\ )</a:t>
+              <a:rPr lang="en-US" sz="2000" dirty="0" smtClean="0">
+                <a:latin typeface="Consolas" panose="020B0609020204030204" pitchFamily="49" charset="0"/>
+                <a:cs typeface="Consolas" panose="020B0609020204030204" pitchFamily="49" charset="0"/>
+              </a:rPr>
+              <a:t>function create() {</a:t>
+            </a:r>
+          </a:p>
+          <a:p>
+            <a:pPr marL="0" indent="0">
+              <a:lnSpc>
+                <a:spcPct val="120000"/>
+              </a:lnSpc>
+              <a:spcBef>
+                <a:spcPts val="0"/>
+              </a:spcBef>
+              <a:buNone/>
+            </a:pPr>
+            <a:r>
+              <a:rPr lang="en-US" sz="2000" dirty="0" smtClean="0">
+                <a:latin typeface="Consolas" panose="020B0609020204030204" pitchFamily="49" charset="0"/>
+                <a:cs typeface="Consolas" panose="020B0609020204030204" pitchFamily="49" charset="0"/>
+              </a:rPr>
+              <a:t>	map = </a:t>
+            </a:r>
+            <a:r>
+              <a:rPr lang="en-US" sz="2000" dirty="0" err="1" smtClean="0">
+                <a:latin typeface="Consolas" panose="020B0609020204030204" pitchFamily="49" charset="0"/>
+                <a:cs typeface="Consolas" panose="020B0609020204030204" pitchFamily="49" charset="0"/>
+              </a:rPr>
+              <a:t>game.add.tilemap</a:t>
+            </a:r>
+            <a:r>
+              <a:rPr lang="en-US" sz="2000" dirty="0" smtClean="0">
+                <a:latin typeface="Consolas" panose="020B0609020204030204" pitchFamily="49" charset="0"/>
+                <a:cs typeface="Consolas" panose="020B0609020204030204" pitchFamily="49" charset="0"/>
+              </a:rPr>
+              <a:t>("</a:t>
+            </a:r>
+            <a:r>
+              <a:rPr lang="en-US" sz="2000" dirty="0" err="1" smtClean="0">
+                <a:latin typeface="Consolas" panose="020B0609020204030204" pitchFamily="49" charset="0"/>
+                <a:cs typeface="Consolas" panose="020B0609020204030204" pitchFamily="49" charset="0"/>
+              </a:rPr>
+              <a:t>codem</a:t>
+            </a:r>
+            <a:r>
+              <a:rPr lang="en-US" sz="2000" dirty="0" smtClean="0">
+                <a:latin typeface="Consolas" panose="020B0609020204030204" pitchFamily="49" charset="0"/>
+                <a:cs typeface="Consolas" panose="020B0609020204030204" pitchFamily="49" charset="0"/>
+              </a:rPr>
+              <a:t>");</a:t>
+            </a:r>
+          </a:p>
+          <a:p>
+            <a:pPr marL="0" indent="0">
+              <a:lnSpc>
+                <a:spcPct val="120000"/>
+              </a:lnSpc>
+              <a:spcBef>
+                <a:spcPts val="0"/>
+              </a:spcBef>
+              <a:buNone/>
+            </a:pPr>
+            <a:r>
+              <a:rPr lang="en-US" sz="2000" dirty="0" smtClean="0">
+                <a:latin typeface="Consolas" panose="020B0609020204030204" pitchFamily="49" charset="0"/>
+                <a:cs typeface="Consolas" panose="020B0609020204030204" pitchFamily="49" charset="0"/>
+              </a:rPr>
+              <a:t>	</a:t>
+            </a:r>
+            <a:r>
+              <a:rPr lang="en-US" sz="2000" dirty="0" err="1" smtClean="0">
+                <a:latin typeface="Consolas" panose="020B0609020204030204" pitchFamily="49" charset="0"/>
+                <a:cs typeface="Consolas" panose="020B0609020204030204" pitchFamily="49" charset="0"/>
+              </a:rPr>
+              <a:t>map.addTilesetImage</a:t>
+            </a:r>
+            <a:r>
+              <a:rPr lang="en-US" sz="2000" dirty="0" smtClean="0">
+                <a:latin typeface="Consolas" panose="020B0609020204030204" pitchFamily="49" charset="0"/>
+                <a:cs typeface="Consolas" panose="020B0609020204030204" pitchFamily="49" charset="0"/>
+              </a:rPr>
+              <a:t>("block");</a:t>
+            </a:r>
+          </a:p>
+          <a:p>
+            <a:pPr marL="0" indent="0">
+              <a:lnSpc>
+                <a:spcPct val="120000"/>
+              </a:lnSpc>
+              <a:spcBef>
+                <a:spcPts val="0"/>
+              </a:spcBef>
+              <a:buNone/>
+            </a:pPr>
+            <a:r>
+              <a:rPr lang="en-US" sz="2000" dirty="0" smtClean="0">
+                <a:latin typeface="Consolas" panose="020B0609020204030204" pitchFamily="49" charset="0"/>
+                <a:cs typeface="Consolas" panose="020B0609020204030204" pitchFamily="49" charset="0"/>
+              </a:rPr>
+              <a:t>	</a:t>
+            </a:r>
+            <a:r>
+              <a:rPr lang="en-US" sz="2000" dirty="0" err="1" smtClean="0">
+                <a:latin typeface="Consolas" panose="020B0609020204030204" pitchFamily="49" charset="0"/>
+                <a:cs typeface="Consolas" panose="020B0609020204030204" pitchFamily="49" charset="0"/>
+              </a:rPr>
+              <a:t>map.setCollisionByExclusion</a:t>
+            </a:r>
+            <a:r>
+              <a:rPr lang="en-US" sz="2000" dirty="0" smtClean="0">
+                <a:latin typeface="Consolas" panose="020B0609020204030204" pitchFamily="49" charset="0"/>
+                <a:cs typeface="Consolas" panose="020B0609020204030204" pitchFamily="49" charset="0"/>
+              </a:rPr>
+              <a:t>([]);</a:t>
+            </a:r>
+          </a:p>
+          <a:p>
+            <a:pPr marL="0" indent="0">
+              <a:lnSpc>
+                <a:spcPct val="120000"/>
+              </a:lnSpc>
+              <a:spcBef>
+                <a:spcPts val="0"/>
+              </a:spcBef>
+              <a:buNone/>
+            </a:pPr>
+            <a:r>
+              <a:rPr lang="en-US" sz="2000" dirty="0" smtClean="0">
+                <a:latin typeface="Consolas" panose="020B0609020204030204" pitchFamily="49" charset="0"/>
+                <a:cs typeface="Consolas" panose="020B0609020204030204" pitchFamily="49" charset="0"/>
+              </a:rPr>
+              <a:t>	layer = </a:t>
+            </a:r>
+            <a:r>
+              <a:rPr lang="en-US" sz="2000" dirty="0" err="1" smtClean="0">
+                <a:latin typeface="Consolas" panose="020B0609020204030204" pitchFamily="49" charset="0"/>
+                <a:cs typeface="Consolas" panose="020B0609020204030204" pitchFamily="49" charset="0"/>
+              </a:rPr>
+              <a:t>map.createLayer</a:t>
+            </a:r>
+            <a:r>
+              <a:rPr lang="en-US" sz="2000" dirty="0" smtClean="0">
+                <a:latin typeface="Consolas" panose="020B0609020204030204" pitchFamily="49" charset="0"/>
+                <a:cs typeface="Consolas" panose="020B0609020204030204" pitchFamily="49" charset="0"/>
+              </a:rPr>
+              <a:t>("</a:t>
+            </a:r>
+            <a:r>
+              <a:rPr lang="en-US" sz="2000" dirty="0" err="1" smtClean="0">
+                <a:latin typeface="Consolas" panose="020B0609020204030204" pitchFamily="49" charset="0"/>
+                <a:cs typeface="Consolas" panose="020B0609020204030204" pitchFamily="49" charset="0"/>
+              </a:rPr>
+              <a:t>codemotion</a:t>
+            </a:r>
+            <a:r>
+              <a:rPr lang="en-US" sz="2000" dirty="0" smtClean="0">
+                <a:latin typeface="Consolas" panose="020B0609020204030204" pitchFamily="49" charset="0"/>
+                <a:cs typeface="Consolas" panose="020B0609020204030204" pitchFamily="49" charset="0"/>
+              </a:rPr>
+              <a:t>");</a:t>
+            </a:r>
+          </a:p>
+          <a:p>
+            <a:pPr marL="0" indent="0">
+              <a:lnSpc>
+                <a:spcPct val="120000"/>
+              </a:lnSpc>
+              <a:spcBef>
+                <a:spcPts val="0"/>
+              </a:spcBef>
+              <a:buNone/>
+            </a:pPr>
+            <a:r>
+              <a:rPr lang="en-US" sz="2000" dirty="0" smtClean="0">
+                <a:latin typeface="Consolas" panose="020B0609020204030204" pitchFamily="49" charset="0"/>
+                <a:cs typeface="Consolas" panose="020B0609020204030204" pitchFamily="49" charset="0"/>
+              </a:rPr>
+              <a:t>	</a:t>
+            </a:r>
+            <a:r>
+              <a:rPr lang="en-US" sz="2000" dirty="0" err="1" smtClean="0">
+                <a:latin typeface="Consolas" panose="020B0609020204030204" pitchFamily="49" charset="0"/>
+                <a:cs typeface="Consolas" panose="020B0609020204030204" pitchFamily="49" charset="0"/>
+              </a:rPr>
+              <a:t>layer.resizeWorld</a:t>
+            </a:r>
+            <a:r>
+              <a:rPr lang="en-US" sz="2000" dirty="0" smtClean="0">
+                <a:latin typeface="Consolas" panose="020B0609020204030204" pitchFamily="49" charset="0"/>
+                <a:cs typeface="Consolas" panose="020B0609020204030204" pitchFamily="49" charset="0"/>
+              </a:rPr>
+              <a:t>();</a:t>
+            </a:r>
+            <a:br>
+              <a:rPr lang="en-US" sz="2000" dirty="0" smtClean="0">
+                <a:latin typeface="Consolas" panose="020B0609020204030204" pitchFamily="49" charset="0"/>
+                <a:cs typeface="Consolas" panose="020B0609020204030204" pitchFamily="49" charset="0"/>
+              </a:rPr>
+            </a:br>
+            <a:r>
+              <a:rPr lang="en-US" sz="2000" dirty="0" smtClean="0">
+                <a:latin typeface="Consolas" panose="020B0609020204030204" pitchFamily="49" charset="0"/>
+                <a:cs typeface="Consolas" panose="020B0609020204030204" pitchFamily="49" charset="0"/>
+              </a:rPr>
+              <a:t>}</a:t>
             </a:r>
           </a:p>
         </p:txBody>
@@ -8048,7 +8291,7 @@
     </p:spTree>
     <p:extLst>
       <p:ext uri="{BB962C8B-B14F-4D97-AF65-F5344CB8AC3E}">
-        <p14:creationId xmlns:p14="http://schemas.microsoft.com/office/powerpoint/2010/main" val="635934165"/>
+        <p14:creationId xmlns:p14="http://schemas.microsoft.com/office/powerpoint/2010/main" val="1160956334"/>
       </p:ext>
     </p:extLst>
   </p:cSld>
@@ -8102,7 +8345,7 @@
             <a:pPr algn="ctr"/>
             <a:r>
               <a:rPr lang="en-US" sz="4000" dirty="0" smtClean="0"/>
-              <a:t>Input: Keyboard</a:t>
+              <a:t>Input</a:t>
             </a:r>
             <a:endParaRPr lang="en-US" sz="4000" dirty="0"/>
           </a:p>
@@ -8121,7 +8364,7 @@
         <p:spPr/>
         <p:txBody>
           <a:bodyPr>
-            <a:noAutofit/>
+            <a:normAutofit/>
           </a:bodyPr>
           <a:lstStyle/>
           <a:p>
@@ -8135,433 +8378,91 @@
               <a:buNone/>
             </a:pPr>
             <a:r>
-              <a:rPr lang="en-US" sz="1600" dirty="0">
-                <a:latin typeface="Consolas" panose="020B0609020204030204" pitchFamily="49" charset="0"/>
-                <a:cs typeface="Consolas" panose="020B0609020204030204" pitchFamily="49" charset="0"/>
-              </a:rPr>
-              <a:t>function update() {</a:t>
-            </a:r>
-          </a:p>
-          <a:p>
-            <a:pPr marL="0" indent="0">
+              <a:rPr lang="en-US" dirty="0" smtClean="0">
+                <a:cs typeface="Consolas" panose="020B0609020204030204" pitchFamily="49" charset="0"/>
+              </a:rPr>
+              <a:t>Phaser supports natively</a:t>
+            </a:r>
+          </a:p>
+          <a:p>
+            <a:pPr>
               <a:lnSpc>
                 <a:spcPct val="120000"/>
               </a:lnSpc>
               <a:spcBef>
                 <a:spcPts val="0"/>
               </a:spcBef>
-              <a:buNone/>
             </a:pPr>
             <a:r>
-              <a:rPr lang="en-US" sz="1600" dirty="0">
-                <a:latin typeface="Consolas" panose="020B0609020204030204" pitchFamily="49" charset="0"/>
-                <a:cs typeface="Consolas" panose="020B0609020204030204" pitchFamily="49" charset="0"/>
-              </a:rPr>
-              <a:t>    if (</a:t>
-            </a:r>
-            <a:r>
-              <a:rPr lang="en-US" sz="1600" dirty="0" err="1">
-                <a:latin typeface="Consolas" panose="020B0609020204030204" pitchFamily="49" charset="0"/>
-                <a:cs typeface="Consolas" panose="020B0609020204030204" pitchFamily="49" charset="0"/>
-              </a:rPr>
-              <a:t>game.input.keyboard.isDown</a:t>
-            </a:r>
-            <a:r>
-              <a:rPr lang="en-US" sz="1600" dirty="0">
-                <a:latin typeface="Consolas" panose="020B0609020204030204" pitchFamily="49" charset="0"/>
-                <a:cs typeface="Consolas" panose="020B0609020204030204" pitchFamily="49" charset="0"/>
-              </a:rPr>
-              <a:t>(</a:t>
-            </a:r>
-            <a:r>
-              <a:rPr lang="en-US" sz="1600" dirty="0" err="1">
-                <a:latin typeface="Consolas" panose="020B0609020204030204" pitchFamily="49" charset="0"/>
-                <a:cs typeface="Consolas" panose="020B0609020204030204" pitchFamily="49" charset="0"/>
-              </a:rPr>
-              <a:t>Phaser.Keyboard.UP</a:t>
-            </a:r>
-            <a:r>
-              <a:rPr lang="en-US" sz="1600" dirty="0">
-                <a:latin typeface="Consolas" panose="020B0609020204030204" pitchFamily="49" charset="0"/>
-                <a:cs typeface="Consolas" panose="020B0609020204030204" pitchFamily="49" charset="0"/>
-              </a:rPr>
-              <a:t>)) {</a:t>
-            </a:r>
-          </a:p>
-          <a:p>
-            <a:pPr marL="0" indent="0">
+              <a:rPr lang="en-US" dirty="0" smtClean="0">
+                <a:cs typeface="Consolas" panose="020B0609020204030204" pitchFamily="49" charset="0"/>
+              </a:rPr>
+              <a:t>Keyboard</a:t>
+            </a:r>
+          </a:p>
+          <a:p>
+            <a:pPr>
               <a:lnSpc>
                 <a:spcPct val="120000"/>
               </a:lnSpc>
               <a:spcBef>
                 <a:spcPts val="0"/>
               </a:spcBef>
-              <a:buNone/>
             </a:pPr>
             <a:r>
-              <a:rPr lang="en-US" sz="1600" dirty="0">
-                <a:latin typeface="Consolas" panose="020B0609020204030204" pitchFamily="49" charset="0"/>
-                <a:cs typeface="Consolas" panose="020B0609020204030204" pitchFamily="49" charset="0"/>
-              </a:rPr>
-              <a:t>        </a:t>
-            </a:r>
-            <a:r>
-              <a:rPr lang="en-US" sz="1600" dirty="0" err="1">
-                <a:latin typeface="Consolas" panose="020B0609020204030204" pitchFamily="49" charset="0"/>
-                <a:cs typeface="Consolas" panose="020B0609020204030204" pitchFamily="49" charset="0"/>
-              </a:rPr>
-              <a:t>ufo.y</a:t>
-            </a:r>
-            <a:r>
-              <a:rPr lang="en-US" sz="1600" dirty="0">
-                <a:latin typeface="Consolas" panose="020B0609020204030204" pitchFamily="49" charset="0"/>
-                <a:cs typeface="Consolas" panose="020B0609020204030204" pitchFamily="49" charset="0"/>
-              </a:rPr>
-              <a:t> -= speed;</a:t>
-            </a:r>
-          </a:p>
-          <a:p>
-            <a:pPr marL="0" indent="0">
+              <a:rPr lang="en-US" dirty="0" smtClean="0">
+                <a:cs typeface="Consolas" panose="020B0609020204030204" pitchFamily="49" charset="0"/>
+              </a:rPr>
+              <a:t>Mouse</a:t>
+            </a:r>
+          </a:p>
+          <a:p>
+            <a:pPr>
               <a:lnSpc>
                 <a:spcPct val="120000"/>
               </a:lnSpc>
               <a:spcBef>
                 <a:spcPts val="0"/>
               </a:spcBef>
-              <a:buNone/>
             </a:pPr>
             <a:r>
-              <a:rPr lang="en-US" sz="1600" dirty="0">
-                <a:latin typeface="Consolas" panose="020B0609020204030204" pitchFamily="49" charset="0"/>
-                <a:cs typeface="Consolas" panose="020B0609020204030204" pitchFamily="49" charset="0"/>
-              </a:rPr>
-              <a:t>    }</a:t>
-            </a:r>
-          </a:p>
-          <a:p>
-            <a:pPr marL="0" indent="0">
+              <a:rPr lang="en-US" dirty="0" smtClean="0">
+                <a:cs typeface="Consolas" panose="020B0609020204030204" pitchFamily="49" charset="0"/>
+              </a:rPr>
+              <a:t>Multi-touch</a:t>
+            </a:r>
+          </a:p>
+          <a:p>
+            <a:pPr>
               <a:lnSpc>
                 <a:spcPct val="120000"/>
               </a:lnSpc>
               <a:spcBef>
                 <a:spcPts val="0"/>
               </a:spcBef>
-              <a:buNone/>
             </a:pPr>
             <a:r>
-              <a:rPr lang="en-US" sz="1600" dirty="0">
-                <a:latin typeface="Consolas" panose="020B0609020204030204" pitchFamily="49" charset="0"/>
-                <a:cs typeface="Consolas" panose="020B0609020204030204" pitchFamily="49" charset="0"/>
-              </a:rPr>
-              <a:t>    else if (</a:t>
-            </a:r>
-            <a:r>
-              <a:rPr lang="en-US" sz="1600" dirty="0" err="1">
-                <a:latin typeface="Consolas" panose="020B0609020204030204" pitchFamily="49" charset="0"/>
-                <a:cs typeface="Consolas" panose="020B0609020204030204" pitchFamily="49" charset="0"/>
-              </a:rPr>
-              <a:t>game.input.keyboard.isDown</a:t>
-            </a:r>
-            <a:r>
-              <a:rPr lang="en-US" sz="1600" dirty="0">
-                <a:latin typeface="Consolas" panose="020B0609020204030204" pitchFamily="49" charset="0"/>
-                <a:cs typeface="Consolas" panose="020B0609020204030204" pitchFamily="49" charset="0"/>
-              </a:rPr>
-              <a:t>(</a:t>
-            </a:r>
-            <a:r>
-              <a:rPr lang="en-US" sz="1600" dirty="0" err="1">
-                <a:latin typeface="Consolas" panose="020B0609020204030204" pitchFamily="49" charset="0"/>
-                <a:cs typeface="Consolas" panose="020B0609020204030204" pitchFamily="49" charset="0"/>
-              </a:rPr>
-              <a:t>Phaser.Keyboard.DOWN</a:t>
-            </a:r>
-            <a:r>
-              <a:rPr lang="en-US" sz="1600" dirty="0">
-                <a:latin typeface="Consolas" panose="020B0609020204030204" pitchFamily="49" charset="0"/>
-                <a:cs typeface="Consolas" panose="020B0609020204030204" pitchFamily="49" charset="0"/>
-              </a:rPr>
-              <a:t>)) {</a:t>
-            </a:r>
-          </a:p>
-          <a:p>
-            <a:pPr marL="0" indent="0">
+              <a:rPr lang="en-US" dirty="0" smtClean="0">
+                <a:cs typeface="Consolas" panose="020B0609020204030204" pitchFamily="49" charset="0"/>
+              </a:rPr>
+              <a:t>Gamepads (up to four, each one with 10 axis and 16 buttons)</a:t>
+            </a:r>
+          </a:p>
+          <a:p>
+            <a:pPr>
               <a:lnSpc>
                 <a:spcPct val="120000"/>
               </a:lnSpc>
               <a:spcBef>
                 <a:spcPts val="0"/>
               </a:spcBef>
-              <a:buNone/>
             </a:pPr>
             <a:r>
-              <a:rPr lang="en-US" sz="1600" dirty="0">
-                <a:latin typeface="Consolas" panose="020B0609020204030204" pitchFamily="49" charset="0"/>
-                <a:cs typeface="Consolas" panose="020B0609020204030204" pitchFamily="49" charset="0"/>
-              </a:rPr>
-              <a:t>        </a:t>
-            </a:r>
-            <a:r>
-              <a:rPr lang="en-US" sz="1600" dirty="0" err="1">
-                <a:latin typeface="Consolas" panose="020B0609020204030204" pitchFamily="49" charset="0"/>
-                <a:cs typeface="Consolas" panose="020B0609020204030204" pitchFamily="49" charset="0"/>
-              </a:rPr>
-              <a:t>ufo.y</a:t>
-            </a:r>
-            <a:r>
-              <a:rPr lang="en-US" sz="1600" dirty="0">
-                <a:latin typeface="Consolas" panose="020B0609020204030204" pitchFamily="49" charset="0"/>
-                <a:cs typeface="Consolas" panose="020B0609020204030204" pitchFamily="49" charset="0"/>
-              </a:rPr>
-              <a:t> += speed;</a:t>
-            </a:r>
-          </a:p>
-          <a:p>
-            <a:pPr marL="0" indent="0">
-              <a:lnSpc>
-                <a:spcPct val="120000"/>
-              </a:lnSpc>
-              <a:spcBef>
-                <a:spcPts val="0"/>
-              </a:spcBef>
-              <a:buNone/>
-            </a:pPr>
-            <a:r>
-              <a:rPr lang="en-US" sz="1600" dirty="0">
-                <a:latin typeface="Consolas" panose="020B0609020204030204" pitchFamily="49" charset="0"/>
-                <a:cs typeface="Consolas" panose="020B0609020204030204" pitchFamily="49" charset="0"/>
-              </a:rPr>
-              <a:t>    }</a:t>
-            </a:r>
-          </a:p>
-          <a:p>
-            <a:pPr marL="0" indent="0">
-              <a:lnSpc>
-                <a:spcPct val="120000"/>
-              </a:lnSpc>
-              <a:spcBef>
-                <a:spcPts val="0"/>
-              </a:spcBef>
-              <a:buNone/>
-            </a:pPr>
-            <a:endParaRPr lang="en-US" sz="1600" dirty="0">
-              <a:latin typeface="Consolas" panose="020B0609020204030204" pitchFamily="49" charset="0"/>
-              <a:cs typeface="Consolas" panose="020B0609020204030204" pitchFamily="49" charset="0"/>
-            </a:endParaRPr>
-          </a:p>
-          <a:p>
-            <a:pPr marL="0" indent="0">
-              <a:lnSpc>
-                <a:spcPct val="120000"/>
-              </a:lnSpc>
-              <a:spcBef>
-                <a:spcPts val="0"/>
-              </a:spcBef>
-              <a:buNone/>
-            </a:pPr>
-            <a:r>
-              <a:rPr lang="en-US" sz="1600" dirty="0">
-                <a:latin typeface="Consolas" panose="020B0609020204030204" pitchFamily="49" charset="0"/>
-                <a:cs typeface="Consolas" panose="020B0609020204030204" pitchFamily="49" charset="0"/>
-              </a:rPr>
-              <a:t>    if (</a:t>
-            </a:r>
-            <a:r>
-              <a:rPr lang="en-US" sz="1600" dirty="0" err="1">
-                <a:latin typeface="Consolas" panose="020B0609020204030204" pitchFamily="49" charset="0"/>
-                <a:cs typeface="Consolas" panose="020B0609020204030204" pitchFamily="49" charset="0"/>
-              </a:rPr>
-              <a:t>game.input.keyboard.isDown</a:t>
-            </a:r>
-            <a:r>
-              <a:rPr lang="en-US" sz="1600" dirty="0">
-                <a:latin typeface="Consolas" panose="020B0609020204030204" pitchFamily="49" charset="0"/>
-                <a:cs typeface="Consolas" panose="020B0609020204030204" pitchFamily="49" charset="0"/>
-              </a:rPr>
-              <a:t>(</a:t>
-            </a:r>
-            <a:r>
-              <a:rPr lang="en-US" sz="1600" dirty="0" err="1">
-                <a:latin typeface="Consolas" panose="020B0609020204030204" pitchFamily="49" charset="0"/>
-                <a:cs typeface="Consolas" panose="020B0609020204030204" pitchFamily="49" charset="0"/>
-              </a:rPr>
-              <a:t>Phaser.Keyboard.LEFT</a:t>
-            </a:r>
-            <a:r>
-              <a:rPr lang="en-US" sz="1600" dirty="0">
-                <a:latin typeface="Consolas" panose="020B0609020204030204" pitchFamily="49" charset="0"/>
-                <a:cs typeface="Consolas" panose="020B0609020204030204" pitchFamily="49" charset="0"/>
-              </a:rPr>
-              <a:t>)) {</a:t>
-            </a:r>
-          </a:p>
-          <a:p>
-            <a:pPr marL="0" indent="0">
-              <a:lnSpc>
-                <a:spcPct val="120000"/>
-              </a:lnSpc>
-              <a:spcBef>
-                <a:spcPts val="0"/>
-              </a:spcBef>
-              <a:buNone/>
-            </a:pPr>
-            <a:r>
-              <a:rPr lang="en-US" sz="1600" dirty="0">
-                <a:latin typeface="Consolas" panose="020B0609020204030204" pitchFamily="49" charset="0"/>
-                <a:cs typeface="Consolas" panose="020B0609020204030204" pitchFamily="49" charset="0"/>
-              </a:rPr>
-              <a:t>        </a:t>
-            </a:r>
-            <a:r>
-              <a:rPr lang="en-US" sz="1600" dirty="0" err="1">
-                <a:latin typeface="Consolas" panose="020B0609020204030204" pitchFamily="49" charset="0"/>
-                <a:cs typeface="Consolas" panose="020B0609020204030204" pitchFamily="49" charset="0"/>
-              </a:rPr>
-              <a:t>ufo.x</a:t>
-            </a:r>
-            <a:r>
-              <a:rPr lang="en-US" sz="1600" dirty="0">
-                <a:latin typeface="Consolas" panose="020B0609020204030204" pitchFamily="49" charset="0"/>
-                <a:cs typeface="Consolas" panose="020B0609020204030204" pitchFamily="49" charset="0"/>
-              </a:rPr>
-              <a:t> -= speed;</a:t>
-            </a:r>
-          </a:p>
-          <a:p>
-            <a:pPr marL="0" indent="0">
-              <a:lnSpc>
-                <a:spcPct val="120000"/>
-              </a:lnSpc>
-              <a:spcBef>
-                <a:spcPts val="0"/>
-              </a:spcBef>
-              <a:buNone/>
-            </a:pPr>
-            <a:r>
-              <a:rPr lang="en-US" sz="1600" dirty="0">
-                <a:latin typeface="Consolas" panose="020B0609020204030204" pitchFamily="49" charset="0"/>
-                <a:cs typeface="Consolas" panose="020B0609020204030204" pitchFamily="49" charset="0"/>
-              </a:rPr>
-              <a:t>    }</a:t>
-            </a:r>
-          </a:p>
-          <a:p>
-            <a:pPr marL="0" indent="0">
-              <a:lnSpc>
-                <a:spcPct val="120000"/>
-              </a:lnSpc>
-              <a:spcBef>
-                <a:spcPts val="0"/>
-              </a:spcBef>
-              <a:buNone/>
-            </a:pPr>
-            <a:r>
-              <a:rPr lang="en-US" sz="1600" dirty="0">
-                <a:latin typeface="Consolas" panose="020B0609020204030204" pitchFamily="49" charset="0"/>
-                <a:cs typeface="Consolas" panose="020B0609020204030204" pitchFamily="49" charset="0"/>
-              </a:rPr>
-              <a:t>    else if (</a:t>
-            </a:r>
-            <a:r>
-              <a:rPr lang="en-US" sz="1600" dirty="0" err="1">
-                <a:latin typeface="Consolas" panose="020B0609020204030204" pitchFamily="49" charset="0"/>
-                <a:cs typeface="Consolas" panose="020B0609020204030204" pitchFamily="49" charset="0"/>
-              </a:rPr>
-              <a:t>game.input.keyboard.isDown</a:t>
-            </a:r>
-            <a:r>
-              <a:rPr lang="en-US" sz="1600" dirty="0">
-                <a:latin typeface="Consolas" panose="020B0609020204030204" pitchFamily="49" charset="0"/>
-                <a:cs typeface="Consolas" panose="020B0609020204030204" pitchFamily="49" charset="0"/>
-              </a:rPr>
-              <a:t>(</a:t>
-            </a:r>
-            <a:r>
-              <a:rPr lang="en-US" sz="1600" dirty="0" err="1">
-                <a:latin typeface="Consolas" panose="020B0609020204030204" pitchFamily="49" charset="0"/>
-                <a:cs typeface="Consolas" panose="020B0609020204030204" pitchFamily="49" charset="0"/>
-              </a:rPr>
-              <a:t>Phaser.Keyboard.RIGHT</a:t>
-            </a:r>
-            <a:r>
-              <a:rPr lang="en-US" sz="1600" dirty="0">
-                <a:latin typeface="Consolas" panose="020B0609020204030204" pitchFamily="49" charset="0"/>
-                <a:cs typeface="Consolas" panose="020B0609020204030204" pitchFamily="49" charset="0"/>
-              </a:rPr>
-              <a:t>)) {</a:t>
-            </a:r>
-          </a:p>
-          <a:p>
-            <a:pPr marL="0" indent="0">
-              <a:lnSpc>
-                <a:spcPct val="120000"/>
-              </a:lnSpc>
-              <a:spcBef>
-                <a:spcPts val="0"/>
-              </a:spcBef>
-              <a:buNone/>
-            </a:pPr>
-            <a:r>
-              <a:rPr lang="en-US" sz="1600" dirty="0">
-                <a:latin typeface="Consolas" panose="020B0609020204030204" pitchFamily="49" charset="0"/>
-                <a:cs typeface="Consolas" panose="020B0609020204030204" pitchFamily="49" charset="0"/>
-              </a:rPr>
-              <a:t>        </a:t>
-            </a:r>
-            <a:r>
-              <a:rPr lang="en-US" sz="1600" dirty="0" err="1">
-                <a:latin typeface="Consolas" panose="020B0609020204030204" pitchFamily="49" charset="0"/>
-                <a:cs typeface="Consolas" panose="020B0609020204030204" pitchFamily="49" charset="0"/>
-              </a:rPr>
-              <a:t>ufo.x</a:t>
-            </a:r>
-            <a:r>
-              <a:rPr lang="en-US" sz="1600" dirty="0">
-                <a:latin typeface="Consolas" panose="020B0609020204030204" pitchFamily="49" charset="0"/>
-                <a:cs typeface="Consolas" panose="020B0609020204030204" pitchFamily="49" charset="0"/>
-              </a:rPr>
-              <a:t> += speed;</a:t>
-            </a:r>
-          </a:p>
-          <a:p>
-            <a:pPr marL="0" indent="0">
-              <a:lnSpc>
-                <a:spcPct val="120000"/>
-              </a:lnSpc>
-              <a:spcBef>
-                <a:spcPts val="0"/>
-              </a:spcBef>
-              <a:buNone/>
-            </a:pPr>
-            <a:r>
-              <a:rPr lang="en-US" sz="1600" dirty="0">
-                <a:latin typeface="Consolas" panose="020B0609020204030204" pitchFamily="49" charset="0"/>
-                <a:cs typeface="Consolas" panose="020B0609020204030204" pitchFamily="49" charset="0"/>
-              </a:rPr>
-              <a:t>    }</a:t>
-            </a:r>
-          </a:p>
-          <a:p>
-            <a:pPr marL="0" indent="0">
-              <a:lnSpc>
-                <a:spcPct val="120000"/>
-              </a:lnSpc>
-              <a:spcBef>
-                <a:spcPts val="0"/>
-              </a:spcBef>
-              <a:buNone/>
-            </a:pPr>
-            <a:r>
-              <a:rPr lang="en-US" sz="1600" dirty="0">
-                <a:latin typeface="Consolas" panose="020B0609020204030204" pitchFamily="49" charset="0"/>
-                <a:cs typeface="Consolas" panose="020B0609020204030204" pitchFamily="49" charset="0"/>
-              </a:rPr>
-              <a:t>}</a:t>
-            </a:r>
-            <a:endParaRPr lang="en-US" sz="1600" dirty="0" smtClean="0">
-              <a:latin typeface="Consolas" panose="020B0609020204030204" pitchFamily="49" charset="0"/>
-              <a:cs typeface="Consolas" panose="020B0609020204030204" pitchFamily="49" charset="0"/>
-            </a:endParaRPr>
+              <a:rPr lang="en-US" dirty="0" smtClean="0">
+                <a:cs typeface="Consolas" panose="020B0609020204030204" pitchFamily="49" charset="0"/>
+              </a:rPr>
+              <a:t>Supports even Xbox 360 gamepad! (button mapping depends on browser :\ )</a:t>
+            </a:r>
           </a:p>
         </p:txBody>
       </p:sp>
@@ -8627,7 +8528,7 @@
     </p:spTree>
     <p:extLst>
       <p:ext uri="{BB962C8B-B14F-4D97-AF65-F5344CB8AC3E}">
-        <p14:creationId xmlns:p14="http://schemas.microsoft.com/office/powerpoint/2010/main" val="100593303"/>
+        <p14:creationId xmlns:p14="http://schemas.microsoft.com/office/powerpoint/2010/main" val="635934165"/>
       </p:ext>
     </p:extLst>
   </p:cSld>
@@ -8708,13 +8609,8 @@
           <a:p>
             <a:r>
               <a:rPr lang="en-US" dirty="0" smtClean="0"/>
-              <a:t>Game developer @ Interactive Project </a:t>
-            </a:r>
-            <a:r>
-              <a:rPr lang="en-US" dirty="0" err="1" smtClean="0"/>
-              <a:t>srl</a:t>
-            </a:r>
-            <a:endParaRPr lang="en-US" dirty="0" smtClean="0"/>
+              <a:t>Game developer @ Interactive Project</a:t>
+            </a:r>
           </a:p>
           <a:p>
             <a:pPr lvl="1"/>
@@ -8724,7 +8620,48 @@
             </a:r>
             <a:r>
               <a:rPr lang="en-US" dirty="0" smtClean="0"/>
-              <a:t> Turbo</a:t>
+              <a:t> (</a:t>
+            </a:r>
+            <a:r>
+              <a:rPr lang="en-US" dirty="0" smtClean="0">
+                <a:hlinkClick r:id="rId2"/>
+              </a:rPr>
+              <a:t>http://www.mygpteam.com/</a:t>
+            </a:r>
+            <a:r>
+              <a:rPr lang="en-US" dirty="0" smtClean="0"/>
+              <a:t>)</a:t>
+            </a:r>
+          </a:p>
+          <a:p>
+            <a:pPr lvl="1"/>
+            <a:r>
+              <a:rPr lang="en-US" dirty="0" err="1" smtClean="0"/>
+              <a:t>MyGPTeam</a:t>
+            </a:r>
+            <a:r>
+              <a:rPr lang="en-US" dirty="0" smtClean="0"/>
+              <a:t> </a:t>
+            </a:r>
+            <a:r>
+              <a:rPr lang="en-US" dirty="0"/>
+              <a:t>Turbo (</a:t>
+            </a:r>
+            <a:r>
+              <a:rPr lang="en-US" dirty="0">
+                <a:hlinkClick r:id="rId3"/>
+              </a:rPr>
+              <a:t>http://</a:t>
+            </a:r>
+            <a:r>
+              <a:rPr lang="en-US" dirty="0" smtClean="0">
+                <a:hlinkClick r:id="rId3"/>
+              </a:rPr>
+              <a:t>www.mygpteam.com/turbo/</a:t>
+            </a:r>
+            <a:r>
+              <a:rPr lang="en-US" dirty="0" smtClean="0"/>
+              <a:t>)</a:t>
             </a:r>
           </a:p>
           <a:p>
@@ -8733,13 +8670,15 @@
               <a:rPr lang="en-US" dirty="0" err="1" smtClean="0"/>
               <a:t>OverVolt</a:t>
             </a:r>
+            <a:r>
+              <a:rPr lang="en-US" dirty="0" smtClean="0"/>
+              <a:t>: crazy slot </a:t>
+            </a:r>
+            <a:r>
+              <a:rPr lang="en-US" dirty="0" smtClean="0"/>
+              <a:t>cars (coming soon!)</a:t>
+            </a:r>
             <a:endParaRPr lang="en-US" dirty="0" smtClean="0"/>
-          </a:p>
-          <a:p>
-            <a:r>
-              <a:rPr lang="en-US" dirty="0" smtClean="0"/>
-              <a:t>Unity3D lover / hater</a:t>
-            </a:r>
           </a:p>
           <a:p>
             <a:r>
@@ -8865,7 +8804,7 @@
             <a:pPr algn="ctr"/>
             <a:r>
               <a:rPr lang="en-US" sz="4000" dirty="0" smtClean="0"/>
-              <a:t>Input: Mouse</a:t>
+              <a:t>Input: Keyboard</a:t>
             </a:r>
             <a:endParaRPr lang="en-US" sz="4000" dirty="0"/>
           </a:p>
@@ -8884,7 +8823,7 @@
         <p:spPr/>
         <p:txBody>
           <a:bodyPr>
-            <a:normAutofit fontScale="55000" lnSpcReduction="20000"/>
+            <a:noAutofit/>
           </a:bodyPr>
           <a:lstStyle/>
           <a:p>
@@ -8898,25 +8837,11 @@
               <a:buNone/>
             </a:pPr>
             <a:r>
-              <a:rPr lang="en-US" dirty="0">
-                <a:latin typeface="Consolas" panose="020B0609020204030204" pitchFamily="49" charset="0"/>
-                <a:cs typeface="Consolas" panose="020B0609020204030204" pitchFamily="49" charset="0"/>
-              </a:rPr>
-              <a:t>if (</a:t>
-            </a:r>
-            <a:r>
-              <a:rPr lang="en-US" dirty="0" err="1">
-                <a:latin typeface="Consolas" panose="020B0609020204030204" pitchFamily="49" charset="0"/>
-                <a:cs typeface="Consolas" panose="020B0609020204030204" pitchFamily="49" charset="0"/>
-              </a:rPr>
-              <a:t>game.input.mousePointer.isDown</a:t>
-            </a:r>
-            <a:r>
-              <a:rPr lang="en-US" dirty="0">
-                <a:latin typeface="Consolas" panose="020B0609020204030204" pitchFamily="49" charset="0"/>
-                <a:cs typeface="Consolas" panose="020B0609020204030204" pitchFamily="49" charset="0"/>
-              </a:rPr>
-              <a:t>) {</a:t>
+              <a:rPr lang="en-US" sz="1600" dirty="0">
+                <a:latin typeface="Consolas" panose="020B0609020204030204" pitchFamily="49" charset="0"/>
+                <a:cs typeface="Consolas" panose="020B0609020204030204" pitchFamily="49" charset="0"/>
+              </a:rPr>
+              <a:t>function update() {</a:t>
             </a:r>
           </a:p>
           <a:p>
@@ -8930,39 +8855,39 @@
               <a:buNone/>
             </a:pPr>
             <a:r>
-              <a:rPr lang="en-US" dirty="0">
-                <a:latin typeface="Consolas" panose="020B0609020204030204" pitchFamily="49" charset="0"/>
-                <a:cs typeface="Consolas" panose="020B0609020204030204" pitchFamily="49" charset="0"/>
-              </a:rPr>
-              <a:t>	if (</a:t>
-            </a:r>
-            <a:r>
-              <a:rPr lang="en-US" dirty="0" err="1">
-                <a:latin typeface="Consolas" panose="020B0609020204030204" pitchFamily="49" charset="0"/>
-                <a:cs typeface="Consolas" panose="020B0609020204030204" pitchFamily="49" charset="0"/>
-              </a:rPr>
-              <a:t>game.input.mousePointer.x</a:t>
-            </a:r>
-            <a:r>
-              <a:rPr lang="en-US" dirty="0">
-                <a:latin typeface="Consolas" panose="020B0609020204030204" pitchFamily="49" charset="0"/>
-                <a:cs typeface="Consolas" panose="020B0609020204030204" pitchFamily="49" charset="0"/>
-              </a:rPr>
-              <a:t> &lt; </a:t>
-            </a:r>
-            <a:r>
-              <a:rPr lang="en-US" dirty="0" err="1">
-                <a:latin typeface="Consolas" panose="020B0609020204030204" pitchFamily="49" charset="0"/>
-                <a:cs typeface="Consolas" panose="020B0609020204030204" pitchFamily="49" charset="0"/>
-              </a:rPr>
-              <a:t>game.width</a:t>
-            </a:r>
-            <a:r>
-              <a:rPr lang="en-US" dirty="0">
-                <a:latin typeface="Consolas" panose="020B0609020204030204" pitchFamily="49" charset="0"/>
-                <a:cs typeface="Consolas" panose="020B0609020204030204" pitchFamily="49" charset="0"/>
-              </a:rPr>
-              <a:t>*0.5) {</a:t>
+              <a:rPr lang="en-US" sz="1600" dirty="0">
+                <a:latin typeface="Consolas" panose="020B0609020204030204" pitchFamily="49" charset="0"/>
+                <a:cs typeface="Consolas" panose="020B0609020204030204" pitchFamily="49" charset="0"/>
+              </a:rPr>
+              <a:t>    if (</a:t>
+            </a:r>
+            <a:r>
+              <a:rPr lang="en-US" sz="1600" dirty="0" err="1">
+                <a:latin typeface="Consolas" panose="020B0609020204030204" pitchFamily="49" charset="0"/>
+                <a:cs typeface="Consolas" panose="020B0609020204030204" pitchFamily="49" charset="0"/>
+              </a:rPr>
+              <a:t>game.input.keyboard.isDown</a:t>
+            </a:r>
+            <a:r>
+              <a:rPr lang="en-US" sz="1600" dirty="0">
+                <a:latin typeface="Consolas" panose="020B0609020204030204" pitchFamily="49" charset="0"/>
+                <a:cs typeface="Consolas" panose="020B0609020204030204" pitchFamily="49" charset="0"/>
+              </a:rPr>
+              <a:t>(</a:t>
+            </a:r>
+            <a:r>
+              <a:rPr lang="en-US" sz="1600" dirty="0" err="1">
+                <a:latin typeface="Consolas" panose="020B0609020204030204" pitchFamily="49" charset="0"/>
+                <a:cs typeface="Consolas" panose="020B0609020204030204" pitchFamily="49" charset="0"/>
+              </a:rPr>
+              <a:t>Phaser.Keyboard.UP</a:t>
+            </a:r>
+            <a:r>
+              <a:rPr lang="en-US" sz="1600" dirty="0">
+                <a:latin typeface="Consolas" panose="020B0609020204030204" pitchFamily="49" charset="0"/>
+                <a:cs typeface="Consolas" panose="020B0609020204030204" pitchFamily="49" charset="0"/>
+              </a:rPr>
+              <a:t>)) {</a:t>
             </a:r>
           </a:p>
           <a:p>
@@ -8976,25 +8901,25 @@
               <a:buNone/>
             </a:pPr>
             <a:r>
-              <a:rPr lang="en-US" dirty="0">
-                <a:latin typeface="Consolas" panose="020B0609020204030204" pitchFamily="49" charset="0"/>
-                <a:cs typeface="Consolas" panose="020B0609020204030204" pitchFamily="49" charset="0"/>
-              </a:rPr>
-              <a:t>		</a:t>
-            </a:r>
-            <a:r>
-              <a:rPr lang="en-US" dirty="0" err="1">
-                <a:latin typeface="Consolas" panose="020B0609020204030204" pitchFamily="49" charset="0"/>
-                <a:cs typeface="Consolas" panose="020B0609020204030204" pitchFamily="49" charset="0"/>
-              </a:rPr>
-              <a:t>clickOnLeft</a:t>
-            </a:r>
-            <a:r>
-              <a:rPr lang="en-US" dirty="0">
-                <a:latin typeface="Consolas" panose="020B0609020204030204" pitchFamily="49" charset="0"/>
-                <a:cs typeface="Consolas" panose="020B0609020204030204" pitchFamily="49" charset="0"/>
-              </a:rPr>
-              <a:t> = true;</a:t>
+              <a:rPr lang="en-US" sz="1600" dirty="0">
+                <a:latin typeface="Consolas" panose="020B0609020204030204" pitchFamily="49" charset="0"/>
+                <a:cs typeface="Consolas" panose="020B0609020204030204" pitchFamily="49" charset="0"/>
+              </a:rPr>
+              <a:t>        </a:t>
+            </a:r>
+            <a:r>
+              <a:rPr lang="en-US" sz="1600" dirty="0" err="1">
+                <a:latin typeface="Consolas" panose="020B0609020204030204" pitchFamily="49" charset="0"/>
+                <a:cs typeface="Consolas" panose="020B0609020204030204" pitchFamily="49" charset="0"/>
+              </a:rPr>
+              <a:t>ufo.y</a:t>
+            </a:r>
+            <a:r>
+              <a:rPr lang="en-US" sz="1600" dirty="0">
+                <a:latin typeface="Consolas" panose="020B0609020204030204" pitchFamily="49" charset="0"/>
+                <a:cs typeface="Consolas" panose="020B0609020204030204" pitchFamily="49" charset="0"/>
+              </a:rPr>
+              <a:t> -= speed;</a:t>
             </a:r>
           </a:p>
           <a:p>
@@ -9008,11 +8933,11 @@
               <a:buNone/>
             </a:pPr>
             <a:r>
-              <a:rPr lang="en-US" dirty="0">
-                <a:latin typeface="Consolas" panose="020B0609020204030204" pitchFamily="49" charset="0"/>
-                <a:cs typeface="Consolas" panose="020B0609020204030204" pitchFamily="49" charset="0"/>
-              </a:rPr>
-              <a:t>	}</a:t>
+              <a:rPr lang="en-US" sz="1600" dirty="0">
+                <a:latin typeface="Consolas" panose="020B0609020204030204" pitchFamily="49" charset="0"/>
+                <a:cs typeface="Consolas" panose="020B0609020204030204" pitchFamily="49" charset="0"/>
+              </a:rPr>
+              <a:t>    }</a:t>
             </a:r>
           </a:p>
           <a:p>
@@ -9026,39 +8951,39 @@
               <a:buNone/>
             </a:pPr>
             <a:r>
-              <a:rPr lang="en-US" dirty="0">
-                <a:latin typeface="Consolas" panose="020B0609020204030204" pitchFamily="49" charset="0"/>
-                <a:cs typeface="Consolas" panose="020B0609020204030204" pitchFamily="49" charset="0"/>
-              </a:rPr>
-              <a:t>	else if (</a:t>
-            </a:r>
-            <a:r>
-              <a:rPr lang="en-US" dirty="0" err="1">
-                <a:latin typeface="Consolas" panose="020B0609020204030204" pitchFamily="49" charset="0"/>
-                <a:cs typeface="Consolas" panose="020B0609020204030204" pitchFamily="49" charset="0"/>
-              </a:rPr>
-              <a:t>game.input.mousePointer.x</a:t>
-            </a:r>
-            <a:r>
-              <a:rPr lang="en-US" dirty="0">
-                <a:latin typeface="Consolas" panose="020B0609020204030204" pitchFamily="49" charset="0"/>
-                <a:cs typeface="Consolas" panose="020B0609020204030204" pitchFamily="49" charset="0"/>
-              </a:rPr>
-              <a:t> &gt; </a:t>
-            </a:r>
-            <a:r>
-              <a:rPr lang="en-US" dirty="0" err="1">
-                <a:latin typeface="Consolas" panose="020B0609020204030204" pitchFamily="49" charset="0"/>
-                <a:cs typeface="Consolas" panose="020B0609020204030204" pitchFamily="49" charset="0"/>
-              </a:rPr>
-              <a:t>game.width</a:t>
-            </a:r>
-            <a:r>
-              <a:rPr lang="en-US" dirty="0">
-                <a:latin typeface="Consolas" panose="020B0609020204030204" pitchFamily="49" charset="0"/>
-                <a:cs typeface="Consolas" panose="020B0609020204030204" pitchFamily="49" charset="0"/>
-              </a:rPr>
-              <a:t>*0.5) {</a:t>
+              <a:rPr lang="en-US" sz="1600" dirty="0">
+                <a:latin typeface="Consolas" panose="020B0609020204030204" pitchFamily="49" charset="0"/>
+                <a:cs typeface="Consolas" panose="020B0609020204030204" pitchFamily="49" charset="0"/>
+              </a:rPr>
+              <a:t>    else if (</a:t>
+            </a:r>
+            <a:r>
+              <a:rPr lang="en-US" sz="1600" dirty="0" err="1">
+                <a:latin typeface="Consolas" panose="020B0609020204030204" pitchFamily="49" charset="0"/>
+                <a:cs typeface="Consolas" panose="020B0609020204030204" pitchFamily="49" charset="0"/>
+              </a:rPr>
+              <a:t>game.input.keyboard.isDown</a:t>
+            </a:r>
+            <a:r>
+              <a:rPr lang="en-US" sz="1600" dirty="0">
+                <a:latin typeface="Consolas" panose="020B0609020204030204" pitchFamily="49" charset="0"/>
+                <a:cs typeface="Consolas" panose="020B0609020204030204" pitchFamily="49" charset="0"/>
+              </a:rPr>
+              <a:t>(</a:t>
+            </a:r>
+            <a:r>
+              <a:rPr lang="en-US" sz="1600" dirty="0" err="1">
+                <a:latin typeface="Consolas" panose="020B0609020204030204" pitchFamily="49" charset="0"/>
+                <a:cs typeface="Consolas" panose="020B0609020204030204" pitchFamily="49" charset="0"/>
+              </a:rPr>
+              <a:t>Phaser.Keyboard.DOWN</a:t>
+            </a:r>
+            <a:r>
+              <a:rPr lang="en-US" sz="1600" dirty="0">
+                <a:latin typeface="Consolas" panose="020B0609020204030204" pitchFamily="49" charset="0"/>
+                <a:cs typeface="Consolas" panose="020B0609020204030204" pitchFamily="49" charset="0"/>
+              </a:rPr>
+              <a:t>)) {</a:t>
             </a:r>
           </a:p>
           <a:p>
@@ -9072,25 +8997,25 @@
               <a:buNone/>
             </a:pPr>
             <a:r>
-              <a:rPr lang="en-US" dirty="0">
-                <a:latin typeface="Consolas" panose="020B0609020204030204" pitchFamily="49" charset="0"/>
-                <a:cs typeface="Consolas" panose="020B0609020204030204" pitchFamily="49" charset="0"/>
-              </a:rPr>
-              <a:t>		</a:t>
-            </a:r>
-            <a:r>
-              <a:rPr lang="en-US" dirty="0" err="1">
-                <a:latin typeface="Consolas" panose="020B0609020204030204" pitchFamily="49" charset="0"/>
-                <a:cs typeface="Consolas" panose="020B0609020204030204" pitchFamily="49" charset="0"/>
-              </a:rPr>
-              <a:t>clickOnRight</a:t>
-            </a:r>
-            <a:r>
-              <a:rPr lang="en-US" dirty="0">
-                <a:latin typeface="Consolas" panose="020B0609020204030204" pitchFamily="49" charset="0"/>
-                <a:cs typeface="Consolas" panose="020B0609020204030204" pitchFamily="49" charset="0"/>
-              </a:rPr>
-              <a:t> = true;</a:t>
+              <a:rPr lang="en-US" sz="1600" dirty="0">
+                <a:latin typeface="Consolas" panose="020B0609020204030204" pitchFamily="49" charset="0"/>
+                <a:cs typeface="Consolas" panose="020B0609020204030204" pitchFamily="49" charset="0"/>
+              </a:rPr>
+              <a:t>        </a:t>
+            </a:r>
+            <a:r>
+              <a:rPr lang="en-US" sz="1600" dirty="0" err="1">
+                <a:latin typeface="Consolas" panose="020B0609020204030204" pitchFamily="49" charset="0"/>
+                <a:cs typeface="Consolas" panose="020B0609020204030204" pitchFamily="49" charset="0"/>
+              </a:rPr>
+              <a:t>ufo.y</a:t>
+            </a:r>
+            <a:r>
+              <a:rPr lang="en-US" sz="1600" dirty="0">
+                <a:latin typeface="Consolas" panose="020B0609020204030204" pitchFamily="49" charset="0"/>
+                <a:cs typeface="Consolas" panose="020B0609020204030204" pitchFamily="49" charset="0"/>
+              </a:rPr>
+              <a:t> += speed;</a:t>
             </a:r>
           </a:p>
           <a:p>
@@ -9104,11 +9029,11 @@
               <a:buNone/>
             </a:pPr>
             <a:r>
-              <a:rPr lang="en-US" dirty="0">
-                <a:latin typeface="Consolas" panose="020B0609020204030204" pitchFamily="49" charset="0"/>
-                <a:cs typeface="Consolas" panose="020B0609020204030204" pitchFamily="49" charset="0"/>
-              </a:rPr>
-              <a:t>	}</a:t>
+              <a:rPr lang="en-US" sz="1600" dirty="0">
+                <a:latin typeface="Consolas" panose="020B0609020204030204" pitchFamily="49" charset="0"/>
+                <a:cs typeface="Consolas" panose="020B0609020204030204" pitchFamily="49" charset="0"/>
+              </a:rPr>
+              <a:t>    }</a:t>
             </a:r>
           </a:p>
           <a:p>
@@ -9121,7 +9046,7 @@
               </a:spcBef>
               <a:buNone/>
             </a:pPr>
-            <a:endParaRPr lang="en-US" dirty="0">
+            <a:endParaRPr lang="en-US" sz="1600" dirty="0">
               <a:latin typeface="Consolas" panose="020B0609020204030204" pitchFamily="49" charset="0"/>
               <a:cs typeface="Consolas" panose="020B0609020204030204" pitchFamily="49" charset="0"/>
             </a:endParaRPr>
@@ -9137,39 +9062,39 @@
               <a:buNone/>
             </a:pPr>
             <a:r>
-              <a:rPr lang="en-US" dirty="0">
-                <a:latin typeface="Consolas" panose="020B0609020204030204" pitchFamily="49" charset="0"/>
-                <a:cs typeface="Consolas" panose="020B0609020204030204" pitchFamily="49" charset="0"/>
-              </a:rPr>
-              <a:t>	if (</a:t>
-            </a:r>
-            <a:r>
-              <a:rPr lang="en-US" dirty="0" err="1">
-                <a:latin typeface="Consolas" panose="020B0609020204030204" pitchFamily="49" charset="0"/>
-                <a:cs typeface="Consolas" panose="020B0609020204030204" pitchFamily="49" charset="0"/>
-              </a:rPr>
-              <a:t>game.input.mousePointer.y</a:t>
-            </a:r>
-            <a:r>
-              <a:rPr lang="en-US" dirty="0">
-                <a:latin typeface="Consolas" panose="020B0609020204030204" pitchFamily="49" charset="0"/>
-                <a:cs typeface="Consolas" panose="020B0609020204030204" pitchFamily="49" charset="0"/>
-              </a:rPr>
-              <a:t> &lt; </a:t>
-            </a:r>
-            <a:r>
-              <a:rPr lang="en-US" dirty="0" err="1">
-                <a:latin typeface="Consolas" panose="020B0609020204030204" pitchFamily="49" charset="0"/>
-                <a:cs typeface="Consolas" panose="020B0609020204030204" pitchFamily="49" charset="0"/>
-              </a:rPr>
-              <a:t>game.height</a:t>
-            </a:r>
-            <a:r>
-              <a:rPr lang="en-US" dirty="0">
-                <a:latin typeface="Consolas" panose="020B0609020204030204" pitchFamily="49" charset="0"/>
-                <a:cs typeface="Consolas" panose="020B0609020204030204" pitchFamily="49" charset="0"/>
-              </a:rPr>
-              <a:t>*0.5) {</a:t>
+              <a:rPr lang="en-US" sz="1600" dirty="0">
+                <a:latin typeface="Consolas" panose="020B0609020204030204" pitchFamily="49" charset="0"/>
+                <a:cs typeface="Consolas" panose="020B0609020204030204" pitchFamily="49" charset="0"/>
+              </a:rPr>
+              <a:t>    if (</a:t>
+            </a:r>
+            <a:r>
+              <a:rPr lang="en-US" sz="1600" dirty="0" err="1">
+                <a:latin typeface="Consolas" panose="020B0609020204030204" pitchFamily="49" charset="0"/>
+                <a:cs typeface="Consolas" panose="020B0609020204030204" pitchFamily="49" charset="0"/>
+              </a:rPr>
+              <a:t>game.input.keyboard.isDown</a:t>
+            </a:r>
+            <a:r>
+              <a:rPr lang="en-US" sz="1600" dirty="0">
+                <a:latin typeface="Consolas" panose="020B0609020204030204" pitchFamily="49" charset="0"/>
+                <a:cs typeface="Consolas" panose="020B0609020204030204" pitchFamily="49" charset="0"/>
+              </a:rPr>
+              <a:t>(</a:t>
+            </a:r>
+            <a:r>
+              <a:rPr lang="en-US" sz="1600" dirty="0" err="1">
+                <a:latin typeface="Consolas" panose="020B0609020204030204" pitchFamily="49" charset="0"/>
+                <a:cs typeface="Consolas" panose="020B0609020204030204" pitchFamily="49" charset="0"/>
+              </a:rPr>
+              <a:t>Phaser.Keyboard.LEFT</a:t>
+            </a:r>
+            <a:r>
+              <a:rPr lang="en-US" sz="1600" dirty="0">
+                <a:latin typeface="Consolas" panose="020B0609020204030204" pitchFamily="49" charset="0"/>
+                <a:cs typeface="Consolas" panose="020B0609020204030204" pitchFamily="49" charset="0"/>
+              </a:rPr>
+              <a:t>)) {</a:t>
             </a:r>
           </a:p>
           <a:p>
@@ -9183,25 +9108,25 @@
               <a:buNone/>
             </a:pPr>
             <a:r>
-              <a:rPr lang="en-US" dirty="0">
-                <a:latin typeface="Consolas" panose="020B0609020204030204" pitchFamily="49" charset="0"/>
-                <a:cs typeface="Consolas" panose="020B0609020204030204" pitchFamily="49" charset="0"/>
-              </a:rPr>
-              <a:t>		</a:t>
-            </a:r>
-            <a:r>
-              <a:rPr lang="en-US" dirty="0" err="1">
-                <a:latin typeface="Consolas" panose="020B0609020204030204" pitchFamily="49" charset="0"/>
-                <a:cs typeface="Consolas" panose="020B0609020204030204" pitchFamily="49" charset="0"/>
-              </a:rPr>
-              <a:t>clickOnTop</a:t>
-            </a:r>
-            <a:r>
-              <a:rPr lang="en-US" dirty="0">
-                <a:latin typeface="Consolas" panose="020B0609020204030204" pitchFamily="49" charset="0"/>
-                <a:cs typeface="Consolas" panose="020B0609020204030204" pitchFamily="49" charset="0"/>
-              </a:rPr>
-              <a:t> = true;</a:t>
+              <a:rPr lang="en-US" sz="1600" dirty="0">
+                <a:latin typeface="Consolas" panose="020B0609020204030204" pitchFamily="49" charset="0"/>
+                <a:cs typeface="Consolas" panose="020B0609020204030204" pitchFamily="49" charset="0"/>
+              </a:rPr>
+              <a:t>        </a:t>
+            </a:r>
+            <a:r>
+              <a:rPr lang="en-US" sz="1600" dirty="0" err="1">
+                <a:latin typeface="Consolas" panose="020B0609020204030204" pitchFamily="49" charset="0"/>
+                <a:cs typeface="Consolas" panose="020B0609020204030204" pitchFamily="49" charset="0"/>
+              </a:rPr>
+              <a:t>ufo.x</a:t>
+            </a:r>
+            <a:r>
+              <a:rPr lang="en-US" sz="1600" dirty="0">
+                <a:latin typeface="Consolas" panose="020B0609020204030204" pitchFamily="49" charset="0"/>
+                <a:cs typeface="Consolas" panose="020B0609020204030204" pitchFamily="49" charset="0"/>
+              </a:rPr>
+              <a:t> -= speed;</a:t>
             </a:r>
           </a:p>
           <a:p>
@@ -9215,11 +9140,11 @@
               <a:buNone/>
             </a:pPr>
             <a:r>
-              <a:rPr lang="en-US" dirty="0">
-                <a:latin typeface="Consolas" panose="020B0609020204030204" pitchFamily="49" charset="0"/>
-                <a:cs typeface="Consolas" panose="020B0609020204030204" pitchFamily="49" charset="0"/>
-              </a:rPr>
-              <a:t>	}</a:t>
+              <a:rPr lang="en-US" sz="1600" dirty="0">
+                <a:latin typeface="Consolas" panose="020B0609020204030204" pitchFamily="49" charset="0"/>
+                <a:cs typeface="Consolas" panose="020B0609020204030204" pitchFamily="49" charset="0"/>
+              </a:rPr>
+              <a:t>    }</a:t>
             </a:r>
           </a:p>
           <a:p>
@@ -9233,11 +9158,39 @@
               <a:buNone/>
             </a:pPr>
             <a:r>
-              <a:rPr lang="en-US" dirty="0" smtClean="0">
-                <a:latin typeface="Consolas" panose="020B0609020204030204" pitchFamily="49" charset="0"/>
-                <a:cs typeface="Consolas" panose="020B0609020204030204" pitchFamily="49" charset="0"/>
-              </a:rPr>
-              <a:t>}</a:t>
+              <a:rPr lang="en-US" sz="1600" dirty="0">
+                <a:latin typeface="Consolas" panose="020B0609020204030204" pitchFamily="49" charset="0"/>
+                <a:cs typeface="Consolas" panose="020B0609020204030204" pitchFamily="49" charset="0"/>
+              </a:rPr>
+              <a:t>    else if (</a:t>
+            </a:r>
+            <a:r>
+              <a:rPr lang="en-US" sz="1600" dirty="0" err="1">
+                <a:latin typeface="Consolas" panose="020B0609020204030204" pitchFamily="49" charset="0"/>
+                <a:cs typeface="Consolas" panose="020B0609020204030204" pitchFamily="49" charset="0"/>
+              </a:rPr>
+              <a:t>game.input.keyboard.isDown</a:t>
+            </a:r>
+            <a:r>
+              <a:rPr lang="en-US" sz="1600" dirty="0">
+                <a:latin typeface="Consolas" panose="020B0609020204030204" pitchFamily="49" charset="0"/>
+                <a:cs typeface="Consolas" panose="020B0609020204030204" pitchFamily="49" charset="0"/>
+              </a:rPr>
+              <a:t>(</a:t>
+            </a:r>
+            <a:r>
+              <a:rPr lang="en-US" sz="1600" dirty="0" err="1">
+                <a:latin typeface="Consolas" panose="020B0609020204030204" pitchFamily="49" charset="0"/>
+                <a:cs typeface="Consolas" panose="020B0609020204030204" pitchFamily="49" charset="0"/>
+              </a:rPr>
+              <a:t>Phaser.Keyboard.RIGHT</a:t>
+            </a:r>
+            <a:r>
+              <a:rPr lang="en-US" sz="1600" dirty="0">
+                <a:latin typeface="Consolas" panose="020B0609020204030204" pitchFamily="49" charset="0"/>
+                <a:cs typeface="Consolas" panose="020B0609020204030204" pitchFamily="49" charset="0"/>
+              </a:rPr>
+              <a:t>)) {</a:t>
             </a:r>
           </a:p>
           <a:p>
@@ -9250,50 +9203,67 @@
               </a:spcBef>
               <a:buNone/>
             </a:pPr>
-            <a:endParaRPr lang="en-US" dirty="0">
-              <a:latin typeface="Consolas" panose="020B0609020204030204" pitchFamily="49" charset="0"/>
-              <a:cs typeface="Consolas" panose="020B0609020204030204" pitchFamily="49" charset="0"/>
-            </a:endParaRPr>
-          </a:p>
-          <a:p>
-            <a:pPr>
+            <a:r>
+              <a:rPr lang="en-US" sz="1600" dirty="0">
+                <a:latin typeface="Consolas" panose="020B0609020204030204" pitchFamily="49" charset="0"/>
+                <a:cs typeface="Consolas" panose="020B0609020204030204" pitchFamily="49" charset="0"/>
+              </a:rPr>
+              <a:t>        </a:t>
+            </a:r>
+            <a:r>
+              <a:rPr lang="en-US" sz="1600" dirty="0" err="1">
+                <a:latin typeface="Consolas" panose="020B0609020204030204" pitchFamily="49" charset="0"/>
+                <a:cs typeface="Consolas" panose="020B0609020204030204" pitchFamily="49" charset="0"/>
+              </a:rPr>
+              <a:t>ufo.x</a:t>
+            </a:r>
+            <a:r>
+              <a:rPr lang="en-US" sz="1600" dirty="0">
+                <a:latin typeface="Consolas" panose="020B0609020204030204" pitchFamily="49" charset="0"/>
+                <a:cs typeface="Consolas" panose="020B0609020204030204" pitchFamily="49" charset="0"/>
+              </a:rPr>
+              <a:t> += speed;</a:t>
+            </a:r>
+          </a:p>
+          <a:p>
+            <a:pPr marL="0" indent="0">
               <a:lnSpc>
                 <a:spcPct val="120000"/>
               </a:lnSpc>
               <a:spcBef>
                 <a:spcPts val="0"/>
               </a:spcBef>
+              <a:buNone/>
             </a:pPr>
             <a:r>
-              <a:rPr lang="en-US" sz="5100" dirty="0" smtClean="0">
-                <a:cs typeface="Consolas" panose="020B0609020204030204" pitchFamily="49" charset="0"/>
-              </a:rPr>
-              <a:t>Swap </a:t>
-            </a:r>
-            <a:r>
-              <a:rPr lang="en-US" sz="5100" dirty="0" err="1" smtClean="0">
-                <a:cs typeface="Consolas" panose="020B0609020204030204" pitchFamily="49" charset="0"/>
-              </a:rPr>
-              <a:t>mousePointer</a:t>
-            </a:r>
-            <a:r>
-              <a:rPr lang="en-US" sz="5100" dirty="0" smtClean="0">
-                <a:cs typeface="Consolas" panose="020B0609020204030204" pitchFamily="49" charset="0"/>
-              </a:rPr>
-              <a:t> with </a:t>
-            </a:r>
-            <a:r>
-              <a:rPr lang="en-US" sz="5100" dirty="0" err="1" smtClean="0">
-                <a:cs typeface="Consolas" panose="020B0609020204030204" pitchFamily="49" charset="0"/>
-              </a:rPr>
-              <a:t>activePointer</a:t>
-            </a:r>
-            <a:r>
-              <a:rPr lang="en-US" sz="5100" dirty="0" smtClean="0">
-                <a:cs typeface="Consolas" panose="020B0609020204030204" pitchFamily="49" charset="0"/>
-              </a:rPr>
-              <a:t> to capture any active pointer (works with mouse and touch inputs)</a:t>
-            </a:r>
+              <a:rPr lang="en-US" sz="1600" dirty="0">
+                <a:latin typeface="Consolas" panose="020B0609020204030204" pitchFamily="49" charset="0"/>
+                <a:cs typeface="Consolas" panose="020B0609020204030204" pitchFamily="49" charset="0"/>
+              </a:rPr>
+              <a:t>    }</a:t>
+            </a:r>
+          </a:p>
+          <a:p>
+            <a:pPr marL="0" indent="0">
+              <a:lnSpc>
+                <a:spcPct val="120000"/>
+              </a:lnSpc>
+              <a:spcBef>
+                <a:spcPts val="0"/>
+              </a:spcBef>
+              <a:buNone/>
+            </a:pPr>
+            <a:r>
+              <a:rPr lang="en-US" sz="1600" dirty="0">
+                <a:latin typeface="Consolas" panose="020B0609020204030204" pitchFamily="49" charset="0"/>
+                <a:cs typeface="Consolas" panose="020B0609020204030204" pitchFamily="49" charset="0"/>
+              </a:rPr>
+              <a:t>}</a:t>
+            </a:r>
+            <a:endParaRPr lang="en-US" sz="1600" dirty="0" smtClean="0">
+              <a:latin typeface="Consolas" panose="020B0609020204030204" pitchFamily="49" charset="0"/>
+              <a:cs typeface="Consolas" panose="020B0609020204030204" pitchFamily="49" charset="0"/>
+            </a:endParaRPr>
           </a:p>
         </p:txBody>
       </p:sp>
@@ -9359,7 +9329,7 @@
     </p:spTree>
     <p:extLst>
       <p:ext uri="{BB962C8B-B14F-4D97-AF65-F5344CB8AC3E}">
-        <p14:creationId xmlns:p14="http://schemas.microsoft.com/office/powerpoint/2010/main" val="4174560926"/>
+        <p14:creationId xmlns:p14="http://schemas.microsoft.com/office/powerpoint/2010/main" val="100593303"/>
       </p:ext>
     </p:extLst>
   </p:cSld>
@@ -9413,7 +9383,7 @@
             <a:pPr algn="ctr"/>
             <a:r>
               <a:rPr lang="en-US" sz="4000" dirty="0" smtClean="0"/>
-              <a:t>Input: Multi-touch</a:t>
+              <a:t>Input: Mouse</a:t>
             </a:r>
             <a:endParaRPr lang="en-US" sz="4000" dirty="0"/>
           </a:p>
@@ -9432,9 +9402,377 @@
         <p:spPr/>
         <p:txBody>
           <a:bodyPr>
-            <a:normAutofit/>
+            <a:normAutofit fontScale="55000" lnSpcReduction="20000"/>
           </a:bodyPr>
           <a:lstStyle/>
+          <a:p>
+            <a:pPr marL="0" indent="0">
+              <a:lnSpc>
+                <a:spcPct val="120000"/>
+              </a:lnSpc>
+              <a:spcBef>
+                <a:spcPts val="0"/>
+              </a:spcBef>
+              <a:buNone/>
+            </a:pPr>
+            <a:r>
+              <a:rPr lang="en-US" dirty="0">
+                <a:latin typeface="Consolas" panose="020B0609020204030204" pitchFamily="49" charset="0"/>
+                <a:cs typeface="Consolas" panose="020B0609020204030204" pitchFamily="49" charset="0"/>
+              </a:rPr>
+              <a:t>if (</a:t>
+            </a:r>
+            <a:r>
+              <a:rPr lang="en-US" dirty="0" err="1">
+                <a:latin typeface="Consolas" panose="020B0609020204030204" pitchFamily="49" charset="0"/>
+                <a:cs typeface="Consolas" panose="020B0609020204030204" pitchFamily="49" charset="0"/>
+              </a:rPr>
+              <a:t>game.input.mousePointer.isDown</a:t>
+            </a:r>
+            <a:r>
+              <a:rPr lang="en-US" dirty="0">
+                <a:latin typeface="Consolas" panose="020B0609020204030204" pitchFamily="49" charset="0"/>
+                <a:cs typeface="Consolas" panose="020B0609020204030204" pitchFamily="49" charset="0"/>
+              </a:rPr>
+              <a:t>) {</a:t>
+            </a:r>
+          </a:p>
+          <a:p>
+            <a:pPr marL="0" indent="0">
+              <a:lnSpc>
+                <a:spcPct val="120000"/>
+              </a:lnSpc>
+              <a:spcBef>
+                <a:spcPts val="0"/>
+              </a:spcBef>
+              <a:buNone/>
+            </a:pPr>
+            <a:r>
+              <a:rPr lang="en-US" dirty="0">
+                <a:latin typeface="Consolas" panose="020B0609020204030204" pitchFamily="49" charset="0"/>
+                <a:cs typeface="Consolas" panose="020B0609020204030204" pitchFamily="49" charset="0"/>
+              </a:rPr>
+              <a:t>	if (</a:t>
+            </a:r>
+            <a:r>
+              <a:rPr lang="en-US" dirty="0" err="1">
+                <a:latin typeface="Consolas" panose="020B0609020204030204" pitchFamily="49" charset="0"/>
+                <a:cs typeface="Consolas" panose="020B0609020204030204" pitchFamily="49" charset="0"/>
+              </a:rPr>
+              <a:t>game.input.mousePointer.x</a:t>
+            </a:r>
+            <a:r>
+              <a:rPr lang="en-US" dirty="0">
+                <a:latin typeface="Consolas" panose="020B0609020204030204" pitchFamily="49" charset="0"/>
+                <a:cs typeface="Consolas" panose="020B0609020204030204" pitchFamily="49" charset="0"/>
+              </a:rPr>
+              <a:t> &lt; </a:t>
+            </a:r>
+            <a:r>
+              <a:rPr lang="en-US" dirty="0" err="1">
+                <a:latin typeface="Consolas" panose="020B0609020204030204" pitchFamily="49" charset="0"/>
+                <a:cs typeface="Consolas" panose="020B0609020204030204" pitchFamily="49" charset="0"/>
+              </a:rPr>
+              <a:t>game.width</a:t>
+            </a:r>
+            <a:r>
+              <a:rPr lang="en-US" dirty="0">
+                <a:latin typeface="Consolas" panose="020B0609020204030204" pitchFamily="49" charset="0"/>
+                <a:cs typeface="Consolas" panose="020B0609020204030204" pitchFamily="49" charset="0"/>
+              </a:rPr>
+              <a:t>*0.5) {</a:t>
+            </a:r>
+          </a:p>
+          <a:p>
+            <a:pPr marL="0" indent="0">
+              <a:lnSpc>
+                <a:spcPct val="120000"/>
+              </a:lnSpc>
+              <a:spcBef>
+                <a:spcPts val="0"/>
+              </a:spcBef>
+              <a:buNone/>
+            </a:pPr>
+            <a:r>
+              <a:rPr lang="en-US" dirty="0">
+                <a:latin typeface="Consolas" panose="020B0609020204030204" pitchFamily="49" charset="0"/>
+                <a:cs typeface="Consolas" panose="020B0609020204030204" pitchFamily="49" charset="0"/>
+              </a:rPr>
+              <a:t>		</a:t>
+            </a:r>
+            <a:r>
+              <a:rPr lang="en-US" dirty="0" err="1">
+                <a:latin typeface="Consolas" panose="020B0609020204030204" pitchFamily="49" charset="0"/>
+                <a:cs typeface="Consolas" panose="020B0609020204030204" pitchFamily="49" charset="0"/>
+              </a:rPr>
+              <a:t>clickOnLeft</a:t>
+            </a:r>
+            <a:r>
+              <a:rPr lang="en-US" dirty="0">
+                <a:latin typeface="Consolas" panose="020B0609020204030204" pitchFamily="49" charset="0"/>
+                <a:cs typeface="Consolas" panose="020B0609020204030204" pitchFamily="49" charset="0"/>
+              </a:rPr>
+              <a:t> = true;</a:t>
+            </a:r>
+          </a:p>
+          <a:p>
+            <a:pPr marL="0" indent="0">
+              <a:lnSpc>
+                <a:spcPct val="120000"/>
+              </a:lnSpc>
+              <a:spcBef>
+                <a:spcPts val="0"/>
+              </a:spcBef>
+              <a:buNone/>
+            </a:pPr>
+            <a:r>
+              <a:rPr lang="en-US" dirty="0">
+                <a:latin typeface="Consolas" panose="020B0609020204030204" pitchFamily="49" charset="0"/>
+                <a:cs typeface="Consolas" panose="020B0609020204030204" pitchFamily="49" charset="0"/>
+              </a:rPr>
+              <a:t>	}</a:t>
+            </a:r>
+          </a:p>
+          <a:p>
+            <a:pPr marL="0" indent="0">
+              <a:lnSpc>
+                <a:spcPct val="120000"/>
+              </a:lnSpc>
+              <a:spcBef>
+                <a:spcPts val="0"/>
+              </a:spcBef>
+              <a:buNone/>
+            </a:pPr>
+            <a:r>
+              <a:rPr lang="en-US" dirty="0">
+                <a:latin typeface="Consolas" panose="020B0609020204030204" pitchFamily="49" charset="0"/>
+                <a:cs typeface="Consolas" panose="020B0609020204030204" pitchFamily="49" charset="0"/>
+              </a:rPr>
+              <a:t>	else if (</a:t>
+            </a:r>
+            <a:r>
+              <a:rPr lang="en-US" dirty="0" err="1">
+                <a:latin typeface="Consolas" panose="020B0609020204030204" pitchFamily="49" charset="0"/>
+                <a:cs typeface="Consolas" panose="020B0609020204030204" pitchFamily="49" charset="0"/>
+              </a:rPr>
+              <a:t>game.input.mousePointer.x</a:t>
+            </a:r>
+            <a:r>
+              <a:rPr lang="en-US" dirty="0">
+                <a:latin typeface="Consolas" panose="020B0609020204030204" pitchFamily="49" charset="0"/>
+                <a:cs typeface="Consolas" panose="020B0609020204030204" pitchFamily="49" charset="0"/>
+              </a:rPr>
+              <a:t> &gt; </a:t>
+            </a:r>
+            <a:r>
+              <a:rPr lang="en-US" dirty="0" err="1">
+                <a:latin typeface="Consolas" panose="020B0609020204030204" pitchFamily="49" charset="0"/>
+                <a:cs typeface="Consolas" panose="020B0609020204030204" pitchFamily="49" charset="0"/>
+              </a:rPr>
+              <a:t>game.width</a:t>
+            </a:r>
+            <a:r>
+              <a:rPr lang="en-US" dirty="0">
+                <a:latin typeface="Consolas" panose="020B0609020204030204" pitchFamily="49" charset="0"/>
+                <a:cs typeface="Consolas" panose="020B0609020204030204" pitchFamily="49" charset="0"/>
+              </a:rPr>
+              <a:t>*0.5) {</a:t>
+            </a:r>
+          </a:p>
+          <a:p>
+            <a:pPr marL="0" indent="0">
+              <a:lnSpc>
+                <a:spcPct val="120000"/>
+              </a:lnSpc>
+              <a:spcBef>
+                <a:spcPts val="0"/>
+              </a:spcBef>
+              <a:buNone/>
+            </a:pPr>
+            <a:r>
+              <a:rPr lang="en-US" dirty="0">
+                <a:latin typeface="Consolas" panose="020B0609020204030204" pitchFamily="49" charset="0"/>
+                <a:cs typeface="Consolas" panose="020B0609020204030204" pitchFamily="49" charset="0"/>
+              </a:rPr>
+              <a:t>		</a:t>
+            </a:r>
+            <a:r>
+              <a:rPr lang="en-US" dirty="0" err="1">
+                <a:latin typeface="Consolas" panose="020B0609020204030204" pitchFamily="49" charset="0"/>
+                <a:cs typeface="Consolas" panose="020B0609020204030204" pitchFamily="49" charset="0"/>
+              </a:rPr>
+              <a:t>clickOnRight</a:t>
+            </a:r>
+            <a:r>
+              <a:rPr lang="en-US" dirty="0">
+                <a:latin typeface="Consolas" panose="020B0609020204030204" pitchFamily="49" charset="0"/>
+                <a:cs typeface="Consolas" panose="020B0609020204030204" pitchFamily="49" charset="0"/>
+              </a:rPr>
+              <a:t> = true;</a:t>
+            </a:r>
+          </a:p>
+          <a:p>
+            <a:pPr marL="0" indent="0">
+              <a:lnSpc>
+                <a:spcPct val="120000"/>
+              </a:lnSpc>
+              <a:spcBef>
+                <a:spcPts val="0"/>
+              </a:spcBef>
+              <a:buNone/>
+            </a:pPr>
+            <a:r>
+              <a:rPr lang="en-US" dirty="0">
+                <a:latin typeface="Consolas" panose="020B0609020204030204" pitchFamily="49" charset="0"/>
+                <a:cs typeface="Consolas" panose="020B0609020204030204" pitchFamily="49" charset="0"/>
+              </a:rPr>
+              <a:t>	}</a:t>
+            </a:r>
+          </a:p>
+          <a:p>
+            <a:pPr marL="0" indent="0">
+              <a:lnSpc>
+                <a:spcPct val="120000"/>
+              </a:lnSpc>
+              <a:spcBef>
+                <a:spcPts val="0"/>
+              </a:spcBef>
+              <a:buNone/>
+            </a:pPr>
+            <a:endParaRPr lang="en-US" dirty="0">
+              <a:latin typeface="Consolas" panose="020B0609020204030204" pitchFamily="49" charset="0"/>
+              <a:cs typeface="Consolas" panose="020B0609020204030204" pitchFamily="49" charset="0"/>
+            </a:endParaRPr>
+          </a:p>
+          <a:p>
+            <a:pPr marL="0" indent="0">
+              <a:lnSpc>
+                <a:spcPct val="120000"/>
+              </a:lnSpc>
+              <a:spcBef>
+                <a:spcPts val="0"/>
+              </a:spcBef>
+              <a:buNone/>
+            </a:pPr>
+            <a:r>
+              <a:rPr lang="en-US" dirty="0">
+                <a:latin typeface="Consolas" panose="020B0609020204030204" pitchFamily="49" charset="0"/>
+                <a:cs typeface="Consolas" panose="020B0609020204030204" pitchFamily="49" charset="0"/>
+              </a:rPr>
+              <a:t>	if (</a:t>
+            </a:r>
+            <a:r>
+              <a:rPr lang="en-US" dirty="0" err="1">
+                <a:latin typeface="Consolas" panose="020B0609020204030204" pitchFamily="49" charset="0"/>
+                <a:cs typeface="Consolas" panose="020B0609020204030204" pitchFamily="49" charset="0"/>
+              </a:rPr>
+              <a:t>game.input.mousePointer.y</a:t>
+            </a:r>
+            <a:r>
+              <a:rPr lang="en-US" dirty="0">
+                <a:latin typeface="Consolas" panose="020B0609020204030204" pitchFamily="49" charset="0"/>
+                <a:cs typeface="Consolas" panose="020B0609020204030204" pitchFamily="49" charset="0"/>
+              </a:rPr>
+              <a:t> &lt; </a:t>
+            </a:r>
+            <a:r>
+              <a:rPr lang="en-US" dirty="0" err="1">
+                <a:latin typeface="Consolas" panose="020B0609020204030204" pitchFamily="49" charset="0"/>
+                <a:cs typeface="Consolas" panose="020B0609020204030204" pitchFamily="49" charset="0"/>
+              </a:rPr>
+              <a:t>game.height</a:t>
+            </a:r>
+            <a:r>
+              <a:rPr lang="en-US" dirty="0">
+                <a:latin typeface="Consolas" panose="020B0609020204030204" pitchFamily="49" charset="0"/>
+                <a:cs typeface="Consolas" panose="020B0609020204030204" pitchFamily="49" charset="0"/>
+              </a:rPr>
+              <a:t>*0.5) {</a:t>
+            </a:r>
+          </a:p>
+          <a:p>
+            <a:pPr marL="0" indent="0">
+              <a:lnSpc>
+                <a:spcPct val="120000"/>
+              </a:lnSpc>
+              <a:spcBef>
+                <a:spcPts val="0"/>
+              </a:spcBef>
+              <a:buNone/>
+            </a:pPr>
+            <a:r>
+              <a:rPr lang="en-US" dirty="0">
+                <a:latin typeface="Consolas" panose="020B0609020204030204" pitchFamily="49" charset="0"/>
+                <a:cs typeface="Consolas" panose="020B0609020204030204" pitchFamily="49" charset="0"/>
+              </a:rPr>
+              <a:t>		</a:t>
+            </a:r>
+            <a:r>
+              <a:rPr lang="en-US" dirty="0" err="1">
+                <a:latin typeface="Consolas" panose="020B0609020204030204" pitchFamily="49" charset="0"/>
+                <a:cs typeface="Consolas" panose="020B0609020204030204" pitchFamily="49" charset="0"/>
+              </a:rPr>
+              <a:t>clickOnTop</a:t>
+            </a:r>
+            <a:r>
+              <a:rPr lang="en-US" dirty="0">
+                <a:latin typeface="Consolas" panose="020B0609020204030204" pitchFamily="49" charset="0"/>
+                <a:cs typeface="Consolas" panose="020B0609020204030204" pitchFamily="49" charset="0"/>
+              </a:rPr>
+              <a:t> = true;</a:t>
+            </a:r>
+          </a:p>
+          <a:p>
+            <a:pPr marL="0" indent="0">
+              <a:lnSpc>
+                <a:spcPct val="120000"/>
+              </a:lnSpc>
+              <a:spcBef>
+                <a:spcPts val="0"/>
+              </a:spcBef>
+              <a:buNone/>
+            </a:pPr>
+            <a:r>
+              <a:rPr lang="en-US" dirty="0">
+                <a:latin typeface="Consolas" panose="020B0609020204030204" pitchFamily="49" charset="0"/>
+                <a:cs typeface="Consolas" panose="020B0609020204030204" pitchFamily="49" charset="0"/>
+              </a:rPr>
+              <a:t>	}</a:t>
+            </a:r>
+          </a:p>
+          <a:p>
+            <a:pPr marL="0" indent="0">
+              <a:lnSpc>
+                <a:spcPct val="120000"/>
+              </a:lnSpc>
+              <a:spcBef>
+                <a:spcPts val="0"/>
+              </a:spcBef>
+              <a:buNone/>
+            </a:pPr>
+            <a:r>
+              <a:rPr lang="en-US" dirty="0" smtClean="0">
+                <a:latin typeface="Consolas" panose="020B0609020204030204" pitchFamily="49" charset="0"/>
+                <a:cs typeface="Consolas" panose="020B0609020204030204" pitchFamily="49" charset="0"/>
+              </a:rPr>
+              <a:t>}</a:t>
+            </a:r>
+          </a:p>
+          <a:p>
+            <a:pPr marL="0" indent="0">
+              <a:lnSpc>
+                <a:spcPct val="120000"/>
+              </a:lnSpc>
+              <a:spcBef>
+                <a:spcPts val="0"/>
+              </a:spcBef>
+              <a:buNone/>
+            </a:pPr>
+            <a:endParaRPr lang="en-US" dirty="0">
+              <a:latin typeface="Consolas" panose="020B0609020204030204" pitchFamily="49" charset="0"/>
+              <a:cs typeface="Consolas" panose="020B0609020204030204" pitchFamily="49" charset="0"/>
+            </a:endParaRPr>
+          </a:p>
           <a:p>
             <a:pPr>
               <a:lnSpc>
@@ -9445,119 +9783,35 @@
               </a:spcBef>
             </a:pPr>
             <a:r>
-              <a:rPr lang="en-US" dirty="0" smtClean="0">
-                <a:cs typeface="Consolas" panose="020B0609020204030204" pitchFamily="49" charset="0"/>
-              </a:rPr>
-              <a:t>Supports 10 pointers (= fingers)!</a:t>
-            </a:r>
-          </a:p>
-          <a:p>
-            <a:pPr>
-              <a:lnSpc>
-                <a:spcPct val="120000"/>
-              </a:lnSpc>
-              <a:spcBef>
-                <a:spcPts val="0"/>
-              </a:spcBef>
-            </a:pPr>
-            <a:r>
-              <a:rPr lang="en-US" dirty="0" smtClean="0">
-                <a:cs typeface="Consolas" panose="020B0609020204030204" pitchFamily="49" charset="0"/>
-              </a:rPr>
-              <a:t>Two pointers are already available</a:t>
-            </a:r>
-          </a:p>
-          <a:p>
-            <a:pPr>
-              <a:lnSpc>
-                <a:spcPct val="120000"/>
-              </a:lnSpc>
-              <a:spcBef>
-                <a:spcPts val="0"/>
-              </a:spcBef>
-            </a:pPr>
-            <a:r>
-              <a:rPr lang="en-US" dirty="0" smtClean="0">
-                <a:cs typeface="Consolas" panose="020B0609020204030204" pitchFamily="49" charset="0"/>
-              </a:rPr>
-              <a:t>Add another pointer</a:t>
-            </a:r>
-          </a:p>
-          <a:p>
-            <a:pPr marL="457200" lvl="1" indent="0">
-              <a:lnSpc>
-                <a:spcPct val="120000"/>
-              </a:lnSpc>
-              <a:spcBef>
-                <a:spcPts val="0"/>
-              </a:spcBef>
-              <a:buNone/>
-            </a:pPr>
-            <a:r>
-              <a:rPr lang="en-US" sz="2000" dirty="0" err="1" smtClean="0">
-                <a:latin typeface="Consolas" panose="020B0609020204030204" pitchFamily="49" charset="0"/>
-                <a:cs typeface="Consolas" panose="020B0609020204030204" pitchFamily="49" charset="0"/>
-              </a:rPr>
-              <a:t>game.input.addPointer</a:t>
-            </a:r>
-            <a:r>
-              <a:rPr lang="en-US" sz="2000" dirty="0" smtClean="0">
-                <a:latin typeface="Consolas" panose="020B0609020204030204" pitchFamily="49" charset="0"/>
-                <a:cs typeface="Consolas" panose="020B0609020204030204" pitchFamily="49" charset="0"/>
-              </a:rPr>
-              <a:t>();</a:t>
-            </a:r>
-          </a:p>
-          <a:p>
-            <a:pPr>
-              <a:lnSpc>
-                <a:spcPct val="120000"/>
-              </a:lnSpc>
-              <a:spcBef>
-                <a:spcPts val="0"/>
-              </a:spcBef>
-            </a:pPr>
-            <a:r>
-              <a:rPr lang="en-US" dirty="0" smtClean="0">
-                <a:cs typeface="Consolas" panose="020B0609020204030204" pitchFamily="49" charset="0"/>
-              </a:rPr>
-              <a:t>Read different pointers</a:t>
-            </a:r>
-          </a:p>
-          <a:p>
-            <a:pPr marL="457200" lvl="1" indent="0">
-              <a:lnSpc>
-                <a:spcPct val="120000"/>
-              </a:lnSpc>
-              <a:spcBef>
-                <a:spcPts val="0"/>
-              </a:spcBef>
-              <a:buNone/>
-            </a:pPr>
-            <a:r>
-              <a:rPr lang="en-US" sz="2000" dirty="0" smtClean="0">
-                <a:latin typeface="Consolas" panose="020B0609020204030204" pitchFamily="49" charset="0"/>
-                <a:cs typeface="Consolas" panose="020B0609020204030204" pitchFamily="49" charset="0"/>
-              </a:rPr>
-              <a:t>game.input.pointer3;</a:t>
-            </a:r>
-            <a:r>
-              <a:rPr lang="en-US" dirty="0" smtClean="0">
-                <a:cs typeface="Consolas" panose="020B0609020204030204" pitchFamily="49" charset="0"/>
-              </a:rPr>
-              <a:t> or </a:t>
-            </a:r>
-            <a:r>
-              <a:rPr lang="en-US" sz="2000" dirty="0" smtClean="0">
-                <a:latin typeface="Consolas" panose="020B0609020204030204" pitchFamily="49" charset="0"/>
-                <a:cs typeface="Consolas" panose="020B0609020204030204" pitchFamily="49" charset="0"/>
-              </a:rPr>
-              <a:t>game.input.pointer4;</a:t>
-            </a:r>
-            <a:endParaRPr lang="en-US" sz="2000" dirty="0">
-              <a:latin typeface="Consolas" panose="020B0609020204030204" pitchFamily="49" charset="0"/>
-              <a:cs typeface="Consolas" panose="020B0609020204030204" pitchFamily="49" charset="0"/>
-            </a:endParaRPr>
+              <a:rPr lang="en-US" sz="5100" dirty="0" smtClean="0">
+                <a:cs typeface="Consolas" panose="020B0609020204030204" pitchFamily="49" charset="0"/>
+              </a:rPr>
+              <a:t>Swap </a:t>
+            </a:r>
+            <a:r>
+              <a:rPr lang="en-US" sz="5100" dirty="0" err="1" smtClean="0">
+                <a:cs typeface="Consolas" panose="020B0609020204030204" pitchFamily="49" charset="0"/>
+              </a:rPr>
+              <a:t>mousePointer</a:t>
+            </a:r>
+            <a:r>
+              <a:rPr lang="en-US" sz="5100" dirty="0" smtClean="0">
+                <a:cs typeface="Consolas" panose="020B0609020204030204" pitchFamily="49" charset="0"/>
+              </a:rPr>
+              <a:t> with </a:t>
+            </a:r>
+            <a:r>
+              <a:rPr lang="en-US" sz="5100" dirty="0" err="1" smtClean="0">
+                <a:cs typeface="Consolas" panose="020B0609020204030204" pitchFamily="49" charset="0"/>
+              </a:rPr>
+              <a:t>activePointer</a:t>
+            </a:r>
+            <a:r>
+              <a:rPr lang="en-US" sz="5100" dirty="0" smtClean="0">
+                <a:cs typeface="Consolas" panose="020B0609020204030204" pitchFamily="49" charset="0"/>
+              </a:rPr>
+              <a:t> to capture any active pointer (works with mouse and touch inputs)</a:t>
+            </a:r>
           </a:p>
         </p:txBody>
       </p:sp>
@@ -9623,7 +9877,7 @@
     </p:spTree>
     <p:extLst>
       <p:ext uri="{BB962C8B-B14F-4D97-AF65-F5344CB8AC3E}">
-        <p14:creationId xmlns:p14="http://schemas.microsoft.com/office/powerpoint/2010/main" val="1177716729"/>
+        <p14:creationId xmlns:p14="http://schemas.microsoft.com/office/powerpoint/2010/main" val="4174560926"/>
       </p:ext>
     </p:extLst>
   </p:cSld>
@@ -9677,7 +9931,7 @@
             <a:pPr algn="ctr"/>
             <a:r>
               <a:rPr lang="en-US" sz="4000" dirty="0" smtClean="0"/>
-              <a:t>Input: Gamepad</a:t>
+              <a:t>Input: Multi-touch</a:t>
             </a:r>
             <a:endParaRPr lang="en-US" sz="4000" dirty="0"/>
           </a:p>
@@ -9696,11 +9950,59 @@
         <p:spPr/>
         <p:txBody>
           <a:bodyPr>
-            <a:noAutofit/>
+            <a:normAutofit/>
           </a:bodyPr>
           <a:lstStyle/>
           <a:p>
-            <a:pPr marL="0" indent="0">
+            <a:pPr>
+              <a:lnSpc>
+                <a:spcPct val="120000"/>
+              </a:lnSpc>
+              <a:spcBef>
+                <a:spcPts val="0"/>
+              </a:spcBef>
+            </a:pPr>
+            <a:r>
+              <a:rPr lang="en-US" dirty="0" smtClean="0">
+                <a:cs typeface="Consolas" panose="020B0609020204030204" pitchFamily="49" charset="0"/>
+              </a:rPr>
+              <a:t>Supports 10 pointers (= fingers)!</a:t>
+            </a:r>
+          </a:p>
+          <a:p>
+            <a:pPr>
+              <a:lnSpc>
+                <a:spcPct val="120000"/>
+              </a:lnSpc>
+              <a:spcBef>
+                <a:spcPts val="0"/>
+              </a:spcBef>
+            </a:pPr>
+            <a:r>
+              <a:rPr lang="en-US" dirty="0" smtClean="0">
+                <a:cs typeface="Consolas" panose="020B0609020204030204" pitchFamily="49" charset="0"/>
+              </a:rPr>
+              <a:t>Two pointers are already available</a:t>
+            </a:r>
+          </a:p>
+          <a:p>
+            <a:pPr>
+              <a:lnSpc>
+                <a:spcPct val="120000"/>
+              </a:lnSpc>
+              <a:spcBef>
+                <a:spcPts val="0"/>
+              </a:spcBef>
+            </a:pPr>
+            <a:r>
+              <a:rPr lang="en-US" dirty="0" smtClean="0">
+                <a:cs typeface="Consolas" panose="020B0609020204030204" pitchFamily="49" charset="0"/>
+              </a:rPr>
+              <a:t>Add another pointer</a:t>
+            </a:r>
+          </a:p>
+          <a:p>
+            <a:pPr marL="457200" lvl="1" indent="0">
               <a:lnSpc>
                 <a:spcPct val="120000"/>
               </a:lnSpc>
@@ -9710,36 +10012,38 @@
               <a:buNone/>
             </a:pPr>
             <a:r>
-              <a:rPr lang="en-US" sz="1400" dirty="0">
-                <a:latin typeface="Consolas" panose="020B0609020204030204" pitchFamily="49" charset="0"/>
-                <a:cs typeface="Consolas" panose="020B0609020204030204" pitchFamily="49" charset="0"/>
-              </a:rPr>
-              <a:t>f</a:t>
-            </a:r>
-            <a:r>
-              <a:rPr lang="en-US" sz="1400" dirty="0" smtClean="0">
-                <a:latin typeface="Consolas" panose="020B0609020204030204" pitchFamily="49" charset="0"/>
-                <a:cs typeface="Consolas" panose="020B0609020204030204" pitchFamily="49" charset="0"/>
-              </a:rPr>
-              <a:t>unction create</a:t>
-            </a:r>
-            <a:r>
-              <a:rPr lang="en-US" sz="1400" dirty="0">
-                <a:latin typeface="Consolas" panose="020B0609020204030204" pitchFamily="49" charset="0"/>
-                <a:cs typeface="Consolas" panose="020B0609020204030204" pitchFamily="49" charset="0"/>
-              </a:rPr>
-              <a:t>() </a:t>
-            </a:r>
-            <a:r>
-              <a:rPr lang="en-US" sz="1400" dirty="0" smtClean="0">
-                <a:latin typeface="Consolas" panose="020B0609020204030204" pitchFamily="49" charset="0"/>
-                <a:cs typeface="Consolas" panose="020B0609020204030204" pitchFamily="49" charset="0"/>
-              </a:rPr>
-              <a:t>{</a:t>
-            </a:r>
-          </a:p>
-          <a:p>
-            <a:pPr marL="0" indent="0">
+              <a:rPr lang="en-US" sz="2000" dirty="0" err="1" smtClean="0">
+                <a:latin typeface="Consolas" panose="020B0609020204030204" pitchFamily="49" charset="0"/>
+                <a:cs typeface="Consolas" panose="020B0609020204030204" pitchFamily="49" charset="0"/>
+              </a:rPr>
+              <a:t>game.input.addPointer</a:t>
+            </a:r>
+            <a:r>
+              <a:rPr lang="en-US" sz="2000" dirty="0" smtClean="0">
+                <a:latin typeface="Consolas" panose="020B0609020204030204" pitchFamily="49" charset="0"/>
+                <a:cs typeface="Consolas" panose="020B0609020204030204" pitchFamily="49" charset="0"/>
+              </a:rPr>
+              <a:t>();</a:t>
+            </a:r>
+          </a:p>
+          <a:p>
+            <a:pPr>
+              <a:lnSpc>
+                <a:spcPct val="120000"/>
+              </a:lnSpc>
+              <a:spcBef>
+                <a:spcPts val="0"/>
+              </a:spcBef>
+            </a:pPr>
+            <a:r>
+              <a:rPr lang="en-US" dirty="0" smtClean="0">
+                <a:cs typeface="Consolas" panose="020B0609020204030204" pitchFamily="49" charset="0"/>
+              </a:rPr>
+              <a:t>Read different pointers</a:t>
+            </a:r>
+          </a:p>
+          <a:p>
+            <a:pPr marL="457200" lvl="1" indent="0">
               <a:lnSpc>
                 <a:spcPct val="120000"/>
               </a:lnSpc>
@@ -9749,422 +10053,29 @@
               <a:buNone/>
             </a:pPr>
             <a:r>
-              <a:rPr lang="en-US" sz="1400" dirty="0" smtClean="0">
-                <a:latin typeface="Consolas" panose="020B0609020204030204" pitchFamily="49" charset="0"/>
-                <a:cs typeface="Consolas" panose="020B0609020204030204" pitchFamily="49" charset="0"/>
-              </a:rPr>
-              <a:t>	</a:t>
-            </a:r>
-            <a:r>
-              <a:rPr lang="en-US" sz="1400" dirty="0" err="1" smtClean="0">
-                <a:latin typeface="Consolas" panose="020B0609020204030204" pitchFamily="49" charset="0"/>
-                <a:cs typeface="Consolas" panose="020B0609020204030204" pitchFamily="49" charset="0"/>
-              </a:rPr>
-              <a:t>game.input.gamepad.start</a:t>
-            </a:r>
-            <a:r>
-              <a:rPr lang="en-US" sz="1400" dirty="0">
-                <a:latin typeface="Consolas" panose="020B0609020204030204" pitchFamily="49" charset="0"/>
-                <a:cs typeface="Consolas" panose="020B0609020204030204" pitchFamily="49" charset="0"/>
-              </a:rPr>
-              <a:t>();</a:t>
-            </a:r>
-          </a:p>
-          <a:p>
-            <a:pPr marL="0" indent="0">
-              <a:lnSpc>
-                <a:spcPct val="120000"/>
-              </a:lnSpc>
-              <a:spcBef>
-                <a:spcPts val="0"/>
-              </a:spcBef>
-              <a:buNone/>
-            </a:pPr>
-            <a:r>
-              <a:rPr lang="en-US" sz="1400" dirty="0" smtClean="0">
-                <a:latin typeface="Consolas" panose="020B0609020204030204" pitchFamily="49" charset="0"/>
-                <a:cs typeface="Consolas" panose="020B0609020204030204" pitchFamily="49" charset="0"/>
-              </a:rPr>
-              <a:t>	pad1 </a:t>
-            </a:r>
-            <a:r>
-              <a:rPr lang="en-US" sz="1400" dirty="0">
-                <a:latin typeface="Consolas" panose="020B0609020204030204" pitchFamily="49" charset="0"/>
-                <a:cs typeface="Consolas" panose="020B0609020204030204" pitchFamily="49" charset="0"/>
-              </a:rPr>
-              <a:t>= game.input.gamepad.pad1</a:t>
-            </a:r>
-            <a:r>
-              <a:rPr lang="en-US" sz="1400" dirty="0" smtClean="0">
-                <a:latin typeface="Consolas" panose="020B0609020204030204" pitchFamily="49" charset="0"/>
-                <a:cs typeface="Consolas" panose="020B0609020204030204" pitchFamily="49" charset="0"/>
-              </a:rPr>
-              <a:t>;</a:t>
-            </a:r>
-          </a:p>
-          <a:p>
-            <a:pPr marL="0" indent="0">
-              <a:lnSpc>
-                <a:spcPct val="120000"/>
-              </a:lnSpc>
-              <a:spcBef>
-                <a:spcPts val="0"/>
-              </a:spcBef>
-              <a:buNone/>
-            </a:pPr>
-            <a:r>
-              <a:rPr lang="en-US" sz="1400" dirty="0" smtClean="0">
-                <a:latin typeface="Consolas" panose="020B0609020204030204" pitchFamily="49" charset="0"/>
-                <a:cs typeface="Consolas" panose="020B0609020204030204" pitchFamily="49" charset="0"/>
-              </a:rPr>
-              <a:t>}</a:t>
-            </a:r>
-          </a:p>
-          <a:p>
-            <a:pPr marL="0" indent="0">
-              <a:lnSpc>
-                <a:spcPct val="120000"/>
-              </a:lnSpc>
-              <a:spcBef>
-                <a:spcPts val="0"/>
-              </a:spcBef>
-              <a:buNone/>
-            </a:pPr>
-            <a:r>
-              <a:rPr lang="en-US" sz="1400" dirty="0">
-                <a:latin typeface="Consolas" panose="020B0609020204030204" pitchFamily="49" charset="0"/>
-                <a:cs typeface="Consolas" panose="020B0609020204030204" pitchFamily="49" charset="0"/>
-              </a:rPr>
-              <a:t>f</a:t>
-            </a:r>
-            <a:r>
-              <a:rPr lang="en-US" sz="1400" dirty="0" smtClean="0">
-                <a:latin typeface="Consolas" panose="020B0609020204030204" pitchFamily="49" charset="0"/>
-                <a:cs typeface="Consolas" panose="020B0609020204030204" pitchFamily="49" charset="0"/>
-              </a:rPr>
-              <a:t>unction update() {</a:t>
-            </a:r>
-          </a:p>
-          <a:p>
-            <a:pPr marL="0" indent="0">
-              <a:lnSpc>
-                <a:spcPct val="120000"/>
-              </a:lnSpc>
-              <a:spcBef>
-                <a:spcPts val="0"/>
-              </a:spcBef>
-              <a:buNone/>
-            </a:pPr>
-            <a:r>
-              <a:rPr lang="en-US" sz="1400" dirty="0" smtClean="0">
-                <a:latin typeface="Consolas" panose="020B0609020204030204" pitchFamily="49" charset="0"/>
-                <a:cs typeface="Consolas" panose="020B0609020204030204" pitchFamily="49" charset="0"/>
-              </a:rPr>
-              <a:t>	if </a:t>
-            </a:r>
-            <a:r>
-              <a:rPr lang="en-US" sz="1400" dirty="0">
-                <a:latin typeface="Consolas" panose="020B0609020204030204" pitchFamily="49" charset="0"/>
-                <a:cs typeface="Consolas" panose="020B0609020204030204" pitchFamily="49" charset="0"/>
-              </a:rPr>
-              <a:t>(</a:t>
-            </a:r>
-            <a:r>
-              <a:rPr lang="en-US" sz="1400" dirty="0" err="1" smtClean="0">
-                <a:latin typeface="Consolas" panose="020B0609020204030204" pitchFamily="49" charset="0"/>
-                <a:cs typeface="Consolas" panose="020B0609020204030204" pitchFamily="49" charset="0"/>
-              </a:rPr>
-              <a:t>game.input.gamepad.supported</a:t>
-            </a:r>
-            <a:r>
-              <a:rPr lang="en-US" sz="1400" dirty="0" smtClean="0">
-                <a:latin typeface="Consolas" panose="020B0609020204030204" pitchFamily="49" charset="0"/>
-                <a:cs typeface="Consolas" panose="020B0609020204030204" pitchFamily="49" charset="0"/>
-              </a:rPr>
-              <a:t> </a:t>
-            </a:r>
-          </a:p>
-          <a:p>
-            <a:pPr marL="0" indent="0">
-              <a:lnSpc>
-                <a:spcPct val="120000"/>
-              </a:lnSpc>
-              <a:spcBef>
-                <a:spcPts val="0"/>
-              </a:spcBef>
-              <a:buNone/>
-            </a:pPr>
-            <a:r>
-              <a:rPr lang="en-US" sz="1400" dirty="0" smtClean="0">
-                <a:latin typeface="Consolas" panose="020B0609020204030204" pitchFamily="49" charset="0"/>
-                <a:cs typeface="Consolas" panose="020B0609020204030204" pitchFamily="49" charset="0"/>
-              </a:rPr>
-              <a:t>		&amp;&amp; </a:t>
-            </a:r>
-            <a:r>
-              <a:rPr lang="en-US" sz="1400" dirty="0" err="1" smtClean="0">
-                <a:latin typeface="Consolas" panose="020B0609020204030204" pitchFamily="49" charset="0"/>
-                <a:cs typeface="Consolas" panose="020B0609020204030204" pitchFamily="49" charset="0"/>
-              </a:rPr>
-              <a:t>game.input.gamepad.active</a:t>
-            </a:r>
-            <a:r>
-              <a:rPr lang="en-US" sz="1400" dirty="0" smtClean="0">
-                <a:latin typeface="Consolas" panose="020B0609020204030204" pitchFamily="49" charset="0"/>
-                <a:cs typeface="Consolas" panose="020B0609020204030204" pitchFamily="49" charset="0"/>
-              </a:rPr>
-              <a:t> </a:t>
-            </a:r>
-          </a:p>
-          <a:p>
-            <a:pPr marL="0" indent="0">
-              <a:lnSpc>
-                <a:spcPct val="120000"/>
-              </a:lnSpc>
-              <a:spcBef>
-                <a:spcPts val="0"/>
-              </a:spcBef>
-              <a:buNone/>
-            </a:pPr>
-            <a:r>
-              <a:rPr lang="en-US" sz="1400" dirty="0" smtClean="0">
-                <a:latin typeface="Consolas" panose="020B0609020204030204" pitchFamily="49" charset="0"/>
-                <a:cs typeface="Consolas" panose="020B0609020204030204" pitchFamily="49" charset="0"/>
-              </a:rPr>
-              <a:t>		&amp;&amp; pad1.connected</a:t>
-            </a:r>
-            <a:r>
-              <a:rPr lang="en-US" sz="1400" dirty="0">
-                <a:latin typeface="Consolas" panose="020B0609020204030204" pitchFamily="49" charset="0"/>
-                <a:cs typeface="Consolas" panose="020B0609020204030204" pitchFamily="49" charset="0"/>
-              </a:rPr>
-              <a:t>) </a:t>
-            </a:r>
-            <a:r>
-              <a:rPr lang="en-US" sz="1400" dirty="0" smtClean="0">
-                <a:latin typeface="Consolas" panose="020B0609020204030204" pitchFamily="49" charset="0"/>
-                <a:cs typeface="Consolas" panose="020B0609020204030204" pitchFamily="49" charset="0"/>
-              </a:rPr>
-              <a:t>{</a:t>
-            </a:r>
-          </a:p>
-          <a:p>
-            <a:pPr marL="0" indent="0">
-              <a:lnSpc>
-                <a:spcPct val="120000"/>
-              </a:lnSpc>
-              <a:spcBef>
-                <a:spcPts val="0"/>
-              </a:spcBef>
-              <a:buNone/>
-            </a:pPr>
-            <a:r>
-              <a:rPr lang="en-US" sz="1400" dirty="0">
-                <a:latin typeface="Consolas" panose="020B0609020204030204" pitchFamily="49" charset="0"/>
-                <a:cs typeface="Consolas" panose="020B0609020204030204" pitchFamily="49" charset="0"/>
-              </a:rPr>
-              <a:t>	</a:t>
-            </a:r>
-            <a:r>
-              <a:rPr lang="en-US" sz="1400" dirty="0" smtClean="0">
-                <a:latin typeface="Consolas" panose="020B0609020204030204" pitchFamily="49" charset="0"/>
-                <a:cs typeface="Consolas" panose="020B0609020204030204" pitchFamily="49" charset="0"/>
-              </a:rPr>
-              <a:t>	//play with gamepad!</a:t>
-            </a:r>
-          </a:p>
-          <a:p>
-            <a:pPr marL="0" indent="0">
-              <a:lnSpc>
-                <a:spcPct val="120000"/>
-              </a:lnSpc>
-              <a:spcBef>
-                <a:spcPts val="0"/>
-              </a:spcBef>
-              <a:buNone/>
-            </a:pPr>
-            <a:r>
-              <a:rPr lang="en-US" sz="1400" dirty="0" smtClean="0">
-                <a:latin typeface="Consolas" panose="020B0609020204030204" pitchFamily="49" charset="0"/>
-                <a:cs typeface="Consolas" panose="020B0609020204030204" pitchFamily="49" charset="0"/>
-              </a:rPr>
-              <a:t>		if </a:t>
-            </a:r>
-            <a:r>
-              <a:rPr lang="en-US" sz="1400" dirty="0">
-                <a:latin typeface="Consolas" panose="020B0609020204030204" pitchFamily="49" charset="0"/>
-                <a:cs typeface="Consolas" panose="020B0609020204030204" pitchFamily="49" charset="0"/>
-              </a:rPr>
-              <a:t>(pad1.isDown(Phaser.Gamepad.XBOX360_DPAD_LEFT)) { … }</a:t>
-            </a:r>
-          </a:p>
-          <a:p>
-            <a:pPr marL="0" indent="0">
-              <a:lnSpc>
-                <a:spcPct val="120000"/>
-              </a:lnSpc>
-              <a:spcBef>
-                <a:spcPts val="0"/>
-              </a:spcBef>
-              <a:buNone/>
-            </a:pPr>
-            <a:r>
-              <a:rPr lang="en-US" sz="1400" dirty="0" smtClean="0">
-                <a:latin typeface="Consolas" panose="020B0609020204030204" pitchFamily="49" charset="0"/>
-                <a:cs typeface="Consolas" panose="020B0609020204030204" pitchFamily="49" charset="0"/>
-              </a:rPr>
-              <a:t>		if </a:t>
-            </a:r>
-            <a:r>
-              <a:rPr lang="en-US" sz="1400" dirty="0">
-                <a:latin typeface="Consolas" panose="020B0609020204030204" pitchFamily="49" charset="0"/>
-                <a:cs typeface="Consolas" panose="020B0609020204030204" pitchFamily="49" charset="0"/>
-              </a:rPr>
-              <a:t>(pad1.axis(Phaser.Gamepad.XBOX360_STICK_LEFT_X)) { … }</a:t>
-            </a:r>
-          </a:p>
-          <a:p>
-            <a:pPr marL="0" indent="0">
-              <a:lnSpc>
-                <a:spcPct val="120000"/>
-              </a:lnSpc>
-              <a:spcBef>
-                <a:spcPts val="0"/>
-              </a:spcBef>
-              <a:buNone/>
-            </a:pPr>
-            <a:r>
-              <a:rPr lang="en-US" sz="1400" dirty="0" smtClean="0">
-                <a:latin typeface="Consolas" panose="020B0609020204030204" pitchFamily="49" charset="0"/>
-                <a:cs typeface="Consolas" panose="020B0609020204030204" pitchFamily="49" charset="0"/>
-              </a:rPr>
-              <a:t>		if </a:t>
-            </a:r>
-            <a:r>
-              <a:rPr lang="en-US" sz="1400" dirty="0">
-                <a:latin typeface="Consolas" panose="020B0609020204030204" pitchFamily="49" charset="0"/>
-                <a:cs typeface="Consolas" panose="020B0609020204030204" pitchFamily="49" charset="0"/>
-              </a:rPr>
-              <a:t>(pad1.justPressed(Phaser.Gamepad.XBOX360_A)) { … </a:t>
-            </a:r>
-            <a:r>
-              <a:rPr lang="en-US" sz="1400" dirty="0" smtClean="0">
-                <a:latin typeface="Consolas" panose="020B0609020204030204" pitchFamily="49" charset="0"/>
-                <a:cs typeface="Consolas" panose="020B0609020204030204" pitchFamily="49" charset="0"/>
-              </a:rPr>
-              <a:t>}</a:t>
-            </a:r>
-          </a:p>
-          <a:p>
-            <a:pPr marL="0" indent="0">
-              <a:lnSpc>
-                <a:spcPct val="120000"/>
-              </a:lnSpc>
-              <a:spcBef>
-                <a:spcPts val="0"/>
-              </a:spcBef>
-              <a:buNone/>
-            </a:pPr>
-            <a:r>
-              <a:rPr lang="en-US" sz="1400" dirty="0" smtClean="0">
-                <a:latin typeface="Consolas" panose="020B0609020204030204" pitchFamily="49" charset="0"/>
-                <a:cs typeface="Consolas" panose="020B0609020204030204" pitchFamily="49" charset="0"/>
-              </a:rPr>
-              <a:t>	}</a:t>
-            </a:r>
-          </a:p>
-          <a:p>
-            <a:pPr marL="0" indent="0">
-              <a:lnSpc>
-                <a:spcPct val="120000"/>
-              </a:lnSpc>
-              <a:spcBef>
-                <a:spcPts val="0"/>
-              </a:spcBef>
-              <a:buNone/>
-            </a:pPr>
-            <a:r>
-              <a:rPr lang="en-US" sz="1400" dirty="0">
-                <a:latin typeface="Consolas" panose="020B0609020204030204" pitchFamily="49" charset="0"/>
-                <a:cs typeface="Consolas" panose="020B0609020204030204" pitchFamily="49" charset="0"/>
-              </a:rPr>
-              <a:t>	</a:t>
-            </a:r>
-            <a:r>
-              <a:rPr lang="en-US" sz="1400" dirty="0" smtClean="0">
-                <a:latin typeface="Consolas" panose="020B0609020204030204" pitchFamily="49" charset="0"/>
-                <a:cs typeface="Consolas" panose="020B0609020204030204" pitchFamily="49" charset="0"/>
-              </a:rPr>
-              <a:t>else {</a:t>
-            </a:r>
-          </a:p>
-          <a:p>
-            <a:pPr marL="0" indent="0">
-              <a:lnSpc>
-                <a:spcPct val="120000"/>
-              </a:lnSpc>
-              <a:spcBef>
-                <a:spcPts val="0"/>
-              </a:spcBef>
-              <a:buNone/>
-            </a:pPr>
-            <a:r>
-              <a:rPr lang="en-US" sz="1400" dirty="0">
-                <a:latin typeface="Consolas" panose="020B0609020204030204" pitchFamily="49" charset="0"/>
-                <a:cs typeface="Consolas" panose="020B0609020204030204" pitchFamily="49" charset="0"/>
-              </a:rPr>
-              <a:t>		</a:t>
-            </a:r>
-            <a:r>
-              <a:rPr lang="en-US" sz="1400" dirty="0" smtClean="0">
-                <a:latin typeface="Consolas" panose="020B0609020204030204" pitchFamily="49" charset="0"/>
-                <a:cs typeface="Consolas" panose="020B0609020204030204" pitchFamily="49" charset="0"/>
-              </a:rPr>
-              <a:t>//play with boring keyboard!</a:t>
-            </a:r>
-          </a:p>
-          <a:p>
-            <a:pPr marL="0" indent="0">
-              <a:lnSpc>
-                <a:spcPct val="120000"/>
-              </a:lnSpc>
-              <a:spcBef>
-                <a:spcPts val="0"/>
-              </a:spcBef>
-              <a:buNone/>
-            </a:pPr>
-            <a:r>
-              <a:rPr lang="en-US" sz="1400" dirty="0">
-                <a:latin typeface="Consolas" panose="020B0609020204030204" pitchFamily="49" charset="0"/>
-                <a:cs typeface="Consolas" panose="020B0609020204030204" pitchFamily="49" charset="0"/>
-              </a:rPr>
-              <a:t>	</a:t>
-            </a:r>
-            <a:r>
-              <a:rPr lang="en-US" sz="1400" dirty="0" smtClean="0">
-                <a:latin typeface="Consolas" panose="020B0609020204030204" pitchFamily="49" charset="0"/>
-                <a:cs typeface="Consolas" panose="020B0609020204030204" pitchFamily="49" charset="0"/>
-              </a:rPr>
-              <a:t>}</a:t>
-            </a:r>
-          </a:p>
-          <a:p>
-            <a:pPr marL="0" indent="0">
-              <a:lnSpc>
-                <a:spcPct val="120000"/>
-              </a:lnSpc>
-              <a:spcBef>
-                <a:spcPts val="0"/>
-              </a:spcBef>
-              <a:buNone/>
-            </a:pPr>
-            <a:r>
-              <a:rPr lang="en-US" sz="1400" dirty="0" smtClean="0">
-                <a:latin typeface="Consolas" panose="020B0609020204030204" pitchFamily="49" charset="0"/>
-                <a:cs typeface="Consolas" panose="020B0609020204030204" pitchFamily="49" charset="0"/>
-              </a:rPr>
-              <a:t>}</a:t>
-            </a:r>
+              <a:rPr lang="en-US" sz="2000" dirty="0" smtClean="0">
+                <a:latin typeface="Consolas" panose="020B0609020204030204" pitchFamily="49" charset="0"/>
+                <a:cs typeface="Consolas" panose="020B0609020204030204" pitchFamily="49" charset="0"/>
+              </a:rPr>
+              <a:t>game.input.pointer3;</a:t>
+            </a:r>
+            <a:r>
+              <a:rPr lang="en-US" dirty="0" smtClean="0">
+                <a:cs typeface="Consolas" panose="020B0609020204030204" pitchFamily="49" charset="0"/>
+              </a:rPr>
+              <a:t> or </a:t>
+            </a:r>
+            <a:r>
+              <a:rPr lang="en-US" sz="2000" dirty="0" smtClean="0">
+                <a:latin typeface="Consolas" panose="020B0609020204030204" pitchFamily="49" charset="0"/>
+                <a:cs typeface="Consolas" panose="020B0609020204030204" pitchFamily="49" charset="0"/>
+              </a:rPr>
+              <a:t>game.input.pointer4;</a:t>
+            </a:r>
+            <a:endParaRPr lang="en-US" sz="2000" dirty="0">
+              <a:latin typeface="Consolas" panose="020B0609020204030204" pitchFamily="49" charset="0"/>
+              <a:cs typeface="Consolas" panose="020B0609020204030204" pitchFamily="49" charset="0"/>
+            </a:endParaRPr>
           </a:p>
         </p:txBody>
       </p:sp>
@@ -10230,7 +10141,7 @@
     </p:spTree>
     <p:extLst>
       <p:ext uri="{BB962C8B-B14F-4D97-AF65-F5344CB8AC3E}">
-        <p14:creationId xmlns:p14="http://schemas.microsoft.com/office/powerpoint/2010/main" val="1566433481"/>
+        <p14:creationId xmlns:p14="http://schemas.microsoft.com/office/powerpoint/2010/main" val="1177716729"/>
       </p:ext>
     </p:extLst>
   </p:cSld>
@@ -10283,8 +10194,766 @@
           <a:p>
             <a:pPr algn="ctr"/>
             <a:r>
+              <a:rPr lang="en-US" sz="4000" dirty="0" smtClean="0"/>
+              <a:t>Input: Gamepad</a:t>
+            </a:r>
+            <a:endParaRPr lang="en-US" sz="4000" dirty="0"/>
+          </a:p>
+        </p:txBody>
+      </p:sp>
+      <p:sp>
+        <p:nvSpPr>
+          <p:cNvPr id="3" name="Segnaposto contenuto 2"/>
+          <p:cNvSpPr>
+            <a:spLocks noGrp="1"/>
+          </p:cNvSpPr>
+          <p:nvPr>
+            <p:ph idx="1"/>
+          </p:nvPr>
+        </p:nvSpPr>
+        <p:spPr/>
+        <p:txBody>
+          <a:bodyPr>
+            <a:noAutofit/>
+          </a:bodyPr>
+          <a:lstStyle/>
+          <a:p>
+            <a:pPr marL="0" indent="0">
+              <a:lnSpc>
+                <a:spcPct val="120000"/>
+              </a:lnSpc>
+              <a:spcBef>
+                <a:spcPts val="0"/>
+              </a:spcBef>
+              <a:buNone/>
+            </a:pPr>
+            <a:r>
+              <a:rPr lang="en-US" sz="1400" dirty="0">
+                <a:latin typeface="Consolas" panose="020B0609020204030204" pitchFamily="49" charset="0"/>
+                <a:cs typeface="Consolas" panose="020B0609020204030204" pitchFamily="49" charset="0"/>
+              </a:rPr>
+              <a:t>f</a:t>
+            </a:r>
+            <a:r>
+              <a:rPr lang="en-US" sz="1400" dirty="0" smtClean="0">
+                <a:latin typeface="Consolas" panose="020B0609020204030204" pitchFamily="49" charset="0"/>
+                <a:cs typeface="Consolas" panose="020B0609020204030204" pitchFamily="49" charset="0"/>
+              </a:rPr>
+              <a:t>unction create</a:t>
+            </a:r>
+            <a:r>
+              <a:rPr lang="en-US" sz="1400" dirty="0">
+                <a:latin typeface="Consolas" panose="020B0609020204030204" pitchFamily="49" charset="0"/>
+                <a:cs typeface="Consolas" panose="020B0609020204030204" pitchFamily="49" charset="0"/>
+              </a:rPr>
+              <a:t>() </a:t>
+            </a:r>
+            <a:r>
+              <a:rPr lang="en-US" sz="1400" dirty="0" smtClean="0">
+                <a:latin typeface="Consolas" panose="020B0609020204030204" pitchFamily="49" charset="0"/>
+                <a:cs typeface="Consolas" panose="020B0609020204030204" pitchFamily="49" charset="0"/>
+              </a:rPr>
+              <a:t>{</a:t>
+            </a:r>
+          </a:p>
+          <a:p>
+            <a:pPr marL="0" indent="0">
+              <a:lnSpc>
+                <a:spcPct val="120000"/>
+              </a:lnSpc>
+              <a:spcBef>
+                <a:spcPts val="0"/>
+              </a:spcBef>
+              <a:buNone/>
+            </a:pPr>
+            <a:r>
+              <a:rPr lang="en-US" sz="1400" dirty="0" smtClean="0">
+                <a:latin typeface="Consolas" panose="020B0609020204030204" pitchFamily="49" charset="0"/>
+                <a:cs typeface="Consolas" panose="020B0609020204030204" pitchFamily="49" charset="0"/>
+              </a:rPr>
+              <a:t>	</a:t>
+            </a:r>
+            <a:r>
+              <a:rPr lang="en-US" sz="1400" dirty="0" err="1" smtClean="0">
+                <a:latin typeface="Consolas" panose="020B0609020204030204" pitchFamily="49" charset="0"/>
+                <a:cs typeface="Consolas" panose="020B0609020204030204" pitchFamily="49" charset="0"/>
+              </a:rPr>
+              <a:t>game.input.gamepad.start</a:t>
+            </a:r>
+            <a:r>
+              <a:rPr lang="en-US" sz="1400" dirty="0">
+                <a:latin typeface="Consolas" panose="020B0609020204030204" pitchFamily="49" charset="0"/>
+                <a:cs typeface="Consolas" panose="020B0609020204030204" pitchFamily="49" charset="0"/>
+              </a:rPr>
+              <a:t>();</a:t>
+            </a:r>
+          </a:p>
+          <a:p>
+            <a:pPr marL="0" indent="0">
+              <a:lnSpc>
+                <a:spcPct val="120000"/>
+              </a:lnSpc>
+              <a:spcBef>
+                <a:spcPts val="0"/>
+              </a:spcBef>
+              <a:buNone/>
+            </a:pPr>
+            <a:r>
+              <a:rPr lang="en-US" sz="1400" dirty="0" smtClean="0">
+                <a:latin typeface="Consolas" panose="020B0609020204030204" pitchFamily="49" charset="0"/>
+                <a:cs typeface="Consolas" panose="020B0609020204030204" pitchFamily="49" charset="0"/>
+              </a:rPr>
+              <a:t>	pad1 </a:t>
+            </a:r>
+            <a:r>
+              <a:rPr lang="en-US" sz="1400" dirty="0">
+                <a:latin typeface="Consolas" panose="020B0609020204030204" pitchFamily="49" charset="0"/>
+                <a:cs typeface="Consolas" panose="020B0609020204030204" pitchFamily="49" charset="0"/>
+              </a:rPr>
+              <a:t>= game.input.gamepad.pad1</a:t>
+            </a:r>
+            <a:r>
+              <a:rPr lang="en-US" sz="1400" dirty="0" smtClean="0">
+                <a:latin typeface="Consolas" panose="020B0609020204030204" pitchFamily="49" charset="0"/>
+                <a:cs typeface="Consolas" panose="020B0609020204030204" pitchFamily="49" charset="0"/>
+              </a:rPr>
+              <a:t>;</a:t>
+            </a:r>
+          </a:p>
+          <a:p>
+            <a:pPr marL="0" indent="0">
+              <a:lnSpc>
+                <a:spcPct val="120000"/>
+              </a:lnSpc>
+              <a:spcBef>
+                <a:spcPts val="0"/>
+              </a:spcBef>
+              <a:buNone/>
+            </a:pPr>
+            <a:r>
+              <a:rPr lang="en-US" sz="1400" dirty="0" smtClean="0">
+                <a:latin typeface="Consolas" panose="020B0609020204030204" pitchFamily="49" charset="0"/>
+                <a:cs typeface="Consolas" panose="020B0609020204030204" pitchFamily="49" charset="0"/>
+              </a:rPr>
+              <a:t>}</a:t>
+            </a:r>
+          </a:p>
+          <a:p>
+            <a:pPr marL="0" indent="0">
+              <a:lnSpc>
+                <a:spcPct val="120000"/>
+              </a:lnSpc>
+              <a:spcBef>
+                <a:spcPts val="0"/>
+              </a:spcBef>
+              <a:buNone/>
+            </a:pPr>
+            <a:r>
+              <a:rPr lang="en-US" sz="1400" dirty="0">
+                <a:latin typeface="Consolas" panose="020B0609020204030204" pitchFamily="49" charset="0"/>
+                <a:cs typeface="Consolas" panose="020B0609020204030204" pitchFamily="49" charset="0"/>
+              </a:rPr>
+              <a:t>f</a:t>
+            </a:r>
+            <a:r>
+              <a:rPr lang="en-US" sz="1400" dirty="0" smtClean="0">
+                <a:latin typeface="Consolas" panose="020B0609020204030204" pitchFamily="49" charset="0"/>
+                <a:cs typeface="Consolas" panose="020B0609020204030204" pitchFamily="49" charset="0"/>
+              </a:rPr>
+              <a:t>unction update() {</a:t>
+            </a:r>
+          </a:p>
+          <a:p>
+            <a:pPr marL="0" indent="0">
+              <a:lnSpc>
+                <a:spcPct val="120000"/>
+              </a:lnSpc>
+              <a:spcBef>
+                <a:spcPts val="0"/>
+              </a:spcBef>
+              <a:buNone/>
+            </a:pPr>
+            <a:r>
+              <a:rPr lang="en-US" sz="1400" dirty="0" smtClean="0">
+                <a:latin typeface="Consolas" panose="020B0609020204030204" pitchFamily="49" charset="0"/>
+                <a:cs typeface="Consolas" panose="020B0609020204030204" pitchFamily="49" charset="0"/>
+              </a:rPr>
+              <a:t>	if </a:t>
+            </a:r>
+            <a:r>
+              <a:rPr lang="en-US" sz="1400" dirty="0">
+                <a:latin typeface="Consolas" panose="020B0609020204030204" pitchFamily="49" charset="0"/>
+                <a:cs typeface="Consolas" panose="020B0609020204030204" pitchFamily="49" charset="0"/>
+              </a:rPr>
+              <a:t>(</a:t>
+            </a:r>
+            <a:r>
+              <a:rPr lang="en-US" sz="1400" dirty="0" err="1" smtClean="0">
+                <a:latin typeface="Consolas" panose="020B0609020204030204" pitchFamily="49" charset="0"/>
+                <a:cs typeface="Consolas" panose="020B0609020204030204" pitchFamily="49" charset="0"/>
+              </a:rPr>
+              <a:t>game.input.gamepad.supported</a:t>
+            </a:r>
+            <a:r>
+              <a:rPr lang="en-US" sz="1400" dirty="0" smtClean="0">
+                <a:latin typeface="Consolas" panose="020B0609020204030204" pitchFamily="49" charset="0"/>
+                <a:cs typeface="Consolas" panose="020B0609020204030204" pitchFamily="49" charset="0"/>
+              </a:rPr>
+              <a:t> </a:t>
+            </a:r>
+          </a:p>
+          <a:p>
+            <a:pPr marL="0" indent="0">
+              <a:lnSpc>
+                <a:spcPct val="120000"/>
+              </a:lnSpc>
+              <a:spcBef>
+                <a:spcPts val="0"/>
+              </a:spcBef>
+              <a:buNone/>
+            </a:pPr>
+            <a:r>
+              <a:rPr lang="en-US" sz="1400" dirty="0" smtClean="0">
+                <a:latin typeface="Consolas" panose="020B0609020204030204" pitchFamily="49" charset="0"/>
+                <a:cs typeface="Consolas" panose="020B0609020204030204" pitchFamily="49" charset="0"/>
+              </a:rPr>
+              <a:t>		&amp;&amp; </a:t>
+            </a:r>
+            <a:r>
+              <a:rPr lang="en-US" sz="1400" dirty="0" err="1" smtClean="0">
+                <a:latin typeface="Consolas" panose="020B0609020204030204" pitchFamily="49" charset="0"/>
+                <a:cs typeface="Consolas" panose="020B0609020204030204" pitchFamily="49" charset="0"/>
+              </a:rPr>
+              <a:t>game.input.gamepad.active</a:t>
+            </a:r>
+            <a:r>
+              <a:rPr lang="en-US" sz="1400" dirty="0" smtClean="0">
+                <a:latin typeface="Consolas" panose="020B0609020204030204" pitchFamily="49" charset="0"/>
+                <a:cs typeface="Consolas" panose="020B0609020204030204" pitchFamily="49" charset="0"/>
+              </a:rPr>
+              <a:t> </a:t>
+            </a:r>
+          </a:p>
+          <a:p>
+            <a:pPr marL="0" indent="0">
+              <a:lnSpc>
+                <a:spcPct val="120000"/>
+              </a:lnSpc>
+              <a:spcBef>
+                <a:spcPts val="0"/>
+              </a:spcBef>
+              <a:buNone/>
+            </a:pPr>
+            <a:r>
+              <a:rPr lang="en-US" sz="1400" dirty="0" smtClean="0">
+                <a:latin typeface="Consolas" panose="020B0609020204030204" pitchFamily="49" charset="0"/>
+                <a:cs typeface="Consolas" panose="020B0609020204030204" pitchFamily="49" charset="0"/>
+              </a:rPr>
+              <a:t>		&amp;&amp; pad1.connected</a:t>
+            </a:r>
+            <a:r>
+              <a:rPr lang="en-US" sz="1400" dirty="0">
+                <a:latin typeface="Consolas" panose="020B0609020204030204" pitchFamily="49" charset="0"/>
+                <a:cs typeface="Consolas" panose="020B0609020204030204" pitchFamily="49" charset="0"/>
+              </a:rPr>
+              <a:t>) </a:t>
+            </a:r>
+            <a:r>
+              <a:rPr lang="en-US" sz="1400" dirty="0" smtClean="0">
+                <a:latin typeface="Consolas" panose="020B0609020204030204" pitchFamily="49" charset="0"/>
+                <a:cs typeface="Consolas" panose="020B0609020204030204" pitchFamily="49" charset="0"/>
+              </a:rPr>
+              <a:t>{</a:t>
+            </a:r>
+          </a:p>
+          <a:p>
+            <a:pPr marL="0" indent="0">
+              <a:lnSpc>
+                <a:spcPct val="120000"/>
+              </a:lnSpc>
+              <a:spcBef>
+                <a:spcPts val="0"/>
+              </a:spcBef>
+              <a:buNone/>
+            </a:pPr>
+            <a:r>
+              <a:rPr lang="en-US" sz="1400" dirty="0">
+                <a:latin typeface="Consolas" panose="020B0609020204030204" pitchFamily="49" charset="0"/>
+                <a:cs typeface="Consolas" panose="020B0609020204030204" pitchFamily="49" charset="0"/>
+              </a:rPr>
+              <a:t>	</a:t>
+            </a:r>
+            <a:r>
+              <a:rPr lang="en-US" sz="1400" dirty="0" smtClean="0">
+                <a:latin typeface="Consolas" panose="020B0609020204030204" pitchFamily="49" charset="0"/>
+                <a:cs typeface="Consolas" panose="020B0609020204030204" pitchFamily="49" charset="0"/>
+              </a:rPr>
+              <a:t>	//play with gamepad!</a:t>
+            </a:r>
+          </a:p>
+          <a:p>
+            <a:pPr marL="0" indent="0">
+              <a:lnSpc>
+                <a:spcPct val="120000"/>
+              </a:lnSpc>
+              <a:spcBef>
+                <a:spcPts val="0"/>
+              </a:spcBef>
+              <a:buNone/>
+            </a:pPr>
+            <a:r>
+              <a:rPr lang="en-US" sz="1400" dirty="0" smtClean="0">
+                <a:latin typeface="Consolas" panose="020B0609020204030204" pitchFamily="49" charset="0"/>
+                <a:cs typeface="Consolas" panose="020B0609020204030204" pitchFamily="49" charset="0"/>
+              </a:rPr>
+              <a:t>		if </a:t>
+            </a:r>
+            <a:r>
+              <a:rPr lang="en-US" sz="1400" dirty="0">
+                <a:latin typeface="Consolas" panose="020B0609020204030204" pitchFamily="49" charset="0"/>
+                <a:cs typeface="Consolas" panose="020B0609020204030204" pitchFamily="49" charset="0"/>
+              </a:rPr>
+              <a:t>(pad1.isDown(Phaser.Gamepad.XBOX360_DPAD_LEFT)) { … }</a:t>
+            </a:r>
+          </a:p>
+          <a:p>
+            <a:pPr marL="0" indent="0">
+              <a:lnSpc>
+                <a:spcPct val="120000"/>
+              </a:lnSpc>
+              <a:spcBef>
+                <a:spcPts val="0"/>
+              </a:spcBef>
+              <a:buNone/>
+            </a:pPr>
+            <a:r>
+              <a:rPr lang="en-US" sz="1400" dirty="0" smtClean="0">
+                <a:latin typeface="Consolas" panose="020B0609020204030204" pitchFamily="49" charset="0"/>
+                <a:cs typeface="Consolas" panose="020B0609020204030204" pitchFamily="49" charset="0"/>
+              </a:rPr>
+              <a:t>		if </a:t>
+            </a:r>
+            <a:r>
+              <a:rPr lang="en-US" sz="1400" dirty="0">
+                <a:latin typeface="Consolas" panose="020B0609020204030204" pitchFamily="49" charset="0"/>
+                <a:cs typeface="Consolas" panose="020B0609020204030204" pitchFamily="49" charset="0"/>
+              </a:rPr>
+              <a:t>(pad1.axis(Phaser.Gamepad.XBOX360_STICK_LEFT_X)) { … }</a:t>
+            </a:r>
+          </a:p>
+          <a:p>
+            <a:pPr marL="0" indent="0">
+              <a:lnSpc>
+                <a:spcPct val="120000"/>
+              </a:lnSpc>
+              <a:spcBef>
+                <a:spcPts val="0"/>
+              </a:spcBef>
+              <a:buNone/>
+            </a:pPr>
+            <a:r>
+              <a:rPr lang="en-US" sz="1400" dirty="0" smtClean="0">
+                <a:latin typeface="Consolas" panose="020B0609020204030204" pitchFamily="49" charset="0"/>
+                <a:cs typeface="Consolas" panose="020B0609020204030204" pitchFamily="49" charset="0"/>
+              </a:rPr>
+              <a:t>		if </a:t>
+            </a:r>
+            <a:r>
+              <a:rPr lang="en-US" sz="1400" dirty="0">
+                <a:latin typeface="Consolas" panose="020B0609020204030204" pitchFamily="49" charset="0"/>
+                <a:cs typeface="Consolas" panose="020B0609020204030204" pitchFamily="49" charset="0"/>
+              </a:rPr>
+              <a:t>(pad1.justPressed(Phaser.Gamepad.XBOX360_A)) { … </a:t>
+            </a:r>
+            <a:r>
+              <a:rPr lang="en-US" sz="1400" dirty="0" smtClean="0">
+                <a:latin typeface="Consolas" panose="020B0609020204030204" pitchFamily="49" charset="0"/>
+                <a:cs typeface="Consolas" panose="020B0609020204030204" pitchFamily="49" charset="0"/>
+              </a:rPr>
+              <a:t>}</a:t>
+            </a:r>
+          </a:p>
+          <a:p>
+            <a:pPr marL="0" indent="0">
+              <a:lnSpc>
+                <a:spcPct val="120000"/>
+              </a:lnSpc>
+              <a:spcBef>
+                <a:spcPts val="0"/>
+              </a:spcBef>
+              <a:buNone/>
+            </a:pPr>
+            <a:r>
+              <a:rPr lang="en-US" sz="1400" dirty="0" smtClean="0">
+                <a:latin typeface="Consolas" panose="020B0609020204030204" pitchFamily="49" charset="0"/>
+                <a:cs typeface="Consolas" panose="020B0609020204030204" pitchFamily="49" charset="0"/>
+              </a:rPr>
+              <a:t>	}</a:t>
+            </a:r>
+          </a:p>
+          <a:p>
+            <a:pPr marL="0" indent="0">
+              <a:lnSpc>
+                <a:spcPct val="120000"/>
+              </a:lnSpc>
+              <a:spcBef>
+                <a:spcPts val="0"/>
+              </a:spcBef>
+              <a:buNone/>
+            </a:pPr>
+            <a:r>
+              <a:rPr lang="en-US" sz="1400" dirty="0">
+                <a:latin typeface="Consolas" panose="020B0609020204030204" pitchFamily="49" charset="0"/>
+                <a:cs typeface="Consolas" panose="020B0609020204030204" pitchFamily="49" charset="0"/>
+              </a:rPr>
+              <a:t>	</a:t>
+            </a:r>
+            <a:r>
+              <a:rPr lang="en-US" sz="1400" dirty="0" smtClean="0">
+                <a:latin typeface="Consolas" panose="020B0609020204030204" pitchFamily="49" charset="0"/>
+                <a:cs typeface="Consolas" panose="020B0609020204030204" pitchFamily="49" charset="0"/>
+              </a:rPr>
+              <a:t>else {</a:t>
+            </a:r>
+          </a:p>
+          <a:p>
+            <a:pPr marL="0" indent="0">
+              <a:lnSpc>
+                <a:spcPct val="120000"/>
+              </a:lnSpc>
+              <a:spcBef>
+                <a:spcPts val="0"/>
+              </a:spcBef>
+              <a:buNone/>
+            </a:pPr>
+            <a:r>
+              <a:rPr lang="en-US" sz="1400" dirty="0">
+                <a:latin typeface="Consolas" panose="020B0609020204030204" pitchFamily="49" charset="0"/>
+                <a:cs typeface="Consolas" panose="020B0609020204030204" pitchFamily="49" charset="0"/>
+              </a:rPr>
+              <a:t>		</a:t>
+            </a:r>
+            <a:r>
+              <a:rPr lang="en-US" sz="1400" dirty="0" smtClean="0">
+                <a:latin typeface="Consolas" panose="020B0609020204030204" pitchFamily="49" charset="0"/>
+                <a:cs typeface="Consolas" panose="020B0609020204030204" pitchFamily="49" charset="0"/>
+              </a:rPr>
+              <a:t>//play with boring keyboard!</a:t>
+            </a:r>
+          </a:p>
+          <a:p>
+            <a:pPr marL="0" indent="0">
+              <a:lnSpc>
+                <a:spcPct val="120000"/>
+              </a:lnSpc>
+              <a:spcBef>
+                <a:spcPts val="0"/>
+              </a:spcBef>
+              <a:buNone/>
+            </a:pPr>
+            <a:r>
+              <a:rPr lang="en-US" sz="1400" dirty="0">
+                <a:latin typeface="Consolas" panose="020B0609020204030204" pitchFamily="49" charset="0"/>
+                <a:cs typeface="Consolas" panose="020B0609020204030204" pitchFamily="49" charset="0"/>
+              </a:rPr>
+              <a:t>	</a:t>
+            </a:r>
+            <a:r>
+              <a:rPr lang="en-US" sz="1400" dirty="0" smtClean="0">
+                <a:latin typeface="Consolas" panose="020B0609020204030204" pitchFamily="49" charset="0"/>
+                <a:cs typeface="Consolas" panose="020B0609020204030204" pitchFamily="49" charset="0"/>
+              </a:rPr>
+              <a:t>}</a:t>
+            </a:r>
+          </a:p>
+          <a:p>
+            <a:pPr marL="0" indent="0">
+              <a:lnSpc>
+                <a:spcPct val="120000"/>
+              </a:lnSpc>
+              <a:spcBef>
+                <a:spcPts val="0"/>
+              </a:spcBef>
+              <a:buNone/>
+            </a:pPr>
+            <a:r>
+              <a:rPr lang="en-US" sz="1400" dirty="0" smtClean="0">
+                <a:latin typeface="Consolas" panose="020B0609020204030204" pitchFamily="49" charset="0"/>
+                <a:cs typeface="Consolas" panose="020B0609020204030204" pitchFamily="49" charset="0"/>
+              </a:rPr>
+              <a:t>}</a:t>
+            </a:r>
+          </a:p>
+        </p:txBody>
+      </p:sp>
+      <p:sp>
+        <p:nvSpPr>
+          <p:cNvPr id="4" name="Segnaposto data 3"/>
+          <p:cNvSpPr>
+            <a:spLocks noGrp="1"/>
+          </p:cNvSpPr>
+          <p:nvPr>
+            <p:ph type="dt" sz="half" idx="10"/>
+          </p:nvPr>
+        </p:nvSpPr>
+        <p:spPr>
+          <a:xfrm>
+            <a:off x="539552" y="115094"/>
+            <a:ext cx="3233886" cy="365125"/>
+          </a:xfrm>
+        </p:spPr>
+        <p:txBody>
+          <a:bodyPr/>
+          <a:lstStyle/>
+          <a:p>
+            <a:r>
+              <a:rPr lang="en-US" b="1" i="1" smtClean="0">
+                <a:solidFill>
+                  <a:schemeClr val="bg1"/>
+                </a:solidFill>
+              </a:rPr>
+              <a:t>ROME  11-12 april 2014 – Valerio Riva</a:t>
+            </a:r>
+            <a:endParaRPr lang="it-IT" b="1" i="1" dirty="0">
+              <a:solidFill>
+                <a:schemeClr val="bg1"/>
+              </a:solidFill>
+            </a:endParaRPr>
+          </a:p>
+        </p:txBody>
+      </p:sp>
+      <p:sp>
+        <p:nvSpPr>
+          <p:cNvPr id="5" name="Segnaposto numero diapositiva 4"/>
+          <p:cNvSpPr>
+            <a:spLocks noGrp="1"/>
+          </p:cNvSpPr>
+          <p:nvPr>
+            <p:ph type="sldNum" sz="quarter" idx="12"/>
+          </p:nvPr>
+        </p:nvSpPr>
+        <p:spPr/>
+        <p:txBody>
+          <a:bodyPr/>
+          <a:lstStyle/>
+          <a:p>
+            <a:fld id="{219C0E88-5C08-45F5-BD91-E93F425D2D58}" type="slidenum">
+              <a:rPr lang="it-IT" smtClean="0"/>
+              <a:t>23</a:t>
+            </a:fld>
+            <a:endParaRPr lang="it-IT" dirty="0"/>
+          </a:p>
+        </p:txBody>
+      </p:sp>
+    </p:spTree>
+    <p:extLst>
+      <p:ext uri="{BB962C8B-B14F-4D97-AF65-F5344CB8AC3E}">
+        <p14:creationId xmlns:p14="http://schemas.microsoft.com/office/powerpoint/2010/main" val="1566433481"/>
+      </p:ext>
+    </p:extLst>
+  </p:cSld>
+  <p:clrMapOvr>
+    <a:masterClrMapping/>
+  </p:clrMapOvr>
+  <p:timing>
+    <p:tnLst>
+      <p:par>
+        <p:cTn id="1" dur="indefinite" restart="never" nodeType="tmRoot"/>
+      </p:par>
+    </p:tnLst>
+  </p:timing>
+</p:sld>
+</file>
+
+<file path=ppt/slides/slide24.xml><?xml version="1.0" encoding="utf-8"?>
+<p:sld xmlns:a="http://schemas.openxmlformats.org/drawingml/2006/main" xmlns:r="http://schemas.openxmlformats.org/officeDocument/2006/relationships" xmlns:p="http://schemas.openxmlformats.org/presentationml/2006/main">
+  <p:cSld>
+    <p:spTree>
+      <p:nvGrpSpPr>
+        <p:cNvPr id="1" name=""/>
+        <p:cNvGrpSpPr/>
+        <p:nvPr/>
+      </p:nvGrpSpPr>
+      <p:grpSpPr>
+        <a:xfrm>
+          <a:off x="0" y="0"/>
+          <a:ext cx="0" cy="0"/>
+          <a:chOff x="0" y="0"/>
+          <a:chExt cx="0" cy="0"/>
+        </a:xfrm>
+      </p:grpSpPr>
+      <p:sp>
+        <p:nvSpPr>
+          <p:cNvPr id="2" name="Titolo 1"/>
+          <p:cNvSpPr>
+            <a:spLocks noGrp="1"/>
+          </p:cNvSpPr>
+          <p:nvPr>
+            <p:ph type="title"/>
+          </p:nvPr>
+        </p:nvSpPr>
+        <p:spPr/>
+        <p:txBody>
+          <a:bodyPr>
+            <a:normAutofit/>
+          </a:bodyPr>
+          <a:lstStyle/>
+          <a:p>
+            <a:pPr algn="ctr"/>
+            <a:r>
               <a:rPr lang="en-GB" sz="4000" dirty="0"/>
               <a:t>Dissecting the mummy</a:t>
+            </a:r>
+            <a:endParaRPr lang="en-US" sz="4000" dirty="0"/>
+          </a:p>
+        </p:txBody>
+      </p:sp>
+      <p:sp>
+        <p:nvSpPr>
+          <p:cNvPr id="4" name="Segnaposto data 3"/>
+          <p:cNvSpPr>
+            <a:spLocks noGrp="1"/>
+          </p:cNvSpPr>
+          <p:nvPr>
+            <p:ph type="dt" sz="half" idx="10"/>
+          </p:nvPr>
+        </p:nvSpPr>
+        <p:spPr>
+          <a:xfrm>
+            <a:off x="539552" y="115094"/>
+            <a:ext cx="3233886" cy="365125"/>
+          </a:xfrm>
+        </p:spPr>
+        <p:txBody>
+          <a:bodyPr/>
+          <a:lstStyle/>
+          <a:p>
+            <a:r>
+              <a:rPr lang="en-US" b="1" i="1" smtClean="0">
+                <a:solidFill>
+                  <a:schemeClr val="bg1"/>
+                </a:solidFill>
+              </a:rPr>
+              <a:t>ROME  11-12 april 2014 – Valerio Riva</a:t>
+            </a:r>
+            <a:endParaRPr lang="it-IT" b="1" i="1" dirty="0">
+              <a:solidFill>
+                <a:schemeClr val="bg1"/>
+              </a:solidFill>
+            </a:endParaRPr>
+          </a:p>
+        </p:txBody>
+      </p:sp>
+      <p:sp>
+        <p:nvSpPr>
+          <p:cNvPr id="5" name="Segnaposto numero diapositiva 4"/>
+          <p:cNvSpPr>
+            <a:spLocks noGrp="1"/>
+          </p:cNvSpPr>
+          <p:nvPr>
+            <p:ph type="sldNum" sz="quarter" idx="12"/>
+          </p:nvPr>
+        </p:nvSpPr>
+        <p:spPr/>
+        <p:txBody>
+          <a:bodyPr/>
+          <a:lstStyle/>
+          <a:p>
+            <a:fld id="{219C0E88-5C08-45F5-BD91-E93F425D2D58}" type="slidenum">
+              <a:rPr lang="it-IT" smtClean="0"/>
+              <a:t>24</a:t>
+            </a:fld>
+            <a:endParaRPr lang="it-IT" dirty="0"/>
+          </a:p>
+        </p:txBody>
+      </p:sp>
+      <p:pic>
+        <p:nvPicPr>
+          <p:cNvPr id="8" name="Segnaposto contenuto 7"/>
+          <p:cNvPicPr>
+            <a:picLocks noGrp="1" noChangeAspect="1"/>
+          </p:cNvPicPr>
+          <p:nvPr>
+            <p:ph idx="1"/>
+          </p:nvPr>
+        </p:nvPicPr>
+        <p:blipFill>
+          <a:blip r:embed="rId3">
+            <a:extLst>
+              <a:ext uri="{28A0092B-C50C-407E-A947-70E740481C1C}">
+                <a14:useLocalDpi xmlns:a14="http://schemas.microsoft.com/office/drawing/2010/main" val="0"/>
+              </a:ext>
+            </a:extLst>
+          </a:blip>
+          <a:stretch>
+            <a:fillRect/>
+          </a:stretch>
+        </p:blipFill>
+        <p:spPr>
+          <a:xfrm>
+            <a:off x="1664896" y="1825625"/>
+            <a:ext cx="5814207" cy="4351338"/>
+          </a:xfrm>
+        </p:spPr>
+      </p:pic>
+    </p:spTree>
+    <p:extLst>
+      <p:ext uri="{BB962C8B-B14F-4D97-AF65-F5344CB8AC3E}">
+        <p14:creationId xmlns:p14="http://schemas.microsoft.com/office/powerpoint/2010/main" val="3911238045"/>
+      </p:ext>
+    </p:extLst>
+  </p:cSld>
+  <p:clrMapOvr>
+    <a:masterClrMapping/>
+  </p:clrMapOvr>
+  <p:timing>
+    <p:tnLst>
+      <p:par>
+        <p:cTn id="1" dur="indefinite" restart="never" nodeType="tmRoot"/>
+      </p:par>
+    </p:tnLst>
+  </p:timing>
+</p:sld>
+</file>
+
+<file path=ppt/slides/slide25.xml><?xml version="1.0" encoding="utf-8"?>
+<p:sld xmlns:a="http://schemas.openxmlformats.org/drawingml/2006/main" xmlns:r="http://schemas.openxmlformats.org/officeDocument/2006/relationships" xmlns:p="http://schemas.openxmlformats.org/presentationml/2006/main">
+  <p:cSld>
+    <p:spTree>
+      <p:nvGrpSpPr>
+        <p:cNvPr id="1" name=""/>
+        <p:cNvGrpSpPr/>
+        <p:nvPr/>
+      </p:nvGrpSpPr>
+      <p:grpSpPr>
+        <a:xfrm>
+          <a:off x="0" y="0"/>
+          <a:ext cx="0" cy="0"/>
+          <a:chOff x="0" y="0"/>
+          <a:chExt cx="0" cy="0"/>
+        </a:xfrm>
+      </p:grpSpPr>
+      <p:sp>
+        <p:nvSpPr>
+          <p:cNvPr id="2" name="Titolo 1"/>
+          <p:cNvSpPr>
+            <a:spLocks noGrp="1"/>
+          </p:cNvSpPr>
+          <p:nvPr>
+            <p:ph type="title"/>
+          </p:nvPr>
+        </p:nvSpPr>
+        <p:spPr/>
+        <p:txBody>
+          <a:bodyPr>
+            <a:normAutofit/>
+          </a:bodyPr>
+          <a:lstStyle/>
+          <a:p>
+            <a:pPr algn="ctr"/>
+            <a:r>
+              <a:rPr lang="en-US" sz="4000" dirty="0" smtClean="0"/>
+              <a:t>Want more?</a:t>
             </a:r>
             <a:endParaRPr lang="en-US" sz="4000" dirty="0"/>
           </a:p>
@@ -10316,50 +10985,98 @@
               </a:spcBef>
             </a:pPr>
             <a:r>
-              <a:rPr lang="en-US" dirty="0" err="1" smtClean="0">
-                <a:cs typeface="Consolas" panose="020B0609020204030204" pitchFamily="49" charset="0"/>
-              </a:rPr>
-              <a:t>Vediamo</a:t>
-            </a:r>
-            <a:r>
               <a:rPr lang="en-US" dirty="0" smtClean="0">
                 <a:cs typeface="Consolas" panose="020B0609020204030204" pitchFamily="49" charset="0"/>
               </a:rPr>
-              <a:t> </a:t>
-            </a:r>
-            <a:r>
-              <a:rPr lang="en-US" dirty="0" err="1" smtClean="0">
-                <a:cs typeface="Consolas" panose="020B0609020204030204" pitchFamily="49" charset="0"/>
-              </a:rPr>
-              <a:t>il</a:t>
+              <a:t>Take a look to another example that implements P2 physics engine </a:t>
+            </a:r>
+            <a:r>
+              <a:rPr lang="en-US" dirty="0">
+                <a:cs typeface="Consolas" panose="020B0609020204030204" pitchFamily="49" charset="0"/>
+              </a:rPr>
+              <a:t>(</a:t>
             </a:r>
             <a:r>
               <a:rPr lang="en-US" dirty="0" smtClean="0">
                 <a:cs typeface="Consolas" panose="020B0609020204030204" pitchFamily="49" charset="0"/>
-              </a:rPr>
-              <a:t> </a:t>
-            </a:r>
-            <a:r>
-              <a:rPr lang="en-US" dirty="0" err="1" smtClean="0">
-                <a:cs typeface="Consolas" panose="020B0609020204030204" pitchFamily="49" charset="0"/>
-              </a:rPr>
-              <a:t>gioco</a:t>
-            </a:r>
-            <a:r>
-              <a:rPr lang="en-US" dirty="0" smtClean="0">
-                <a:cs typeface="Consolas" panose="020B0609020204030204" pitchFamily="49" charset="0"/>
-              </a:rPr>
-              <a:t> blah </a:t>
-            </a:r>
-            <a:r>
-              <a:rPr lang="en-US" dirty="0" err="1" smtClean="0">
-                <a:cs typeface="Consolas" panose="020B0609020204030204" pitchFamily="49" charset="0"/>
-              </a:rPr>
-              <a:t>blah</a:t>
+                <a:hlinkClick r:id="rId3"/>
+              </a:rPr>
+              <a:t>http://</a:t>
+            </a:r>
+            <a:r>
+              <a:rPr lang="en-US" dirty="0">
+                <a:cs typeface="Consolas" panose="020B0609020204030204" pitchFamily="49" charset="0"/>
+                <a:hlinkClick r:id="rId3"/>
+              </a:rPr>
+              <a:t>github.com/Lotti/phaserTut</a:t>
+            </a:r>
+            <a:r>
+              <a:rPr lang="en-US" dirty="0">
+                <a:cs typeface="Consolas" panose="020B0609020204030204" pitchFamily="49" charset="0"/>
+              </a:rPr>
+              <a:t>)</a:t>
             </a:r>
             <a:endParaRPr lang="en-US" dirty="0" smtClean="0">
               <a:cs typeface="Consolas" panose="020B0609020204030204" pitchFamily="49" charset="0"/>
             </a:endParaRPr>
+          </a:p>
+          <a:p>
+            <a:pPr>
+              <a:lnSpc>
+                <a:spcPct val="120000"/>
+              </a:lnSpc>
+              <a:spcBef>
+                <a:spcPts val="0"/>
+              </a:spcBef>
+            </a:pPr>
+            <a:r>
+              <a:rPr lang="en-GB" dirty="0" smtClean="0">
+                <a:cs typeface="Consolas" panose="020B0609020204030204" pitchFamily="49" charset="0"/>
+              </a:rPr>
+              <a:t>Phaser examples (</a:t>
+            </a:r>
+            <a:r>
+              <a:rPr lang="en-GB" dirty="0" smtClean="0">
+                <a:cs typeface="Consolas" panose="020B0609020204030204" pitchFamily="49" charset="0"/>
+                <a:hlinkClick r:id="rId4"/>
+              </a:rPr>
+              <a:t>http://examples.phaser.io/</a:t>
+            </a:r>
+            <a:r>
+              <a:rPr lang="en-GB" dirty="0" smtClean="0">
+                <a:cs typeface="Consolas" panose="020B0609020204030204" pitchFamily="49" charset="0"/>
+              </a:rPr>
+              <a:t>)</a:t>
+            </a:r>
+          </a:p>
+          <a:p>
+            <a:pPr>
+              <a:lnSpc>
+                <a:spcPct val="120000"/>
+              </a:lnSpc>
+              <a:spcBef>
+                <a:spcPts val="0"/>
+              </a:spcBef>
+            </a:pPr>
+            <a:r>
+              <a:rPr lang="en-GB" dirty="0" smtClean="0">
+                <a:cs typeface="Consolas" panose="020B0609020204030204" pitchFamily="49" charset="0"/>
+              </a:rPr>
+              <a:t>Phaser docs (</a:t>
+            </a:r>
+            <a:r>
+              <a:rPr lang="en-GB" dirty="0" smtClean="0">
+                <a:cs typeface="Consolas" panose="020B0609020204030204" pitchFamily="49" charset="0"/>
+                <a:hlinkClick r:id="rId5"/>
+              </a:rPr>
+              <a:t>http://docs.phaser.io/</a:t>
+            </a:r>
+            <a:r>
+              <a:rPr lang="en-GB" dirty="0" smtClean="0">
+                <a:cs typeface="Consolas" panose="020B0609020204030204" pitchFamily="49" charset="0"/>
+              </a:rPr>
+              <a:t>)</a:t>
+            </a:r>
           </a:p>
         </p:txBody>
       </p:sp>
@@ -10416,7 +11133,7 @@
           <a:p>
             <a:fld id="{219C0E88-5C08-45F5-BD91-E93F425D2D58}" type="slidenum">
               <a:rPr lang="it-IT" smtClean="0"/>
-              <a:t>23</a:t>
+              <a:t>25</a:t>
             </a:fld>
             <a:endParaRPr lang="it-IT" dirty="0"/>
           </a:p>
@@ -10425,7 +11142,637 @@
     </p:spTree>
     <p:extLst>
       <p:ext uri="{BB962C8B-B14F-4D97-AF65-F5344CB8AC3E}">
-        <p14:creationId xmlns:p14="http://schemas.microsoft.com/office/powerpoint/2010/main" val="3911238045"/>
+        <p14:creationId xmlns:p14="http://schemas.microsoft.com/office/powerpoint/2010/main" val="1906874276"/>
+      </p:ext>
+    </p:extLst>
+  </p:cSld>
+  <p:clrMapOvr>
+    <a:masterClrMapping/>
+  </p:clrMapOvr>
+  <p:timing>
+    <p:tnLst>
+      <p:par>
+        <p:cTn id="1" dur="indefinite" restart="never" nodeType="tmRoot"/>
+      </p:par>
+    </p:tnLst>
+  </p:timing>
+</p:sld>
+</file>
+
+<file path=ppt/slides/slide26.xml><?xml version="1.0" encoding="utf-8"?>
+<p:sld xmlns:a="http://schemas.openxmlformats.org/drawingml/2006/main" xmlns:r="http://schemas.openxmlformats.org/officeDocument/2006/relationships" xmlns:p="http://schemas.openxmlformats.org/presentationml/2006/main">
+  <p:cSld>
+    <p:spTree>
+      <p:nvGrpSpPr>
+        <p:cNvPr id="1" name=""/>
+        <p:cNvGrpSpPr/>
+        <p:nvPr/>
+      </p:nvGrpSpPr>
+      <p:grpSpPr>
+        <a:xfrm>
+          <a:off x="0" y="0"/>
+          <a:ext cx="0" cy="0"/>
+          <a:chOff x="0" y="0"/>
+          <a:chExt cx="0" cy="0"/>
+        </a:xfrm>
+      </p:grpSpPr>
+      <p:sp>
+        <p:nvSpPr>
+          <p:cNvPr id="2" name="Titolo 1"/>
+          <p:cNvSpPr>
+            <a:spLocks noGrp="1"/>
+          </p:cNvSpPr>
+          <p:nvPr>
+            <p:ph type="title"/>
+          </p:nvPr>
+        </p:nvSpPr>
+        <p:spPr/>
+        <p:txBody>
+          <a:bodyPr>
+            <a:normAutofit/>
+          </a:bodyPr>
+          <a:lstStyle/>
+          <a:p>
+            <a:pPr algn="ctr"/>
+            <a:r>
+              <a:rPr lang="en-US" sz="4000" dirty="0" smtClean="0"/>
+              <a:t>Resources &amp; Links</a:t>
+            </a:r>
+            <a:endParaRPr lang="en-US" sz="4000" dirty="0"/>
+          </a:p>
+        </p:txBody>
+      </p:sp>
+      <p:sp>
+        <p:nvSpPr>
+          <p:cNvPr id="3" name="Segnaposto contenuto 2"/>
+          <p:cNvSpPr>
+            <a:spLocks noGrp="1"/>
+          </p:cNvSpPr>
+          <p:nvPr>
+            <p:ph idx="1"/>
+          </p:nvPr>
+        </p:nvSpPr>
+        <p:spPr/>
+        <p:txBody>
+          <a:bodyPr>
+            <a:normAutofit/>
+          </a:bodyPr>
+          <a:lstStyle/>
+          <a:p>
+            <a:r>
+              <a:rPr lang="en-GB" sz="2000" dirty="0" smtClean="0">
+                <a:cs typeface="Consolas" panose="020B0609020204030204" pitchFamily="49" charset="0"/>
+                <a:hlinkClick r:id="rId3"/>
+              </a:rPr>
+              <a:t>The mummy game</a:t>
+            </a:r>
+            <a:endParaRPr lang="en-GB" sz="2000" dirty="0">
+              <a:cs typeface="Consolas" panose="020B0609020204030204" pitchFamily="49" charset="0"/>
+            </a:endParaRPr>
+          </a:p>
+          <a:p>
+            <a:r>
+              <a:rPr lang="en-GB" sz="2000" dirty="0" smtClean="0">
+                <a:cs typeface="Consolas" panose="020B0609020204030204" pitchFamily="49" charset="0"/>
+                <a:hlinkClick r:id="rId4"/>
+              </a:rPr>
+              <a:t>P2  physics engine example</a:t>
+            </a:r>
+            <a:endParaRPr lang="en-GB" sz="2000" dirty="0" smtClean="0">
+              <a:cs typeface="Consolas" panose="020B0609020204030204" pitchFamily="49" charset="0"/>
+            </a:endParaRPr>
+          </a:p>
+          <a:p>
+            <a:r>
+              <a:rPr lang="en-US" sz="2000" dirty="0" err="1" smtClean="0">
+                <a:cs typeface="Consolas" panose="020B0609020204030204" pitchFamily="49" charset="0"/>
+                <a:hlinkClick r:id="rId5"/>
+              </a:rPr>
+              <a:t>Phaser’s</a:t>
+            </a:r>
+            <a:r>
+              <a:rPr lang="en-US" sz="2000" dirty="0" smtClean="0">
+                <a:cs typeface="Consolas" panose="020B0609020204030204" pitchFamily="49" charset="0"/>
+                <a:hlinkClick r:id="rId5"/>
+              </a:rPr>
+              <a:t> forum</a:t>
+            </a:r>
+            <a:endParaRPr lang="en-US" sz="2000" dirty="0" smtClean="0">
+              <a:cs typeface="Consolas" panose="020B0609020204030204" pitchFamily="49" charset="0"/>
+            </a:endParaRPr>
+          </a:p>
+          <a:p>
+            <a:r>
+              <a:rPr lang="en-GB" sz="2000" dirty="0">
+                <a:cs typeface="Consolas" panose="020B0609020204030204" pitchFamily="49" charset="0"/>
+                <a:hlinkClick r:id="rId6"/>
+              </a:rPr>
+              <a:t>http://docs.phaser.io/</a:t>
+            </a:r>
+            <a:endParaRPr lang="en-GB" sz="2000" dirty="0">
+              <a:cs typeface="Consolas" panose="020B0609020204030204" pitchFamily="49" charset="0"/>
+            </a:endParaRPr>
+          </a:p>
+          <a:p>
+            <a:r>
+              <a:rPr lang="en-GB" sz="2000" dirty="0">
+                <a:cs typeface="Consolas" panose="020B0609020204030204" pitchFamily="49" charset="0"/>
+                <a:hlinkClick r:id="rId7"/>
+              </a:rPr>
+              <a:t>http://examples.phaser.io</a:t>
+            </a:r>
+            <a:r>
+              <a:rPr lang="en-GB" sz="2000" dirty="0" smtClean="0">
+                <a:cs typeface="Consolas" panose="020B0609020204030204" pitchFamily="49" charset="0"/>
+                <a:hlinkClick r:id="rId7"/>
+              </a:rPr>
+              <a:t>/</a:t>
+            </a:r>
+            <a:endParaRPr lang="en-US" sz="2000" dirty="0" smtClean="0">
+              <a:cs typeface="Consolas" panose="020B0609020204030204" pitchFamily="49" charset="0"/>
+              <a:hlinkClick r:id="rId8"/>
+            </a:endParaRPr>
+          </a:p>
+          <a:p>
+            <a:pPr>
+              <a:lnSpc>
+                <a:spcPct val="120000"/>
+              </a:lnSpc>
+              <a:spcBef>
+                <a:spcPts val="0"/>
+              </a:spcBef>
+            </a:pPr>
+            <a:r>
+              <a:rPr lang="en-US" sz="2000" dirty="0" smtClean="0">
+                <a:cs typeface="Consolas" panose="020B0609020204030204" pitchFamily="49" charset="0"/>
+                <a:hlinkClick r:id="rId8"/>
+              </a:rPr>
+              <a:t>http</a:t>
+            </a:r>
+            <a:r>
+              <a:rPr lang="en-US" sz="2000" dirty="0">
+                <a:cs typeface="Consolas" panose="020B0609020204030204" pitchFamily="49" charset="0"/>
+                <a:hlinkClick r:id="rId8"/>
+              </a:rPr>
+              <a:t>://html5gameengine.com</a:t>
+            </a:r>
+            <a:r>
+              <a:rPr lang="en-US" sz="2000" dirty="0" smtClean="0">
+                <a:cs typeface="Consolas" panose="020B0609020204030204" pitchFamily="49" charset="0"/>
+                <a:hlinkClick r:id="rId8"/>
+              </a:rPr>
+              <a:t>/</a:t>
+            </a:r>
+            <a:endParaRPr lang="en-US" sz="2000" dirty="0" smtClean="0">
+              <a:cs typeface="Consolas" panose="020B0609020204030204" pitchFamily="49" charset="0"/>
+            </a:endParaRPr>
+          </a:p>
+          <a:p>
+            <a:pPr>
+              <a:lnSpc>
+                <a:spcPct val="120000"/>
+              </a:lnSpc>
+              <a:spcBef>
+                <a:spcPts val="0"/>
+              </a:spcBef>
+            </a:pPr>
+            <a:r>
+              <a:rPr lang="en-US" sz="2000" dirty="0">
+                <a:cs typeface="Consolas" panose="020B0609020204030204" pitchFamily="49" charset="0"/>
+                <a:hlinkClick r:id="rId9"/>
+              </a:rPr>
+              <a:t>http://brackets.io/</a:t>
+            </a:r>
+            <a:endParaRPr lang="en-US" sz="2000" dirty="0" smtClean="0">
+              <a:cs typeface="Consolas" panose="020B0609020204030204" pitchFamily="49" charset="0"/>
+            </a:endParaRPr>
+          </a:p>
+          <a:p>
+            <a:r>
+              <a:rPr lang="en-US" sz="2000" dirty="0">
+                <a:cs typeface="Consolas" panose="020B0609020204030204" pitchFamily="49" charset="0"/>
+                <a:hlinkClick r:id="rId10"/>
+              </a:rPr>
+              <a:t>http://www.pixijs.com</a:t>
+            </a:r>
+            <a:r>
+              <a:rPr lang="en-US" sz="2000" dirty="0" smtClean="0">
+                <a:cs typeface="Consolas" panose="020B0609020204030204" pitchFamily="49" charset="0"/>
+                <a:hlinkClick r:id="rId10"/>
+              </a:rPr>
+              <a:t>/</a:t>
+            </a:r>
+            <a:endParaRPr lang="en-US" sz="2000" dirty="0">
+              <a:cs typeface="Consolas" panose="020B0609020204030204" pitchFamily="49" charset="0"/>
+            </a:endParaRPr>
+          </a:p>
+          <a:p>
+            <a:r>
+              <a:rPr lang="en-US" sz="2000" dirty="0" smtClean="0">
+                <a:cs typeface="Consolas" panose="020B0609020204030204" pitchFamily="49" charset="0"/>
+                <a:hlinkClick r:id="rId11"/>
+              </a:rPr>
+              <a:t>http</a:t>
+            </a:r>
+            <a:r>
+              <a:rPr lang="en-US" sz="2000" dirty="0">
+                <a:cs typeface="Consolas" panose="020B0609020204030204" pitchFamily="49" charset="0"/>
+                <a:hlinkClick r:id="rId11"/>
+              </a:rPr>
+              <a:t>://schteppe.github.io/p2.js</a:t>
+            </a:r>
+            <a:r>
+              <a:rPr lang="en-US" sz="2000" dirty="0" smtClean="0">
+                <a:cs typeface="Consolas" panose="020B0609020204030204" pitchFamily="49" charset="0"/>
+                <a:hlinkClick r:id="rId11"/>
+              </a:rPr>
+              <a:t>/</a:t>
+            </a:r>
+            <a:endParaRPr lang="en-US" sz="2000" dirty="0" smtClean="0">
+              <a:cs typeface="Consolas" panose="020B0609020204030204" pitchFamily="49" charset="0"/>
+            </a:endParaRPr>
+          </a:p>
+          <a:p>
+            <a:r>
+              <a:rPr lang="en-GB" sz="2000" dirty="0" smtClean="0">
+                <a:cs typeface="Consolas" panose="020B0609020204030204" pitchFamily="49" charset="0"/>
+                <a:hlinkClick r:id="rId12"/>
+              </a:rPr>
+              <a:t>http</a:t>
+            </a:r>
+            <a:r>
+              <a:rPr lang="en-GB" sz="2000" dirty="0">
+                <a:cs typeface="Consolas" panose="020B0609020204030204" pitchFamily="49" charset="0"/>
+                <a:hlinkClick r:id="rId12"/>
+              </a:rPr>
+              <a:t>://</a:t>
+            </a:r>
+            <a:r>
+              <a:rPr lang="en-GB" sz="2000" dirty="0" smtClean="0">
+                <a:cs typeface="Consolas" panose="020B0609020204030204" pitchFamily="49" charset="0"/>
+                <a:hlinkClick r:id="rId12"/>
+              </a:rPr>
+              <a:t>www.mapeditor.org/</a:t>
+            </a:r>
+            <a:endParaRPr lang="en-GB" sz="2000" dirty="0" smtClean="0">
+              <a:cs typeface="Consolas" panose="020B0609020204030204" pitchFamily="49" charset="0"/>
+            </a:endParaRPr>
+          </a:p>
+        </p:txBody>
+      </p:sp>
+      <p:sp>
+        <p:nvSpPr>
+          <p:cNvPr id="4" name="Segnaposto data 3"/>
+          <p:cNvSpPr>
+            <a:spLocks noGrp="1"/>
+          </p:cNvSpPr>
+          <p:nvPr>
+            <p:ph type="dt" sz="half" idx="10"/>
+          </p:nvPr>
+        </p:nvSpPr>
+        <p:spPr>
+          <a:xfrm>
+            <a:off x="539552" y="115094"/>
+            <a:ext cx="3233886" cy="365125"/>
+          </a:xfrm>
+        </p:spPr>
+        <p:txBody>
+          <a:bodyPr/>
+          <a:lstStyle/>
+          <a:p>
+            <a:r>
+              <a:rPr lang="en-US" b="1" i="1" smtClean="0">
+                <a:solidFill>
+                  <a:schemeClr val="bg1"/>
+                </a:solidFill>
+              </a:rPr>
+              <a:t>ROME  11-12 april 2014 – Valerio Riva</a:t>
+            </a:r>
+            <a:endParaRPr lang="it-IT" b="1" i="1" dirty="0">
+              <a:solidFill>
+                <a:schemeClr val="bg1"/>
+              </a:solidFill>
+            </a:endParaRPr>
+          </a:p>
+        </p:txBody>
+      </p:sp>
+      <p:sp>
+        <p:nvSpPr>
+          <p:cNvPr id="5" name="Segnaposto numero diapositiva 4"/>
+          <p:cNvSpPr>
+            <a:spLocks noGrp="1"/>
+          </p:cNvSpPr>
+          <p:nvPr>
+            <p:ph type="sldNum" sz="quarter" idx="12"/>
+          </p:nvPr>
+        </p:nvSpPr>
+        <p:spPr/>
+        <p:txBody>
+          <a:bodyPr/>
+          <a:lstStyle/>
+          <a:p>
+            <a:fld id="{219C0E88-5C08-45F5-BD91-E93F425D2D58}" type="slidenum">
+              <a:rPr lang="it-IT" smtClean="0"/>
+              <a:t>26</a:t>
+            </a:fld>
+            <a:endParaRPr lang="it-IT" dirty="0"/>
+          </a:p>
+        </p:txBody>
+      </p:sp>
+    </p:spTree>
+    <p:extLst>
+      <p:ext uri="{BB962C8B-B14F-4D97-AF65-F5344CB8AC3E}">
+        <p14:creationId xmlns:p14="http://schemas.microsoft.com/office/powerpoint/2010/main" val="2542844374"/>
+      </p:ext>
+    </p:extLst>
+  </p:cSld>
+  <p:clrMapOvr>
+    <a:masterClrMapping/>
+  </p:clrMapOvr>
+  <p:timing>
+    <p:tnLst>
+      <p:par>
+        <p:cTn id="1" dur="indefinite" restart="never" nodeType="tmRoot"/>
+      </p:par>
+    </p:tnLst>
+  </p:timing>
+</p:sld>
+</file>
+
+<file path=ppt/slides/slide27.xml><?xml version="1.0" encoding="utf-8"?>
+<p:sld xmlns:a="http://schemas.openxmlformats.org/drawingml/2006/main" xmlns:r="http://schemas.openxmlformats.org/officeDocument/2006/relationships" xmlns:p="http://schemas.openxmlformats.org/presentationml/2006/main">
+  <p:cSld>
+    <p:spTree>
+      <p:nvGrpSpPr>
+        <p:cNvPr id="1" name=""/>
+        <p:cNvGrpSpPr/>
+        <p:nvPr/>
+      </p:nvGrpSpPr>
+      <p:grpSpPr>
+        <a:xfrm>
+          <a:off x="0" y="0"/>
+          <a:ext cx="0" cy="0"/>
+          <a:chOff x="0" y="0"/>
+          <a:chExt cx="0" cy="0"/>
+        </a:xfrm>
+      </p:grpSpPr>
+      <p:sp>
+        <p:nvSpPr>
+          <p:cNvPr id="2" name="Titolo 1"/>
+          <p:cNvSpPr>
+            <a:spLocks noGrp="1"/>
+          </p:cNvSpPr>
+          <p:nvPr>
+            <p:ph type="title"/>
+          </p:nvPr>
+        </p:nvSpPr>
+        <p:spPr/>
+        <p:txBody>
+          <a:bodyPr>
+            <a:normAutofit/>
+          </a:bodyPr>
+          <a:lstStyle/>
+          <a:p>
+            <a:pPr algn="ctr"/>
+            <a:r>
+              <a:rPr lang="en-US" sz="4000" dirty="0" smtClean="0"/>
+              <a:t>Question &amp; Answers</a:t>
+            </a:r>
+            <a:endParaRPr lang="en-US" sz="4000" dirty="0"/>
+          </a:p>
+        </p:txBody>
+      </p:sp>
+      <p:sp>
+        <p:nvSpPr>
+          <p:cNvPr id="3" name="Segnaposto contenuto 2"/>
+          <p:cNvSpPr>
+            <a:spLocks noGrp="1"/>
+          </p:cNvSpPr>
+          <p:nvPr>
+            <p:ph idx="1"/>
+          </p:nvPr>
+        </p:nvSpPr>
+        <p:spPr/>
+        <p:txBody>
+          <a:bodyPr>
+            <a:normAutofit/>
+          </a:bodyPr>
+          <a:lstStyle/>
+          <a:p>
+            <a:endParaRPr lang="en-GB" sz="2000" dirty="0" smtClean="0">
+              <a:cs typeface="Consolas" panose="020B0609020204030204" pitchFamily="49" charset="0"/>
+            </a:endParaRPr>
+          </a:p>
+        </p:txBody>
+      </p:sp>
+      <p:sp>
+        <p:nvSpPr>
+          <p:cNvPr id="4" name="Segnaposto data 3"/>
+          <p:cNvSpPr>
+            <a:spLocks noGrp="1"/>
+          </p:cNvSpPr>
+          <p:nvPr>
+            <p:ph type="dt" sz="half" idx="10"/>
+          </p:nvPr>
+        </p:nvSpPr>
+        <p:spPr>
+          <a:xfrm>
+            <a:off x="539552" y="115094"/>
+            <a:ext cx="3233886" cy="365125"/>
+          </a:xfrm>
+        </p:spPr>
+        <p:txBody>
+          <a:bodyPr/>
+          <a:lstStyle/>
+          <a:p>
+            <a:r>
+              <a:rPr lang="en-US" b="1" i="1" smtClean="0">
+                <a:solidFill>
+                  <a:schemeClr val="bg1"/>
+                </a:solidFill>
+              </a:rPr>
+              <a:t>ROME  11-12 april 2014 – Valerio Riva</a:t>
+            </a:r>
+            <a:endParaRPr lang="it-IT" b="1" i="1" dirty="0">
+              <a:solidFill>
+                <a:schemeClr val="bg1"/>
+              </a:solidFill>
+            </a:endParaRPr>
+          </a:p>
+        </p:txBody>
+      </p:sp>
+      <p:sp>
+        <p:nvSpPr>
+          <p:cNvPr id="5" name="Segnaposto numero diapositiva 4"/>
+          <p:cNvSpPr>
+            <a:spLocks noGrp="1"/>
+          </p:cNvSpPr>
+          <p:nvPr>
+            <p:ph type="sldNum" sz="quarter" idx="12"/>
+          </p:nvPr>
+        </p:nvSpPr>
+        <p:spPr/>
+        <p:txBody>
+          <a:bodyPr/>
+          <a:lstStyle/>
+          <a:p>
+            <a:fld id="{219C0E88-5C08-45F5-BD91-E93F425D2D58}" type="slidenum">
+              <a:rPr lang="it-IT" smtClean="0"/>
+              <a:t>27</a:t>
+            </a:fld>
+            <a:endParaRPr lang="it-IT" dirty="0"/>
+          </a:p>
+        </p:txBody>
+      </p:sp>
+    </p:spTree>
+    <p:extLst>
+      <p:ext uri="{BB962C8B-B14F-4D97-AF65-F5344CB8AC3E}">
+        <p14:creationId xmlns:p14="http://schemas.microsoft.com/office/powerpoint/2010/main" val="3067319506"/>
+      </p:ext>
+    </p:extLst>
+  </p:cSld>
+  <p:clrMapOvr>
+    <a:masterClrMapping/>
+  </p:clrMapOvr>
+  <p:timing>
+    <p:tnLst>
+      <p:par>
+        <p:cTn id="1" dur="indefinite" restart="never" nodeType="tmRoot"/>
+      </p:par>
+    </p:tnLst>
+  </p:timing>
+</p:sld>
+</file>
+
+<file path=ppt/slides/slide28.xml><?xml version="1.0" encoding="utf-8"?>
+<p:sld xmlns:a="http://schemas.openxmlformats.org/drawingml/2006/main" xmlns:r="http://schemas.openxmlformats.org/officeDocument/2006/relationships" xmlns:p="http://schemas.openxmlformats.org/presentationml/2006/main">
+  <p:cSld>
+    <p:spTree>
+      <p:nvGrpSpPr>
+        <p:cNvPr id="1" name=""/>
+        <p:cNvGrpSpPr/>
+        <p:nvPr/>
+      </p:nvGrpSpPr>
+      <p:grpSpPr>
+        <a:xfrm>
+          <a:off x="0" y="0"/>
+          <a:ext cx="0" cy="0"/>
+          <a:chOff x="0" y="0"/>
+          <a:chExt cx="0" cy="0"/>
+        </a:xfrm>
+      </p:grpSpPr>
+      <p:sp>
+        <p:nvSpPr>
+          <p:cNvPr id="2" name="Titolo 1"/>
+          <p:cNvSpPr>
+            <a:spLocks noGrp="1"/>
+          </p:cNvSpPr>
+          <p:nvPr>
+            <p:ph type="title"/>
+          </p:nvPr>
+        </p:nvSpPr>
+        <p:spPr/>
+        <p:txBody>
+          <a:bodyPr>
+            <a:normAutofit/>
+          </a:bodyPr>
+          <a:lstStyle/>
+          <a:p>
+            <a:pPr algn="ctr"/>
+            <a:r>
+              <a:rPr lang="en-US" sz="4000" dirty="0" smtClean="0"/>
+              <a:t>Thank you</a:t>
+            </a:r>
+            <a:endParaRPr lang="en-US" sz="4000" dirty="0"/>
+          </a:p>
+        </p:txBody>
+      </p:sp>
+      <p:sp>
+        <p:nvSpPr>
+          <p:cNvPr id="3" name="Segnaposto contenuto 2"/>
+          <p:cNvSpPr>
+            <a:spLocks noGrp="1"/>
+          </p:cNvSpPr>
+          <p:nvPr>
+            <p:ph idx="1"/>
+          </p:nvPr>
+        </p:nvSpPr>
+        <p:spPr/>
+        <p:txBody>
+          <a:bodyPr>
+            <a:normAutofit/>
+          </a:bodyPr>
+          <a:lstStyle/>
+          <a:p>
+            <a:endParaRPr lang="en-GB" sz="2000" dirty="0" smtClean="0">
+              <a:cs typeface="Consolas" panose="020B0609020204030204" pitchFamily="49" charset="0"/>
+            </a:endParaRPr>
+          </a:p>
+        </p:txBody>
+      </p:sp>
+      <p:sp>
+        <p:nvSpPr>
+          <p:cNvPr id="4" name="Segnaposto data 3"/>
+          <p:cNvSpPr>
+            <a:spLocks noGrp="1"/>
+          </p:cNvSpPr>
+          <p:nvPr>
+            <p:ph type="dt" sz="half" idx="10"/>
+          </p:nvPr>
+        </p:nvSpPr>
+        <p:spPr>
+          <a:xfrm>
+            <a:off x="539552" y="115094"/>
+            <a:ext cx="3233886" cy="365125"/>
+          </a:xfrm>
+        </p:spPr>
+        <p:txBody>
+          <a:bodyPr/>
+          <a:lstStyle/>
+          <a:p>
+            <a:r>
+              <a:rPr lang="en-US" b="1" i="1" smtClean="0">
+                <a:solidFill>
+                  <a:schemeClr val="bg1"/>
+                </a:solidFill>
+              </a:rPr>
+              <a:t>ROME  11-12 april 2014 – Valerio Riva</a:t>
+            </a:r>
+            <a:endParaRPr lang="it-IT" b="1" i="1" dirty="0">
+              <a:solidFill>
+                <a:schemeClr val="bg1"/>
+              </a:solidFill>
+            </a:endParaRPr>
+          </a:p>
+        </p:txBody>
+      </p:sp>
+      <p:sp>
+        <p:nvSpPr>
+          <p:cNvPr id="5" name="Segnaposto numero diapositiva 4"/>
+          <p:cNvSpPr>
+            <a:spLocks noGrp="1"/>
+          </p:cNvSpPr>
+          <p:nvPr>
+            <p:ph type="sldNum" sz="quarter" idx="12"/>
+          </p:nvPr>
+        </p:nvSpPr>
+        <p:spPr/>
+        <p:txBody>
+          <a:bodyPr/>
+          <a:lstStyle/>
+          <a:p>
+            <a:fld id="{219C0E88-5C08-45F5-BD91-E93F425D2D58}" type="slidenum">
+              <a:rPr lang="it-IT" smtClean="0"/>
+              <a:t>28</a:t>
+            </a:fld>
+            <a:endParaRPr lang="it-IT" dirty="0"/>
+          </a:p>
+        </p:txBody>
+      </p:sp>
+    </p:spTree>
+    <p:extLst>
+      <p:ext uri="{BB962C8B-B14F-4D97-AF65-F5344CB8AC3E}">
+        <p14:creationId xmlns:p14="http://schemas.microsoft.com/office/powerpoint/2010/main" val="877185343"/>
       </p:ext>
     </p:extLst>
   </p:cSld>
@@ -10729,7 +12076,12 @@
             <p:ph idx="1"/>
           </p:nvPr>
         </p:nvSpPr>
-        <p:spPr/>
+        <p:spPr>
+          <a:xfrm>
+            <a:off x="628650" y="1825625"/>
+            <a:ext cx="4951462" cy="4351338"/>
+          </a:xfrm>
+        </p:spPr>
         <p:txBody>
           <a:bodyPr/>
           <a:lstStyle/>
@@ -10763,11 +12115,11 @@
           <a:p>
             <a:r>
               <a:rPr lang="en-US" dirty="0"/>
-              <a:t>Overload of game engine http://html5gameengine.com</a:t>
+              <a:t>Overload of game </a:t>
             </a:r>
             <a:r>
               <a:rPr lang="en-US" dirty="0" smtClean="0"/>
-              <a:t>/</a:t>
+              <a:t>engine</a:t>
             </a:r>
           </a:p>
           <a:p>
@@ -10845,6 +12197,36 @@
           </a:p>
         </p:txBody>
       </p:sp>
+      <p:pic>
+        <p:nvPicPr>
+          <p:cNvPr id="6" name="Immagine 5"/>
+          <p:cNvPicPr>
+            <a:picLocks noChangeAspect="1"/>
+          </p:cNvPicPr>
+          <p:nvPr/>
+        </p:nvPicPr>
+        <p:blipFill>
+          <a:blip r:embed="rId2">
+            <a:extLst>
+              <a:ext uri="{28A0092B-C50C-407E-A947-70E740481C1C}">
+                <a14:useLocalDpi xmlns:a14="http://schemas.microsoft.com/office/drawing/2010/main" val="0"/>
+              </a:ext>
+            </a:extLst>
+          </a:blip>
+          <a:stretch>
+            <a:fillRect/>
+          </a:stretch>
+        </p:blipFill>
+        <p:spPr>
+          <a:xfrm>
+            <a:off x="5292080" y="1825625"/>
+            <a:ext cx="3615055" cy="3615055"/>
+          </a:xfrm>
+          <a:prstGeom prst="rect">
+            <a:avLst/>
+          </a:prstGeom>
+        </p:spPr>
+      </p:pic>
     </p:spTree>
     <p:extLst>
       <p:ext uri="{BB962C8B-B14F-4D97-AF65-F5344CB8AC3E}">
@@ -10894,116 +12276,294 @@
         </p:nvSpPr>
         <p:spPr/>
         <p:txBody>
+          <a:bodyPr/>
+          <a:lstStyle/>
+          <a:p>
+            <a:pPr algn="ctr"/>
+            <a:r>
+              <a:rPr lang="en-US" dirty="0" smtClean="0"/>
+              <a:t>Deployment</a:t>
+            </a:r>
+            <a:endParaRPr lang="en-US" dirty="0"/>
+          </a:p>
+        </p:txBody>
+      </p:sp>
+      <p:sp>
+        <p:nvSpPr>
+          <p:cNvPr id="6" name="Segnaposto testo 5"/>
+          <p:cNvSpPr>
+            <a:spLocks noGrp="1"/>
+          </p:cNvSpPr>
+          <p:nvPr>
+            <p:ph type="body" idx="1"/>
+          </p:nvPr>
+        </p:nvSpPr>
+        <p:spPr>
+          <a:xfrm>
+            <a:off x="630238" y="1681163"/>
+            <a:ext cx="3868737" cy="379685"/>
+          </a:xfrm>
+        </p:spPr>
+        <p:txBody>
           <a:bodyPr>
-            <a:normAutofit/>
+            <a:normAutofit fontScale="92500" lnSpcReduction="10000"/>
           </a:bodyPr>
           <a:lstStyle/>
           <a:p>
-            <a:pPr algn="ctr"/>
-            <a:r>
-              <a:rPr lang="en-US" sz="3600" dirty="0" smtClean="0"/>
-              <a:t>To develop an HTML5 game you need…</a:t>
-            </a:r>
-            <a:endParaRPr lang="en-US" sz="3600" dirty="0"/>
-          </a:p>
-        </p:txBody>
-      </p:sp>
-      <p:sp>
-        <p:nvSpPr>
-          <p:cNvPr id="3" name="Segnaposto contenuto 2"/>
-          <p:cNvSpPr>
-            <a:spLocks noGrp="1"/>
-          </p:cNvSpPr>
-          <p:nvPr>
-            <p:ph idx="1"/>
-          </p:nvPr>
-        </p:nvSpPr>
-        <p:spPr/>
-        <p:txBody>
-          <a:bodyPr>
-            <a:normAutofit/>
-          </a:bodyPr>
-          <a:lstStyle/>
-          <a:p>
-            <a:r>
-              <a:rPr lang="en-US" dirty="0" smtClean="0"/>
-              <a:t>Your </a:t>
-            </a:r>
-            <a:r>
-              <a:rPr lang="en-US" dirty="0" err="1" smtClean="0"/>
-              <a:t>favourite</a:t>
-            </a:r>
-            <a:r>
-              <a:rPr lang="en-US" dirty="0" smtClean="0"/>
-              <a:t> OS</a:t>
-            </a:r>
-          </a:p>
-          <a:p>
-            <a:r>
-              <a:rPr lang="en-US" dirty="0" smtClean="0"/>
-              <a:t>Your </a:t>
-            </a:r>
-            <a:r>
-              <a:rPr lang="en-US" dirty="0" err="1" smtClean="0"/>
-              <a:t>favourite</a:t>
-            </a:r>
-            <a:r>
-              <a:rPr lang="en-US" dirty="0" smtClean="0"/>
-              <a:t> editor</a:t>
-            </a:r>
-          </a:p>
-          <a:p>
-            <a:r>
-              <a:rPr lang="en-US" dirty="0" smtClean="0"/>
-              <a:t>Your </a:t>
-            </a:r>
-            <a:r>
-              <a:rPr lang="en-US" dirty="0" err="1" smtClean="0"/>
-              <a:t>favourite</a:t>
-            </a:r>
-            <a:r>
-              <a:rPr lang="en-US" dirty="0" smtClean="0"/>
-              <a:t> web server</a:t>
-            </a:r>
-          </a:p>
-          <a:p>
-            <a:endParaRPr lang="en-US" dirty="0"/>
-          </a:p>
-          <a:p>
-            <a:pPr marL="0" indent="0" algn="ctr">
+            <a:r>
+              <a:rPr lang="en-GB" dirty="0" smtClean="0"/>
+              <a:t>Web</a:t>
+            </a:r>
+            <a:endParaRPr lang="en-GB" dirty="0"/>
+          </a:p>
+        </p:txBody>
+      </p:sp>
+      <p:sp>
+        <p:nvSpPr>
+          <p:cNvPr id="7" name="Segnaposto contenuto 6"/>
+          <p:cNvSpPr>
+            <a:spLocks noGrp="1"/>
+          </p:cNvSpPr>
+          <p:nvPr>
+            <p:ph sz="half" idx="2"/>
+          </p:nvPr>
+        </p:nvSpPr>
+        <p:spPr>
+          <a:xfrm>
+            <a:off x="630239" y="2060848"/>
+            <a:ext cx="3797746" cy="4128815"/>
+          </a:xfrm>
+        </p:spPr>
+        <p:txBody>
+          <a:bodyPr/>
+          <a:lstStyle/>
+          <a:p>
+            <a:r>
+              <a:rPr lang="en-GB" dirty="0" smtClean="0"/>
+              <a:t>Any hosting</a:t>
+            </a:r>
+            <a:r>
+              <a:rPr lang="en-GB" dirty="0" smtClean="0"/>
+              <a:t>!</a:t>
+            </a:r>
+          </a:p>
+          <a:p>
+            <a:r>
+              <a:rPr lang="en-GB" dirty="0" smtClean="0"/>
+              <a:t>Game portals</a:t>
+            </a:r>
+          </a:p>
+          <a:p>
+            <a:pPr lvl="1"/>
+            <a:r>
+              <a:rPr lang="en-GB" dirty="0">
+                <a:hlinkClick r:id="rId2"/>
+              </a:rPr>
+              <a:t>h</a:t>
+            </a:r>
+            <a:r>
+              <a:rPr lang="en-GB" sz="2000" dirty="0">
+                <a:hlinkClick r:id="rId2"/>
+              </a:rPr>
+              <a:t>ttp</a:t>
+            </a:r>
+            <a:r>
+              <a:rPr lang="en-GB" sz="2000" dirty="0" smtClean="0">
+                <a:hlinkClick r:id="rId2"/>
+              </a:rPr>
+              <a:t>://kongregate.com</a:t>
+            </a:r>
+            <a:endParaRPr lang="en-GB" sz="2000" dirty="0" smtClean="0"/>
+          </a:p>
+          <a:p>
+            <a:pPr lvl="1"/>
+            <a:r>
+              <a:rPr lang="en-GB" sz="2000" dirty="0">
+                <a:hlinkClick r:id="rId3"/>
+              </a:rPr>
+              <a:t>http://</a:t>
+            </a:r>
+            <a:r>
+              <a:rPr lang="en-GB" sz="2000" dirty="0" smtClean="0">
+                <a:hlinkClick r:id="rId3"/>
+              </a:rPr>
+              <a:t>armorgames.com</a:t>
+            </a:r>
+            <a:endParaRPr lang="en-GB" sz="2000" dirty="0" smtClean="0"/>
+          </a:p>
+          <a:p>
+            <a:pPr lvl="1"/>
+            <a:r>
+              <a:rPr lang="en-GB" sz="2000" dirty="0">
+                <a:hlinkClick r:id="rId4"/>
+              </a:rPr>
+              <a:t>http</a:t>
+            </a:r>
+            <a:r>
+              <a:rPr lang="en-GB" sz="2000" smtClean="0">
+                <a:hlinkClick r:id="rId4"/>
+              </a:rPr>
+              <a:t>://newgrounds.com</a:t>
+            </a:r>
+            <a:endParaRPr lang="en-GB" sz="2000" dirty="0" smtClean="0"/>
+          </a:p>
+          <a:p>
+            <a:endParaRPr lang="en-GB" dirty="0" smtClean="0"/>
+          </a:p>
+          <a:p>
+            <a:pPr marL="0" indent="0">
               <a:buNone/>
             </a:pPr>
-            <a:r>
-              <a:rPr lang="en-US" dirty="0" smtClean="0"/>
-              <a:t>Or you can just use </a:t>
-            </a:r>
-            <a:r>
-              <a:rPr lang="en-US" dirty="0"/>
-              <a:t>Brackets! http://brackets.io</a:t>
-            </a:r>
-            <a:r>
-              <a:rPr lang="en-US" dirty="0" smtClean="0"/>
-              <a:t>/</a:t>
-            </a:r>
-          </a:p>
-        </p:txBody>
-      </p:sp>
-      <p:sp>
-        <p:nvSpPr>
-          <p:cNvPr id="4" name="Segnaposto data 3"/>
-          <p:cNvSpPr>
-            <a:spLocks noGrp="1"/>
-          </p:cNvSpPr>
-          <p:nvPr>
-            <p:ph type="dt" sz="half" idx="10"/>
+            <a:endParaRPr lang="en-GB" dirty="0"/>
+          </a:p>
+        </p:txBody>
+      </p:sp>
+      <p:sp>
+        <p:nvSpPr>
+          <p:cNvPr id="8" name="Segnaposto testo 7"/>
+          <p:cNvSpPr>
+            <a:spLocks noGrp="1"/>
+          </p:cNvSpPr>
+          <p:nvPr>
+            <p:ph type="body" sz="quarter" idx="3"/>
           </p:nvPr>
         </p:nvSpPr>
         <p:spPr>
           <a:xfrm>
-            <a:off x="539552" y="115094"/>
-            <a:ext cx="3233886" cy="365125"/>
+            <a:off x="4629150" y="1681163"/>
+            <a:ext cx="3887788" cy="379685"/>
           </a:xfrm>
         </p:spPr>
+        <p:txBody>
+          <a:bodyPr>
+            <a:normAutofit fontScale="92500" lnSpcReduction="10000"/>
+          </a:bodyPr>
+          <a:lstStyle/>
+          <a:p>
+            <a:r>
+              <a:rPr lang="en-GB" dirty="0" smtClean="0"/>
+              <a:t>Mobile</a:t>
+            </a:r>
+            <a:endParaRPr lang="en-GB" dirty="0"/>
+          </a:p>
+        </p:txBody>
+      </p:sp>
+      <p:sp>
+        <p:nvSpPr>
+          <p:cNvPr id="9" name="Segnaposto contenuto 8"/>
+          <p:cNvSpPr>
+            <a:spLocks noGrp="1"/>
+          </p:cNvSpPr>
+          <p:nvPr>
+            <p:ph sz="quarter" idx="4"/>
+          </p:nvPr>
+        </p:nvSpPr>
+        <p:spPr>
+          <a:xfrm>
+            <a:off x="4629150" y="2060848"/>
+            <a:ext cx="3887788" cy="4128815"/>
+          </a:xfrm>
+        </p:spPr>
+        <p:txBody>
+          <a:bodyPr/>
+          <a:lstStyle/>
+          <a:p>
+            <a:r>
+              <a:rPr lang="en-GB" dirty="0" smtClean="0"/>
+              <a:t>Cordova (</a:t>
+            </a:r>
+            <a:r>
+              <a:rPr lang="en-GB" dirty="0" err="1" smtClean="0"/>
+              <a:t>Phonegap</a:t>
+            </a:r>
+            <a:r>
+              <a:rPr lang="en-GB" dirty="0" smtClean="0"/>
+              <a:t>)</a:t>
+            </a:r>
+            <a:endParaRPr lang="en-GB" dirty="0" smtClean="0"/>
+          </a:p>
+          <a:p>
+            <a:r>
+              <a:rPr lang="en-GB" dirty="0" smtClean="0"/>
+              <a:t>Intel XDK</a:t>
+            </a:r>
+          </a:p>
+          <a:p>
+            <a:pPr lvl="1"/>
+            <a:r>
+              <a:rPr lang="en-GB" dirty="0" smtClean="0"/>
+              <a:t>Accelerated </a:t>
+            </a:r>
+            <a:r>
+              <a:rPr lang="en-GB" dirty="0" err="1"/>
+              <a:t>w</a:t>
+            </a:r>
+            <a:r>
+              <a:rPr lang="en-GB" dirty="0" err="1" smtClean="0"/>
+              <a:t>ebview</a:t>
+            </a:r>
+            <a:endParaRPr lang="en-GB" dirty="0" smtClean="0"/>
+          </a:p>
+          <a:p>
+            <a:r>
+              <a:rPr lang="en-GB" dirty="0" err="1" smtClean="0"/>
+              <a:t>CocoonJS</a:t>
+            </a:r>
+            <a:endParaRPr lang="en-GB" dirty="0" smtClean="0"/>
+          </a:p>
+          <a:p>
+            <a:pPr lvl="1"/>
+            <a:r>
+              <a:rPr lang="en-GB" dirty="0" smtClean="0"/>
+              <a:t>Accelerated </a:t>
+            </a:r>
+            <a:r>
+              <a:rPr lang="en-GB" dirty="0" err="1"/>
+              <a:t>w</a:t>
+            </a:r>
+            <a:r>
+              <a:rPr lang="en-GB" dirty="0" err="1" smtClean="0"/>
+              <a:t>ebview</a:t>
+            </a:r>
+            <a:endParaRPr lang="en-GB" dirty="0" smtClean="0"/>
+          </a:p>
+          <a:p>
+            <a:pPr lvl="1"/>
+            <a:r>
+              <a:rPr lang="en-GB" dirty="0" smtClean="0"/>
+              <a:t>API </a:t>
+            </a:r>
+            <a:r>
+              <a:rPr lang="en-GB" dirty="0" smtClean="0"/>
+              <a:t>for Ads</a:t>
+            </a:r>
+            <a:r>
+              <a:rPr lang="en-GB" dirty="0" smtClean="0"/>
+              <a:t>, IAP, </a:t>
+            </a:r>
+            <a:r>
+              <a:rPr lang="en-GB" dirty="0" smtClean="0"/>
+              <a:t>accelerometer, etc</a:t>
+            </a:r>
+            <a:r>
+              <a:rPr lang="en-GB" dirty="0" smtClean="0"/>
+              <a:t>.</a:t>
+            </a:r>
+            <a:endParaRPr lang="en-GB" dirty="0"/>
+          </a:p>
+        </p:txBody>
+      </p:sp>
+      <p:sp>
+        <p:nvSpPr>
+          <p:cNvPr id="4" name="Segnaposto data 3"/>
+          <p:cNvSpPr>
+            <a:spLocks noGrp="1"/>
+          </p:cNvSpPr>
+          <p:nvPr>
+            <p:ph type="dt" sz="half" idx="10"/>
+          </p:nvPr>
+        </p:nvSpPr>
+        <p:spPr/>
         <p:txBody>
           <a:bodyPr/>
           <a:lstStyle/>
@@ -11024,39 +12584,9 @@
           </a:p>
         </p:txBody>
       </p:sp>
-      <p:pic>
-        <p:nvPicPr>
-          <p:cNvPr id="5" name="Immagine 4"/>
-          <p:cNvPicPr>
-            <a:picLocks noChangeAspect="1"/>
-          </p:cNvPicPr>
-          <p:nvPr/>
-        </p:nvPicPr>
-        <p:blipFill>
-          <a:blip r:embed="rId2">
-            <a:extLst>
-              <a:ext uri="{28A0092B-C50C-407E-A947-70E740481C1C}">
-                <a14:useLocalDpi xmlns:a14="http://schemas.microsoft.com/office/drawing/2010/main" val="0"/>
-              </a:ext>
-            </a:extLst>
-          </a:blip>
-          <a:stretch>
-            <a:fillRect/>
-          </a:stretch>
-        </p:blipFill>
-        <p:spPr>
-          <a:xfrm>
-            <a:off x="3807470" y="4509120"/>
-            <a:ext cx="1445146" cy="1445146"/>
-          </a:xfrm>
-          <a:prstGeom prst="rect">
-            <a:avLst/>
-          </a:prstGeom>
-        </p:spPr>
-      </p:pic>
-      <p:sp>
-        <p:nvSpPr>
-          <p:cNvPr id="6" name="Segnaposto numero diapositiva 5"/>
+      <p:sp>
+        <p:nvSpPr>
+          <p:cNvPr id="5" name="Segnaposto numero diapositiva 4"/>
           <p:cNvSpPr>
             <a:spLocks noGrp="1"/>
           </p:cNvSpPr>
@@ -11080,7 +12610,7 @@
     </p:spTree>
     <p:extLst>
       <p:ext uri="{BB962C8B-B14F-4D97-AF65-F5344CB8AC3E}">
-        <p14:creationId xmlns:p14="http://schemas.microsoft.com/office/powerpoint/2010/main" val="761961468"/>
+        <p14:creationId xmlns:p14="http://schemas.microsoft.com/office/powerpoint/2010/main" val="2457404458"/>
       </p:ext>
     </p:extLst>
   </p:cSld>
@@ -11126,147 +12656,112 @@
         </p:nvSpPr>
         <p:spPr/>
         <p:txBody>
-          <a:bodyPr/>
+          <a:bodyPr>
+            <a:normAutofit/>
+          </a:bodyPr>
           <a:lstStyle/>
           <a:p>
             <a:pPr algn="ctr"/>
             <a:r>
+              <a:rPr lang="en-US" sz="3600" dirty="0" smtClean="0"/>
+              <a:t>To develop an HTML5 game you need…</a:t>
+            </a:r>
+            <a:endParaRPr lang="en-US" sz="3600" dirty="0"/>
+          </a:p>
+        </p:txBody>
+      </p:sp>
+      <p:sp>
+        <p:nvSpPr>
+          <p:cNvPr id="3" name="Segnaposto contenuto 2"/>
+          <p:cNvSpPr>
+            <a:spLocks noGrp="1"/>
+          </p:cNvSpPr>
+          <p:nvPr>
+            <p:ph idx="1"/>
+          </p:nvPr>
+        </p:nvSpPr>
+        <p:spPr/>
+        <p:txBody>
+          <a:bodyPr>
+            <a:normAutofit/>
+          </a:bodyPr>
+          <a:lstStyle/>
+          <a:p>
+            <a:r>
+              <a:rPr lang="en-US" dirty="0" smtClean="0"/>
+              <a:t>Your </a:t>
+            </a:r>
+            <a:r>
+              <a:rPr lang="en-US" dirty="0" err="1" smtClean="0"/>
+              <a:t>favourite</a:t>
+            </a:r>
+            <a:r>
+              <a:rPr lang="en-US" dirty="0" smtClean="0"/>
+              <a:t> OS</a:t>
+            </a:r>
+          </a:p>
+          <a:p>
+            <a:r>
+              <a:rPr lang="en-US" dirty="0" smtClean="0"/>
+              <a:t>Your </a:t>
+            </a:r>
+            <a:r>
+              <a:rPr lang="en-US" dirty="0" err="1" smtClean="0"/>
+              <a:t>favourite</a:t>
+            </a:r>
+            <a:r>
+              <a:rPr lang="en-US" dirty="0" smtClean="0"/>
+              <a:t> editor</a:t>
+            </a:r>
+          </a:p>
+          <a:p>
+            <a:r>
+              <a:rPr lang="en-US" dirty="0" smtClean="0"/>
+              <a:t>Your </a:t>
+            </a:r>
+            <a:r>
+              <a:rPr lang="en-US" dirty="0" err="1" smtClean="0"/>
+              <a:t>favourite</a:t>
+            </a:r>
+            <a:r>
+              <a:rPr lang="en-US" dirty="0" smtClean="0"/>
+              <a:t> web server</a:t>
+            </a:r>
+          </a:p>
+          <a:p>
+            <a:endParaRPr lang="en-US" dirty="0"/>
+          </a:p>
+          <a:p>
+            <a:pPr marL="0" indent="0" algn="ctr">
+              <a:buNone/>
+            </a:pPr>
+            <a:r>
+              <a:rPr lang="en-US" dirty="0" smtClean="0"/>
+              <a:t>Or you can just use </a:t>
+            </a:r>
+            <a:r>
               <a:rPr lang="en-US" dirty="0"/>
-              <a:t>Phaser (http://phaser.io</a:t>
-            </a:r>
-            <a:r>
-              <a:rPr lang="en-US" dirty="0" smtClean="0"/>
-              <a:t>/)</a:t>
-            </a:r>
-            <a:endParaRPr lang="en-US" dirty="0"/>
-          </a:p>
-        </p:txBody>
-      </p:sp>
-      <p:sp>
-        <p:nvSpPr>
-          <p:cNvPr id="3" name="Segnaposto contenuto 2"/>
-          <p:cNvSpPr>
-            <a:spLocks noGrp="1"/>
-          </p:cNvSpPr>
-          <p:nvPr>
-            <p:ph idx="1"/>
-          </p:nvPr>
-        </p:nvSpPr>
-        <p:spPr/>
-        <p:txBody>
-          <a:bodyPr>
-            <a:normAutofit fontScale="92500" lnSpcReduction="10000"/>
-          </a:bodyPr>
-          <a:lstStyle/>
-          <a:p>
-            <a:r>
-              <a:rPr lang="en-US" dirty="0" smtClean="0"/>
-              <a:t>Easy to learn</a:t>
-            </a:r>
-          </a:p>
-          <a:p>
-            <a:r>
-              <a:rPr lang="en-US" dirty="0" smtClean="0"/>
-              <a:t>Mobile </a:t>
-            </a:r>
-            <a:r>
-              <a:rPr lang="en-US" dirty="0"/>
-              <a:t>Focused </a:t>
-            </a:r>
-            <a:r>
-              <a:rPr lang="en-US" dirty="0" smtClean="0"/>
-              <a:t>with Multi-touch</a:t>
-            </a:r>
-          </a:p>
-          <a:p>
-            <a:r>
-              <a:rPr lang="en-US" dirty="0" err="1" smtClean="0"/>
-              <a:t>WebGL</a:t>
-            </a:r>
-            <a:r>
-              <a:rPr lang="en-US" dirty="0" smtClean="0"/>
-              <a:t> &amp; Canvas, </a:t>
-            </a:r>
-            <a:r>
-              <a:rPr lang="en-US" dirty="0" err="1" smtClean="0"/>
-              <a:t>WebAudio</a:t>
-            </a:r>
-            <a:r>
-              <a:rPr lang="en-US" dirty="0" smtClean="0"/>
-              <a:t> &amp; HTML Audio</a:t>
-            </a:r>
-          </a:p>
-          <a:p>
-            <a:r>
-              <a:rPr lang="en-US" dirty="0" smtClean="0"/>
-              <a:t>Supports “standards”</a:t>
-            </a:r>
-          </a:p>
-          <a:p>
-            <a:r>
-              <a:rPr lang="en-US" dirty="0" smtClean="0"/>
-              <a:t>Very </a:t>
-            </a:r>
-            <a:r>
-              <a:rPr lang="en-US" dirty="0"/>
-              <a:t>active </a:t>
-            </a:r>
-            <a:r>
-              <a:rPr lang="en-US" dirty="0" smtClean="0"/>
-              <a:t>development, vibrant community</a:t>
-            </a:r>
-          </a:p>
-          <a:p>
-            <a:r>
-              <a:rPr lang="en-US" dirty="0" smtClean="0"/>
-              <a:t>Based </a:t>
-            </a:r>
-            <a:r>
-              <a:rPr lang="en-US" dirty="0"/>
-              <a:t>on pixi.js </a:t>
-            </a:r>
-            <a:r>
-              <a:rPr lang="en-US" dirty="0" smtClean="0"/>
+              <a:t>Brackets! </a:t>
+            </a:r>
+            <a:r>
+              <a:rPr lang="en-US" dirty="0" smtClean="0">
+                <a:hlinkClick r:id="rId2"/>
+              </a:rPr>
               <a:t>http</a:t>
             </a:r>
             <a:r>
-              <a:rPr lang="en-US" dirty="0"/>
-              <a:t>://www.pixijs.com</a:t>
-            </a:r>
-            <a:r>
-              <a:rPr lang="en-US" dirty="0" smtClean="0"/>
+              <a:rPr lang="en-US" dirty="0">
+                <a:hlinkClick r:id="rId2"/>
+              </a:rPr>
+              <a:t>://brackets.io</a:t>
+            </a:r>
+            <a:r>
+              <a:rPr lang="en-US" dirty="0" smtClean="0">
+                <a:hlinkClick r:id="rId2"/>
+              </a:rPr>
               <a:t>/</a:t>
             </a:r>
-            <a:endParaRPr lang="en-US" dirty="0"/>
-          </a:p>
-          <a:p>
-            <a:r>
-              <a:rPr lang="en-US" dirty="0" smtClean="0"/>
-              <a:t>Various physics engine </a:t>
-            </a:r>
-          </a:p>
-          <a:p>
-            <a:pPr lvl="1"/>
-            <a:r>
-              <a:rPr lang="en-US" dirty="0" smtClean="0"/>
-              <a:t>“arcade”</a:t>
-            </a:r>
-          </a:p>
-          <a:p>
-            <a:pPr lvl="1"/>
-            <a:r>
-              <a:rPr lang="en-US" dirty="0"/>
-              <a:t>p2.js http://schteppe.github.io/p2.js/</a:t>
-            </a:r>
             <a:endParaRPr lang="en-US" dirty="0" smtClean="0"/>
-          </a:p>
-          <a:p>
-            <a:pPr lvl="1"/>
-            <a:r>
-              <a:rPr lang="en-US" dirty="0" smtClean="0"/>
-              <a:t>“ninja”</a:t>
-            </a:r>
-            <a:endParaRPr lang="en-US" dirty="0"/>
           </a:p>
         </p:txBody>
       </p:sp>
@@ -11306,9 +12801,39 @@
           </a:p>
         </p:txBody>
       </p:sp>
-      <p:sp>
-        <p:nvSpPr>
-          <p:cNvPr id="5" name="Segnaposto numero diapositiva 4"/>
+      <p:pic>
+        <p:nvPicPr>
+          <p:cNvPr id="5" name="Immagine 4"/>
+          <p:cNvPicPr>
+            <a:picLocks noChangeAspect="1"/>
+          </p:cNvPicPr>
+          <p:nvPr/>
+        </p:nvPicPr>
+        <p:blipFill>
+          <a:blip r:embed="rId3">
+            <a:extLst>
+              <a:ext uri="{28A0092B-C50C-407E-A947-70E740481C1C}">
+                <a14:useLocalDpi xmlns:a14="http://schemas.microsoft.com/office/drawing/2010/main" val="0"/>
+              </a:ext>
+            </a:extLst>
+          </a:blip>
+          <a:stretch>
+            <a:fillRect/>
+          </a:stretch>
+        </p:blipFill>
+        <p:spPr>
+          <a:xfrm>
+            <a:off x="3807470" y="4509120"/>
+            <a:ext cx="1445146" cy="1445146"/>
+          </a:xfrm>
+          <a:prstGeom prst="rect">
+            <a:avLst/>
+          </a:prstGeom>
+        </p:spPr>
+      </p:pic>
+      <p:sp>
+        <p:nvSpPr>
+          <p:cNvPr id="6" name="Segnaposto numero diapositiva 5"/>
           <p:cNvSpPr>
             <a:spLocks noGrp="1"/>
           </p:cNvSpPr>
@@ -11332,7 +12857,7 @@
     </p:spTree>
     <p:extLst>
       <p:ext uri="{BB962C8B-B14F-4D97-AF65-F5344CB8AC3E}">
-        <p14:creationId xmlns:p14="http://schemas.microsoft.com/office/powerpoint/2010/main" val="1671476932"/>
+        <p14:creationId xmlns:p14="http://schemas.microsoft.com/office/powerpoint/2010/main" val="761961468"/>
       </p:ext>
     </p:extLst>
   </p:cSld>
@@ -11378,65 +12903,159 @@
         </p:nvSpPr>
         <p:spPr/>
         <p:txBody>
+          <a:bodyPr/>
+          <a:lstStyle/>
+          <a:p>
+            <a:pPr algn="ctr"/>
+            <a:r>
+              <a:rPr lang="en-US" dirty="0"/>
+              <a:t>Phaser (http://phaser.io</a:t>
+            </a:r>
+            <a:r>
+              <a:rPr lang="en-US" dirty="0" smtClean="0"/>
+              <a:t>/)</a:t>
+            </a:r>
+            <a:endParaRPr lang="en-US" dirty="0"/>
+          </a:p>
+        </p:txBody>
+      </p:sp>
+      <p:sp>
+        <p:nvSpPr>
+          <p:cNvPr id="3" name="Segnaposto contenuto 2"/>
+          <p:cNvSpPr>
+            <a:spLocks noGrp="1"/>
+          </p:cNvSpPr>
+          <p:nvPr>
+            <p:ph idx="1"/>
+          </p:nvPr>
+        </p:nvSpPr>
+        <p:spPr>
+          <a:xfrm>
+            <a:off x="628650" y="1825625"/>
+            <a:ext cx="7886700" cy="4351338"/>
+          </a:xfrm>
+        </p:spPr>
+        <p:txBody>
           <a:bodyPr>
             <a:normAutofit/>
           </a:bodyPr>
           <a:lstStyle/>
           <a:p>
-            <a:pPr algn="ctr"/>
-            <a:r>
-              <a:rPr lang="en-US" sz="4000" dirty="0" smtClean="0"/>
-              <a:t>Core Game Development Concepts</a:t>
-            </a:r>
-            <a:endParaRPr lang="en-US" sz="4000" dirty="0"/>
-          </a:p>
-        </p:txBody>
-      </p:sp>
-      <p:sp>
-        <p:nvSpPr>
-          <p:cNvPr id="3" name="Segnaposto contenuto 2"/>
-          <p:cNvSpPr>
-            <a:spLocks noGrp="1"/>
-          </p:cNvSpPr>
-          <p:nvPr>
-            <p:ph idx="1"/>
-          </p:nvPr>
-        </p:nvSpPr>
-        <p:spPr/>
-        <p:txBody>
-          <a:bodyPr/>
-          <a:lstStyle/>
-          <a:p>
             <a:r>
               <a:rPr lang="en-US" dirty="0" smtClean="0"/>
-              <a:t>Loops</a:t>
+              <a:t>Easy to use</a:t>
             </a:r>
           </a:p>
           <a:p>
             <a:r>
               <a:rPr lang="en-US" dirty="0" smtClean="0"/>
-              <a:t>Sprite</a:t>
-            </a:r>
-          </a:p>
-          <a:p>
-            <a:r>
-              <a:rPr lang="en-US" dirty="0" err="1"/>
-              <a:t>Tilemap</a:t>
-            </a:r>
+              <a:t>Focused on mobile</a:t>
+            </a:r>
+          </a:p>
+          <a:p>
+            <a:r>
+              <a:rPr lang="en-US" dirty="0" err="1" smtClean="0"/>
+              <a:t>WebGL</a:t>
+            </a:r>
+            <a:r>
+              <a:rPr lang="en-US" dirty="0" smtClean="0"/>
+              <a:t> &amp; Canvas</a:t>
+            </a:r>
+          </a:p>
+          <a:p>
+            <a:r>
+              <a:rPr lang="en-US" dirty="0" err="1" smtClean="0"/>
+              <a:t>WebAudio</a:t>
+            </a:r>
+            <a:r>
+              <a:rPr lang="en-US" dirty="0" smtClean="0"/>
+              <a:t> &amp; HTML Audio</a:t>
+            </a:r>
+          </a:p>
+          <a:p>
+            <a:r>
+              <a:rPr lang="en-US" dirty="0" smtClean="0"/>
+              <a:t>Use pixi.js (</a:t>
+            </a:r>
+            <a:r>
+              <a:rPr lang="en-US" dirty="0" smtClean="0">
+                <a:hlinkClick r:id="rId2"/>
+              </a:rPr>
+              <a:t>http</a:t>
+            </a:r>
+            <a:r>
+              <a:rPr lang="en-US" dirty="0">
+                <a:hlinkClick r:id="rId2"/>
+              </a:rPr>
+              <a:t>://www.pixijs.com</a:t>
+            </a:r>
+            <a:r>
+              <a:rPr lang="en-US" dirty="0" smtClean="0">
+                <a:hlinkClick r:id="rId2"/>
+              </a:rPr>
+              <a:t>/</a:t>
+            </a:r>
+            <a:r>
+              <a:rPr lang="en-US" dirty="0" smtClean="0"/>
+              <a:t>)</a:t>
+            </a:r>
+            <a:endParaRPr lang="en-US" dirty="0"/>
+          </a:p>
+          <a:p>
+            <a:r>
+              <a:rPr lang="en-US" dirty="0" smtClean="0"/>
+              <a:t>Various physics engine supported</a:t>
+            </a:r>
+          </a:p>
+          <a:p>
+            <a:pPr lvl="1"/>
+            <a:r>
+              <a:rPr lang="en-US" dirty="0" smtClean="0"/>
+              <a:t>“arcade” classic AABB engine</a:t>
+            </a:r>
+          </a:p>
+          <a:p>
+            <a:pPr lvl="1"/>
+            <a:r>
+              <a:rPr lang="en-US" dirty="0"/>
+              <a:t>p2.js </a:t>
+            </a:r>
+            <a:r>
+              <a:rPr lang="en-US" dirty="0" smtClean="0"/>
+              <a:t>(</a:t>
+            </a:r>
+            <a:r>
+              <a:rPr lang="en-US" dirty="0" smtClean="0">
+                <a:hlinkClick r:id="rId3"/>
+              </a:rPr>
+              <a:t>http</a:t>
+            </a:r>
+            <a:r>
+              <a:rPr lang="en-US" dirty="0">
+                <a:hlinkClick r:id="rId3"/>
+              </a:rPr>
+              <a:t>://schteppe.github.io/p2.js</a:t>
+            </a:r>
+            <a:r>
+              <a:rPr lang="en-US" dirty="0" smtClean="0">
+                <a:hlinkClick r:id="rId3"/>
+              </a:rPr>
+              <a:t>/</a:t>
+            </a:r>
+            <a:r>
+              <a:rPr lang="en-US" dirty="0" smtClean="0"/>
+              <a:t>)</a:t>
+            </a:r>
+          </a:p>
+          <a:p>
+            <a:pPr lvl="1"/>
             <a:endParaRPr lang="en-US" dirty="0" smtClean="0"/>
           </a:p>
           <a:p>
-            <a:r>
-              <a:rPr lang="en-US" dirty="0" smtClean="0"/>
-              <a:t>Collision</a:t>
-            </a:r>
-          </a:p>
-          <a:p>
-            <a:r>
-              <a:rPr lang="en-US" dirty="0" smtClean="0"/>
-              <a:t>Input</a:t>
-            </a:r>
-            <a:endParaRPr lang="en-US" dirty="0"/>
+            <a:pPr marL="457200" lvl="1" indent="0">
+              <a:buNone/>
+            </a:pPr>
+            <a:endParaRPr lang="en-US" dirty="0" smtClean="0"/>
           </a:p>
         </p:txBody>
       </p:sp>
@@ -11499,10 +13118,40 @@
           </a:p>
         </p:txBody>
       </p:sp>
+      <p:pic>
+        <p:nvPicPr>
+          <p:cNvPr id="6" name="Immagine 5"/>
+          <p:cNvPicPr>
+            <a:picLocks noChangeAspect="1"/>
+          </p:cNvPicPr>
+          <p:nvPr/>
+        </p:nvPicPr>
+        <p:blipFill>
+          <a:blip r:embed="rId4">
+            <a:extLst>
+              <a:ext uri="{28A0092B-C50C-407E-A947-70E740481C1C}">
+                <a14:useLocalDpi xmlns:a14="http://schemas.microsoft.com/office/drawing/2010/main" val="0"/>
+              </a:ext>
+            </a:extLst>
+          </a:blip>
+          <a:stretch>
+            <a:fillRect/>
+          </a:stretch>
+        </p:blipFill>
+        <p:spPr>
+          <a:xfrm>
+            <a:off x="6029250" y="1556792"/>
+            <a:ext cx="2575198" cy="2231390"/>
+          </a:xfrm>
+          <a:prstGeom prst="rect">
+            <a:avLst/>
+          </a:prstGeom>
+        </p:spPr>
+      </p:pic>
     </p:spTree>
     <p:extLst>
       <p:ext uri="{BB962C8B-B14F-4D97-AF65-F5344CB8AC3E}">
-        <p14:creationId xmlns:p14="http://schemas.microsoft.com/office/powerpoint/2010/main" val="3154257847"/>
+        <p14:creationId xmlns:p14="http://schemas.microsoft.com/office/powerpoint/2010/main" val="1671476932"/>
       </p:ext>
     </p:extLst>
   </p:cSld>
@@ -11555,20 +13204,8 @@
           <a:p>
             <a:pPr algn="ctr"/>
             <a:r>
-              <a:rPr lang="en-US" sz="4000" dirty="0"/>
-              <a:t>d</a:t>
-            </a:r>
-            <a:r>
               <a:rPr lang="en-US" sz="4000" dirty="0" smtClean="0"/>
-              <a:t>o { </a:t>
-            </a:r>
-            <a:r>
-              <a:rPr lang="en-US" sz="4000" i="1" dirty="0" smtClean="0"/>
-              <a:t>game</a:t>
-            </a:r>
-            <a:r>
-              <a:rPr lang="en-US" sz="4000" dirty="0" smtClean="0"/>
-              <a:t> } while (true);</a:t>
+              <a:t>Core Game Development Concepts</a:t>
             </a:r>
             <a:endParaRPr lang="en-US" sz="4000" dirty="0"/>
           </a:p>
@@ -11591,46 +13228,34 @@
           <a:p>
             <a:r>
               <a:rPr lang="en-US" dirty="0" smtClean="0"/>
-              <a:t>Inputs, AI, collisions, rendering… your game is computed here!</a:t>
+              <a:t>Loop</a:t>
             </a:r>
           </a:p>
           <a:p>
             <a:r>
               <a:rPr lang="en-US" dirty="0" smtClean="0"/>
-              <a:t>update() &amp; render()</a:t>
-            </a:r>
+              <a:t>Sprite</a:t>
+            </a:r>
+          </a:p>
+          <a:p>
+            <a:r>
+              <a:rPr lang="en-US" dirty="0" err="1"/>
+              <a:t>Tilemap</a:t>
+            </a:r>
+            <a:endParaRPr lang="en-US" dirty="0" smtClean="0"/>
           </a:p>
           <a:p>
             <a:r>
               <a:rPr lang="en-US" dirty="0" smtClean="0"/>
-              <a:t>Phaser implementation</a:t>
-            </a:r>
-          </a:p>
-          <a:p>
-            <a:pPr lvl="1"/>
+              <a:t>Collision</a:t>
+            </a:r>
+          </a:p>
+          <a:p>
             <a:r>
               <a:rPr lang="en-US" dirty="0" smtClean="0"/>
-              <a:t>render() is supplied</a:t>
-            </a:r>
-          </a:p>
-          <a:p>
-            <a:pPr lvl="1"/>
-            <a:r>
-              <a:rPr lang="en-US" dirty="0"/>
-              <a:t>g</a:t>
-            </a:r>
-            <a:r>
-              <a:rPr lang="en-US" dirty="0" smtClean="0"/>
-              <a:t>ame is a set of </a:t>
-            </a:r>
-            <a:r>
-              <a:rPr lang="en-US" i="1" dirty="0" smtClean="0"/>
-              <a:t>states</a:t>
-            </a:r>
-          </a:p>
-          <a:p>
-            <a:pPr lvl="1"/>
-            <a:endParaRPr lang="en-US" dirty="0" smtClean="0"/>
+              <a:t>Input</a:t>
+            </a:r>
+            <a:endParaRPr lang="en-US" dirty="0"/>
           </a:p>
         </p:txBody>
       </p:sp>
@@ -11696,7 +13321,7 @@
     </p:spTree>
     <p:extLst>
       <p:ext uri="{BB962C8B-B14F-4D97-AF65-F5344CB8AC3E}">
-        <p14:creationId xmlns:p14="http://schemas.microsoft.com/office/powerpoint/2010/main" val="3092724428"/>
+        <p14:creationId xmlns:p14="http://schemas.microsoft.com/office/powerpoint/2010/main" val="3154257847"/>
       </p:ext>
     </p:extLst>
   </p:cSld>
@@ -11785,75 +13410,63 @@
           </a:bodyPr>
           <a:lstStyle/>
           <a:p>
-            <a:pPr marL="0" indent="0">
-              <a:buNone/>
-            </a:pPr>
+            <a:r>
+              <a:rPr lang="en-US" dirty="0" smtClean="0"/>
+              <a:t>update loop executes game logic</a:t>
+            </a:r>
+          </a:p>
+          <a:p>
+            <a:pPr lvl="1"/>
             <a:r>
               <a:rPr lang="en-US" dirty="0"/>
-              <a:t>S</a:t>
+              <a:t>Inputs, AI, </a:t>
             </a:r>
             <a:r>
               <a:rPr lang="en-US" dirty="0" smtClean="0"/>
-              <a:t>tate main functions:</a:t>
+              <a:t>collisions… </a:t>
+            </a:r>
+            <a:r>
+              <a:rPr lang="en-US" dirty="0"/>
+              <a:t>your game is computed here!</a:t>
+            </a:r>
+            <a:endParaRPr lang="en-US" dirty="0" smtClean="0"/>
+          </a:p>
+          <a:p>
+            <a:r>
+              <a:rPr lang="en-US" dirty="0" smtClean="0"/>
+              <a:t>render loop draws graphic elements to screen</a:t>
+            </a:r>
+          </a:p>
+          <a:p>
+            <a:r>
+              <a:rPr lang="en-US" dirty="0" smtClean="0"/>
+              <a:t>Phaser game implementation</a:t>
             </a:r>
           </a:p>
           <a:p>
             <a:pPr lvl="1"/>
             <a:r>
-              <a:rPr lang="en-US" b="1" dirty="0"/>
-              <a:t>preload</a:t>
-            </a:r>
-            <a:r>
-              <a:rPr lang="en-US" dirty="0"/>
-              <a:t>: </a:t>
-            </a:r>
-            <a:r>
               <a:rPr lang="en-US" dirty="0" smtClean="0"/>
-              <a:t>used to load assets</a:t>
-            </a:r>
-            <a:endParaRPr lang="en-US" dirty="0"/>
+              <a:t>Game is a set of states</a:t>
+            </a:r>
           </a:p>
           <a:p>
             <a:pPr lvl="1"/>
             <a:r>
-              <a:rPr lang="en-US" b="1" dirty="0" smtClean="0"/>
-              <a:t>create</a:t>
-            </a:r>
-            <a:r>
               <a:rPr lang="en-US" dirty="0" smtClean="0"/>
-              <a:t>: state initialization</a:t>
+              <a:t>Each state has its own loops</a:t>
             </a:r>
           </a:p>
           <a:p>
             <a:pPr lvl="1"/>
             <a:r>
-              <a:rPr lang="en-US" b="1" dirty="0" smtClean="0"/>
-              <a:t>update</a:t>
-            </a:r>
-            <a:r>
               <a:rPr lang="en-US" dirty="0" smtClean="0"/>
-              <a:t>: the </a:t>
-            </a:r>
-            <a:r>
-              <a:rPr lang="en-US" i="1" dirty="0" smtClean="0"/>
-              <a:t>real</a:t>
-            </a:r>
-            <a:r>
-              <a:rPr lang="en-US" dirty="0" smtClean="0"/>
-              <a:t> game loop</a:t>
+              <a:t>Render loop is supplied by pixi.js</a:t>
             </a:r>
           </a:p>
           <a:p>
             <a:pPr lvl="1"/>
-            <a:r>
-              <a:rPr lang="en-US" b="1" dirty="0" smtClean="0"/>
-              <a:t>render</a:t>
-            </a:r>
-            <a:r>
-              <a:rPr lang="en-US" dirty="0" smtClean="0"/>
-              <a:t>: called after rendering. Use it for debugging and post-rendering purposes</a:t>
-            </a:r>
-            <a:endParaRPr lang="en-US" b="1" dirty="0" smtClean="0"/>
+            <a:endParaRPr lang="en-US" dirty="0" smtClean="0"/>
           </a:p>
         </p:txBody>
       </p:sp>
@@ -11919,7 +13532,7 @@
     </p:spTree>
     <p:extLst>
       <p:ext uri="{BB962C8B-B14F-4D97-AF65-F5344CB8AC3E}">
-        <p14:creationId xmlns:p14="http://schemas.microsoft.com/office/powerpoint/2010/main" val="3632048830"/>
+        <p14:creationId xmlns:p14="http://schemas.microsoft.com/office/powerpoint/2010/main" val="3092724428"/>
       </p:ext>
     </p:extLst>
   </p:cSld>

--- a/codemotion.pptx
+++ b/codemotion.pptx
@@ -6,7 +6,7 @@
     <p:sldMasterId id="2147483652" r:id="rId2"/>
   </p:sldMasterIdLst>
   <p:notesMasterIdLst>
-    <p:notesMasterId r:id="rId31"/>
+    <p:notesMasterId r:id="rId33"/>
   </p:notesMasterIdLst>
   <p:sldIdLst>
     <p:sldId id="259" r:id="rId3"/>
@@ -27,16 +27,18 @@
     <p:sldId id="282" r:id="rId18"/>
     <p:sldId id="294" r:id="rId19"/>
     <p:sldId id="281" r:id="rId20"/>
-    <p:sldId id="290" r:id="rId21"/>
-    <p:sldId id="284" r:id="rId22"/>
-    <p:sldId id="285" r:id="rId23"/>
-    <p:sldId id="286" r:id="rId24"/>
-    <p:sldId id="287" r:id="rId25"/>
-    <p:sldId id="291" r:id="rId26"/>
-    <p:sldId id="297" r:id="rId27"/>
-    <p:sldId id="296" r:id="rId28"/>
-    <p:sldId id="298" r:id="rId29"/>
-    <p:sldId id="299" r:id="rId30"/>
+    <p:sldId id="300" r:id="rId21"/>
+    <p:sldId id="301" r:id="rId22"/>
+    <p:sldId id="290" r:id="rId23"/>
+    <p:sldId id="284" r:id="rId24"/>
+    <p:sldId id="285" r:id="rId25"/>
+    <p:sldId id="286" r:id="rId26"/>
+    <p:sldId id="287" r:id="rId27"/>
+    <p:sldId id="291" r:id="rId28"/>
+    <p:sldId id="297" r:id="rId29"/>
+    <p:sldId id="296" r:id="rId30"/>
+    <p:sldId id="298" r:id="rId31"/>
+    <p:sldId id="299" r:id="rId32"/>
   </p:sldIdLst>
   <p:sldSz cx="9144000" cy="6858000" type="screen4x3"/>
   <p:notesSz cx="6858000" cy="9144000"/>
@@ -188,6 +190,8 @@
             <p14:sldId id="282"/>
             <p14:sldId id="294"/>
             <p14:sldId id="281"/>
+            <p14:sldId id="300"/>
+            <p14:sldId id="301"/>
             <p14:sldId id="290"/>
             <p14:sldId id="284"/>
             <p14:sldId id="285"/>
@@ -719,7 +723,7 @@
           <a:p>
             <a:fld id="{B74071AC-48DE-4D22-A987-195E984FE17A}" type="slidenum">
               <a:rPr lang="it-IT" smtClean="0"/>
-              <a:t>27</a:t>
+              <a:t>29</a:t>
             </a:fld>
             <a:endParaRPr lang="it-IT"/>
           </a:p>
@@ -803,7 +807,7 @@
           <a:p>
             <a:fld id="{B74071AC-48DE-4D22-A987-195E984FE17A}" type="slidenum">
               <a:rPr lang="it-IT" smtClean="0"/>
-              <a:t>28</a:t>
+              <a:t>30</a:t>
             </a:fld>
             <a:endParaRPr lang="it-IT"/>
           </a:p>
@@ -887,7 +891,7 @@
           <a:p>
             <a:fld id="{B74071AC-48DE-4D22-A987-195E984FE17A}" type="slidenum">
               <a:rPr lang="it-IT" smtClean="0"/>
-              <a:t>19</a:t>
+              <a:t>21</a:t>
             </a:fld>
             <a:endParaRPr lang="it-IT"/>
           </a:p>
@@ -971,7 +975,7 @@
           <a:p>
             <a:fld id="{B74071AC-48DE-4D22-A987-195E984FE17A}" type="slidenum">
               <a:rPr lang="it-IT" smtClean="0"/>
-              <a:t>20</a:t>
+              <a:t>22</a:t>
             </a:fld>
             <a:endParaRPr lang="it-IT"/>
           </a:p>
@@ -1055,7 +1059,7 @@
           <a:p>
             <a:fld id="{B74071AC-48DE-4D22-A987-195E984FE17A}" type="slidenum">
               <a:rPr lang="it-IT" smtClean="0"/>
-              <a:t>21</a:t>
+              <a:t>23</a:t>
             </a:fld>
             <a:endParaRPr lang="it-IT"/>
           </a:p>
@@ -1139,7 +1143,7 @@
           <a:p>
             <a:fld id="{B74071AC-48DE-4D22-A987-195E984FE17A}" type="slidenum">
               <a:rPr lang="it-IT" smtClean="0"/>
-              <a:t>22</a:t>
+              <a:t>24</a:t>
             </a:fld>
             <a:endParaRPr lang="it-IT"/>
           </a:p>
@@ -1223,7 +1227,7 @@
           <a:p>
             <a:fld id="{B74071AC-48DE-4D22-A987-195E984FE17A}" type="slidenum">
               <a:rPr lang="it-IT" smtClean="0"/>
-              <a:t>23</a:t>
+              <a:t>25</a:t>
             </a:fld>
             <a:endParaRPr lang="it-IT"/>
           </a:p>
@@ -1307,7 +1311,7 @@
           <a:p>
             <a:fld id="{B74071AC-48DE-4D22-A987-195E984FE17A}" type="slidenum">
               <a:rPr lang="it-IT" smtClean="0"/>
-              <a:t>24</a:t>
+              <a:t>26</a:t>
             </a:fld>
             <a:endParaRPr lang="it-IT"/>
           </a:p>
@@ -1391,7 +1395,7 @@
           <a:p>
             <a:fld id="{B74071AC-48DE-4D22-A987-195E984FE17A}" type="slidenum">
               <a:rPr lang="it-IT" smtClean="0"/>
-              <a:t>25</a:t>
+              <a:t>27</a:t>
             </a:fld>
             <a:endParaRPr lang="it-IT"/>
           </a:p>
@@ -1475,7 +1479,7 @@
           <a:p>
             <a:fld id="{B74071AC-48DE-4D22-A987-195E984FE17A}" type="slidenum">
               <a:rPr lang="it-IT" smtClean="0"/>
-              <a:t>26</a:t>
+              <a:t>28</a:t>
             </a:fld>
             <a:endParaRPr lang="it-IT"/>
           </a:p>
@@ -5558,37 +5562,35 @@
           </a:p>
         </p:txBody>
       </p:sp>
-      <p:sp>
-        <p:nvSpPr>
-          <p:cNvPr id="3" name="Segnaposto contenuto 2"/>
-          <p:cNvSpPr>
-            <a:spLocks noGrp="1"/>
-          </p:cNvSpPr>
+      <p:pic>
+        <p:nvPicPr>
+          <p:cNvPr id="7" name="Segnaposto contenuto 6"/>
+          <p:cNvPicPr>
+            <a:picLocks noGrp="1" noChangeAspect="1"/>
+          </p:cNvPicPr>
           <p:nvPr>
             <p:ph idx="1"/>
           </p:nvPr>
-        </p:nvSpPr>
-        <p:spPr/>
-        <p:txBody>
-          <a:bodyPr>
-            <a:normAutofit/>
-          </a:bodyPr>
-          <a:lstStyle/>
-          <a:p>
-            <a:pPr marL="0" indent="0">
-              <a:buNone/>
-            </a:pPr>
-            <a:r>
-              <a:rPr lang="en-US" dirty="0" smtClean="0"/>
-              <a:t>helloPhaser.html</a:t>
-            </a:r>
-          </a:p>
-          <a:p>
-            <a:pPr lvl="1"/>
-            <a:endParaRPr lang="en-US" dirty="0" smtClean="0"/>
-          </a:p>
-        </p:txBody>
-      </p:sp>
+        </p:nvPicPr>
+        <p:blipFill>
+          <a:blip r:embed="rId2">
+            <a:extLst>
+              <a:ext uri="{28A0092B-C50C-407E-A947-70E740481C1C}">
+                <a14:useLocalDpi xmlns:a14="http://schemas.microsoft.com/office/drawing/2010/main" val="0"/>
+              </a:ext>
+            </a:extLst>
+          </a:blip>
+          <a:stretch>
+            <a:fillRect/>
+          </a:stretch>
+        </p:blipFill>
+        <p:spPr>
+          <a:xfrm>
+            <a:off x="1669603" y="1825625"/>
+            <a:ext cx="5804793" cy="4351338"/>
+          </a:xfrm>
+        </p:spPr>
+      </p:pic>
       <p:sp>
         <p:nvSpPr>
           <p:cNvPr id="4" name="Segnaposto data 3"/>
@@ -7602,7 +7604,7 @@
           <a:p>
             <a:pPr algn="ctr"/>
             <a:r>
-              <a:rPr lang="en-US" sz="4000" dirty="0" err="1" smtClean="0"/>
+              <a:rPr lang="en-US" sz="4000" dirty="0" smtClean="0"/>
               <a:t>Tilemap</a:t>
             </a:r>
             <a:endParaRPr lang="en-US" sz="4000" dirty="0"/>
@@ -7633,15 +7635,7 @@
             </a:pPr>
             <a:r>
               <a:rPr lang="en-US" dirty="0"/>
-              <a:t>A </a:t>
-            </a:r>
-            <a:r>
-              <a:rPr lang="en-US" dirty="0" err="1"/>
-              <a:t>tilemap</a:t>
-            </a:r>
-            <a:r>
-              <a:rPr lang="en-US" dirty="0"/>
-              <a:t> is a map composed by a fixed number of same sized sprites (tiles)</a:t>
+              <a:t>A tilemap is a map composed by a fixed number of same sized sprites (tiles)</a:t>
             </a:r>
             <a:endParaRPr lang="en-US" dirty="0" smtClean="0"/>
           </a:p>
@@ -7814,7 +7808,7 @@
           <a:p>
             <a:pPr algn="ctr"/>
             <a:r>
-              <a:rPr lang="en-US" sz="4000" dirty="0" err="1" smtClean="0"/>
+              <a:rPr lang="en-US" sz="4000" dirty="0" smtClean="0"/>
               <a:t>Tilemap</a:t>
             </a:r>
             <a:endParaRPr lang="en-US" sz="4000" dirty="0"/>
@@ -8345,7 +8339,7 @@
             <a:pPr algn="ctr"/>
             <a:r>
               <a:rPr lang="en-US" sz="4000" dirty="0" smtClean="0"/>
-              <a:t>Input</a:t>
+              <a:t>Collision</a:t>
             </a:r>
             <a:endParaRPr lang="en-US" sz="4000" dirty="0"/>
           </a:p>
@@ -8361,108 +8355,75 @@
             <p:ph idx="1"/>
           </p:nvPr>
         </p:nvSpPr>
-        <p:spPr/>
+        <p:spPr>
+          <a:noFill/>
+        </p:spPr>
         <p:txBody>
           <a:bodyPr>
-            <a:normAutofit/>
+            <a:normAutofit lnSpcReduction="10000"/>
           </a:bodyPr>
           <a:lstStyle/>
           <a:p>
             <a:pPr marL="0" indent="0">
-              <a:lnSpc>
-                <a:spcPct val="120000"/>
-              </a:lnSpc>
-              <a:spcBef>
-                <a:spcPts val="0"/>
-              </a:spcBef>
               <a:buNone/>
             </a:pPr>
             <a:r>
-              <a:rPr lang="en-US" dirty="0" smtClean="0">
-                <a:cs typeface="Consolas" panose="020B0609020204030204" pitchFamily="49" charset="0"/>
-              </a:rPr>
-              <a:t>Phaser supports natively</a:t>
-            </a:r>
-          </a:p>
-          <a:p>
-            <a:pPr>
-              <a:lnSpc>
-                <a:spcPct val="120000"/>
-              </a:lnSpc>
-              <a:spcBef>
-                <a:spcPts val="0"/>
-              </a:spcBef>
-            </a:pPr>
-            <a:r>
-              <a:rPr lang="en-US" dirty="0" smtClean="0">
-                <a:cs typeface="Consolas" panose="020B0609020204030204" pitchFamily="49" charset="0"/>
-              </a:rPr>
-              <a:t>Keyboard</a:t>
-            </a:r>
-          </a:p>
-          <a:p>
-            <a:pPr>
-              <a:lnSpc>
-                <a:spcPct val="120000"/>
-              </a:lnSpc>
-              <a:spcBef>
-                <a:spcPts val="0"/>
-              </a:spcBef>
-            </a:pPr>
-            <a:r>
-              <a:rPr lang="en-US" dirty="0" smtClean="0">
-                <a:cs typeface="Consolas" panose="020B0609020204030204" pitchFamily="49" charset="0"/>
-              </a:rPr>
-              <a:t>Mouse</a:t>
-            </a:r>
-          </a:p>
-          <a:p>
-            <a:pPr>
-              <a:lnSpc>
-                <a:spcPct val="120000"/>
-              </a:lnSpc>
-              <a:spcBef>
-                <a:spcPts val="0"/>
-              </a:spcBef>
-            </a:pPr>
-            <a:r>
-              <a:rPr lang="en-US" dirty="0" smtClean="0">
-                <a:cs typeface="Consolas" panose="020B0609020204030204" pitchFamily="49" charset="0"/>
-              </a:rPr>
-              <a:t>Multi-touch</a:t>
-            </a:r>
-          </a:p>
-          <a:p>
-            <a:pPr>
-              <a:lnSpc>
-                <a:spcPct val="120000"/>
-              </a:lnSpc>
-              <a:spcBef>
-                <a:spcPts val="0"/>
-              </a:spcBef>
-            </a:pPr>
-            <a:r>
-              <a:rPr lang="en-US" dirty="0" smtClean="0">
-                <a:cs typeface="Consolas" panose="020B0609020204030204" pitchFamily="49" charset="0"/>
-              </a:rPr>
-              <a:t>Gamepads (up to four, each one with 10 axis and 16 buttons)</a:t>
-            </a:r>
-          </a:p>
-          <a:p>
-            <a:pPr>
-              <a:lnSpc>
-                <a:spcPct val="120000"/>
-              </a:lnSpc>
-              <a:spcBef>
-                <a:spcPts val="0"/>
-              </a:spcBef>
-            </a:pPr>
-            <a:r>
-              <a:rPr lang="en-US" dirty="0" smtClean="0">
-                <a:cs typeface="Consolas" panose="020B0609020204030204" pitchFamily="49" charset="0"/>
-              </a:rPr>
-              <a:t>Supports even Xbox 360 gamepad! (button mapping depends on browser :\ )</a:t>
-            </a:r>
+              <a:rPr lang="en-US" dirty="0" smtClean="0"/>
+              <a:t>“An </a:t>
+            </a:r>
+            <a:r>
+              <a:rPr lang="en-US" dirty="0"/>
+              <a:t>instance of one moving object </a:t>
+            </a:r>
+            <a:r>
+              <a:rPr lang="en-US" dirty="0" smtClean="0"/>
+              <a:t>touching </a:t>
+            </a:r>
+            <a:r>
+              <a:rPr lang="en-US" dirty="0"/>
+              <a:t>another</a:t>
+            </a:r>
+            <a:r>
+              <a:rPr lang="en-US" dirty="0" smtClean="0"/>
+              <a:t>.”</a:t>
+            </a:r>
+          </a:p>
+          <a:p>
+            <a:r>
+              <a:rPr lang="en-US" dirty="0" smtClean="0"/>
+              <a:t>Both object must have a “body” (collider)</a:t>
+            </a:r>
+          </a:p>
+          <a:p>
+            <a:r>
+              <a:rPr lang="en-US" dirty="0" smtClean="0"/>
+              <a:t>Object can be a sprite or a tilemap or even a group!</a:t>
+            </a:r>
+          </a:p>
+          <a:p>
+            <a:r>
+              <a:rPr lang="en-US" dirty="0" smtClean="0"/>
+              <a:t>A body can be a rectangle, a circle or a polygon</a:t>
+            </a:r>
+          </a:p>
+          <a:p>
+            <a:r>
+              <a:rPr lang="en-US" dirty="0" smtClean="0"/>
+              <a:t>Bodies can have a lot of properties (mass, gravity, velocity, material, …)</a:t>
+            </a:r>
+          </a:p>
+          <a:p>
+            <a:r>
+              <a:rPr lang="en-US" dirty="0" smtClean="0"/>
+              <a:t>Last two statements depends on what physics engine you are using.</a:t>
+            </a:r>
+          </a:p>
+          <a:p>
+            <a:r>
+              <a:rPr lang="en-US" dirty="0" smtClean="0"/>
+              <a:t>More complex is the engine, more computation is needed</a:t>
+            </a:r>
+            <a:endParaRPr lang="en-US" dirty="0" smtClean="0"/>
           </a:p>
         </p:txBody>
       </p:sp>
@@ -8521,14 +8482,14 @@
               <a:rPr lang="it-IT" smtClean="0"/>
               <a:t>19</a:t>
             </a:fld>
-            <a:endParaRPr lang="it-IT" dirty="0"/>
+            <a:endParaRPr lang="it-IT"/>
           </a:p>
         </p:txBody>
       </p:sp>
     </p:spTree>
     <p:extLst>
       <p:ext uri="{BB962C8B-B14F-4D97-AF65-F5344CB8AC3E}">
-        <p14:creationId xmlns:p14="http://schemas.microsoft.com/office/powerpoint/2010/main" val="635934165"/>
+        <p14:creationId xmlns:p14="http://schemas.microsoft.com/office/powerpoint/2010/main" val="2781362493"/>
       </p:ext>
     </p:extLst>
   </p:cSld>
@@ -8672,13 +8633,8 @@
             </a:r>
             <a:r>
               <a:rPr lang="en-US" dirty="0" smtClean="0"/>
-              <a:t>: crazy slot </a:t>
-            </a:r>
-            <a:r>
-              <a:rPr lang="en-US" dirty="0" smtClean="0"/>
-              <a:t>cars (coming soon!)</a:t>
-            </a:r>
-            <a:endParaRPr lang="en-US" dirty="0" smtClean="0"/>
+              <a:t>: crazy slot cars (coming soon!)</a:t>
+            </a:r>
           </a:p>
           <a:p>
             <a:r>
@@ -8804,7 +8760,7 @@
             <a:pPr algn="ctr"/>
             <a:r>
               <a:rPr lang="en-US" sz="4000" dirty="0" smtClean="0"/>
-              <a:t>Input: Keyboard</a:t>
+              <a:t>Collision</a:t>
             </a:r>
             <a:endParaRPr lang="en-US" sz="4000" dirty="0"/>
           </a:p>
@@ -8820,450 +8776,29 @@
             <p:ph idx="1"/>
           </p:nvPr>
         </p:nvSpPr>
-        <p:spPr/>
+        <p:spPr>
+          <a:solidFill>
+            <a:schemeClr val="accent2"/>
+          </a:solidFill>
+        </p:spPr>
         <p:txBody>
           <a:bodyPr>
-            <a:noAutofit/>
+            <a:normAutofit/>
           </a:bodyPr>
           <a:lstStyle/>
           <a:p>
             <a:pPr marL="0" indent="0">
-              <a:lnSpc>
-                <a:spcPct val="120000"/>
-              </a:lnSpc>
-              <a:spcBef>
-                <a:spcPts val="0"/>
-              </a:spcBef>
               <a:buNone/>
             </a:pPr>
             <a:r>
-              <a:rPr lang="en-US" sz="1600" dirty="0">
-                <a:latin typeface="Consolas" panose="020B0609020204030204" pitchFamily="49" charset="0"/>
-                <a:cs typeface="Consolas" panose="020B0609020204030204" pitchFamily="49" charset="0"/>
-              </a:rPr>
-              <a:t>function update() {</a:t>
-            </a:r>
-          </a:p>
-          <a:p>
-            <a:pPr marL="0" indent="0">
-              <a:lnSpc>
-                <a:spcPct val="120000"/>
-              </a:lnSpc>
-              <a:spcBef>
-                <a:spcPts val="0"/>
-              </a:spcBef>
-              <a:buNone/>
-            </a:pPr>
-            <a:r>
-              <a:rPr lang="en-US" sz="1600" dirty="0">
-                <a:latin typeface="Consolas" panose="020B0609020204030204" pitchFamily="49" charset="0"/>
-                <a:cs typeface="Consolas" panose="020B0609020204030204" pitchFamily="49" charset="0"/>
-              </a:rPr>
-              <a:t>    if (</a:t>
-            </a:r>
-            <a:r>
-              <a:rPr lang="en-US" sz="1600" dirty="0" err="1">
-                <a:latin typeface="Consolas" panose="020B0609020204030204" pitchFamily="49" charset="0"/>
-                <a:cs typeface="Consolas" panose="020B0609020204030204" pitchFamily="49" charset="0"/>
-              </a:rPr>
-              <a:t>game.input.keyboard.isDown</a:t>
-            </a:r>
-            <a:r>
-              <a:rPr lang="en-US" sz="1600" dirty="0">
-                <a:latin typeface="Consolas" panose="020B0609020204030204" pitchFamily="49" charset="0"/>
-                <a:cs typeface="Consolas" panose="020B0609020204030204" pitchFamily="49" charset="0"/>
-              </a:rPr>
-              <a:t>(</a:t>
-            </a:r>
-            <a:r>
-              <a:rPr lang="en-US" sz="1600" dirty="0" err="1">
-                <a:latin typeface="Consolas" panose="020B0609020204030204" pitchFamily="49" charset="0"/>
-                <a:cs typeface="Consolas" panose="020B0609020204030204" pitchFamily="49" charset="0"/>
-              </a:rPr>
-              <a:t>Phaser.Keyboard.UP</a:t>
-            </a:r>
-            <a:r>
-              <a:rPr lang="en-US" sz="1600" dirty="0">
-                <a:latin typeface="Consolas" panose="020B0609020204030204" pitchFamily="49" charset="0"/>
-                <a:cs typeface="Consolas" panose="020B0609020204030204" pitchFamily="49" charset="0"/>
-              </a:rPr>
-              <a:t>)) {</a:t>
-            </a:r>
-          </a:p>
-          <a:p>
-            <a:pPr marL="0" indent="0">
-              <a:lnSpc>
-                <a:spcPct val="120000"/>
-              </a:lnSpc>
-              <a:spcBef>
-                <a:spcPts val="0"/>
-              </a:spcBef>
-              <a:buNone/>
-            </a:pPr>
-            <a:r>
-              <a:rPr lang="en-US" sz="1600" dirty="0">
-                <a:latin typeface="Consolas" panose="020B0609020204030204" pitchFamily="49" charset="0"/>
-                <a:cs typeface="Consolas" panose="020B0609020204030204" pitchFamily="49" charset="0"/>
-              </a:rPr>
-              <a:t>        </a:t>
-            </a:r>
-            <a:r>
-              <a:rPr lang="en-US" sz="1600" dirty="0" err="1">
-                <a:latin typeface="Consolas" panose="020B0609020204030204" pitchFamily="49" charset="0"/>
-                <a:cs typeface="Consolas" panose="020B0609020204030204" pitchFamily="49" charset="0"/>
-              </a:rPr>
-              <a:t>ufo.y</a:t>
-            </a:r>
-            <a:r>
-              <a:rPr lang="en-US" sz="1600" dirty="0">
-                <a:latin typeface="Consolas" panose="020B0609020204030204" pitchFamily="49" charset="0"/>
-                <a:cs typeface="Consolas" panose="020B0609020204030204" pitchFamily="49" charset="0"/>
-              </a:rPr>
-              <a:t> -= speed;</a:t>
-            </a:r>
-          </a:p>
-          <a:p>
-            <a:pPr marL="0" indent="0">
-              <a:lnSpc>
-                <a:spcPct val="120000"/>
-              </a:lnSpc>
-              <a:spcBef>
-                <a:spcPts val="0"/>
-              </a:spcBef>
-              <a:buNone/>
-            </a:pPr>
-            <a:r>
-              <a:rPr lang="en-US" sz="1600" dirty="0">
-                <a:latin typeface="Consolas" panose="020B0609020204030204" pitchFamily="49" charset="0"/>
-                <a:cs typeface="Consolas" panose="020B0609020204030204" pitchFamily="49" charset="0"/>
-              </a:rPr>
-              <a:t>    }</a:t>
-            </a:r>
-          </a:p>
-          <a:p>
-            <a:pPr marL="0" indent="0">
-              <a:lnSpc>
-                <a:spcPct val="120000"/>
-              </a:lnSpc>
-              <a:spcBef>
-                <a:spcPts val="0"/>
-              </a:spcBef>
-              <a:buNone/>
-            </a:pPr>
-            <a:r>
-              <a:rPr lang="en-US" sz="1600" dirty="0">
-                <a:latin typeface="Consolas" panose="020B0609020204030204" pitchFamily="49" charset="0"/>
-                <a:cs typeface="Consolas" panose="020B0609020204030204" pitchFamily="49" charset="0"/>
-              </a:rPr>
-              <a:t>    else if (</a:t>
-            </a:r>
-            <a:r>
-              <a:rPr lang="en-US" sz="1600" dirty="0" err="1">
-                <a:latin typeface="Consolas" panose="020B0609020204030204" pitchFamily="49" charset="0"/>
-                <a:cs typeface="Consolas" panose="020B0609020204030204" pitchFamily="49" charset="0"/>
-              </a:rPr>
-              <a:t>game.input.keyboard.isDown</a:t>
-            </a:r>
-            <a:r>
-              <a:rPr lang="en-US" sz="1600" dirty="0">
-                <a:latin typeface="Consolas" panose="020B0609020204030204" pitchFamily="49" charset="0"/>
-                <a:cs typeface="Consolas" panose="020B0609020204030204" pitchFamily="49" charset="0"/>
-              </a:rPr>
-              <a:t>(</a:t>
-            </a:r>
-            <a:r>
-              <a:rPr lang="en-US" sz="1600" dirty="0" err="1">
-                <a:latin typeface="Consolas" panose="020B0609020204030204" pitchFamily="49" charset="0"/>
-                <a:cs typeface="Consolas" panose="020B0609020204030204" pitchFamily="49" charset="0"/>
-              </a:rPr>
-              <a:t>Phaser.Keyboard.DOWN</a:t>
-            </a:r>
-            <a:r>
-              <a:rPr lang="en-US" sz="1600" dirty="0">
-                <a:latin typeface="Consolas" panose="020B0609020204030204" pitchFamily="49" charset="0"/>
-                <a:cs typeface="Consolas" panose="020B0609020204030204" pitchFamily="49" charset="0"/>
-              </a:rPr>
-              <a:t>)) {</a:t>
-            </a:r>
-          </a:p>
-          <a:p>
-            <a:pPr marL="0" indent="0">
-              <a:lnSpc>
-                <a:spcPct val="120000"/>
-              </a:lnSpc>
-              <a:spcBef>
-                <a:spcPts val="0"/>
-              </a:spcBef>
-              <a:buNone/>
-            </a:pPr>
-            <a:r>
-              <a:rPr lang="en-US" sz="1600" dirty="0">
-                <a:latin typeface="Consolas" panose="020B0609020204030204" pitchFamily="49" charset="0"/>
-                <a:cs typeface="Consolas" panose="020B0609020204030204" pitchFamily="49" charset="0"/>
-              </a:rPr>
-              <a:t>        </a:t>
-            </a:r>
-            <a:r>
-              <a:rPr lang="en-US" sz="1600" dirty="0" err="1">
-                <a:latin typeface="Consolas" panose="020B0609020204030204" pitchFamily="49" charset="0"/>
-                <a:cs typeface="Consolas" panose="020B0609020204030204" pitchFamily="49" charset="0"/>
-              </a:rPr>
-              <a:t>ufo.y</a:t>
-            </a:r>
-            <a:r>
-              <a:rPr lang="en-US" sz="1600" dirty="0">
-                <a:latin typeface="Consolas" panose="020B0609020204030204" pitchFamily="49" charset="0"/>
-                <a:cs typeface="Consolas" panose="020B0609020204030204" pitchFamily="49" charset="0"/>
-              </a:rPr>
-              <a:t> += speed;</a:t>
-            </a:r>
-          </a:p>
-          <a:p>
-            <a:pPr marL="0" indent="0">
-              <a:lnSpc>
-                <a:spcPct val="120000"/>
-              </a:lnSpc>
-              <a:spcBef>
-                <a:spcPts val="0"/>
-              </a:spcBef>
-              <a:buNone/>
-            </a:pPr>
-            <a:r>
-              <a:rPr lang="en-US" sz="1600" dirty="0">
-                <a:latin typeface="Consolas" panose="020B0609020204030204" pitchFamily="49" charset="0"/>
-                <a:cs typeface="Consolas" panose="020B0609020204030204" pitchFamily="49" charset="0"/>
-              </a:rPr>
-              <a:t>    }</a:t>
-            </a:r>
-          </a:p>
-          <a:p>
-            <a:pPr marL="0" indent="0">
-              <a:lnSpc>
-                <a:spcPct val="120000"/>
-              </a:lnSpc>
-              <a:spcBef>
-                <a:spcPts val="0"/>
-              </a:spcBef>
-              <a:buNone/>
-            </a:pPr>
-            <a:endParaRPr lang="en-US" sz="1600" dirty="0">
-              <a:latin typeface="Consolas" panose="020B0609020204030204" pitchFamily="49" charset="0"/>
-              <a:cs typeface="Consolas" panose="020B0609020204030204" pitchFamily="49" charset="0"/>
-            </a:endParaRPr>
-          </a:p>
-          <a:p>
-            <a:pPr marL="0" indent="0">
-              <a:lnSpc>
-                <a:spcPct val="120000"/>
-              </a:lnSpc>
-              <a:spcBef>
-                <a:spcPts val="0"/>
-              </a:spcBef>
-              <a:buNone/>
-            </a:pPr>
-            <a:r>
-              <a:rPr lang="en-US" sz="1600" dirty="0">
-                <a:latin typeface="Consolas" panose="020B0609020204030204" pitchFamily="49" charset="0"/>
-                <a:cs typeface="Consolas" panose="020B0609020204030204" pitchFamily="49" charset="0"/>
-              </a:rPr>
-              <a:t>    if (</a:t>
-            </a:r>
-            <a:r>
-              <a:rPr lang="en-US" sz="1600" dirty="0" err="1">
-                <a:latin typeface="Consolas" panose="020B0609020204030204" pitchFamily="49" charset="0"/>
-                <a:cs typeface="Consolas" panose="020B0609020204030204" pitchFamily="49" charset="0"/>
-              </a:rPr>
-              <a:t>game.input.keyboard.isDown</a:t>
-            </a:r>
-            <a:r>
-              <a:rPr lang="en-US" sz="1600" dirty="0">
-                <a:latin typeface="Consolas" panose="020B0609020204030204" pitchFamily="49" charset="0"/>
-                <a:cs typeface="Consolas" panose="020B0609020204030204" pitchFamily="49" charset="0"/>
-              </a:rPr>
-              <a:t>(</a:t>
-            </a:r>
-            <a:r>
-              <a:rPr lang="en-US" sz="1600" dirty="0" err="1">
-                <a:latin typeface="Consolas" panose="020B0609020204030204" pitchFamily="49" charset="0"/>
-                <a:cs typeface="Consolas" panose="020B0609020204030204" pitchFamily="49" charset="0"/>
-              </a:rPr>
-              <a:t>Phaser.Keyboard.LEFT</a:t>
-            </a:r>
-            <a:r>
-              <a:rPr lang="en-US" sz="1600" dirty="0">
-                <a:latin typeface="Consolas" panose="020B0609020204030204" pitchFamily="49" charset="0"/>
-                <a:cs typeface="Consolas" panose="020B0609020204030204" pitchFamily="49" charset="0"/>
-              </a:rPr>
-              <a:t>)) {</a:t>
-            </a:r>
-          </a:p>
-          <a:p>
-            <a:pPr marL="0" indent="0">
-              <a:lnSpc>
-                <a:spcPct val="120000"/>
-              </a:lnSpc>
-              <a:spcBef>
-                <a:spcPts val="0"/>
-              </a:spcBef>
-              <a:buNone/>
-            </a:pPr>
-            <a:r>
-              <a:rPr lang="en-US" sz="1600" dirty="0">
-                <a:latin typeface="Consolas" panose="020B0609020204030204" pitchFamily="49" charset="0"/>
-                <a:cs typeface="Consolas" panose="020B0609020204030204" pitchFamily="49" charset="0"/>
-              </a:rPr>
-              <a:t>        </a:t>
-            </a:r>
-            <a:r>
-              <a:rPr lang="en-US" sz="1600" dirty="0" err="1">
-                <a:latin typeface="Consolas" panose="020B0609020204030204" pitchFamily="49" charset="0"/>
-                <a:cs typeface="Consolas" panose="020B0609020204030204" pitchFamily="49" charset="0"/>
-              </a:rPr>
-              <a:t>ufo.x</a:t>
-            </a:r>
-            <a:r>
-              <a:rPr lang="en-US" sz="1600" dirty="0">
-                <a:latin typeface="Consolas" panose="020B0609020204030204" pitchFamily="49" charset="0"/>
-                <a:cs typeface="Consolas" panose="020B0609020204030204" pitchFamily="49" charset="0"/>
-              </a:rPr>
-              <a:t> -= speed;</a:t>
-            </a:r>
-          </a:p>
-          <a:p>
-            <a:pPr marL="0" indent="0">
-              <a:lnSpc>
-                <a:spcPct val="120000"/>
-              </a:lnSpc>
-              <a:spcBef>
-                <a:spcPts val="0"/>
-              </a:spcBef>
-              <a:buNone/>
-            </a:pPr>
-            <a:r>
-              <a:rPr lang="en-US" sz="1600" dirty="0">
-                <a:latin typeface="Consolas" panose="020B0609020204030204" pitchFamily="49" charset="0"/>
-                <a:cs typeface="Consolas" panose="020B0609020204030204" pitchFamily="49" charset="0"/>
-              </a:rPr>
-              <a:t>    }</a:t>
-            </a:r>
-          </a:p>
-          <a:p>
-            <a:pPr marL="0" indent="0">
-              <a:lnSpc>
-                <a:spcPct val="120000"/>
-              </a:lnSpc>
-              <a:spcBef>
-                <a:spcPts val="0"/>
-              </a:spcBef>
-              <a:buNone/>
-            </a:pPr>
-            <a:r>
-              <a:rPr lang="en-US" sz="1600" dirty="0">
-                <a:latin typeface="Consolas" panose="020B0609020204030204" pitchFamily="49" charset="0"/>
-                <a:cs typeface="Consolas" panose="020B0609020204030204" pitchFamily="49" charset="0"/>
-              </a:rPr>
-              <a:t>    else if (</a:t>
-            </a:r>
-            <a:r>
-              <a:rPr lang="en-US" sz="1600" dirty="0" err="1">
-                <a:latin typeface="Consolas" panose="020B0609020204030204" pitchFamily="49" charset="0"/>
-                <a:cs typeface="Consolas" panose="020B0609020204030204" pitchFamily="49" charset="0"/>
-              </a:rPr>
-              <a:t>game.input.keyboard.isDown</a:t>
-            </a:r>
-            <a:r>
-              <a:rPr lang="en-US" sz="1600" dirty="0">
-                <a:latin typeface="Consolas" panose="020B0609020204030204" pitchFamily="49" charset="0"/>
-                <a:cs typeface="Consolas" panose="020B0609020204030204" pitchFamily="49" charset="0"/>
-              </a:rPr>
-              <a:t>(</a:t>
-            </a:r>
-            <a:r>
-              <a:rPr lang="en-US" sz="1600" dirty="0" err="1">
-                <a:latin typeface="Consolas" panose="020B0609020204030204" pitchFamily="49" charset="0"/>
-                <a:cs typeface="Consolas" panose="020B0609020204030204" pitchFamily="49" charset="0"/>
-              </a:rPr>
-              <a:t>Phaser.Keyboard.RIGHT</a:t>
-            </a:r>
-            <a:r>
-              <a:rPr lang="en-US" sz="1600" dirty="0">
-                <a:latin typeface="Consolas" panose="020B0609020204030204" pitchFamily="49" charset="0"/>
-                <a:cs typeface="Consolas" panose="020B0609020204030204" pitchFamily="49" charset="0"/>
-              </a:rPr>
-              <a:t>)) {</a:t>
-            </a:r>
-          </a:p>
-          <a:p>
-            <a:pPr marL="0" indent="0">
-              <a:lnSpc>
-                <a:spcPct val="120000"/>
-              </a:lnSpc>
-              <a:spcBef>
-                <a:spcPts val="0"/>
-              </a:spcBef>
-              <a:buNone/>
-            </a:pPr>
-            <a:r>
-              <a:rPr lang="en-US" sz="1600" dirty="0">
-                <a:latin typeface="Consolas" panose="020B0609020204030204" pitchFamily="49" charset="0"/>
-                <a:cs typeface="Consolas" panose="020B0609020204030204" pitchFamily="49" charset="0"/>
-              </a:rPr>
-              <a:t>        </a:t>
-            </a:r>
-            <a:r>
-              <a:rPr lang="en-US" sz="1600" dirty="0" err="1">
-                <a:latin typeface="Consolas" panose="020B0609020204030204" pitchFamily="49" charset="0"/>
-                <a:cs typeface="Consolas" panose="020B0609020204030204" pitchFamily="49" charset="0"/>
-              </a:rPr>
-              <a:t>ufo.x</a:t>
-            </a:r>
-            <a:r>
-              <a:rPr lang="en-US" sz="1600" dirty="0">
-                <a:latin typeface="Consolas" panose="020B0609020204030204" pitchFamily="49" charset="0"/>
-                <a:cs typeface="Consolas" panose="020B0609020204030204" pitchFamily="49" charset="0"/>
-              </a:rPr>
-              <a:t> += speed;</a:t>
-            </a:r>
-          </a:p>
-          <a:p>
-            <a:pPr marL="0" indent="0">
-              <a:lnSpc>
-                <a:spcPct val="120000"/>
-              </a:lnSpc>
-              <a:spcBef>
-                <a:spcPts val="0"/>
-              </a:spcBef>
-              <a:buNone/>
-            </a:pPr>
-            <a:r>
-              <a:rPr lang="en-US" sz="1600" dirty="0">
-                <a:latin typeface="Consolas" panose="020B0609020204030204" pitchFamily="49" charset="0"/>
-                <a:cs typeface="Consolas" panose="020B0609020204030204" pitchFamily="49" charset="0"/>
-              </a:rPr>
-              <a:t>    }</a:t>
-            </a:r>
-          </a:p>
-          <a:p>
-            <a:pPr marL="0" indent="0">
-              <a:lnSpc>
-                <a:spcPct val="120000"/>
-              </a:lnSpc>
-              <a:spcBef>
-                <a:spcPts val="0"/>
-              </a:spcBef>
-              <a:buNone/>
-            </a:pPr>
-            <a:r>
-              <a:rPr lang="en-US" sz="1600" dirty="0">
-                <a:latin typeface="Consolas" panose="020B0609020204030204" pitchFamily="49" charset="0"/>
-                <a:cs typeface="Consolas" panose="020B0609020204030204" pitchFamily="49" charset="0"/>
-              </a:rPr>
-              <a:t>}</a:t>
-            </a:r>
-            <a:endParaRPr lang="en-US" sz="1600" dirty="0" smtClean="0">
-              <a:latin typeface="Consolas" panose="020B0609020204030204" pitchFamily="49" charset="0"/>
-              <a:cs typeface="Consolas" panose="020B0609020204030204" pitchFamily="49" charset="0"/>
-            </a:endParaRPr>
+              <a:rPr lang="en-US" dirty="0" err="1" smtClean="0"/>
+              <a:t>Fillme</a:t>
+            </a:r>
+            <a:r>
+              <a:rPr lang="en-US" smtClean="0"/>
+              <a:t>!</a:t>
+            </a:r>
+            <a:endParaRPr lang="en-US" dirty="0" smtClean="0"/>
           </a:p>
         </p:txBody>
       </p:sp>
@@ -9322,14 +8857,14 @@
               <a:rPr lang="it-IT" smtClean="0"/>
               <a:t>20</a:t>
             </a:fld>
-            <a:endParaRPr lang="it-IT" dirty="0"/>
+            <a:endParaRPr lang="it-IT"/>
           </a:p>
         </p:txBody>
       </p:sp>
     </p:spTree>
     <p:extLst>
       <p:ext uri="{BB962C8B-B14F-4D97-AF65-F5344CB8AC3E}">
-        <p14:creationId xmlns:p14="http://schemas.microsoft.com/office/powerpoint/2010/main" val="100593303"/>
+        <p14:creationId xmlns:p14="http://schemas.microsoft.com/office/powerpoint/2010/main" val="3086071955"/>
       </p:ext>
     </p:extLst>
   </p:cSld>
@@ -9383,7 +8918,7 @@
             <a:pPr algn="ctr"/>
             <a:r>
               <a:rPr lang="en-US" sz="4000" dirty="0" smtClean="0"/>
-              <a:t>Input: Mouse</a:t>
+              <a:t>Input</a:t>
             </a:r>
             <a:endParaRPr lang="en-US" sz="4000" dirty="0"/>
           </a:p>
@@ -9402,7 +8937,7 @@
         <p:spPr/>
         <p:txBody>
           <a:bodyPr>
-            <a:normAutofit fontScale="55000" lnSpcReduction="20000"/>
+            <a:normAutofit/>
           </a:bodyPr>
           <a:lstStyle/>
           <a:p>
@@ -9416,362 +8951,11 @@
               <a:buNone/>
             </a:pPr>
             <a:r>
-              <a:rPr lang="en-US" dirty="0">
-                <a:latin typeface="Consolas" panose="020B0609020204030204" pitchFamily="49" charset="0"/>
-                <a:cs typeface="Consolas" panose="020B0609020204030204" pitchFamily="49" charset="0"/>
-              </a:rPr>
-              <a:t>if (</a:t>
-            </a:r>
-            <a:r>
-              <a:rPr lang="en-US" dirty="0" err="1">
-                <a:latin typeface="Consolas" panose="020B0609020204030204" pitchFamily="49" charset="0"/>
-                <a:cs typeface="Consolas" panose="020B0609020204030204" pitchFamily="49" charset="0"/>
-              </a:rPr>
-              <a:t>game.input.mousePointer.isDown</a:t>
-            </a:r>
-            <a:r>
-              <a:rPr lang="en-US" dirty="0">
-                <a:latin typeface="Consolas" panose="020B0609020204030204" pitchFamily="49" charset="0"/>
-                <a:cs typeface="Consolas" panose="020B0609020204030204" pitchFamily="49" charset="0"/>
-              </a:rPr>
-              <a:t>) {</a:t>
-            </a:r>
-          </a:p>
-          <a:p>
-            <a:pPr marL="0" indent="0">
-              <a:lnSpc>
-                <a:spcPct val="120000"/>
-              </a:lnSpc>
-              <a:spcBef>
-                <a:spcPts val="0"/>
-              </a:spcBef>
-              <a:buNone/>
-            </a:pPr>
-            <a:r>
-              <a:rPr lang="en-US" dirty="0">
-                <a:latin typeface="Consolas" panose="020B0609020204030204" pitchFamily="49" charset="0"/>
-                <a:cs typeface="Consolas" panose="020B0609020204030204" pitchFamily="49" charset="0"/>
-              </a:rPr>
-              <a:t>	if (</a:t>
-            </a:r>
-            <a:r>
-              <a:rPr lang="en-US" dirty="0" err="1">
-                <a:latin typeface="Consolas" panose="020B0609020204030204" pitchFamily="49" charset="0"/>
-                <a:cs typeface="Consolas" panose="020B0609020204030204" pitchFamily="49" charset="0"/>
-              </a:rPr>
-              <a:t>game.input.mousePointer.x</a:t>
-            </a:r>
-            <a:r>
-              <a:rPr lang="en-US" dirty="0">
-                <a:latin typeface="Consolas" panose="020B0609020204030204" pitchFamily="49" charset="0"/>
-                <a:cs typeface="Consolas" panose="020B0609020204030204" pitchFamily="49" charset="0"/>
-              </a:rPr>
-              <a:t> &lt; </a:t>
-            </a:r>
-            <a:r>
-              <a:rPr lang="en-US" dirty="0" err="1">
-                <a:latin typeface="Consolas" panose="020B0609020204030204" pitchFamily="49" charset="0"/>
-                <a:cs typeface="Consolas" panose="020B0609020204030204" pitchFamily="49" charset="0"/>
-              </a:rPr>
-              <a:t>game.width</a:t>
-            </a:r>
-            <a:r>
-              <a:rPr lang="en-US" dirty="0">
-                <a:latin typeface="Consolas" panose="020B0609020204030204" pitchFamily="49" charset="0"/>
-                <a:cs typeface="Consolas" panose="020B0609020204030204" pitchFamily="49" charset="0"/>
-              </a:rPr>
-              <a:t>*0.5) {</a:t>
-            </a:r>
-          </a:p>
-          <a:p>
-            <a:pPr marL="0" indent="0">
-              <a:lnSpc>
-                <a:spcPct val="120000"/>
-              </a:lnSpc>
-              <a:spcBef>
-                <a:spcPts val="0"/>
-              </a:spcBef>
-              <a:buNone/>
-            </a:pPr>
-            <a:r>
-              <a:rPr lang="en-US" dirty="0">
-                <a:latin typeface="Consolas" panose="020B0609020204030204" pitchFamily="49" charset="0"/>
-                <a:cs typeface="Consolas" panose="020B0609020204030204" pitchFamily="49" charset="0"/>
-              </a:rPr>
-              <a:t>		</a:t>
-            </a:r>
-            <a:r>
-              <a:rPr lang="en-US" dirty="0" err="1">
-                <a:latin typeface="Consolas" panose="020B0609020204030204" pitchFamily="49" charset="0"/>
-                <a:cs typeface="Consolas" panose="020B0609020204030204" pitchFamily="49" charset="0"/>
-              </a:rPr>
-              <a:t>clickOnLeft</a:t>
-            </a:r>
-            <a:r>
-              <a:rPr lang="en-US" dirty="0">
-                <a:latin typeface="Consolas" panose="020B0609020204030204" pitchFamily="49" charset="0"/>
-                <a:cs typeface="Consolas" panose="020B0609020204030204" pitchFamily="49" charset="0"/>
-              </a:rPr>
-              <a:t> = true;</a:t>
-            </a:r>
-          </a:p>
-          <a:p>
-            <a:pPr marL="0" indent="0">
-              <a:lnSpc>
-                <a:spcPct val="120000"/>
-              </a:lnSpc>
-              <a:spcBef>
-                <a:spcPts val="0"/>
-              </a:spcBef>
-              <a:buNone/>
-            </a:pPr>
-            <a:r>
-              <a:rPr lang="en-US" dirty="0">
-                <a:latin typeface="Consolas" panose="020B0609020204030204" pitchFamily="49" charset="0"/>
-                <a:cs typeface="Consolas" panose="020B0609020204030204" pitchFamily="49" charset="0"/>
-              </a:rPr>
-              <a:t>	}</a:t>
-            </a:r>
-          </a:p>
-          <a:p>
-            <a:pPr marL="0" indent="0">
-              <a:lnSpc>
-                <a:spcPct val="120000"/>
-              </a:lnSpc>
-              <a:spcBef>
-                <a:spcPts val="0"/>
-              </a:spcBef>
-              <a:buNone/>
-            </a:pPr>
-            <a:r>
-              <a:rPr lang="en-US" dirty="0">
-                <a:latin typeface="Consolas" panose="020B0609020204030204" pitchFamily="49" charset="0"/>
-                <a:cs typeface="Consolas" panose="020B0609020204030204" pitchFamily="49" charset="0"/>
-              </a:rPr>
-              <a:t>	else if (</a:t>
-            </a:r>
-            <a:r>
-              <a:rPr lang="en-US" dirty="0" err="1">
-                <a:latin typeface="Consolas" panose="020B0609020204030204" pitchFamily="49" charset="0"/>
-                <a:cs typeface="Consolas" panose="020B0609020204030204" pitchFamily="49" charset="0"/>
-              </a:rPr>
-              <a:t>game.input.mousePointer.x</a:t>
-            </a:r>
-            <a:r>
-              <a:rPr lang="en-US" dirty="0">
-                <a:latin typeface="Consolas" panose="020B0609020204030204" pitchFamily="49" charset="0"/>
-                <a:cs typeface="Consolas" panose="020B0609020204030204" pitchFamily="49" charset="0"/>
-              </a:rPr>
-              <a:t> &gt; </a:t>
-            </a:r>
-            <a:r>
-              <a:rPr lang="en-US" dirty="0" err="1">
-                <a:latin typeface="Consolas" panose="020B0609020204030204" pitchFamily="49" charset="0"/>
-                <a:cs typeface="Consolas" panose="020B0609020204030204" pitchFamily="49" charset="0"/>
-              </a:rPr>
-              <a:t>game.width</a:t>
-            </a:r>
-            <a:r>
-              <a:rPr lang="en-US" dirty="0">
-                <a:latin typeface="Consolas" panose="020B0609020204030204" pitchFamily="49" charset="0"/>
-                <a:cs typeface="Consolas" panose="020B0609020204030204" pitchFamily="49" charset="0"/>
-              </a:rPr>
-              <a:t>*0.5) {</a:t>
-            </a:r>
-          </a:p>
-          <a:p>
-            <a:pPr marL="0" indent="0">
-              <a:lnSpc>
-                <a:spcPct val="120000"/>
-              </a:lnSpc>
-              <a:spcBef>
-                <a:spcPts val="0"/>
-              </a:spcBef>
-              <a:buNone/>
-            </a:pPr>
-            <a:r>
-              <a:rPr lang="en-US" dirty="0">
-                <a:latin typeface="Consolas" panose="020B0609020204030204" pitchFamily="49" charset="0"/>
-                <a:cs typeface="Consolas" panose="020B0609020204030204" pitchFamily="49" charset="0"/>
-              </a:rPr>
-              <a:t>		</a:t>
-            </a:r>
-            <a:r>
-              <a:rPr lang="en-US" dirty="0" err="1">
-                <a:latin typeface="Consolas" panose="020B0609020204030204" pitchFamily="49" charset="0"/>
-                <a:cs typeface="Consolas" panose="020B0609020204030204" pitchFamily="49" charset="0"/>
-              </a:rPr>
-              <a:t>clickOnRight</a:t>
-            </a:r>
-            <a:r>
-              <a:rPr lang="en-US" dirty="0">
-                <a:latin typeface="Consolas" panose="020B0609020204030204" pitchFamily="49" charset="0"/>
-                <a:cs typeface="Consolas" panose="020B0609020204030204" pitchFamily="49" charset="0"/>
-              </a:rPr>
-              <a:t> = true;</a:t>
-            </a:r>
-          </a:p>
-          <a:p>
-            <a:pPr marL="0" indent="0">
-              <a:lnSpc>
-                <a:spcPct val="120000"/>
-              </a:lnSpc>
-              <a:spcBef>
-                <a:spcPts val="0"/>
-              </a:spcBef>
-              <a:buNone/>
-            </a:pPr>
-            <a:r>
-              <a:rPr lang="en-US" dirty="0">
-                <a:latin typeface="Consolas" panose="020B0609020204030204" pitchFamily="49" charset="0"/>
-                <a:cs typeface="Consolas" panose="020B0609020204030204" pitchFamily="49" charset="0"/>
-              </a:rPr>
-              <a:t>	}</a:t>
-            </a:r>
-          </a:p>
-          <a:p>
-            <a:pPr marL="0" indent="0">
-              <a:lnSpc>
-                <a:spcPct val="120000"/>
-              </a:lnSpc>
-              <a:spcBef>
-                <a:spcPts val="0"/>
-              </a:spcBef>
-              <a:buNone/>
-            </a:pPr>
-            <a:endParaRPr lang="en-US" dirty="0">
-              <a:latin typeface="Consolas" panose="020B0609020204030204" pitchFamily="49" charset="0"/>
-              <a:cs typeface="Consolas" panose="020B0609020204030204" pitchFamily="49" charset="0"/>
-            </a:endParaRPr>
-          </a:p>
-          <a:p>
-            <a:pPr marL="0" indent="0">
-              <a:lnSpc>
-                <a:spcPct val="120000"/>
-              </a:lnSpc>
-              <a:spcBef>
-                <a:spcPts val="0"/>
-              </a:spcBef>
-              <a:buNone/>
-            </a:pPr>
-            <a:r>
-              <a:rPr lang="en-US" dirty="0">
-                <a:latin typeface="Consolas" panose="020B0609020204030204" pitchFamily="49" charset="0"/>
-                <a:cs typeface="Consolas" panose="020B0609020204030204" pitchFamily="49" charset="0"/>
-              </a:rPr>
-              <a:t>	if (</a:t>
-            </a:r>
-            <a:r>
-              <a:rPr lang="en-US" dirty="0" err="1">
-                <a:latin typeface="Consolas" panose="020B0609020204030204" pitchFamily="49" charset="0"/>
-                <a:cs typeface="Consolas" panose="020B0609020204030204" pitchFamily="49" charset="0"/>
-              </a:rPr>
-              <a:t>game.input.mousePointer.y</a:t>
-            </a:r>
-            <a:r>
-              <a:rPr lang="en-US" dirty="0">
-                <a:latin typeface="Consolas" panose="020B0609020204030204" pitchFamily="49" charset="0"/>
-                <a:cs typeface="Consolas" panose="020B0609020204030204" pitchFamily="49" charset="0"/>
-              </a:rPr>
-              <a:t> &lt; </a:t>
-            </a:r>
-            <a:r>
-              <a:rPr lang="en-US" dirty="0" err="1">
-                <a:latin typeface="Consolas" panose="020B0609020204030204" pitchFamily="49" charset="0"/>
-                <a:cs typeface="Consolas" panose="020B0609020204030204" pitchFamily="49" charset="0"/>
-              </a:rPr>
-              <a:t>game.height</a:t>
-            </a:r>
-            <a:r>
-              <a:rPr lang="en-US" dirty="0">
-                <a:latin typeface="Consolas" panose="020B0609020204030204" pitchFamily="49" charset="0"/>
-                <a:cs typeface="Consolas" panose="020B0609020204030204" pitchFamily="49" charset="0"/>
-              </a:rPr>
-              <a:t>*0.5) {</a:t>
-            </a:r>
-          </a:p>
-          <a:p>
-            <a:pPr marL="0" indent="0">
-              <a:lnSpc>
-                <a:spcPct val="120000"/>
-              </a:lnSpc>
-              <a:spcBef>
-                <a:spcPts val="0"/>
-              </a:spcBef>
-              <a:buNone/>
-            </a:pPr>
-            <a:r>
-              <a:rPr lang="en-US" dirty="0">
-                <a:latin typeface="Consolas" panose="020B0609020204030204" pitchFamily="49" charset="0"/>
-                <a:cs typeface="Consolas" panose="020B0609020204030204" pitchFamily="49" charset="0"/>
-              </a:rPr>
-              <a:t>		</a:t>
-            </a:r>
-            <a:r>
-              <a:rPr lang="en-US" dirty="0" err="1">
-                <a:latin typeface="Consolas" panose="020B0609020204030204" pitchFamily="49" charset="0"/>
-                <a:cs typeface="Consolas" panose="020B0609020204030204" pitchFamily="49" charset="0"/>
-              </a:rPr>
-              <a:t>clickOnTop</a:t>
-            </a:r>
-            <a:r>
-              <a:rPr lang="en-US" dirty="0">
-                <a:latin typeface="Consolas" panose="020B0609020204030204" pitchFamily="49" charset="0"/>
-                <a:cs typeface="Consolas" panose="020B0609020204030204" pitchFamily="49" charset="0"/>
-              </a:rPr>
-              <a:t> = true;</a:t>
-            </a:r>
-          </a:p>
-          <a:p>
-            <a:pPr marL="0" indent="0">
-              <a:lnSpc>
-                <a:spcPct val="120000"/>
-              </a:lnSpc>
-              <a:spcBef>
-                <a:spcPts val="0"/>
-              </a:spcBef>
-              <a:buNone/>
-            </a:pPr>
-            <a:r>
-              <a:rPr lang="en-US" dirty="0">
-                <a:latin typeface="Consolas" panose="020B0609020204030204" pitchFamily="49" charset="0"/>
-                <a:cs typeface="Consolas" panose="020B0609020204030204" pitchFamily="49" charset="0"/>
-              </a:rPr>
-              <a:t>	}</a:t>
-            </a:r>
-          </a:p>
-          <a:p>
-            <a:pPr marL="0" indent="0">
-              <a:lnSpc>
-                <a:spcPct val="120000"/>
-              </a:lnSpc>
-              <a:spcBef>
-                <a:spcPts val="0"/>
-              </a:spcBef>
-              <a:buNone/>
-            </a:pPr>
-            <a:r>
               <a:rPr lang="en-US" dirty="0" smtClean="0">
-                <a:latin typeface="Consolas" panose="020B0609020204030204" pitchFamily="49" charset="0"/>
-                <a:cs typeface="Consolas" panose="020B0609020204030204" pitchFamily="49" charset="0"/>
-              </a:rPr>
-              <a:t>}</a:t>
-            </a:r>
-          </a:p>
-          <a:p>
-            <a:pPr marL="0" indent="0">
-              <a:lnSpc>
-                <a:spcPct val="120000"/>
-              </a:lnSpc>
-              <a:spcBef>
-                <a:spcPts val="0"/>
-              </a:spcBef>
-              <a:buNone/>
-            </a:pPr>
-            <a:endParaRPr lang="en-US" dirty="0">
-              <a:latin typeface="Consolas" panose="020B0609020204030204" pitchFamily="49" charset="0"/>
-              <a:cs typeface="Consolas" panose="020B0609020204030204" pitchFamily="49" charset="0"/>
-            </a:endParaRPr>
+                <a:cs typeface="Consolas" panose="020B0609020204030204" pitchFamily="49" charset="0"/>
+              </a:rPr>
+              <a:t>Phaser supports natively</a:t>
+            </a:r>
           </a:p>
           <a:p>
             <a:pPr>
@@ -9783,34 +8967,74 @@
               </a:spcBef>
             </a:pPr>
             <a:r>
-              <a:rPr lang="en-US" sz="5100" dirty="0" smtClean="0">
-                <a:cs typeface="Consolas" panose="020B0609020204030204" pitchFamily="49" charset="0"/>
-              </a:rPr>
-              <a:t>Swap </a:t>
-            </a:r>
-            <a:r>
-              <a:rPr lang="en-US" sz="5100" dirty="0" err="1" smtClean="0">
-                <a:cs typeface="Consolas" panose="020B0609020204030204" pitchFamily="49" charset="0"/>
-              </a:rPr>
-              <a:t>mousePointer</a:t>
-            </a:r>
-            <a:r>
-              <a:rPr lang="en-US" sz="5100" dirty="0" smtClean="0">
-                <a:cs typeface="Consolas" panose="020B0609020204030204" pitchFamily="49" charset="0"/>
-              </a:rPr>
-              <a:t> with </a:t>
-            </a:r>
-            <a:r>
-              <a:rPr lang="en-US" sz="5100" dirty="0" err="1" smtClean="0">
-                <a:cs typeface="Consolas" panose="020B0609020204030204" pitchFamily="49" charset="0"/>
-              </a:rPr>
-              <a:t>activePointer</a:t>
-            </a:r>
-            <a:r>
-              <a:rPr lang="en-US" sz="5100" dirty="0" smtClean="0">
-                <a:cs typeface="Consolas" panose="020B0609020204030204" pitchFamily="49" charset="0"/>
-              </a:rPr>
-              <a:t> to capture any active pointer (works with mouse and touch inputs)</a:t>
+              <a:rPr lang="en-US" dirty="0" smtClean="0">
+                <a:cs typeface="Consolas" panose="020B0609020204030204" pitchFamily="49" charset="0"/>
+              </a:rPr>
+              <a:t>Keyboard</a:t>
+            </a:r>
+          </a:p>
+          <a:p>
+            <a:pPr>
+              <a:lnSpc>
+                <a:spcPct val="120000"/>
+              </a:lnSpc>
+              <a:spcBef>
+                <a:spcPts val="0"/>
+              </a:spcBef>
+            </a:pPr>
+            <a:r>
+              <a:rPr lang="en-US" dirty="0" smtClean="0">
+                <a:cs typeface="Consolas" panose="020B0609020204030204" pitchFamily="49" charset="0"/>
+              </a:rPr>
+              <a:t>Mouse</a:t>
+            </a:r>
+          </a:p>
+          <a:p>
+            <a:pPr>
+              <a:lnSpc>
+                <a:spcPct val="120000"/>
+              </a:lnSpc>
+              <a:spcBef>
+                <a:spcPts val="0"/>
+              </a:spcBef>
+            </a:pPr>
+            <a:r>
+              <a:rPr lang="en-US" dirty="0" smtClean="0">
+                <a:cs typeface="Consolas" panose="020B0609020204030204" pitchFamily="49" charset="0"/>
+              </a:rPr>
+              <a:t>Multi-touch</a:t>
+            </a:r>
+          </a:p>
+          <a:p>
+            <a:pPr>
+              <a:lnSpc>
+                <a:spcPct val="120000"/>
+              </a:lnSpc>
+              <a:spcBef>
+                <a:spcPts val="0"/>
+              </a:spcBef>
+            </a:pPr>
+            <a:r>
+              <a:rPr lang="en-US" dirty="0" smtClean="0">
+                <a:cs typeface="Consolas" panose="020B0609020204030204" pitchFamily="49" charset="0"/>
+              </a:rPr>
+              <a:t>Gamepads (up to four, each one with 10 axis and 16 buttons)</a:t>
+            </a:r>
+          </a:p>
+          <a:p>
+            <a:pPr>
+              <a:lnSpc>
+                <a:spcPct val="120000"/>
+              </a:lnSpc>
+              <a:spcBef>
+                <a:spcPts val="0"/>
+              </a:spcBef>
+            </a:pPr>
+            <a:r>
+              <a:rPr lang="en-US" dirty="0" smtClean="0">
+                <a:cs typeface="Consolas" panose="020B0609020204030204" pitchFamily="49" charset="0"/>
+              </a:rPr>
+              <a:t>Supports even Xbox 360 gamepad! (button mapping depends on browser :\ )</a:t>
             </a:r>
           </a:p>
         </p:txBody>
@@ -9877,7 +9101,7 @@
     </p:spTree>
     <p:extLst>
       <p:ext uri="{BB962C8B-B14F-4D97-AF65-F5344CB8AC3E}">
-        <p14:creationId xmlns:p14="http://schemas.microsoft.com/office/powerpoint/2010/main" val="4174560926"/>
+        <p14:creationId xmlns:p14="http://schemas.microsoft.com/office/powerpoint/2010/main" val="635934165"/>
       </p:ext>
     </p:extLst>
   </p:cSld>
@@ -9931,7 +9155,7 @@
             <a:pPr algn="ctr"/>
             <a:r>
               <a:rPr lang="en-US" sz="4000" dirty="0" smtClean="0"/>
-              <a:t>Input: Multi-touch</a:t>
+              <a:t>Input: Keyboard</a:t>
             </a:r>
             <a:endParaRPr lang="en-US" sz="4000" dirty="0"/>
           </a:p>
@@ -9950,59 +9174,11 @@
         <p:spPr/>
         <p:txBody>
           <a:bodyPr>
-            <a:normAutofit/>
+            <a:noAutofit/>
           </a:bodyPr>
           <a:lstStyle/>
           <a:p>
-            <a:pPr>
-              <a:lnSpc>
-                <a:spcPct val="120000"/>
-              </a:lnSpc>
-              <a:spcBef>
-                <a:spcPts val="0"/>
-              </a:spcBef>
-            </a:pPr>
-            <a:r>
-              <a:rPr lang="en-US" dirty="0" smtClean="0">
-                <a:cs typeface="Consolas" panose="020B0609020204030204" pitchFamily="49" charset="0"/>
-              </a:rPr>
-              <a:t>Supports 10 pointers (= fingers)!</a:t>
-            </a:r>
-          </a:p>
-          <a:p>
-            <a:pPr>
-              <a:lnSpc>
-                <a:spcPct val="120000"/>
-              </a:lnSpc>
-              <a:spcBef>
-                <a:spcPts val="0"/>
-              </a:spcBef>
-            </a:pPr>
-            <a:r>
-              <a:rPr lang="en-US" dirty="0" smtClean="0">
-                <a:cs typeface="Consolas" panose="020B0609020204030204" pitchFamily="49" charset="0"/>
-              </a:rPr>
-              <a:t>Two pointers are already available</a:t>
-            </a:r>
-          </a:p>
-          <a:p>
-            <a:pPr>
-              <a:lnSpc>
-                <a:spcPct val="120000"/>
-              </a:lnSpc>
-              <a:spcBef>
-                <a:spcPts val="0"/>
-              </a:spcBef>
-            </a:pPr>
-            <a:r>
-              <a:rPr lang="en-US" dirty="0" smtClean="0">
-                <a:cs typeface="Consolas" panose="020B0609020204030204" pitchFamily="49" charset="0"/>
-              </a:rPr>
-              <a:t>Add another pointer</a:t>
-            </a:r>
-          </a:p>
-          <a:p>
-            <a:pPr marL="457200" lvl="1" indent="0">
+            <a:pPr marL="0" indent="0">
               <a:lnSpc>
                 <a:spcPct val="120000"/>
               </a:lnSpc>
@@ -10012,38 +9188,15 @@
               <a:buNone/>
             </a:pPr>
             <a:r>
-              <a:rPr lang="en-US" sz="2000" dirty="0" err="1" smtClean="0">
-                <a:latin typeface="Consolas" panose="020B0609020204030204" pitchFamily="49" charset="0"/>
-                <a:cs typeface="Consolas" panose="020B0609020204030204" pitchFamily="49" charset="0"/>
-              </a:rPr>
-              <a:t>game.input.addPointer</a:t>
-            </a:r>
-            <a:r>
-              <a:rPr lang="en-US" sz="2000" dirty="0" smtClean="0">
-                <a:latin typeface="Consolas" panose="020B0609020204030204" pitchFamily="49" charset="0"/>
-                <a:cs typeface="Consolas" panose="020B0609020204030204" pitchFamily="49" charset="0"/>
-              </a:rPr>
-              <a:t>();</a:t>
-            </a:r>
-          </a:p>
-          <a:p>
-            <a:pPr>
-              <a:lnSpc>
-                <a:spcPct val="120000"/>
-              </a:lnSpc>
-              <a:spcBef>
-                <a:spcPts val="0"/>
-              </a:spcBef>
-            </a:pPr>
-            <a:r>
-              <a:rPr lang="en-US" dirty="0" smtClean="0">
-                <a:cs typeface="Consolas" panose="020B0609020204030204" pitchFamily="49" charset="0"/>
-              </a:rPr>
-              <a:t>Read different pointers</a:t>
-            </a:r>
-          </a:p>
-          <a:p>
-            <a:pPr marL="457200" lvl="1" indent="0">
+              <a:rPr lang="en-US" sz="1600" dirty="0">
+                <a:latin typeface="Consolas" panose="020B0609020204030204" pitchFamily="49" charset="0"/>
+                <a:cs typeface="Consolas" panose="020B0609020204030204" pitchFamily="49" charset="0"/>
+              </a:rPr>
+              <a:t>function update() {</a:t>
+            </a:r>
+          </a:p>
+          <a:p>
+            <a:pPr marL="0" indent="0">
               <a:lnSpc>
                 <a:spcPct val="120000"/>
               </a:lnSpc>
@@ -10053,26 +9206,412 @@
               <a:buNone/>
             </a:pPr>
             <a:r>
-              <a:rPr lang="en-US" sz="2000" dirty="0" smtClean="0">
-                <a:latin typeface="Consolas" panose="020B0609020204030204" pitchFamily="49" charset="0"/>
-                <a:cs typeface="Consolas" panose="020B0609020204030204" pitchFamily="49" charset="0"/>
-              </a:rPr>
-              <a:t>game.input.pointer3;</a:t>
-            </a:r>
-            <a:r>
-              <a:rPr lang="en-US" dirty="0" smtClean="0">
-                <a:cs typeface="Consolas" panose="020B0609020204030204" pitchFamily="49" charset="0"/>
-              </a:rPr>
-              <a:t> or </a:t>
-            </a:r>
-            <a:r>
-              <a:rPr lang="en-US" sz="2000" dirty="0" smtClean="0">
-                <a:latin typeface="Consolas" panose="020B0609020204030204" pitchFamily="49" charset="0"/>
-                <a:cs typeface="Consolas" panose="020B0609020204030204" pitchFamily="49" charset="0"/>
-              </a:rPr>
-              <a:t>game.input.pointer4;</a:t>
-            </a:r>
-            <a:endParaRPr lang="en-US" sz="2000" dirty="0">
+              <a:rPr lang="en-US" sz="1600" dirty="0">
+                <a:latin typeface="Consolas" panose="020B0609020204030204" pitchFamily="49" charset="0"/>
+                <a:cs typeface="Consolas" panose="020B0609020204030204" pitchFamily="49" charset="0"/>
+              </a:rPr>
+              <a:t>    if (</a:t>
+            </a:r>
+            <a:r>
+              <a:rPr lang="en-US" sz="1600" dirty="0" err="1">
+                <a:latin typeface="Consolas" panose="020B0609020204030204" pitchFamily="49" charset="0"/>
+                <a:cs typeface="Consolas" panose="020B0609020204030204" pitchFamily="49" charset="0"/>
+              </a:rPr>
+              <a:t>game.input.keyboard.isDown</a:t>
+            </a:r>
+            <a:r>
+              <a:rPr lang="en-US" sz="1600" dirty="0">
+                <a:latin typeface="Consolas" panose="020B0609020204030204" pitchFamily="49" charset="0"/>
+                <a:cs typeface="Consolas" panose="020B0609020204030204" pitchFamily="49" charset="0"/>
+              </a:rPr>
+              <a:t>(</a:t>
+            </a:r>
+            <a:r>
+              <a:rPr lang="en-US" sz="1600" dirty="0" err="1">
+                <a:latin typeface="Consolas" panose="020B0609020204030204" pitchFamily="49" charset="0"/>
+                <a:cs typeface="Consolas" panose="020B0609020204030204" pitchFamily="49" charset="0"/>
+              </a:rPr>
+              <a:t>Phaser.Keyboard.UP</a:t>
+            </a:r>
+            <a:r>
+              <a:rPr lang="en-US" sz="1600" dirty="0">
+                <a:latin typeface="Consolas" panose="020B0609020204030204" pitchFamily="49" charset="0"/>
+                <a:cs typeface="Consolas" panose="020B0609020204030204" pitchFamily="49" charset="0"/>
+              </a:rPr>
+              <a:t>)) {</a:t>
+            </a:r>
+          </a:p>
+          <a:p>
+            <a:pPr marL="0" indent="0">
+              <a:lnSpc>
+                <a:spcPct val="120000"/>
+              </a:lnSpc>
+              <a:spcBef>
+                <a:spcPts val="0"/>
+              </a:spcBef>
+              <a:buNone/>
+            </a:pPr>
+            <a:r>
+              <a:rPr lang="en-US" sz="1600" dirty="0">
+                <a:latin typeface="Consolas" panose="020B0609020204030204" pitchFamily="49" charset="0"/>
+                <a:cs typeface="Consolas" panose="020B0609020204030204" pitchFamily="49" charset="0"/>
+              </a:rPr>
+              <a:t>        </a:t>
+            </a:r>
+            <a:r>
+              <a:rPr lang="en-US" sz="1600" dirty="0" err="1">
+                <a:latin typeface="Consolas" panose="020B0609020204030204" pitchFamily="49" charset="0"/>
+                <a:cs typeface="Consolas" panose="020B0609020204030204" pitchFamily="49" charset="0"/>
+              </a:rPr>
+              <a:t>ufo.y</a:t>
+            </a:r>
+            <a:r>
+              <a:rPr lang="en-US" sz="1600" dirty="0">
+                <a:latin typeface="Consolas" panose="020B0609020204030204" pitchFamily="49" charset="0"/>
+                <a:cs typeface="Consolas" panose="020B0609020204030204" pitchFamily="49" charset="0"/>
+              </a:rPr>
+              <a:t> -= speed;</a:t>
+            </a:r>
+          </a:p>
+          <a:p>
+            <a:pPr marL="0" indent="0">
+              <a:lnSpc>
+                <a:spcPct val="120000"/>
+              </a:lnSpc>
+              <a:spcBef>
+                <a:spcPts val="0"/>
+              </a:spcBef>
+              <a:buNone/>
+            </a:pPr>
+            <a:r>
+              <a:rPr lang="en-US" sz="1600" dirty="0">
+                <a:latin typeface="Consolas" panose="020B0609020204030204" pitchFamily="49" charset="0"/>
+                <a:cs typeface="Consolas" panose="020B0609020204030204" pitchFamily="49" charset="0"/>
+              </a:rPr>
+              <a:t>    }</a:t>
+            </a:r>
+          </a:p>
+          <a:p>
+            <a:pPr marL="0" indent="0">
+              <a:lnSpc>
+                <a:spcPct val="120000"/>
+              </a:lnSpc>
+              <a:spcBef>
+                <a:spcPts val="0"/>
+              </a:spcBef>
+              <a:buNone/>
+            </a:pPr>
+            <a:r>
+              <a:rPr lang="en-US" sz="1600" dirty="0">
+                <a:latin typeface="Consolas" panose="020B0609020204030204" pitchFamily="49" charset="0"/>
+                <a:cs typeface="Consolas" panose="020B0609020204030204" pitchFamily="49" charset="0"/>
+              </a:rPr>
+              <a:t>    else if (</a:t>
+            </a:r>
+            <a:r>
+              <a:rPr lang="en-US" sz="1600" dirty="0" err="1">
+                <a:latin typeface="Consolas" panose="020B0609020204030204" pitchFamily="49" charset="0"/>
+                <a:cs typeface="Consolas" panose="020B0609020204030204" pitchFamily="49" charset="0"/>
+              </a:rPr>
+              <a:t>game.input.keyboard.isDown</a:t>
+            </a:r>
+            <a:r>
+              <a:rPr lang="en-US" sz="1600" dirty="0">
+                <a:latin typeface="Consolas" panose="020B0609020204030204" pitchFamily="49" charset="0"/>
+                <a:cs typeface="Consolas" panose="020B0609020204030204" pitchFamily="49" charset="0"/>
+              </a:rPr>
+              <a:t>(</a:t>
+            </a:r>
+            <a:r>
+              <a:rPr lang="en-US" sz="1600" dirty="0" err="1">
+                <a:latin typeface="Consolas" panose="020B0609020204030204" pitchFamily="49" charset="0"/>
+                <a:cs typeface="Consolas" panose="020B0609020204030204" pitchFamily="49" charset="0"/>
+              </a:rPr>
+              <a:t>Phaser.Keyboard.DOWN</a:t>
+            </a:r>
+            <a:r>
+              <a:rPr lang="en-US" sz="1600" dirty="0">
+                <a:latin typeface="Consolas" panose="020B0609020204030204" pitchFamily="49" charset="0"/>
+                <a:cs typeface="Consolas" panose="020B0609020204030204" pitchFamily="49" charset="0"/>
+              </a:rPr>
+              <a:t>)) {</a:t>
+            </a:r>
+          </a:p>
+          <a:p>
+            <a:pPr marL="0" indent="0">
+              <a:lnSpc>
+                <a:spcPct val="120000"/>
+              </a:lnSpc>
+              <a:spcBef>
+                <a:spcPts val="0"/>
+              </a:spcBef>
+              <a:buNone/>
+            </a:pPr>
+            <a:r>
+              <a:rPr lang="en-US" sz="1600" dirty="0">
+                <a:latin typeface="Consolas" panose="020B0609020204030204" pitchFamily="49" charset="0"/>
+                <a:cs typeface="Consolas" panose="020B0609020204030204" pitchFamily="49" charset="0"/>
+              </a:rPr>
+              <a:t>        </a:t>
+            </a:r>
+            <a:r>
+              <a:rPr lang="en-US" sz="1600" dirty="0" err="1">
+                <a:latin typeface="Consolas" panose="020B0609020204030204" pitchFamily="49" charset="0"/>
+                <a:cs typeface="Consolas" panose="020B0609020204030204" pitchFamily="49" charset="0"/>
+              </a:rPr>
+              <a:t>ufo.y</a:t>
+            </a:r>
+            <a:r>
+              <a:rPr lang="en-US" sz="1600" dirty="0">
+                <a:latin typeface="Consolas" panose="020B0609020204030204" pitchFamily="49" charset="0"/>
+                <a:cs typeface="Consolas" panose="020B0609020204030204" pitchFamily="49" charset="0"/>
+              </a:rPr>
+              <a:t> += speed;</a:t>
+            </a:r>
+          </a:p>
+          <a:p>
+            <a:pPr marL="0" indent="0">
+              <a:lnSpc>
+                <a:spcPct val="120000"/>
+              </a:lnSpc>
+              <a:spcBef>
+                <a:spcPts val="0"/>
+              </a:spcBef>
+              <a:buNone/>
+            </a:pPr>
+            <a:r>
+              <a:rPr lang="en-US" sz="1600" dirty="0">
+                <a:latin typeface="Consolas" panose="020B0609020204030204" pitchFamily="49" charset="0"/>
+                <a:cs typeface="Consolas" panose="020B0609020204030204" pitchFamily="49" charset="0"/>
+              </a:rPr>
+              <a:t>    }</a:t>
+            </a:r>
+          </a:p>
+          <a:p>
+            <a:pPr marL="0" indent="0">
+              <a:lnSpc>
+                <a:spcPct val="120000"/>
+              </a:lnSpc>
+              <a:spcBef>
+                <a:spcPts val="0"/>
+              </a:spcBef>
+              <a:buNone/>
+            </a:pPr>
+            <a:endParaRPr lang="en-US" sz="1600" dirty="0">
+              <a:latin typeface="Consolas" panose="020B0609020204030204" pitchFamily="49" charset="0"/>
+              <a:cs typeface="Consolas" panose="020B0609020204030204" pitchFamily="49" charset="0"/>
+            </a:endParaRPr>
+          </a:p>
+          <a:p>
+            <a:pPr marL="0" indent="0">
+              <a:lnSpc>
+                <a:spcPct val="120000"/>
+              </a:lnSpc>
+              <a:spcBef>
+                <a:spcPts val="0"/>
+              </a:spcBef>
+              <a:buNone/>
+            </a:pPr>
+            <a:r>
+              <a:rPr lang="en-US" sz="1600" dirty="0">
+                <a:latin typeface="Consolas" panose="020B0609020204030204" pitchFamily="49" charset="0"/>
+                <a:cs typeface="Consolas" panose="020B0609020204030204" pitchFamily="49" charset="0"/>
+              </a:rPr>
+              <a:t>    if (</a:t>
+            </a:r>
+            <a:r>
+              <a:rPr lang="en-US" sz="1600" dirty="0" err="1">
+                <a:latin typeface="Consolas" panose="020B0609020204030204" pitchFamily="49" charset="0"/>
+                <a:cs typeface="Consolas" panose="020B0609020204030204" pitchFamily="49" charset="0"/>
+              </a:rPr>
+              <a:t>game.input.keyboard.isDown</a:t>
+            </a:r>
+            <a:r>
+              <a:rPr lang="en-US" sz="1600" dirty="0">
+                <a:latin typeface="Consolas" panose="020B0609020204030204" pitchFamily="49" charset="0"/>
+                <a:cs typeface="Consolas" panose="020B0609020204030204" pitchFamily="49" charset="0"/>
+              </a:rPr>
+              <a:t>(</a:t>
+            </a:r>
+            <a:r>
+              <a:rPr lang="en-US" sz="1600" dirty="0" err="1">
+                <a:latin typeface="Consolas" panose="020B0609020204030204" pitchFamily="49" charset="0"/>
+                <a:cs typeface="Consolas" panose="020B0609020204030204" pitchFamily="49" charset="0"/>
+              </a:rPr>
+              <a:t>Phaser.Keyboard.LEFT</a:t>
+            </a:r>
+            <a:r>
+              <a:rPr lang="en-US" sz="1600" dirty="0">
+                <a:latin typeface="Consolas" panose="020B0609020204030204" pitchFamily="49" charset="0"/>
+                <a:cs typeface="Consolas" panose="020B0609020204030204" pitchFamily="49" charset="0"/>
+              </a:rPr>
+              <a:t>)) {</a:t>
+            </a:r>
+          </a:p>
+          <a:p>
+            <a:pPr marL="0" indent="0">
+              <a:lnSpc>
+                <a:spcPct val="120000"/>
+              </a:lnSpc>
+              <a:spcBef>
+                <a:spcPts val="0"/>
+              </a:spcBef>
+              <a:buNone/>
+            </a:pPr>
+            <a:r>
+              <a:rPr lang="en-US" sz="1600" dirty="0">
+                <a:latin typeface="Consolas" panose="020B0609020204030204" pitchFamily="49" charset="0"/>
+                <a:cs typeface="Consolas" panose="020B0609020204030204" pitchFamily="49" charset="0"/>
+              </a:rPr>
+              <a:t>        </a:t>
+            </a:r>
+            <a:r>
+              <a:rPr lang="en-US" sz="1600" dirty="0" err="1">
+                <a:latin typeface="Consolas" panose="020B0609020204030204" pitchFamily="49" charset="0"/>
+                <a:cs typeface="Consolas" panose="020B0609020204030204" pitchFamily="49" charset="0"/>
+              </a:rPr>
+              <a:t>ufo.x</a:t>
+            </a:r>
+            <a:r>
+              <a:rPr lang="en-US" sz="1600" dirty="0">
+                <a:latin typeface="Consolas" panose="020B0609020204030204" pitchFamily="49" charset="0"/>
+                <a:cs typeface="Consolas" panose="020B0609020204030204" pitchFamily="49" charset="0"/>
+              </a:rPr>
+              <a:t> -= speed;</a:t>
+            </a:r>
+          </a:p>
+          <a:p>
+            <a:pPr marL="0" indent="0">
+              <a:lnSpc>
+                <a:spcPct val="120000"/>
+              </a:lnSpc>
+              <a:spcBef>
+                <a:spcPts val="0"/>
+              </a:spcBef>
+              <a:buNone/>
+            </a:pPr>
+            <a:r>
+              <a:rPr lang="en-US" sz="1600" dirty="0">
+                <a:latin typeface="Consolas" panose="020B0609020204030204" pitchFamily="49" charset="0"/>
+                <a:cs typeface="Consolas" panose="020B0609020204030204" pitchFamily="49" charset="0"/>
+              </a:rPr>
+              <a:t>    }</a:t>
+            </a:r>
+          </a:p>
+          <a:p>
+            <a:pPr marL="0" indent="0">
+              <a:lnSpc>
+                <a:spcPct val="120000"/>
+              </a:lnSpc>
+              <a:spcBef>
+                <a:spcPts val="0"/>
+              </a:spcBef>
+              <a:buNone/>
+            </a:pPr>
+            <a:r>
+              <a:rPr lang="en-US" sz="1600" dirty="0">
+                <a:latin typeface="Consolas" panose="020B0609020204030204" pitchFamily="49" charset="0"/>
+                <a:cs typeface="Consolas" panose="020B0609020204030204" pitchFamily="49" charset="0"/>
+              </a:rPr>
+              <a:t>    else if (</a:t>
+            </a:r>
+            <a:r>
+              <a:rPr lang="en-US" sz="1600" dirty="0" err="1">
+                <a:latin typeface="Consolas" panose="020B0609020204030204" pitchFamily="49" charset="0"/>
+                <a:cs typeface="Consolas" panose="020B0609020204030204" pitchFamily="49" charset="0"/>
+              </a:rPr>
+              <a:t>game.input.keyboard.isDown</a:t>
+            </a:r>
+            <a:r>
+              <a:rPr lang="en-US" sz="1600" dirty="0">
+                <a:latin typeface="Consolas" panose="020B0609020204030204" pitchFamily="49" charset="0"/>
+                <a:cs typeface="Consolas" panose="020B0609020204030204" pitchFamily="49" charset="0"/>
+              </a:rPr>
+              <a:t>(</a:t>
+            </a:r>
+            <a:r>
+              <a:rPr lang="en-US" sz="1600" dirty="0" err="1">
+                <a:latin typeface="Consolas" panose="020B0609020204030204" pitchFamily="49" charset="0"/>
+                <a:cs typeface="Consolas" panose="020B0609020204030204" pitchFamily="49" charset="0"/>
+              </a:rPr>
+              <a:t>Phaser.Keyboard.RIGHT</a:t>
+            </a:r>
+            <a:r>
+              <a:rPr lang="en-US" sz="1600" dirty="0">
+                <a:latin typeface="Consolas" panose="020B0609020204030204" pitchFamily="49" charset="0"/>
+                <a:cs typeface="Consolas" panose="020B0609020204030204" pitchFamily="49" charset="0"/>
+              </a:rPr>
+              <a:t>)) {</a:t>
+            </a:r>
+          </a:p>
+          <a:p>
+            <a:pPr marL="0" indent="0">
+              <a:lnSpc>
+                <a:spcPct val="120000"/>
+              </a:lnSpc>
+              <a:spcBef>
+                <a:spcPts val="0"/>
+              </a:spcBef>
+              <a:buNone/>
+            </a:pPr>
+            <a:r>
+              <a:rPr lang="en-US" sz="1600" dirty="0">
+                <a:latin typeface="Consolas" panose="020B0609020204030204" pitchFamily="49" charset="0"/>
+                <a:cs typeface="Consolas" panose="020B0609020204030204" pitchFamily="49" charset="0"/>
+              </a:rPr>
+              <a:t>        </a:t>
+            </a:r>
+            <a:r>
+              <a:rPr lang="en-US" sz="1600" dirty="0" err="1">
+                <a:latin typeface="Consolas" panose="020B0609020204030204" pitchFamily="49" charset="0"/>
+                <a:cs typeface="Consolas" panose="020B0609020204030204" pitchFamily="49" charset="0"/>
+              </a:rPr>
+              <a:t>ufo.x</a:t>
+            </a:r>
+            <a:r>
+              <a:rPr lang="en-US" sz="1600" dirty="0">
+                <a:latin typeface="Consolas" panose="020B0609020204030204" pitchFamily="49" charset="0"/>
+                <a:cs typeface="Consolas" panose="020B0609020204030204" pitchFamily="49" charset="0"/>
+              </a:rPr>
+              <a:t> += speed;</a:t>
+            </a:r>
+          </a:p>
+          <a:p>
+            <a:pPr marL="0" indent="0">
+              <a:lnSpc>
+                <a:spcPct val="120000"/>
+              </a:lnSpc>
+              <a:spcBef>
+                <a:spcPts val="0"/>
+              </a:spcBef>
+              <a:buNone/>
+            </a:pPr>
+            <a:r>
+              <a:rPr lang="en-US" sz="1600" dirty="0">
+                <a:latin typeface="Consolas" panose="020B0609020204030204" pitchFamily="49" charset="0"/>
+                <a:cs typeface="Consolas" panose="020B0609020204030204" pitchFamily="49" charset="0"/>
+              </a:rPr>
+              <a:t>    }</a:t>
+            </a:r>
+          </a:p>
+          <a:p>
+            <a:pPr marL="0" indent="0">
+              <a:lnSpc>
+                <a:spcPct val="120000"/>
+              </a:lnSpc>
+              <a:spcBef>
+                <a:spcPts val="0"/>
+              </a:spcBef>
+              <a:buNone/>
+            </a:pPr>
+            <a:r>
+              <a:rPr lang="en-US" sz="1600" dirty="0">
+                <a:latin typeface="Consolas" panose="020B0609020204030204" pitchFamily="49" charset="0"/>
+                <a:cs typeface="Consolas" panose="020B0609020204030204" pitchFamily="49" charset="0"/>
+              </a:rPr>
+              <a:t>}</a:t>
+            </a:r>
+            <a:endParaRPr lang="en-US" sz="1600" dirty="0" smtClean="0">
               <a:latin typeface="Consolas" panose="020B0609020204030204" pitchFamily="49" charset="0"/>
               <a:cs typeface="Consolas" panose="020B0609020204030204" pitchFamily="49" charset="0"/>
             </a:endParaRPr>
@@ -10141,7 +9680,7 @@
     </p:spTree>
     <p:extLst>
       <p:ext uri="{BB962C8B-B14F-4D97-AF65-F5344CB8AC3E}">
-        <p14:creationId xmlns:p14="http://schemas.microsoft.com/office/powerpoint/2010/main" val="1177716729"/>
+        <p14:creationId xmlns:p14="http://schemas.microsoft.com/office/powerpoint/2010/main" val="100593303"/>
       </p:ext>
     </p:extLst>
   </p:cSld>
@@ -10195,7 +9734,7 @@
             <a:pPr algn="ctr"/>
             <a:r>
               <a:rPr lang="en-US" sz="4000" dirty="0" smtClean="0"/>
-              <a:t>Input: Gamepad</a:t>
+              <a:t>Input: Mouse</a:t>
             </a:r>
             <a:endParaRPr lang="en-US" sz="4000" dirty="0"/>
           </a:p>
@@ -10214,7 +9753,7 @@
         <p:spPr/>
         <p:txBody>
           <a:bodyPr>
-            <a:noAutofit/>
+            <a:normAutofit fontScale="55000" lnSpcReduction="20000"/>
           </a:bodyPr>
           <a:lstStyle/>
           <a:p>
@@ -10228,32 +9767,25 @@
               <a:buNone/>
             </a:pPr>
             <a:r>
-              <a:rPr lang="en-US" sz="1400" dirty="0">
-                <a:latin typeface="Consolas" panose="020B0609020204030204" pitchFamily="49" charset="0"/>
-                <a:cs typeface="Consolas" panose="020B0609020204030204" pitchFamily="49" charset="0"/>
-              </a:rPr>
-              <a:t>f</a:t>
-            </a:r>
-            <a:r>
-              <a:rPr lang="en-US" sz="1400" dirty="0" smtClean="0">
-                <a:latin typeface="Consolas" panose="020B0609020204030204" pitchFamily="49" charset="0"/>
-                <a:cs typeface="Consolas" panose="020B0609020204030204" pitchFamily="49" charset="0"/>
-              </a:rPr>
-              <a:t>unction create</a:t>
-            </a:r>
-            <a:r>
-              <a:rPr lang="en-US" sz="1400" dirty="0">
-                <a:latin typeface="Consolas" panose="020B0609020204030204" pitchFamily="49" charset="0"/>
-                <a:cs typeface="Consolas" panose="020B0609020204030204" pitchFamily="49" charset="0"/>
-              </a:rPr>
-              <a:t>() </a:t>
-            </a:r>
-            <a:r>
-              <a:rPr lang="en-US" sz="1400" dirty="0" smtClean="0">
-                <a:latin typeface="Consolas" panose="020B0609020204030204" pitchFamily="49" charset="0"/>
-                <a:cs typeface="Consolas" panose="020B0609020204030204" pitchFamily="49" charset="0"/>
-              </a:rPr>
-              <a:t>{</a:t>
+              <a:rPr lang="en-US" dirty="0">
+                <a:latin typeface="Consolas" panose="020B0609020204030204" pitchFamily="49" charset="0"/>
+                <a:cs typeface="Consolas" panose="020B0609020204030204" pitchFamily="49" charset="0"/>
+              </a:rPr>
+              <a:t>if (</a:t>
+            </a:r>
+            <a:r>
+              <a:rPr lang="en-US" dirty="0" err="1">
+                <a:latin typeface="Consolas" panose="020B0609020204030204" pitchFamily="49" charset="0"/>
+                <a:cs typeface="Consolas" panose="020B0609020204030204" pitchFamily="49" charset="0"/>
+              </a:rPr>
+              <a:t>game.input.mousePointer.isDown</a:t>
+            </a:r>
+            <a:r>
+              <a:rPr lang="en-US" dirty="0">
+                <a:latin typeface="Consolas" panose="020B0609020204030204" pitchFamily="49" charset="0"/>
+                <a:cs typeface="Consolas" panose="020B0609020204030204" pitchFamily="49" charset="0"/>
+              </a:rPr>
+              <a:t>) {</a:t>
             </a:r>
           </a:p>
           <a:p>
@@ -10267,25 +9799,39 @@
               <a:buNone/>
             </a:pPr>
             <a:r>
-              <a:rPr lang="en-US" sz="1400" dirty="0" smtClean="0">
-                <a:latin typeface="Consolas" panose="020B0609020204030204" pitchFamily="49" charset="0"/>
-                <a:cs typeface="Consolas" panose="020B0609020204030204" pitchFamily="49" charset="0"/>
-              </a:rPr>
-              <a:t>	</a:t>
-            </a:r>
-            <a:r>
-              <a:rPr lang="en-US" sz="1400" dirty="0" err="1" smtClean="0">
-                <a:latin typeface="Consolas" panose="020B0609020204030204" pitchFamily="49" charset="0"/>
-                <a:cs typeface="Consolas" panose="020B0609020204030204" pitchFamily="49" charset="0"/>
-              </a:rPr>
-              <a:t>game.input.gamepad.start</a:t>
-            </a:r>
-            <a:r>
-              <a:rPr lang="en-US" sz="1400" dirty="0">
-                <a:latin typeface="Consolas" panose="020B0609020204030204" pitchFamily="49" charset="0"/>
-                <a:cs typeface="Consolas" panose="020B0609020204030204" pitchFamily="49" charset="0"/>
-              </a:rPr>
-              <a:t>();</a:t>
+              <a:rPr lang="en-US" dirty="0">
+                <a:latin typeface="Consolas" panose="020B0609020204030204" pitchFamily="49" charset="0"/>
+                <a:cs typeface="Consolas" panose="020B0609020204030204" pitchFamily="49" charset="0"/>
+              </a:rPr>
+              <a:t>	if (</a:t>
+            </a:r>
+            <a:r>
+              <a:rPr lang="en-US" dirty="0" err="1">
+                <a:latin typeface="Consolas" panose="020B0609020204030204" pitchFamily="49" charset="0"/>
+                <a:cs typeface="Consolas" panose="020B0609020204030204" pitchFamily="49" charset="0"/>
+              </a:rPr>
+              <a:t>game.input.mousePointer.x</a:t>
+            </a:r>
+            <a:r>
+              <a:rPr lang="en-US" dirty="0">
+                <a:latin typeface="Consolas" panose="020B0609020204030204" pitchFamily="49" charset="0"/>
+                <a:cs typeface="Consolas" panose="020B0609020204030204" pitchFamily="49" charset="0"/>
+              </a:rPr>
+              <a:t> &lt; </a:t>
+            </a:r>
+            <a:r>
+              <a:rPr lang="en-US" dirty="0" err="1">
+                <a:latin typeface="Consolas" panose="020B0609020204030204" pitchFamily="49" charset="0"/>
+                <a:cs typeface="Consolas" panose="020B0609020204030204" pitchFamily="49" charset="0"/>
+              </a:rPr>
+              <a:t>game.width</a:t>
+            </a:r>
+            <a:r>
+              <a:rPr lang="en-US" dirty="0">
+                <a:latin typeface="Consolas" panose="020B0609020204030204" pitchFamily="49" charset="0"/>
+                <a:cs typeface="Consolas" panose="020B0609020204030204" pitchFamily="49" charset="0"/>
+              </a:rPr>
+              <a:t>*0.5) {</a:t>
             </a:r>
           </a:p>
           <a:p>
@@ -10299,25 +9845,25 @@
               <a:buNone/>
             </a:pPr>
             <a:r>
-              <a:rPr lang="en-US" sz="1400" dirty="0" smtClean="0">
-                <a:latin typeface="Consolas" panose="020B0609020204030204" pitchFamily="49" charset="0"/>
-                <a:cs typeface="Consolas" panose="020B0609020204030204" pitchFamily="49" charset="0"/>
-              </a:rPr>
-              <a:t>	pad1 </a:t>
-            </a:r>
-            <a:r>
-              <a:rPr lang="en-US" sz="1400" dirty="0">
-                <a:latin typeface="Consolas" panose="020B0609020204030204" pitchFamily="49" charset="0"/>
-                <a:cs typeface="Consolas" panose="020B0609020204030204" pitchFamily="49" charset="0"/>
-              </a:rPr>
-              <a:t>= game.input.gamepad.pad1</a:t>
-            </a:r>
-            <a:r>
-              <a:rPr lang="en-US" sz="1400" dirty="0" smtClean="0">
-                <a:latin typeface="Consolas" panose="020B0609020204030204" pitchFamily="49" charset="0"/>
-                <a:cs typeface="Consolas" panose="020B0609020204030204" pitchFamily="49" charset="0"/>
-              </a:rPr>
-              <a:t>;</a:t>
+              <a:rPr lang="en-US" dirty="0">
+                <a:latin typeface="Consolas" panose="020B0609020204030204" pitchFamily="49" charset="0"/>
+                <a:cs typeface="Consolas" panose="020B0609020204030204" pitchFamily="49" charset="0"/>
+              </a:rPr>
+              <a:t>		</a:t>
+            </a:r>
+            <a:r>
+              <a:rPr lang="en-US" dirty="0" err="1">
+                <a:latin typeface="Consolas" panose="020B0609020204030204" pitchFamily="49" charset="0"/>
+                <a:cs typeface="Consolas" panose="020B0609020204030204" pitchFamily="49" charset="0"/>
+              </a:rPr>
+              <a:t>clickOnLeft</a:t>
+            </a:r>
+            <a:r>
+              <a:rPr lang="en-US" dirty="0">
+                <a:latin typeface="Consolas" panose="020B0609020204030204" pitchFamily="49" charset="0"/>
+                <a:cs typeface="Consolas" panose="020B0609020204030204" pitchFamily="49" charset="0"/>
+              </a:rPr>
+              <a:t> = true;</a:t>
             </a:r>
           </a:p>
           <a:p>
@@ -10331,11 +9877,11 @@
               <a:buNone/>
             </a:pPr>
             <a:r>
-              <a:rPr lang="en-US" sz="1400" dirty="0" smtClean="0">
-                <a:latin typeface="Consolas" panose="020B0609020204030204" pitchFamily="49" charset="0"/>
-                <a:cs typeface="Consolas" panose="020B0609020204030204" pitchFamily="49" charset="0"/>
-              </a:rPr>
-              <a:t>}</a:t>
+              <a:rPr lang="en-US" dirty="0">
+                <a:latin typeface="Consolas" panose="020B0609020204030204" pitchFamily="49" charset="0"/>
+                <a:cs typeface="Consolas" panose="020B0609020204030204" pitchFamily="49" charset="0"/>
+              </a:rPr>
+              <a:t>	}</a:t>
             </a:r>
           </a:p>
           <a:p>
@@ -10349,18 +9895,39 @@
               <a:buNone/>
             </a:pPr>
             <a:r>
-              <a:rPr lang="en-US" sz="1400" dirty="0">
-                <a:latin typeface="Consolas" panose="020B0609020204030204" pitchFamily="49" charset="0"/>
-                <a:cs typeface="Consolas" panose="020B0609020204030204" pitchFamily="49" charset="0"/>
-              </a:rPr>
-              <a:t>f</a:t>
-            </a:r>
-            <a:r>
-              <a:rPr lang="en-US" sz="1400" dirty="0" smtClean="0">
-                <a:latin typeface="Consolas" panose="020B0609020204030204" pitchFamily="49" charset="0"/>
-                <a:cs typeface="Consolas" panose="020B0609020204030204" pitchFamily="49" charset="0"/>
-              </a:rPr>
-              <a:t>unction update() {</a:t>
+              <a:rPr lang="en-US" dirty="0">
+                <a:latin typeface="Consolas" panose="020B0609020204030204" pitchFamily="49" charset="0"/>
+                <a:cs typeface="Consolas" panose="020B0609020204030204" pitchFamily="49" charset="0"/>
+              </a:rPr>
+              <a:t>	else if (</a:t>
+            </a:r>
+            <a:r>
+              <a:rPr lang="en-US" dirty="0" err="1">
+                <a:latin typeface="Consolas" panose="020B0609020204030204" pitchFamily="49" charset="0"/>
+                <a:cs typeface="Consolas" panose="020B0609020204030204" pitchFamily="49" charset="0"/>
+              </a:rPr>
+              <a:t>game.input.mousePointer.x</a:t>
+            </a:r>
+            <a:r>
+              <a:rPr lang="en-US" dirty="0">
+                <a:latin typeface="Consolas" panose="020B0609020204030204" pitchFamily="49" charset="0"/>
+                <a:cs typeface="Consolas" panose="020B0609020204030204" pitchFamily="49" charset="0"/>
+              </a:rPr>
+              <a:t> &gt; </a:t>
+            </a:r>
+            <a:r>
+              <a:rPr lang="en-US" dirty="0" err="1">
+                <a:latin typeface="Consolas" panose="020B0609020204030204" pitchFamily="49" charset="0"/>
+                <a:cs typeface="Consolas" panose="020B0609020204030204" pitchFamily="49" charset="0"/>
+              </a:rPr>
+              <a:t>game.width</a:t>
+            </a:r>
+            <a:r>
+              <a:rPr lang="en-US" dirty="0">
+                <a:latin typeface="Consolas" panose="020B0609020204030204" pitchFamily="49" charset="0"/>
+                <a:cs typeface="Consolas" panose="020B0609020204030204" pitchFamily="49" charset="0"/>
+              </a:rPr>
+              <a:t>*0.5) {</a:t>
             </a:r>
           </a:p>
           <a:p>
@@ -10374,32 +9941,25 @@
               <a:buNone/>
             </a:pPr>
             <a:r>
-              <a:rPr lang="en-US" sz="1400" dirty="0" smtClean="0">
-                <a:latin typeface="Consolas" panose="020B0609020204030204" pitchFamily="49" charset="0"/>
-                <a:cs typeface="Consolas" panose="020B0609020204030204" pitchFamily="49" charset="0"/>
-              </a:rPr>
-              <a:t>	if </a:t>
-            </a:r>
-            <a:r>
-              <a:rPr lang="en-US" sz="1400" dirty="0">
-                <a:latin typeface="Consolas" panose="020B0609020204030204" pitchFamily="49" charset="0"/>
-                <a:cs typeface="Consolas" panose="020B0609020204030204" pitchFamily="49" charset="0"/>
-              </a:rPr>
-              <a:t>(</a:t>
-            </a:r>
-            <a:r>
-              <a:rPr lang="en-US" sz="1400" dirty="0" err="1" smtClean="0">
-                <a:latin typeface="Consolas" panose="020B0609020204030204" pitchFamily="49" charset="0"/>
-                <a:cs typeface="Consolas" panose="020B0609020204030204" pitchFamily="49" charset="0"/>
-              </a:rPr>
-              <a:t>game.input.gamepad.supported</a:t>
-            </a:r>
-            <a:r>
-              <a:rPr lang="en-US" sz="1400" dirty="0" smtClean="0">
-                <a:latin typeface="Consolas" panose="020B0609020204030204" pitchFamily="49" charset="0"/>
-                <a:cs typeface="Consolas" panose="020B0609020204030204" pitchFamily="49" charset="0"/>
-              </a:rPr>
-              <a:t> </a:t>
+              <a:rPr lang="en-US" dirty="0">
+                <a:latin typeface="Consolas" panose="020B0609020204030204" pitchFamily="49" charset="0"/>
+                <a:cs typeface="Consolas" panose="020B0609020204030204" pitchFamily="49" charset="0"/>
+              </a:rPr>
+              <a:t>		</a:t>
+            </a:r>
+            <a:r>
+              <a:rPr lang="en-US" dirty="0" err="1">
+                <a:latin typeface="Consolas" panose="020B0609020204030204" pitchFamily="49" charset="0"/>
+                <a:cs typeface="Consolas" panose="020B0609020204030204" pitchFamily="49" charset="0"/>
+              </a:rPr>
+              <a:t>clickOnRight</a:t>
+            </a:r>
+            <a:r>
+              <a:rPr lang="en-US" dirty="0">
+                <a:latin typeface="Consolas" panose="020B0609020204030204" pitchFamily="49" charset="0"/>
+                <a:cs typeface="Consolas" panose="020B0609020204030204" pitchFamily="49" charset="0"/>
+              </a:rPr>
+              <a:t> = true;</a:t>
             </a:r>
           </a:p>
           <a:p>
@@ -10413,25 +9973,11 @@
               <a:buNone/>
             </a:pPr>
             <a:r>
-              <a:rPr lang="en-US" sz="1400" dirty="0" smtClean="0">
-                <a:latin typeface="Consolas" panose="020B0609020204030204" pitchFamily="49" charset="0"/>
-                <a:cs typeface="Consolas" panose="020B0609020204030204" pitchFamily="49" charset="0"/>
-              </a:rPr>
-              <a:t>		&amp;&amp; </a:t>
-            </a:r>
-            <a:r>
-              <a:rPr lang="en-US" sz="1400" dirty="0" err="1" smtClean="0">
-                <a:latin typeface="Consolas" panose="020B0609020204030204" pitchFamily="49" charset="0"/>
-                <a:cs typeface="Consolas" panose="020B0609020204030204" pitchFamily="49" charset="0"/>
-              </a:rPr>
-              <a:t>game.input.gamepad.active</a:t>
-            </a:r>
-            <a:r>
-              <a:rPr lang="en-US" sz="1400" dirty="0" smtClean="0">
-                <a:latin typeface="Consolas" panose="020B0609020204030204" pitchFamily="49" charset="0"/>
-                <a:cs typeface="Consolas" panose="020B0609020204030204" pitchFamily="49" charset="0"/>
-              </a:rPr>
-              <a:t> </a:t>
+              <a:rPr lang="en-US" dirty="0">
+                <a:latin typeface="Consolas" panose="020B0609020204030204" pitchFamily="49" charset="0"/>
+                <a:cs typeface="Consolas" panose="020B0609020204030204" pitchFamily="49" charset="0"/>
+              </a:rPr>
+              <a:t>	}</a:t>
             </a:r>
           </a:p>
           <a:p>
@@ -10444,27 +9990,10 @@
               </a:spcBef>
               <a:buNone/>
             </a:pPr>
-            <a:r>
-              <a:rPr lang="en-US" sz="1400" dirty="0" smtClean="0">
-                <a:latin typeface="Consolas" panose="020B0609020204030204" pitchFamily="49" charset="0"/>
-                <a:cs typeface="Consolas" panose="020B0609020204030204" pitchFamily="49" charset="0"/>
-              </a:rPr>
-              <a:t>		&amp;&amp; pad1.connected</a:t>
-            </a:r>
-            <a:r>
-              <a:rPr lang="en-US" sz="1400" dirty="0">
-                <a:latin typeface="Consolas" panose="020B0609020204030204" pitchFamily="49" charset="0"/>
-                <a:cs typeface="Consolas" panose="020B0609020204030204" pitchFamily="49" charset="0"/>
-              </a:rPr>
-              <a:t>) </a:t>
-            </a:r>
-            <a:r>
-              <a:rPr lang="en-US" sz="1400" dirty="0" smtClean="0">
-                <a:latin typeface="Consolas" panose="020B0609020204030204" pitchFamily="49" charset="0"/>
-                <a:cs typeface="Consolas" panose="020B0609020204030204" pitchFamily="49" charset="0"/>
-              </a:rPr>
-              <a:t>{</a:t>
-            </a:r>
+            <a:endParaRPr lang="en-US" dirty="0">
+              <a:latin typeface="Consolas" panose="020B0609020204030204" pitchFamily="49" charset="0"/>
+              <a:cs typeface="Consolas" panose="020B0609020204030204" pitchFamily="49" charset="0"/>
+            </a:endParaRPr>
           </a:p>
           <a:p>
             <a:pPr marL="0" indent="0">
@@ -10477,18 +10006,39 @@
               <a:buNone/>
             </a:pPr>
             <a:r>
-              <a:rPr lang="en-US" sz="1400" dirty="0">
-                <a:latin typeface="Consolas" panose="020B0609020204030204" pitchFamily="49" charset="0"/>
-                <a:cs typeface="Consolas" panose="020B0609020204030204" pitchFamily="49" charset="0"/>
-              </a:rPr>
-              <a:t>	</a:t>
-            </a:r>
-            <a:r>
-              <a:rPr lang="en-US" sz="1400" dirty="0" smtClean="0">
-                <a:latin typeface="Consolas" panose="020B0609020204030204" pitchFamily="49" charset="0"/>
-                <a:cs typeface="Consolas" panose="020B0609020204030204" pitchFamily="49" charset="0"/>
-              </a:rPr>
-              <a:t>	//play with gamepad!</a:t>
+              <a:rPr lang="en-US" dirty="0">
+                <a:latin typeface="Consolas" panose="020B0609020204030204" pitchFamily="49" charset="0"/>
+                <a:cs typeface="Consolas" panose="020B0609020204030204" pitchFamily="49" charset="0"/>
+              </a:rPr>
+              <a:t>	if (</a:t>
+            </a:r>
+            <a:r>
+              <a:rPr lang="en-US" dirty="0" err="1">
+                <a:latin typeface="Consolas" panose="020B0609020204030204" pitchFamily="49" charset="0"/>
+                <a:cs typeface="Consolas" panose="020B0609020204030204" pitchFamily="49" charset="0"/>
+              </a:rPr>
+              <a:t>game.input.mousePointer.y</a:t>
+            </a:r>
+            <a:r>
+              <a:rPr lang="en-US" dirty="0">
+                <a:latin typeface="Consolas" panose="020B0609020204030204" pitchFamily="49" charset="0"/>
+                <a:cs typeface="Consolas" panose="020B0609020204030204" pitchFamily="49" charset="0"/>
+              </a:rPr>
+              <a:t> &lt; </a:t>
+            </a:r>
+            <a:r>
+              <a:rPr lang="en-US" dirty="0" err="1">
+                <a:latin typeface="Consolas" panose="020B0609020204030204" pitchFamily="49" charset="0"/>
+                <a:cs typeface="Consolas" panose="020B0609020204030204" pitchFamily="49" charset="0"/>
+              </a:rPr>
+              <a:t>game.height</a:t>
+            </a:r>
+            <a:r>
+              <a:rPr lang="en-US" dirty="0">
+                <a:latin typeface="Consolas" panose="020B0609020204030204" pitchFamily="49" charset="0"/>
+                <a:cs typeface="Consolas" panose="020B0609020204030204" pitchFamily="49" charset="0"/>
+              </a:rPr>
+              <a:t>*0.5) {</a:t>
             </a:r>
           </a:p>
           <a:p>
@@ -10502,18 +10052,25 @@
               <a:buNone/>
             </a:pPr>
             <a:r>
-              <a:rPr lang="en-US" sz="1400" dirty="0" smtClean="0">
-                <a:latin typeface="Consolas" panose="020B0609020204030204" pitchFamily="49" charset="0"/>
-                <a:cs typeface="Consolas" panose="020B0609020204030204" pitchFamily="49" charset="0"/>
-              </a:rPr>
-              <a:t>		if </a:t>
-            </a:r>
-            <a:r>
-              <a:rPr lang="en-US" sz="1400" dirty="0">
-                <a:latin typeface="Consolas" panose="020B0609020204030204" pitchFamily="49" charset="0"/>
-                <a:cs typeface="Consolas" panose="020B0609020204030204" pitchFamily="49" charset="0"/>
-              </a:rPr>
-              <a:t>(pad1.isDown(Phaser.Gamepad.XBOX360_DPAD_LEFT)) { … }</a:t>
+              <a:rPr lang="en-US" dirty="0">
+                <a:latin typeface="Consolas" panose="020B0609020204030204" pitchFamily="49" charset="0"/>
+                <a:cs typeface="Consolas" panose="020B0609020204030204" pitchFamily="49" charset="0"/>
+              </a:rPr>
+              <a:t>		</a:t>
+            </a:r>
+            <a:r>
+              <a:rPr lang="en-US" dirty="0" err="1">
+                <a:latin typeface="Consolas" panose="020B0609020204030204" pitchFamily="49" charset="0"/>
+                <a:cs typeface="Consolas" panose="020B0609020204030204" pitchFamily="49" charset="0"/>
+              </a:rPr>
+              <a:t>clickOnTop</a:t>
+            </a:r>
+            <a:r>
+              <a:rPr lang="en-US" dirty="0">
+                <a:latin typeface="Consolas" panose="020B0609020204030204" pitchFamily="49" charset="0"/>
+                <a:cs typeface="Consolas" panose="020B0609020204030204" pitchFamily="49" charset="0"/>
+              </a:rPr>
+              <a:t> = true;</a:t>
             </a:r>
           </a:p>
           <a:p>
@@ -10527,18 +10084,11 @@
               <a:buNone/>
             </a:pPr>
             <a:r>
-              <a:rPr lang="en-US" sz="1400" dirty="0" smtClean="0">
-                <a:latin typeface="Consolas" panose="020B0609020204030204" pitchFamily="49" charset="0"/>
-                <a:cs typeface="Consolas" panose="020B0609020204030204" pitchFamily="49" charset="0"/>
-              </a:rPr>
-              <a:t>		if </a:t>
-            </a:r>
-            <a:r>
-              <a:rPr lang="en-US" sz="1400" dirty="0">
-                <a:latin typeface="Consolas" panose="020B0609020204030204" pitchFamily="49" charset="0"/>
-                <a:cs typeface="Consolas" panose="020B0609020204030204" pitchFamily="49" charset="0"/>
-              </a:rPr>
-              <a:t>(pad1.axis(Phaser.Gamepad.XBOX360_STICK_LEFT_X)) { … }</a:t>
+              <a:rPr lang="en-US" dirty="0">
+                <a:latin typeface="Consolas" panose="020B0609020204030204" pitchFamily="49" charset="0"/>
+                <a:cs typeface="Consolas" panose="020B0609020204030204" pitchFamily="49" charset="0"/>
+              </a:rPr>
+              <a:t>	}</a:t>
             </a:r>
           </a:p>
           <a:p>
@@ -10552,21 +10102,7 @@
               <a:buNone/>
             </a:pPr>
             <a:r>
-              <a:rPr lang="en-US" sz="1400" dirty="0" smtClean="0">
-                <a:latin typeface="Consolas" panose="020B0609020204030204" pitchFamily="49" charset="0"/>
-                <a:cs typeface="Consolas" panose="020B0609020204030204" pitchFamily="49" charset="0"/>
-              </a:rPr>
-              <a:t>		if </a:t>
-            </a:r>
-            <a:r>
-              <a:rPr lang="en-US" sz="1400" dirty="0">
-                <a:latin typeface="Consolas" panose="020B0609020204030204" pitchFamily="49" charset="0"/>
-                <a:cs typeface="Consolas" panose="020B0609020204030204" pitchFamily="49" charset="0"/>
-              </a:rPr>
-              <a:t>(pad1.justPressed(Phaser.Gamepad.XBOX360_A)) { … </a:t>
-            </a:r>
-            <a:r>
-              <a:rPr lang="en-US" sz="1400" dirty="0" smtClean="0">
+              <a:rPr lang="en-US" dirty="0" smtClean="0">
                 <a:latin typeface="Consolas" panose="020B0609020204030204" pitchFamily="49" charset="0"/>
                 <a:cs typeface="Consolas" panose="020B0609020204030204" pitchFamily="49" charset="0"/>
               </a:rPr>
@@ -10583,105 +10119,49 @@
               </a:spcBef>
               <a:buNone/>
             </a:pPr>
-            <a:r>
-              <a:rPr lang="en-US" sz="1400" dirty="0" smtClean="0">
-                <a:latin typeface="Consolas" panose="020B0609020204030204" pitchFamily="49" charset="0"/>
-                <a:cs typeface="Consolas" panose="020B0609020204030204" pitchFamily="49" charset="0"/>
-              </a:rPr>
-              <a:t>	}</a:t>
-            </a:r>
-          </a:p>
-          <a:p>
-            <a:pPr marL="0" indent="0">
+            <a:endParaRPr lang="en-US" dirty="0">
+              <a:latin typeface="Consolas" panose="020B0609020204030204" pitchFamily="49" charset="0"/>
+              <a:cs typeface="Consolas" panose="020B0609020204030204" pitchFamily="49" charset="0"/>
+            </a:endParaRPr>
+          </a:p>
+          <a:p>
+            <a:pPr>
               <a:lnSpc>
                 <a:spcPct val="120000"/>
               </a:lnSpc>
               <a:spcBef>
                 <a:spcPts val="0"/>
               </a:spcBef>
-              <a:buNone/>
             </a:pPr>
             <a:r>
-              <a:rPr lang="en-US" sz="1400" dirty="0">
-                <a:latin typeface="Consolas" panose="020B0609020204030204" pitchFamily="49" charset="0"/>
-                <a:cs typeface="Consolas" panose="020B0609020204030204" pitchFamily="49" charset="0"/>
-              </a:rPr>
-              <a:t>	</a:t>
-            </a:r>
-            <a:r>
-              <a:rPr lang="en-US" sz="1400" dirty="0" smtClean="0">
-                <a:latin typeface="Consolas" panose="020B0609020204030204" pitchFamily="49" charset="0"/>
-                <a:cs typeface="Consolas" panose="020B0609020204030204" pitchFamily="49" charset="0"/>
-              </a:rPr>
-              <a:t>else {</a:t>
-            </a:r>
-          </a:p>
-          <a:p>
-            <a:pPr marL="0" indent="0">
-              <a:lnSpc>
-                <a:spcPct val="120000"/>
-              </a:lnSpc>
-              <a:spcBef>
-                <a:spcPts val="0"/>
-              </a:spcBef>
-              <a:buNone/>
-            </a:pPr>
-            <a:r>
-              <a:rPr lang="en-US" sz="1400" dirty="0">
-                <a:latin typeface="Consolas" panose="020B0609020204030204" pitchFamily="49" charset="0"/>
-                <a:cs typeface="Consolas" panose="020B0609020204030204" pitchFamily="49" charset="0"/>
-              </a:rPr>
-              <a:t>		</a:t>
-            </a:r>
-            <a:r>
-              <a:rPr lang="en-US" sz="1400" dirty="0" smtClean="0">
-                <a:latin typeface="Consolas" panose="020B0609020204030204" pitchFamily="49" charset="0"/>
-                <a:cs typeface="Consolas" panose="020B0609020204030204" pitchFamily="49" charset="0"/>
-              </a:rPr>
-              <a:t>//play with boring keyboard!</a:t>
-            </a:r>
-          </a:p>
-          <a:p>
-            <a:pPr marL="0" indent="0">
-              <a:lnSpc>
-                <a:spcPct val="120000"/>
-              </a:lnSpc>
-              <a:spcBef>
-                <a:spcPts val="0"/>
-              </a:spcBef>
-              <a:buNone/>
-            </a:pPr>
-            <a:r>
-              <a:rPr lang="en-US" sz="1400" dirty="0">
-                <a:latin typeface="Consolas" panose="020B0609020204030204" pitchFamily="49" charset="0"/>
-                <a:cs typeface="Consolas" panose="020B0609020204030204" pitchFamily="49" charset="0"/>
-              </a:rPr>
-              <a:t>	</a:t>
-            </a:r>
-            <a:r>
-              <a:rPr lang="en-US" sz="1400" dirty="0" smtClean="0">
-                <a:latin typeface="Consolas" panose="020B0609020204030204" pitchFamily="49" charset="0"/>
-                <a:cs typeface="Consolas" panose="020B0609020204030204" pitchFamily="49" charset="0"/>
-              </a:rPr>
-              <a:t>}</a:t>
-            </a:r>
-          </a:p>
-          <a:p>
-            <a:pPr marL="0" indent="0">
-              <a:lnSpc>
-                <a:spcPct val="120000"/>
-              </a:lnSpc>
-              <a:spcBef>
-                <a:spcPts val="0"/>
-              </a:spcBef>
-              <a:buNone/>
-            </a:pPr>
-            <a:r>
-              <a:rPr lang="en-US" sz="1400" dirty="0" smtClean="0">
-                <a:latin typeface="Consolas" panose="020B0609020204030204" pitchFamily="49" charset="0"/>
-                <a:cs typeface="Consolas" panose="020B0609020204030204" pitchFamily="49" charset="0"/>
-              </a:rPr>
-              <a:t>}</a:t>
+              <a:rPr lang="en-US" sz="5100" dirty="0" smtClean="0">
+                <a:cs typeface="Consolas" panose="020B0609020204030204" pitchFamily="49" charset="0"/>
+              </a:rPr>
+              <a:t>Swap </a:t>
+            </a:r>
+            <a:r>
+              <a:rPr lang="en-US" sz="5100" dirty="0" err="1" smtClean="0">
+                <a:cs typeface="Consolas" panose="020B0609020204030204" pitchFamily="49" charset="0"/>
+              </a:rPr>
+              <a:t>mousePointer</a:t>
+            </a:r>
+            <a:r>
+              <a:rPr lang="en-US" sz="5100" dirty="0" smtClean="0">
+                <a:cs typeface="Consolas" panose="020B0609020204030204" pitchFamily="49" charset="0"/>
+              </a:rPr>
+              <a:t> with </a:t>
+            </a:r>
+            <a:r>
+              <a:rPr lang="en-US" sz="5100" dirty="0" err="1" smtClean="0">
+                <a:cs typeface="Consolas" panose="020B0609020204030204" pitchFamily="49" charset="0"/>
+              </a:rPr>
+              <a:t>activePointer</a:t>
+            </a:r>
+            <a:r>
+              <a:rPr lang="en-US" sz="5100" dirty="0" smtClean="0">
+                <a:cs typeface="Consolas" panose="020B0609020204030204" pitchFamily="49" charset="0"/>
+              </a:rPr>
+              <a:t> to capture any active pointer (works with mouse and touch inputs)</a:t>
             </a:r>
           </a:p>
         </p:txBody>
@@ -10748,7 +10228,7 @@
     </p:spTree>
     <p:extLst>
       <p:ext uri="{BB962C8B-B14F-4D97-AF65-F5344CB8AC3E}">
-        <p14:creationId xmlns:p14="http://schemas.microsoft.com/office/powerpoint/2010/main" val="1566433481"/>
+        <p14:creationId xmlns:p14="http://schemas.microsoft.com/office/powerpoint/2010/main" val="4174560926"/>
       </p:ext>
     </p:extLst>
   </p:cSld>
@@ -10801,10 +10281,152 @@
           <a:p>
             <a:pPr algn="ctr"/>
             <a:r>
-              <a:rPr lang="en-GB" sz="4000" dirty="0"/>
-              <a:t>Dissecting the mummy</a:t>
+              <a:rPr lang="en-US" sz="4000" dirty="0" smtClean="0"/>
+              <a:t>Input: Multi-touch</a:t>
             </a:r>
             <a:endParaRPr lang="en-US" sz="4000" dirty="0"/>
+          </a:p>
+        </p:txBody>
+      </p:sp>
+      <p:sp>
+        <p:nvSpPr>
+          <p:cNvPr id="3" name="Segnaposto contenuto 2"/>
+          <p:cNvSpPr>
+            <a:spLocks noGrp="1"/>
+          </p:cNvSpPr>
+          <p:nvPr>
+            <p:ph idx="1"/>
+          </p:nvPr>
+        </p:nvSpPr>
+        <p:spPr/>
+        <p:txBody>
+          <a:bodyPr>
+            <a:normAutofit/>
+          </a:bodyPr>
+          <a:lstStyle/>
+          <a:p>
+            <a:pPr>
+              <a:lnSpc>
+                <a:spcPct val="120000"/>
+              </a:lnSpc>
+              <a:spcBef>
+                <a:spcPts val="0"/>
+              </a:spcBef>
+            </a:pPr>
+            <a:r>
+              <a:rPr lang="en-US" dirty="0" smtClean="0">
+                <a:cs typeface="Consolas" panose="020B0609020204030204" pitchFamily="49" charset="0"/>
+              </a:rPr>
+              <a:t>Supports 10 pointers (= fingers)!</a:t>
+            </a:r>
+          </a:p>
+          <a:p>
+            <a:pPr>
+              <a:lnSpc>
+                <a:spcPct val="120000"/>
+              </a:lnSpc>
+              <a:spcBef>
+                <a:spcPts val="0"/>
+              </a:spcBef>
+            </a:pPr>
+            <a:r>
+              <a:rPr lang="en-US" dirty="0" smtClean="0">
+                <a:cs typeface="Consolas" panose="020B0609020204030204" pitchFamily="49" charset="0"/>
+              </a:rPr>
+              <a:t>Two pointers are already available</a:t>
+            </a:r>
+          </a:p>
+          <a:p>
+            <a:pPr>
+              <a:lnSpc>
+                <a:spcPct val="120000"/>
+              </a:lnSpc>
+              <a:spcBef>
+                <a:spcPts val="0"/>
+              </a:spcBef>
+            </a:pPr>
+            <a:r>
+              <a:rPr lang="en-US" dirty="0" smtClean="0">
+                <a:cs typeface="Consolas" panose="020B0609020204030204" pitchFamily="49" charset="0"/>
+              </a:rPr>
+              <a:t>Add another pointer</a:t>
+            </a:r>
+          </a:p>
+          <a:p>
+            <a:pPr marL="457200" lvl="1" indent="0">
+              <a:lnSpc>
+                <a:spcPct val="120000"/>
+              </a:lnSpc>
+              <a:spcBef>
+                <a:spcPts val="0"/>
+              </a:spcBef>
+              <a:buNone/>
+            </a:pPr>
+            <a:r>
+              <a:rPr lang="en-US" sz="2000" dirty="0" err="1" smtClean="0">
+                <a:latin typeface="Consolas" panose="020B0609020204030204" pitchFamily="49" charset="0"/>
+                <a:cs typeface="Consolas" panose="020B0609020204030204" pitchFamily="49" charset="0"/>
+              </a:rPr>
+              <a:t>game.input.addPointer</a:t>
+            </a:r>
+            <a:r>
+              <a:rPr lang="en-US" sz="2000" dirty="0" smtClean="0">
+                <a:latin typeface="Consolas" panose="020B0609020204030204" pitchFamily="49" charset="0"/>
+                <a:cs typeface="Consolas" panose="020B0609020204030204" pitchFamily="49" charset="0"/>
+              </a:rPr>
+              <a:t>();</a:t>
+            </a:r>
+          </a:p>
+          <a:p>
+            <a:pPr>
+              <a:lnSpc>
+                <a:spcPct val="120000"/>
+              </a:lnSpc>
+              <a:spcBef>
+                <a:spcPts val="0"/>
+              </a:spcBef>
+            </a:pPr>
+            <a:r>
+              <a:rPr lang="en-US" dirty="0" smtClean="0">
+                <a:cs typeface="Consolas" panose="020B0609020204030204" pitchFamily="49" charset="0"/>
+              </a:rPr>
+              <a:t>Read different pointers</a:t>
+            </a:r>
+          </a:p>
+          <a:p>
+            <a:pPr marL="457200" lvl="1" indent="0">
+              <a:lnSpc>
+                <a:spcPct val="120000"/>
+              </a:lnSpc>
+              <a:spcBef>
+                <a:spcPts val="0"/>
+              </a:spcBef>
+              <a:buNone/>
+            </a:pPr>
+            <a:r>
+              <a:rPr lang="en-US" sz="2000" dirty="0" smtClean="0">
+                <a:latin typeface="Consolas" panose="020B0609020204030204" pitchFamily="49" charset="0"/>
+                <a:cs typeface="Consolas" panose="020B0609020204030204" pitchFamily="49" charset="0"/>
+              </a:rPr>
+              <a:t>game.input.pointer3;</a:t>
+            </a:r>
+            <a:r>
+              <a:rPr lang="en-US" dirty="0" smtClean="0">
+                <a:cs typeface="Consolas" panose="020B0609020204030204" pitchFamily="49" charset="0"/>
+              </a:rPr>
+              <a:t> or </a:t>
+            </a:r>
+            <a:r>
+              <a:rPr lang="en-US" sz="2000" dirty="0" smtClean="0">
+                <a:latin typeface="Consolas" panose="020B0609020204030204" pitchFamily="49" charset="0"/>
+                <a:cs typeface="Consolas" panose="020B0609020204030204" pitchFamily="49" charset="0"/>
+              </a:rPr>
+              <a:t>game.input.pointer4;</a:t>
+            </a:r>
+            <a:endParaRPr lang="en-US" sz="2000" dirty="0">
+              <a:latin typeface="Consolas" panose="020B0609020204030204" pitchFamily="49" charset="0"/>
+              <a:cs typeface="Consolas" panose="020B0609020204030204" pitchFamily="49" charset="0"/>
+            </a:endParaRPr>
           </a:p>
         </p:txBody>
       </p:sp>
@@ -10862,6 +10484,735 @@
             <a:fld id="{219C0E88-5C08-45F5-BD91-E93F425D2D58}" type="slidenum">
               <a:rPr lang="it-IT" smtClean="0"/>
               <a:t>24</a:t>
+            </a:fld>
+            <a:endParaRPr lang="it-IT" dirty="0"/>
+          </a:p>
+        </p:txBody>
+      </p:sp>
+    </p:spTree>
+    <p:extLst>
+      <p:ext uri="{BB962C8B-B14F-4D97-AF65-F5344CB8AC3E}">
+        <p14:creationId xmlns:p14="http://schemas.microsoft.com/office/powerpoint/2010/main" val="1177716729"/>
+      </p:ext>
+    </p:extLst>
+  </p:cSld>
+  <p:clrMapOvr>
+    <a:masterClrMapping/>
+  </p:clrMapOvr>
+  <p:timing>
+    <p:tnLst>
+      <p:par>
+        <p:cTn id="1" dur="indefinite" restart="never" nodeType="tmRoot"/>
+      </p:par>
+    </p:tnLst>
+  </p:timing>
+</p:sld>
+</file>
+
+<file path=ppt/slides/slide25.xml><?xml version="1.0" encoding="utf-8"?>
+<p:sld xmlns:a="http://schemas.openxmlformats.org/drawingml/2006/main" xmlns:r="http://schemas.openxmlformats.org/officeDocument/2006/relationships" xmlns:p="http://schemas.openxmlformats.org/presentationml/2006/main">
+  <p:cSld>
+    <p:spTree>
+      <p:nvGrpSpPr>
+        <p:cNvPr id="1" name=""/>
+        <p:cNvGrpSpPr/>
+        <p:nvPr/>
+      </p:nvGrpSpPr>
+      <p:grpSpPr>
+        <a:xfrm>
+          <a:off x="0" y="0"/>
+          <a:ext cx="0" cy="0"/>
+          <a:chOff x="0" y="0"/>
+          <a:chExt cx="0" cy="0"/>
+        </a:xfrm>
+      </p:grpSpPr>
+      <p:sp>
+        <p:nvSpPr>
+          <p:cNvPr id="2" name="Titolo 1"/>
+          <p:cNvSpPr>
+            <a:spLocks noGrp="1"/>
+          </p:cNvSpPr>
+          <p:nvPr>
+            <p:ph type="title"/>
+          </p:nvPr>
+        </p:nvSpPr>
+        <p:spPr/>
+        <p:txBody>
+          <a:bodyPr>
+            <a:normAutofit/>
+          </a:bodyPr>
+          <a:lstStyle/>
+          <a:p>
+            <a:pPr algn="ctr"/>
+            <a:r>
+              <a:rPr lang="en-US" sz="4000" dirty="0" smtClean="0"/>
+              <a:t>Input: Gamepad</a:t>
+            </a:r>
+            <a:endParaRPr lang="en-US" sz="4000" dirty="0"/>
+          </a:p>
+        </p:txBody>
+      </p:sp>
+      <p:sp>
+        <p:nvSpPr>
+          <p:cNvPr id="3" name="Segnaposto contenuto 2"/>
+          <p:cNvSpPr>
+            <a:spLocks noGrp="1"/>
+          </p:cNvSpPr>
+          <p:nvPr>
+            <p:ph idx="1"/>
+          </p:nvPr>
+        </p:nvSpPr>
+        <p:spPr/>
+        <p:txBody>
+          <a:bodyPr>
+            <a:noAutofit/>
+          </a:bodyPr>
+          <a:lstStyle/>
+          <a:p>
+            <a:pPr marL="0" indent="0">
+              <a:lnSpc>
+                <a:spcPct val="120000"/>
+              </a:lnSpc>
+              <a:spcBef>
+                <a:spcPts val="0"/>
+              </a:spcBef>
+              <a:buNone/>
+            </a:pPr>
+            <a:r>
+              <a:rPr lang="en-US" sz="1400" dirty="0">
+                <a:latin typeface="Consolas" panose="020B0609020204030204" pitchFamily="49" charset="0"/>
+                <a:cs typeface="Consolas" panose="020B0609020204030204" pitchFamily="49" charset="0"/>
+              </a:rPr>
+              <a:t>f</a:t>
+            </a:r>
+            <a:r>
+              <a:rPr lang="en-US" sz="1400" dirty="0" smtClean="0">
+                <a:latin typeface="Consolas" panose="020B0609020204030204" pitchFamily="49" charset="0"/>
+                <a:cs typeface="Consolas" panose="020B0609020204030204" pitchFamily="49" charset="0"/>
+              </a:rPr>
+              <a:t>unction create</a:t>
+            </a:r>
+            <a:r>
+              <a:rPr lang="en-US" sz="1400" dirty="0">
+                <a:latin typeface="Consolas" panose="020B0609020204030204" pitchFamily="49" charset="0"/>
+                <a:cs typeface="Consolas" panose="020B0609020204030204" pitchFamily="49" charset="0"/>
+              </a:rPr>
+              <a:t>() </a:t>
+            </a:r>
+            <a:r>
+              <a:rPr lang="en-US" sz="1400" dirty="0" smtClean="0">
+                <a:latin typeface="Consolas" panose="020B0609020204030204" pitchFamily="49" charset="0"/>
+                <a:cs typeface="Consolas" panose="020B0609020204030204" pitchFamily="49" charset="0"/>
+              </a:rPr>
+              <a:t>{</a:t>
+            </a:r>
+          </a:p>
+          <a:p>
+            <a:pPr marL="0" indent="0">
+              <a:lnSpc>
+                <a:spcPct val="120000"/>
+              </a:lnSpc>
+              <a:spcBef>
+                <a:spcPts val="0"/>
+              </a:spcBef>
+              <a:buNone/>
+            </a:pPr>
+            <a:r>
+              <a:rPr lang="en-US" sz="1400" dirty="0" smtClean="0">
+                <a:latin typeface="Consolas" panose="020B0609020204030204" pitchFamily="49" charset="0"/>
+                <a:cs typeface="Consolas" panose="020B0609020204030204" pitchFamily="49" charset="0"/>
+              </a:rPr>
+              <a:t>	</a:t>
+            </a:r>
+            <a:r>
+              <a:rPr lang="en-US" sz="1400" dirty="0" err="1" smtClean="0">
+                <a:latin typeface="Consolas" panose="020B0609020204030204" pitchFamily="49" charset="0"/>
+                <a:cs typeface="Consolas" panose="020B0609020204030204" pitchFamily="49" charset="0"/>
+              </a:rPr>
+              <a:t>game.input.gamepad.start</a:t>
+            </a:r>
+            <a:r>
+              <a:rPr lang="en-US" sz="1400" dirty="0">
+                <a:latin typeface="Consolas" panose="020B0609020204030204" pitchFamily="49" charset="0"/>
+                <a:cs typeface="Consolas" panose="020B0609020204030204" pitchFamily="49" charset="0"/>
+              </a:rPr>
+              <a:t>();</a:t>
+            </a:r>
+          </a:p>
+          <a:p>
+            <a:pPr marL="0" indent="0">
+              <a:lnSpc>
+                <a:spcPct val="120000"/>
+              </a:lnSpc>
+              <a:spcBef>
+                <a:spcPts val="0"/>
+              </a:spcBef>
+              <a:buNone/>
+            </a:pPr>
+            <a:r>
+              <a:rPr lang="en-US" sz="1400" dirty="0" smtClean="0">
+                <a:latin typeface="Consolas" panose="020B0609020204030204" pitchFamily="49" charset="0"/>
+                <a:cs typeface="Consolas" panose="020B0609020204030204" pitchFamily="49" charset="0"/>
+              </a:rPr>
+              <a:t>	pad1 </a:t>
+            </a:r>
+            <a:r>
+              <a:rPr lang="en-US" sz="1400" dirty="0">
+                <a:latin typeface="Consolas" panose="020B0609020204030204" pitchFamily="49" charset="0"/>
+                <a:cs typeface="Consolas" panose="020B0609020204030204" pitchFamily="49" charset="0"/>
+              </a:rPr>
+              <a:t>= game.input.gamepad.pad1</a:t>
+            </a:r>
+            <a:r>
+              <a:rPr lang="en-US" sz="1400" dirty="0" smtClean="0">
+                <a:latin typeface="Consolas" panose="020B0609020204030204" pitchFamily="49" charset="0"/>
+                <a:cs typeface="Consolas" panose="020B0609020204030204" pitchFamily="49" charset="0"/>
+              </a:rPr>
+              <a:t>;</a:t>
+            </a:r>
+          </a:p>
+          <a:p>
+            <a:pPr marL="0" indent="0">
+              <a:lnSpc>
+                <a:spcPct val="120000"/>
+              </a:lnSpc>
+              <a:spcBef>
+                <a:spcPts val="0"/>
+              </a:spcBef>
+              <a:buNone/>
+            </a:pPr>
+            <a:r>
+              <a:rPr lang="en-US" sz="1400" dirty="0" smtClean="0">
+                <a:latin typeface="Consolas" panose="020B0609020204030204" pitchFamily="49" charset="0"/>
+                <a:cs typeface="Consolas" panose="020B0609020204030204" pitchFamily="49" charset="0"/>
+              </a:rPr>
+              <a:t>}</a:t>
+            </a:r>
+          </a:p>
+          <a:p>
+            <a:pPr marL="0" indent="0">
+              <a:lnSpc>
+                <a:spcPct val="120000"/>
+              </a:lnSpc>
+              <a:spcBef>
+                <a:spcPts val="0"/>
+              </a:spcBef>
+              <a:buNone/>
+            </a:pPr>
+            <a:r>
+              <a:rPr lang="en-US" sz="1400" dirty="0">
+                <a:latin typeface="Consolas" panose="020B0609020204030204" pitchFamily="49" charset="0"/>
+                <a:cs typeface="Consolas" panose="020B0609020204030204" pitchFamily="49" charset="0"/>
+              </a:rPr>
+              <a:t>f</a:t>
+            </a:r>
+            <a:r>
+              <a:rPr lang="en-US" sz="1400" dirty="0" smtClean="0">
+                <a:latin typeface="Consolas" panose="020B0609020204030204" pitchFamily="49" charset="0"/>
+                <a:cs typeface="Consolas" panose="020B0609020204030204" pitchFamily="49" charset="0"/>
+              </a:rPr>
+              <a:t>unction update() {</a:t>
+            </a:r>
+          </a:p>
+          <a:p>
+            <a:pPr marL="0" indent="0">
+              <a:lnSpc>
+                <a:spcPct val="120000"/>
+              </a:lnSpc>
+              <a:spcBef>
+                <a:spcPts val="0"/>
+              </a:spcBef>
+              <a:buNone/>
+            </a:pPr>
+            <a:r>
+              <a:rPr lang="en-US" sz="1400" dirty="0" smtClean="0">
+                <a:latin typeface="Consolas" panose="020B0609020204030204" pitchFamily="49" charset="0"/>
+                <a:cs typeface="Consolas" panose="020B0609020204030204" pitchFamily="49" charset="0"/>
+              </a:rPr>
+              <a:t>	if </a:t>
+            </a:r>
+            <a:r>
+              <a:rPr lang="en-US" sz="1400" dirty="0">
+                <a:latin typeface="Consolas" panose="020B0609020204030204" pitchFamily="49" charset="0"/>
+                <a:cs typeface="Consolas" panose="020B0609020204030204" pitchFamily="49" charset="0"/>
+              </a:rPr>
+              <a:t>(</a:t>
+            </a:r>
+            <a:r>
+              <a:rPr lang="en-US" sz="1400" dirty="0" err="1" smtClean="0">
+                <a:latin typeface="Consolas" panose="020B0609020204030204" pitchFamily="49" charset="0"/>
+                <a:cs typeface="Consolas" panose="020B0609020204030204" pitchFamily="49" charset="0"/>
+              </a:rPr>
+              <a:t>game.input.gamepad.supported</a:t>
+            </a:r>
+            <a:r>
+              <a:rPr lang="en-US" sz="1400" dirty="0" smtClean="0">
+                <a:latin typeface="Consolas" panose="020B0609020204030204" pitchFamily="49" charset="0"/>
+                <a:cs typeface="Consolas" panose="020B0609020204030204" pitchFamily="49" charset="0"/>
+              </a:rPr>
+              <a:t> </a:t>
+            </a:r>
+          </a:p>
+          <a:p>
+            <a:pPr marL="0" indent="0">
+              <a:lnSpc>
+                <a:spcPct val="120000"/>
+              </a:lnSpc>
+              <a:spcBef>
+                <a:spcPts val="0"/>
+              </a:spcBef>
+              <a:buNone/>
+            </a:pPr>
+            <a:r>
+              <a:rPr lang="en-US" sz="1400" dirty="0" smtClean="0">
+                <a:latin typeface="Consolas" panose="020B0609020204030204" pitchFamily="49" charset="0"/>
+                <a:cs typeface="Consolas" panose="020B0609020204030204" pitchFamily="49" charset="0"/>
+              </a:rPr>
+              <a:t>		&amp;&amp; </a:t>
+            </a:r>
+            <a:r>
+              <a:rPr lang="en-US" sz="1400" dirty="0" err="1" smtClean="0">
+                <a:latin typeface="Consolas" panose="020B0609020204030204" pitchFamily="49" charset="0"/>
+                <a:cs typeface="Consolas" panose="020B0609020204030204" pitchFamily="49" charset="0"/>
+              </a:rPr>
+              <a:t>game.input.gamepad.active</a:t>
+            </a:r>
+            <a:r>
+              <a:rPr lang="en-US" sz="1400" dirty="0" smtClean="0">
+                <a:latin typeface="Consolas" panose="020B0609020204030204" pitchFamily="49" charset="0"/>
+                <a:cs typeface="Consolas" panose="020B0609020204030204" pitchFamily="49" charset="0"/>
+              </a:rPr>
+              <a:t> </a:t>
+            </a:r>
+          </a:p>
+          <a:p>
+            <a:pPr marL="0" indent="0">
+              <a:lnSpc>
+                <a:spcPct val="120000"/>
+              </a:lnSpc>
+              <a:spcBef>
+                <a:spcPts val="0"/>
+              </a:spcBef>
+              <a:buNone/>
+            </a:pPr>
+            <a:r>
+              <a:rPr lang="en-US" sz="1400" dirty="0" smtClean="0">
+                <a:latin typeface="Consolas" panose="020B0609020204030204" pitchFamily="49" charset="0"/>
+                <a:cs typeface="Consolas" panose="020B0609020204030204" pitchFamily="49" charset="0"/>
+              </a:rPr>
+              <a:t>		&amp;&amp; pad1.connected</a:t>
+            </a:r>
+            <a:r>
+              <a:rPr lang="en-US" sz="1400" dirty="0">
+                <a:latin typeface="Consolas" panose="020B0609020204030204" pitchFamily="49" charset="0"/>
+                <a:cs typeface="Consolas" panose="020B0609020204030204" pitchFamily="49" charset="0"/>
+              </a:rPr>
+              <a:t>) </a:t>
+            </a:r>
+            <a:r>
+              <a:rPr lang="en-US" sz="1400" dirty="0" smtClean="0">
+                <a:latin typeface="Consolas" panose="020B0609020204030204" pitchFamily="49" charset="0"/>
+                <a:cs typeface="Consolas" panose="020B0609020204030204" pitchFamily="49" charset="0"/>
+              </a:rPr>
+              <a:t>{</a:t>
+            </a:r>
+          </a:p>
+          <a:p>
+            <a:pPr marL="0" indent="0">
+              <a:lnSpc>
+                <a:spcPct val="120000"/>
+              </a:lnSpc>
+              <a:spcBef>
+                <a:spcPts val="0"/>
+              </a:spcBef>
+              <a:buNone/>
+            </a:pPr>
+            <a:r>
+              <a:rPr lang="en-US" sz="1400" dirty="0">
+                <a:latin typeface="Consolas" panose="020B0609020204030204" pitchFamily="49" charset="0"/>
+                <a:cs typeface="Consolas" panose="020B0609020204030204" pitchFamily="49" charset="0"/>
+              </a:rPr>
+              <a:t>	</a:t>
+            </a:r>
+            <a:r>
+              <a:rPr lang="en-US" sz="1400" dirty="0" smtClean="0">
+                <a:latin typeface="Consolas" panose="020B0609020204030204" pitchFamily="49" charset="0"/>
+                <a:cs typeface="Consolas" panose="020B0609020204030204" pitchFamily="49" charset="0"/>
+              </a:rPr>
+              <a:t>	//play with gamepad!</a:t>
+            </a:r>
+          </a:p>
+          <a:p>
+            <a:pPr marL="0" indent="0">
+              <a:lnSpc>
+                <a:spcPct val="120000"/>
+              </a:lnSpc>
+              <a:spcBef>
+                <a:spcPts val="0"/>
+              </a:spcBef>
+              <a:buNone/>
+            </a:pPr>
+            <a:r>
+              <a:rPr lang="en-US" sz="1400" dirty="0" smtClean="0">
+                <a:latin typeface="Consolas" panose="020B0609020204030204" pitchFamily="49" charset="0"/>
+                <a:cs typeface="Consolas" panose="020B0609020204030204" pitchFamily="49" charset="0"/>
+              </a:rPr>
+              <a:t>		if </a:t>
+            </a:r>
+            <a:r>
+              <a:rPr lang="en-US" sz="1400" dirty="0">
+                <a:latin typeface="Consolas" panose="020B0609020204030204" pitchFamily="49" charset="0"/>
+                <a:cs typeface="Consolas" panose="020B0609020204030204" pitchFamily="49" charset="0"/>
+              </a:rPr>
+              <a:t>(pad1.isDown(Phaser.Gamepad.XBOX360_DPAD_LEFT)) { … }</a:t>
+            </a:r>
+          </a:p>
+          <a:p>
+            <a:pPr marL="0" indent="0">
+              <a:lnSpc>
+                <a:spcPct val="120000"/>
+              </a:lnSpc>
+              <a:spcBef>
+                <a:spcPts val="0"/>
+              </a:spcBef>
+              <a:buNone/>
+            </a:pPr>
+            <a:r>
+              <a:rPr lang="en-US" sz="1400" dirty="0" smtClean="0">
+                <a:latin typeface="Consolas" panose="020B0609020204030204" pitchFamily="49" charset="0"/>
+                <a:cs typeface="Consolas" panose="020B0609020204030204" pitchFamily="49" charset="0"/>
+              </a:rPr>
+              <a:t>		if </a:t>
+            </a:r>
+            <a:r>
+              <a:rPr lang="en-US" sz="1400" dirty="0">
+                <a:latin typeface="Consolas" panose="020B0609020204030204" pitchFamily="49" charset="0"/>
+                <a:cs typeface="Consolas" panose="020B0609020204030204" pitchFamily="49" charset="0"/>
+              </a:rPr>
+              <a:t>(pad1.axis(Phaser.Gamepad.XBOX360_STICK_LEFT_X)) { … }</a:t>
+            </a:r>
+          </a:p>
+          <a:p>
+            <a:pPr marL="0" indent="0">
+              <a:lnSpc>
+                <a:spcPct val="120000"/>
+              </a:lnSpc>
+              <a:spcBef>
+                <a:spcPts val="0"/>
+              </a:spcBef>
+              <a:buNone/>
+            </a:pPr>
+            <a:r>
+              <a:rPr lang="en-US" sz="1400" dirty="0" smtClean="0">
+                <a:latin typeface="Consolas" panose="020B0609020204030204" pitchFamily="49" charset="0"/>
+                <a:cs typeface="Consolas" panose="020B0609020204030204" pitchFamily="49" charset="0"/>
+              </a:rPr>
+              <a:t>		if </a:t>
+            </a:r>
+            <a:r>
+              <a:rPr lang="en-US" sz="1400" dirty="0">
+                <a:latin typeface="Consolas" panose="020B0609020204030204" pitchFamily="49" charset="0"/>
+                <a:cs typeface="Consolas" panose="020B0609020204030204" pitchFamily="49" charset="0"/>
+              </a:rPr>
+              <a:t>(pad1.justPressed(Phaser.Gamepad.XBOX360_A)) { … </a:t>
+            </a:r>
+            <a:r>
+              <a:rPr lang="en-US" sz="1400" dirty="0" smtClean="0">
+                <a:latin typeface="Consolas" panose="020B0609020204030204" pitchFamily="49" charset="0"/>
+                <a:cs typeface="Consolas" panose="020B0609020204030204" pitchFamily="49" charset="0"/>
+              </a:rPr>
+              <a:t>}</a:t>
+            </a:r>
+          </a:p>
+          <a:p>
+            <a:pPr marL="0" indent="0">
+              <a:lnSpc>
+                <a:spcPct val="120000"/>
+              </a:lnSpc>
+              <a:spcBef>
+                <a:spcPts val="0"/>
+              </a:spcBef>
+              <a:buNone/>
+            </a:pPr>
+            <a:r>
+              <a:rPr lang="en-US" sz="1400" dirty="0" smtClean="0">
+                <a:latin typeface="Consolas" panose="020B0609020204030204" pitchFamily="49" charset="0"/>
+                <a:cs typeface="Consolas" panose="020B0609020204030204" pitchFamily="49" charset="0"/>
+              </a:rPr>
+              <a:t>	}</a:t>
+            </a:r>
+          </a:p>
+          <a:p>
+            <a:pPr marL="0" indent="0">
+              <a:lnSpc>
+                <a:spcPct val="120000"/>
+              </a:lnSpc>
+              <a:spcBef>
+                <a:spcPts val="0"/>
+              </a:spcBef>
+              <a:buNone/>
+            </a:pPr>
+            <a:r>
+              <a:rPr lang="en-US" sz="1400" dirty="0">
+                <a:latin typeface="Consolas" panose="020B0609020204030204" pitchFamily="49" charset="0"/>
+                <a:cs typeface="Consolas" panose="020B0609020204030204" pitchFamily="49" charset="0"/>
+              </a:rPr>
+              <a:t>	</a:t>
+            </a:r>
+            <a:r>
+              <a:rPr lang="en-US" sz="1400" dirty="0" smtClean="0">
+                <a:latin typeface="Consolas" panose="020B0609020204030204" pitchFamily="49" charset="0"/>
+                <a:cs typeface="Consolas" panose="020B0609020204030204" pitchFamily="49" charset="0"/>
+              </a:rPr>
+              <a:t>else {</a:t>
+            </a:r>
+          </a:p>
+          <a:p>
+            <a:pPr marL="0" indent="0">
+              <a:lnSpc>
+                <a:spcPct val="120000"/>
+              </a:lnSpc>
+              <a:spcBef>
+                <a:spcPts val="0"/>
+              </a:spcBef>
+              <a:buNone/>
+            </a:pPr>
+            <a:r>
+              <a:rPr lang="en-US" sz="1400" dirty="0">
+                <a:latin typeface="Consolas" panose="020B0609020204030204" pitchFamily="49" charset="0"/>
+                <a:cs typeface="Consolas" panose="020B0609020204030204" pitchFamily="49" charset="0"/>
+              </a:rPr>
+              <a:t>		</a:t>
+            </a:r>
+            <a:r>
+              <a:rPr lang="en-US" sz="1400" dirty="0" smtClean="0">
+                <a:latin typeface="Consolas" panose="020B0609020204030204" pitchFamily="49" charset="0"/>
+                <a:cs typeface="Consolas" panose="020B0609020204030204" pitchFamily="49" charset="0"/>
+              </a:rPr>
+              <a:t>//play with boring keyboard!</a:t>
+            </a:r>
+          </a:p>
+          <a:p>
+            <a:pPr marL="0" indent="0">
+              <a:lnSpc>
+                <a:spcPct val="120000"/>
+              </a:lnSpc>
+              <a:spcBef>
+                <a:spcPts val="0"/>
+              </a:spcBef>
+              <a:buNone/>
+            </a:pPr>
+            <a:r>
+              <a:rPr lang="en-US" sz="1400" dirty="0">
+                <a:latin typeface="Consolas" panose="020B0609020204030204" pitchFamily="49" charset="0"/>
+                <a:cs typeface="Consolas" panose="020B0609020204030204" pitchFamily="49" charset="0"/>
+              </a:rPr>
+              <a:t>	</a:t>
+            </a:r>
+            <a:r>
+              <a:rPr lang="en-US" sz="1400" dirty="0" smtClean="0">
+                <a:latin typeface="Consolas" panose="020B0609020204030204" pitchFamily="49" charset="0"/>
+                <a:cs typeface="Consolas" panose="020B0609020204030204" pitchFamily="49" charset="0"/>
+              </a:rPr>
+              <a:t>}</a:t>
+            </a:r>
+          </a:p>
+          <a:p>
+            <a:pPr marL="0" indent="0">
+              <a:lnSpc>
+                <a:spcPct val="120000"/>
+              </a:lnSpc>
+              <a:spcBef>
+                <a:spcPts val="0"/>
+              </a:spcBef>
+              <a:buNone/>
+            </a:pPr>
+            <a:r>
+              <a:rPr lang="en-US" sz="1400" dirty="0" smtClean="0">
+                <a:latin typeface="Consolas" panose="020B0609020204030204" pitchFamily="49" charset="0"/>
+                <a:cs typeface="Consolas" panose="020B0609020204030204" pitchFamily="49" charset="0"/>
+              </a:rPr>
+              <a:t>}</a:t>
+            </a:r>
+          </a:p>
+        </p:txBody>
+      </p:sp>
+      <p:sp>
+        <p:nvSpPr>
+          <p:cNvPr id="4" name="Segnaposto data 3"/>
+          <p:cNvSpPr>
+            <a:spLocks noGrp="1"/>
+          </p:cNvSpPr>
+          <p:nvPr>
+            <p:ph type="dt" sz="half" idx="10"/>
+          </p:nvPr>
+        </p:nvSpPr>
+        <p:spPr>
+          <a:xfrm>
+            <a:off x="539552" y="115094"/>
+            <a:ext cx="3233886" cy="365125"/>
+          </a:xfrm>
+        </p:spPr>
+        <p:txBody>
+          <a:bodyPr/>
+          <a:lstStyle/>
+          <a:p>
+            <a:r>
+              <a:rPr lang="en-US" b="1" i="1" smtClean="0">
+                <a:solidFill>
+                  <a:schemeClr val="bg1"/>
+                </a:solidFill>
+              </a:rPr>
+              <a:t>ROME  11-12 april 2014 – Valerio Riva</a:t>
+            </a:r>
+            <a:endParaRPr lang="it-IT" b="1" i="1" dirty="0">
+              <a:solidFill>
+                <a:schemeClr val="bg1"/>
+              </a:solidFill>
+            </a:endParaRPr>
+          </a:p>
+        </p:txBody>
+      </p:sp>
+      <p:sp>
+        <p:nvSpPr>
+          <p:cNvPr id="5" name="Segnaposto numero diapositiva 4"/>
+          <p:cNvSpPr>
+            <a:spLocks noGrp="1"/>
+          </p:cNvSpPr>
+          <p:nvPr>
+            <p:ph type="sldNum" sz="quarter" idx="12"/>
+          </p:nvPr>
+        </p:nvSpPr>
+        <p:spPr/>
+        <p:txBody>
+          <a:bodyPr/>
+          <a:lstStyle/>
+          <a:p>
+            <a:fld id="{219C0E88-5C08-45F5-BD91-E93F425D2D58}" type="slidenum">
+              <a:rPr lang="it-IT" smtClean="0"/>
+              <a:t>25</a:t>
+            </a:fld>
+            <a:endParaRPr lang="it-IT" dirty="0"/>
+          </a:p>
+        </p:txBody>
+      </p:sp>
+    </p:spTree>
+    <p:extLst>
+      <p:ext uri="{BB962C8B-B14F-4D97-AF65-F5344CB8AC3E}">
+        <p14:creationId xmlns:p14="http://schemas.microsoft.com/office/powerpoint/2010/main" val="1566433481"/>
+      </p:ext>
+    </p:extLst>
+  </p:cSld>
+  <p:clrMapOvr>
+    <a:masterClrMapping/>
+  </p:clrMapOvr>
+  <p:timing>
+    <p:tnLst>
+      <p:par>
+        <p:cTn id="1" dur="indefinite" restart="never" nodeType="tmRoot"/>
+      </p:par>
+    </p:tnLst>
+  </p:timing>
+</p:sld>
+</file>
+
+<file path=ppt/slides/slide26.xml><?xml version="1.0" encoding="utf-8"?>
+<p:sld xmlns:a="http://schemas.openxmlformats.org/drawingml/2006/main" xmlns:r="http://schemas.openxmlformats.org/officeDocument/2006/relationships" xmlns:p="http://schemas.openxmlformats.org/presentationml/2006/main">
+  <p:cSld>
+    <p:spTree>
+      <p:nvGrpSpPr>
+        <p:cNvPr id="1" name=""/>
+        <p:cNvGrpSpPr/>
+        <p:nvPr/>
+      </p:nvGrpSpPr>
+      <p:grpSpPr>
+        <a:xfrm>
+          <a:off x="0" y="0"/>
+          <a:ext cx="0" cy="0"/>
+          <a:chOff x="0" y="0"/>
+          <a:chExt cx="0" cy="0"/>
+        </a:xfrm>
+      </p:grpSpPr>
+      <p:sp>
+        <p:nvSpPr>
+          <p:cNvPr id="2" name="Titolo 1"/>
+          <p:cNvSpPr>
+            <a:spLocks noGrp="1"/>
+          </p:cNvSpPr>
+          <p:nvPr>
+            <p:ph type="title"/>
+          </p:nvPr>
+        </p:nvSpPr>
+        <p:spPr/>
+        <p:txBody>
+          <a:bodyPr>
+            <a:normAutofit/>
+          </a:bodyPr>
+          <a:lstStyle/>
+          <a:p>
+            <a:pPr algn="ctr"/>
+            <a:r>
+              <a:rPr lang="en-GB" sz="4000" dirty="0"/>
+              <a:t>Dissecting the mummy</a:t>
+            </a:r>
+            <a:endParaRPr lang="en-US" sz="4000" dirty="0"/>
+          </a:p>
+        </p:txBody>
+      </p:sp>
+      <p:sp>
+        <p:nvSpPr>
+          <p:cNvPr id="4" name="Segnaposto data 3"/>
+          <p:cNvSpPr>
+            <a:spLocks noGrp="1"/>
+          </p:cNvSpPr>
+          <p:nvPr>
+            <p:ph type="dt" sz="half" idx="10"/>
+          </p:nvPr>
+        </p:nvSpPr>
+        <p:spPr>
+          <a:xfrm>
+            <a:off x="539552" y="115094"/>
+            <a:ext cx="3233886" cy="365125"/>
+          </a:xfrm>
+        </p:spPr>
+        <p:txBody>
+          <a:bodyPr/>
+          <a:lstStyle/>
+          <a:p>
+            <a:r>
+              <a:rPr lang="en-US" b="1" i="1" smtClean="0">
+                <a:solidFill>
+                  <a:schemeClr val="bg1"/>
+                </a:solidFill>
+              </a:rPr>
+              <a:t>ROME  11-12 april 2014 – Valerio Riva</a:t>
+            </a:r>
+            <a:endParaRPr lang="it-IT" b="1" i="1" dirty="0">
+              <a:solidFill>
+                <a:schemeClr val="bg1"/>
+              </a:solidFill>
+            </a:endParaRPr>
+          </a:p>
+        </p:txBody>
+      </p:sp>
+      <p:sp>
+        <p:nvSpPr>
+          <p:cNvPr id="5" name="Segnaposto numero diapositiva 4"/>
+          <p:cNvSpPr>
+            <a:spLocks noGrp="1"/>
+          </p:cNvSpPr>
+          <p:nvPr>
+            <p:ph type="sldNum" sz="quarter" idx="12"/>
+          </p:nvPr>
+        </p:nvSpPr>
+        <p:spPr/>
+        <p:txBody>
+          <a:bodyPr/>
+          <a:lstStyle/>
+          <a:p>
+            <a:fld id="{219C0E88-5C08-45F5-BD91-E93F425D2D58}" type="slidenum">
+              <a:rPr lang="it-IT" smtClean="0"/>
+              <a:t>26</a:t>
             </a:fld>
             <a:endParaRPr lang="it-IT" dirty="0"/>
           </a:p>
@@ -10916,589 +11267,6 @@
 </p:sld>
 </file>
 
-<file path=ppt/slides/slide25.xml><?xml version="1.0" encoding="utf-8"?>
-<p:sld xmlns:a="http://schemas.openxmlformats.org/drawingml/2006/main" xmlns:r="http://schemas.openxmlformats.org/officeDocument/2006/relationships" xmlns:p="http://schemas.openxmlformats.org/presentationml/2006/main">
-  <p:cSld>
-    <p:spTree>
-      <p:nvGrpSpPr>
-        <p:cNvPr id="1" name=""/>
-        <p:cNvGrpSpPr/>
-        <p:nvPr/>
-      </p:nvGrpSpPr>
-      <p:grpSpPr>
-        <a:xfrm>
-          <a:off x="0" y="0"/>
-          <a:ext cx="0" cy="0"/>
-          <a:chOff x="0" y="0"/>
-          <a:chExt cx="0" cy="0"/>
-        </a:xfrm>
-      </p:grpSpPr>
-      <p:sp>
-        <p:nvSpPr>
-          <p:cNvPr id="2" name="Titolo 1"/>
-          <p:cNvSpPr>
-            <a:spLocks noGrp="1"/>
-          </p:cNvSpPr>
-          <p:nvPr>
-            <p:ph type="title"/>
-          </p:nvPr>
-        </p:nvSpPr>
-        <p:spPr/>
-        <p:txBody>
-          <a:bodyPr>
-            <a:normAutofit/>
-          </a:bodyPr>
-          <a:lstStyle/>
-          <a:p>
-            <a:pPr algn="ctr"/>
-            <a:r>
-              <a:rPr lang="en-US" sz="4000" dirty="0" smtClean="0"/>
-              <a:t>Want more?</a:t>
-            </a:r>
-            <a:endParaRPr lang="en-US" sz="4000" dirty="0"/>
-          </a:p>
-        </p:txBody>
-      </p:sp>
-      <p:sp>
-        <p:nvSpPr>
-          <p:cNvPr id="3" name="Segnaposto contenuto 2"/>
-          <p:cNvSpPr>
-            <a:spLocks noGrp="1"/>
-          </p:cNvSpPr>
-          <p:nvPr>
-            <p:ph idx="1"/>
-          </p:nvPr>
-        </p:nvSpPr>
-        <p:spPr/>
-        <p:txBody>
-          <a:bodyPr>
-            <a:normAutofit/>
-          </a:bodyPr>
-          <a:lstStyle/>
-          <a:p>
-            <a:pPr>
-              <a:lnSpc>
-                <a:spcPct val="120000"/>
-              </a:lnSpc>
-              <a:spcBef>
-                <a:spcPts val="0"/>
-              </a:spcBef>
-            </a:pPr>
-            <a:r>
-              <a:rPr lang="en-US" dirty="0" smtClean="0">
-                <a:cs typeface="Consolas" panose="020B0609020204030204" pitchFamily="49" charset="0"/>
-              </a:rPr>
-              <a:t>Take a look to another example that implements P2 physics engine </a:t>
-            </a:r>
-            <a:r>
-              <a:rPr lang="en-US" dirty="0">
-                <a:cs typeface="Consolas" panose="020B0609020204030204" pitchFamily="49" charset="0"/>
-              </a:rPr>
-              <a:t>(</a:t>
-            </a:r>
-            <a:r>
-              <a:rPr lang="en-US" dirty="0" smtClean="0">
-                <a:cs typeface="Consolas" panose="020B0609020204030204" pitchFamily="49" charset="0"/>
-                <a:hlinkClick r:id="rId3"/>
-              </a:rPr>
-              <a:t>http://</a:t>
-            </a:r>
-            <a:r>
-              <a:rPr lang="en-US" dirty="0">
-                <a:cs typeface="Consolas" panose="020B0609020204030204" pitchFamily="49" charset="0"/>
-                <a:hlinkClick r:id="rId3"/>
-              </a:rPr>
-              <a:t>github.com/Lotti/phaserTut</a:t>
-            </a:r>
-            <a:r>
-              <a:rPr lang="en-US" dirty="0">
-                <a:cs typeface="Consolas" panose="020B0609020204030204" pitchFamily="49" charset="0"/>
-              </a:rPr>
-              <a:t>)</a:t>
-            </a:r>
-            <a:endParaRPr lang="en-US" dirty="0" smtClean="0">
-              <a:cs typeface="Consolas" panose="020B0609020204030204" pitchFamily="49" charset="0"/>
-            </a:endParaRPr>
-          </a:p>
-          <a:p>
-            <a:pPr>
-              <a:lnSpc>
-                <a:spcPct val="120000"/>
-              </a:lnSpc>
-              <a:spcBef>
-                <a:spcPts val="0"/>
-              </a:spcBef>
-            </a:pPr>
-            <a:r>
-              <a:rPr lang="en-GB" dirty="0" smtClean="0">
-                <a:cs typeface="Consolas" panose="020B0609020204030204" pitchFamily="49" charset="0"/>
-              </a:rPr>
-              <a:t>Phaser examples (</a:t>
-            </a:r>
-            <a:r>
-              <a:rPr lang="en-GB" dirty="0" smtClean="0">
-                <a:cs typeface="Consolas" panose="020B0609020204030204" pitchFamily="49" charset="0"/>
-                <a:hlinkClick r:id="rId4"/>
-              </a:rPr>
-              <a:t>http://examples.phaser.io/</a:t>
-            </a:r>
-            <a:r>
-              <a:rPr lang="en-GB" dirty="0" smtClean="0">
-                <a:cs typeface="Consolas" panose="020B0609020204030204" pitchFamily="49" charset="0"/>
-              </a:rPr>
-              <a:t>)</a:t>
-            </a:r>
-          </a:p>
-          <a:p>
-            <a:pPr>
-              <a:lnSpc>
-                <a:spcPct val="120000"/>
-              </a:lnSpc>
-              <a:spcBef>
-                <a:spcPts val="0"/>
-              </a:spcBef>
-            </a:pPr>
-            <a:r>
-              <a:rPr lang="en-GB" dirty="0" smtClean="0">
-                <a:cs typeface="Consolas" panose="020B0609020204030204" pitchFamily="49" charset="0"/>
-              </a:rPr>
-              <a:t>Phaser docs (</a:t>
-            </a:r>
-            <a:r>
-              <a:rPr lang="en-GB" dirty="0" smtClean="0">
-                <a:cs typeface="Consolas" panose="020B0609020204030204" pitchFamily="49" charset="0"/>
-                <a:hlinkClick r:id="rId5"/>
-              </a:rPr>
-              <a:t>http://docs.phaser.io/</a:t>
-            </a:r>
-            <a:r>
-              <a:rPr lang="en-GB" dirty="0" smtClean="0">
-                <a:cs typeface="Consolas" panose="020B0609020204030204" pitchFamily="49" charset="0"/>
-              </a:rPr>
-              <a:t>)</a:t>
-            </a:r>
-          </a:p>
-        </p:txBody>
-      </p:sp>
-      <p:sp>
-        <p:nvSpPr>
-          <p:cNvPr id="4" name="Segnaposto data 3"/>
-          <p:cNvSpPr>
-            <a:spLocks noGrp="1"/>
-          </p:cNvSpPr>
-          <p:nvPr>
-            <p:ph type="dt" sz="half" idx="10"/>
-          </p:nvPr>
-        </p:nvSpPr>
-        <p:spPr>
-          <a:xfrm>
-            <a:off x="539552" y="115094"/>
-            <a:ext cx="3233886" cy="365125"/>
-          </a:xfrm>
-        </p:spPr>
-        <p:txBody>
-          <a:bodyPr/>
-          <a:lstStyle/>
-          <a:p>
-            <a:r>
-              <a:rPr lang="en-US" b="1" i="1" smtClean="0">
-                <a:solidFill>
-                  <a:schemeClr val="bg1"/>
-                </a:solidFill>
-              </a:rPr>
-              <a:t>ROME  11-12 april 2014 – Valerio Riva</a:t>
-            </a:r>
-            <a:endParaRPr lang="it-IT" b="1" i="1" dirty="0">
-              <a:solidFill>
-                <a:schemeClr val="bg1"/>
-              </a:solidFill>
-            </a:endParaRPr>
-          </a:p>
-        </p:txBody>
-      </p:sp>
-      <p:sp>
-        <p:nvSpPr>
-          <p:cNvPr id="5" name="Segnaposto numero diapositiva 4"/>
-          <p:cNvSpPr>
-            <a:spLocks noGrp="1"/>
-          </p:cNvSpPr>
-          <p:nvPr>
-            <p:ph type="sldNum" sz="quarter" idx="12"/>
-          </p:nvPr>
-        </p:nvSpPr>
-        <p:spPr/>
-        <p:txBody>
-          <a:bodyPr/>
-          <a:lstStyle/>
-          <a:p>
-            <a:fld id="{219C0E88-5C08-45F5-BD91-E93F425D2D58}" type="slidenum">
-              <a:rPr lang="it-IT" smtClean="0"/>
-              <a:t>25</a:t>
-            </a:fld>
-            <a:endParaRPr lang="it-IT" dirty="0"/>
-          </a:p>
-        </p:txBody>
-      </p:sp>
-    </p:spTree>
-    <p:extLst>
-      <p:ext uri="{BB962C8B-B14F-4D97-AF65-F5344CB8AC3E}">
-        <p14:creationId xmlns:p14="http://schemas.microsoft.com/office/powerpoint/2010/main" val="1906874276"/>
-      </p:ext>
-    </p:extLst>
-  </p:cSld>
-  <p:clrMapOvr>
-    <a:masterClrMapping/>
-  </p:clrMapOvr>
-  <p:timing>
-    <p:tnLst>
-      <p:par>
-        <p:cTn id="1" dur="indefinite" restart="never" nodeType="tmRoot"/>
-      </p:par>
-    </p:tnLst>
-  </p:timing>
-</p:sld>
-</file>
-
-<file path=ppt/slides/slide26.xml><?xml version="1.0" encoding="utf-8"?>
-<p:sld xmlns:a="http://schemas.openxmlformats.org/drawingml/2006/main" xmlns:r="http://schemas.openxmlformats.org/officeDocument/2006/relationships" xmlns:p="http://schemas.openxmlformats.org/presentationml/2006/main">
-  <p:cSld>
-    <p:spTree>
-      <p:nvGrpSpPr>
-        <p:cNvPr id="1" name=""/>
-        <p:cNvGrpSpPr/>
-        <p:nvPr/>
-      </p:nvGrpSpPr>
-      <p:grpSpPr>
-        <a:xfrm>
-          <a:off x="0" y="0"/>
-          <a:ext cx="0" cy="0"/>
-          <a:chOff x="0" y="0"/>
-          <a:chExt cx="0" cy="0"/>
-        </a:xfrm>
-      </p:grpSpPr>
-      <p:sp>
-        <p:nvSpPr>
-          <p:cNvPr id="2" name="Titolo 1"/>
-          <p:cNvSpPr>
-            <a:spLocks noGrp="1"/>
-          </p:cNvSpPr>
-          <p:nvPr>
-            <p:ph type="title"/>
-          </p:nvPr>
-        </p:nvSpPr>
-        <p:spPr/>
-        <p:txBody>
-          <a:bodyPr>
-            <a:normAutofit/>
-          </a:bodyPr>
-          <a:lstStyle/>
-          <a:p>
-            <a:pPr algn="ctr"/>
-            <a:r>
-              <a:rPr lang="en-US" sz="4000" dirty="0" smtClean="0"/>
-              <a:t>Resources &amp; Links</a:t>
-            </a:r>
-            <a:endParaRPr lang="en-US" sz="4000" dirty="0"/>
-          </a:p>
-        </p:txBody>
-      </p:sp>
-      <p:sp>
-        <p:nvSpPr>
-          <p:cNvPr id="3" name="Segnaposto contenuto 2"/>
-          <p:cNvSpPr>
-            <a:spLocks noGrp="1"/>
-          </p:cNvSpPr>
-          <p:nvPr>
-            <p:ph idx="1"/>
-          </p:nvPr>
-        </p:nvSpPr>
-        <p:spPr/>
-        <p:txBody>
-          <a:bodyPr>
-            <a:normAutofit/>
-          </a:bodyPr>
-          <a:lstStyle/>
-          <a:p>
-            <a:r>
-              <a:rPr lang="en-GB" sz="2000" dirty="0" smtClean="0">
-                <a:cs typeface="Consolas" panose="020B0609020204030204" pitchFamily="49" charset="0"/>
-                <a:hlinkClick r:id="rId3"/>
-              </a:rPr>
-              <a:t>The mummy game</a:t>
-            </a:r>
-            <a:endParaRPr lang="en-GB" sz="2000" dirty="0">
-              <a:cs typeface="Consolas" panose="020B0609020204030204" pitchFamily="49" charset="0"/>
-            </a:endParaRPr>
-          </a:p>
-          <a:p>
-            <a:r>
-              <a:rPr lang="en-GB" sz="2000" dirty="0" smtClean="0">
-                <a:cs typeface="Consolas" panose="020B0609020204030204" pitchFamily="49" charset="0"/>
-                <a:hlinkClick r:id="rId4"/>
-              </a:rPr>
-              <a:t>P2  physics engine example</a:t>
-            </a:r>
-            <a:endParaRPr lang="en-GB" sz="2000" dirty="0" smtClean="0">
-              <a:cs typeface="Consolas" panose="020B0609020204030204" pitchFamily="49" charset="0"/>
-            </a:endParaRPr>
-          </a:p>
-          <a:p>
-            <a:r>
-              <a:rPr lang="en-US" sz="2000" dirty="0" err="1" smtClean="0">
-                <a:cs typeface="Consolas" panose="020B0609020204030204" pitchFamily="49" charset="0"/>
-                <a:hlinkClick r:id="rId5"/>
-              </a:rPr>
-              <a:t>Phaser’s</a:t>
-            </a:r>
-            <a:r>
-              <a:rPr lang="en-US" sz="2000" dirty="0" smtClean="0">
-                <a:cs typeface="Consolas" panose="020B0609020204030204" pitchFamily="49" charset="0"/>
-                <a:hlinkClick r:id="rId5"/>
-              </a:rPr>
-              <a:t> forum</a:t>
-            </a:r>
-            <a:endParaRPr lang="en-US" sz="2000" dirty="0" smtClean="0">
-              <a:cs typeface="Consolas" panose="020B0609020204030204" pitchFamily="49" charset="0"/>
-            </a:endParaRPr>
-          </a:p>
-          <a:p>
-            <a:r>
-              <a:rPr lang="en-GB" sz="2000" dirty="0">
-                <a:cs typeface="Consolas" panose="020B0609020204030204" pitchFamily="49" charset="0"/>
-                <a:hlinkClick r:id="rId6"/>
-              </a:rPr>
-              <a:t>http://docs.phaser.io/</a:t>
-            </a:r>
-            <a:endParaRPr lang="en-GB" sz="2000" dirty="0">
-              <a:cs typeface="Consolas" panose="020B0609020204030204" pitchFamily="49" charset="0"/>
-            </a:endParaRPr>
-          </a:p>
-          <a:p>
-            <a:r>
-              <a:rPr lang="en-GB" sz="2000" dirty="0">
-                <a:cs typeface="Consolas" panose="020B0609020204030204" pitchFamily="49" charset="0"/>
-                <a:hlinkClick r:id="rId7"/>
-              </a:rPr>
-              <a:t>http://examples.phaser.io</a:t>
-            </a:r>
-            <a:r>
-              <a:rPr lang="en-GB" sz="2000" dirty="0" smtClean="0">
-                <a:cs typeface="Consolas" panose="020B0609020204030204" pitchFamily="49" charset="0"/>
-                <a:hlinkClick r:id="rId7"/>
-              </a:rPr>
-              <a:t>/</a:t>
-            </a:r>
-            <a:endParaRPr lang="en-US" sz="2000" dirty="0" smtClean="0">
-              <a:cs typeface="Consolas" panose="020B0609020204030204" pitchFamily="49" charset="0"/>
-              <a:hlinkClick r:id="rId8"/>
-            </a:endParaRPr>
-          </a:p>
-          <a:p>
-            <a:pPr>
-              <a:lnSpc>
-                <a:spcPct val="120000"/>
-              </a:lnSpc>
-              <a:spcBef>
-                <a:spcPts val="0"/>
-              </a:spcBef>
-            </a:pPr>
-            <a:r>
-              <a:rPr lang="en-US" sz="2000" dirty="0" smtClean="0">
-                <a:cs typeface="Consolas" panose="020B0609020204030204" pitchFamily="49" charset="0"/>
-                <a:hlinkClick r:id="rId8"/>
-              </a:rPr>
-              <a:t>http</a:t>
-            </a:r>
-            <a:r>
-              <a:rPr lang="en-US" sz="2000" dirty="0">
-                <a:cs typeface="Consolas" panose="020B0609020204030204" pitchFamily="49" charset="0"/>
-                <a:hlinkClick r:id="rId8"/>
-              </a:rPr>
-              <a:t>://html5gameengine.com</a:t>
-            </a:r>
-            <a:r>
-              <a:rPr lang="en-US" sz="2000" dirty="0" smtClean="0">
-                <a:cs typeface="Consolas" panose="020B0609020204030204" pitchFamily="49" charset="0"/>
-                <a:hlinkClick r:id="rId8"/>
-              </a:rPr>
-              <a:t>/</a:t>
-            </a:r>
-            <a:endParaRPr lang="en-US" sz="2000" dirty="0" smtClean="0">
-              <a:cs typeface="Consolas" panose="020B0609020204030204" pitchFamily="49" charset="0"/>
-            </a:endParaRPr>
-          </a:p>
-          <a:p>
-            <a:pPr>
-              <a:lnSpc>
-                <a:spcPct val="120000"/>
-              </a:lnSpc>
-              <a:spcBef>
-                <a:spcPts val="0"/>
-              </a:spcBef>
-            </a:pPr>
-            <a:r>
-              <a:rPr lang="en-US" sz="2000" dirty="0">
-                <a:cs typeface="Consolas" panose="020B0609020204030204" pitchFamily="49" charset="0"/>
-                <a:hlinkClick r:id="rId9"/>
-              </a:rPr>
-              <a:t>http://brackets.io/</a:t>
-            </a:r>
-            <a:endParaRPr lang="en-US" sz="2000" dirty="0" smtClean="0">
-              <a:cs typeface="Consolas" panose="020B0609020204030204" pitchFamily="49" charset="0"/>
-            </a:endParaRPr>
-          </a:p>
-          <a:p>
-            <a:r>
-              <a:rPr lang="en-US" sz="2000" dirty="0">
-                <a:cs typeface="Consolas" panose="020B0609020204030204" pitchFamily="49" charset="0"/>
-                <a:hlinkClick r:id="rId10"/>
-              </a:rPr>
-              <a:t>http://www.pixijs.com</a:t>
-            </a:r>
-            <a:r>
-              <a:rPr lang="en-US" sz="2000" dirty="0" smtClean="0">
-                <a:cs typeface="Consolas" panose="020B0609020204030204" pitchFamily="49" charset="0"/>
-                <a:hlinkClick r:id="rId10"/>
-              </a:rPr>
-              <a:t>/</a:t>
-            </a:r>
-            <a:endParaRPr lang="en-US" sz="2000" dirty="0">
-              <a:cs typeface="Consolas" panose="020B0609020204030204" pitchFamily="49" charset="0"/>
-            </a:endParaRPr>
-          </a:p>
-          <a:p>
-            <a:r>
-              <a:rPr lang="en-US" sz="2000" dirty="0" smtClean="0">
-                <a:cs typeface="Consolas" panose="020B0609020204030204" pitchFamily="49" charset="0"/>
-                <a:hlinkClick r:id="rId11"/>
-              </a:rPr>
-              <a:t>http</a:t>
-            </a:r>
-            <a:r>
-              <a:rPr lang="en-US" sz="2000" dirty="0">
-                <a:cs typeface="Consolas" panose="020B0609020204030204" pitchFamily="49" charset="0"/>
-                <a:hlinkClick r:id="rId11"/>
-              </a:rPr>
-              <a:t>://schteppe.github.io/p2.js</a:t>
-            </a:r>
-            <a:r>
-              <a:rPr lang="en-US" sz="2000" dirty="0" smtClean="0">
-                <a:cs typeface="Consolas" panose="020B0609020204030204" pitchFamily="49" charset="0"/>
-                <a:hlinkClick r:id="rId11"/>
-              </a:rPr>
-              <a:t>/</a:t>
-            </a:r>
-            <a:endParaRPr lang="en-US" sz="2000" dirty="0" smtClean="0">
-              <a:cs typeface="Consolas" panose="020B0609020204030204" pitchFamily="49" charset="0"/>
-            </a:endParaRPr>
-          </a:p>
-          <a:p>
-            <a:r>
-              <a:rPr lang="en-GB" sz="2000" dirty="0" smtClean="0">
-                <a:cs typeface="Consolas" panose="020B0609020204030204" pitchFamily="49" charset="0"/>
-                <a:hlinkClick r:id="rId12"/>
-              </a:rPr>
-              <a:t>http</a:t>
-            </a:r>
-            <a:r>
-              <a:rPr lang="en-GB" sz="2000" dirty="0">
-                <a:cs typeface="Consolas" panose="020B0609020204030204" pitchFamily="49" charset="0"/>
-                <a:hlinkClick r:id="rId12"/>
-              </a:rPr>
-              <a:t>://</a:t>
-            </a:r>
-            <a:r>
-              <a:rPr lang="en-GB" sz="2000" dirty="0" smtClean="0">
-                <a:cs typeface="Consolas" panose="020B0609020204030204" pitchFamily="49" charset="0"/>
-                <a:hlinkClick r:id="rId12"/>
-              </a:rPr>
-              <a:t>www.mapeditor.org/</a:t>
-            </a:r>
-            <a:endParaRPr lang="en-GB" sz="2000" dirty="0" smtClean="0">
-              <a:cs typeface="Consolas" panose="020B0609020204030204" pitchFamily="49" charset="0"/>
-            </a:endParaRPr>
-          </a:p>
-        </p:txBody>
-      </p:sp>
-      <p:sp>
-        <p:nvSpPr>
-          <p:cNvPr id="4" name="Segnaposto data 3"/>
-          <p:cNvSpPr>
-            <a:spLocks noGrp="1"/>
-          </p:cNvSpPr>
-          <p:nvPr>
-            <p:ph type="dt" sz="half" idx="10"/>
-          </p:nvPr>
-        </p:nvSpPr>
-        <p:spPr>
-          <a:xfrm>
-            <a:off x="539552" y="115094"/>
-            <a:ext cx="3233886" cy="365125"/>
-          </a:xfrm>
-        </p:spPr>
-        <p:txBody>
-          <a:bodyPr/>
-          <a:lstStyle/>
-          <a:p>
-            <a:r>
-              <a:rPr lang="en-US" b="1" i="1" smtClean="0">
-                <a:solidFill>
-                  <a:schemeClr val="bg1"/>
-                </a:solidFill>
-              </a:rPr>
-              <a:t>ROME  11-12 april 2014 – Valerio Riva</a:t>
-            </a:r>
-            <a:endParaRPr lang="it-IT" b="1" i="1" dirty="0">
-              <a:solidFill>
-                <a:schemeClr val="bg1"/>
-              </a:solidFill>
-            </a:endParaRPr>
-          </a:p>
-        </p:txBody>
-      </p:sp>
-      <p:sp>
-        <p:nvSpPr>
-          <p:cNvPr id="5" name="Segnaposto numero diapositiva 4"/>
-          <p:cNvSpPr>
-            <a:spLocks noGrp="1"/>
-          </p:cNvSpPr>
-          <p:nvPr>
-            <p:ph type="sldNum" sz="quarter" idx="12"/>
-          </p:nvPr>
-        </p:nvSpPr>
-        <p:spPr/>
-        <p:txBody>
-          <a:bodyPr/>
-          <a:lstStyle/>
-          <a:p>
-            <a:fld id="{219C0E88-5C08-45F5-BD91-E93F425D2D58}" type="slidenum">
-              <a:rPr lang="it-IT" smtClean="0"/>
-              <a:t>26</a:t>
-            </a:fld>
-            <a:endParaRPr lang="it-IT" dirty="0"/>
-          </a:p>
-        </p:txBody>
-      </p:sp>
-    </p:spTree>
-    <p:extLst>
-      <p:ext uri="{BB962C8B-B14F-4D97-AF65-F5344CB8AC3E}">
-        <p14:creationId xmlns:p14="http://schemas.microsoft.com/office/powerpoint/2010/main" val="2542844374"/>
-      </p:ext>
-    </p:extLst>
-  </p:cSld>
-  <p:clrMapOvr>
-    <a:masterClrMapping/>
-  </p:clrMapOvr>
-  <p:timing>
-    <p:tnLst>
-      <p:par>
-        <p:cTn id="1" dur="indefinite" restart="never" nodeType="tmRoot"/>
-      </p:par>
-    </p:tnLst>
-  </p:timing>
-</p:sld>
-</file>
-
 <file path=ppt/slides/slide27.xml><?xml version="1.0" encoding="utf-8"?>
 <p:sld xmlns:a="http://schemas.openxmlformats.org/drawingml/2006/main" xmlns:r="http://schemas.openxmlformats.org/officeDocument/2006/relationships" xmlns:p="http://schemas.openxmlformats.org/presentationml/2006/main">
   <p:cSld>
@@ -11536,7 +11304,7 @@
             <a:pPr algn="ctr"/>
             <a:r>
               <a:rPr lang="en-US" sz="4000" dirty="0" smtClean="0"/>
-              <a:t>Question &amp; Answers</a:t>
+              <a:t>Want more?</a:t>
             </a:r>
             <a:endParaRPr lang="en-US" sz="4000" dirty="0"/>
           </a:p>
@@ -11559,9 +11327,107 @@
           </a:bodyPr>
           <a:lstStyle/>
           <a:p>
-            <a:endParaRPr lang="en-GB" sz="2000" dirty="0" smtClean="0">
+            <a:pPr>
+              <a:lnSpc>
+                <a:spcPct val="120000"/>
+              </a:lnSpc>
+              <a:spcBef>
+                <a:spcPts val="0"/>
+              </a:spcBef>
+            </a:pPr>
+            <a:r>
+              <a:rPr lang="en-US" dirty="0" smtClean="0">
+                <a:cs typeface="Consolas" panose="020B0609020204030204" pitchFamily="49" charset="0"/>
+              </a:rPr>
+              <a:t>Take a look to another example that implements P2 physics engine </a:t>
+            </a:r>
+            <a:r>
+              <a:rPr lang="en-US" dirty="0">
+                <a:cs typeface="Consolas" panose="020B0609020204030204" pitchFamily="49" charset="0"/>
+              </a:rPr>
+              <a:t>(</a:t>
+            </a:r>
+            <a:r>
+              <a:rPr lang="en-US" dirty="0" smtClean="0">
+                <a:cs typeface="Consolas" panose="020B0609020204030204" pitchFamily="49" charset="0"/>
+                <a:hlinkClick r:id="rId3"/>
+              </a:rPr>
+              <a:t>http://</a:t>
+            </a:r>
+            <a:r>
+              <a:rPr lang="en-US" dirty="0">
+                <a:cs typeface="Consolas" panose="020B0609020204030204" pitchFamily="49" charset="0"/>
+                <a:hlinkClick r:id="rId3"/>
+              </a:rPr>
+              <a:t>github.com/Lotti/phaserTut</a:t>
+            </a:r>
+            <a:r>
+              <a:rPr lang="en-US" dirty="0">
+                <a:cs typeface="Consolas" panose="020B0609020204030204" pitchFamily="49" charset="0"/>
+              </a:rPr>
+              <a:t>)</a:t>
+            </a:r>
+            <a:endParaRPr lang="en-US" dirty="0" smtClean="0">
               <a:cs typeface="Consolas" panose="020B0609020204030204" pitchFamily="49" charset="0"/>
             </a:endParaRPr>
+          </a:p>
+          <a:p>
+            <a:pPr>
+              <a:lnSpc>
+                <a:spcPct val="120000"/>
+              </a:lnSpc>
+              <a:spcBef>
+                <a:spcPts val="0"/>
+              </a:spcBef>
+            </a:pPr>
+            <a:r>
+              <a:rPr lang="en-GB" dirty="0" smtClean="0">
+                <a:cs typeface="Consolas" panose="020B0609020204030204" pitchFamily="49" charset="0"/>
+              </a:rPr>
+              <a:t>Phaser examples (</a:t>
+            </a:r>
+            <a:r>
+              <a:rPr lang="en-GB" dirty="0" smtClean="0">
+                <a:cs typeface="Consolas" panose="020B0609020204030204" pitchFamily="49" charset="0"/>
+                <a:hlinkClick r:id="rId4"/>
+              </a:rPr>
+              <a:t>http://examples.phaser.io/</a:t>
+            </a:r>
+            <a:r>
+              <a:rPr lang="en-GB" dirty="0" smtClean="0">
+                <a:cs typeface="Consolas" panose="020B0609020204030204" pitchFamily="49" charset="0"/>
+              </a:rPr>
+              <a:t>)</a:t>
+            </a:r>
+          </a:p>
+          <a:p>
+            <a:pPr>
+              <a:lnSpc>
+                <a:spcPct val="120000"/>
+              </a:lnSpc>
+              <a:spcBef>
+                <a:spcPts val="0"/>
+              </a:spcBef>
+            </a:pPr>
+            <a:r>
+              <a:rPr lang="en-GB" dirty="0" smtClean="0">
+                <a:cs typeface="Consolas" panose="020B0609020204030204" pitchFamily="49" charset="0"/>
+              </a:rPr>
+              <a:t>Phaser docs (</a:t>
+            </a:r>
+            <a:r>
+              <a:rPr lang="en-GB" dirty="0" smtClean="0">
+                <a:cs typeface="Consolas" panose="020B0609020204030204" pitchFamily="49" charset="0"/>
+                <a:hlinkClick r:id="rId5"/>
+              </a:rPr>
+              <a:t>http://docs.phaser.io/</a:t>
+            </a:r>
+            <a:r>
+              <a:rPr lang="en-GB" dirty="0" smtClean="0">
+                <a:cs typeface="Consolas" panose="020B0609020204030204" pitchFamily="49" charset="0"/>
+              </a:rPr>
+              <a:t>)</a:t>
+            </a:r>
           </a:p>
         </p:txBody>
       </p:sp>
@@ -11627,7 +11493,7 @@
     </p:spTree>
     <p:extLst>
       <p:ext uri="{BB962C8B-B14F-4D97-AF65-F5344CB8AC3E}">
-        <p14:creationId xmlns:p14="http://schemas.microsoft.com/office/powerpoint/2010/main" val="3067319506"/>
+        <p14:creationId xmlns:p14="http://schemas.microsoft.com/office/powerpoint/2010/main" val="1906874276"/>
       </p:ext>
     </p:extLst>
   </p:cSld>
@@ -11681,7 +11547,419 @@
             <a:pPr algn="ctr"/>
             <a:r>
               <a:rPr lang="en-US" sz="4000" dirty="0" smtClean="0"/>
-              <a:t>Thank you</a:t>
+              <a:t>Resources &amp; Links</a:t>
+            </a:r>
+            <a:endParaRPr lang="en-US" sz="4000" dirty="0"/>
+          </a:p>
+        </p:txBody>
+      </p:sp>
+      <p:sp>
+        <p:nvSpPr>
+          <p:cNvPr id="6" name="Segnaposto contenuto 5"/>
+          <p:cNvSpPr>
+            <a:spLocks noGrp="1"/>
+          </p:cNvSpPr>
+          <p:nvPr>
+            <p:ph sz="half" idx="1"/>
+          </p:nvPr>
+        </p:nvSpPr>
+        <p:spPr/>
+        <p:txBody>
+          <a:bodyPr>
+            <a:normAutofit/>
+          </a:bodyPr>
+          <a:lstStyle/>
+          <a:p>
+            <a:r>
+              <a:rPr lang="en-GB" sz="2000" dirty="0">
+                <a:cs typeface="Consolas" panose="020B0609020204030204" pitchFamily="49" charset="0"/>
+                <a:hlinkClick r:id="rId3"/>
+              </a:rPr>
+              <a:t>The mummy game</a:t>
+            </a:r>
+            <a:endParaRPr lang="en-GB" sz="2000" dirty="0">
+              <a:cs typeface="Consolas" panose="020B0609020204030204" pitchFamily="49" charset="0"/>
+            </a:endParaRPr>
+          </a:p>
+          <a:p>
+            <a:r>
+              <a:rPr lang="en-GB" sz="2000" dirty="0">
+                <a:cs typeface="Consolas" panose="020B0609020204030204" pitchFamily="49" charset="0"/>
+                <a:hlinkClick r:id="rId4"/>
+              </a:rPr>
+              <a:t>P2  physics engine example</a:t>
+            </a:r>
+            <a:endParaRPr lang="en-GB" sz="2000" dirty="0">
+              <a:cs typeface="Consolas" panose="020B0609020204030204" pitchFamily="49" charset="0"/>
+            </a:endParaRPr>
+          </a:p>
+          <a:p>
+            <a:r>
+              <a:rPr lang="en-US" sz="2000" dirty="0" err="1">
+                <a:cs typeface="Consolas" panose="020B0609020204030204" pitchFamily="49" charset="0"/>
+                <a:hlinkClick r:id="rId5"/>
+              </a:rPr>
+              <a:t>Phaser’s</a:t>
+            </a:r>
+            <a:r>
+              <a:rPr lang="en-US" sz="2000" dirty="0">
+                <a:cs typeface="Consolas" panose="020B0609020204030204" pitchFamily="49" charset="0"/>
+                <a:hlinkClick r:id="rId5"/>
+              </a:rPr>
+              <a:t> forum</a:t>
+            </a:r>
+            <a:endParaRPr lang="en-US" sz="2000" dirty="0">
+              <a:cs typeface="Consolas" panose="020B0609020204030204" pitchFamily="49" charset="0"/>
+            </a:endParaRPr>
+          </a:p>
+          <a:p>
+            <a:r>
+              <a:rPr lang="en-GB" sz="2000" dirty="0">
+                <a:cs typeface="Consolas" panose="020B0609020204030204" pitchFamily="49" charset="0"/>
+                <a:hlinkClick r:id="rId6"/>
+              </a:rPr>
+              <a:t>http://</a:t>
+            </a:r>
+            <a:r>
+              <a:rPr lang="en-GB" sz="2000" dirty="0" smtClean="0">
+                <a:cs typeface="Consolas" panose="020B0609020204030204" pitchFamily="49" charset="0"/>
+                <a:hlinkClick r:id="rId6"/>
+              </a:rPr>
+              <a:t>docs.phaser.io</a:t>
+            </a:r>
+            <a:endParaRPr lang="en-GB" sz="2000" dirty="0">
+              <a:cs typeface="Consolas" panose="020B0609020204030204" pitchFamily="49" charset="0"/>
+            </a:endParaRPr>
+          </a:p>
+          <a:p>
+            <a:r>
+              <a:rPr lang="en-GB" sz="2000" dirty="0">
+                <a:cs typeface="Consolas" panose="020B0609020204030204" pitchFamily="49" charset="0"/>
+                <a:hlinkClick r:id="rId7"/>
+              </a:rPr>
+              <a:t>http://</a:t>
+            </a:r>
+            <a:r>
+              <a:rPr lang="en-GB" sz="2000" dirty="0" smtClean="0">
+                <a:cs typeface="Consolas" panose="020B0609020204030204" pitchFamily="49" charset="0"/>
+                <a:hlinkClick r:id="rId7"/>
+              </a:rPr>
+              <a:t>examples.phaser.io</a:t>
+            </a:r>
+            <a:endParaRPr lang="en-US" sz="2000" dirty="0">
+              <a:cs typeface="Consolas" panose="020B0609020204030204" pitchFamily="49" charset="0"/>
+              <a:hlinkClick r:id="rId8"/>
+            </a:endParaRPr>
+          </a:p>
+          <a:p>
+            <a:pPr>
+              <a:lnSpc>
+                <a:spcPct val="120000"/>
+              </a:lnSpc>
+              <a:spcBef>
+                <a:spcPts val="0"/>
+              </a:spcBef>
+            </a:pPr>
+            <a:r>
+              <a:rPr lang="en-US" sz="2000" dirty="0">
+                <a:cs typeface="Consolas" panose="020B0609020204030204" pitchFamily="49" charset="0"/>
+                <a:hlinkClick r:id="rId8"/>
+              </a:rPr>
+              <a:t>http://</a:t>
+            </a:r>
+            <a:r>
+              <a:rPr lang="en-US" sz="2000" dirty="0" smtClean="0">
+                <a:cs typeface="Consolas" panose="020B0609020204030204" pitchFamily="49" charset="0"/>
+                <a:hlinkClick r:id="rId8"/>
+              </a:rPr>
+              <a:t>html5gameengine.com</a:t>
+            </a:r>
+            <a:endParaRPr lang="en-US" sz="2000" dirty="0">
+              <a:cs typeface="Consolas" panose="020B0609020204030204" pitchFamily="49" charset="0"/>
+            </a:endParaRPr>
+          </a:p>
+          <a:p>
+            <a:pPr>
+              <a:lnSpc>
+                <a:spcPct val="120000"/>
+              </a:lnSpc>
+              <a:spcBef>
+                <a:spcPts val="0"/>
+              </a:spcBef>
+            </a:pPr>
+            <a:r>
+              <a:rPr lang="en-US" sz="2000" dirty="0">
+                <a:cs typeface="Consolas" panose="020B0609020204030204" pitchFamily="49" charset="0"/>
+                <a:hlinkClick r:id="rId9"/>
+              </a:rPr>
+              <a:t>http://</a:t>
+            </a:r>
+            <a:r>
+              <a:rPr lang="en-US" sz="2000" dirty="0" smtClean="0">
+                <a:cs typeface="Consolas" panose="020B0609020204030204" pitchFamily="49" charset="0"/>
+                <a:hlinkClick r:id="rId9"/>
+              </a:rPr>
+              <a:t>brackets.io</a:t>
+            </a:r>
+            <a:endParaRPr lang="en-US" sz="2000" dirty="0">
+              <a:cs typeface="Consolas" panose="020B0609020204030204" pitchFamily="49" charset="0"/>
+            </a:endParaRPr>
+          </a:p>
+          <a:p>
+            <a:r>
+              <a:rPr lang="en-US" sz="2000" dirty="0">
+                <a:cs typeface="Consolas" panose="020B0609020204030204" pitchFamily="49" charset="0"/>
+                <a:hlinkClick r:id="rId10"/>
+              </a:rPr>
+              <a:t>http://</a:t>
+            </a:r>
+            <a:r>
+              <a:rPr lang="en-US" sz="2000" dirty="0" smtClean="0">
+                <a:cs typeface="Consolas" panose="020B0609020204030204" pitchFamily="49" charset="0"/>
+                <a:hlinkClick r:id="rId10"/>
+              </a:rPr>
+              <a:t>www.pixijs.com</a:t>
+            </a:r>
+            <a:endParaRPr lang="en-US" sz="2000" dirty="0">
+              <a:cs typeface="Consolas" panose="020B0609020204030204" pitchFamily="49" charset="0"/>
+            </a:endParaRPr>
+          </a:p>
+          <a:p>
+            <a:r>
+              <a:rPr lang="en-US" sz="2000" dirty="0">
+                <a:cs typeface="Consolas" panose="020B0609020204030204" pitchFamily="49" charset="0"/>
+                <a:hlinkClick r:id="rId11"/>
+              </a:rPr>
+              <a:t>http://</a:t>
+            </a:r>
+            <a:r>
+              <a:rPr lang="en-US" sz="2000" dirty="0" smtClean="0">
+                <a:cs typeface="Consolas" panose="020B0609020204030204" pitchFamily="49" charset="0"/>
+                <a:hlinkClick r:id="rId11"/>
+              </a:rPr>
+              <a:t>schteppe.github.io/p2.js</a:t>
+            </a:r>
+            <a:endParaRPr lang="en-US" sz="2000" dirty="0">
+              <a:cs typeface="Consolas" panose="020B0609020204030204" pitchFamily="49" charset="0"/>
+            </a:endParaRPr>
+          </a:p>
+          <a:p>
+            <a:r>
+              <a:rPr lang="en-GB" sz="2000" dirty="0">
+                <a:cs typeface="Consolas" panose="020B0609020204030204" pitchFamily="49" charset="0"/>
+                <a:hlinkClick r:id="rId12"/>
+              </a:rPr>
+              <a:t>http://</a:t>
+            </a:r>
+            <a:r>
+              <a:rPr lang="en-GB" sz="2000" dirty="0" smtClean="0">
+                <a:cs typeface="Consolas" panose="020B0609020204030204" pitchFamily="49" charset="0"/>
+                <a:hlinkClick r:id="rId12"/>
+              </a:rPr>
+              <a:t>www.mapeditor.org</a:t>
+            </a:r>
+            <a:endParaRPr lang="en-GB" sz="2000" dirty="0">
+              <a:cs typeface="Consolas" panose="020B0609020204030204" pitchFamily="49" charset="0"/>
+            </a:endParaRPr>
+          </a:p>
+          <a:p>
+            <a:endParaRPr lang="it-IT" sz="2000" dirty="0"/>
+          </a:p>
+        </p:txBody>
+      </p:sp>
+      <p:sp>
+        <p:nvSpPr>
+          <p:cNvPr id="7" name="Segnaposto contenuto 6"/>
+          <p:cNvSpPr>
+            <a:spLocks noGrp="1"/>
+          </p:cNvSpPr>
+          <p:nvPr>
+            <p:ph sz="half" idx="2"/>
+          </p:nvPr>
+        </p:nvSpPr>
+        <p:spPr/>
+        <p:txBody>
+          <a:bodyPr>
+            <a:normAutofit/>
+          </a:bodyPr>
+          <a:lstStyle/>
+          <a:p>
+            <a:r>
+              <a:rPr lang="it-IT" sz="2000" dirty="0">
+                <a:hlinkClick r:id="rId13"/>
+              </a:rPr>
+              <a:t>http://</a:t>
+            </a:r>
+            <a:r>
+              <a:rPr lang="it-IT" sz="2000" dirty="0" smtClean="0">
+                <a:hlinkClick r:id="rId13"/>
+              </a:rPr>
+              <a:t>xdk-software.intel.com</a:t>
+            </a:r>
+            <a:endParaRPr lang="it-IT" sz="2000" dirty="0" smtClean="0"/>
+          </a:p>
+          <a:p>
+            <a:r>
+              <a:rPr lang="it-IT" sz="2000" dirty="0">
+                <a:hlinkClick r:id="rId14"/>
+              </a:rPr>
+              <a:t>https://</a:t>
+            </a:r>
+            <a:r>
+              <a:rPr lang="it-IT" sz="2000" dirty="0" smtClean="0">
+                <a:hlinkClick r:id="rId14"/>
+              </a:rPr>
+              <a:t>www.ludei.com/cocoonjs</a:t>
+            </a:r>
+            <a:endParaRPr lang="it-IT" sz="2000" dirty="0" smtClean="0"/>
+          </a:p>
+          <a:p>
+            <a:r>
+              <a:rPr lang="it-IT" sz="2000" dirty="0">
+                <a:hlinkClick r:id="rId15"/>
+              </a:rPr>
+              <a:t>https://</a:t>
+            </a:r>
+            <a:r>
+              <a:rPr lang="it-IT" sz="2000" dirty="0" smtClean="0">
+                <a:hlinkClick r:id="rId15"/>
+              </a:rPr>
+              <a:t>cordova.apache.org</a:t>
+            </a:r>
+            <a:endParaRPr lang="it-IT" sz="2000" dirty="0" smtClean="0"/>
+          </a:p>
+          <a:p>
+            <a:r>
+              <a:rPr lang="it-IT" sz="2000" dirty="0">
+                <a:hlinkClick r:id="rId16"/>
+              </a:rPr>
+              <a:t>http://</a:t>
+            </a:r>
+            <a:r>
+              <a:rPr lang="it-IT" sz="2000" dirty="0" smtClean="0">
+                <a:hlinkClick r:id="rId16"/>
+              </a:rPr>
+              <a:t>phonegap.com</a:t>
+            </a:r>
+            <a:endParaRPr lang="it-IT" sz="2000" dirty="0" smtClean="0"/>
+          </a:p>
+          <a:p>
+            <a:endParaRPr lang="it-IT" dirty="0"/>
+          </a:p>
+        </p:txBody>
+      </p:sp>
+      <p:sp>
+        <p:nvSpPr>
+          <p:cNvPr id="4" name="Segnaposto data 3"/>
+          <p:cNvSpPr>
+            <a:spLocks noGrp="1"/>
+          </p:cNvSpPr>
+          <p:nvPr>
+            <p:ph type="dt" sz="half" idx="10"/>
+          </p:nvPr>
+        </p:nvSpPr>
+        <p:spPr/>
+        <p:txBody>
+          <a:bodyPr/>
+          <a:lstStyle/>
+          <a:p>
+            <a:r>
+              <a:rPr lang="en-US" b="1" i="1" smtClean="0">
+                <a:solidFill>
+                  <a:schemeClr val="bg1"/>
+                </a:solidFill>
+              </a:rPr>
+              <a:t>ROME  11-12 april 2014 – Valerio Riva</a:t>
+            </a:r>
+            <a:endParaRPr lang="it-IT" b="1" i="1" dirty="0">
+              <a:solidFill>
+                <a:schemeClr val="bg1"/>
+              </a:solidFill>
+            </a:endParaRPr>
+          </a:p>
+        </p:txBody>
+      </p:sp>
+      <p:sp>
+        <p:nvSpPr>
+          <p:cNvPr id="5" name="Segnaposto numero diapositiva 4"/>
+          <p:cNvSpPr>
+            <a:spLocks noGrp="1"/>
+          </p:cNvSpPr>
+          <p:nvPr>
+            <p:ph type="sldNum" sz="quarter" idx="12"/>
+          </p:nvPr>
+        </p:nvSpPr>
+        <p:spPr/>
+        <p:txBody>
+          <a:bodyPr/>
+          <a:lstStyle/>
+          <a:p>
+            <a:fld id="{219C0E88-5C08-45F5-BD91-E93F425D2D58}" type="slidenum">
+              <a:rPr lang="it-IT" smtClean="0"/>
+              <a:t>28</a:t>
+            </a:fld>
+            <a:endParaRPr lang="it-IT" dirty="0"/>
+          </a:p>
+        </p:txBody>
+      </p:sp>
+    </p:spTree>
+    <p:extLst>
+      <p:ext uri="{BB962C8B-B14F-4D97-AF65-F5344CB8AC3E}">
+        <p14:creationId xmlns:p14="http://schemas.microsoft.com/office/powerpoint/2010/main" val="2542844374"/>
+      </p:ext>
+    </p:extLst>
+  </p:cSld>
+  <p:clrMapOvr>
+    <a:masterClrMapping/>
+  </p:clrMapOvr>
+  <p:timing>
+    <p:tnLst>
+      <p:par>
+        <p:cTn id="1" dur="indefinite" restart="never" nodeType="tmRoot"/>
+      </p:par>
+    </p:tnLst>
+  </p:timing>
+</p:sld>
+</file>
+
+<file path=ppt/slides/slide29.xml><?xml version="1.0" encoding="utf-8"?>
+<p:sld xmlns:a="http://schemas.openxmlformats.org/drawingml/2006/main" xmlns:r="http://schemas.openxmlformats.org/officeDocument/2006/relationships" xmlns:p="http://schemas.openxmlformats.org/presentationml/2006/main">
+  <p:cSld>
+    <p:spTree>
+      <p:nvGrpSpPr>
+        <p:cNvPr id="1" name=""/>
+        <p:cNvGrpSpPr/>
+        <p:nvPr/>
+      </p:nvGrpSpPr>
+      <p:grpSpPr>
+        <a:xfrm>
+          <a:off x="0" y="0"/>
+          <a:ext cx="0" cy="0"/>
+          <a:chOff x="0" y="0"/>
+          <a:chExt cx="0" cy="0"/>
+        </a:xfrm>
+      </p:grpSpPr>
+      <p:sp>
+        <p:nvSpPr>
+          <p:cNvPr id="2" name="Titolo 1"/>
+          <p:cNvSpPr>
+            <a:spLocks noGrp="1"/>
+          </p:cNvSpPr>
+          <p:nvPr>
+            <p:ph type="title"/>
+          </p:nvPr>
+        </p:nvSpPr>
+        <p:spPr/>
+        <p:txBody>
+          <a:bodyPr>
+            <a:normAutofit/>
+          </a:bodyPr>
+          <a:lstStyle/>
+          <a:p>
+            <a:pPr algn="ctr"/>
+            <a:r>
+              <a:rPr lang="en-US" sz="4000" dirty="0" smtClean="0"/>
+              <a:t>Question &amp; Answers</a:t>
             </a:r>
             <a:endParaRPr lang="en-US" sz="4000" dirty="0"/>
           </a:p>
@@ -11763,7 +12041,7 @@
           <a:p>
             <a:fld id="{219C0E88-5C08-45F5-BD91-E93F425D2D58}" type="slidenum">
               <a:rPr lang="it-IT" smtClean="0"/>
-              <a:t>28</a:t>
+              <a:t>29</a:t>
             </a:fld>
             <a:endParaRPr lang="it-IT" dirty="0"/>
           </a:p>
@@ -11772,7 +12050,7 @@
     </p:spTree>
     <p:extLst>
       <p:ext uri="{BB962C8B-B14F-4D97-AF65-F5344CB8AC3E}">
-        <p14:creationId xmlns:p14="http://schemas.microsoft.com/office/powerpoint/2010/main" val="877185343"/>
+        <p14:creationId xmlns:p14="http://schemas.microsoft.com/office/powerpoint/2010/main" val="3067319506"/>
       </p:ext>
     </p:extLst>
   </p:cSld>
@@ -11865,7 +12143,7 @@
           <a:p>
             <a:r>
               <a:rPr lang="en-US" dirty="0" smtClean="0"/>
-              <a:t>Deployment</a:t>
+              <a:t>Deployment on mobile devices</a:t>
             </a:r>
             <a:endParaRPr lang="en-US" dirty="0"/>
           </a:p>
@@ -11915,7 +12193,7 @@
         </p:nvGrpSpPr>
         <p:grpSpPr>
           <a:xfrm>
-            <a:off x="3923928" y="4078858"/>
+            <a:off x="4054359" y="4231481"/>
             <a:ext cx="4462545" cy="2124869"/>
             <a:chOff x="299955" y="4581128"/>
             <a:chExt cx="4462545" cy="2124869"/>
@@ -12009,6 +12287,151 @@
     <p:extLst>
       <p:ext uri="{BB962C8B-B14F-4D97-AF65-F5344CB8AC3E}">
         <p14:creationId xmlns:p14="http://schemas.microsoft.com/office/powerpoint/2010/main" val="3425603004"/>
+      </p:ext>
+    </p:extLst>
+  </p:cSld>
+  <p:clrMapOvr>
+    <a:masterClrMapping/>
+  </p:clrMapOvr>
+  <p:timing>
+    <p:tnLst>
+      <p:par>
+        <p:cTn id="1" dur="indefinite" restart="never" nodeType="tmRoot"/>
+      </p:par>
+    </p:tnLst>
+  </p:timing>
+</p:sld>
+</file>
+
+<file path=ppt/slides/slide30.xml><?xml version="1.0" encoding="utf-8"?>
+<p:sld xmlns:a="http://schemas.openxmlformats.org/drawingml/2006/main" xmlns:r="http://schemas.openxmlformats.org/officeDocument/2006/relationships" xmlns:p="http://schemas.openxmlformats.org/presentationml/2006/main">
+  <p:cSld>
+    <p:spTree>
+      <p:nvGrpSpPr>
+        <p:cNvPr id="1" name=""/>
+        <p:cNvGrpSpPr/>
+        <p:nvPr/>
+      </p:nvGrpSpPr>
+      <p:grpSpPr>
+        <a:xfrm>
+          <a:off x="0" y="0"/>
+          <a:ext cx="0" cy="0"/>
+          <a:chOff x="0" y="0"/>
+          <a:chExt cx="0" cy="0"/>
+        </a:xfrm>
+      </p:grpSpPr>
+      <p:sp>
+        <p:nvSpPr>
+          <p:cNvPr id="2" name="Titolo 1"/>
+          <p:cNvSpPr>
+            <a:spLocks noGrp="1"/>
+          </p:cNvSpPr>
+          <p:nvPr>
+            <p:ph type="title"/>
+          </p:nvPr>
+        </p:nvSpPr>
+        <p:spPr/>
+        <p:txBody>
+          <a:bodyPr>
+            <a:normAutofit/>
+          </a:bodyPr>
+          <a:lstStyle/>
+          <a:p>
+            <a:pPr algn="ctr"/>
+            <a:r>
+              <a:rPr lang="en-US" sz="4000" dirty="0" smtClean="0"/>
+              <a:t>Thank you</a:t>
+            </a:r>
+            <a:endParaRPr lang="en-US" sz="4000" dirty="0"/>
+          </a:p>
+        </p:txBody>
+      </p:sp>
+      <p:sp>
+        <p:nvSpPr>
+          <p:cNvPr id="3" name="Segnaposto contenuto 2"/>
+          <p:cNvSpPr>
+            <a:spLocks noGrp="1"/>
+          </p:cNvSpPr>
+          <p:nvPr>
+            <p:ph idx="1"/>
+          </p:nvPr>
+        </p:nvSpPr>
+        <p:spPr/>
+        <p:txBody>
+          <a:bodyPr>
+            <a:normAutofit/>
+          </a:bodyPr>
+          <a:lstStyle/>
+          <a:p>
+            <a:endParaRPr lang="en-GB" sz="2000" dirty="0" smtClean="0">
+              <a:cs typeface="Consolas" panose="020B0609020204030204" pitchFamily="49" charset="0"/>
+            </a:endParaRPr>
+          </a:p>
+        </p:txBody>
+      </p:sp>
+      <p:sp>
+        <p:nvSpPr>
+          <p:cNvPr id="4" name="Segnaposto data 3"/>
+          <p:cNvSpPr>
+            <a:spLocks noGrp="1"/>
+          </p:cNvSpPr>
+          <p:nvPr>
+            <p:ph type="dt" sz="half" idx="10"/>
+          </p:nvPr>
+        </p:nvSpPr>
+        <p:spPr>
+          <a:xfrm>
+            <a:off x="539552" y="115094"/>
+            <a:ext cx="3233886" cy="365125"/>
+          </a:xfrm>
+        </p:spPr>
+        <p:txBody>
+          <a:bodyPr/>
+          <a:lstStyle/>
+          <a:p>
+            <a:r>
+              <a:rPr lang="en-US" b="1" i="1" smtClean="0">
+                <a:solidFill>
+                  <a:schemeClr val="bg1"/>
+                </a:solidFill>
+              </a:rPr>
+              <a:t>ROME  11-12 april 2014 – Valerio Riva</a:t>
+            </a:r>
+            <a:endParaRPr lang="it-IT" b="1" i="1" dirty="0">
+              <a:solidFill>
+                <a:schemeClr val="bg1"/>
+              </a:solidFill>
+            </a:endParaRPr>
+          </a:p>
+        </p:txBody>
+      </p:sp>
+      <p:sp>
+        <p:nvSpPr>
+          <p:cNvPr id="5" name="Segnaposto numero diapositiva 4"/>
+          <p:cNvSpPr>
+            <a:spLocks noGrp="1"/>
+          </p:cNvSpPr>
+          <p:nvPr>
+            <p:ph type="sldNum" sz="quarter" idx="12"/>
+          </p:nvPr>
+        </p:nvSpPr>
+        <p:spPr/>
+        <p:txBody>
+          <a:bodyPr/>
+          <a:lstStyle/>
+          <a:p>
+            <a:fld id="{219C0E88-5C08-45F5-BD91-E93F425D2D58}" type="slidenum">
+              <a:rPr lang="it-IT" smtClean="0"/>
+              <a:t>30</a:t>
+            </a:fld>
+            <a:endParaRPr lang="it-IT" dirty="0"/>
+          </a:p>
+        </p:txBody>
+      </p:sp>
+    </p:spTree>
+    <p:extLst>
+      <p:ext uri="{BB962C8B-B14F-4D97-AF65-F5344CB8AC3E}">
+        <p14:creationId xmlns:p14="http://schemas.microsoft.com/office/powerpoint/2010/main" val="877185343"/>
       </p:ext>
     </p:extLst>
   </p:cSld>
@@ -12340,11 +12763,7 @@
           <a:p>
             <a:r>
               <a:rPr lang="en-GB" dirty="0" smtClean="0"/>
-              <a:t>Any hosting</a:t>
-            </a:r>
-            <a:r>
-              <a:rPr lang="en-GB" dirty="0" smtClean="0"/>
-              <a:t>!</a:t>
+              <a:t>Any hosting!</a:t>
             </a:r>
           </a:p>
           <a:p>
@@ -12356,38 +12775,32 @@
           <a:p>
             <a:pPr lvl="1"/>
             <a:r>
-              <a:rPr lang="en-GB" dirty="0">
-                <a:hlinkClick r:id="rId2"/>
-              </a:rPr>
-              <a:t>h</a:t>
-            </a:r>
-            <a:r>
               <a:rPr lang="en-GB" sz="2000" dirty="0">
                 <a:hlinkClick r:id="rId2"/>
               </a:rPr>
-              <a:t>ttp</a:t>
+              <a:t>http://</a:t>
             </a:r>
             <a:r>
               <a:rPr lang="en-GB" sz="2000" dirty="0" smtClean="0">
                 <a:hlinkClick r:id="rId2"/>
               </a:rPr>
-              <a:t>://kongregate.com</a:t>
-            </a:r>
-            <a:endParaRPr lang="en-GB" sz="2000" dirty="0" smtClean="0"/>
+              <a:t>www.gamepix.com</a:t>
+            </a:r>
+            <a:endParaRPr lang="en-GB" sz="2000" dirty="0"/>
           </a:p>
           <a:p>
             <a:pPr lvl="1"/>
-            <a:r>
-              <a:rPr lang="en-GB" sz="2000" dirty="0">
-                <a:hlinkClick r:id="rId3"/>
-              </a:rPr>
-              <a:t>http://</a:t>
-            </a:r>
             <a:r>
               <a:rPr lang="en-GB" sz="2000" dirty="0" smtClean="0">
                 <a:hlinkClick r:id="rId3"/>
               </a:rPr>
-              <a:t>armorgames.com</a:t>
+              <a:t>http</a:t>
+            </a:r>
+            <a:r>
+              <a:rPr lang="en-GB" sz="2000" dirty="0" smtClean="0">
+                <a:hlinkClick r:id="rId3"/>
+              </a:rPr>
+              <a:t>://kongregate.com</a:t>
             </a:r>
             <a:endParaRPr lang="en-GB" sz="2000" dirty="0" smtClean="0"/>
           </a:p>
@@ -12397,11 +12810,27 @@
               <a:rPr lang="en-GB" sz="2000" dirty="0">
                 <a:hlinkClick r:id="rId4"/>
               </a:rPr>
+              <a:t>http://</a:t>
+            </a:r>
+            <a:r>
+              <a:rPr lang="en-GB" sz="2000" dirty="0" smtClean="0">
+                <a:hlinkClick r:id="rId4"/>
+              </a:rPr>
+              <a:t>armorgames.com</a:t>
+            </a:r>
+            <a:endParaRPr lang="en-GB" sz="2000" dirty="0" smtClean="0"/>
+          </a:p>
+          <a:p>
+            <a:pPr lvl="1"/>
+            <a:r>
+              <a:rPr lang="en-GB" sz="2000" dirty="0">
+                <a:hlinkClick r:id="rId5"/>
+              </a:rPr>
               <a:t>http</a:t>
             </a:r>
             <a:r>
-              <a:rPr lang="en-GB" sz="2000" smtClean="0">
-                <a:hlinkClick r:id="rId4"/>
+              <a:rPr lang="en-GB" sz="2000" dirty="0" smtClean="0">
+                <a:hlinkClick r:id="rId5"/>
               </a:rPr>
               <a:t>://newgrounds.com</a:t>
             </a:r>
@@ -12480,13 +12909,17 @@
               <a:rPr lang="en-GB" dirty="0" smtClean="0"/>
               <a:t>)</a:t>
             </a:r>
+          </a:p>
+          <a:p>
+            <a:r>
+              <a:rPr lang="en-GB" dirty="0" smtClean="0"/>
+              <a:t>Intel </a:t>
+            </a:r>
+            <a:r>
+              <a:rPr lang="en-GB" dirty="0" smtClean="0"/>
+              <a:t>XDK</a:t>
+            </a:r>
             <a:endParaRPr lang="en-GB" dirty="0" smtClean="0"/>
-          </a:p>
-          <a:p>
-            <a:r>
-              <a:rPr lang="en-GB" dirty="0" smtClean="0"/>
-              <a:t>Intel XDK</a:t>
-            </a:r>
           </a:p>
           <a:p>
             <a:pPr lvl="1"/>
@@ -12531,23 +12964,7 @@
             <a:pPr lvl="1"/>
             <a:r>
               <a:rPr lang="en-GB" dirty="0" smtClean="0"/>
-              <a:t>API </a:t>
-            </a:r>
-            <a:r>
-              <a:rPr lang="en-GB" dirty="0" smtClean="0"/>
-              <a:t>for Ads</a:t>
-            </a:r>
-            <a:r>
-              <a:rPr lang="en-GB" dirty="0" smtClean="0"/>
-              <a:t>, IAP, </a:t>
-            </a:r>
-            <a:r>
-              <a:rPr lang="en-GB" dirty="0" smtClean="0"/>
-              <a:t>accelerometer, etc</a:t>
-            </a:r>
-            <a:r>
-              <a:rPr lang="en-GB" dirty="0" smtClean="0"/>
-              <a:t>.</a:t>
+              <a:t>API for Ads, IAP, accelerometer, etc.</a:t>
             </a:r>
             <a:endParaRPr lang="en-GB" dirty="0"/>
           </a:p>
@@ -13011,15 +13428,35 @@
             <a:pPr lvl="1"/>
             <a:r>
               <a:rPr lang="en-US" dirty="0" smtClean="0"/>
-              <a:t>“arcade” classic AABB engine</a:t>
-            </a:r>
+              <a:t>“arcade</a:t>
+            </a:r>
+            <a:r>
+              <a:rPr lang="en-US" dirty="0" smtClean="0"/>
+              <a:t>”: simple AABB </a:t>
+            </a:r>
+            <a:r>
+              <a:rPr lang="en-US" dirty="0" smtClean="0"/>
+              <a:t>physics </a:t>
+            </a:r>
+            <a:r>
+              <a:rPr lang="en-US" dirty="0" smtClean="0"/>
+              <a:t>engine</a:t>
+            </a:r>
+            <a:endParaRPr lang="en-US" dirty="0" smtClean="0"/>
           </a:p>
           <a:p>
             <a:pPr lvl="1"/>
             <a:r>
+              <a:rPr lang="en-US" dirty="0" smtClean="0"/>
+              <a:t>p2.js: complete physics engine</a:t>
+            </a:r>
+            <a:r>
               <a:rPr lang="en-US" dirty="0"/>
-              <a:t>p2.js </a:t>
-            </a:r>
+              <a:t/>
+            </a:r>
+            <a:br>
+              <a:rPr lang="en-US" dirty="0"/>
+            </a:br>
             <a:r>
               <a:rPr lang="en-US" dirty="0" smtClean="0"/>
               <a:t>(</a:t>
@@ -13239,7 +13676,7 @@
           </a:p>
           <a:p>
             <a:r>
-              <a:rPr lang="en-US" dirty="0" err="1"/>
+              <a:rPr lang="en-US" dirty="0"/>
               <a:t>Tilemap</a:t>
             </a:r>
             <a:endParaRPr lang="en-US" dirty="0" smtClean="0"/>

--- a/codemotion.pptx
+++ b/codemotion.pptx
@@ -306,7 +306,7 @@
           <a:p>
             <a:fld id="{DC661A4A-D0C3-4623-84C2-FD4286BDBB96}" type="datetimeFigureOut">
               <a:rPr lang="it-IT" smtClean="0"/>
-              <a:t>06/04/2014</a:t>
+              <a:t>07/04/2014</a:t>
             </a:fld>
             <a:endParaRPr lang="it-IT"/>
           </a:p>
@@ -8421,7 +8421,15 @@
           <a:p>
             <a:r>
               <a:rPr lang="en-US" dirty="0" smtClean="0"/>
-              <a:t>More complex is the engine, more computation is needed</a:t>
+              <a:t>More complex is the engine, more computation is </a:t>
+            </a:r>
+            <a:r>
+              <a:rPr lang="en-US" dirty="0" smtClean="0"/>
+              <a:t>needed. </a:t>
+            </a:r>
+            <a:r>
+              <a:rPr lang="en-US" smtClean="0"/>
+              <a:t>Choose wisely!</a:t>
             </a:r>
             <a:endParaRPr lang="en-US" dirty="0" smtClean="0"/>
           </a:p>
@@ -8777,9 +8785,7 @@
           </p:nvPr>
         </p:nvSpPr>
         <p:spPr>
-          <a:solidFill>
-            <a:schemeClr val="accent2"/>
-          </a:solidFill>
+          <a:noFill/>
         </p:spPr>
         <p:txBody>
           <a:bodyPr>
@@ -8788,17 +8794,345 @@
           <a:lstStyle/>
           <a:p>
             <a:pPr marL="0" indent="0">
+              <a:lnSpc>
+                <a:spcPct val="100000"/>
+              </a:lnSpc>
+              <a:spcBef>
+                <a:spcPts val="0"/>
+              </a:spcBef>
               <a:buNone/>
             </a:pPr>
             <a:r>
-              <a:rPr lang="en-US" dirty="0" err="1" smtClean="0"/>
-              <a:t>Fillme</a:t>
-            </a:r>
-            <a:r>
-              <a:rPr lang="en-US" smtClean="0"/>
-              <a:t>!</a:t>
-            </a:r>
-            <a:endParaRPr lang="en-US" dirty="0" smtClean="0"/>
+              <a:rPr lang="en-US" sz="1800" dirty="0" smtClean="0">
+                <a:latin typeface="Consolas" panose="020B0609020204030204" pitchFamily="49" charset="0"/>
+                <a:cs typeface="Consolas" panose="020B0609020204030204" pitchFamily="49" charset="0"/>
+              </a:rPr>
+              <a:t>function create() { 	</a:t>
+            </a:r>
+            <a:r>
+              <a:rPr lang="en-US" sz="1800" dirty="0" err="1" smtClean="0">
+                <a:latin typeface="Consolas" panose="020B0609020204030204" pitchFamily="49" charset="0"/>
+                <a:cs typeface="Consolas" panose="020B0609020204030204" pitchFamily="49" charset="0"/>
+              </a:rPr>
+              <a:t>game.physics.startSystem</a:t>
+            </a:r>
+            <a:r>
+              <a:rPr lang="en-US" sz="1800" dirty="0" smtClean="0">
+                <a:latin typeface="Consolas" panose="020B0609020204030204" pitchFamily="49" charset="0"/>
+                <a:cs typeface="Consolas" panose="020B0609020204030204" pitchFamily="49" charset="0"/>
+              </a:rPr>
+              <a:t>(</a:t>
+            </a:r>
+            <a:r>
+              <a:rPr lang="en-US" sz="1800" dirty="0" err="1" smtClean="0">
+                <a:latin typeface="Consolas" panose="020B0609020204030204" pitchFamily="49" charset="0"/>
+                <a:cs typeface="Consolas" panose="020B0609020204030204" pitchFamily="49" charset="0"/>
+              </a:rPr>
+              <a:t>Phaser.Physics.ARCADE</a:t>
+            </a:r>
+            <a:r>
+              <a:rPr lang="en-US" sz="1800" dirty="0" smtClean="0">
+                <a:latin typeface="Consolas" panose="020B0609020204030204" pitchFamily="49" charset="0"/>
+                <a:cs typeface="Consolas" panose="020B0609020204030204" pitchFamily="49" charset="0"/>
+              </a:rPr>
+              <a:t>);</a:t>
+            </a:r>
+          </a:p>
+          <a:p>
+            <a:pPr marL="0" indent="0">
+              <a:lnSpc>
+                <a:spcPct val="100000"/>
+              </a:lnSpc>
+              <a:spcBef>
+                <a:spcPts val="0"/>
+              </a:spcBef>
+              <a:buNone/>
+            </a:pPr>
+            <a:r>
+              <a:rPr lang="en-US" sz="1800" dirty="0" smtClean="0">
+                <a:latin typeface="Consolas" panose="020B0609020204030204" pitchFamily="49" charset="0"/>
+                <a:cs typeface="Consolas" panose="020B0609020204030204" pitchFamily="49" charset="0"/>
+              </a:rPr>
+              <a:t>	sprite = </a:t>
+            </a:r>
+            <a:r>
+              <a:rPr lang="en-US" sz="1800" dirty="0" err="1">
+                <a:latin typeface="Consolas" panose="020B0609020204030204" pitchFamily="49" charset="0"/>
+                <a:cs typeface="Consolas" panose="020B0609020204030204" pitchFamily="49" charset="0"/>
+              </a:rPr>
+              <a:t>game.add.sprite</a:t>
+            </a:r>
+            <a:r>
+              <a:rPr lang="en-US" sz="1800" dirty="0">
+                <a:latin typeface="Consolas" panose="020B0609020204030204" pitchFamily="49" charset="0"/>
+                <a:cs typeface="Consolas" panose="020B0609020204030204" pitchFamily="49" charset="0"/>
+              </a:rPr>
+              <a:t>(0, </a:t>
+            </a:r>
+            <a:r>
+              <a:rPr lang="en-US" sz="1800" dirty="0" smtClean="0">
+                <a:latin typeface="Consolas" panose="020B0609020204030204" pitchFamily="49" charset="0"/>
+                <a:cs typeface="Consolas" panose="020B0609020204030204" pitchFamily="49" charset="0"/>
+              </a:rPr>
+              <a:t>0, </a:t>
+            </a:r>
+            <a:r>
+              <a:rPr lang="en-US" sz="1800" dirty="0">
+                <a:latin typeface="Consolas" panose="020B0609020204030204" pitchFamily="49" charset="0"/>
+                <a:cs typeface="Consolas" panose="020B0609020204030204" pitchFamily="49" charset="0"/>
+              </a:rPr>
+              <a:t>'</a:t>
+            </a:r>
+            <a:r>
+              <a:rPr lang="en-US" sz="1800" dirty="0" smtClean="0">
+                <a:latin typeface="Consolas" panose="020B0609020204030204" pitchFamily="49" charset="0"/>
+                <a:cs typeface="Consolas" panose="020B0609020204030204" pitchFamily="49" charset="0"/>
+              </a:rPr>
+              <a:t>image');</a:t>
+            </a:r>
+          </a:p>
+          <a:p>
+            <a:pPr marL="0" indent="0">
+              <a:lnSpc>
+                <a:spcPct val="100000"/>
+              </a:lnSpc>
+              <a:spcBef>
+                <a:spcPts val="0"/>
+              </a:spcBef>
+              <a:buNone/>
+            </a:pPr>
+            <a:r>
+              <a:rPr lang="en-US" sz="1800" dirty="0" smtClean="0">
+                <a:latin typeface="Consolas" panose="020B0609020204030204" pitchFamily="49" charset="0"/>
+                <a:cs typeface="Consolas" panose="020B0609020204030204" pitchFamily="49" charset="0"/>
+              </a:rPr>
+              <a:t>	</a:t>
+            </a:r>
+            <a:r>
+              <a:rPr lang="en-US" sz="1800" dirty="0" err="1" smtClean="0">
+                <a:latin typeface="Consolas" panose="020B0609020204030204" pitchFamily="49" charset="0"/>
+                <a:cs typeface="Consolas" panose="020B0609020204030204" pitchFamily="49" charset="0"/>
+              </a:rPr>
+              <a:t>game.physics.enable</a:t>
+            </a:r>
+            <a:r>
+              <a:rPr lang="en-US" sz="1800" dirty="0" smtClean="0">
+                <a:latin typeface="Consolas" panose="020B0609020204030204" pitchFamily="49" charset="0"/>
+                <a:cs typeface="Consolas" panose="020B0609020204030204" pitchFamily="49" charset="0"/>
+              </a:rPr>
+              <a:t>(sprite, </a:t>
+            </a:r>
+            <a:r>
+              <a:rPr lang="en-US" sz="1800" dirty="0" err="1">
+                <a:latin typeface="Consolas" panose="020B0609020204030204" pitchFamily="49" charset="0"/>
+                <a:cs typeface="Consolas" panose="020B0609020204030204" pitchFamily="49" charset="0"/>
+              </a:rPr>
+              <a:t>Phaser.Physics.ARCADE</a:t>
+            </a:r>
+            <a:r>
+              <a:rPr lang="en-US" sz="1800" dirty="0" smtClean="0">
+                <a:latin typeface="Consolas" panose="020B0609020204030204" pitchFamily="49" charset="0"/>
+                <a:cs typeface="Consolas" panose="020B0609020204030204" pitchFamily="49" charset="0"/>
+              </a:rPr>
+              <a:t>);</a:t>
+            </a:r>
+          </a:p>
+          <a:p>
+            <a:pPr marL="0" indent="0">
+              <a:lnSpc>
+                <a:spcPct val="100000"/>
+              </a:lnSpc>
+              <a:spcBef>
+                <a:spcPts val="0"/>
+              </a:spcBef>
+              <a:buNone/>
+            </a:pPr>
+            <a:r>
+              <a:rPr lang="en-US" sz="1800" dirty="0" smtClean="0">
+                <a:latin typeface="Consolas" panose="020B0609020204030204" pitchFamily="49" charset="0"/>
+                <a:cs typeface="Consolas" panose="020B0609020204030204" pitchFamily="49" charset="0"/>
+              </a:rPr>
+              <a:t>	</a:t>
+            </a:r>
+            <a:r>
+              <a:rPr lang="en-US" sz="1800" dirty="0" err="1" smtClean="0">
+                <a:latin typeface="Consolas" panose="020B0609020204030204" pitchFamily="49" charset="0"/>
+                <a:cs typeface="Consolas" panose="020B0609020204030204" pitchFamily="49" charset="0"/>
+              </a:rPr>
+              <a:t>sprite.body.collideWorldBounds</a:t>
+            </a:r>
+            <a:r>
+              <a:rPr lang="en-US" sz="1800" dirty="0" smtClean="0">
+                <a:latin typeface="Consolas" panose="020B0609020204030204" pitchFamily="49" charset="0"/>
+                <a:cs typeface="Consolas" panose="020B0609020204030204" pitchFamily="49" charset="0"/>
+              </a:rPr>
+              <a:t> </a:t>
+            </a:r>
+            <a:r>
+              <a:rPr lang="en-US" sz="1800" dirty="0">
+                <a:latin typeface="Consolas" panose="020B0609020204030204" pitchFamily="49" charset="0"/>
+                <a:cs typeface="Consolas" panose="020B0609020204030204" pitchFamily="49" charset="0"/>
+              </a:rPr>
+              <a:t>= true</a:t>
+            </a:r>
+            <a:r>
+              <a:rPr lang="en-US" sz="1800" dirty="0" smtClean="0">
+                <a:latin typeface="Consolas" panose="020B0609020204030204" pitchFamily="49" charset="0"/>
+                <a:cs typeface="Consolas" panose="020B0609020204030204" pitchFamily="49" charset="0"/>
+              </a:rPr>
+              <a:t>;</a:t>
+            </a:r>
+          </a:p>
+          <a:p>
+            <a:pPr marL="0" indent="0">
+              <a:lnSpc>
+                <a:spcPct val="100000"/>
+              </a:lnSpc>
+              <a:spcBef>
+                <a:spcPts val="0"/>
+              </a:spcBef>
+              <a:buNone/>
+            </a:pPr>
+            <a:r>
+              <a:rPr lang="en-US" sz="1800" dirty="0" smtClean="0">
+                <a:latin typeface="Consolas" panose="020B0609020204030204" pitchFamily="49" charset="0"/>
+                <a:cs typeface="Consolas" panose="020B0609020204030204" pitchFamily="49" charset="0"/>
+              </a:rPr>
+              <a:t>	</a:t>
+            </a:r>
+            <a:r>
+              <a:rPr lang="en-US" sz="1800" dirty="0" err="1" smtClean="0">
+                <a:latin typeface="Consolas" panose="020B0609020204030204" pitchFamily="49" charset="0"/>
+                <a:cs typeface="Consolas" panose="020B0609020204030204" pitchFamily="49" charset="0"/>
+              </a:rPr>
+              <a:t>sprite.body.bounce.set</a:t>
+            </a:r>
+            <a:r>
+              <a:rPr lang="en-US" sz="1800" dirty="0" smtClean="0">
+                <a:latin typeface="Consolas" panose="020B0609020204030204" pitchFamily="49" charset="0"/>
+                <a:cs typeface="Consolas" panose="020B0609020204030204" pitchFamily="49" charset="0"/>
+              </a:rPr>
+              <a:t>(1);</a:t>
+            </a:r>
+          </a:p>
+          <a:p>
+            <a:pPr marL="0" indent="0">
+              <a:lnSpc>
+                <a:spcPct val="100000"/>
+              </a:lnSpc>
+              <a:spcBef>
+                <a:spcPts val="0"/>
+              </a:spcBef>
+              <a:buNone/>
+            </a:pPr>
+            <a:r>
+              <a:rPr lang="en-US" sz="1800" dirty="0" smtClean="0">
+                <a:latin typeface="Consolas" panose="020B0609020204030204" pitchFamily="49" charset="0"/>
+                <a:cs typeface="Consolas" panose="020B0609020204030204" pitchFamily="49" charset="0"/>
+              </a:rPr>
+              <a:t>}</a:t>
+            </a:r>
+          </a:p>
+          <a:p>
+            <a:pPr marL="0" indent="0">
+              <a:lnSpc>
+                <a:spcPct val="100000"/>
+              </a:lnSpc>
+              <a:spcBef>
+                <a:spcPts val="0"/>
+              </a:spcBef>
+              <a:buNone/>
+            </a:pPr>
+            <a:endParaRPr lang="en-US" sz="1800" dirty="0" smtClean="0">
+              <a:latin typeface="Consolas" panose="020B0609020204030204" pitchFamily="49" charset="0"/>
+              <a:cs typeface="Consolas" panose="020B0609020204030204" pitchFamily="49" charset="0"/>
+            </a:endParaRPr>
+          </a:p>
+          <a:p>
+            <a:pPr marL="0" indent="0">
+              <a:lnSpc>
+                <a:spcPct val="100000"/>
+              </a:lnSpc>
+              <a:spcBef>
+                <a:spcPts val="0"/>
+              </a:spcBef>
+              <a:buNone/>
+            </a:pPr>
+            <a:r>
+              <a:rPr lang="en-US" sz="1800" dirty="0" smtClean="0">
+                <a:latin typeface="Consolas" panose="020B0609020204030204" pitchFamily="49" charset="0"/>
+                <a:cs typeface="Consolas" panose="020B0609020204030204" pitchFamily="49" charset="0"/>
+              </a:rPr>
+              <a:t>function update() {</a:t>
+            </a:r>
+          </a:p>
+          <a:p>
+            <a:pPr marL="0" indent="0">
+              <a:lnSpc>
+                <a:spcPct val="100000"/>
+              </a:lnSpc>
+              <a:spcBef>
+                <a:spcPts val="0"/>
+              </a:spcBef>
+              <a:buNone/>
+            </a:pPr>
+            <a:r>
+              <a:rPr lang="en-US" sz="1800" dirty="0" smtClean="0">
+                <a:latin typeface="Consolas" panose="020B0609020204030204" pitchFamily="49" charset="0"/>
+                <a:cs typeface="Consolas" panose="020B0609020204030204" pitchFamily="49" charset="0"/>
+              </a:rPr>
+              <a:t>	</a:t>
+            </a:r>
+            <a:r>
+              <a:rPr lang="en-US" sz="1800" dirty="0" err="1" smtClean="0">
+                <a:latin typeface="Consolas" panose="020B0609020204030204" pitchFamily="49" charset="0"/>
+                <a:cs typeface="Consolas" panose="020B0609020204030204" pitchFamily="49" charset="0"/>
+              </a:rPr>
+              <a:t>game.physics.arcade.collide</a:t>
+            </a:r>
+            <a:r>
+              <a:rPr lang="en-US" sz="1800" dirty="0" smtClean="0">
+                <a:latin typeface="Consolas" panose="020B0609020204030204" pitchFamily="49" charset="0"/>
+                <a:cs typeface="Consolas" panose="020B0609020204030204" pitchFamily="49" charset="0"/>
+              </a:rPr>
+              <a:t>(sprite, [tilemap, group], function(sprite, </a:t>
+            </a:r>
+            <a:r>
+              <a:rPr lang="en-US" sz="1800" dirty="0">
+                <a:latin typeface="Consolas" panose="020B0609020204030204" pitchFamily="49" charset="0"/>
+                <a:cs typeface="Consolas" panose="020B0609020204030204" pitchFamily="49" charset="0"/>
+              </a:rPr>
+              <a:t>o) </a:t>
+            </a:r>
+            <a:r>
+              <a:rPr lang="en-US" sz="1800" dirty="0" smtClean="0">
+                <a:latin typeface="Consolas" panose="020B0609020204030204" pitchFamily="49" charset="0"/>
+                <a:cs typeface="Consolas" panose="020B0609020204030204" pitchFamily="49" charset="0"/>
+              </a:rPr>
+              <a:t>{ … });</a:t>
+            </a:r>
+          </a:p>
+          <a:p>
+            <a:pPr marL="0" indent="0">
+              <a:lnSpc>
+                <a:spcPct val="100000"/>
+              </a:lnSpc>
+              <a:spcBef>
+                <a:spcPts val="0"/>
+              </a:spcBef>
+              <a:buNone/>
+            </a:pPr>
+            <a:r>
+              <a:rPr lang="en-US" sz="1800" dirty="0">
+                <a:latin typeface="Consolas" panose="020B0609020204030204" pitchFamily="49" charset="0"/>
+                <a:cs typeface="Consolas" panose="020B0609020204030204" pitchFamily="49" charset="0"/>
+              </a:rPr>
+              <a:t>}</a:t>
+            </a:r>
+            <a:endParaRPr lang="en-US" sz="1800" dirty="0" smtClean="0">
+              <a:latin typeface="Consolas" panose="020B0609020204030204" pitchFamily="49" charset="0"/>
+              <a:cs typeface="Consolas" panose="020B0609020204030204" pitchFamily="49" charset="0"/>
+            </a:endParaRPr>
           </a:p>
         </p:txBody>
       </p:sp>
@@ -12143,7 +12477,7 @@
           <a:p>
             <a:r>
               <a:rPr lang="en-US" dirty="0" smtClean="0"/>
-              <a:t>Deployment on mobile devices</a:t>
+              <a:t>Deployment</a:t>
             </a:r>
             <a:endParaRPr lang="en-US" dirty="0"/>
           </a:p>
@@ -12794,13 +13128,7 @@
               <a:rPr lang="en-GB" sz="2000" dirty="0" smtClean="0">
                 <a:hlinkClick r:id="rId3"/>
               </a:rPr>
-              <a:t>http</a:t>
-            </a:r>
-            <a:r>
-              <a:rPr lang="en-GB" sz="2000" dirty="0" smtClean="0">
-                <a:hlinkClick r:id="rId3"/>
-              </a:rPr>
-              <a:t>://kongregate.com</a:t>
+              <a:t>http://kongregate.com</a:t>
             </a:r>
             <a:endParaRPr lang="en-GB" sz="2000" dirty="0" smtClean="0"/>
           </a:p>
@@ -12913,13 +13241,8 @@
           <a:p>
             <a:r>
               <a:rPr lang="en-GB" dirty="0" smtClean="0"/>
-              <a:t>Intel </a:t>
-            </a:r>
-            <a:r>
-              <a:rPr lang="en-GB" dirty="0" smtClean="0"/>
-              <a:t>XDK</a:t>
-            </a:r>
-            <a:endParaRPr lang="en-GB" dirty="0" smtClean="0"/>
+              <a:t>Intel XDK</a:t>
+            </a:r>
           </a:p>
           <a:p>
             <a:pPr lvl="1"/>
@@ -13428,21 +13751,8 @@
             <a:pPr lvl="1"/>
             <a:r>
               <a:rPr lang="en-US" dirty="0" smtClean="0"/>
-              <a:t>“arcade</a:t>
-            </a:r>
-            <a:r>
-              <a:rPr lang="en-US" dirty="0" smtClean="0"/>
-              <a:t>”: simple AABB </a:t>
-            </a:r>
-            <a:r>
-              <a:rPr lang="en-US" dirty="0" smtClean="0"/>
-              <a:t>physics </a:t>
-            </a:r>
-            <a:r>
-              <a:rPr lang="en-US" dirty="0" smtClean="0"/>
-              <a:t>engine</a:t>
-            </a:r>
-            <a:endParaRPr lang="en-US" dirty="0" smtClean="0"/>
+              <a:t>“arcade”: simple AABB physics engine</a:t>
+            </a:r>
           </a:p>
           <a:p>
             <a:pPr lvl="1"/>

--- a/codemotion.pptx
+++ b/codemotion.pptx
@@ -6,39 +6,38 @@
     <p:sldMasterId id="2147483652" r:id="rId2"/>
   </p:sldMasterIdLst>
   <p:notesMasterIdLst>
-    <p:notesMasterId r:id="rId33"/>
+    <p:notesMasterId r:id="rId32"/>
   </p:notesMasterIdLst>
   <p:sldIdLst>
     <p:sldId id="259" r:id="rId3"/>
     <p:sldId id="262" r:id="rId4"/>
     <p:sldId id="263" r:id="rId5"/>
     <p:sldId id="264" r:id="rId6"/>
-    <p:sldId id="293" r:id="rId7"/>
-    <p:sldId id="265" r:id="rId8"/>
-    <p:sldId id="267" r:id="rId9"/>
-    <p:sldId id="266" r:id="rId10"/>
-    <p:sldId id="268" r:id="rId11"/>
-    <p:sldId id="270" r:id="rId12"/>
-    <p:sldId id="272" r:id="rId13"/>
-    <p:sldId id="273" r:id="rId14"/>
-    <p:sldId id="277" r:id="rId15"/>
-    <p:sldId id="279" r:id="rId16"/>
-    <p:sldId id="280" r:id="rId17"/>
-    <p:sldId id="282" r:id="rId18"/>
-    <p:sldId id="294" r:id="rId19"/>
-    <p:sldId id="281" r:id="rId20"/>
-    <p:sldId id="300" r:id="rId21"/>
-    <p:sldId id="301" r:id="rId22"/>
-    <p:sldId id="290" r:id="rId23"/>
-    <p:sldId id="284" r:id="rId24"/>
-    <p:sldId id="285" r:id="rId25"/>
-    <p:sldId id="286" r:id="rId26"/>
-    <p:sldId id="287" r:id="rId27"/>
-    <p:sldId id="291" r:id="rId28"/>
-    <p:sldId id="297" r:id="rId29"/>
+    <p:sldId id="265" r:id="rId7"/>
+    <p:sldId id="267" r:id="rId8"/>
+    <p:sldId id="266" r:id="rId9"/>
+    <p:sldId id="268" r:id="rId10"/>
+    <p:sldId id="270" r:id="rId11"/>
+    <p:sldId id="272" r:id="rId12"/>
+    <p:sldId id="273" r:id="rId13"/>
+    <p:sldId id="277" r:id="rId14"/>
+    <p:sldId id="280" r:id="rId15"/>
+    <p:sldId id="282" r:id="rId16"/>
+    <p:sldId id="294" r:id="rId17"/>
+    <p:sldId id="302" r:id="rId18"/>
+    <p:sldId id="281" r:id="rId19"/>
+    <p:sldId id="300" r:id="rId20"/>
+    <p:sldId id="301" r:id="rId21"/>
+    <p:sldId id="290" r:id="rId22"/>
+    <p:sldId id="284" r:id="rId23"/>
+    <p:sldId id="285" r:id="rId24"/>
+    <p:sldId id="286" r:id="rId25"/>
+    <p:sldId id="287" r:id="rId26"/>
+    <p:sldId id="291" r:id="rId27"/>
+    <p:sldId id="297" r:id="rId28"/>
+    <p:sldId id="293" r:id="rId29"/>
     <p:sldId id="296" r:id="rId30"/>
-    <p:sldId id="298" r:id="rId31"/>
-    <p:sldId id="299" r:id="rId32"/>
+    <p:sldId id="299" r:id="rId31"/>
   </p:sldIdLst>
   <p:sldSz cx="9144000" cy="6858000" type="screen4x3"/>
   <p:notesSz cx="6858000" cy="9144000"/>
@@ -176,7 +175,6 @@
             <p14:sldId id="262"/>
             <p14:sldId id="263"/>
             <p14:sldId id="264"/>
-            <p14:sldId id="293"/>
             <p14:sldId id="265"/>
             <p14:sldId id="267"/>
             <p14:sldId id="266"/>
@@ -185,10 +183,10 @@
             <p14:sldId id="272"/>
             <p14:sldId id="273"/>
             <p14:sldId id="277"/>
-            <p14:sldId id="279"/>
             <p14:sldId id="280"/>
             <p14:sldId id="282"/>
             <p14:sldId id="294"/>
+            <p14:sldId id="302"/>
             <p14:sldId id="281"/>
             <p14:sldId id="300"/>
             <p14:sldId id="301"/>
@@ -199,8 +197,8 @@
             <p14:sldId id="287"/>
             <p14:sldId id="291"/>
             <p14:sldId id="297"/>
+            <p14:sldId id="293"/>
             <p14:sldId id="296"/>
-            <p14:sldId id="298"/>
             <p14:sldId id="299"/>
           </p14:sldIdLst>
         </p14:section>
@@ -639,7 +637,7 @@
           <a:p>
             <a:fld id="{B74071AC-48DE-4D22-A987-195E984FE17A}" type="slidenum">
               <a:rPr lang="it-IT" smtClean="0"/>
-              <a:t>18</a:t>
+              <a:t>17</a:t>
             </a:fld>
             <a:endParaRPr lang="it-IT"/>
           </a:p>
@@ -732,90 +730,6 @@
     </p:spTree>
     <p:extLst>
       <p:ext uri="{BB962C8B-B14F-4D97-AF65-F5344CB8AC3E}">
-        <p14:creationId xmlns:p14="http://schemas.microsoft.com/office/powerpoint/2010/main" val="14870337"/>
-      </p:ext>
-    </p:extLst>
-  </p:cSld>
-  <p:clrMapOvr>
-    <a:masterClrMapping/>
-  </p:clrMapOvr>
-</p:notes>
-</file>
-
-<file path=ppt/notesSlides/notesSlide11.xml><?xml version="1.0" encoding="utf-8"?>
-<p:notes xmlns:a="http://schemas.openxmlformats.org/drawingml/2006/main" xmlns:r="http://schemas.openxmlformats.org/officeDocument/2006/relationships" xmlns:p="http://schemas.openxmlformats.org/presentationml/2006/main">
-  <p:cSld>
-    <p:spTree>
-      <p:nvGrpSpPr>
-        <p:cNvPr id="1" name=""/>
-        <p:cNvGrpSpPr/>
-        <p:nvPr/>
-      </p:nvGrpSpPr>
-      <p:grpSpPr>
-        <a:xfrm>
-          <a:off x="0" y="0"/>
-          <a:ext cx="0" cy="0"/>
-          <a:chOff x="0" y="0"/>
-          <a:chExt cx="0" cy="0"/>
-        </a:xfrm>
-      </p:grpSpPr>
-      <p:sp>
-        <p:nvSpPr>
-          <p:cNvPr id="2" name="Segnaposto immagine diapositiva 1"/>
-          <p:cNvSpPr>
-            <a:spLocks noGrp="1" noRot="1" noChangeAspect="1"/>
-          </p:cNvSpPr>
-          <p:nvPr>
-            <p:ph type="sldImg"/>
-          </p:nvPr>
-        </p:nvSpPr>
-        <p:spPr/>
-      </p:sp>
-      <p:sp>
-        <p:nvSpPr>
-          <p:cNvPr id="3" name="Segnaposto note 2"/>
-          <p:cNvSpPr>
-            <a:spLocks noGrp="1"/>
-          </p:cNvSpPr>
-          <p:nvPr>
-            <p:ph type="body" idx="1"/>
-          </p:nvPr>
-        </p:nvSpPr>
-        <p:spPr/>
-        <p:txBody>
-          <a:bodyPr/>
-          <a:lstStyle/>
-          <a:p>
-            <a:endParaRPr lang="en-GB"/>
-          </a:p>
-        </p:txBody>
-      </p:sp>
-      <p:sp>
-        <p:nvSpPr>
-          <p:cNvPr id="4" name="Segnaposto numero diapositiva 3"/>
-          <p:cNvSpPr>
-            <a:spLocks noGrp="1"/>
-          </p:cNvSpPr>
-          <p:nvPr>
-            <p:ph type="sldNum" sz="quarter" idx="10"/>
-          </p:nvPr>
-        </p:nvSpPr>
-        <p:spPr/>
-        <p:txBody>
-          <a:bodyPr/>
-          <a:lstStyle/>
-          <a:p>
-            <a:fld id="{B74071AC-48DE-4D22-A987-195E984FE17A}" type="slidenum">
-              <a:rPr lang="it-IT" smtClean="0"/>
-              <a:t>30</a:t>
-            </a:fld>
-            <a:endParaRPr lang="it-IT"/>
-          </a:p>
-        </p:txBody>
-      </p:sp>
-    </p:spTree>
-    <p:extLst>
-      <p:ext uri="{BB962C8B-B14F-4D97-AF65-F5344CB8AC3E}">
         <p14:creationId xmlns:p14="http://schemas.microsoft.com/office/powerpoint/2010/main" val="2838837127"/>
       </p:ext>
     </p:extLst>
@@ -891,7 +805,7 @@
           <a:p>
             <a:fld id="{B74071AC-48DE-4D22-A987-195E984FE17A}" type="slidenum">
               <a:rPr lang="it-IT" smtClean="0"/>
-              <a:t>21</a:t>
+              <a:t>20</a:t>
             </a:fld>
             <a:endParaRPr lang="it-IT"/>
           </a:p>
@@ -975,7 +889,7 @@
           <a:p>
             <a:fld id="{B74071AC-48DE-4D22-A987-195E984FE17A}" type="slidenum">
               <a:rPr lang="it-IT" smtClean="0"/>
-              <a:t>22</a:t>
+              <a:t>21</a:t>
             </a:fld>
             <a:endParaRPr lang="it-IT"/>
           </a:p>
@@ -1059,7 +973,7 @@
           <a:p>
             <a:fld id="{B74071AC-48DE-4D22-A987-195E984FE17A}" type="slidenum">
               <a:rPr lang="it-IT" smtClean="0"/>
-              <a:t>23</a:t>
+              <a:t>22</a:t>
             </a:fld>
             <a:endParaRPr lang="it-IT"/>
           </a:p>
@@ -1143,7 +1057,7 @@
           <a:p>
             <a:fld id="{B74071AC-48DE-4D22-A987-195E984FE17A}" type="slidenum">
               <a:rPr lang="it-IT" smtClean="0"/>
-              <a:t>24</a:t>
+              <a:t>23</a:t>
             </a:fld>
             <a:endParaRPr lang="it-IT"/>
           </a:p>
@@ -1227,7 +1141,7 @@
           <a:p>
             <a:fld id="{B74071AC-48DE-4D22-A987-195E984FE17A}" type="slidenum">
               <a:rPr lang="it-IT" smtClean="0"/>
-              <a:t>25</a:t>
+              <a:t>24</a:t>
             </a:fld>
             <a:endParaRPr lang="it-IT"/>
           </a:p>
@@ -1311,7 +1225,7 @@
           <a:p>
             <a:fld id="{B74071AC-48DE-4D22-A987-195E984FE17A}" type="slidenum">
               <a:rPr lang="it-IT" smtClean="0"/>
-              <a:t>26</a:t>
+              <a:t>25</a:t>
             </a:fld>
             <a:endParaRPr lang="it-IT"/>
           </a:p>
@@ -1395,7 +1309,7 @@
           <a:p>
             <a:fld id="{B74071AC-48DE-4D22-A987-195E984FE17A}" type="slidenum">
               <a:rPr lang="it-IT" smtClean="0"/>
-              <a:t>27</a:t>
+              <a:t>26</a:t>
             </a:fld>
             <a:endParaRPr lang="it-IT"/>
           </a:p>
@@ -5305,141 +5219,41 @@
             <a:pPr algn="ctr"/>
             <a:r>
               <a:rPr lang="en-US" sz="4000" dirty="0" smtClean="0"/>
-              <a:t>Phaser game state</a:t>
+              <a:t>Hello Phaser!</a:t>
             </a:r>
             <a:endParaRPr lang="en-US" sz="4000" dirty="0"/>
           </a:p>
         </p:txBody>
       </p:sp>
-      <p:sp>
-        <p:nvSpPr>
-          <p:cNvPr id="3" name="Segnaposto contenuto 2"/>
-          <p:cNvSpPr>
-            <a:spLocks noGrp="1"/>
-          </p:cNvSpPr>
+      <p:pic>
+        <p:nvPicPr>
+          <p:cNvPr id="7" name="Segnaposto contenuto 6"/>
+          <p:cNvPicPr>
+            <a:picLocks noGrp="1" noChangeAspect="1"/>
+          </p:cNvPicPr>
           <p:nvPr>
             <p:ph idx="1"/>
           </p:nvPr>
-        </p:nvSpPr>
-        <p:spPr/>
-        <p:txBody>
-          <a:bodyPr>
-            <a:normAutofit/>
-          </a:bodyPr>
-          <a:lstStyle/>
-          <a:p>
-            <a:pPr marL="0" indent="0">
-              <a:buNone/>
-            </a:pPr>
-            <a:r>
-              <a:rPr lang="en-US" dirty="0" smtClean="0"/>
-              <a:t>Main functions:</a:t>
-            </a:r>
-          </a:p>
-          <a:p>
-            <a:pPr lvl="1"/>
-            <a:r>
-              <a:rPr lang="en-US" b="1" dirty="0"/>
-              <a:t>preload</a:t>
-            </a:r>
-            <a:r>
-              <a:rPr lang="en-US" dirty="0"/>
-              <a:t>: </a:t>
-            </a:r>
-            <a:r>
-              <a:rPr lang="en-US" dirty="0" smtClean="0"/>
-              <a:t>used to load assets</a:t>
-            </a:r>
-            <a:endParaRPr lang="en-US" dirty="0"/>
-          </a:p>
-          <a:p>
-            <a:pPr lvl="1"/>
-            <a:r>
-              <a:rPr lang="en-US" b="1" dirty="0" smtClean="0"/>
-              <a:t>create</a:t>
-            </a:r>
-            <a:r>
-              <a:rPr lang="en-US" dirty="0" smtClean="0"/>
-              <a:t>: state initialization</a:t>
-            </a:r>
-          </a:p>
-          <a:p>
-            <a:pPr lvl="1"/>
-            <a:r>
-              <a:rPr lang="en-US" b="1" dirty="0" smtClean="0"/>
-              <a:t>update</a:t>
-            </a:r>
-            <a:r>
-              <a:rPr lang="en-US" dirty="0" smtClean="0"/>
-              <a:t>: the </a:t>
-            </a:r>
-            <a:r>
-              <a:rPr lang="en-US" i="1" dirty="0" smtClean="0"/>
-              <a:t>real</a:t>
-            </a:r>
-            <a:r>
-              <a:rPr lang="en-US" dirty="0" smtClean="0"/>
-              <a:t> game loop</a:t>
-            </a:r>
-          </a:p>
-          <a:p>
-            <a:pPr lvl="1"/>
-            <a:r>
-              <a:rPr lang="en-US" b="1" dirty="0" smtClean="0"/>
-              <a:t>render</a:t>
-            </a:r>
-            <a:r>
-              <a:rPr lang="en-US" dirty="0" smtClean="0"/>
-              <a:t>: called after rendering. Use it for debugging and post-rendering purposes</a:t>
-            </a:r>
-            <a:endParaRPr lang="en-US" b="1" dirty="0"/>
-          </a:p>
-          <a:p>
-            <a:r>
-              <a:rPr lang="en-US" dirty="0" smtClean="0"/>
-              <a:t>Other function:</a:t>
-            </a:r>
-          </a:p>
-          <a:p>
-            <a:pPr lvl="1"/>
-            <a:r>
-              <a:rPr lang="en-US" b="1" dirty="0"/>
-              <a:t>p</a:t>
-            </a:r>
-            <a:r>
-              <a:rPr lang="en-US" b="1" dirty="0" smtClean="0"/>
-              <a:t>ause</a:t>
-            </a:r>
-            <a:r>
-              <a:rPr lang="en-US" dirty="0" smtClean="0"/>
-              <a:t>: called when the game is paused (on focus loss)</a:t>
-            </a:r>
-          </a:p>
-          <a:p>
-            <a:pPr lvl="1"/>
-            <a:r>
-              <a:rPr lang="en-US" b="1" dirty="0"/>
-              <a:t>s</a:t>
-            </a:r>
-            <a:r>
-              <a:rPr lang="en-US" b="1" dirty="0" smtClean="0"/>
-              <a:t>hutdown</a:t>
-            </a:r>
-            <a:r>
-              <a:rPr lang="en-US" dirty="0" smtClean="0"/>
-              <a:t>: called when leaving a state</a:t>
-            </a:r>
-          </a:p>
-          <a:p>
-            <a:pPr lvl="1"/>
-            <a:r>
-              <a:rPr lang="en-US" dirty="0" smtClean="0"/>
-              <a:t>…</a:t>
-            </a:r>
-            <a:endParaRPr lang="en-US" dirty="0"/>
-          </a:p>
-        </p:txBody>
-      </p:sp>
+        </p:nvPicPr>
+        <p:blipFill>
+          <a:blip r:embed="rId2">
+            <a:extLst>
+              <a:ext uri="{28A0092B-C50C-407E-A947-70E740481C1C}">
+                <a14:useLocalDpi xmlns:a14="http://schemas.microsoft.com/office/drawing/2010/main" val="0"/>
+              </a:ext>
+            </a:extLst>
+          </a:blip>
+          <a:stretch>
+            <a:fillRect/>
+          </a:stretch>
+        </p:blipFill>
+        <p:spPr>
+          <a:xfrm>
+            <a:off x="1669603" y="1825625"/>
+            <a:ext cx="5804793" cy="4351338"/>
+          </a:xfrm>
+        </p:spPr>
+      </p:pic>
       <p:sp>
         <p:nvSpPr>
           <p:cNvPr id="4" name="Segnaposto data 3"/>
@@ -5502,7 +5316,7 @@
     </p:spTree>
     <p:extLst>
       <p:ext uri="{BB962C8B-B14F-4D97-AF65-F5344CB8AC3E}">
-        <p14:creationId xmlns:p14="http://schemas.microsoft.com/office/powerpoint/2010/main" val="3632048830"/>
+        <p14:creationId xmlns:p14="http://schemas.microsoft.com/office/powerpoint/2010/main" val="594233915"/>
       </p:ext>
     </p:extLst>
   </p:cSld>
@@ -5556,157 +5370,6 @@
             <a:pPr algn="ctr"/>
             <a:r>
               <a:rPr lang="en-US" sz="4000" dirty="0" smtClean="0"/>
-              <a:t>Hello Phaser!</a:t>
-            </a:r>
-            <a:endParaRPr lang="en-US" sz="4000" dirty="0"/>
-          </a:p>
-        </p:txBody>
-      </p:sp>
-      <p:pic>
-        <p:nvPicPr>
-          <p:cNvPr id="7" name="Segnaposto contenuto 6"/>
-          <p:cNvPicPr>
-            <a:picLocks noGrp="1" noChangeAspect="1"/>
-          </p:cNvPicPr>
-          <p:nvPr>
-            <p:ph idx="1"/>
-          </p:nvPr>
-        </p:nvPicPr>
-        <p:blipFill>
-          <a:blip r:embed="rId2">
-            <a:extLst>
-              <a:ext uri="{28A0092B-C50C-407E-A947-70E740481C1C}">
-                <a14:useLocalDpi xmlns:a14="http://schemas.microsoft.com/office/drawing/2010/main" val="0"/>
-              </a:ext>
-            </a:extLst>
-          </a:blip>
-          <a:stretch>
-            <a:fillRect/>
-          </a:stretch>
-        </p:blipFill>
-        <p:spPr>
-          <a:xfrm>
-            <a:off x="1669603" y="1825625"/>
-            <a:ext cx="5804793" cy="4351338"/>
-          </a:xfrm>
-        </p:spPr>
-      </p:pic>
-      <p:sp>
-        <p:nvSpPr>
-          <p:cNvPr id="4" name="Segnaposto data 3"/>
-          <p:cNvSpPr>
-            <a:spLocks noGrp="1"/>
-          </p:cNvSpPr>
-          <p:nvPr>
-            <p:ph type="dt" sz="half" idx="10"/>
-          </p:nvPr>
-        </p:nvSpPr>
-        <p:spPr>
-          <a:xfrm>
-            <a:off x="539552" y="115094"/>
-            <a:ext cx="3233886" cy="365125"/>
-          </a:xfrm>
-        </p:spPr>
-        <p:txBody>
-          <a:bodyPr/>
-          <a:lstStyle/>
-          <a:p>
-            <a:r>
-              <a:rPr lang="en-US" b="1" i="1" smtClean="0">
-                <a:solidFill>
-                  <a:schemeClr val="bg1"/>
-                </a:solidFill>
-              </a:rPr>
-              <a:t>ROME  11-12 april 2014 – Valerio Riva</a:t>
-            </a:r>
-            <a:endParaRPr lang="it-IT" b="1" i="1" dirty="0">
-              <a:solidFill>
-                <a:schemeClr val="bg1"/>
-              </a:solidFill>
-            </a:endParaRPr>
-          </a:p>
-        </p:txBody>
-      </p:sp>
-      <p:sp>
-        <p:nvSpPr>
-          <p:cNvPr id="5" name="Segnaposto numero diapositiva 4"/>
-          <p:cNvSpPr>
-            <a:spLocks noGrp="1"/>
-          </p:cNvSpPr>
-          <p:nvPr>
-            <p:ph type="sldNum" sz="quarter" idx="12"/>
-          </p:nvPr>
-        </p:nvSpPr>
-        <p:spPr/>
-        <p:txBody>
-          <a:bodyPr/>
-          <a:lstStyle/>
-          <a:p>
-            <a:fld id="{219C0E88-5C08-45F5-BD91-E93F425D2D58}" type="slidenum">
-              <a:rPr lang="it-IT" smtClean="0"/>
-              <a:t>11</a:t>
-            </a:fld>
-            <a:endParaRPr lang="it-IT"/>
-          </a:p>
-        </p:txBody>
-      </p:sp>
-    </p:spTree>
-    <p:extLst>
-      <p:ext uri="{BB962C8B-B14F-4D97-AF65-F5344CB8AC3E}">
-        <p14:creationId xmlns:p14="http://schemas.microsoft.com/office/powerpoint/2010/main" val="594233915"/>
-      </p:ext>
-    </p:extLst>
-  </p:cSld>
-  <p:clrMapOvr>
-    <a:masterClrMapping/>
-  </p:clrMapOvr>
-  <p:timing>
-    <p:tnLst>
-      <p:par>
-        <p:cTn id="1" dur="indefinite" restart="never" nodeType="tmRoot"/>
-      </p:par>
-    </p:tnLst>
-  </p:timing>
-</p:sld>
-</file>
-
-<file path=ppt/slides/slide12.xml><?xml version="1.0" encoding="utf-8"?>
-<p:sld xmlns:a="http://schemas.openxmlformats.org/drawingml/2006/main" xmlns:r="http://schemas.openxmlformats.org/officeDocument/2006/relationships" xmlns:p="http://schemas.openxmlformats.org/presentationml/2006/main" showMasterSp="0">
-  <p:cSld>
-    <p:spTree>
-      <p:nvGrpSpPr>
-        <p:cNvPr id="1" name=""/>
-        <p:cNvGrpSpPr/>
-        <p:nvPr/>
-      </p:nvGrpSpPr>
-      <p:grpSpPr>
-        <a:xfrm>
-          <a:off x="0" y="0"/>
-          <a:ext cx="0" cy="0"/>
-          <a:chOff x="0" y="0"/>
-          <a:chExt cx="0" cy="0"/>
-        </a:xfrm>
-      </p:grpSpPr>
-      <p:sp>
-        <p:nvSpPr>
-          <p:cNvPr id="2" name="Titolo 1"/>
-          <p:cNvSpPr>
-            <a:spLocks noGrp="1"/>
-          </p:cNvSpPr>
-          <p:nvPr>
-            <p:ph type="title"/>
-          </p:nvPr>
-        </p:nvSpPr>
-        <p:spPr/>
-        <p:txBody>
-          <a:bodyPr>
-            <a:normAutofit/>
-          </a:bodyPr>
-          <a:lstStyle/>
-          <a:p>
-            <a:pPr algn="ctr"/>
-            <a:r>
-              <a:rPr lang="en-US" sz="4000" dirty="0" smtClean="0"/>
               <a:t>Sprite</a:t>
             </a:r>
             <a:endParaRPr lang="en-US" sz="4000" dirty="0"/>
@@ -5769,15 +5432,31 @@
           </a:p>
           <a:p>
             <a:r>
+              <a:rPr lang="en-US" dirty="0"/>
+              <a:t>H</a:t>
+            </a:r>
+            <a:r>
               <a:rPr lang="en-US" dirty="0" smtClean="0"/>
-              <a:t>“Lives” inside game world, with </a:t>
+              <a:t>as a </a:t>
+            </a:r>
+            <a:r>
+              <a:rPr lang="en-US" dirty="0" smtClean="0"/>
+              <a:t>set of coordinates </a:t>
+            </a:r>
+            <a:r>
+              <a:rPr lang="en-US" dirty="0" smtClean="0"/>
+              <a:t/>
             </a:r>
             <a:br>
               <a:rPr lang="en-US" dirty="0" smtClean="0"/>
             </a:br>
             <a:r>
               <a:rPr lang="en-US" dirty="0" smtClean="0"/>
-              <a:t>its set of coordinates and sizes</a:t>
+              <a:t>and </a:t>
+            </a:r>
+            <a:r>
+              <a:rPr lang="en-US" dirty="0" smtClean="0"/>
+              <a:t>sizes</a:t>
             </a:r>
           </a:p>
           <a:p>
@@ -5947,7 +5626,7 @@
           <a:p>
             <a:fld id="{219C0E88-5C08-45F5-BD91-E93F425D2D58}" type="slidenum">
               <a:rPr lang="it-IT" smtClean="0"/>
-              <a:t>12</a:t>
+              <a:t>11</a:t>
             </a:fld>
             <a:endParaRPr lang="it-IT"/>
           </a:p>
@@ -5973,7 +5652,7 @@
 </p:sld>
 </file>
 
-<file path=ppt/slides/slide13.xml><?xml version="1.0" encoding="utf-8"?>
+<file path=ppt/slides/slide12.xml><?xml version="1.0" encoding="utf-8"?>
 <p:sld xmlns:a="http://schemas.openxmlformats.org/drawingml/2006/main" xmlns:r="http://schemas.openxmlformats.org/officeDocument/2006/relationships" xmlns:p="http://schemas.openxmlformats.org/presentationml/2006/main" showMasterSp="0">
   <p:cSld>
     <p:spTree>
@@ -6608,7 +6287,7 @@
           <a:p>
             <a:fld id="{219C0E88-5C08-45F5-BD91-E93F425D2D58}" type="slidenum">
               <a:rPr lang="it-IT" smtClean="0"/>
-              <a:t>13</a:t>
+              <a:t>12</a:t>
             </a:fld>
             <a:endParaRPr lang="it-IT"/>
           </a:p>
@@ -6624,11 +6303,18 @@
   <p:clrMapOvr>
     <a:masterClrMapping/>
   </p:clrMapOvr>
+  <p:timing>
+    <p:tnLst>
+      <p:par>
+        <p:cTn id="1" dur="indefinite" restart="never" nodeType="tmRoot"/>
+      </p:par>
+    </p:tnLst>
+  </p:timing>
 </p:sld>
 </file>
 
-<file path=ppt/slides/slide14.xml><?xml version="1.0" encoding="utf-8"?>
-<p:sld xmlns:a="http://schemas.openxmlformats.org/drawingml/2006/main" xmlns:r="http://schemas.openxmlformats.org/officeDocument/2006/relationships" xmlns:p="http://schemas.openxmlformats.org/presentationml/2006/main" showMasterSp="0" show="0">
+<file path=ppt/slides/slide13.xml><?xml version="1.0" encoding="utf-8"?>
+<p:sld xmlns:a="http://schemas.openxmlformats.org/drawingml/2006/main" xmlns:r="http://schemas.openxmlformats.org/officeDocument/2006/relationships" xmlns:p="http://schemas.openxmlformats.org/presentationml/2006/main">
   <p:cSld>
     <p:spTree>
       <p:nvGrpSpPr>
@@ -6663,9 +6349,10 @@
           <a:p>
             <a:pPr algn="ctr"/>
             <a:r>
-              <a:rPr lang="en-US" sz="4000" dirty="0"/>
-              <a:t>What sprites can do</a:t>
-            </a:r>
+              <a:rPr lang="en-US" sz="4000" dirty="0" smtClean="0"/>
+              <a:t>Group of sprites</a:t>
+            </a:r>
+            <a:endParaRPr lang="en-US" sz="4000" dirty="0"/>
           </a:p>
         </p:txBody>
       </p:sp>
@@ -6682,25 +6369,313 @@
         <p:spPr/>
         <p:txBody>
           <a:bodyPr>
-            <a:normAutofit/>
+            <a:normAutofit lnSpcReduction="10000"/>
           </a:bodyPr>
           <a:lstStyle/>
           <a:p>
+            <a:r>
+              <a:rPr lang="en-US" dirty="0" smtClean="0"/>
+              <a:t>Use it as z-ordered layer</a:t>
+            </a:r>
+          </a:p>
+          <a:p>
+            <a:r>
+              <a:rPr lang="en-US" dirty="0" smtClean="0"/>
+              <a:t>Use it for </a:t>
+            </a:r>
+            <a:r>
+              <a:rPr lang="it-IT" dirty="0"/>
+              <a:t>fast </a:t>
+            </a:r>
+            <a:r>
+              <a:rPr lang="it-IT" dirty="0" err="1"/>
+              <a:t>pooling</a:t>
+            </a:r>
+            <a:r>
+              <a:rPr lang="it-IT" dirty="0"/>
+              <a:t> and </a:t>
+            </a:r>
+            <a:r>
+              <a:rPr lang="it-IT" dirty="0" err="1"/>
+              <a:t>object</a:t>
+            </a:r>
+            <a:r>
+              <a:rPr lang="it-IT" dirty="0"/>
+              <a:t> </a:t>
+            </a:r>
+            <a:r>
+              <a:rPr lang="it-IT" dirty="0" err="1" smtClean="0"/>
+              <a:t>recycling</a:t>
+            </a:r>
+            <a:r>
+              <a:rPr lang="it-IT" dirty="0" smtClean="0"/>
+              <a:t> </a:t>
+            </a:r>
+            <a:r>
+              <a:rPr lang="it-IT" dirty="0" err="1" smtClean="0"/>
+              <a:t>too</a:t>
+            </a:r>
+            <a:endParaRPr lang="it-IT" dirty="0" smtClean="0"/>
+          </a:p>
+          <a:p>
+            <a:r>
+              <a:rPr lang="it-IT" dirty="0" smtClean="0"/>
+              <a:t>Can </a:t>
+            </a:r>
+            <a:r>
+              <a:rPr lang="it-IT" dirty="0" err="1" smtClean="0"/>
+              <a:t>apply</a:t>
+            </a:r>
+            <a:r>
+              <a:rPr lang="it-IT" dirty="0" smtClean="0"/>
+              <a:t> </a:t>
+            </a:r>
+            <a:r>
+              <a:rPr lang="it-IT" dirty="0" err="1" smtClean="0"/>
+              <a:t>transformation</a:t>
+            </a:r>
+            <a:r>
+              <a:rPr lang="it-IT" dirty="0" smtClean="0"/>
+              <a:t> to </a:t>
+            </a:r>
+            <a:r>
+              <a:rPr lang="it-IT" dirty="0" err="1" smtClean="0"/>
+              <a:t>every</a:t>
+            </a:r>
+            <a:r>
+              <a:rPr lang="it-IT" dirty="0" smtClean="0"/>
+              <a:t> </a:t>
+            </a:r>
+            <a:r>
+              <a:rPr lang="it-IT" dirty="0" err="1" smtClean="0"/>
+              <a:t>sprite</a:t>
+            </a:r>
+            <a:endParaRPr lang="it-IT" dirty="0" smtClean="0"/>
+          </a:p>
+          <a:p>
+            <a:r>
+              <a:rPr lang="it-IT" dirty="0" smtClean="0"/>
+              <a:t>Can call </a:t>
+            </a:r>
+            <a:r>
+              <a:rPr lang="it-IT" dirty="0" err="1" smtClean="0"/>
+              <a:t>methods</a:t>
+            </a:r>
+            <a:r>
+              <a:rPr lang="it-IT" dirty="0" smtClean="0"/>
+              <a:t> on </a:t>
+            </a:r>
+            <a:r>
+              <a:rPr lang="it-IT" dirty="0" err="1" smtClean="0"/>
+              <a:t>every</a:t>
+            </a:r>
+            <a:r>
+              <a:rPr lang="it-IT" dirty="0" smtClean="0"/>
+              <a:t> </a:t>
+            </a:r>
+            <a:r>
+              <a:rPr lang="it-IT" dirty="0" err="1" smtClean="0"/>
+              <a:t>sprite</a:t>
+            </a:r>
+            <a:endParaRPr lang="it-IT" dirty="0" smtClean="0"/>
+          </a:p>
+          <a:p>
             <a:pPr marL="0" indent="0">
               <a:buNone/>
             </a:pPr>
             <a:r>
-              <a:rPr lang="it-IT" dirty="0" smtClean="0"/>
-              <a:t>mummy.js</a:t>
-            </a:r>
-            <a:endParaRPr lang="en-US" dirty="0" smtClean="0"/>
-          </a:p>
-          <a:p>
-            <a:endParaRPr lang="en-US" dirty="0" smtClean="0"/>
-          </a:p>
-          <a:p>
-            <a:pPr lvl="1"/>
-            <a:endParaRPr lang="en-US" dirty="0" smtClean="0"/>
+              <a:rPr lang="en-US" sz="2000" dirty="0" err="1" smtClean="0">
+                <a:latin typeface="Consolas" panose="020B0609020204030204" pitchFamily="49" charset="0"/>
+                <a:cs typeface="Consolas" panose="020B0609020204030204" pitchFamily="49" charset="0"/>
+              </a:rPr>
+              <a:t>var</a:t>
+            </a:r>
+            <a:r>
+              <a:rPr lang="en-US" sz="2000" dirty="0" smtClean="0">
+                <a:latin typeface="Consolas" panose="020B0609020204030204" pitchFamily="49" charset="0"/>
+                <a:cs typeface="Consolas" panose="020B0609020204030204" pitchFamily="49" charset="0"/>
+              </a:rPr>
+              <a:t> group = </a:t>
+            </a:r>
+            <a:r>
+              <a:rPr lang="en-US" sz="2000" dirty="0" err="1" smtClean="0">
+                <a:latin typeface="Consolas" panose="020B0609020204030204" pitchFamily="49" charset="0"/>
+                <a:cs typeface="Consolas" panose="020B0609020204030204" pitchFamily="49" charset="0"/>
+              </a:rPr>
+              <a:t>game.add.group</a:t>
+            </a:r>
+            <a:r>
+              <a:rPr lang="en-US" sz="2000" dirty="0" smtClean="0">
+                <a:latin typeface="Consolas" panose="020B0609020204030204" pitchFamily="49" charset="0"/>
+                <a:cs typeface="Consolas" panose="020B0609020204030204" pitchFamily="49" charset="0"/>
+              </a:rPr>
+              <a:t>();</a:t>
+            </a:r>
+          </a:p>
+          <a:p>
+            <a:pPr marL="0" indent="0">
+              <a:buNone/>
+            </a:pPr>
+            <a:r>
+              <a:rPr lang="en-US" sz="2000" dirty="0" err="1">
+                <a:latin typeface="Consolas" panose="020B0609020204030204" pitchFamily="49" charset="0"/>
+                <a:cs typeface="Consolas" panose="020B0609020204030204" pitchFamily="49" charset="0"/>
+              </a:rPr>
+              <a:t>v</a:t>
+            </a:r>
+            <a:r>
+              <a:rPr lang="en-US" sz="2000" dirty="0" err="1" smtClean="0">
+                <a:latin typeface="Consolas" panose="020B0609020204030204" pitchFamily="49" charset="0"/>
+                <a:cs typeface="Consolas" panose="020B0609020204030204" pitchFamily="49" charset="0"/>
+              </a:rPr>
+              <a:t>ar</a:t>
+            </a:r>
+            <a:r>
+              <a:rPr lang="en-US" sz="2000" dirty="0" smtClean="0">
+                <a:latin typeface="Consolas" panose="020B0609020204030204" pitchFamily="49" charset="0"/>
+                <a:cs typeface="Consolas" panose="020B0609020204030204" pitchFamily="49" charset="0"/>
+              </a:rPr>
+              <a:t> sprite = </a:t>
+            </a:r>
+            <a:r>
+              <a:rPr lang="en-US" sz="2000" dirty="0" err="1" smtClean="0">
+                <a:latin typeface="Consolas" panose="020B0609020204030204" pitchFamily="49" charset="0"/>
+                <a:cs typeface="Consolas" panose="020B0609020204030204" pitchFamily="49" charset="0"/>
+              </a:rPr>
+              <a:t>group.create</a:t>
+            </a:r>
+            <a:r>
+              <a:rPr lang="en-US" sz="2000" dirty="0" smtClean="0">
+                <a:latin typeface="Consolas" panose="020B0609020204030204" pitchFamily="49" charset="0"/>
+                <a:cs typeface="Consolas" panose="020B0609020204030204" pitchFamily="49" charset="0"/>
+              </a:rPr>
+              <a:t>(x, y, </a:t>
+            </a:r>
+            <a:r>
+              <a:rPr lang="en-US" sz="2000" dirty="0">
+                <a:latin typeface="Consolas" panose="020B0609020204030204" pitchFamily="49" charset="0"/>
+                <a:cs typeface="Consolas" panose="020B0609020204030204" pitchFamily="49" charset="0"/>
+              </a:rPr>
+              <a:t>'</a:t>
+            </a:r>
+            <a:r>
+              <a:rPr lang="en-US" sz="2000" dirty="0" smtClean="0">
+                <a:latin typeface="Consolas" panose="020B0609020204030204" pitchFamily="49" charset="0"/>
+                <a:cs typeface="Consolas" panose="020B0609020204030204" pitchFamily="49" charset="0"/>
+              </a:rPr>
+              <a:t>image');</a:t>
+            </a:r>
+          </a:p>
+          <a:p>
+            <a:pPr marL="0" indent="0">
+              <a:buNone/>
+            </a:pPr>
+            <a:r>
+              <a:rPr lang="en-US" sz="2000" dirty="0" err="1" smtClean="0">
+                <a:latin typeface="Consolas" panose="020B0609020204030204" pitchFamily="49" charset="0"/>
+                <a:cs typeface="Consolas" panose="020B0609020204030204" pitchFamily="49" charset="0"/>
+              </a:rPr>
+              <a:t>group.x</a:t>
+            </a:r>
+            <a:r>
+              <a:rPr lang="en-US" sz="2000" dirty="0" smtClean="0">
+                <a:latin typeface="Consolas" panose="020B0609020204030204" pitchFamily="49" charset="0"/>
+                <a:cs typeface="Consolas" panose="020B0609020204030204" pitchFamily="49" charset="0"/>
+              </a:rPr>
+              <a:t> += 100;</a:t>
+            </a:r>
+          </a:p>
+          <a:p>
+            <a:pPr marL="0" indent="0">
+              <a:buNone/>
+            </a:pPr>
+            <a:r>
+              <a:rPr lang="en-US" sz="2000" dirty="0" err="1" smtClean="0">
+                <a:latin typeface="Consolas" panose="020B0609020204030204" pitchFamily="49" charset="0"/>
+                <a:cs typeface="Consolas" panose="020B0609020204030204" pitchFamily="49" charset="0"/>
+              </a:rPr>
+              <a:t>group.callAll</a:t>
+            </a:r>
+            <a:r>
+              <a:rPr lang="en-US" sz="2000" dirty="0" smtClean="0">
+                <a:latin typeface="Consolas" panose="020B0609020204030204" pitchFamily="49" charset="0"/>
+                <a:cs typeface="Consolas" panose="020B0609020204030204" pitchFamily="49" charset="0"/>
+              </a:rPr>
+              <a:t>(</a:t>
+            </a:r>
+            <a:r>
+              <a:rPr lang="en-US" sz="2000" dirty="0">
+                <a:latin typeface="Consolas" panose="020B0609020204030204" pitchFamily="49" charset="0"/>
+                <a:cs typeface="Consolas" panose="020B0609020204030204" pitchFamily="49" charset="0"/>
+              </a:rPr>
+              <a:t>'</a:t>
+            </a:r>
+            <a:r>
+              <a:rPr lang="en-US" sz="2000" dirty="0" smtClean="0">
+                <a:latin typeface="Consolas" panose="020B0609020204030204" pitchFamily="49" charset="0"/>
+                <a:cs typeface="Consolas" panose="020B0609020204030204" pitchFamily="49" charset="0"/>
+              </a:rPr>
+              <a:t>kill');</a:t>
+            </a:r>
+          </a:p>
+          <a:p>
+            <a:pPr marL="0" indent="0">
+              <a:buNone/>
+            </a:pPr>
+            <a:r>
+              <a:rPr lang="en-US" sz="2000" dirty="0" err="1" smtClean="0">
+                <a:latin typeface="Consolas" panose="020B0609020204030204" pitchFamily="49" charset="0"/>
+                <a:cs typeface="Consolas" panose="020B0609020204030204" pitchFamily="49" charset="0"/>
+              </a:rPr>
+              <a:t>var</a:t>
+            </a:r>
+            <a:r>
+              <a:rPr lang="en-US" sz="2000" dirty="0" smtClean="0">
+                <a:latin typeface="Consolas" panose="020B0609020204030204" pitchFamily="49" charset="0"/>
+                <a:cs typeface="Consolas" panose="020B0609020204030204" pitchFamily="49" charset="0"/>
+              </a:rPr>
+              <a:t> zombie = </a:t>
+            </a:r>
+            <a:r>
+              <a:rPr lang="en-US" sz="2000" dirty="0" err="1" smtClean="0">
+                <a:latin typeface="Consolas" panose="020B0609020204030204" pitchFamily="49" charset="0"/>
+                <a:cs typeface="Consolas" panose="020B0609020204030204" pitchFamily="49" charset="0"/>
+              </a:rPr>
+              <a:t>group.getFirstExists</a:t>
+            </a:r>
+            <a:r>
+              <a:rPr lang="en-US" sz="2000" dirty="0" smtClean="0">
+                <a:latin typeface="Consolas" panose="020B0609020204030204" pitchFamily="49" charset="0"/>
+                <a:cs typeface="Consolas" panose="020B0609020204030204" pitchFamily="49" charset="0"/>
+              </a:rPr>
+              <a:t>(false);</a:t>
+            </a:r>
+          </a:p>
+          <a:p>
+            <a:pPr marL="0" indent="0">
+              <a:buNone/>
+            </a:pPr>
+            <a:r>
+              <a:rPr lang="en-US" sz="2000" dirty="0" err="1">
+                <a:latin typeface="Consolas" panose="020B0609020204030204" pitchFamily="49" charset="0"/>
+                <a:cs typeface="Consolas" panose="020B0609020204030204" pitchFamily="49" charset="0"/>
+              </a:rPr>
+              <a:t>z</a:t>
+            </a:r>
+            <a:r>
+              <a:rPr lang="en-US" sz="2000" dirty="0" err="1" smtClean="0">
+                <a:latin typeface="Consolas" panose="020B0609020204030204" pitchFamily="49" charset="0"/>
+                <a:cs typeface="Consolas" panose="020B0609020204030204" pitchFamily="49" charset="0"/>
+              </a:rPr>
+              <a:t>ombie.revive</a:t>
+            </a:r>
+            <a:r>
+              <a:rPr lang="en-US" sz="2000" dirty="0" smtClean="0">
+                <a:latin typeface="Consolas" panose="020B0609020204030204" pitchFamily="49" charset="0"/>
+                <a:cs typeface="Consolas" panose="020B0609020204030204" pitchFamily="49" charset="0"/>
+              </a:rPr>
+              <a:t>(); //cured!</a:t>
+            </a:r>
           </a:p>
         </p:txBody>
       </p:sp>
@@ -6757,7 +6732,7 @@
           <a:p>
             <a:fld id="{219C0E88-5C08-45F5-BD91-E93F425D2D58}" type="slidenum">
               <a:rPr lang="it-IT" smtClean="0"/>
-              <a:t>14</a:t>
+              <a:t>13</a:t>
             </a:fld>
             <a:endParaRPr lang="it-IT"/>
           </a:p>
@@ -6766,21 +6741,345 @@
     </p:spTree>
     <p:extLst>
       <p:ext uri="{BB962C8B-B14F-4D97-AF65-F5344CB8AC3E}">
-        <p14:creationId xmlns:p14="http://schemas.microsoft.com/office/powerpoint/2010/main" val="3927040721"/>
+        <p14:creationId xmlns:p14="http://schemas.microsoft.com/office/powerpoint/2010/main" val="2863946840"/>
       </p:ext>
     </p:extLst>
   </p:cSld>
   <p:clrMapOvr>
     <a:masterClrMapping/>
   </p:clrMapOvr>
-  <mc:AlternateContent xmlns:mc="http://schemas.openxmlformats.org/markup-compatibility/2006" xmlns:p14="http://schemas.microsoft.com/office/powerpoint/2010/main">
-    <mc:Choice Requires="p14">
-      <p:transition spd="slow" p14:dur="2000"/>
-    </mc:Choice>
-    <mc:Fallback xmlns="">
-      <p:transition spd="slow"/>
-    </mc:Fallback>
-  </mc:AlternateContent>
+  <p:timing>
+    <p:tnLst>
+      <p:par>
+        <p:cTn id="1" dur="indefinite" restart="never" nodeType="tmRoot"/>
+      </p:par>
+    </p:tnLst>
+  </p:timing>
+</p:sld>
+</file>
+
+<file path=ppt/slides/slide14.xml><?xml version="1.0" encoding="utf-8"?>
+<p:sld xmlns:a="http://schemas.openxmlformats.org/drawingml/2006/main" xmlns:r="http://schemas.openxmlformats.org/officeDocument/2006/relationships" xmlns:p="http://schemas.openxmlformats.org/presentationml/2006/main">
+  <p:cSld>
+    <p:spTree>
+      <p:nvGrpSpPr>
+        <p:cNvPr id="1" name=""/>
+        <p:cNvGrpSpPr/>
+        <p:nvPr/>
+      </p:nvGrpSpPr>
+      <p:grpSpPr>
+        <a:xfrm>
+          <a:off x="0" y="0"/>
+          <a:ext cx="0" cy="0"/>
+          <a:chOff x="0" y="0"/>
+          <a:chExt cx="0" cy="0"/>
+        </a:xfrm>
+      </p:grpSpPr>
+      <p:sp>
+        <p:nvSpPr>
+          <p:cNvPr id="2" name="Titolo 1"/>
+          <p:cNvSpPr>
+            <a:spLocks noGrp="1"/>
+          </p:cNvSpPr>
+          <p:nvPr>
+            <p:ph type="title"/>
+          </p:nvPr>
+        </p:nvSpPr>
+        <p:spPr/>
+        <p:txBody>
+          <a:bodyPr>
+            <a:normAutofit/>
+          </a:bodyPr>
+          <a:lstStyle/>
+          <a:p>
+            <a:pPr algn="ctr"/>
+            <a:r>
+              <a:rPr lang="en-US" sz="4000" dirty="0" err="1" smtClean="0"/>
+              <a:t>Tilesprite</a:t>
+            </a:r>
+            <a:endParaRPr lang="en-US" sz="4000" dirty="0"/>
+          </a:p>
+        </p:txBody>
+      </p:sp>
+      <p:sp>
+        <p:nvSpPr>
+          <p:cNvPr id="3" name="Segnaposto contenuto 2"/>
+          <p:cNvSpPr>
+            <a:spLocks noGrp="1"/>
+          </p:cNvSpPr>
+          <p:nvPr>
+            <p:ph idx="1"/>
+          </p:nvPr>
+        </p:nvSpPr>
+        <p:spPr>
+          <a:noFill/>
+        </p:spPr>
+        <p:txBody>
+          <a:bodyPr>
+            <a:normAutofit/>
+          </a:bodyPr>
+          <a:lstStyle/>
+          <a:p>
+            <a:pPr marL="0" indent="0">
+              <a:buNone/>
+            </a:pPr>
+            <a:r>
+              <a:rPr lang="en-GB" dirty="0" smtClean="0"/>
+              <a:t>“A </a:t>
+            </a:r>
+            <a:r>
+              <a:rPr lang="en-GB" dirty="0" err="1"/>
+              <a:t>t</a:t>
+            </a:r>
+            <a:r>
+              <a:rPr lang="en-GB" dirty="0" err="1" smtClean="0"/>
+              <a:t>ilesprite</a:t>
+            </a:r>
+            <a:r>
+              <a:rPr lang="en-GB" dirty="0" smtClean="0"/>
+              <a:t> </a:t>
+            </a:r>
+            <a:r>
+              <a:rPr lang="en-GB" dirty="0"/>
+              <a:t>is a </a:t>
+            </a:r>
+            <a:r>
+              <a:rPr lang="en-GB" dirty="0" smtClean="0"/>
+              <a:t>sprite </a:t>
+            </a:r>
+            <a:r>
+              <a:rPr lang="en-GB" dirty="0"/>
+              <a:t>that has a repeating texture</a:t>
+            </a:r>
+            <a:r>
+              <a:rPr lang="en-GB" dirty="0" smtClean="0"/>
+              <a:t>.”</a:t>
+            </a:r>
+          </a:p>
+          <a:p>
+            <a:pPr marL="0" indent="0">
+              <a:buNone/>
+            </a:pPr>
+            <a:endParaRPr lang="en-GB" sz="2400" dirty="0" smtClean="0">
+              <a:latin typeface="Consolas" panose="020B0609020204030204" pitchFamily="49" charset="0"/>
+              <a:cs typeface="Consolas" panose="020B0609020204030204" pitchFamily="49" charset="0"/>
+            </a:endParaRPr>
+          </a:p>
+          <a:p>
+            <a:pPr marL="0" indent="0">
+              <a:buNone/>
+            </a:pPr>
+            <a:r>
+              <a:rPr lang="en-GB" sz="2400" dirty="0" err="1" smtClean="0">
+                <a:latin typeface="Consolas" panose="020B0609020204030204" pitchFamily="49" charset="0"/>
+                <a:cs typeface="Consolas" panose="020B0609020204030204" pitchFamily="49" charset="0"/>
+              </a:rPr>
+              <a:t>var</a:t>
+            </a:r>
+            <a:r>
+              <a:rPr lang="en-GB" sz="2400" dirty="0" smtClean="0">
+                <a:latin typeface="Consolas" panose="020B0609020204030204" pitchFamily="49" charset="0"/>
+                <a:cs typeface="Consolas" panose="020B0609020204030204" pitchFamily="49" charset="0"/>
+              </a:rPr>
+              <a:t> </a:t>
+            </a:r>
+            <a:r>
+              <a:rPr lang="en-GB" sz="2400" dirty="0" err="1">
+                <a:latin typeface="Consolas" panose="020B0609020204030204" pitchFamily="49" charset="0"/>
+                <a:cs typeface="Consolas" panose="020B0609020204030204" pitchFamily="49" charset="0"/>
+              </a:rPr>
+              <a:t>tilesprite</a:t>
+            </a:r>
+            <a:r>
+              <a:rPr lang="en-GB" sz="2400" dirty="0">
+                <a:latin typeface="Consolas" panose="020B0609020204030204" pitchFamily="49" charset="0"/>
+                <a:cs typeface="Consolas" panose="020B0609020204030204" pitchFamily="49" charset="0"/>
+              </a:rPr>
+              <a:t> = </a:t>
+            </a:r>
+            <a:r>
+              <a:rPr lang="en-GB" sz="2400" dirty="0" err="1">
+                <a:latin typeface="Consolas" panose="020B0609020204030204" pitchFamily="49" charset="0"/>
+                <a:cs typeface="Consolas" panose="020B0609020204030204" pitchFamily="49" charset="0"/>
+              </a:rPr>
+              <a:t>game.add.tileSprite</a:t>
+            </a:r>
+            <a:r>
+              <a:rPr lang="en-GB" sz="2400" dirty="0">
+                <a:latin typeface="Consolas" panose="020B0609020204030204" pitchFamily="49" charset="0"/>
+                <a:cs typeface="Consolas" panose="020B0609020204030204" pitchFamily="49" charset="0"/>
+              </a:rPr>
+              <a:t>(0, 0, 32, 64, 'image');</a:t>
+            </a:r>
+            <a:endParaRPr lang="en-GB" sz="2400" dirty="0" smtClean="0">
+              <a:latin typeface="Consolas" panose="020B0609020204030204" pitchFamily="49" charset="0"/>
+              <a:cs typeface="Consolas" panose="020B0609020204030204" pitchFamily="49" charset="0"/>
+            </a:endParaRPr>
+          </a:p>
+          <a:p>
+            <a:endParaRPr lang="en-GB" dirty="0" smtClean="0"/>
+          </a:p>
+          <a:p>
+            <a:r>
+              <a:rPr lang="en-GB" dirty="0" smtClean="0"/>
+              <a:t>texture </a:t>
+            </a:r>
+            <a:r>
+              <a:rPr lang="en-GB" dirty="0"/>
+              <a:t>can be </a:t>
+            </a:r>
+            <a:r>
+              <a:rPr lang="en-GB" dirty="0" smtClean="0"/>
+              <a:t>scrolled</a:t>
+            </a:r>
+          </a:p>
+          <a:p>
+            <a:pPr marL="457200" lvl="1" indent="0">
+              <a:buNone/>
+            </a:pPr>
+            <a:r>
+              <a:rPr lang="en-GB" dirty="0" err="1" smtClean="0">
+                <a:latin typeface="Consolas" panose="020B0609020204030204" pitchFamily="49" charset="0"/>
+                <a:cs typeface="Consolas" panose="020B0609020204030204" pitchFamily="49" charset="0"/>
+              </a:rPr>
+              <a:t>tilesprite.tilePosition.setTo</a:t>
+            </a:r>
+            <a:r>
+              <a:rPr lang="en-GB" dirty="0" smtClean="0">
+                <a:latin typeface="Consolas" panose="020B0609020204030204" pitchFamily="49" charset="0"/>
+                <a:cs typeface="Consolas" panose="020B0609020204030204" pitchFamily="49" charset="0"/>
+              </a:rPr>
+              <a:t>(10,20);</a:t>
+            </a:r>
+          </a:p>
+          <a:p>
+            <a:r>
+              <a:rPr lang="en-GB" dirty="0"/>
+              <a:t>t</a:t>
+            </a:r>
+            <a:r>
+              <a:rPr lang="en-GB" dirty="0" smtClean="0"/>
+              <a:t>exture can be scaled</a:t>
+            </a:r>
+          </a:p>
+          <a:p>
+            <a:pPr marL="457200" lvl="1" indent="0">
+              <a:buNone/>
+            </a:pPr>
+            <a:r>
+              <a:rPr lang="en-US" dirty="0" err="1" smtClean="0">
+                <a:latin typeface="Consolas" panose="020B0609020204030204" pitchFamily="49" charset="0"/>
+                <a:cs typeface="Consolas" panose="020B0609020204030204" pitchFamily="49" charset="0"/>
+              </a:rPr>
+              <a:t>tilesprite</a:t>
+            </a:r>
+            <a:r>
+              <a:rPr lang="en-US" dirty="0" smtClean="0">
+                <a:latin typeface="Consolas" panose="020B0609020204030204" pitchFamily="49" charset="0"/>
+                <a:cs typeface="Consolas" panose="020B0609020204030204" pitchFamily="49" charset="0"/>
+              </a:rPr>
+              <a:t>.</a:t>
+            </a:r>
+            <a:r>
+              <a:rPr lang="en-GB" dirty="0" err="1" smtClean="0">
+                <a:latin typeface="Consolas" panose="020B0609020204030204" pitchFamily="49" charset="0"/>
+                <a:cs typeface="Consolas" panose="020B0609020204030204" pitchFamily="49" charset="0"/>
+              </a:rPr>
+              <a:t>tileScale</a:t>
+            </a:r>
+            <a:r>
+              <a:rPr lang="en-US" dirty="0" smtClean="0">
+                <a:latin typeface="Consolas" panose="020B0609020204030204" pitchFamily="49" charset="0"/>
+                <a:cs typeface="Consolas" panose="020B0609020204030204" pitchFamily="49" charset="0"/>
+              </a:rPr>
+              <a:t>.</a:t>
+            </a:r>
+            <a:r>
+              <a:rPr lang="en-US" dirty="0" err="1" smtClean="0">
+                <a:latin typeface="Consolas" panose="020B0609020204030204" pitchFamily="49" charset="0"/>
+                <a:cs typeface="Consolas" panose="020B0609020204030204" pitchFamily="49" charset="0"/>
+              </a:rPr>
+              <a:t>setTo</a:t>
+            </a:r>
+            <a:r>
+              <a:rPr lang="en-US" dirty="0" smtClean="0">
+                <a:latin typeface="Consolas" panose="020B0609020204030204" pitchFamily="49" charset="0"/>
+                <a:cs typeface="Consolas" panose="020B0609020204030204" pitchFamily="49" charset="0"/>
+              </a:rPr>
+              <a:t>(1.5,1.5);</a:t>
+            </a:r>
+          </a:p>
+        </p:txBody>
+      </p:sp>
+      <p:sp>
+        <p:nvSpPr>
+          <p:cNvPr id="4" name="Segnaposto data 3"/>
+          <p:cNvSpPr>
+            <a:spLocks noGrp="1"/>
+          </p:cNvSpPr>
+          <p:nvPr>
+            <p:ph type="dt" sz="half" idx="10"/>
+          </p:nvPr>
+        </p:nvSpPr>
+        <p:spPr>
+          <a:xfrm>
+            <a:off x="539552" y="115094"/>
+            <a:ext cx="3233886" cy="365125"/>
+          </a:xfrm>
+        </p:spPr>
+        <p:txBody>
+          <a:bodyPr/>
+          <a:lstStyle/>
+          <a:p>
+            <a:r>
+              <a:rPr lang="en-US" b="1" i="1" smtClean="0">
+                <a:solidFill>
+                  <a:schemeClr val="bg1"/>
+                </a:solidFill>
+              </a:rPr>
+              <a:t>ROME  11-12 april 2014 – Valerio Riva</a:t>
+            </a:r>
+            <a:endParaRPr lang="it-IT" b="1" i="1" dirty="0">
+              <a:solidFill>
+                <a:schemeClr val="bg1"/>
+              </a:solidFill>
+            </a:endParaRPr>
+          </a:p>
+        </p:txBody>
+      </p:sp>
+      <p:sp>
+        <p:nvSpPr>
+          <p:cNvPr id="5" name="Segnaposto numero diapositiva 4"/>
+          <p:cNvSpPr>
+            <a:spLocks noGrp="1"/>
+          </p:cNvSpPr>
+          <p:nvPr>
+            <p:ph type="sldNum" sz="quarter" idx="12"/>
+          </p:nvPr>
+        </p:nvSpPr>
+        <p:spPr/>
+        <p:txBody>
+          <a:bodyPr/>
+          <a:lstStyle/>
+          <a:p>
+            <a:fld id="{219C0E88-5C08-45F5-BD91-E93F425D2D58}" type="slidenum">
+              <a:rPr lang="it-IT" smtClean="0"/>
+              <a:t>14</a:t>
+            </a:fld>
+            <a:endParaRPr lang="it-IT"/>
+          </a:p>
+        </p:txBody>
+      </p:sp>
+    </p:spTree>
+    <p:extLst>
+      <p:ext uri="{BB962C8B-B14F-4D97-AF65-F5344CB8AC3E}">
+        <p14:creationId xmlns:p14="http://schemas.microsoft.com/office/powerpoint/2010/main" val="1082215177"/>
+      </p:ext>
+    </p:extLst>
+  </p:cSld>
+  <p:clrMapOvr>
+    <a:masterClrMapping/>
+  </p:clrMapOvr>
   <p:timing>
     <p:tnLst>
       <p:par>
@@ -6828,7 +7127,7 @@
             <a:pPr algn="ctr"/>
             <a:r>
               <a:rPr lang="en-US" sz="4000" dirty="0" smtClean="0"/>
-              <a:t>Group of sprites</a:t>
+              <a:t>Tilemap</a:t>
             </a:r>
             <a:endParaRPr lang="en-US" sz="4000" dirty="0"/>
           </a:p>
@@ -6844,316 +7143,75 @@
             <p:ph idx="1"/>
           </p:nvPr>
         </p:nvSpPr>
-        <p:spPr/>
+        <p:spPr>
+          <a:noFill/>
+        </p:spPr>
         <p:txBody>
           <a:bodyPr>
-            <a:normAutofit lnSpcReduction="10000"/>
+            <a:normAutofit/>
           </a:bodyPr>
           <a:lstStyle/>
           <a:p>
+            <a:pPr marL="0" indent="0">
+              <a:buNone/>
+            </a:pPr>
+            <a:r>
+              <a:rPr lang="en-US" dirty="0"/>
+              <a:t>A tilemap is a map composed by a fixed number of same sized sprites (tiles)</a:t>
+            </a:r>
+            <a:endParaRPr lang="en-US" dirty="0" smtClean="0"/>
+          </a:p>
+          <a:p>
             <a:r>
               <a:rPr lang="en-US" dirty="0" smtClean="0"/>
-              <a:t>Use it as z-ordered layer</a:t>
-            </a:r>
+              <a:t>Each tile can have different </a:t>
+            </a:r>
+            <a:r>
+              <a:rPr lang="en-US" dirty="0" err="1" smtClean="0"/>
+              <a:t>behaviour</a:t>
+            </a:r>
+            <a:endParaRPr lang="en-US" dirty="0" smtClean="0"/>
           </a:p>
           <a:p>
             <a:r>
               <a:rPr lang="en-US" dirty="0" smtClean="0"/>
-              <a:t>Use it for </a:t>
-            </a:r>
-            <a:r>
-              <a:rPr lang="it-IT" dirty="0"/>
-              <a:t>fast </a:t>
-            </a:r>
-            <a:r>
-              <a:rPr lang="it-IT" dirty="0" err="1"/>
-              <a:t>pooling</a:t>
-            </a:r>
-            <a:r>
-              <a:rPr lang="it-IT" dirty="0"/>
-              <a:t> and </a:t>
-            </a:r>
-            <a:r>
-              <a:rPr lang="it-IT" dirty="0" err="1"/>
-              <a:t>object</a:t>
-            </a:r>
-            <a:r>
-              <a:rPr lang="it-IT" dirty="0"/>
-              <a:t> </a:t>
-            </a:r>
-            <a:r>
-              <a:rPr lang="it-IT" dirty="0" err="1" smtClean="0"/>
-              <a:t>recycling</a:t>
-            </a:r>
-            <a:r>
-              <a:rPr lang="it-IT" dirty="0" smtClean="0"/>
-              <a:t> </a:t>
-            </a:r>
-            <a:r>
-              <a:rPr lang="it-IT" dirty="0" err="1" smtClean="0"/>
-              <a:t>too</a:t>
-            </a:r>
-            <a:endParaRPr lang="it-IT" dirty="0" smtClean="0"/>
-          </a:p>
-          <a:p>
-            <a:r>
-              <a:rPr lang="it-IT" dirty="0" smtClean="0"/>
-              <a:t>Can </a:t>
-            </a:r>
-            <a:r>
-              <a:rPr lang="it-IT" dirty="0" err="1" smtClean="0"/>
-              <a:t>apply</a:t>
-            </a:r>
-            <a:r>
-              <a:rPr lang="it-IT" dirty="0" smtClean="0"/>
-              <a:t> </a:t>
-            </a:r>
-            <a:r>
-              <a:rPr lang="it-IT" dirty="0" err="1" smtClean="0"/>
-              <a:t>transformation</a:t>
-            </a:r>
-            <a:r>
-              <a:rPr lang="it-IT" dirty="0" smtClean="0"/>
-              <a:t> to </a:t>
-            </a:r>
-            <a:r>
-              <a:rPr lang="it-IT" dirty="0" err="1" smtClean="0"/>
-              <a:t>every</a:t>
-            </a:r>
-            <a:r>
-              <a:rPr lang="it-IT" dirty="0" smtClean="0"/>
-              <a:t> </a:t>
-            </a:r>
-            <a:r>
-              <a:rPr lang="it-IT" dirty="0" err="1" smtClean="0"/>
-              <a:t>sprite</a:t>
-            </a:r>
-            <a:endParaRPr lang="it-IT" dirty="0" smtClean="0"/>
-          </a:p>
-          <a:p>
-            <a:r>
-              <a:rPr lang="it-IT" dirty="0" smtClean="0"/>
-              <a:t>Can call </a:t>
-            </a:r>
-            <a:r>
-              <a:rPr lang="it-IT" dirty="0" err="1" smtClean="0"/>
-              <a:t>methods</a:t>
-            </a:r>
-            <a:r>
-              <a:rPr lang="it-IT" dirty="0" smtClean="0"/>
-              <a:t> on </a:t>
-            </a:r>
-            <a:r>
-              <a:rPr lang="it-IT" dirty="0" err="1" smtClean="0"/>
-              <a:t>every</a:t>
-            </a:r>
-            <a:r>
-              <a:rPr lang="it-IT" dirty="0" smtClean="0"/>
-              <a:t> </a:t>
-            </a:r>
-            <a:r>
-              <a:rPr lang="it-IT" dirty="0" err="1" smtClean="0"/>
-              <a:t>sprite</a:t>
-            </a:r>
-            <a:endParaRPr lang="it-IT" dirty="0" smtClean="0"/>
-          </a:p>
-          <a:p>
-            <a:pPr marL="0" indent="0">
-              <a:buNone/>
-            </a:pPr>
-            <a:r>
-              <a:rPr lang="en-US" sz="2000" dirty="0" err="1" smtClean="0">
-                <a:latin typeface="Consolas" panose="020B0609020204030204" pitchFamily="49" charset="0"/>
-                <a:cs typeface="Consolas" panose="020B0609020204030204" pitchFamily="49" charset="0"/>
-              </a:rPr>
-              <a:t>var</a:t>
-            </a:r>
-            <a:r>
-              <a:rPr lang="en-US" sz="2000" dirty="0" smtClean="0">
-                <a:latin typeface="Consolas" panose="020B0609020204030204" pitchFamily="49" charset="0"/>
-                <a:cs typeface="Consolas" panose="020B0609020204030204" pitchFamily="49" charset="0"/>
-              </a:rPr>
-              <a:t> group = </a:t>
-            </a:r>
-            <a:r>
-              <a:rPr lang="en-US" sz="2000" dirty="0" err="1" smtClean="0">
-                <a:latin typeface="Consolas" panose="020B0609020204030204" pitchFamily="49" charset="0"/>
-                <a:cs typeface="Consolas" panose="020B0609020204030204" pitchFamily="49" charset="0"/>
-              </a:rPr>
-              <a:t>game.add.group</a:t>
-            </a:r>
-            <a:r>
-              <a:rPr lang="en-US" sz="2000" dirty="0" smtClean="0">
-                <a:latin typeface="Consolas" panose="020B0609020204030204" pitchFamily="49" charset="0"/>
-                <a:cs typeface="Consolas" panose="020B0609020204030204" pitchFamily="49" charset="0"/>
-              </a:rPr>
-              <a:t>();</a:t>
-            </a:r>
-          </a:p>
-          <a:p>
-            <a:pPr marL="0" indent="0">
-              <a:buNone/>
-            </a:pPr>
-            <a:r>
-              <a:rPr lang="en-US" sz="2000" dirty="0" err="1">
-                <a:latin typeface="Consolas" panose="020B0609020204030204" pitchFamily="49" charset="0"/>
-                <a:cs typeface="Consolas" panose="020B0609020204030204" pitchFamily="49" charset="0"/>
-              </a:rPr>
-              <a:t>v</a:t>
-            </a:r>
-            <a:r>
-              <a:rPr lang="en-US" sz="2000" dirty="0" err="1" smtClean="0">
-                <a:latin typeface="Consolas" panose="020B0609020204030204" pitchFamily="49" charset="0"/>
-                <a:cs typeface="Consolas" panose="020B0609020204030204" pitchFamily="49" charset="0"/>
-              </a:rPr>
-              <a:t>ar</a:t>
-            </a:r>
-            <a:r>
-              <a:rPr lang="en-US" sz="2000" dirty="0" smtClean="0">
-                <a:latin typeface="Consolas" panose="020B0609020204030204" pitchFamily="49" charset="0"/>
-                <a:cs typeface="Consolas" panose="020B0609020204030204" pitchFamily="49" charset="0"/>
-              </a:rPr>
-              <a:t> sprite = </a:t>
-            </a:r>
-            <a:r>
-              <a:rPr lang="en-US" sz="2000" dirty="0" err="1" smtClean="0">
-                <a:latin typeface="Consolas" panose="020B0609020204030204" pitchFamily="49" charset="0"/>
-                <a:cs typeface="Consolas" panose="020B0609020204030204" pitchFamily="49" charset="0"/>
-              </a:rPr>
-              <a:t>group.create</a:t>
-            </a:r>
-            <a:r>
-              <a:rPr lang="en-US" sz="2000" dirty="0" smtClean="0">
-                <a:latin typeface="Consolas" panose="020B0609020204030204" pitchFamily="49" charset="0"/>
-                <a:cs typeface="Consolas" panose="020B0609020204030204" pitchFamily="49" charset="0"/>
-              </a:rPr>
-              <a:t>(x, y, </a:t>
-            </a:r>
-            <a:r>
-              <a:rPr lang="en-US" sz="2000" dirty="0">
-                <a:latin typeface="Consolas" panose="020B0609020204030204" pitchFamily="49" charset="0"/>
-                <a:cs typeface="Consolas" panose="020B0609020204030204" pitchFamily="49" charset="0"/>
-              </a:rPr>
-              <a:t>'</a:t>
-            </a:r>
-            <a:r>
-              <a:rPr lang="en-US" sz="2000" dirty="0" smtClean="0">
-                <a:latin typeface="Consolas" panose="020B0609020204030204" pitchFamily="49" charset="0"/>
-                <a:cs typeface="Consolas" panose="020B0609020204030204" pitchFamily="49" charset="0"/>
-              </a:rPr>
-              <a:t>image');</a:t>
-            </a:r>
-          </a:p>
-          <a:p>
-            <a:pPr marL="0" indent="0">
-              <a:buNone/>
-            </a:pPr>
-            <a:r>
-              <a:rPr lang="en-US" sz="2000" dirty="0" err="1" smtClean="0">
-                <a:latin typeface="Consolas" panose="020B0609020204030204" pitchFamily="49" charset="0"/>
-                <a:cs typeface="Consolas" panose="020B0609020204030204" pitchFamily="49" charset="0"/>
-              </a:rPr>
-              <a:t>group.x</a:t>
-            </a:r>
-            <a:r>
-              <a:rPr lang="en-US" sz="2000" dirty="0" smtClean="0">
-                <a:latin typeface="Consolas" panose="020B0609020204030204" pitchFamily="49" charset="0"/>
-                <a:cs typeface="Consolas" panose="020B0609020204030204" pitchFamily="49" charset="0"/>
-              </a:rPr>
-              <a:t> += 100;</a:t>
-            </a:r>
-          </a:p>
-          <a:p>
-            <a:pPr marL="0" indent="0">
-              <a:buNone/>
-            </a:pPr>
-            <a:r>
-              <a:rPr lang="en-US" sz="2000" dirty="0" err="1" smtClean="0">
-                <a:latin typeface="Consolas" panose="020B0609020204030204" pitchFamily="49" charset="0"/>
-                <a:cs typeface="Consolas" panose="020B0609020204030204" pitchFamily="49" charset="0"/>
-              </a:rPr>
-              <a:t>group.callAll</a:t>
-            </a:r>
-            <a:r>
-              <a:rPr lang="en-US" sz="2000" dirty="0" smtClean="0">
-                <a:latin typeface="Consolas" panose="020B0609020204030204" pitchFamily="49" charset="0"/>
-                <a:cs typeface="Consolas" panose="020B0609020204030204" pitchFamily="49" charset="0"/>
-              </a:rPr>
-              <a:t>(</a:t>
-            </a:r>
-            <a:r>
-              <a:rPr lang="en-US" sz="2000" dirty="0">
-                <a:latin typeface="Consolas" panose="020B0609020204030204" pitchFamily="49" charset="0"/>
-                <a:cs typeface="Consolas" panose="020B0609020204030204" pitchFamily="49" charset="0"/>
-              </a:rPr>
-              <a:t>'</a:t>
-            </a:r>
-            <a:r>
-              <a:rPr lang="en-US" sz="2000" dirty="0" smtClean="0">
-                <a:latin typeface="Consolas" panose="020B0609020204030204" pitchFamily="49" charset="0"/>
-                <a:cs typeface="Consolas" panose="020B0609020204030204" pitchFamily="49" charset="0"/>
-              </a:rPr>
-              <a:t>kill');</a:t>
-            </a:r>
-          </a:p>
-          <a:p>
-            <a:pPr marL="0" indent="0">
-              <a:buNone/>
-            </a:pPr>
-            <a:r>
-              <a:rPr lang="en-US" sz="2000" dirty="0" err="1" smtClean="0">
-                <a:latin typeface="Consolas" panose="020B0609020204030204" pitchFamily="49" charset="0"/>
-                <a:cs typeface="Consolas" panose="020B0609020204030204" pitchFamily="49" charset="0"/>
-              </a:rPr>
-              <a:t>var</a:t>
-            </a:r>
-            <a:r>
-              <a:rPr lang="en-US" sz="2000" dirty="0" smtClean="0">
-                <a:latin typeface="Consolas" panose="020B0609020204030204" pitchFamily="49" charset="0"/>
-                <a:cs typeface="Consolas" panose="020B0609020204030204" pitchFamily="49" charset="0"/>
-              </a:rPr>
-              <a:t> zombie = </a:t>
-            </a:r>
-            <a:r>
-              <a:rPr lang="en-US" sz="2000" dirty="0" err="1" smtClean="0">
-                <a:latin typeface="Consolas" panose="020B0609020204030204" pitchFamily="49" charset="0"/>
-                <a:cs typeface="Consolas" panose="020B0609020204030204" pitchFamily="49" charset="0"/>
-              </a:rPr>
-              <a:t>group.getFirstExists</a:t>
-            </a:r>
-            <a:r>
-              <a:rPr lang="en-US" sz="2000" dirty="0" smtClean="0">
-                <a:latin typeface="Consolas" panose="020B0609020204030204" pitchFamily="49" charset="0"/>
-                <a:cs typeface="Consolas" panose="020B0609020204030204" pitchFamily="49" charset="0"/>
-              </a:rPr>
-              <a:t>(false);</a:t>
-            </a:r>
-          </a:p>
-          <a:p>
-            <a:pPr marL="0" indent="0">
-              <a:buNone/>
-            </a:pPr>
-            <a:r>
-              <a:rPr lang="en-US" sz="2000" dirty="0" err="1">
-                <a:latin typeface="Consolas" panose="020B0609020204030204" pitchFamily="49" charset="0"/>
-                <a:cs typeface="Consolas" panose="020B0609020204030204" pitchFamily="49" charset="0"/>
-              </a:rPr>
-              <a:t>z</a:t>
-            </a:r>
-            <a:r>
-              <a:rPr lang="en-US" sz="2000" dirty="0" err="1" smtClean="0">
-                <a:latin typeface="Consolas" panose="020B0609020204030204" pitchFamily="49" charset="0"/>
-                <a:cs typeface="Consolas" panose="020B0609020204030204" pitchFamily="49" charset="0"/>
-              </a:rPr>
-              <a:t>ombie.revive</a:t>
-            </a:r>
-            <a:r>
-              <a:rPr lang="en-US" sz="2000" dirty="0" smtClean="0">
-                <a:latin typeface="Consolas" panose="020B0609020204030204" pitchFamily="49" charset="0"/>
-                <a:cs typeface="Consolas" panose="020B0609020204030204" pitchFamily="49" charset="0"/>
-              </a:rPr>
-              <a:t>(); //cured!</a:t>
-            </a:r>
+              <a:t>Used to create platform and map based games</a:t>
+            </a:r>
+          </a:p>
+          <a:p>
+            <a:r>
+              <a:rPr lang="en-US" dirty="0" smtClean="0"/>
+              <a:t>Can be orthogonal or isometric</a:t>
+            </a:r>
+          </a:p>
+          <a:p>
+            <a:r>
+              <a:rPr lang="en-US" dirty="0" smtClean="0"/>
+              <a:t>Easy to create with Tiled (</a:t>
+            </a:r>
+            <a:r>
+              <a:rPr lang="en-GB" dirty="0" smtClean="0">
+                <a:hlinkClick r:id="rId2"/>
+              </a:rPr>
+              <a:t>http</a:t>
+            </a:r>
+            <a:r>
+              <a:rPr lang="en-GB" dirty="0">
+                <a:hlinkClick r:id="rId2"/>
+              </a:rPr>
+              <a:t>://www.mapeditor.org</a:t>
+            </a:r>
+            <a:r>
+              <a:rPr lang="en-GB" dirty="0" smtClean="0">
+                <a:hlinkClick r:id="rId2"/>
+              </a:rPr>
+              <a:t>/</a:t>
+            </a:r>
+            <a:r>
+              <a:rPr lang="en-GB" dirty="0" smtClean="0"/>
+              <a:t>)</a:t>
+            </a:r>
+            <a:endParaRPr lang="en-US" dirty="0" smtClean="0"/>
           </a:p>
         </p:txBody>
       </p:sp>
@@ -7219,7 +7277,7 @@
     </p:spTree>
     <p:extLst>
       <p:ext uri="{BB962C8B-B14F-4D97-AF65-F5344CB8AC3E}">
-        <p14:creationId xmlns:p14="http://schemas.microsoft.com/office/powerpoint/2010/main" val="2863946840"/>
+        <p14:creationId xmlns:p14="http://schemas.microsoft.com/office/powerpoint/2010/main" val="4097671932"/>
       </p:ext>
     </p:extLst>
   </p:cSld>
@@ -7272,223 +7330,43 @@
           <a:p>
             <a:pPr algn="ctr"/>
             <a:r>
-              <a:rPr lang="en-US" sz="4000" dirty="0" err="1" smtClean="0"/>
-              <a:t>Tilesprite</a:t>
+              <a:rPr lang="en-US" sz="4000" dirty="0" smtClean="0"/>
+              <a:t>Tilemap</a:t>
             </a:r>
             <a:endParaRPr lang="en-US" sz="4000" dirty="0"/>
           </a:p>
         </p:txBody>
       </p:sp>
-      <p:sp>
-        <p:nvSpPr>
-          <p:cNvPr id="3" name="Segnaposto contenuto 2"/>
-          <p:cNvSpPr>
-            <a:spLocks noGrp="1"/>
-          </p:cNvSpPr>
+      <p:pic>
+        <p:nvPicPr>
+          <p:cNvPr id="6" name="Segnaposto contenuto 5"/>
+          <p:cNvPicPr>
+            <a:picLocks noGrp="1" noChangeAspect="1"/>
+          </p:cNvPicPr>
           <p:nvPr>
             <p:ph idx="1"/>
           </p:nvPr>
-        </p:nvSpPr>
+        </p:nvPicPr>
+        <p:blipFill>
+          <a:blip r:embed="rId2">
+            <a:extLst>
+              <a:ext uri="{28A0092B-C50C-407E-A947-70E740481C1C}">
+                <a14:useLocalDpi xmlns:a14="http://schemas.microsoft.com/office/drawing/2010/main" val="0"/>
+              </a:ext>
+            </a:extLst>
+          </a:blip>
+          <a:stretch>
+            <a:fillRect/>
+          </a:stretch>
+        </p:blipFill>
         <p:spPr>
+          <a:xfrm>
+            <a:off x="1475656" y="1690688"/>
+            <a:ext cx="6281180" cy="4287319"/>
+          </a:xfrm>
           <a:noFill/>
         </p:spPr>
-        <p:txBody>
-          <a:bodyPr>
-            <a:normAutofit/>
-          </a:bodyPr>
-          <a:lstStyle/>
-          <a:p>
-            <a:pPr marL="0" indent="0">
-              <a:buNone/>
-            </a:pPr>
-            <a:r>
-              <a:rPr lang="en-GB" dirty="0" smtClean="0"/>
-              <a:t>“A </a:t>
-            </a:r>
-            <a:r>
-              <a:rPr lang="en-GB" dirty="0" err="1"/>
-              <a:t>t</a:t>
-            </a:r>
-            <a:r>
-              <a:rPr lang="en-GB" dirty="0" err="1" smtClean="0"/>
-              <a:t>ilesprite</a:t>
-            </a:r>
-            <a:r>
-              <a:rPr lang="en-GB" dirty="0" smtClean="0"/>
-              <a:t> </a:t>
-            </a:r>
-            <a:r>
-              <a:rPr lang="en-GB" dirty="0"/>
-              <a:t>is a </a:t>
-            </a:r>
-            <a:r>
-              <a:rPr lang="en-GB" dirty="0" smtClean="0"/>
-              <a:t>sprite </a:t>
-            </a:r>
-            <a:r>
-              <a:rPr lang="en-GB" dirty="0"/>
-              <a:t>that has a repeating texture</a:t>
-            </a:r>
-            <a:r>
-              <a:rPr lang="en-GB" dirty="0" smtClean="0"/>
-              <a:t>.”</a:t>
-            </a:r>
-          </a:p>
-          <a:p>
-            <a:pPr marL="0" indent="0">
-              <a:buNone/>
-            </a:pPr>
-            <a:endParaRPr lang="en-GB" sz="2400" dirty="0" smtClean="0">
-              <a:latin typeface="Consolas" panose="020B0609020204030204" pitchFamily="49" charset="0"/>
-              <a:cs typeface="Consolas" panose="020B0609020204030204" pitchFamily="49" charset="0"/>
-            </a:endParaRPr>
-          </a:p>
-          <a:p>
-            <a:pPr marL="0" indent="0">
-              <a:buNone/>
-            </a:pPr>
-            <a:r>
-              <a:rPr lang="en-GB" sz="2400" dirty="0" err="1" smtClean="0">
-                <a:latin typeface="Consolas" panose="020B0609020204030204" pitchFamily="49" charset="0"/>
-                <a:cs typeface="Consolas" panose="020B0609020204030204" pitchFamily="49" charset="0"/>
-              </a:rPr>
-              <a:t>var</a:t>
-            </a:r>
-            <a:r>
-              <a:rPr lang="en-GB" sz="2400" dirty="0" smtClean="0">
-                <a:latin typeface="Consolas" panose="020B0609020204030204" pitchFamily="49" charset="0"/>
-                <a:cs typeface="Consolas" panose="020B0609020204030204" pitchFamily="49" charset="0"/>
-              </a:rPr>
-              <a:t> </a:t>
-            </a:r>
-            <a:r>
-              <a:rPr lang="en-GB" sz="2400" dirty="0" err="1">
-                <a:latin typeface="Consolas" panose="020B0609020204030204" pitchFamily="49" charset="0"/>
-                <a:cs typeface="Consolas" panose="020B0609020204030204" pitchFamily="49" charset="0"/>
-              </a:rPr>
-              <a:t>tilesprite</a:t>
-            </a:r>
-            <a:r>
-              <a:rPr lang="en-GB" sz="2400" dirty="0">
-                <a:latin typeface="Consolas" panose="020B0609020204030204" pitchFamily="49" charset="0"/>
-                <a:cs typeface="Consolas" panose="020B0609020204030204" pitchFamily="49" charset="0"/>
-              </a:rPr>
-              <a:t> = </a:t>
-            </a:r>
-            <a:r>
-              <a:rPr lang="en-GB" sz="2400" dirty="0" err="1">
-                <a:latin typeface="Consolas" panose="020B0609020204030204" pitchFamily="49" charset="0"/>
-                <a:cs typeface="Consolas" panose="020B0609020204030204" pitchFamily="49" charset="0"/>
-              </a:rPr>
-              <a:t>game.add.tileSprite</a:t>
-            </a:r>
-            <a:r>
-              <a:rPr lang="en-GB" sz="2400" dirty="0">
-                <a:latin typeface="Consolas" panose="020B0609020204030204" pitchFamily="49" charset="0"/>
-                <a:cs typeface="Consolas" panose="020B0609020204030204" pitchFamily="49" charset="0"/>
-              </a:rPr>
-              <a:t>(0, 0, 32, 64, 'image');</a:t>
-            </a:r>
-            <a:endParaRPr lang="en-GB" sz="2400" dirty="0" smtClean="0">
-              <a:latin typeface="Consolas" panose="020B0609020204030204" pitchFamily="49" charset="0"/>
-              <a:cs typeface="Consolas" panose="020B0609020204030204" pitchFamily="49" charset="0"/>
-            </a:endParaRPr>
-          </a:p>
-          <a:p>
-            <a:endParaRPr lang="en-GB" dirty="0" smtClean="0"/>
-          </a:p>
-          <a:p>
-            <a:r>
-              <a:rPr lang="en-GB" dirty="0" smtClean="0"/>
-              <a:t>texture </a:t>
-            </a:r>
-            <a:r>
-              <a:rPr lang="en-GB" dirty="0"/>
-              <a:t>can be </a:t>
-            </a:r>
-            <a:r>
-              <a:rPr lang="en-GB" dirty="0" smtClean="0"/>
-              <a:t>scrolled</a:t>
-            </a:r>
-          </a:p>
-          <a:p>
-            <a:pPr marL="457200" lvl="1" indent="0">
-              <a:buNone/>
-            </a:pPr>
-            <a:r>
-              <a:rPr lang="en-GB" dirty="0" err="1" smtClean="0">
-                <a:latin typeface="Consolas" panose="020B0609020204030204" pitchFamily="49" charset="0"/>
-                <a:cs typeface="Consolas" panose="020B0609020204030204" pitchFamily="49" charset="0"/>
-              </a:rPr>
-              <a:t>tilesprite.tilePosition.setTo</a:t>
-            </a:r>
-            <a:r>
-              <a:rPr lang="en-GB" dirty="0" smtClean="0">
-                <a:latin typeface="Consolas" panose="020B0609020204030204" pitchFamily="49" charset="0"/>
-                <a:cs typeface="Consolas" panose="020B0609020204030204" pitchFamily="49" charset="0"/>
-              </a:rPr>
-              <a:t>(10,20);</a:t>
-            </a:r>
-          </a:p>
-          <a:p>
-            <a:r>
-              <a:rPr lang="en-GB" dirty="0"/>
-              <a:t>t</a:t>
-            </a:r>
-            <a:r>
-              <a:rPr lang="en-GB" dirty="0" smtClean="0"/>
-              <a:t>exture can be scaled</a:t>
-            </a:r>
-          </a:p>
-          <a:p>
-            <a:pPr marL="457200" lvl="1" indent="0">
-              <a:buNone/>
-            </a:pPr>
-            <a:r>
-              <a:rPr lang="en-US" dirty="0" err="1" smtClean="0">
-                <a:latin typeface="Consolas" panose="020B0609020204030204" pitchFamily="49" charset="0"/>
-                <a:cs typeface="Consolas" panose="020B0609020204030204" pitchFamily="49" charset="0"/>
-              </a:rPr>
-              <a:t>tilesprite</a:t>
-            </a:r>
-            <a:r>
-              <a:rPr lang="en-US" dirty="0" smtClean="0">
-                <a:latin typeface="Consolas" panose="020B0609020204030204" pitchFamily="49" charset="0"/>
-                <a:cs typeface="Consolas" panose="020B0609020204030204" pitchFamily="49" charset="0"/>
-              </a:rPr>
-              <a:t>.</a:t>
-            </a:r>
-            <a:r>
-              <a:rPr lang="en-GB" dirty="0" err="1" smtClean="0">
-                <a:latin typeface="Consolas" panose="020B0609020204030204" pitchFamily="49" charset="0"/>
-                <a:cs typeface="Consolas" panose="020B0609020204030204" pitchFamily="49" charset="0"/>
-              </a:rPr>
-              <a:t>tileScale</a:t>
-            </a:r>
-            <a:r>
-              <a:rPr lang="en-US" dirty="0" smtClean="0">
-                <a:latin typeface="Consolas" panose="020B0609020204030204" pitchFamily="49" charset="0"/>
-                <a:cs typeface="Consolas" panose="020B0609020204030204" pitchFamily="49" charset="0"/>
-              </a:rPr>
-              <a:t>.</a:t>
-            </a:r>
-            <a:r>
-              <a:rPr lang="en-US" dirty="0" err="1" smtClean="0">
-                <a:latin typeface="Consolas" panose="020B0609020204030204" pitchFamily="49" charset="0"/>
-                <a:cs typeface="Consolas" panose="020B0609020204030204" pitchFamily="49" charset="0"/>
-              </a:rPr>
-              <a:t>setTo</a:t>
-            </a:r>
-            <a:r>
-              <a:rPr lang="en-US" dirty="0" smtClean="0">
-                <a:latin typeface="Consolas" panose="020B0609020204030204" pitchFamily="49" charset="0"/>
-                <a:cs typeface="Consolas" panose="020B0609020204030204" pitchFamily="49" charset="0"/>
-              </a:rPr>
-              <a:t>(1.5,1.5);</a:t>
-            </a:r>
-          </a:p>
-        </p:txBody>
-      </p:sp>
+      </p:pic>
       <p:sp>
         <p:nvSpPr>
           <p:cNvPr id="4" name="Segnaposto data 3"/>
@@ -7551,7 +7429,7 @@
     </p:spTree>
     <p:extLst>
       <p:ext uri="{BB962C8B-B14F-4D97-AF65-F5344CB8AC3E}">
-        <p14:creationId xmlns:p14="http://schemas.microsoft.com/office/powerpoint/2010/main" val="1082215177"/>
+        <p14:creationId xmlns:p14="http://schemas.microsoft.com/office/powerpoint/2010/main" val="2903593619"/>
       </p:ext>
     </p:extLst>
   </p:cSld>
@@ -7621,75 +7499,401 @@
             <p:ph idx="1"/>
           </p:nvPr>
         </p:nvSpPr>
-        <p:spPr>
-          <a:noFill/>
-        </p:spPr>
+        <p:spPr/>
         <p:txBody>
           <a:bodyPr>
-            <a:normAutofit/>
+            <a:normAutofit fontScale="92500" lnSpcReduction="10000"/>
           </a:bodyPr>
           <a:lstStyle/>
           <a:p>
             <a:pPr marL="0" indent="0">
+              <a:lnSpc>
+                <a:spcPct val="120000"/>
+              </a:lnSpc>
+              <a:spcBef>
+                <a:spcPts val="0"/>
+              </a:spcBef>
               <a:buNone/>
             </a:pPr>
             <a:r>
-              <a:rPr lang="en-US" dirty="0"/>
-              <a:t>A tilemap is a map composed by a fixed number of same sized sprites (tiles)</a:t>
-            </a:r>
-            <a:endParaRPr lang="en-US" dirty="0" smtClean="0"/>
-          </a:p>
-          <a:p>
-            <a:r>
-              <a:rPr lang="en-US" dirty="0" smtClean="0"/>
-              <a:t>Each tile can have different </a:t>
-            </a:r>
-            <a:r>
-              <a:rPr lang="en-US" dirty="0" err="1" smtClean="0"/>
-              <a:t>behaviour</a:t>
-            </a:r>
-            <a:endParaRPr lang="en-US" dirty="0" smtClean="0"/>
-          </a:p>
-          <a:p>
-            <a:r>
-              <a:rPr lang="en-US" dirty="0" smtClean="0"/>
-              <a:t>Used to create platform and map based games</a:t>
-            </a:r>
-          </a:p>
-          <a:p>
-            <a:r>
-              <a:rPr lang="en-US" dirty="0" smtClean="0"/>
-              <a:t>Can be orthogonal or isometric</a:t>
-            </a:r>
-          </a:p>
-          <a:p>
-            <a:r>
-              <a:rPr lang="en-US" dirty="0" smtClean="0"/>
-              <a:t>Easy to create with Tiled (</a:t>
-            </a:r>
-            <a:r>
-              <a:rPr lang="en-GB" dirty="0" smtClean="0">
-                <a:hlinkClick r:id="rId2"/>
-              </a:rPr>
-              <a:t>http</a:t>
-            </a:r>
-            <a:r>
-              <a:rPr lang="en-GB" dirty="0">
-                <a:hlinkClick r:id="rId2"/>
-              </a:rPr>
-              <a:t>://www.mapeditor.org</a:t>
-            </a:r>
-            <a:r>
-              <a:rPr lang="en-GB" dirty="0" smtClean="0">
-                <a:hlinkClick r:id="rId2"/>
+              <a:rPr lang="en-US" sz="2000" dirty="0" smtClean="0">
+                <a:latin typeface="Consolas" panose="020B0609020204030204" pitchFamily="49" charset="0"/>
+                <a:cs typeface="Consolas" panose="020B0609020204030204" pitchFamily="49" charset="0"/>
+              </a:rPr>
+              <a:t>function preload() {</a:t>
+            </a:r>
+          </a:p>
+          <a:p>
+            <a:pPr marL="0" indent="0">
+              <a:lnSpc>
+                <a:spcPct val="120000"/>
+              </a:lnSpc>
+              <a:spcBef>
+                <a:spcPts val="0"/>
+              </a:spcBef>
+              <a:buNone/>
+            </a:pPr>
+            <a:r>
+              <a:rPr lang="en-US" sz="2000" dirty="0" smtClean="0">
+                <a:latin typeface="Consolas" panose="020B0609020204030204" pitchFamily="49" charset="0"/>
+                <a:cs typeface="Consolas" panose="020B0609020204030204" pitchFamily="49" charset="0"/>
+              </a:rPr>
+              <a:t>	</a:t>
+            </a:r>
+            <a:r>
+              <a:rPr lang="en-US" sz="2000" dirty="0" err="1" smtClean="0">
+                <a:latin typeface="Consolas" panose="020B0609020204030204" pitchFamily="49" charset="0"/>
+                <a:cs typeface="Consolas" panose="020B0609020204030204" pitchFamily="49" charset="0"/>
+              </a:rPr>
+              <a:t>game.load.tilemap</a:t>
+            </a:r>
+            <a:r>
+              <a:rPr lang="en-US" sz="2000" dirty="0" smtClean="0">
+                <a:latin typeface="Consolas" panose="020B0609020204030204" pitchFamily="49" charset="0"/>
+                <a:cs typeface="Consolas" panose="020B0609020204030204" pitchFamily="49" charset="0"/>
+              </a:rPr>
+              <a:t>('</a:t>
+            </a:r>
+            <a:r>
+              <a:rPr lang="en-US" sz="2000" dirty="0" err="1" smtClean="0">
+                <a:latin typeface="Consolas" panose="020B0609020204030204" pitchFamily="49" charset="0"/>
+                <a:cs typeface="Consolas" panose="020B0609020204030204" pitchFamily="49" charset="0"/>
+              </a:rPr>
+              <a:t>codem</a:t>
+            </a:r>
+            <a:r>
+              <a:rPr lang="en-US" sz="2000" dirty="0" smtClean="0">
+                <a:latin typeface="Consolas" panose="020B0609020204030204" pitchFamily="49" charset="0"/>
+                <a:cs typeface="Consolas" panose="020B0609020204030204" pitchFamily="49" charset="0"/>
+              </a:rPr>
+              <a:t>', '</a:t>
+            </a:r>
+            <a:r>
+              <a:rPr lang="en-US" sz="2000" dirty="0" err="1" smtClean="0">
+                <a:latin typeface="Consolas" panose="020B0609020204030204" pitchFamily="49" charset="0"/>
+                <a:cs typeface="Consolas" panose="020B0609020204030204" pitchFamily="49" charset="0"/>
+              </a:rPr>
+              <a:t>tilemap</a:t>
+            </a:r>
+            <a:r>
+              <a:rPr lang="en-US" sz="2000" dirty="0" smtClean="0">
+                <a:latin typeface="Consolas" panose="020B0609020204030204" pitchFamily="49" charset="0"/>
+                <a:cs typeface="Consolas" panose="020B0609020204030204" pitchFamily="49" charset="0"/>
               </a:rPr>
               <a:t>/</a:t>
             </a:r>
             <a:r>
-              <a:rPr lang="en-GB" dirty="0" smtClean="0"/>
-              <a:t>)</a:t>
-            </a:r>
-            <a:endParaRPr lang="en-US" dirty="0" smtClean="0"/>
+              <a:rPr lang="en-US" sz="2000" dirty="0" err="1" smtClean="0">
+                <a:latin typeface="Consolas" panose="020B0609020204030204" pitchFamily="49" charset="0"/>
+                <a:cs typeface="Consolas" panose="020B0609020204030204" pitchFamily="49" charset="0"/>
+              </a:rPr>
+              <a:t>codem.json</a:t>
+            </a:r>
+            <a:r>
+              <a:rPr lang="en-US" sz="2000" dirty="0" smtClean="0">
+                <a:latin typeface="Consolas" panose="020B0609020204030204" pitchFamily="49" charset="0"/>
+                <a:cs typeface="Consolas" panose="020B0609020204030204" pitchFamily="49" charset="0"/>
+              </a:rPr>
+              <a:t>', null, </a:t>
+            </a:r>
+            <a:r>
+              <a:rPr lang="en-US" sz="2000" dirty="0" err="1" smtClean="0">
+                <a:latin typeface="Consolas" panose="020B0609020204030204" pitchFamily="49" charset="0"/>
+                <a:cs typeface="Consolas" panose="020B0609020204030204" pitchFamily="49" charset="0"/>
+              </a:rPr>
+              <a:t>Phaser.Tilemap.TILED_JSON</a:t>
+            </a:r>
+            <a:r>
+              <a:rPr lang="en-US" sz="2000" dirty="0" smtClean="0">
+                <a:latin typeface="Consolas" panose="020B0609020204030204" pitchFamily="49" charset="0"/>
+                <a:cs typeface="Consolas" panose="020B0609020204030204" pitchFamily="49" charset="0"/>
+              </a:rPr>
+              <a:t>);</a:t>
+            </a:r>
+          </a:p>
+          <a:p>
+            <a:pPr marL="0" indent="0">
+              <a:lnSpc>
+                <a:spcPct val="120000"/>
+              </a:lnSpc>
+              <a:spcBef>
+                <a:spcPts val="0"/>
+              </a:spcBef>
+              <a:buNone/>
+            </a:pPr>
+            <a:r>
+              <a:rPr lang="en-US" sz="2000" dirty="0" smtClean="0">
+                <a:latin typeface="Consolas" panose="020B0609020204030204" pitchFamily="49" charset="0"/>
+                <a:cs typeface="Consolas" panose="020B0609020204030204" pitchFamily="49" charset="0"/>
+              </a:rPr>
+              <a:t>	</a:t>
+            </a:r>
+            <a:r>
+              <a:rPr lang="en-US" sz="2000" dirty="0" err="1" smtClean="0">
+                <a:latin typeface="Consolas" panose="020B0609020204030204" pitchFamily="49" charset="0"/>
+                <a:cs typeface="Consolas" panose="020B0609020204030204" pitchFamily="49" charset="0"/>
+              </a:rPr>
+              <a:t>game.load.image</a:t>
+            </a:r>
+            <a:r>
+              <a:rPr lang="en-US" sz="2000" dirty="0" smtClean="0">
+                <a:latin typeface="Consolas" panose="020B0609020204030204" pitchFamily="49" charset="0"/>
+                <a:cs typeface="Consolas" panose="020B0609020204030204" pitchFamily="49" charset="0"/>
+              </a:rPr>
+              <a:t>('block', 'sprites/block.gif');</a:t>
+            </a:r>
+          </a:p>
+          <a:p>
+            <a:pPr marL="0" indent="0">
+              <a:lnSpc>
+                <a:spcPct val="120000"/>
+              </a:lnSpc>
+              <a:spcBef>
+                <a:spcPts val="0"/>
+              </a:spcBef>
+              <a:buNone/>
+            </a:pPr>
+            <a:r>
+              <a:rPr lang="en-US" sz="2000" dirty="0" smtClean="0">
+                <a:latin typeface="Consolas" panose="020B0609020204030204" pitchFamily="49" charset="0"/>
+                <a:cs typeface="Consolas" panose="020B0609020204030204" pitchFamily="49" charset="0"/>
+              </a:rPr>
+              <a:t>}</a:t>
+            </a:r>
+          </a:p>
+          <a:p>
+            <a:pPr marL="0" indent="0">
+              <a:lnSpc>
+                <a:spcPct val="120000"/>
+              </a:lnSpc>
+              <a:spcBef>
+                <a:spcPts val="0"/>
+              </a:spcBef>
+              <a:buNone/>
+            </a:pPr>
+            <a:endParaRPr lang="en-US" sz="2000" dirty="0" smtClean="0">
+              <a:latin typeface="Consolas" panose="020B0609020204030204" pitchFamily="49" charset="0"/>
+              <a:cs typeface="Consolas" panose="020B0609020204030204" pitchFamily="49" charset="0"/>
+            </a:endParaRPr>
+          </a:p>
+          <a:p>
+            <a:pPr marL="0" indent="0">
+              <a:lnSpc>
+                <a:spcPct val="120000"/>
+              </a:lnSpc>
+              <a:spcBef>
+                <a:spcPts val="0"/>
+              </a:spcBef>
+              <a:buNone/>
+            </a:pPr>
+            <a:r>
+              <a:rPr lang="en-US" sz="2000" dirty="0" smtClean="0">
+                <a:latin typeface="Consolas" panose="020B0609020204030204" pitchFamily="49" charset="0"/>
+                <a:cs typeface="Consolas" panose="020B0609020204030204" pitchFamily="49" charset="0"/>
+              </a:rPr>
+              <a:t>function create() {</a:t>
+            </a:r>
+          </a:p>
+          <a:p>
+            <a:pPr marL="0" indent="0">
+              <a:lnSpc>
+                <a:spcPct val="120000"/>
+              </a:lnSpc>
+              <a:spcBef>
+                <a:spcPts val="0"/>
+              </a:spcBef>
+              <a:buNone/>
+            </a:pPr>
+            <a:r>
+              <a:rPr lang="en-US" sz="2000" dirty="0" smtClean="0">
+                <a:latin typeface="Consolas" panose="020B0609020204030204" pitchFamily="49" charset="0"/>
+                <a:cs typeface="Consolas" panose="020B0609020204030204" pitchFamily="49" charset="0"/>
+              </a:rPr>
+              <a:t>	map = </a:t>
+            </a:r>
+            <a:r>
+              <a:rPr lang="en-US" sz="2000" dirty="0" err="1" smtClean="0">
+                <a:latin typeface="Consolas" panose="020B0609020204030204" pitchFamily="49" charset="0"/>
+                <a:cs typeface="Consolas" panose="020B0609020204030204" pitchFamily="49" charset="0"/>
+              </a:rPr>
+              <a:t>game.add.tilemap</a:t>
+            </a:r>
+            <a:r>
+              <a:rPr lang="en-US" sz="2000" dirty="0" smtClean="0">
+                <a:latin typeface="Consolas" panose="020B0609020204030204" pitchFamily="49" charset="0"/>
+                <a:cs typeface="Consolas" panose="020B0609020204030204" pitchFamily="49" charset="0"/>
+              </a:rPr>
+              <a:t>("</a:t>
+            </a:r>
+            <a:r>
+              <a:rPr lang="en-US" sz="2000" dirty="0" err="1" smtClean="0">
+                <a:latin typeface="Consolas" panose="020B0609020204030204" pitchFamily="49" charset="0"/>
+                <a:cs typeface="Consolas" panose="020B0609020204030204" pitchFamily="49" charset="0"/>
+              </a:rPr>
+              <a:t>codem</a:t>
+            </a:r>
+            <a:r>
+              <a:rPr lang="en-US" sz="2000" dirty="0" smtClean="0">
+                <a:latin typeface="Consolas" panose="020B0609020204030204" pitchFamily="49" charset="0"/>
+                <a:cs typeface="Consolas" panose="020B0609020204030204" pitchFamily="49" charset="0"/>
+              </a:rPr>
+              <a:t>");</a:t>
+            </a:r>
+          </a:p>
+          <a:p>
+            <a:pPr marL="0" indent="0">
+              <a:lnSpc>
+                <a:spcPct val="120000"/>
+              </a:lnSpc>
+              <a:spcBef>
+                <a:spcPts val="0"/>
+              </a:spcBef>
+              <a:buNone/>
+            </a:pPr>
+            <a:r>
+              <a:rPr lang="en-US" sz="2000" dirty="0" smtClean="0">
+                <a:latin typeface="Consolas" panose="020B0609020204030204" pitchFamily="49" charset="0"/>
+                <a:cs typeface="Consolas" panose="020B0609020204030204" pitchFamily="49" charset="0"/>
+              </a:rPr>
+              <a:t>	</a:t>
+            </a:r>
+            <a:r>
+              <a:rPr lang="en-US" sz="2000" dirty="0" err="1" smtClean="0">
+                <a:latin typeface="Consolas" panose="020B0609020204030204" pitchFamily="49" charset="0"/>
+                <a:cs typeface="Consolas" panose="020B0609020204030204" pitchFamily="49" charset="0"/>
+              </a:rPr>
+              <a:t>map.addTilesetImage</a:t>
+            </a:r>
+            <a:r>
+              <a:rPr lang="en-US" sz="2000" dirty="0" smtClean="0">
+                <a:latin typeface="Consolas" panose="020B0609020204030204" pitchFamily="49" charset="0"/>
+                <a:cs typeface="Consolas" panose="020B0609020204030204" pitchFamily="49" charset="0"/>
+              </a:rPr>
+              <a:t>("block");</a:t>
+            </a:r>
+          </a:p>
+          <a:p>
+            <a:pPr marL="0" indent="0">
+              <a:lnSpc>
+                <a:spcPct val="120000"/>
+              </a:lnSpc>
+              <a:spcBef>
+                <a:spcPts val="0"/>
+              </a:spcBef>
+              <a:buNone/>
+            </a:pPr>
+            <a:r>
+              <a:rPr lang="en-US" sz="2000" dirty="0" smtClean="0">
+                <a:latin typeface="Consolas" panose="020B0609020204030204" pitchFamily="49" charset="0"/>
+                <a:cs typeface="Consolas" panose="020B0609020204030204" pitchFamily="49" charset="0"/>
+              </a:rPr>
+              <a:t>	</a:t>
+            </a:r>
+            <a:r>
+              <a:rPr lang="en-US" sz="2000" dirty="0" err="1" smtClean="0">
+                <a:latin typeface="Consolas" panose="020B0609020204030204" pitchFamily="49" charset="0"/>
+                <a:cs typeface="Consolas" panose="020B0609020204030204" pitchFamily="49" charset="0"/>
+              </a:rPr>
+              <a:t>map.setCollisionByExclusion</a:t>
+            </a:r>
+            <a:r>
+              <a:rPr lang="en-US" sz="2000" dirty="0" smtClean="0">
+                <a:latin typeface="Consolas" panose="020B0609020204030204" pitchFamily="49" charset="0"/>
+                <a:cs typeface="Consolas" panose="020B0609020204030204" pitchFamily="49" charset="0"/>
+              </a:rPr>
+              <a:t>([]);</a:t>
+            </a:r>
+          </a:p>
+          <a:p>
+            <a:pPr marL="0" indent="0">
+              <a:lnSpc>
+                <a:spcPct val="120000"/>
+              </a:lnSpc>
+              <a:spcBef>
+                <a:spcPts val="0"/>
+              </a:spcBef>
+              <a:buNone/>
+            </a:pPr>
+            <a:r>
+              <a:rPr lang="en-US" sz="2000" dirty="0" smtClean="0">
+                <a:latin typeface="Consolas" panose="020B0609020204030204" pitchFamily="49" charset="0"/>
+                <a:cs typeface="Consolas" panose="020B0609020204030204" pitchFamily="49" charset="0"/>
+              </a:rPr>
+              <a:t>	layer = </a:t>
+            </a:r>
+            <a:r>
+              <a:rPr lang="en-US" sz="2000" dirty="0" err="1" smtClean="0">
+                <a:latin typeface="Consolas" panose="020B0609020204030204" pitchFamily="49" charset="0"/>
+                <a:cs typeface="Consolas" panose="020B0609020204030204" pitchFamily="49" charset="0"/>
+              </a:rPr>
+              <a:t>map.createLayer</a:t>
+            </a:r>
+            <a:r>
+              <a:rPr lang="en-US" sz="2000" dirty="0" smtClean="0">
+                <a:latin typeface="Consolas" panose="020B0609020204030204" pitchFamily="49" charset="0"/>
+                <a:cs typeface="Consolas" panose="020B0609020204030204" pitchFamily="49" charset="0"/>
+              </a:rPr>
+              <a:t>("</a:t>
+            </a:r>
+            <a:r>
+              <a:rPr lang="en-US" sz="2000" dirty="0" err="1" smtClean="0">
+                <a:latin typeface="Consolas" panose="020B0609020204030204" pitchFamily="49" charset="0"/>
+                <a:cs typeface="Consolas" panose="020B0609020204030204" pitchFamily="49" charset="0"/>
+              </a:rPr>
+              <a:t>codemotion</a:t>
+            </a:r>
+            <a:r>
+              <a:rPr lang="en-US" sz="2000" dirty="0" smtClean="0">
+                <a:latin typeface="Consolas" panose="020B0609020204030204" pitchFamily="49" charset="0"/>
+                <a:cs typeface="Consolas" panose="020B0609020204030204" pitchFamily="49" charset="0"/>
+              </a:rPr>
+              <a:t>");</a:t>
+            </a:r>
+          </a:p>
+          <a:p>
+            <a:pPr marL="0" indent="0">
+              <a:lnSpc>
+                <a:spcPct val="120000"/>
+              </a:lnSpc>
+              <a:spcBef>
+                <a:spcPts val="0"/>
+              </a:spcBef>
+              <a:buNone/>
+            </a:pPr>
+            <a:r>
+              <a:rPr lang="en-US" sz="2000" dirty="0" smtClean="0">
+                <a:latin typeface="Consolas" panose="020B0609020204030204" pitchFamily="49" charset="0"/>
+                <a:cs typeface="Consolas" panose="020B0609020204030204" pitchFamily="49" charset="0"/>
+              </a:rPr>
+              <a:t>	</a:t>
+            </a:r>
+            <a:r>
+              <a:rPr lang="en-US" sz="2000" dirty="0" err="1" smtClean="0">
+                <a:latin typeface="Consolas" panose="020B0609020204030204" pitchFamily="49" charset="0"/>
+                <a:cs typeface="Consolas" panose="020B0609020204030204" pitchFamily="49" charset="0"/>
+              </a:rPr>
+              <a:t>layer.resizeWorld</a:t>
+            </a:r>
+            <a:r>
+              <a:rPr lang="en-US" sz="2000" dirty="0" smtClean="0">
+                <a:latin typeface="Consolas" panose="020B0609020204030204" pitchFamily="49" charset="0"/>
+                <a:cs typeface="Consolas" panose="020B0609020204030204" pitchFamily="49" charset="0"/>
+              </a:rPr>
+              <a:t>();</a:t>
+            </a:r>
+            <a:br>
+              <a:rPr lang="en-US" sz="2000" dirty="0" smtClean="0">
+                <a:latin typeface="Consolas" panose="020B0609020204030204" pitchFamily="49" charset="0"/>
+                <a:cs typeface="Consolas" panose="020B0609020204030204" pitchFamily="49" charset="0"/>
+              </a:rPr>
+            </a:br>
+            <a:r>
+              <a:rPr lang="en-US" sz="2000" dirty="0" smtClean="0">
+                <a:latin typeface="Consolas" panose="020B0609020204030204" pitchFamily="49" charset="0"/>
+                <a:cs typeface="Consolas" panose="020B0609020204030204" pitchFamily="49" charset="0"/>
+              </a:rPr>
+              <a:t>}</a:t>
+            </a:r>
           </a:p>
         </p:txBody>
       </p:sp>
@@ -7748,14 +7952,14 @@
               <a:rPr lang="it-IT" smtClean="0"/>
               <a:t>17</a:t>
             </a:fld>
-            <a:endParaRPr lang="it-IT"/>
+            <a:endParaRPr lang="it-IT" dirty="0"/>
           </a:p>
         </p:txBody>
       </p:sp>
     </p:spTree>
     <p:extLst>
       <p:ext uri="{BB962C8B-B14F-4D97-AF65-F5344CB8AC3E}">
-        <p14:creationId xmlns:p14="http://schemas.microsoft.com/office/powerpoint/2010/main" val="4097671932"/>
+        <p14:creationId xmlns:p14="http://schemas.microsoft.com/office/powerpoint/2010/main" val="1160956334"/>
       </p:ext>
     </p:extLst>
   </p:cSld>
@@ -7809,7 +8013,7 @@
             <a:pPr algn="ctr"/>
             <a:r>
               <a:rPr lang="en-US" sz="4000" dirty="0" smtClean="0"/>
-              <a:t>Tilemap</a:t>
+              <a:t>Collision</a:t>
             </a:r>
             <a:endParaRPr lang="en-US" sz="4000" dirty="0"/>
           </a:p>
@@ -7825,401 +8029,79 @@
             <p:ph idx="1"/>
           </p:nvPr>
         </p:nvSpPr>
-        <p:spPr/>
+        <p:spPr>
+          <a:noFill/>
+        </p:spPr>
         <p:txBody>
           <a:bodyPr>
-            <a:normAutofit fontScale="92500" lnSpcReduction="10000"/>
+            <a:normAutofit lnSpcReduction="10000"/>
           </a:bodyPr>
           <a:lstStyle/>
           <a:p>
             <a:pPr marL="0" indent="0">
-              <a:lnSpc>
-                <a:spcPct val="120000"/>
-              </a:lnSpc>
-              <a:spcBef>
-                <a:spcPts val="0"/>
-              </a:spcBef>
               <a:buNone/>
             </a:pPr>
             <a:r>
-              <a:rPr lang="en-US" sz="2000" dirty="0" smtClean="0">
-                <a:latin typeface="Consolas" panose="020B0609020204030204" pitchFamily="49" charset="0"/>
-                <a:cs typeface="Consolas" panose="020B0609020204030204" pitchFamily="49" charset="0"/>
-              </a:rPr>
-              <a:t>function preload() {</a:t>
-            </a:r>
-          </a:p>
-          <a:p>
-            <a:pPr marL="0" indent="0">
-              <a:lnSpc>
-                <a:spcPct val="120000"/>
-              </a:lnSpc>
-              <a:spcBef>
-                <a:spcPts val="0"/>
-              </a:spcBef>
-              <a:buNone/>
-            </a:pPr>
-            <a:r>
-              <a:rPr lang="en-US" sz="2000" dirty="0" smtClean="0">
-                <a:latin typeface="Consolas" panose="020B0609020204030204" pitchFamily="49" charset="0"/>
-                <a:cs typeface="Consolas" panose="020B0609020204030204" pitchFamily="49" charset="0"/>
-              </a:rPr>
-              <a:t>	</a:t>
-            </a:r>
-            <a:r>
-              <a:rPr lang="en-US" sz="2000" dirty="0" err="1" smtClean="0">
-                <a:latin typeface="Consolas" panose="020B0609020204030204" pitchFamily="49" charset="0"/>
-                <a:cs typeface="Consolas" panose="020B0609020204030204" pitchFamily="49" charset="0"/>
-              </a:rPr>
-              <a:t>game.load.tilemap</a:t>
-            </a:r>
-            <a:r>
-              <a:rPr lang="en-US" sz="2000" dirty="0" smtClean="0">
-                <a:latin typeface="Consolas" panose="020B0609020204030204" pitchFamily="49" charset="0"/>
-                <a:cs typeface="Consolas" panose="020B0609020204030204" pitchFamily="49" charset="0"/>
-              </a:rPr>
-              <a:t>('</a:t>
-            </a:r>
-            <a:r>
-              <a:rPr lang="en-US" sz="2000" dirty="0" err="1" smtClean="0">
-                <a:latin typeface="Consolas" panose="020B0609020204030204" pitchFamily="49" charset="0"/>
-                <a:cs typeface="Consolas" panose="020B0609020204030204" pitchFamily="49" charset="0"/>
-              </a:rPr>
-              <a:t>codem</a:t>
-            </a:r>
-            <a:r>
-              <a:rPr lang="en-US" sz="2000" dirty="0" smtClean="0">
-                <a:latin typeface="Consolas" panose="020B0609020204030204" pitchFamily="49" charset="0"/>
-                <a:cs typeface="Consolas" panose="020B0609020204030204" pitchFamily="49" charset="0"/>
-              </a:rPr>
-              <a:t>', '</a:t>
-            </a:r>
-            <a:r>
-              <a:rPr lang="en-US" sz="2000" dirty="0" err="1" smtClean="0">
-                <a:latin typeface="Consolas" panose="020B0609020204030204" pitchFamily="49" charset="0"/>
-                <a:cs typeface="Consolas" panose="020B0609020204030204" pitchFamily="49" charset="0"/>
-              </a:rPr>
-              <a:t>tilemap</a:t>
-            </a:r>
-            <a:r>
-              <a:rPr lang="en-US" sz="2000" dirty="0" smtClean="0">
-                <a:latin typeface="Consolas" panose="020B0609020204030204" pitchFamily="49" charset="0"/>
-                <a:cs typeface="Consolas" panose="020B0609020204030204" pitchFamily="49" charset="0"/>
-              </a:rPr>
-              <a:t>/</a:t>
-            </a:r>
-            <a:r>
-              <a:rPr lang="en-US" sz="2000" dirty="0" err="1" smtClean="0">
-                <a:latin typeface="Consolas" panose="020B0609020204030204" pitchFamily="49" charset="0"/>
-                <a:cs typeface="Consolas" panose="020B0609020204030204" pitchFamily="49" charset="0"/>
-              </a:rPr>
-              <a:t>codem.json</a:t>
-            </a:r>
-            <a:r>
-              <a:rPr lang="en-US" sz="2000" dirty="0" smtClean="0">
-                <a:latin typeface="Consolas" panose="020B0609020204030204" pitchFamily="49" charset="0"/>
-                <a:cs typeface="Consolas" panose="020B0609020204030204" pitchFamily="49" charset="0"/>
-              </a:rPr>
-              <a:t>', null, </a:t>
-            </a:r>
-            <a:r>
-              <a:rPr lang="en-US" sz="2000" dirty="0" err="1" smtClean="0">
-                <a:latin typeface="Consolas" panose="020B0609020204030204" pitchFamily="49" charset="0"/>
-                <a:cs typeface="Consolas" panose="020B0609020204030204" pitchFamily="49" charset="0"/>
-              </a:rPr>
-              <a:t>Phaser.Tilemap.TILED_JSON</a:t>
-            </a:r>
-            <a:r>
-              <a:rPr lang="en-US" sz="2000" dirty="0" smtClean="0">
-                <a:latin typeface="Consolas" panose="020B0609020204030204" pitchFamily="49" charset="0"/>
-                <a:cs typeface="Consolas" panose="020B0609020204030204" pitchFamily="49" charset="0"/>
-              </a:rPr>
-              <a:t>);</a:t>
-            </a:r>
-          </a:p>
-          <a:p>
-            <a:pPr marL="0" indent="0">
-              <a:lnSpc>
-                <a:spcPct val="120000"/>
-              </a:lnSpc>
-              <a:spcBef>
-                <a:spcPts val="0"/>
-              </a:spcBef>
-              <a:buNone/>
-            </a:pPr>
-            <a:r>
-              <a:rPr lang="en-US" sz="2000" dirty="0" smtClean="0">
-                <a:latin typeface="Consolas" panose="020B0609020204030204" pitchFamily="49" charset="0"/>
-                <a:cs typeface="Consolas" panose="020B0609020204030204" pitchFamily="49" charset="0"/>
-              </a:rPr>
-              <a:t>	</a:t>
-            </a:r>
-            <a:r>
-              <a:rPr lang="en-US" sz="2000" dirty="0" err="1" smtClean="0">
-                <a:latin typeface="Consolas" panose="020B0609020204030204" pitchFamily="49" charset="0"/>
-                <a:cs typeface="Consolas" panose="020B0609020204030204" pitchFamily="49" charset="0"/>
-              </a:rPr>
-              <a:t>game.load.image</a:t>
-            </a:r>
-            <a:r>
-              <a:rPr lang="en-US" sz="2000" dirty="0" smtClean="0">
-                <a:latin typeface="Consolas" panose="020B0609020204030204" pitchFamily="49" charset="0"/>
-                <a:cs typeface="Consolas" panose="020B0609020204030204" pitchFamily="49" charset="0"/>
-              </a:rPr>
-              <a:t>('block', 'sprites/block.gif');</a:t>
-            </a:r>
-          </a:p>
-          <a:p>
-            <a:pPr marL="0" indent="0">
-              <a:lnSpc>
-                <a:spcPct val="120000"/>
-              </a:lnSpc>
-              <a:spcBef>
-                <a:spcPts val="0"/>
-              </a:spcBef>
-              <a:buNone/>
-            </a:pPr>
-            <a:r>
-              <a:rPr lang="en-US" sz="2000" dirty="0" smtClean="0">
-                <a:latin typeface="Consolas" panose="020B0609020204030204" pitchFamily="49" charset="0"/>
-                <a:cs typeface="Consolas" panose="020B0609020204030204" pitchFamily="49" charset="0"/>
-              </a:rPr>
-              <a:t>}</a:t>
-            </a:r>
-          </a:p>
-          <a:p>
-            <a:pPr marL="0" indent="0">
-              <a:lnSpc>
-                <a:spcPct val="120000"/>
-              </a:lnSpc>
-              <a:spcBef>
-                <a:spcPts val="0"/>
-              </a:spcBef>
-              <a:buNone/>
-            </a:pPr>
-            <a:endParaRPr lang="en-US" sz="2000" dirty="0" smtClean="0">
-              <a:latin typeface="Consolas" panose="020B0609020204030204" pitchFamily="49" charset="0"/>
-              <a:cs typeface="Consolas" panose="020B0609020204030204" pitchFamily="49" charset="0"/>
-            </a:endParaRPr>
-          </a:p>
-          <a:p>
-            <a:pPr marL="0" indent="0">
-              <a:lnSpc>
-                <a:spcPct val="120000"/>
-              </a:lnSpc>
-              <a:spcBef>
-                <a:spcPts val="0"/>
-              </a:spcBef>
-              <a:buNone/>
-            </a:pPr>
-            <a:r>
-              <a:rPr lang="en-US" sz="2000" dirty="0" smtClean="0">
-                <a:latin typeface="Consolas" panose="020B0609020204030204" pitchFamily="49" charset="0"/>
-                <a:cs typeface="Consolas" panose="020B0609020204030204" pitchFamily="49" charset="0"/>
-              </a:rPr>
-              <a:t>function create() {</a:t>
-            </a:r>
-          </a:p>
-          <a:p>
-            <a:pPr marL="0" indent="0">
-              <a:lnSpc>
-                <a:spcPct val="120000"/>
-              </a:lnSpc>
-              <a:spcBef>
-                <a:spcPts val="0"/>
-              </a:spcBef>
-              <a:buNone/>
-            </a:pPr>
-            <a:r>
-              <a:rPr lang="en-US" sz="2000" dirty="0" smtClean="0">
-                <a:latin typeface="Consolas" panose="020B0609020204030204" pitchFamily="49" charset="0"/>
-                <a:cs typeface="Consolas" panose="020B0609020204030204" pitchFamily="49" charset="0"/>
-              </a:rPr>
-              <a:t>	map = </a:t>
-            </a:r>
-            <a:r>
-              <a:rPr lang="en-US" sz="2000" dirty="0" err="1" smtClean="0">
-                <a:latin typeface="Consolas" panose="020B0609020204030204" pitchFamily="49" charset="0"/>
-                <a:cs typeface="Consolas" panose="020B0609020204030204" pitchFamily="49" charset="0"/>
-              </a:rPr>
-              <a:t>game.add.tilemap</a:t>
-            </a:r>
-            <a:r>
-              <a:rPr lang="en-US" sz="2000" dirty="0" smtClean="0">
-                <a:latin typeface="Consolas" panose="020B0609020204030204" pitchFamily="49" charset="0"/>
-                <a:cs typeface="Consolas" panose="020B0609020204030204" pitchFamily="49" charset="0"/>
-              </a:rPr>
-              <a:t>("</a:t>
-            </a:r>
-            <a:r>
-              <a:rPr lang="en-US" sz="2000" dirty="0" err="1" smtClean="0">
-                <a:latin typeface="Consolas" panose="020B0609020204030204" pitchFamily="49" charset="0"/>
-                <a:cs typeface="Consolas" panose="020B0609020204030204" pitchFamily="49" charset="0"/>
-              </a:rPr>
-              <a:t>codem</a:t>
-            </a:r>
-            <a:r>
-              <a:rPr lang="en-US" sz="2000" dirty="0" smtClean="0">
-                <a:latin typeface="Consolas" panose="020B0609020204030204" pitchFamily="49" charset="0"/>
-                <a:cs typeface="Consolas" panose="020B0609020204030204" pitchFamily="49" charset="0"/>
-              </a:rPr>
-              <a:t>");</a:t>
-            </a:r>
-          </a:p>
-          <a:p>
-            <a:pPr marL="0" indent="0">
-              <a:lnSpc>
-                <a:spcPct val="120000"/>
-              </a:lnSpc>
-              <a:spcBef>
-                <a:spcPts val="0"/>
-              </a:spcBef>
-              <a:buNone/>
-            </a:pPr>
-            <a:r>
-              <a:rPr lang="en-US" sz="2000" dirty="0" smtClean="0">
-                <a:latin typeface="Consolas" panose="020B0609020204030204" pitchFamily="49" charset="0"/>
-                <a:cs typeface="Consolas" panose="020B0609020204030204" pitchFamily="49" charset="0"/>
-              </a:rPr>
-              <a:t>	</a:t>
-            </a:r>
-            <a:r>
-              <a:rPr lang="en-US" sz="2000" dirty="0" err="1" smtClean="0">
-                <a:latin typeface="Consolas" panose="020B0609020204030204" pitchFamily="49" charset="0"/>
-                <a:cs typeface="Consolas" panose="020B0609020204030204" pitchFamily="49" charset="0"/>
-              </a:rPr>
-              <a:t>map.addTilesetImage</a:t>
-            </a:r>
-            <a:r>
-              <a:rPr lang="en-US" sz="2000" dirty="0" smtClean="0">
-                <a:latin typeface="Consolas" panose="020B0609020204030204" pitchFamily="49" charset="0"/>
-                <a:cs typeface="Consolas" panose="020B0609020204030204" pitchFamily="49" charset="0"/>
-              </a:rPr>
-              <a:t>("block");</a:t>
-            </a:r>
-          </a:p>
-          <a:p>
-            <a:pPr marL="0" indent="0">
-              <a:lnSpc>
-                <a:spcPct val="120000"/>
-              </a:lnSpc>
-              <a:spcBef>
-                <a:spcPts val="0"/>
-              </a:spcBef>
-              <a:buNone/>
-            </a:pPr>
-            <a:r>
-              <a:rPr lang="en-US" sz="2000" dirty="0" smtClean="0">
-                <a:latin typeface="Consolas" panose="020B0609020204030204" pitchFamily="49" charset="0"/>
-                <a:cs typeface="Consolas" panose="020B0609020204030204" pitchFamily="49" charset="0"/>
-              </a:rPr>
-              <a:t>	</a:t>
-            </a:r>
-            <a:r>
-              <a:rPr lang="en-US" sz="2000" dirty="0" err="1" smtClean="0">
-                <a:latin typeface="Consolas" panose="020B0609020204030204" pitchFamily="49" charset="0"/>
-                <a:cs typeface="Consolas" panose="020B0609020204030204" pitchFamily="49" charset="0"/>
-              </a:rPr>
-              <a:t>map.setCollisionByExclusion</a:t>
-            </a:r>
-            <a:r>
-              <a:rPr lang="en-US" sz="2000" dirty="0" smtClean="0">
-                <a:latin typeface="Consolas" panose="020B0609020204030204" pitchFamily="49" charset="0"/>
-                <a:cs typeface="Consolas" panose="020B0609020204030204" pitchFamily="49" charset="0"/>
-              </a:rPr>
-              <a:t>([]);</a:t>
-            </a:r>
-          </a:p>
-          <a:p>
-            <a:pPr marL="0" indent="0">
-              <a:lnSpc>
-                <a:spcPct val="120000"/>
-              </a:lnSpc>
-              <a:spcBef>
-                <a:spcPts val="0"/>
-              </a:spcBef>
-              <a:buNone/>
-            </a:pPr>
-            <a:r>
-              <a:rPr lang="en-US" sz="2000" dirty="0" smtClean="0">
-                <a:latin typeface="Consolas" panose="020B0609020204030204" pitchFamily="49" charset="0"/>
-                <a:cs typeface="Consolas" panose="020B0609020204030204" pitchFamily="49" charset="0"/>
-              </a:rPr>
-              <a:t>	layer = </a:t>
-            </a:r>
-            <a:r>
-              <a:rPr lang="en-US" sz="2000" dirty="0" err="1" smtClean="0">
-                <a:latin typeface="Consolas" panose="020B0609020204030204" pitchFamily="49" charset="0"/>
-                <a:cs typeface="Consolas" panose="020B0609020204030204" pitchFamily="49" charset="0"/>
-              </a:rPr>
-              <a:t>map.createLayer</a:t>
-            </a:r>
-            <a:r>
-              <a:rPr lang="en-US" sz="2000" dirty="0" smtClean="0">
-                <a:latin typeface="Consolas" panose="020B0609020204030204" pitchFamily="49" charset="0"/>
-                <a:cs typeface="Consolas" panose="020B0609020204030204" pitchFamily="49" charset="0"/>
-              </a:rPr>
-              <a:t>("</a:t>
-            </a:r>
-            <a:r>
-              <a:rPr lang="en-US" sz="2000" dirty="0" err="1" smtClean="0">
-                <a:latin typeface="Consolas" panose="020B0609020204030204" pitchFamily="49" charset="0"/>
-                <a:cs typeface="Consolas" panose="020B0609020204030204" pitchFamily="49" charset="0"/>
-              </a:rPr>
-              <a:t>codemotion</a:t>
-            </a:r>
-            <a:r>
-              <a:rPr lang="en-US" sz="2000" dirty="0" smtClean="0">
-                <a:latin typeface="Consolas" panose="020B0609020204030204" pitchFamily="49" charset="0"/>
-                <a:cs typeface="Consolas" panose="020B0609020204030204" pitchFamily="49" charset="0"/>
-              </a:rPr>
-              <a:t>");</a:t>
-            </a:r>
-          </a:p>
-          <a:p>
-            <a:pPr marL="0" indent="0">
-              <a:lnSpc>
-                <a:spcPct val="120000"/>
-              </a:lnSpc>
-              <a:spcBef>
-                <a:spcPts val="0"/>
-              </a:spcBef>
-              <a:buNone/>
-            </a:pPr>
-            <a:r>
-              <a:rPr lang="en-US" sz="2000" dirty="0" smtClean="0">
-                <a:latin typeface="Consolas" panose="020B0609020204030204" pitchFamily="49" charset="0"/>
-                <a:cs typeface="Consolas" panose="020B0609020204030204" pitchFamily="49" charset="0"/>
-              </a:rPr>
-              <a:t>	</a:t>
-            </a:r>
-            <a:r>
-              <a:rPr lang="en-US" sz="2000" dirty="0" err="1" smtClean="0">
-                <a:latin typeface="Consolas" panose="020B0609020204030204" pitchFamily="49" charset="0"/>
-                <a:cs typeface="Consolas" panose="020B0609020204030204" pitchFamily="49" charset="0"/>
-              </a:rPr>
-              <a:t>layer.resizeWorld</a:t>
-            </a:r>
-            <a:r>
-              <a:rPr lang="en-US" sz="2000" dirty="0" smtClean="0">
-                <a:latin typeface="Consolas" panose="020B0609020204030204" pitchFamily="49" charset="0"/>
-                <a:cs typeface="Consolas" panose="020B0609020204030204" pitchFamily="49" charset="0"/>
-              </a:rPr>
-              <a:t>();</a:t>
-            </a:r>
-            <a:br>
-              <a:rPr lang="en-US" sz="2000" dirty="0" smtClean="0">
-                <a:latin typeface="Consolas" panose="020B0609020204030204" pitchFamily="49" charset="0"/>
-                <a:cs typeface="Consolas" panose="020B0609020204030204" pitchFamily="49" charset="0"/>
-              </a:rPr>
-            </a:br>
-            <a:r>
-              <a:rPr lang="en-US" sz="2000" dirty="0" smtClean="0">
-                <a:latin typeface="Consolas" panose="020B0609020204030204" pitchFamily="49" charset="0"/>
-                <a:cs typeface="Consolas" panose="020B0609020204030204" pitchFamily="49" charset="0"/>
-              </a:rPr>
-              <a:t>}</a:t>
-            </a:r>
+              <a:rPr lang="en-US" dirty="0" smtClean="0"/>
+              <a:t>“An </a:t>
+            </a:r>
+            <a:r>
+              <a:rPr lang="en-US" dirty="0"/>
+              <a:t>instance of one moving object </a:t>
+            </a:r>
+            <a:r>
+              <a:rPr lang="en-US" dirty="0" smtClean="0"/>
+              <a:t>touching </a:t>
+            </a:r>
+            <a:r>
+              <a:rPr lang="en-US" dirty="0"/>
+              <a:t>another</a:t>
+            </a:r>
+            <a:r>
+              <a:rPr lang="en-US" dirty="0" smtClean="0"/>
+              <a:t>.”</a:t>
+            </a:r>
+          </a:p>
+          <a:p>
+            <a:r>
+              <a:rPr lang="en-US" dirty="0" smtClean="0"/>
+              <a:t>Both object must have a “body” (collider)</a:t>
+            </a:r>
+          </a:p>
+          <a:p>
+            <a:r>
+              <a:rPr lang="en-US" dirty="0" smtClean="0"/>
+              <a:t>Object can be a sprite or a tilemap or even a group!</a:t>
+            </a:r>
+          </a:p>
+          <a:p>
+            <a:r>
+              <a:rPr lang="en-US" dirty="0" smtClean="0"/>
+              <a:t>A body can be a rectangle, a circle or a polygon</a:t>
+            </a:r>
+          </a:p>
+          <a:p>
+            <a:r>
+              <a:rPr lang="en-US" dirty="0" smtClean="0"/>
+              <a:t>Bodies can have a lot of properties (mass, gravity, velocity, material, …)</a:t>
+            </a:r>
+          </a:p>
+          <a:p>
+            <a:r>
+              <a:rPr lang="en-US" dirty="0" smtClean="0"/>
+              <a:t>Last two statements depends on what physics engine you are using.</a:t>
+            </a:r>
+          </a:p>
+          <a:p>
+            <a:r>
+              <a:rPr lang="en-US" dirty="0" smtClean="0"/>
+              <a:t>More complex is the engine, more computation is needed. </a:t>
+            </a:r>
+            <a:r>
+              <a:rPr lang="en-US" smtClean="0"/>
+              <a:t>Choose wisely!</a:t>
+            </a:r>
+            <a:endParaRPr lang="en-US" dirty="0" smtClean="0"/>
           </a:p>
         </p:txBody>
       </p:sp>
@@ -8278,14 +8160,14 @@
               <a:rPr lang="it-IT" smtClean="0"/>
               <a:t>18</a:t>
             </a:fld>
-            <a:endParaRPr lang="it-IT" dirty="0"/>
+            <a:endParaRPr lang="it-IT"/>
           </a:p>
         </p:txBody>
       </p:sp>
     </p:spTree>
     <p:extLst>
       <p:ext uri="{BB962C8B-B14F-4D97-AF65-F5344CB8AC3E}">
-        <p14:creationId xmlns:p14="http://schemas.microsoft.com/office/powerpoint/2010/main" val="1160956334"/>
+        <p14:creationId xmlns:p14="http://schemas.microsoft.com/office/powerpoint/2010/main" val="2781362493"/>
       </p:ext>
     </p:extLst>
   </p:cSld>
@@ -8360,78 +8242,350 @@
         </p:spPr>
         <p:txBody>
           <a:bodyPr>
-            <a:normAutofit lnSpcReduction="10000"/>
+            <a:normAutofit/>
           </a:bodyPr>
           <a:lstStyle/>
           <a:p>
             <a:pPr marL="0" indent="0">
+              <a:lnSpc>
+                <a:spcPct val="100000"/>
+              </a:lnSpc>
+              <a:spcBef>
+                <a:spcPts val="0"/>
+              </a:spcBef>
               <a:buNone/>
             </a:pPr>
             <a:r>
-              <a:rPr lang="en-US" dirty="0" smtClean="0"/>
-              <a:t>“An </a:t>
-            </a:r>
-            <a:r>
-              <a:rPr lang="en-US" dirty="0"/>
-              <a:t>instance of one moving object </a:t>
-            </a:r>
-            <a:r>
-              <a:rPr lang="en-US" dirty="0" smtClean="0"/>
-              <a:t>touching </a:t>
-            </a:r>
-            <a:r>
-              <a:rPr lang="en-US" dirty="0"/>
-              <a:t>another</a:t>
-            </a:r>
-            <a:r>
-              <a:rPr lang="en-US" dirty="0" smtClean="0"/>
-              <a:t>.”</a:t>
-            </a:r>
-          </a:p>
-          <a:p>
-            <a:r>
-              <a:rPr lang="en-US" dirty="0" smtClean="0"/>
-              <a:t>Both object must have a “body” (collider)</a:t>
-            </a:r>
-          </a:p>
-          <a:p>
-            <a:r>
-              <a:rPr lang="en-US" dirty="0" smtClean="0"/>
-              <a:t>Object can be a sprite or a tilemap or even a group!</a:t>
-            </a:r>
-          </a:p>
-          <a:p>
-            <a:r>
-              <a:rPr lang="en-US" dirty="0" smtClean="0"/>
-              <a:t>A body can be a rectangle, a circle or a polygon</a:t>
-            </a:r>
-          </a:p>
-          <a:p>
-            <a:r>
-              <a:rPr lang="en-US" dirty="0" smtClean="0"/>
-              <a:t>Bodies can have a lot of properties (mass, gravity, velocity, material, …)</a:t>
-            </a:r>
-          </a:p>
-          <a:p>
-            <a:r>
-              <a:rPr lang="en-US" dirty="0" smtClean="0"/>
-              <a:t>Last two statements depends on what physics engine you are using.</a:t>
-            </a:r>
-          </a:p>
-          <a:p>
-            <a:r>
-              <a:rPr lang="en-US" dirty="0" smtClean="0"/>
-              <a:t>More complex is the engine, more computation is </a:t>
-            </a:r>
-            <a:r>
-              <a:rPr lang="en-US" dirty="0" smtClean="0"/>
-              <a:t>needed. </a:t>
-            </a:r>
-            <a:r>
-              <a:rPr lang="en-US" smtClean="0"/>
-              <a:t>Choose wisely!</a:t>
-            </a:r>
-            <a:endParaRPr lang="en-US" dirty="0" smtClean="0"/>
+              <a:rPr lang="en-US" sz="1800" dirty="0" smtClean="0">
+                <a:latin typeface="Consolas" panose="020B0609020204030204" pitchFamily="49" charset="0"/>
+                <a:cs typeface="Consolas" panose="020B0609020204030204" pitchFamily="49" charset="0"/>
+              </a:rPr>
+              <a:t>function create() { 	</a:t>
+            </a:r>
+            <a:r>
+              <a:rPr lang="en-US" sz="1800" dirty="0" err="1" smtClean="0">
+                <a:latin typeface="Consolas" panose="020B0609020204030204" pitchFamily="49" charset="0"/>
+                <a:cs typeface="Consolas" panose="020B0609020204030204" pitchFamily="49" charset="0"/>
+              </a:rPr>
+              <a:t>game.physics.startSystem</a:t>
+            </a:r>
+            <a:r>
+              <a:rPr lang="en-US" sz="1800" dirty="0" smtClean="0">
+                <a:latin typeface="Consolas" panose="020B0609020204030204" pitchFamily="49" charset="0"/>
+                <a:cs typeface="Consolas" panose="020B0609020204030204" pitchFamily="49" charset="0"/>
+              </a:rPr>
+              <a:t>(</a:t>
+            </a:r>
+            <a:r>
+              <a:rPr lang="en-US" sz="1800" dirty="0" err="1" smtClean="0">
+                <a:latin typeface="Consolas" panose="020B0609020204030204" pitchFamily="49" charset="0"/>
+                <a:cs typeface="Consolas" panose="020B0609020204030204" pitchFamily="49" charset="0"/>
+              </a:rPr>
+              <a:t>Phaser.Physics.ARCADE</a:t>
+            </a:r>
+            <a:r>
+              <a:rPr lang="en-US" sz="1800" dirty="0" smtClean="0">
+                <a:latin typeface="Consolas" panose="020B0609020204030204" pitchFamily="49" charset="0"/>
+                <a:cs typeface="Consolas" panose="020B0609020204030204" pitchFamily="49" charset="0"/>
+              </a:rPr>
+              <a:t>);</a:t>
+            </a:r>
+          </a:p>
+          <a:p>
+            <a:pPr marL="0" indent="0">
+              <a:lnSpc>
+                <a:spcPct val="100000"/>
+              </a:lnSpc>
+              <a:spcBef>
+                <a:spcPts val="0"/>
+              </a:spcBef>
+              <a:buNone/>
+            </a:pPr>
+            <a:r>
+              <a:rPr lang="en-US" sz="1800" dirty="0" smtClean="0">
+                <a:latin typeface="Consolas" panose="020B0609020204030204" pitchFamily="49" charset="0"/>
+                <a:cs typeface="Consolas" panose="020B0609020204030204" pitchFamily="49" charset="0"/>
+              </a:rPr>
+              <a:t>	sprite = </a:t>
+            </a:r>
+            <a:r>
+              <a:rPr lang="en-US" sz="1800" dirty="0" err="1">
+                <a:latin typeface="Consolas" panose="020B0609020204030204" pitchFamily="49" charset="0"/>
+                <a:cs typeface="Consolas" panose="020B0609020204030204" pitchFamily="49" charset="0"/>
+              </a:rPr>
+              <a:t>game.add.sprite</a:t>
+            </a:r>
+            <a:r>
+              <a:rPr lang="en-US" sz="1800" dirty="0">
+                <a:latin typeface="Consolas" panose="020B0609020204030204" pitchFamily="49" charset="0"/>
+                <a:cs typeface="Consolas" panose="020B0609020204030204" pitchFamily="49" charset="0"/>
+              </a:rPr>
+              <a:t>(0, </a:t>
+            </a:r>
+            <a:r>
+              <a:rPr lang="en-US" sz="1800" dirty="0" smtClean="0">
+                <a:latin typeface="Consolas" panose="020B0609020204030204" pitchFamily="49" charset="0"/>
+                <a:cs typeface="Consolas" panose="020B0609020204030204" pitchFamily="49" charset="0"/>
+              </a:rPr>
+              <a:t>0, </a:t>
+            </a:r>
+            <a:r>
+              <a:rPr lang="en-US" sz="1800" dirty="0">
+                <a:latin typeface="Consolas" panose="020B0609020204030204" pitchFamily="49" charset="0"/>
+                <a:cs typeface="Consolas" panose="020B0609020204030204" pitchFamily="49" charset="0"/>
+              </a:rPr>
+              <a:t>'</a:t>
+            </a:r>
+            <a:r>
+              <a:rPr lang="en-US" sz="1800" dirty="0" smtClean="0">
+                <a:latin typeface="Consolas" panose="020B0609020204030204" pitchFamily="49" charset="0"/>
+                <a:cs typeface="Consolas" panose="020B0609020204030204" pitchFamily="49" charset="0"/>
+              </a:rPr>
+              <a:t>image');</a:t>
+            </a:r>
+          </a:p>
+          <a:p>
+            <a:pPr marL="0" indent="0">
+              <a:lnSpc>
+                <a:spcPct val="100000"/>
+              </a:lnSpc>
+              <a:spcBef>
+                <a:spcPts val="0"/>
+              </a:spcBef>
+              <a:buNone/>
+            </a:pPr>
+            <a:r>
+              <a:rPr lang="en-US" sz="1800" dirty="0" smtClean="0">
+                <a:latin typeface="Consolas" panose="020B0609020204030204" pitchFamily="49" charset="0"/>
+                <a:cs typeface="Consolas" panose="020B0609020204030204" pitchFamily="49" charset="0"/>
+              </a:rPr>
+              <a:t>	</a:t>
+            </a:r>
+            <a:r>
+              <a:rPr lang="en-US" sz="1800" dirty="0" err="1" smtClean="0">
+                <a:latin typeface="Consolas" panose="020B0609020204030204" pitchFamily="49" charset="0"/>
+                <a:cs typeface="Consolas" panose="020B0609020204030204" pitchFamily="49" charset="0"/>
+              </a:rPr>
+              <a:t>game.physics.enable</a:t>
+            </a:r>
+            <a:r>
+              <a:rPr lang="en-US" sz="1800" dirty="0" smtClean="0">
+                <a:latin typeface="Consolas" panose="020B0609020204030204" pitchFamily="49" charset="0"/>
+                <a:cs typeface="Consolas" panose="020B0609020204030204" pitchFamily="49" charset="0"/>
+              </a:rPr>
+              <a:t>(sprite, </a:t>
+            </a:r>
+            <a:r>
+              <a:rPr lang="en-US" sz="1800" dirty="0" err="1">
+                <a:latin typeface="Consolas" panose="020B0609020204030204" pitchFamily="49" charset="0"/>
+                <a:cs typeface="Consolas" panose="020B0609020204030204" pitchFamily="49" charset="0"/>
+              </a:rPr>
+              <a:t>Phaser.Physics.ARCADE</a:t>
+            </a:r>
+            <a:r>
+              <a:rPr lang="en-US" sz="1800" dirty="0" smtClean="0">
+                <a:latin typeface="Consolas" panose="020B0609020204030204" pitchFamily="49" charset="0"/>
+                <a:cs typeface="Consolas" panose="020B0609020204030204" pitchFamily="49" charset="0"/>
+              </a:rPr>
+              <a:t>);</a:t>
+            </a:r>
+          </a:p>
+          <a:p>
+            <a:pPr marL="0" indent="0">
+              <a:lnSpc>
+                <a:spcPct val="100000"/>
+              </a:lnSpc>
+              <a:spcBef>
+                <a:spcPts val="0"/>
+              </a:spcBef>
+              <a:buNone/>
+            </a:pPr>
+            <a:r>
+              <a:rPr lang="en-US" sz="1800" dirty="0" smtClean="0">
+                <a:latin typeface="Consolas" panose="020B0609020204030204" pitchFamily="49" charset="0"/>
+                <a:cs typeface="Consolas" panose="020B0609020204030204" pitchFamily="49" charset="0"/>
+              </a:rPr>
+              <a:t>	</a:t>
+            </a:r>
+            <a:r>
+              <a:rPr lang="en-US" sz="1800" dirty="0" err="1" smtClean="0">
+                <a:latin typeface="Consolas" panose="020B0609020204030204" pitchFamily="49" charset="0"/>
+                <a:cs typeface="Consolas" panose="020B0609020204030204" pitchFamily="49" charset="0"/>
+              </a:rPr>
+              <a:t>sprite.body.collideWorldBounds</a:t>
+            </a:r>
+            <a:r>
+              <a:rPr lang="en-US" sz="1800" dirty="0" smtClean="0">
+                <a:latin typeface="Consolas" panose="020B0609020204030204" pitchFamily="49" charset="0"/>
+                <a:cs typeface="Consolas" panose="020B0609020204030204" pitchFamily="49" charset="0"/>
+              </a:rPr>
+              <a:t> </a:t>
+            </a:r>
+            <a:r>
+              <a:rPr lang="en-US" sz="1800" dirty="0">
+                <a:latin typeface="Consolas" panose="020B0609020204030204" pitchFamily="49" charset="0"/>
+                <a:cs typeface="Consolas" panose="020B0609020204030204" pitchFamily="49" charset="0"/>
+              </a:rPr>
+              <a:t>= true</a:t>
+            </a:r>
+            <a:r>
+              <a:rPr lang="en-US" sz="1800" dirty="0" smtClean="0">
+                <a:latin typeface="Consolas" panose="020B0609020204030204" pitchFamily="49" charset="0"/>
+                <a:cs typeface="Consolas" panose="020B0609020204030204" pitchFamily="49" charset="0"/>
+              </a:rPr>
+              <a:t>;</a:t>
+            </a:r>
+          </a:p>
+          <a:p>
+            <a:pPr marL="0" indent="0">
+              <a:lnSpc>
+                <a:spcPct val="100000"/>
+              </a:lnSpc>
+              <a:spcBef>
+                <a:spcPts val="0"/>
+              </a:spcBef>
+              <a:buNone/>
+            </a:pPr>
+            <a:r>
+              <a:rPr lang="en-US" sz="1800" dirty="0" smtClean="0">
+                <a:latin typeface="Consolas" panose="020B0609020204030204" pitchFamily="49" charset="0"/>
+                <a:cs typeface="Consolas" panose="020B0609020204030204" pitchFamily="49" charset="0"/>
+              </a:rPr>
+              <a:t>	</a:t>
+            </a:r>
+            <a:r>
+              <a:rPr lang="en-US" sz="1800" dirty="0" err="1" smtClean="0">
+                <a:latin typeface="Consolas" panose="020B0609020204030204" pitchFamily="49" charset="0"/>
+                <a:cs typeface="Consolas" panose="020B0609020204030204" pitchFamily="49" charset="0"/>
+              </a:rPr>
+              <a:t>sprite.body.bounce.set</a:t>
+            </a:r>
+            <a:r>
+              <a:rPr lang="en-US" sz="1800" dirty="0" smtClean="0">
+                <a:latin typeface="Consolas" panose="020B0609020204030204" pitchFamily="49" charset="0"/>
+                <a:cs typeface="Consolas" panose="020B0609020204030204" pitchFamily="49" charset="0"/>
+              </a:rPr>
+              <a:t>(1);</a:t>
+            </a:r>
+          </a:p>
+          <a:p>
+            <a:pPr marL="0" indent="0">
+              <a:lnSpc>
+                <a:spcPct val="100000"/>
+              </a:lnSpc>
+              <a:spcBef>
+                <a:spcPts val="0"/>
+              </a:spcBef>
+              <a:buNone/>
+            </a:pPr>
+            <a:r>
+              <a:rPr lang="en-US" sz="1800" dirty="0" smtClean="0">
+                <a:latin typeface="Consolas" panose="020B0609020204030204" pitchFamily="49" charset="0"/>
+                <a:cs typeface="Consolas" panose="020B0609020204030204" pitchFamily="49" charset="0"/>
+              </a:rPr>
+              <a:t>}</a:t>
+            </a:r>
+          </a:p>
+          <a:p>
+            <a:pPr marL="0" indent="0">
+              <a:lnSpc>
+                <a:spcPct val="100000"/>
+              </a:lnSpc>
+              <a:spcBef>
+                <a:spcPts val="0"/>
+              </a:spcBef>
+              <a:buNone/>
+            </a:pPr>
+            <a:endParaRPr lang="en-US" sz="1800" dirty="0" smtClean="0">
+              <a:latin typeface="Consolas" panose="020B0609020204030204" pitchFamily="49" charset="0"/>
+              <a:cs typeface="Consolas" panose="020B0609020204030204" pitchFamily="49" charset="0"/>
+            </a:endParaRPr>
+          </a:p>
+          <a:p>
+            <a:pPr marL="0" indent="0">
+              <a:lnSpc>
+                <a:spcPct val="100000"/>
+              </a:lnSpc>
+              <a:spcBef>
+                <a:spcPts val="0"/>
+              </a:spcBef>
+              <a:buNone/>
+            </a:pPr>
+            <a:r>
+              <a:rPr lang="en-US" sz="1800" dirty="0" smtClean="0">
+                <a:latin typeface="Consolas" panose="020B0609020204030204" pitchFamily="49" charset="0"/>
+                <a:cs typeface="Consolas" panose="020B0609020204030204" pitchFamily="49" charset="0"/>
+              </a:rPr>
+              <a:t>function update() {</a:t>
+            </a:r>
+          </a:p>
+          <a:p>
+            <a:pPr marL="0" indent="0">
+              <a:lnSpc>
+                <a:spcPct val="100000"/>
+              </a:lnSpc>
+              <a:spcBef>
+                <a:spcPts val="0"/>
+              </a:spcBef>
+              <a:buNone/>
+            </a:pPr>
+            <a:r>
+              <a:rPr lang="en-US" sz="1800" dirty="0" smtClean="0">
+                <a:latin typeface="Consolas" panose="020B0609020204030204" pitchFamily="49" charset="0"/>
+                <a:cs typeface="Consolas" panose="020B0609020204030204" pitchFamily="49" charset="0"/>
+              </a:rPr>
+              <a:t>	</a:t>
+            </a:r>
+            <a:r>
+              <a:rPr lang="en-US" sz="1800" dirty="0" err="1" smtClean="0">
+                <a:latin typeface="Consolas" panose="020B0609020204030204" pitchFamily="49" charset="0"/>
+                <a:cs typeface="Consolas" panose="020B0609020204030204" pitchFamily="49" charset="0"/>
+              </a:rPr>
+              <a:t>game.physics.arcade.collide</a:t>
+            </a:r>
+            <a:r>
+              <a:rPr lang="en-US" sz="1800" dirty="0" smtClean="0">
+                <a:latin typeface="Consolas" panose="020B0609020204030204" pitchFamily="49" charset="0"/>
+                <a:cs typeface="Consolas" panose="020B0609020204030204" pitchFamily="49" charset="0"/>
+              </a:rPr>
+              <a:t>(sprite, [tilemap, group], function(sprite, </a:t>
+            </a:r>
+            <a:r>
+              <a:rPr lang="en-US" sz="1800" dirty="0" smtClean="0">
+                <a:latin typeface="Consolas" panose="020B0609020204030204" pitchFamily="49" charset="0"/>
+                <a:cs typeface="Consolas" panose="020B0609020204030204" pitchFamily="49" charset="0"/>
+              </a:rPr>
+              <a:t>other) </a:t>
+            </a:r>
+            <a:r>
+              <a:rPr lang="en-US" sz="1800" dirty="0" smtClean="0">
+                <a:latin typeface="Consolas" panose="020B0609020204030204" pitchFamily="49" charset="0"/>
+                <a:cs typeface="Consolas" panose="020B0609020204030204" pitchFamily="49" charset="0"/>
+              </a:rPr>
+              <a:t>{ … });</a:t>
+            </a:r>
+          </a:p>
+          <a:p>
+            <a:pPr marL="0" indent="0">
+              <a:lnSpc>
+                <a:spcPct val="100000"/>
+              </a:lnSpc>
+              <a:spcBef>
+                <a:spcPts val="0"/>
+              </a:spcBef>
+              <a:buNone/>
+            </a:pPr>
+            <a:r>
+              <a:rPr lang="en-US" sz="1800" dirty="0">
+                <a:latin typeface="Consolas" panose="020B0609020204030204" pitchFamily="49" charset="0"/>
+                <a:cs typeface="Consolas" panose="020B0609020204030204" pitchFamily="49" charset="0"/>
+              </a:rPr>
+              <a:t>}</a:t>
+            </a:r>
+            <a:endParaRPr lang="en-US" sz="1800" dirty="0" smtClean="0">
+              <a:latin typeface="Consolas" panose="020B0609020204030204" pitchFamily="49" charset="0"/>
+              <a:cs typeface="Consolas" panose="020B0609020204030204" pitchFamily="49" charset="0"/>
+            </a:endParaRPr>
           </a:p>
         </p:txBody>
       </p:sp>
@@ -8497,7 +8651,7 @@
     </p:spTree>
     <p:extLst>
       <p:ext uri="{BB962C8B-B14F-4D97-AF65-F5344CB8AC3E}">
-        <p14:creationId xmlns:p14="http://schemas.microsoft.com/office/powerpoint/2010/main" val="2781362493"/>
+        <p14:creationId xmlns:p14="http://schemas.microsoft.com/office/powerpoint/2010/main" val="3086071955"/>
       </p:ext>
     </p:extLst>
   </p:cSld>
@@ -8768,7 +8922,7 @@
             <a:pPr algn="ctr"/>
             <a:r>
               <a:rPr lang="en-US" sz="4000" dirty="0" smtClean="0"/>
-              <a:t>Collision</a:t>
+              <a:t>Input</a:t>
             </a:r>
             <a:endParaRPr lang="en-US" sz="4000" dirty="0"/>
           </a:p>
@@ -8784,9 +8938,7 @@
             <p:ph idx="1"/>
           </p:nvPr>
         </p:nvSpPr>
-        <p:spPr>
-          <a:noFill/>
-        </p:spPr>
+        <p:spPr/>
         <p:txBody>
           <a:bodyPr>
             <a:normAutofit/>
@@ -8795,7 +8947,7 @@
           <a:p>
             <a:pPr marL="0" indent="0">
               <a:lnSpc>
-                <a:spcPct val="100000"/>
+                <a:spcPct val="120000"/>
               </a:lnSpc>
               <a:spcBef>
                 <a:spcPts val="0"/>
@@ -8803,336 +8955,91 @@
               <a:buNone/>
             </a:pPr>
             <a:r>
-              <a:rPr lang="en-US" sz="1800" dirty="0" smtClean="0">
-                <a:latin typeface="Consolas" panose="020B0609020204030204" pitchFamily="49" charset="0"/>
-                <a:cs typeface="Consolas" panose="020B0609020204030204" pitchFamily="49" charset="0"/>
-              </a:rPr>
-              <a:t>function create() { 	</a:t>
-            </a:r>
-            <a:r>
-              <a:rPr lang="en-US" sz="1800" dirty="0" err="1" smtClean="0">
-                <a:latin typeface="Consolas" panose="020B0609020204030204" pitchFamily="49" charset="0"/>
-                <a:cs typeface="Consolas" panose="020B0609020204030204" pitchFamily="49" charset="0"/>
-              </a:rPr>
-              <a:t>game.physics.startSystem</a:t>
-            </a:r>
-            <a:r>
-              <a:rPr lang="en-US" sz="1800" dirty="0" smtClean="0">
-                <a:latin typeface="Consolas" panose="020B0609020204030204" pitchFamily="49" charset="0"/>
-                <a:cs typeface="Consolas" panose="020B0609020204030204" pitchFamily="49" charset="0"/>
-              </a:rPr>
-              <a:t>(</a:t>
-            </a:r>
-            <a:r>
-              <a:rPr lang="en-US" sz="1800" dirty="0" err="1" smtClean="0">
-                <a:latin typeface="Consolas" panose="020B0609020204030204" pitchFamily="49" charset="0"/>
-                <a:cs typeface="Consolas" panose="020B0609020204030204" pitchFamily="49" charset="0"/>
-              </a:rPr>
-              <a:t>Phaser.Physics.ARCADE</a:t>
-            </a:r>
-            <a:r>
-              <a:rPr lang="en-US" sz="1800" dirty="0" smtClean="0">
-                <a:latin typeface="Consolas" panose="020B0609020204030204" pitchFamily="49" charset="0"/>
-                <a:cs typeface="Consolas" panose="020B0609020204030204" pitchFamily="49" charset="0"/>
-              </a:rPr>
-              <a:t>);</a:t>
-            </a:r>
-          </a:p>
-          <a:p>
-            <a:pPr marL="0" indent="0">
+              <a:rPr lang="en-US" dirty="0" smtClean="0">
+                <a:cs typeface="Consolas" panose="020B0609020204030204" pitchFamily="49" charset="0"/>
+              </a:rPr>
+              <a:t>Phaser supports natively</a:t>
+            </a:r>
+          </a:p>
+          <a:p>
+            <a:pPr>
               <a:lnSpc>
-                <a:spcPct val="100000"/>
+                <a:spcPct val="120000"/>
               </a:lnSpc>
               <a:spcBef>
                 <a:spcPts val="0"/>
               </a:spcBef>
-              <a:buNone/>
             </a:pPr>
             <a:r>
-              <a:rPr lang="en-US" sz="1800" dirty="0" smtClean="0">
-                <a:latin typeface="Consolas" panose="020B0609020204030204" pitchFamily="49" charset="0"/>
-                <a:cs typeface="Consolas" panose="020B0609020204030204" pitchFamily="49" charset="0"/>
-              </a:rPr>
-              <a:t>	sprite = </a:t>
-            </a:r>
-            <a:r>
-              <a:rPr lang="en-US" sz="1800" dirty="0" err="1">
-                <a:latin typeface="Consolas" panose="020B0609020204030204" pitchFamily="49" charset="0"/>
-                <a:cs typeface="Consolas" panose="020B0609020204030204" pitchFamily="49" charset="0"/>
-              </a:rPr>
-              <a:t>game.add.sprite</a:t>
-            </a:r>
-            <a:r>
-              <a:rPr lang="en-US" sz="1800" dirty="0">
-                <a:latin typeface="Consolas" panose="020B0609020204030204" pitchFamily="49" charset="0"/>
-                <a:cs typeface="Consolas" panose="020B0609020204030204" pitchFamily="49" charset="0"/>
-              </a:rPr>
-              <a:t>(0, </a:t>
-            </a:r>
-            <a:r>
-              <a:rPr lang="en-US" sz="1800" dirty="0" smtClean="0">
-                <a:latin typeface="Consolas" panose="020B0609020204030204" pitchFamily="49" charset="0"/>
-                <a:cs typeface="Consolas" panose="020B0609020204030204" pitchFamily="49" charset="0"/>
-              </a:rPr>
-              <a:t>0, </a:t>
-            </a:r>
-            <a:r>
-              <a:rPr lang="en-US" sz="1800" dirty="0">
-                <a:latin typeface="Consolas" panose="020B0609020204030204" pitchFamily="49" charset="0"/>
-                <a:cs typeface="Consolas" panose="020B0609020204030204" pitchFamily="49" charset="0"/>
-              </a:rPr>
-              <a:t>'</a:t>
-            </a:r>
-            <a:r>
-              <a:rPr lang="en-US" sz="1800" dirty="0" smtClean="0">
-                <a:latin typeface="Consolas" panose="020B0609020204030204" pitchFamily="49" charset="0"/>
-                <a:cs typeface="Consolas" panose="020B0609020204030204" pitchFamily="49" charset="0"/>
-              </a:rPr>
-              <a:t>image');</a:t>
-            </a:r>
-          </a:p>
-          <a:p>
-            <a:pPr marL="0" indent="0">
+              <a:rPr lang="en-US" dirty="0" smtClean="0">
+                <a:cs typeface="Consolas" panose="020B0609020204030204" pitchFamily="49" charset="0"/>
+              </a:rPr>
+              <a:t>Keyboard</a:t>
+            </a:r>
+          </a:p>
+          <a:p>
+            <a:pPr>
               <a:lnSpc>
-                <a:spcPct val="100000"/>
+                <a:spcPct val="120000"/>
               </a:lnSpc>
               <a:spcBef>
                 <a:spcPts val="0"/>
               </a:spcBef>
-              <a:buNone/>
             </a:pPr>
             <a:r>
-              <a:rPr lang="en-US" sz="1800" dirty="0" smtClean="0">
-                <a:latin typeface="Consolas" panose="020B0609020204030204" pitchFamily="49" charset="0"/>
-                <a:cs typeface="Consolas" panose="020B0609020204030204" pitchFamily="49" charset="0"/>
-              </a:rPr>
-              <a:t>	</a:t>
-            </a:r>
-            <a:r>
-              <a:rPr lang="en-US" sz="1800" dirty="0" err="1" smtClean="0">
-                <a:latin typeface="Consolas" panose="020B0609020204030204" pitchFamily="49" charset="0"/>
-                <a:cs typeface="Consolas" panose="020B0609020204030204" pitchFamily="49" charset="0"/>
-              </a:rPr>
-              <a:t>game.physics.enable</a:t>
-            </a:r>
-            <a:r>
-              <a:rPr lang="en-US" sz="1800" dirty="0" smtClean="0">
-                <a:latin typeface="Consolas" panose="020B0609020204030204" pitchFamily="49" charset="0"/>
-                <a:cs typeface="Consolas" panose="020B0609020204030204" pitchFamily="49" charset="0"/>
-              </a:rPr>
-              <a:t>(sprite, </a:t>
-            </a:r>
-            <a:r>
-              <a:rPr lang="en-US" sz="1800" dirty="0" err="1">
-                <a:latin typeface="Consolas" panose="020B0609020204030204" pitchFamily="49" charset="0"/>
-                <a:cs typeface="Consolas" panose="020B0609020204030204" pitchFamily="49" charset="0"/>
-              </a:rPr>
-              <a:t>Phaser.Physics.ARCADE</a:t>
-            </a:r>
-            <a:r>
-              <a:rPr lang="en-US" sz="1800" dirty="0" smtClean="0">
-                <a:latin typeface="Consolas" panose="020B0609020204030204" pitchFamily="49" charset="0"/>
-                <a:cs typeface="Consolas" panose="020B0609020204030204" pitchFamily="49" charset="0"/>
-              </a:rPr>
-              <a:t>);</a:t>
-            </a:r>
-          </a:p>
-          <a:p>
-            <a:pPr marL="0" indent="0">
+              <a:rPr lang="en-US" dirty="0" smtClean="0">
+                <a:cs typeface="Consolas" panose="020B0609020204030204" pitchFamily="49" charset="0"/>
+              </a:rPr>
+              <a:t>Mouse</a:t>
+            </a:r>
+          </a:p>
+          <a:p>
+            <a:pPr>
               <a:lnSpc>
-                <a:spcPct val="100000"/>
+                <a:spcPct val="120000"/>
               </a:lnSpc>
               <a:spcBef>
                 <a:spcPts val="0"/>
               </a:spcBef>
-              <a:buNone/>
             </a:pPr>
             <a:r>
-              <a:rPr lang="en-US" sz="1800" dirty="0" smtClean="0">
-                <a:latin typeface="Consolas" panose="020B0609020204030204" pitchFamily="49" charset="0"/>
-                <a:cs typeface="Consolas" panose="020B0609020204030204" pitchFamily="49" charset="0"/>
-              </a:rPr>
-              <a:t>	</a:t>
-            </a:r>
-            <a:r>
-              <a:rPr lang="en-US" sz="1800" dirty="0" err="1" smtClean="0">
-                <a:latin typeface="Consolas" panose="020B0609020204030204" pitchFamily="49" charset="0"/>
-                <a:cs typeface="Consolas" panose="020B0609020204030204" pitchFamily="49" charset="0"/>
-              </a:rPr>
-              <a:t>sprite.body.collideWorldBounds</a:t>
-            </a:r>
-            <a:r>
-              <a:rPr lang="en-US" sz="1800" dirty="0" smtClean="0">
-                <a:latin typeface="Consolas" panose="020B0609020204030204" pitchFamily="49" charset="0"/>
-                <a:cs typeface="Consolas" panose="020B0609020204030204" pitchFamily="49" charset="0"/>
-              </a:rPr>
-              <a:t> </a:t>
-            </a:r>
-            <a:r>
-              <a:rPr lang="en-US" sz="1800" dirty="0">
-                <a:latin typeface="Consolas" panose="020B0609020204030204" pitchFamily="49" charset="0"/>
-                <a:cs typeface="Consolas" panose="020B0609020204030204" pitchFamily="49" charset="0"/>
-              </a:rPr>
-              <a:t>= true</a:t>
-            </a:r>
-            <a:r>
-              <a:rPr lang="en-US" sz="1800" dirty="0" smtClean="0">
-                <a:latin typeface="Consolas" panose="020B0609020204030204" pitchFamily="49" charset="0"/>
-                <a:cs typeface="Consolas" panose="020B0609020204030204" pitchFamily="49" charset="0"/>
-              </a:rPr>
-              <a:t>;</a:t>
-            </a:r>
-          </a:p>
-          <a:p>
-            <a:pPr marL="0" indent="0">
+              <a:rPr lang="en-US" dirty="0" smtClean="0">
+                <a:cs typeface="Consolas" panose="020B0609020204030204" pitchFamily="49" charset="0"/>
+              </a:rPr>
+              <a:t>Multi-touch</a:t>
+            </a:r>
+          </a:p>
+          <a:p>
+            <a:pPr>
               <a:lnSpc>
-                <a:spcPct val="100000"/>
+                <a:spcPct val="120000"/>
               </a:lnSpc>
               <a:spcBef>
                 <a:spcPts val="0"/>
               </a:spcBef>
-              <a:buNone/>
             </a:pPr>
             <a:r>
-              <a:rPr lang="en-US" sz="1800" dirty="0" smtClean="0">
-                <a:latin typeface="Consolas" panose="020B0609020204030204" pitchFamily="49" charset="0"/>
-                <a:cs typeface="Consolas" panose="020B0609020204030204" pitchFamily="49" charset="0"/>
-              </a:rPr>
-              <a:t>	</a:t>
-            </a:r>
-            <a:r>
-              <a:rPr lang="en-US" sz="1800" dirty="0" err="1" smtClean="0">
-                <a:latin typeface="Consolas" panose="020B0609020204030204" pitchFamily="49" charset="0"/>
-                <a:cs typeface="Consolas" panose="020B0609020204030204" pitchFamily="49" charset="0"/>
-              </a:rPr>
-              <a:t>sprite.body.bounce.set</a:t>
-            </a:r>
-            <a:r>
-              <a:rPr lang="en-US" sz="1800" dirty="0" smtClean="0">
-                <a:latin typeface="Consolas" panose="020B0609020204030204" pitchFamily="49" charset="0"/>
-                <a:cs typeface="Consolas" panose="020B0609020204030204" pitchFamily="49" charset="0"/>
-              </a:rPr>
-              <a:t>(1);</a:t>
-            </a:r>
-          </a:p>
-          <a:p>
-            <a:pPr marL="0" indent="0">
+              <a:rPr lang="en-US" dirty="0" smtClean="0">
+                <a:cs typeface="Consolas" panose="020B0609020204030204" pitchFamily="49" charset="0"/>
+              </a:rPr>
+              <a:t>Gamepads (up to four, each one with 10 axis and 16 buttons)</a:t>
+            </a:r>
+          </a:p>
+          <a:p>
+            <a:pPr>
               <a:lnSpc>
-                <a:spcPct val="100000"/>
+                <a:spcPct val="120000"/>
               </a:lnSpc>
               <a:spcBef>
                 <a:spcPts val="0"/>
               </a:spcBef>
-              <a:buNone/>
             </a:pPr>
             <a:r>
-              <a:rPr lang="en-US" sz="1800" dirty="0" smtClean="0">
-                <a:latin typeface="Consolas" panose="020B0609020204030204" pitchFamily="49" charset="0"/>
-                <a:cs typeface="Consolas" panose="020B0609020204030204" pitchFamily="49" charset="0"/>
-              </a:rPr>
-              <a:t>}</a:t>
-            </a:r>
-          </a:p>
-          <a:p>
-            <a:pPr marL="0" indent="0">
-              <a:lnSpc>
-                <a:spcPct val="100000"/>
-              </a:lnSpc>
-              <a:spcBef>
-                <a:spcPts val="0"/>
-              </a:spcBef>
-              <a:buNone/>
-            </a:pPr>
-            <a:endParaRPr lang="en-US" sz="1800" dirty="0" smtClean="0">
-              <a:latin typeface="Consolas" panose="020B0609020204030204" pitchFamily="49" charset="0"/>
-              <a:cs typeface="Consolas" panose="020B0609020204030204" pitchFamily="49" charset="0"/>
-            </a:endParaRPr>
-          </a:p>
-          <a:p>
-            <a:pPr marL="0" indent="0">
-              <a:lnSpc>
-                <a:spcPct val="100000"/>
-              </a:lnSpc>
-              <a:spcBef>
-                <a:spcPts val="0"/>
-              </a:spcBef>
-              <a:buNone/>
-            </a:pPr>
-            <a:r>
-              <a:rPr lang="en-US" sz="1800" dirty="0" smtClean="0">
-                <a:latin typeface="Consolas" panose="020B0609020204030204" pitchFamily="49" charset="0"/>
-                <a:cs typeface="Consolas" panose="020B0609020204030204" pitchFamily="49" charset="0"/>
-              </a:rPr>
-              <a:t>function update() {</a:t>
-            </a:r>
-          </a:p>
-          <a:p>
-            <a:pPr marL="0" indent="0">
-              <a:lnSpc>
-                <a:spcPct val="100000"/>
-              </a:lnSpc>
-              <a:spcBef>
-                <a:spcPts val="0"/>
-              </a:spcBef>
-              <a:buNone/>
-            </a:pPr>
-            <a:r>
-              <a:rPr lang="en-US" sz="1800" dirty="0" smtClean="0">
-                <a:latin typeface="Consolas" panose="020B0609020204030204" pitchFamily="49" charset="0"/>
-                <a:cs typeface="Consolas" panose="020B0609020204030204" pitchFamily="49" charset="0"/>
-              </a:rPr>
-              <a:t>	</a:t>
-            </a:r>
-            <a:r>
-              <a:rPr lang="en-US" sz="1800" dirty="0" err="1" smtClean="0">
-                <a:latin typeface="Consolas" panose="020B0609020204030204" pitchFamily="49" charset="0"/>
-                <a:cs typeface="Consolas" panose="020B0609020204030204" pitchFamily="49" charset="0"/>
-              </a:rPr>
-              <a:t>game.physics.arcade.collide</a:t>
-            </a:r>
-            <a:r>
-              <a:rPr lang="en-US" sz="1800" dirty="0" smtClean="0">
-                <a:latin typeface="Consolas" panose="020B0609020204030204" pitchFamily="49" charset="0"/>
-                <a:cs typeface="Consolas" panose="020B0609020204030204" pitchFamily="49" charset="0"/>
-              </a:rPr>
-              <a:t>(sprite, [tilemap, group], function(sprite, </a:t>
-            </a:r>
-            <a:r>
-              <a:rPr lang="en-US" sz="1800" dirty="0">
-                <a:latin typeface="Consolas" panose="020B0609020204030204" pitchFamily="49" charset="0"/>
-                <a:cs typeface="Consolas" panose="020B0609020204030204" pitchFamily="49" charset="0"/>
-              </a:rPr>
-              <a:t>o) </a:t>
-            </a:r>
-            <a:r>
-              <a:rPr lang="en-US" sz="1800" dirty="0" smtClean="0">
-                <a:latin typeface="Consolas" panose="020B0609020204030204" pitchFamily="49" charset="0"/>
-                <a:cs typeface="Consolas" panose="020B0609020204030204" pitchFamily="49" charset="0"/>
-              </a:rPr>
-              <a:t>{ … });</a:t>
-            </a:r>
-          </a:p>
-          <a:p>
-            <a:pPr marL="0" indent="0">
-              <a:lnSpc>
-                <a:spcPct val="100000"/>
-              </a:lnSpc>
-              <a:spcBef>
-                <a:spcPts val="0"/>
-              </a:spcBef>
-              <a:buNone/>
-            </a:pPr>
-            <a:r>
-              <a:rPr lang="en-US" sz="1800" dirty="0">
-                <a:latin typeface="Consolas" panose="020B0609020204030204" pitchFamily="49" charset="0"/>
-                <a:cs typeface="Consolas" panose="020B0609020204030204" pitchFamily="49" charset="0"/>
-              </a:rPr>
-              <a:t>}</a:t>
-            </a:r>
-            <a:endParaRPr lang="en-US" sz="1800" dirty="0" smtClean="0">
-              <a:latin typeface="Consolas" panose="020B0609020204030204" pitchFamily="49" charset="0"/>
-              <a:cs typeface="Consolas" panose="020B0609020204030204" pitchFamily="49" charset="0"/>
-            </a:endParaRPr>
+              <a:rPr lang="en-US" dirty="0" smtClean="0">
+                <a:cs typeface="Consolas" panose="020B0609020204030204" pitchFamily="49" charset="0"/>
+              </a:rPr>
+              <a:t>Supports even Xbox 360 gamepad! (button mapping depends on browser :\ )</a:t>
+            </a:r>
           </a:p>
         </p:txBody>
       </p:sp>
@@ -9191,14 +9098,14 @@
               <a:rPr lang="it-IT" smtClean="0"/>
               <a:t>20</a:t>
             </a:fld>
-            <a:endParaRPr lang="it-IT"/>
+            <a:endParaRPr lang="it-IT" dirty="0"/>
           </a:p>
         </p:txBody>
       </p:sp>
     </p:spTree>
     <p:extLst>
       <p:ext uri="{BB962C8B-B14F-4D97-AF65-F5344CB8AC3E}">
-        <p14:creationId xmlns:p14="http://schemas.microsoft.com/office/powerpoint/2010/main" val="3086071955"/>
+        <p14:creationId xmlns:p14="http://schemas.microsoft.com/office/powerpoint/2010/main" val="635934165"/>
       </p:ext>
     </p:extLst>
   </p:cSld>
@@ -9252,7 +9159,7 @@
             <a:pPr algn="ctr"/>
             <a:r>
               <a:rPr lang="en-US" sz="4000" dirty="0" smtClean="0"/>
-              <a:t>Input</a:t>
+              <a:t>Input: Keyboard</a:t>
             </a:r>
             <a:endParaRPr lang="en-US" sz="4000" dirty="0"/>
           </a:p>
@@ -9271,7 +9178,7 @@
         <p:spPr/>
         <p:txBody>
           <a:bodyPr>
-            <a:normAutofit/>
+            <a:noAutofit/>
           </a:bodyPr>
           <a:lstStyle/>
           <a:p>
@@ -9285,91 +9192,433 @@
               <a:buNone/>
             </a:pPr>
             <a:r>
-              <a:rPr lang="en-US" dirty="0" smtClean="0">
-                <a:cs typeface="Consolas" panose="020B0609020204030204" pitchFamily="49" charset="0"/>
-              </a:rPr>
-              <a:t>Phaser supports natively</a:t>
-            </a:r>
-          </a:p>
-          <a:p>
-            <a:pPr>
+              <a:rPr lang="en-US" sz="1600" dirty="0">
+                <a:latin typeface="Consolas" panose="020B0609020204030204" pitchFamily="49" charset="0"/>
+                <a:cs typeface="Consolas" panose="020B0609020204030204" pitchFamily="49" charset="0"/>
+              </a:rPr>
+              <a:t>function update() {</a:t>
+            </a:r>
+          </a:p>
+          <a:p>
+            <a:pPr marL="0" indent="0">
               <a:lnSpc>
                 <a:spcPct val="120000"/>
               </a:lnSpc>
               <a:spcBef>
                 <a:spcPts val="0"/>
               </a:spcBef>
+              <a:buNone/>
             </a:pPr>
             <a:r>
-              <a:rPr lang="en-US" dirty="0" smtClean="0">
-                <a:cs typeface="Consolas" panose="020B0609020204030204" pitchFamily="49" charset="0"/>
-              </a:rPr>
-              <a:t>Keyboard</a:t>
-            </a:r>
-          </a:p>
-          <a:p>
-            <a:pPr>
+              <a:rPr lang="en-US" sz="1600" dirty="0">
+                <a:latin typeface="Consolas" panose="020B0609020204030204" pitchFamily="49" charset="0"/>
+                <a:cs typeface="Consolas" panose="020B0609020204030204" pitchFamily="49" charset="0"/>
+              </a:rPr>
+              <a:t>    if (</a:t>
+            </a:r>
+            <a:r>
+              <a:rPr lang="en-US" sz="1600" dirty="0" err="1">
+                <a:latin typeface="Consolas" panose="020B0609020204030204" pitchFamily="49" charset="0"/>
+                <a:cs typeface="Consolas" panose="020B0609020204030204" pitchFamily="49" charset="0"/>
+              </a:rPr>
+              <a:t>game.input.keyboard.isDown</a:t>
+            </a:r>
+            <a:r>
+              <a:rPr lang="en-US" sz="1600" dirty="0">
+                <a:latin typeface="Consolas" panose="020B0609020204030204" pitchFamily="49" charset="0"/>
+                <a:cs typeface="Consolas" panose="020B0609020204030204" pitchFamily="49" charset="0"/>
+              </a:rPr>
+              <a:t>(</a:t>
+            </a:r>
+            <a:r>
+              <a:rPr lang="en-US" sz="1600" dirty="0" err="1">
+                <a:latin typeface="Consolas" panose="020B0609020204030204" pitchFamily="49" charset="0"/>
+                <a:cs typeface="Consolas" panose="020B0609020204030204" pitchFamily="49" charset="0"/>
+              </a:rPr>
+              <a:t>Phaser.Keyboard.UP</a:t>
+            </a:r>
+            <a:r>
+              <a:rPr lang="en-US" sz="1600" dirty="0">
+                <a:latin typeface="Consolas" panose="020B0609020204030204" pitchFamily="49" charset="0"/>
+                <a:cs typeface="Consolas" panose="020B0609020204030204" pitchFamily="49" charset="0"/>
+              </a:rPr>
+              <a:t>)) {</a:t>
+            </a:r>
+          </a:p>
+          <a:p>
+            <a:pPr marL="0" indent="0">
               <a:lnSpc>
                 <a:spcPct val="120000"/>
               </a:lnSpc>
               <a:spcBef>
                 <a:spcPts val="0"/>
               </a:spcBef>
+              <a:buNone/>
             </a:pPr>
             <a:r>
-              <a:rPr lang="en-US" dirty="0" smtClean="0">
-                <a:cs typeface="Consolas" panose="020B0609020204030204" pitchFamily="49" charset="0"/>
-              </a:rPr>
-              <a:t>Mouse</a:t>
-            </a:r>
-          </a:p>
-          <a:p>
-            <a:pPr>
+              <a:rPr lang="en-US" sz="1600" dirty="0">
+                <a:latin typeface="Consolas" panose="020B0609020204030204" pitchFamily="49" charset="0"/>
+                <a:cs typeface="Consolas" panose="020B0609020204030204" pitchFamily="49" charset="0"/>
+              </a:rPr>
+              <a:t>        </a:t>
+            </a:r>
+            <a:r>
+              <a:rPr lang="en-US" sz="1600" dirty="0" err="1">
+                <a:latin typeface="Consolas" panose="020B0609020204030204" pitchFamily="49" charset="0"/>
+                <a:cs typeface="Consolas" panose="020B0609020204030204" pitchFamily="49" charset="0"/>
+              </a:rPr>
+              <a:t>ufo.y</a:t>
+            </a:r>
+            <a:r>
+              <a:rPr lang="en-US" sz="1600" dirty="0">
+                <a:latin typeface="Consolas" panose="020B0609020204030204" pitchFamily="49" charset="0"/>
+                <a:cs typeface="Consolas" panose="020B0609020204030204" pitchFamily="49" charset="0"/>
+              </a:rPr>
+              <a:t> -= speed;</a:t>
+            </a:r>
+          </a:p>
+          <a:p>
+            <a:pPr marL="0" indent="0">
               <a:lnSpc>
                 <a:spcPct val="120000"/>
               </a:lnSpc>
               <a:spcBef>
                 <a:spcPts val="0"/>
               </a:spcBef>
+              <a:buNone/>
             </a:pPr>
             <a:r>
-              <a:rPr lang="en-US" dirty="0" smtClean="0">
-                <a:cs typeface="Consolas" panose="020B0609020204030204" pitchFamily="49" charset="0"/>
-              </a:rPr>
-              <a:t>Multi-touch</a:t>
-            </a:r>
-          </a:p>
-          <a:p>
-            <a:pPr>
+              <a:rPr lang="en-US" sz="1600" dirty="0">
+                <a:latin typeface="Consolas" panose="020B0609020204030204" pitchFamily="49" charset="0"/>
+                <a:cs typeface="Consolas" panose="020B0609020204030204" pitchFamily="49" charset="0"/>
+              </a:rPr>
+              <a:t>    }</a:t>
+            </a:r>
+          </a:p>
+          <a:p>
+            <a:pPr marL="0" indent="0">
               <a:lnSpc>
                 <a:spcPct val="120000"/>
               </a:lnSpc>
               <a:spcBef>
                 <a:spcPts val="0"/>
               </a:spcBef>
+              <a:buNone/>
             </a:pPr>
             <a:r>
-              <a:rPr lang="en-US" dirty="0" smtClean="0">
-                <a:cs typeface="Consolas" panose="020B0609020204030204" pitchFamily="49" charset="0"/>
-              </a:rPr>
-              <a:t>Gamepads (up to four, each one with 10 axis and 16 buttons)</a:t>
-            </a:r>
-          </a:p>
-          <a:p>
-            <a:pPr>
+              <a:rPr lang="en-US" sz="1600" dirty="0">
+                <a:latin typeface="Consolas" panose="020B0609020204030204" pitchFamily="49" charset="0"/>
+                <a:cs typeface="Consolas" panose="020B0609020204030204" pitchFamily="49" charset="0"/>
+              </a:rPr>
+              <a:t>    else if (</a:t>
+            </a:r>
+            <a:r>
+              <a:rPr lang="en-US" sz="1600" dirty="0" err="1">
+                <a:latin typeface="Consolas" panose="020B0609020204030204" pitchFamily="49" charset="0"/>
+                <a:cs typeface="Consolas" panose="020B0609020204030204" pitchFamily="49" charset="0"/>
+              </a:rPr>
+              <a:t>game.input.keyboard.isDown</a:t>
+            </a:r>
+            <a:r>
+              <a:rPr lang="en-US" sz="1600" dirty="0">
+                <a:latin typeface="Consolas" panose="020B0609020204030204" pitchFamily="49" charset="0"/>
+                <a:cs typeface="Consolas" panose="020B0609020204030204" pitchFamily="49" charset="0"/>
+              </a:rPr>
+              <a:t>(</a:t>
+            </a:r>
+            <a:r>
+              <a:rPr lang="en-US" sz="1600" dirty="0" err="1">
+                <a:latin typeface="Consolas" panose="020B0609020204030204" pitchFamily="49" charset="0"/>
+                <a:cs typeface="Consolas" panose="020B0609020204030204" pitchFamily="49" charset="0"/>
+              </a:rPr>
+              <a:t>Phaser.Keyboard.DOWN</a:t>
+            </a:r>
+            <a:r>
+              <a:rPr lang="en-US" sz="1600" dirty="0">
+                <a:latin typeface="Consolas" panose="020B0609020204030204" pitchFamily="49" charset="0"/>
+                <a:cs typeface="Consolas" panose="020B0609020204030204" pitchFamily="49" charset="0"/>
+              </a:rPr>
+              <a:t>)) {</a:t>
+            </a:r>
+          </a:p>
+          <a:p>
+            <a:pPr marL="0" indent="0">
               <a:lnSpc>
                 <a:spcPct val="120000"/>
               </a:lnSpc>
               <a:spcBef>
                 <a:spcPts val="0"/>
               </a:spcBef>
+              <a:buNone/>
             </a:pPr>
             <a:r>
-              <a:rPr lang="en-US" dirty="0" smtClean="0">
-                <a:cs typeface="Consolas" panose="020B0609020204030204" pitchFamily="49" charset="0"/>
-              </a:rPr>
-              <a:t>Supports even Xbox 360 gamepad! (button mapping depends on browser :\ )</a:t>
-            </a:r>
+              <a:rPr lang="en-US" sz="1600" dirty="0">
+                <a:latin typeface="Consolas" panose="020B0609020204030204" pitchFamily="49" charset="0"/>
+                <a:cs typeface="Consolas" panose="020B0609020204030204" pitchFamily="49" charset="0"/>
+              </a:rPr>
+              <a:t>        </a:t>
+            </a:r>
+            <a:r>
+              <a:rPr lang="en-US" sz="1600" dirty="0" err="1">
+                <a:latin typeface="Consolas" panose="020B0609020204030204" pitchFamily="49" charset="0"/>
+                <a:cs typeface="Consolas" panose="020B0609020204030204" pitchFamily="49" charset="0"/>
+              </a:rPr>
+              <a:t>ufo.y</a:t>
+            </a:r>
+            <a:r>
+              <a:rPr lang="en-US" sz="1600" dirty="0">
+                <a:latin typeface="Consolas" panose="020B0609020204030204" pitchFamily="49" charset="0"/>
+                <a:cs typeface="Consolas" panose="020B0609020204030204" pitchFamily="49" charset="0"/>
+              </a:rPr>
+              <a:t> += speed;</a:t>
+            </a:r>
+          </a:p>
+          <a:p>
+            <a:pPr marL="0" indent="0">
+              <a:lnSpc>
+                <a:spcPct val="120000"/>
+              </a:lnSpc>
+              <a:spcBef>
+                <a:spcPts val="0"/>
+              </a:spcBef>
+              <a:buNone/>
+            </a:pPr>
+            <a:r>
+              <a:rPr lang="en-US" sz="1600" dirty="0">
+                <a:latin typeface="Consolas" panose="020B0609020204030204" pitchFamily="49" charset="0"/>
+                <a:cs typeface="Consolas" panose="020B0609020204030204" pitchFamily="49" charset="0"/>
+              </a:rPr>
+              <a:t>    }</a:t>
+            </a:r>
+          </a:p>
+          <a:p>
+            <a:pPr marL="0" indent="0">
+              <a:lnSpc>
+                <a:spcPct val="120000"/>
+              </a:lnSpc>
+              <a:spcBef>
+                <a:spcPts val="0"/>
+              </a:spcBef>
+              <a:buNone/>
+            </a:pPr>
+            <a:endParaRPr lang="en-US" sz="1600" dirty="0">
+              <a:latin typeface="Consolas" panose="020B0609020204030204" pitchFamily="49" charset="0"/>
+              <a:cs typeface="Consolas" panose="020B0609020204030204" pitchFamily="49" charset="0"/>
+            </a:endParaRPr>
+          </a:p>
+          <a:p>
+            <a:pPr marL="0" indent="0">
+              <a:lnSpc>
+                <a:spcPct val="120000"/>
+              </a:lnSpc>
+              <a:spcBef>
+                <a:spcPts val="0"/>
+              </a:spcBef>
+              <a:buNone/>
+            </a:pPr>
+            <a:r>
+              <a:rPr lang="en-US" sz="1600" dirty="0">
+                <a:latin typeface="Consolas" panose="020B0609020204030204" pitchFamily="49" charset="0"/>
+                <a:cs typeface="Consolas" panose="020B0609020204030204" pitchFamily="49" charset="0"/>
+              </a:rPr>
+              <a:t>    if (</a:t>
+            </a:r>
+            <a:r>
+              <a:rPr lang="en-US" sz="1600" dirty="0" err="1">
+                <a:latin typeface="Consolas" panose="020B0609020204030204" pitchFamily="49" charset="0"/>
+                <a:cs typeface="Consolas" panose="020B0609020204030204" pitchFamily="49" charset="0"/>
+              </a:rPr>
+              <a:t>game.input.keyboard.isDown</a:t>
+            </a:r>
+            <a:r>
+              <a:rPr lang="en-US" sz="1600" dirty="0">
+                <a:latin typeface="Consolas" panose="020B0609020204030204" pitchFamily="49" charset="0"/>
+                <a:cs typeface="Consolas" panose="020B0609020204030204" pitchFamily="49" charset="0"/>
+              </a:rPr>
+              <a:t>(</a:t>
+            </a:r>
+            <a:r>
+              <a:rPr lang="en-US" sz="1600" dirty="0" err="1">
+                <a:latin typeface="Consolas" panose="020B0609020204030204" pitchFamily="49" charset="0"/>
+                <a:cs typeface="Consolas" panose="020B0609020204030204" pitchFamily="49" charset="0"/>
+              </a:rPr>
+              <a:t>Phaser.Keyboard.LEFT</a:t>
+            </a:r>
+            <a:r>
+              <a:rPr lang="en-US" sz="1600" dirty="0">
+                <a:latin typeface="Consolas" panose="020B0609020204030204" pitchFamily="49" charset="0"/>
+                <a:cs typeface="Consolas" panose="020B0609020204030204" pitchFamily="49" charset="0"/>
+              </a:rPr>
+              <a:t>)) {</a:t>
+            </a:r>
+          </a:p>
+          <a:p>
+            <a:pPr marL="0" indent="0">
+              <a:lnSpc>
+                <a:spcPct val="120000"/>
+              </a:lnSpc>
+              <a:spcBef>
+                <a:spcPts val="0"/>
+              </a:spcBef>
+              <a:buNone/>
+            </a:pPr>
+            <a:r>
+              <a:rPr lang="en-US" sz="1600" dirty="0">
+                <a:latin typeface="Consolas" panose="020B0609020204030204" pitchFamily="49" charset="0"/>
+                <a:cs typeface="Consolas" panose="020B0609020204030204" pitchFamily="49" charset="0"/>
+              </a:rPr>
+              <a:t>        </a:t>
+            </a:r>
+            <a:r>
+              <a:rPr lang="en-US" sz="1600" dirty="0" err="1">
+                <a:latin typeface="Consolas" panose="020B0609020204030204" pitchFamily="49" charset="0"/>
+                <a:cs typeface="Consolas" panose="020B0609020204030204" pitchFamily="49" charset="0"/>
+              </a:rPr>
+              <a:t>ufo.x</a:t>
+            </a:r>
+            <a:r>
+              <a:rPr lang="en-US" sz="1600" dirty="0">
+                <a:latin typeface="Consolas" panose="020B0609020204030204" pitchFamily="49" charset="0"/>
+                <a:cs typeface="Consolas" panose="020B0609020204030204" pitchFamily="49" charset="0"/>
+              </a:rPr>
+              <a:t> -= speed;</a:t>
+            </a:r>
+          </a:p>
+          <a:p>
+            <a:pPr marL="0" indent="0">
+              <a:lnSpc>
+                <a:spcPct val="120000"/>
+              </a:lnSpc>
+              <a:spcBef>
+                <a:spcPts val="0"/>
+              </a:spcBef>
+              <a:buNone/>
+            </a:pPr>
+            <a:r>
+              <a:rPr lang="en-US" sz="1600" dirty="0">
+                <a:latin typeface="Consolas" panose="020B0609020204030204" pitchFamily="49" charset="0"/>
+                <a:cs typeface="Consolas" panose="020B0609020204030204" pitchFamily="49" charset="0"/>
+              </a:rPr>
+              <a:t>    }</a:t>
+            </a:r>
+          </a:p>
+          <a:p>
+            <a:pPr marL="0" indent="0">
+              <a:lnSpc>
+                <a:spcPct val="120000"/>
+              </a:lnSpc>
+              <a:spcBef>
+                <a:spcPts val="0"/>
+              </a:spcBef>
+              <a:buNone/>
+            </a:pPr>
+            <a:r>
+              <a:rPr lang="en-US" sz="1600" dirty="0">
+                <a:latin typeface="Consolas" panose="020B0609020204030204" pitchFamily="49" charset="0"/>
+                <a:cs typeface="Consolas" panose="020B0609020204030204" pitchFamily="49" charset="0"/>
+              </a:rPr>
+              <a:t>    else if (</a:t>
+            </a:r>
+            <a:r>
+              <a:rPr lang="en-US" sz="1600" dirty="0" err="1">
+                <a:latin typeface="Consolas" panose="020B0609020204030204" pitchFamily="49" charset="0"/>
+                <a:cs typeface="Consolas" panose="020B0609020204030204" pitchFamily="49" charset="0"/>
+              </a:rPr>
+              <a:t>game.input.keyboard.isDown</a:t>
+            </a:r>
+            <a:r>
+              <a:rPr lang="en-US" sz="1600" dirty="0">
+                <a:latin typeface="Consolas" panose="020B0609020204030204" pitchFamily="49" charset="0"/>
+                <a:cs typeface="Consolas" panose="020B0609020204030204" pitchFamily="49" charset="0"/>
+              </a:rPr>
+              <a:t>(</a:t>
+            </a:r>
+            <a:r>
+              <a:rPr lang="en-US" sz="1600" dirty="0" err="1">
+                <a:latin typeface="Consolas" panose="020B0609020204030204" pitchFamily="49" charset="0"/>
+                <a:cs typeface="Consolas" panose="020B0609020204030204" pitchFamily="49" charset="0"/>
+              </a:rPr>
+              <a:t>Phaser.Keyboard.RIGHT</a:t>
+            </a:r>
+            <a:r>
+              <a:rPr lang="en-US" sz="1600" dirty="0">
+                <a:latin typeface="Consolas" panose="020B0609020204030204" pitchFamily="49" charset="0"/>
+                <a:cs typeface="Consolas" panose="020B0609020204030204" pitchFamily="49" charset="0"/>
+              </a:rPr>
+              <a:t>)) {</a:t>
+            </a:r>
+          </a:p>
+          <a:p>
+            <a:pPr marL="0" indent="0">
+              <a:lnSpc>
+                <a:spcPct val="120000"/>
+              </a:lnSpc>
+              <a:spcBef>
+                <a:spcPts val="0"/>
+              </a:spcBef>
+              <a:buNone/>
+            </a:pPr>
+            <a:r>
+              <a:rPr lang="en-US" sz="1600" dirty="0">
+                <a:latin typeface="Consolas" panose="020B0609020204030204" pitchFamily="49" charset="0"/>
+                <a:cs typeface="Consolas" panose="020B0609020204030204" pitchFamily="49" charset="0"/>
+              </a:rPr>
+              <a:t>        </a:t>
+            </a:r>
+            <a:r>
+              <a:rPr lang="en-US" sz="1600" dirty="0" err="1">
+                <a:latin typeface="Consolas" panose="020B0609020204030204" pitchFamily="49" charset="0"/>
+                <a:cs typeface="Consolas" panose="020B0609020204030204" pitchFamily="49" charset="0"/>
+              </a:rPr>
+              <a:t>ufo.x</a:t>
+            </a:r>
+            <a:r>
+              <a:rPr lang="en-US" sz="1600" dirty="0">
+                <a:latin typeface="Consolas" panose="020B0609020204030204" pitchFamily="49" charset="0"/>
+                <a:cs typeface="Consolas" panose="020B0609020204030204" pitchFamily="49" charset="0"/>
+              </a:rPr>
+              <a:t> += speed;</a:t>
+            </a:r>
+          </a:p>
+          <a:p>
+            <a:pPr marL="0" indent="0">
+              <a:lnSpc>
+                <a:spcPct val="120000"/>
+              </a:lnSpc>
+              <a:spcBef>
+                <a:spcPts val="0"/>
+              </a:spcBef>
+              <a:buNone/>
+            </a:pPr>
+            <a:r>
+              <a:rPr lang="en-US" sz="1600" dirty="0">
+                <a:latin typeface="Consolas" panose="020B0609020204030204" pitchFamily="49" charset="0"/>
+                <a:cs typeface="Consolas" panose="020B0609020204030204" pitchFamily="49" charset="0"/>
+              </a:rPr>
+              <a:t>    }</a:t>
+            </a:r>
+          </a:p>
+          <a:p>
+            <a:pPr marL="0" indent="0">
+              <a:lnSpc>
+                <a:spcPct val="120000"/>
+              </a:lnSpc>
+              <a:spcBef>
+                <a:spcPts val="0"/>
+              </a:spcBef>
+              <a:buNone/>
+            </a:pPr>
+            <a:r>
+              <a:rPr lang="en-US" sz="1600" dirty="0">
+                <a:latin typeface="Consolas" panose="020B0609020204030204" pitchFamily="49" charset="0"/>
+                <a:cs typeface="Consolas" panose="020B0609020204030204" pitchFamily="49" charset="0"/>
+              </a:rPr>
+              <a:t>}</a:t>
+            </a:r>
+            <a:endParaRPr lang="en-US" sz="1600" dirty="0" smtClean="0">
+              <a:latin typeface="Consolas" panose="020B0609020204030204" pitchFamily="49" charset="0"/>
+              <a:cs typeface="Consolas" panose="020B0609020204030204" pitchFamily="49" charset="0"/>
+            </a:endParaRPr>
           </a:p>
         </p:txBody>
       </p:sp>
@@ -9435,7 +9684,7 @@
     </p:spTree>
     <p:extLst>
       <p:ext uri="{BB962C8B-B14F-4D97-AF65-F5344CB8AC3E}">
-        <p14:creationId xmlns:p14="http://schemas.microsoft.com/office/powerpoint/2010/main" val="635934165"/>
+        <p14:creationId xmlns:p14="http://schemas.microsoft.com/office/powerpoint/2010/main" val="100593303"/>
       </p:ext>
     </p:extLst>
   </p:cSld>
@@ -9489,7 +9738,7 @@
             <a:pPr algn="ctr"/>
             <a:r>
               <a:rPr lang="en-US" sz="4000" dirty="0" smtClean="0"/>
-              <a:t>Input: Keyboard</a:t>
+              <a:t>Input: Mouse</a:t>
             </a:r>
             <a:endParaRPr lang="en-US" sz="4000" dirty="0"/>
           </a:p>
@@ -9508,7 +9757,7 @@
         <p:spPr/>
         <p:txBody>
           <a:bodyPr>
-            <a:noAutofit/>
+            <a:normAutofit fontScale="55000" lnSpcReduction="20000"/>
           </a:bodyPr>
           <a:lstStyle/>
           <a:p>
@@ -9522,11 +9771,25 @@
               <a:buNone/>
             </a:pPr>
             <a:r>
-              <a:rPr lang="en-US" sz="1600" dirty="0">
-                <a:latin typeface="Consolas" panose="020B0609020204030204" pitchFamily="49" charset="0"/>
-                <a:cs typeface="Consolas" panose="020B0609020204030204" pitchFamily="49" charset="0"/>
-              </a:rPr>
-              <a:t>function update() {</a:t>
+              <a:rPr lang="en-US" dirty="0">
+                <a:latin typeface="Consolas" panose="020B0609020204030204" pitchFamily="49" charset="0"/>
+                <a:cs typeface="Consolas" panose="020B0609020204030204" pitchFamily="49" charset="0"/>
+              </a:rPr>
+              <a:t>if (</a:t>
+            </a:r>
+            <a:r>
+              <a:rPr lang="en-US" dirty="0" err="1">
+                <a:latin typeface="Consolas" panose="020B0609020204030204" pitchFamily="49" charset="0"/>
+                <a:cs typeface="Consolas" panose="020B0609020204030204" pitchFamily="49" charset="0"/>
+              </a:rPr>
+              <a:t>game.input.mousePointer.isDown</a:t>
+            </a:r>
+            <a:r>
+              <a:rPr lang="en-US" dirty="0">
+                <a:latin typeface="Consolas" panose="020B0609020204030204" pitchFamily="49" charset="0"/>
+                <a:cs typeface="Consolas" panose="020B0609020204030204" pitchFamily="49" charset="0"/>
+              </a:rPr>
+              <a:t>) {</a:t>
             </a:r>
           </a:p>
           <a:p>
@@ -9540,39 +9803,39 @@
               <a:buNone/>
             </a:pPr>
             <a:r>
-              <a:rPr lang="en-US" sz="1600" dirty="0">
-                <a:latin typeface="Consolas" panose="020B0609020204030204" pitchFamily="49" charset="0"/>
-                <a:cs typeface="Consolas" panose="020B0609020204030204" pitchFamily="49" charset="0"/>
-              </a:rPr>
-              <a:t>    if (</a:t>
-            </a:r>
-            <a:r>
-              <a:rPr lang="en-US" sz="1600" dirty="0" err="1">
-                <a:latin typeface="Consolas" panose="020B0609020204030204" pitchFamily="49" charset="0"/>
-                <a:cs typeface="Consolas" panose="020B0609020204030204" pitchFamily="49" charset="0"/>
-              </a:rPr>
-              <a:t>game.input.keyboard.isDown</a:t>
-            </a:r>
-            <a:r>
-              <a:rPr lang="en-US" sz="1600" dirty="0">
-                <a:latin typeface="Consolas" panose="020B0609020204030204" pitchFamily="49" charset="0"/>
-                <a:cs typeface="Consolas" panose="020B0609020204030204" pitchFamily="49" charset="0"/>
-              </a:rPr>
-              <a:t>(</a:t>
-            </a:r>
-            <a:r>
-              <a:rPr lang="en-US" sz="1600" dirty="0" err="1">
-                <a:latin typeface="Consolas" panose="020B0609020204030204" pitchFamily="49" charset="0"/>
-                <a:cs typeface="Consolas" panose="020B0609020204030204" pitchFamily="49" charset="0"/>
-              </a:rPr>
-              <a:t>Phaser.Keyboard.UP</a:t>
-            </a:r>
-            <a:r>
-              <a:rPr lang="en-US" sz="1600" dirty="0">
-                <a:latin typeface="Consolas" panose="020B0609020204030204" pitchFamily="49" charset="0"/>
-                <a:cs typeface="Consolas" panose="020B0609020204030204" pitchFamily="49" charset="0"/>
-              </a:rPr>
-              <a:t>)) {</a:t>
+              <a:rPr lang="en-US" dirty="0">
+                <a:latin typeface="Consolas" panose="020B0609020204030204" pitchFamily="49" charset="0"/>
+                <a:cs typeface="Consolas" panose="020B0609020204030204" pitchFamily="49" charset="0"/>
+              </a:rPr>
+              <a:t>	if (</a:t>
+            </a:r>
+            <a:r>
+              <a:rPr lang="en-US" dirty="0" err="1">
+                <a:latin typeface="Consolas" panose="020B0609020204030204" pitchFamily="49" charset="0"/>
+                <a:cs typeface="Consolas" panose="020B0609020204030204" pitchFamily="49" charset="0"/>
+              </a:rPr>
+              <a:t>game.input.mousePointer.x</a:t>
+            </a:r>
+            <a:r>
+              <a:rPr lang="en-US" dirty="0">
+                <a:latin typeface="Consolas" panose="020B0609020204030204" pitchFamily="49" charset="0"/>
+                <a:cs typeface="Consolas" panose="020B0609020204030204" pitchFamily="49" charset="0"/>
+              </a:rPr>
+              <a:t> &lt; </a:t>
+            </a:r>
+            <a:r>
+              <a:rPr lang="en-US" dirty="0" err="1">
+                <a:latin typeface="Consolas" panose="020B0609020204030204" pitchFamily="49" charset="0"/>
+                <a:cs typeface="Consolas" panose="020B0609020204030204" pitchFamily="49" charset="0"/>
+              </a:rPr>
+              <a:t>game.width</a:t>
+            </a:r>
+            <a:r>
+              <a:rPr lang="en-US" dirty="0">
+                <a:latin typeface="Consolas" panose="020B0609020204030204" pitchFamily="49" charset="0"/>
+                <a:cs typeface="Consolas" panose="020B0609020204030204" pitchFamily="49" charset="0"/>
+              </a:rPr>
+              <a:t>*0.5) {</a:t>
             </a:r>
           </a:p>
           <a:p>
@@ -9586,25 +9849,25 @@
               <a:buNone/>
             </a:pPr>
             <a:r>
-              <a:rPr lang="en-US" sz="1600" dirty="0">
-                <a:latin typeface="Consolas" panose="020B0609020204030204" pitchFamily="49" charset="0"/>
-                <a:cs typeface="Consolas" panose="020B0609020204030204" pitchFamily="49" charset="0"/>
-              </a:rPr>
-              <a:t>        </a:t>
-            </a:r>
-            <a:r>
-              <a:rPr lang="en-US" sz="1600" dirty="0" err="1">
-                <a:latin typeface="Consolas" panose="020B0609020204030204" pitchFamily="49" charset="0"/>
-                <a:cs typeface="Consolas" panose="020B0609020204030204" pitchFamily="49" charset="0"/>
-              </a:rPr>
-              <a:t>ufo.y</a:t>
-            </a:r>
-            <a:r>
-              <a:rPr lang="en-US" sz="1600" dirty="0">
-                <a:latin typeface="Consolas" panose="020B0609020204030204" pitchFamily="49" charset="0"/>
-                <a:cs typeface="Consolas" panose="020B0609020204030204" pitchFamily="49" charset="0"/>
-              </a:rPr>
-              <a:t> -= speed;</a:t>
+              <a:rPr lang="en-US" dirty="0">
+                <a:latin typeface="Consolas" panose="020B0609020204030204" pitchFamily="49" charset="0"/>
+                <a:cs typeface="Consolas" panose="020B0609020204030204" pitchFamily="49" charset="0"/>
+              </a:rPr>
+              <a:t>		</a:t>
+            </a:r>
+            <a:r>
+              <a:rPr lang="en-US" dirty="0" err="1">
+                <a:latin typeface="Consolas" panose="020B0609020204030204" pitchFamily="49" charset="0"/>
+                <a:cs typeface="Consolas" panose="020B0609020204030204" pitchFamily="49" charset="0"/>
+              </a:rPr>
+              <a:t>clickOnLeft</a:t>
+            </a:r>
+            <a:r>
+              <a:rPr lang="en-US" dirty="0">
+                <a:latin typeface="Consolas" panose="020B0609020204030204" pitchFamily="49" charset="0"/>
+                <a:cs typeface="Consolas" panose="020B0609020204030204" pitchFamily="49" charset="0"/>
+              </a:rPr>
+              <a:t> = true;</a:t>
             </a:r>
           </a:p>
           <a:p>
@@ -9618,11 +9881,11 @@
               <a:buNone/>
             </a:pPr>
             <a:r>
-              <a:rPr lang="en-US" sz="1600" dirty="0">
-                <a:latin typeface="Consolas" panose="020B0609020204030204" pitchFamily="49" charset="0"/>
-                <a:cs typeface="Consolas" panose="020B0609020204030204" pitchFamily="49" charset="0"/>
-              </a:rPr>
-              <a:t>    }</a:t>
+              <a:rPr lang="en-US" dirty="0">
+                <a:latin typeface="Consolas" panose="020B0609020204030204" pitchFamily="49" charset="0"/>
+                <a:cs typeface="Consolas" panose="020B0609020204030204" pitchFamily="49" charset="0"/>
+              </a:rPr>
+              <a:t>	}</a:t>
             </a:r>
           </a:p>
           <a:p>
@@ -9636,39 +9899,39 @@
               <a:buNone/>
             </a:pPr>
             <a:r>
-              <a:rPr lang="en-US" sz="1600" dirty="0">
-                <a:latin typeface="Consolas" panose="020B0609020204030204" pitchFamily="49" charset="0"/>
-                <a:cs typeface="Consolas" panose="020B0609020204030204" pitchFamily="49" charset="0"/>
-              </a:rPr>
-              <a:t>    else if (</a:t>
-            </a:r>
-            <a:r>
-              <a:rPr lang="en-US" sz="1600" dirty="0" err="1">
-                <a:latin typeface="Consolas" panose="020B0609020204030204" pitchFamily="49" charset="0"/>
-                <a:cs typeface="Consolas" panose="020B0609020204030204" pitchFamily="49" charset="0"/>
-              </a:rPr>
-              <a:t>game.input.keyboard.isDown</a:t>
-            </a:r>
-            <a:r>
-              <a:rPr lang="en-US" sz="1600" dirty="0">
-                <a:latin typeface="Consolas" panose="020B0609020204030204" pitchFamily="49" charset="0"/>
-                <a:cs typeface="Consolas" panose="020B0609020204030204" pitchFamily="49" charset="0"/>
-              </a:rPr>
-              <a:t>(</a:t>
-            </a:r>
-            <a:r>
-              <a:rPr lang="en-US" sz="1600" dirty="0" err="1">
-                <a:latin typeface="Consolas" panose="020B0609020204030204" pitchFamily="49" charset="0"/>
-                <a:cs typeface="Consolas" panose="020B0609020204030204" pitchFamily="49" charset="0"/>
-              </a:rPr>
-              <a:t>Phaser.Keyboard.DOWN</a:t>
-            </a:r>
-            <a:r>
-              <a:rPr lang="en-US" sz="1600" dirty="0">
-                <a:latin typeface="Consolas" panose="020B0609020204030204" pitchFamily="49" charset="0"/>
-                <a:cs typeface="Consolas" panose="020B0609020204030204" pitchFamily="49" charset="0"/>
-              </a:rPr>
-              <a:t>)) {</a:t>
+              <a:rPr lang="en-US" dirty="0">
+                <a:latin typeface="Consolas" panose="020B0609020204030204" pitchFamily="49" charset="0"/>
+                <a:cs typeface="Consolas" panose="020B0609020204030204" pitchFamily="49" charset="0"/>
+              </a:rPr>
+              <a:t>	else if (</a:t>
+            </a:r>
+            <a:r>
+              <a:rPr lang="en-US" dirty="0" err="1">
+                <a:latin typeface="Consolas" panose="020B0609020204030204" pitchFamily="49" charset="0"/>
+                <a:cs typeface="Consolas" panose="020B0609020204030204" pitchFamily="49" charset="0"/>
+              </a:rPr>
+              <a:t>game.input.mousePointer.x</a:t>
+            </a:r>
+            <a:r>
+              <a:rPr lang="en-US" dirty="0">
+                <a:latin typeface="Consolas" panose="020B0609020204030204" pitchFamily="49" charset="0"/>
+                <a:cs typeface="Consolas" panose="020B0609020204030204" pitchFamily="49" charset="0"/>
+              </a:rPr>
+              <a:t> &gt; </a:t>
+            </a:r>
+            <a:r>
+              <a:rPr lang="en-US" dirty="0" err="1">
+                <a:latin typeface="Consolas" panose="020B0609020204030204" pitchFamily="49" charset="0"/>
+                <a:cs typeface="Consolas" panose="020B0609020204030204" pitchFamily="49" charset="0"/>
+              </a:rPr>
+              <a:t>game.width</a:t>
+            </a:r>
+            <a:r>
+              <a:rPr lang="en-US" dirty="0">
+                <a:latin typeface="Consolas" panose="020B0609020204030204" pitchFamily="49" charset="0"/>
+                <a:cs typeface="Consolas" panose="020B0609020204030204" pitchFamily="49" charset="0"/>
+              </a:rPr>
+              <a:t>*0.5) {</a:t>
             </a:r>
           </a:p>
           <a:p>
@@ -9682,25 +9945,25 @@
               <a:buNone/>
             </a:pPr>
             <a:r>
-              <a:rPr lang="en-US" sz="1600" dirty="0">
-                <a:latin typeface="Consolas" panose="020B0609020204030204" pitchFamily="49" charset="0"/>
-                <a:cs typeface="Consolas" panose="020B0609020204030204" pitchFamily="49" charset="0"/>
-              </a:rPr>
-              <a:t>        </a:t>
-            </a:r>
-            <a:r>
-              <a:rPr lang="en-US" sz="1600" dirty="0" err="1">
-                <a:latin typeface="Consolas" panose="020B0609020204030204" pitchFamily="49" charset="0"/>
-                <a:cs typeface="Consolas" panose="020B0609020204030204" pitchFamily="49" charset="0"/>
-              </a:rPr>
-              <a:t>ufo.y</a:t>
-            </a:r>
-            <a:r>
-              <a:rPr lang="en-US" sz="1600" dirty="0">
-                <a:latin typeface="Consolas" panose="020B0609020204030204" pitchFamily="49" charset="0"/>
-                <a:cs typeface="Consolas" panose="020B0609020204030204" pitchFamily="49" charset="0"/>
-              </a:rPr>
-              <a:t> += speed;</a:t>
+              <a:rPr lang="en-US" dirty="0">
+                <a:latin typeface="Consolas" panose="020B0609020204030204" pitchFamily="49" charset="0"/>
+                <a:cs typeface="Consolas" panose="020B0609020204030204" pitchFamily="49" charset="0"/>
+              </a:rPr>
+              <a:t>		</a:t>
+            </a:r>
+            <a:r>
+              <a:rPr lang="en-US" dirty="0" err="1">
+                <a:latin typeface="Consolas" panose="020B0609020204030204" pitchFamily="49" charset="0"/>
+                <a:cs typeface="Consolas" panose="020B0609020204030204" pitchFamily="49" charset="0"/>
+              </a:rPr>
+              <a:t>clickOnRight</a:t>
+            </a:r>
+            <a:r>
+              <a:rPr lang="en-US" dirty="0">
+                <a:latin typeface="Consolas" panose="020B0609020204030204" pitchFamily="49" charset="0"/>
+                <a:cs typeface="Consolas" panose="020B0609020204030204" pitchFamily="49" charset="0"/>
+              </a:rPr>
+              <a:t> = true;</a:t>
             </a:r>
           </a:p>
           <a:p>
@@ -9714,11 +9977,11 @@
               <a:buNone/>
             </a:pPr>
             <a:r>
-              <a:rPr lang="en-US" sz="1600" dirty="0">
-                <a:latin typeface="Consolas" panose="020B0609020204030204" pitchFamily="49" charset="0"/>
-                <a:cs typeface="Consolas" panose="020B0609020204030204" pitchFamily="49" charset="0"/>
-              </a:rPr>
-              <a:t>    }</a:t>
+              <a:rPr lang="en-US" dirty="0">
+                <a:latin typeface="Consolas" panose="020B0609020204030204" pitchFamily="49" charset="0"/>
+                <a:cs typeface="Consolas" panose="020B0609020204030204" pitchFamily="49" charset="0"/>
+              </a:rPr>
+              <a:t>	}</a:t>
             </a:r>
           </a:p>
           <a:p>
@@ -9731,7 +9994,7 @@
               </a:spcBef>
               <a:buNone/>
             </a:pPr>
-            <a:endParaRPr lang="en-US" sz="1600" dirty="0">
+            <a:endParaRPr lang="en-US" dirty="0">
               <a:latin typeface="Consolas" panose="020B0609020204030204" pitchFamily="49" charset="0"/>
               <a:cs typeface="Consolas" panose="020B0609020204030204" pitchFamily="49" charset="0"/>
             </a:endParaRPr>
@@ -9747,39 +10010,39 @@
               <a:buNone/>
             </a:pPr>
             <a:r>
-              <a:rPr lang="en-US" sz="1600" dirty="0">
-                <a:latin typeface="Consolas" panose="020B0609020204030204" pitchFamily="49" charset="0"/>
-                <a:cs typeface="Consolas" panose="020B0609020204030204" pitchFamily="49" charset="0"/>
-              </a:rPr>
-              <a:t>    if (</a:t>
-            </a:r>
-            <a:r>
-              <a:rPr lang="en-US" sz="1600" dirty="0" err="1">
-                <a:latin typeface="Consolas" panose="020B0609020204030204" pitchFamily="49" charset="0"/>
-                <a:cs typeface="Consolas" panose="020B0609020204030204" pitchFamily="49" charset="0"/>
-              </a:rPr>
-              <a:t>game.input.keyboard.isDown</a:t>
-            </a:r>
-            <a:r>
-              <a:rPr lang="en-US" sz="1600" dirty="0">
-                <a:latin typeface="Consolas" panose="020B0609020204030204" pitchFamily="49" charset="0"/>
-                <a:cs typeface="Consolas" panose="020B0609020204030204" pitchFamily="49" charset="0"/>
-              </a:rPr>
-              <a:t>(</a:t>
-            </a:r>
-            <a:r>
-              <a:rPr lang="en-US" sz="1600" dirty="0" err="1">
-                <a:latin typeface="Consolas" panose="020B0609020204030204" pitchFamily="49" charset="0"/>
-                <a:cs typeface="Consolas" panose="020B0609020204030204" pitchFamily="49" charset="0"/>
-              </a:rPr>
-              <a:t>Phaser.Keyboard.LEFT</a:t>
-            </a:r>
-            <a:r>
-              <a:rPr lang="en-US" sz="1600" dirty="0">
-                <a:latin typeface="Consolas" panose="020B0609020204030204" pitchFamily="49" charset="0"/>
-                <a:cs typeface="Consolas" panose="020B0609020204030204" pitchFamily="49" charset="0"/>
-              </a:rPr>
-              <a:t>)) {</a:t>
+              <a:rPr lang="en-US" dirty="0">
+                <a:latin typeface="Consolas" panose="020B0609020204030204" pitchFamily="49" charset="0"/>
+                <a:cs typeface="Consolas" panose="020B0609020204030204" pitchFamily="49" charset="0"/>
+              </a:rPr>
+              <a:t>	if (</a:t>
+            </a:r>
+            <a:r>
+              <a:rPr lang="en-US" dirty="0" err="1">
+                <a:latin typeface="Consolas" panose="020B0609020204030204" pitchFamily="49" charset="0"/>
+                <a:cs typeface="Consolas" panose="020B0609020204030204" pitchFamily="49" charset="0"/>
+              </a:rPr>
+              <a:t>game.input.mousePointer.y</a:t>
+            </a:r>
+            <a:r>
+              <a:rPr lang="en-US" dirty="0">
+                <a:latin typeface="Consolas" panose="020B0609020204030204" pitchFamily="49" charset="0"/>
+                <a:cs typeface="Consolas" panose="020B0609020204030204" pitchFamily="49" charset="0"/>
+              </a:rPr>
+              <a:t> &lt; </a:t>
+            </a:r>
+            <a:r>
+              <a:rPr lang="en-US" dirty="0" err="1">
+                <a:latin typeface="Consolas" panose="020B0609020204030204" pitchFamily="49" charset="0"/>
+                <a:cs typeface="Consolas" panose="020B0609020204030204" pitchFamily="49" charset="0"/>
+              </a:rPr>
+              <a:t>game.height</a:t>
+            </a:r>
+            <a:r>
+              <a:rPr lang="en-US" dirty="0">
+                <a:latin typeface="Consolas" panose="020B0609020204030204" pitchFamily="49" charset="0"/>
+                <a:cs typeface="Consolas" panose="020B0609020204030204" pitchFamily="49" charset="0"/>
+              </a:rPr>
+              <a:t>*0.5) {</a:t>
             </a:r>
           </a:p>
           <a:p>
@@ -9793,25 +10056,25 @@
               <a:buNone/>
             </a:pPr>
             <a:r>
-              <a:rPr lang="en-US" sz="1600" dirty="0">
-                <a:latin typeface="Consolas" panose="020B0609020204030204" pitchFamily="49" charset="0"/>
-                <a:cs typeface="Consolas" panose="020B0609020204030204" pitchFamily="49" charset="0"/>
-              </a:rPr>
-              <a:t>        </a:t>
-            </a:r>
-            <a:r>
-              <a:rPr lang="en-US" sz="1600" dirty="0" err="1">
-                <a:latin typeface="Consolas" panose="020B0609020204030204" pitchFamily="49" charset="0"/>
-                <a:cs typeface="Consolas" panose="020B0609020204030204" pitchFamily="49" charset="0"/>
-              </a:rPr>
-              <a:t>ufo.x</a:t>
-            </a:r>
-            <a:r>
-              <a:rPr lang="en-US" sz="1600" dirty="0">
-                <a:latin typeface="Consolas" panose="020B0609020204030204" pitchFamily="49" charset="0"/>
-                <a:cs typeface="Consolas" panose="020B0609020204030204" pitchFamily="49" charset="0"/>
-              </a:rPr>
-              <a:t> -= speed;</a:t>
+              <a:rPr lang="en-US" dirty="0">
+                <a:latin typeface="Consolas" panose="020B0609020204030204" pitchFamily="49" charset="0"/>
+                <a:cs typeface="Consolas" panose="020B0609020204030204" pitchFamily="49" charset="0"/>
+              </a:rPr>
+              <a:t>		</a:t>
+            </a:r>
+            <a:r>
+              <a:rPr lang="en-US" dirty="0" err="1">
+                <a:latin typeface="Consolas" panose="020B0609020204030204" pitchFamily="49" charset="0"/>
+                <a:cs typeface="Consolas" panose="020B0609020204030204" pitchFamily="49" charset="0"/>
+              </a:rPr>
+              <a:t>clickOnTop</a:t>
+            </a:r>
+            <a:r>
+              <a:rPr lang="en-US" dirty="0">
+                <a:latin typeface="Consolas" panose="020B0609020204030204" pitchFamily="49" charset="0"/>
+                <a:cs typeface="Consolas" panose="020B0609020204030204" pitchFamily="49" charset="0"/>
+              </a:rPr>
+              <a:t> = true;</a:t>
             </a:r>
           </a:p>
           <a:p>
@@ -9825,11 +10088,11 @@
               <a:buNone/>
             </a:pPr>
             <a:r>
-              <a:rPr lang="en-US" sz="1600" dirty="0">
-                <a:latin typeface="Consolas" panose="020B0609020204030204" pitchFamily="49" charset="0"/>
-                <a:cs typeface="Consolas" panose="020B0609020204030204" pitchFamily="49" charset="0"/>
-              </a:rPr>
-              <a:t>    }</a:t>
+              <a:rPr lang="en-US" dirty="0">
+                <a:latin typeface="Consolas" panose="020B0609020204030204" pitchFamily="49" charset="0"/>
+                <a:cs typeface="Consolas" panose="020B0609020204030204" pitchFamily="49" charset="0"/>
+              </a:rPr>
+              <a:t>	}</a:t>
             </a:r>
           </a:p>
           <a:p>
@@ -9843,39 +10106,11 @@
               <a:buNone/>
             </a:pPr>
             <a:r>
-              <a:rPr lang="en-US" sz="1600" dirty="0">
-                <a:latin typeface="Consolas" panose="020B0609020204030204" pitchFamily="49" charset="0"/>
-                <a:cs typeface="Consolas" panose="020B0609020204030204" pitchFamily="49" charset="0"/>
-              </a:rPr>
-              <a:t>    else if (</a:t>
-            </a:r>
-            <a:r>
-              <a:rPr lang="en-US" sz="1600" dirty="0" err="1">
-                <a:latin typeface="Consolas" panose="020B0609020204030204" pitchFamily="49" charset="0"/>
-                <a:cs typeface="Consolas" panose="020B0609020204030204" pitchFamily="49" charset="0"/>
-              </a:rPr>
-              <a:t>game.input.keyboard.isDown</a:t>
-            </a:r>
-            <a:r>
-              <a:rPr lang="en-US" sz="1600" dirty="0">
-                <a:latin typeface="Consolas" panose="020B0609020204030204" pitchFamily="49" charset="0"/>
-                <a:cs typeface="Consolas" panose="020B0609020204030204" pitchFamily="49" charset="0"/>
-              </a:rPr>
-              <a:t>(</a:t>
-            </a:r>
-            <a:r>
-              <a:rPr lang="en-US" sz="1600" dirty="0" err="1">
-                <a:latin typeface="Consolas" panose="020B0609020204030204" pitchFamily="49" charset="0"/>
-                <a:cs typeface="Consolas" panose="020B0609020204030204" pitchFamily="49" charset="0"/>
-              </a:rPr>
-              <a:t>Phaser.Keyboard.RIGHT</a:t>
-            </a:r>
-            <a:r>
-              <a:rPr lang="en-US" sz="1600" dirty="0">
-                <a:latin typeface="Consolas" panose="020B0609020204030204" pitchFamily="49" charset="0"/>
-                <a:cs typeface="Consolas" panose="020B0609020204030204" pitchFamily="49" charset="0"/>
-              </a:rPr>
-              <a:t>)) {</a:t>
+              <a:rPr lang="en-US" dirty="0" smtClean="0">
+                <a:latin typeface="Consolas" panose="020B0609020204030204" pitchFamily="49" charset="0"/>
+                <a:cs typeface="Consolas" panose="020B0609020204030204" pitchFamily="49" charset="0"/>
+              </a:rPr>
+              <a:t>}</a:t>
             </a:r>
           </a:p>
           <a:p>
@@ -9888,67 +10123,50 @@
               </a:spcBef>
               <a:buNone/>
             </a:pPr>
-            <a:r>
-              <a:rPr lang="en-US" sz="1600" dirty="0">
-                <a:latin typeface="Consolas" panose="020B0609020204030204" pitchFamily="49" charset="0"/>
-                <a:cs typeface="Consolas" panose="020B0609020204030204" pitchFamily="49" charset="0"/>
-              </a:rPr>
-              <a:t>        </a:t>
-            </a:r>
-            <a:r>
-              <a:rPr lang="en-US" sz="1600" dirty="0" err="1">
-                <a:latin typeface="Consolas" panose="020B0609020204030204" pitchFamily="49" charset="0"/>
-                <a:cs typeface="Consolas" panose="020B0609020204030204" pitchFamily="49" charset="0"/>
-              </a:rPr>
-              <a:t>ufo.x</a:t>
-            </a:r>
-            <a:r>
-              <a:rPr lang="en-US" sz="1600" dirty="0">
-                <a:latin typeface="Consolas" panose="020B0609020204030204" pitchFamily="49" charset="0"/>
-                <a:cs typeface="Consolas" panose="020B0609020204030204" pitchFamily="49" charset="0"/>
-              </a:rPr>
-              <a:t> += speed;</a:t>
-            </a:r>
-          </a:p>
-          <a:p>
-            <a:pPr marL="0" indent="0">
+            <a:endParaRPr lang="en-US" dirty="0">
+              <a:latin typeface="Consolas" panose="020B0609020204030204" pitchFamily="49" charset="0"/>
+              <a:cs typeface="Consolas" panose="020B0609020204030204" pitchFamily="49" charset="0"/>
+            </a:endParaRPr>
+          </a:p>
+          <a:p>
+            <a:pPr>
               <a:lnSpc>
                 <a:spcPct val="120000"/>
               </a:lnSpc>
               <a:spcBef>
                 <a:spcPts val="0"/>
               </a:spcBef>
-              <a:buNone/>
             </a:pPr>
             <a:r>
-              <a:rPr lang="en-US" sz="1600" dirty="0">
-                <a:latin typeface="Consolas" panose="020B0609020204030204" pitchFamily="49" charset="0"/>
-                <a:cs typeface="Consolas" panose="020B0609020204030204" pitchFamily="49" charset="0"/>
-              </a:rPr>
-              <a:t>    }</a:t>
-            </a:r>
-          </a:p>
-          <a:p>
-            <a:pPr marL="0" indent="0">
-              <a:lnSpc>
-                <a:spcPct val="120000"/>
-              </a:lnSpc>
-              <a:spcBef>
-                <a:spcPts val="0"/>
-              </a:spcBef>
-              <a:buNone/>
-            </a:pPr>
-            <a:r>
-              <a:rPr lang="en-US" sz="1600" dirty="0">
-                <a:latin typeface="Consolas" panose="020B0609020204030204" pitchFamily="49" charset="0"/>
-                <a:cs typeface="Consolas" panose="020B0609020204030204" pitchFamily="49" charset="0"/>
-              </a:rPr>
-              <a:t>}</a:t>
-            </a:r>
-            <a:endParaRPr lang="en-US" sz="1600" dirty="0" smtClean="0">
-              <a:latin typeface="Consolas" panose="020B0609020204030204" pitchFamily="49" charset="0"/>
-              <a:cs typeface="Consolas" panose="020B0609020204030204" pitchFamily="49" charset="0"/>
-            </a:endParaRPr>
+              <a:rPr lang="en-US" sz="5100" dirty="0" smtClean="0">
+                <a:cs typeface="Consolas" panose="020B0609020204030204" pitchFamily="49" charset="0"/>
+              </a:rPr>
+              <a:t>Swap </a:t>
+            </a:r>
+            <a:r>
+              <a:rPr lang="en-US" sz="5100" dirty="0" err="1" smtClean="0">
+                <a:cs typeface="Consolas" panose="020B0609020204030204" pitchFamily="49" charset="0"/>
+              </a:rPr>
+              <a:t>mousePointer</a:t>
+            </a:r>
+            <a:r>
+              <a:rPr lang="en-US" sz="5100" dirty="0" smtClean="0">
+                <a:cs typeface="Consolas" panose="020B0609020204030204" pitchFamily="49" charset="0"/>
+              </a:rPr>
+              <a:t> with </a:t>
+            </a:r>
+            <a:r>
+              <a:rPr lang="en-US" sz="5100" dirty="0" err="1" smtClean="0">
+                <a:cs typeface="Consolas" panose="020B0609020204030204" pitchFamily="49" charset="0"/>
+              </a:rPr>
+              <a:t>activePointer</a:t>
+            </a:r>
+            <a:r>
+              <a:rPr lang="en-US" sz="5100" dirty="0" smtClean="0">
+                <a:cs typeface="Consolas" panose="020B0609020204030204" pitchFamily="49" charset="0"/>
+              </a:rPr>
+              <a:t> to capture any active pointer (works with mouse and touch inputs)</a:t>
+            </a:r>
           </a:p>
         </p:txBody>
       </p:sp>
@@ -10014,7 +10232,7 @@
     </p:spTree>
     <p:extLst>
       <p:ext uri="{BB962C8B-B14F-4D97-AF65-F5344CB8AC3E}">
-        <p14:creationId xmlns:p14="http://schemas.microsoft.com/office/powerpoint/2010/main" val="100593303"/>
+        <p14:creationId xmlns:p14="http://schemas.microsoft.com/office/powerpoint/2010/main" val="4174560926"/>
       </p:ext>
     </p:extLst>
   </p:cSld>
@@ -10068,7 +10286,7 @@
             <a:pPr algn="ctr"/>
             <a:r>
               <a:rPr lang="en-US" sz="4000" dirty="0" smtClean="0"/>
-              <a:t>Input: Mouse</a:t>
+              <a:t>Input: Multi-touch</a:t>
             </a:r>
             <a:endParaRPr lang="en-US" sz="4000" dirty="0"/>
           </a:p>
@@ -10087,377 +10305,9 @@
         <p:spPr/>
         <p:txBody>
           <a:bodyPr>
-            <a:normAutofit fontScale="55000" lnSpcReduction="20000"/>
+            <a:normAutofit/>
           </a:bodyPr>
           <a:lstStyle/>
-          <a:p>
-            <a:pPr marL="0" indent="0">
-              <a:lnSpc>
-                <a:spcPct val="120000"/>
-              </a:lnSpc>
-              <a:spcBef>
-                <a:spcPts val="0"/>
-              </a:spcBef>
-              <a:buNone/>
-            </a:pPr>
-            <a:r>
-              <a:rPr lang="en-US" dirty="0">
-                <a:latin typeface="Consolas" panose="020B0609020204030204" pitchFamily="49" charset="0"/>
-                <a:cs typeface="Consolas" panose="020B0609020204030204" pitchFamily="49" charset="0"/>
-              </a:rPr>
-              <a:t>if (</a:t>
-            </a:r>
-            <a:r>
-              <a:rPr lang="en-US" dirty="0" err="1">
-                <a:latin typeface="Consolas" panose="020B0609020204030204" pitchFamily="49" charset="0"/>
-                <a:cs typeface="Consolas" panose="020B0609020204030204" pitchFamily="49" charset="0"/>
-              </a:rPr>
-              <a:t>game.input.mousePointer.isDown</a:t>
-            </a:r>
-            <a:r>
-              <a:rPr lang="en-US" dirty="0">
-                <a:latin typeface="Consolas" panose="020B0609020204030204" pitchFamily="49" charset="0"/>
-                <a:cs typeface="Consolas" panose="020B0609020204030204" pitchFamily="49" charset="0"/>
-              </a:rPr>
-              <a:t>) {</a:t>
-            </a:r>
-          </a:p>
-          <a:p>
-            <a:pPr marL="0" indent="0">
-              <a:lnSpc>
-                <a:spcPct val="120000"/>
-              </a:lnSpc>
-              <a:spcBef>
-                <a:spcPts val="0"/>
-              </a:spcBef>
-              <a:buNone/>
-            </a:pPr>
-            <a:r>
-              <a:rPr lang="en-US" dirty="0">
-                <a:latin typeface="Consolas" panose="020B0609020204030204" pitchFamily="49" charset="0"/>
-                <a:cs typeface="Consolas" panose="020B0609020204030204" pitchFamily="49" charset="0"/>
-              </a:rPr>
-              <a:t>	if (</a:t>
-            </a:r>
-            <a:r>
-              <a:rPr lang="en-US" dirty="0" err="1">
-                <a:latin typeface="Consolas" panose="020B0609020204030204" pitchFamily="49" charset="0"/>
-                <a:cs typeface="Consolas" panose="020B0609020204030204" pitchFamily="49" charset="0"/>
-              </a:rPr>
-              <a:t>game.input.mousePointer.x</a:t>
-            </a:r>
-            <a:r>
-              <a:rPr lang="en-US" dirty="0">
-                <a:latin typeface="Consolas" panose="020B0609020204030204" pitchFamily="49" charset="0"/>
-                <a:cs typeface="Consolas" panose="020B0609020204030204" pitchFamily="49" charset="0"/>
-              </a:rPr>
-              <a:t> &lt; </a:t>
-            </a:r>
-            <a:r>
-              <a:rPr lang="en-US" dirty="0" err="1">
-                <a:latin typeface="Consolas" panose="020B0609020204030204" pitchFamily="49" charset="0"/>
-                <a:cs typeface="Consolas" panose="020B0609020204030204" pitchFamily="49" charset="0"/>
-              </a:rPr>
-              <a:t>game.width</a:t>
-            </a:r>
-            <a:r>
-              <a:rPr lang="en-US" dirty="0">
-                <a:latin typeface="Consolas" panose="020B0609020204030204" pitchFamily="49" charset="0"/>
-                <a:cs typeface="Consolas" panose="020B0609020204030204" pitchFamily="49" charset="0"/>
-              </a:rPr>
-              <a:t>*0.5) {</a:t>
-            </a:r>
-          </a:p>
-          <a:p>
-            <a:pPr marL="0" indent="0">
-              <a:lnSpc>
-                <a:spcPct val="120000"/>
-              </a:lnSpc>
-              <a:spcBef>
-                <a:spcPts val="0"/>
-              </a:spcBef>
-              <a:buNone/>
-            </a:pPr>
-            <a:r>
-              <a:rPr lang="en-US" dirty="0">
-                <a:latin typeface="Consolas" panose="020B0609020204030204" pitchFamily="49" charset="0"/>
-                <a:cs typeface="Consolas" panose="020B0609020204030204" pitchFamily="49" charset="0"/>
-              </a:rPr>
-              <a:t>		</a:t>
-            </a:r>
-            <a:r>
-              <a:rPr lang="en-US" dirty="0" err="1">
-                <a:latin typeface="Consolas" panose="020B0609020204030204" pitchFamily="49" charset="0"/>
-                <a:cs typeface="Consolas" panose="020B0609020204030204" pitchFamily="49" charset="0"/>
-              </a:rPr>
-              <a:t>clickOnLeft</a:t>
-            </a:r>
-            <a:r>
-              <a:rPr lang="en-US" dirty="0">
-                <a:latin typeface="Consolas" panose="020B0609020204030204" pitchFamily="49" charset="0"/>
-                <a:cs typeface="Consolas" panose="020B0609020204030204" pitchFamily="49" charset="0"/>
-              </a:rPr>
-              <a:t> = true;</a:t>
-            </a:r>
-          </a:p>
-          <a:p>
-            <a:pPr marL="0" indent="0">
-              <a:lnSpc>
-                <a:spcPct val="120000"/>
-              </a:lnSpc>
-              <a:spcBef>
-                <a:spcPts val="0"/>
-              </a:spcBef>
-              <a:buNone/>
-            </a:pPr>
-            <a:r>
-              <a:rPr lang="en-US" dirty="0">
-                <a:latin typeface="Consolas" panose="020B0609020204030204" pitchFamily="49" charset="0"/>
-                <a:cs typeface="Consolas" panose="020B0609020204030204" pitchFamily="49" charset="0"/>
-              </a:rPr>
-              <a:t>	}</a:t>
-            </a:r>
-          </a:p>
-          <a:p>
-            <a:pPr marL="0" indent="0">
-              <a:lnSpc>
-                <a:spcPct val="120000"/>
-              </a:lnSpc>
-              <a:spcBef>
-                <a:spcPts val="0"/>
-              </a:spcBef>
-              <a:buNone/>
-            </a:pPr>
-            <a:r>
-              <a:rPr lang="en-US" dirty="0">
-                <a:latin typeface="Consolas" panose="020B0609020204030204" pitchFamily="49" charset="0"/>
-                <a:cs typeface="Consolas" panose="020B0609020204030204" pitchFamily="49" charset="0"/>
-              </a:rPr>
-              <a:t>	else if (</a:t>
-            </a:r>
-            <a:r>
-              <a:rPr lang="en-US" dirty="0" err="1">
-                <a:latin typeface="Consolas" panose="020B0609020204030204" pitchFamily="49" charset="0"/>
-                <a:cs typeface="Consolas" panose="020B0609020204030204" pitchFamily="49" charset="0"/>
-              </a:rPr>
-              <a:t>game.input.mousePointer.x</a:t>
-            </a:r>
-            <a:r>
-              <a:rPr lang="en-US" dirty="0">
-                <a:latin typeface="Consolas" panose="020B0609020204030204" pitchFamily="49" charset="0"/>
-                <a:cs typeface="Consolas" panose="020B0609020204030204" pitchFamily="49" charset="0"/>
-              </a:rPr>
-              <a:t> &gt; </a:t>
-            </a:r>
-            <a:r>
-              <a:rPr lang="en-US" dirty="0" err="1">
-                <a:latin typeface="Consolas" panose="020B0609020204030204" pitchFamily="49" charset="0"/>
-                <a:cs typeface="Consolas" panose="020B0609020204030204" pitchFamily="49" charset="0"/>
-              </a:rPr>
-              <a:t>game.width</a:t>
-            </a:r>
-            <a:r>
-              <a:rPr lang="en-US" dirty="0">
-                <a:latin typeface="Consolas" panose="020B0609020204030204" pitchFamily="49" charset="0"/>
-                <a:cs typeface="Consolas" panose="020B0609020204030204" pitchFamily="49" charset="0"/>
-              </a:rPr>
-              <a:t>*0.5) {</a:t>
-            </a:r>
-          </a:p>
-          <a:p>
-            <a:pPr marL="0" indent="0">
-              <a:lnSpc>
-                <a:spcPct val="120000"/>
-              </a:lnSpc>
-              <a:spcBef>
-                <a:spcPts val="0"/>
-              </a:spcBef>
-              <a:buNone/>
-            </a:pPr>
-            <a:r>
-              <a:rPr lang="en-US" dirty="0">
-                <a:latin typeface="Consolas" panose="020B0609020204030204" pitchFamily="49" charset="0"/>
-                <a:cs typeface="Consolas" panose="020B0609020204030204" pitchFamily="49" charset="0"/>
-              </a:rPr>
-              <a:t>		</a:t>
-            </a:r>
-            <a:r>
-              <a:rPr lang="en-US" dirty="0" err="1">
-                <a:latin typeface="Consolas" panose="020B0609020204030204" pitchFamily="49" charset="0"/>
-                <a:cs typeface="Consolas" panose="020B0609020204030204" pitchFamily="49" charset="0"/>
-              </a:rPr>
-              <a:t>clickOnRight</a:t>
-            </a:r>
-            <a:r>
-              <a:rPr lang="en-US" dirty="0">
-                <a:latin typeface="Consolas" panose="020B0609020204030204" pitchFamily="49" charset="0"/>
-                <a:cs typeface="Consolas" panose="020B0609020204030204" pitchFamily="49" charset="0"/>
-              </a:rPr>
-              <a:t> = true;</a:t>
-            </a:r>
-          </a:p>
-          <a:p>
-            <a:pPr marL="0" indent="0">
-              <a:lnSpc>
-                <a:spcPct val="120000"/>
-              </a:lnSpc>
-              <a:spcBef>
-                <a:spcPts val="0"/>
-              </a:spcBef>
-              <a:buNone/>
-            </a:pPr>
-            <a:r>
-              <a:rPr lang="en-US" dirty="0">
-                <a:latin typeface="Consolas" panose="020B0609020204030204" pitchFamily="49" charset="0"/>
-                <a:cs typeface="Consolas" panose="020B0609020204030204" pitchFamily="49" charset="0"/>
-              </a:rPr>
-              <a:t>	}</a:t>
-            </a:r>
-          </a:p>
-          <a:p>
-            <a:pPr marL="0" indent="0">
-              <a:lnSpc>
-                <a:spcPct val="120000"/>
-              </a:lnSpc>
-              <a:spcBef>
-                <a:spcPts val="0"/>
-              </a:spcBef>
-              <a:buNone/>
-            </a:pPr>
-            <a:endParaRPr lang="en-US" dirty="0">
-              <a:latin typeface="Consolas" panose="020B0609020204030204" pitchFamily="49" charset="0"/>
-              <a:cs typeface="Consolas" panose="020B0609020204030204" pitchFamily="49" charset="0"/>
-            </a:endParaRPr>
-          </a:p>
-          <a:p>
-            <a:pPr marL="0" indent="0">
-              <a:lnSpc>
-                <a:spcPct val="120000"/>
-              </a:lnSpc>
-              <a:spcBef>
-                <a:spcPts val="0"/>
-              </a:spcBef>
-              <a:buNone/>
-            </a:pPr>
-            <a:r>
-              <a:rPr lang="en-US" dirty="0">
-                <a:latin typeface="Consolas" panose="020B0609020204030204" pitchFamily="49" charset="0"/>
-                <a:cs typeface="Consolas" panose="020B0609020204030204" pitchFamily="49" charset="0"/>
-              </a:rPr>
-              <a:t>	if (</a:t>
-            </a:r>
-            <a:r>
-              <a:rPr lang="en-US" dirty="0" err="1">
-                <a:latin typeface="Consolas" panose="020B0609020204030204" pitchFamily="49" charset="0"/>
-                <a:cs typeface="Consolas" panose="020B0609020204030204" pitchFamily="49" charset="0"/>
-              </a:rPr>
-              <a:t>game.input.mousePointer.y</a:t>
-            </a:r>
-            <a:r>
-              <a:rPr lang="en-US" dirty="0">
-                <a:latin typeface="Consolas" panose="020B0609020204030204" pitchFamily="49" charset="0"/>
-                <a:cs typeface="Consolas" panose="020B0609020204030204" pitchFamily="49" charset="0"/>
-              </a:rPr>
-              <a:t> &lt; </a:t>
-            </a:r>
-            <a:r>
-              <a:rPr lang="en-US" dirty="0" err="1">
-                <a:latin typeface="Consolas" panose="020B0609020204030204" pitchFamily="49" charset="0"/>
-                <a:cs typeface="Consolas" panose="020B0609020204030204" pitchFamily="49" charset="0"/>
-              </a:rPr>
-              <a:t>game.height</a:t>
-            </a:r>
-            <a:r>
-              <a:rPr lang="en-US" dirty="0">
-                <a:latin typeface="Consolas" panose="020B0609020204030204" pitchFamily="49" charset="0"/>
-                <a:cs typeface="Consolas" panose="020B0609020204030204" pitchFamily="49" charset="0"/>
-              </a:rPr>
-              <a:t>*0.5) {</a:t>
-            </a:r>
-          </a:p>
-          <a:p>
-            <a:pPr marL="0" indent="0">
-              <a:lnSpc>
-                <a:spcPct val="120000"/>
-              </a:lnSpc>
-              <a:spcBef>
-                <a:spcPts val="0"/>
-              </a:spcBef>
-              <a:buNone/>
-            </a:pPr>
-            <a:r>
-              <a:rPr lang="en-US" dirty="0">
-                <a:latin typeface="Consolas" panose="020B0609020204030204" pitchFamily="49" charset="0"/>
-                <a:cs typeface="Consolas" panose="020B0609020204030204" pitchFamily="49" charset="0"/>
-              </a:rPr>
-              <a:t>		</a:t>
-            </a:r>
-            <a:r>
-              <a:rPr lang="en-US" dirty="0" err="1">
-                <a:latin typeface="Consolas" panose="020B0609020204030204" pitchFamily="49" charset="0"/>
-                <a:cs typeface="Consolas" panose="020B0609020204030204" pitchFamily="49" charset="0"/>
-              </a:rPr>
-              <a:t>clickOnTop</a:t>
-            </a:r>
-            <a:r>
-              <a:rPr lang="en-US" dirty="0">
-                <a:latin typeface="Consolas" panose="020B0609020204030204" pitchFamily="49" charset="0"/>
-                <a:cs typeface="Consolas" panose="020B0609020204030204" pitchFamily="49" charset="0"/>
-              </a:rPr>
-              <a:t> = true;</a:t>
-            </a:r>
-          </a:p>
-          <a:p>
-            <a:pPr marL="0" indent="0">
-              <a:lnSpc>
-                <a:spcPct val="120000"/>
-              </a:lnSpc>
-              <a:spcBef>
-                <a:spcPts val="0"/>
-              </a:spcBef>
-              <a:buNone/>
-            </a:pPr>
-            <a:r>
-              <a:rPr lang="en-US" dirty="0">
-                <a:latin typeface="Consolas" panose="020B0609020204030204" pitchFamily="49" charset="0"/>
-                <a:cs typeface="Consolas" panose="020B0609020204030204" pitchFamily="49" charset="0"/>
-              </a:rPr>
-              <a:t>	}</a:t>
-            </a:r>
-          </a:p>
-          <a:p>
-            <a:pPr marL="0" indent="0">
-              <a:lnSpc>
-                <a:spcPct val="120000"/>
-              </a:lnSpc>
-              <a:spcBef>
-                <a:spcPts val="0"/>
-              </a:spcBef>
-              <a:buNone/>
-            </a:pPr>
-            <a:r>
-              <a:rPr lang="en-US" dirty="0" smtClean="0">
-                <a:latin typeface="Consolas" panose="020B0609020204030204" pitchFamily="49" charset="0"/>
-                <a:cs typeface="Consolas" panose="020B0609020204030204" pitchFamily="49" charset="0"/>
-              </a:rPr>
-              <a:t>}</a:t>
-            </a:r>
-          </a:p>
-          <a:p>
-            <a:pPr marL="0" indent="0">
-              <a:lnSpc>
-                <a:spcPct val="120000"/>
-              </a:lnSpc>
-              <a:spcBef>
-                <a:spcPts val="0"/>
-              </a:spcBef>
-              <a:buNone/>
-            </a:pPr>
-            <a:endParaRPr lang="en-US" dirty="0">
-              <a:latin typeface="Consolas" panose="020B0609020204030204" pitchFamily="49" charset="0"/>
-              <a:cs typeface="Consolas" panose="020B0609020204030204" pitchFamily="49" charset="0"/>
-            </a:endParaRPr>
-          </a:p>
           <a:p>
             <a:pPr>
               <a:lnSpc>
@@ -10468,35 +10318,119 @@
               </a:spcBef>
             </a:pPr>
             <a:r>
-              <a:rPr lang="en-US" sz="5100" dirty="0" smtClean="0">
-                <a:cs typeface="Consolas" panose="020B0609020204030204" pitchFamily="49" charset="0"/>
-              </a:rPr>
-              <a:t>Swap </a:t>
-            </a:r>
-            <a:r>
-              <a:rPr lang="en-US" sz="5100" dirty="0" err="1" smtClean="0">
-                <a:cs typeface="Consolas" panose="020B0609020204030204" pitchFamily="49" charset="0"/>
-              </a:rPr>
-              <a:t>mousePointer</a:t>
-            </a:r>
-            <a:r>
-              <a:rPr lang="en-US" sz="5100" dirty="0" smtClean="0">
-                <a:cs typeface="Consolas" panose="020B0609020204030204" pitchFamily="49" charset="0"/>
-              </a:rPr>
-              <a:t> with </a:t>
-            </a:r>
-            <a:r>
-              <a:rPr lang="en-US" sz="5100" dirty="0" err="1" smtClean="0">
-                <a:cs typeface="Consolas" panose="020B0609020204030204" pitchFamily="49" charset="0"/>
-              </a:rPr>
-              <a:t>activePointer</a:t>
-            </a:r>
-            <a:r>
-              <a:rPr lang="en-US" sz="5100" dirty="0" smtClean="0">
-                <a:cs typeface="Consolas" panose="020B0609020204030204" pitchFamily="49" charset="0"/>
-              </a:rPr>
-              <a:t> to capture any active pointer (works with mouse and touch inputs)</a:t>
-            </a:r>
+              <a:rPr lang="en-US" dirty="0" smtClean="0">
+                <a:cs typeface="Consolas" panose="020B0609020204030204" pitchFamily="49" charset="0"/>
+              </a:rPr>
+              <a:t>Supports 10 pointers (= fingers)!</a:t>
+            </a:r>
+          </a:p>
+          <a:p>
+            <a:pPr>
+              <a:lnSpc>
+                <a:spcPct val="120000"/>
+              </a:lnSpc>
+              <a:spcBef>
+                <a:spcPts val="0"/>
+              </a:spcBef>
+            </a:pPr>
+            <a:r>
+              <a:rPr lang="en-US" dirty="0" smtClean="0">
+                <a:cs typeface="Consolas" panose="020B0609020204030204" pitchFamily="49" charset="0"/>
+              </a:rPr>
+              <a:t>Two pointers are already available</a:t>
+            </a:r>
+          </a:p>
+          <a:p>
+            <a:pPr>
+              <a:lnSpc>
+                <a:spcPct val="120000"/>
+              </a:lnSpc>
+              <a:spcBef>
+                <a:spcPts val="0"/>
+              </a:spcBef>
+            </a:pPr>
+            <a:r>
+              <a:rPr lang="en-US" dirty="0" smtClean="0">
+                <a:cs typeface="Consolas" panose="020B0609020204030204" pitchFamily="49" charset="0"/>
+              </a:rPr>
+              <a:t>Add another pointer</a:t>
+            </a:r>
+          </a:p>
+          <a:p>
+            <a:pPr marL="457200" lvl="1" indent="0">
+              <a:lnSpc>
+                <a:spcPct val="120000"/>
+              </a:lnSpc>
+              <a:spcBef>
+                <a:spcPts val="0"/>
+              </a:spcBef>
+              <a:buNone/>
+            </a:pPr>
+            <a:r>
+              <a:rPr lang="en-US" sz="2000" dirty="0" err="1" smtClean="0">
+                <a:latin typeface="Consolas" panose="020B0609020204030204" pitchFamily="49" charset="0"/>
+                <a:cs typeface="Consolas" panose="020B0609020204030204" pitchFamily="49" charset="0"/>
+              </a:rPr>
+              <a:t>game.input.addPointer</a:t>
+            </a:r>
+            <a:r>
+              <a:rPr lang="en-US" sz="2000" dirty="0" smtClean="0">
+                <a:latin typeface="Consolas" panose="020B0609020204030204" pitchFamily="49" charset="0"/>
+                <a:cs typeface="Consolas" panose="020B0609020204030204" pitchFamily="49" charset="0"/>
+              </a:rPr>
+              <a:t>();</a:t>
+            </a:r>
+          </a:p>
+          <a:p>
+            <a:pPr>
+              <a:lnSpc>
+                <a:spcPct val="120000"/>
+              </a:lnSpc>
+              <a:spcBef>
+                <a:spcPts val="0"/>
+              </a:spcBef>
+            </a:pPr>
+            <a:r>
+              <a:rPr lang="en-US" dirty="0" smtClean="0">
+                <a:cs typeface="Consolas" panose="020B0609020204030204" pitchFamily="49" charset="0"/>
+              </a:rPr>
+              <a:t>Read different pointers</a:t>
+            </a:r>
+          </a:p>
+          <a:p>
+            <a:pPr marL="457200" lvl="1" indent="0">
+              <a:lnSpc>
+                <a:spcPct val="120000"/>
+              </a:lnSpc>
+              <a:spcBef>
+                <a:spcPts val="0"/>
+              </a:spcBef>
+              <a:buNone/>
+            </a:pPr>
+            <a:r>
+              <a:rPr lang="en-US" sz="2000" dirty="0" smtClean="0">
+                <a:latin typeface="Consolas" panose="020B0609020204030204" pitchFamily="49" charset="0"/>
+                <a:cs typeface="Consolas" panose="020B0609020204030204" pitchFamily="49" charset="0"/>
+              </a:rPr>
+              <a:t>game.input.pointer3;</a:t>
+            </a:r>
+            <a:r>
+              <a:rPr lang="en-US" dirty="0" smtClean="0">
+                <a:cs typeface="Consolas" panose="020B0609020204030204" pitchFamily="49" charset="0"/>
+              </a:rPr>
+              <a:t> or </a:t>
+            </a:r>
+            <a:r>
+              <a:rPr lang="en-US" sz="2000" dirty="0" smtClean="0">
+                <a:latin typeface="Consolas" panose="020B0609020204030204" pitchFamily="49" charset="0"/>
+                <a:cs typeface="Consolas" panose="020B0609020204030204" pitchFamily="49" charset="0"/>
+              </a:rPr>
+              <a:t>game.input.pointer4;</a:t>
+            </a:r>
+            <a:endParaRPr lang="en-US" sz="2000" dirty="0">
+              <a:latin typeface="Consolas" panose="020B0609020204030204" pitchFamily="49" charset="0"/>
+              <a:cs typeface="Consolas" panose="020B0609020204030204" pitchFamily="49" charset="0"/>
+            </a:endParaRPr>
           </a:p>
         </p:txBody>
       </p:sp>
@@ -10562,7 +10496,7 @@
     </p:spTree>
     <p:extLst>
       <p:ext uri="{BB962C8B-B14F-4D97-AF65-F5344CB8AC3E}">
-        <p14:creationId xmlns:p14="http://schemas.microsoft.com/office/powerpoint/2010/main" val="4174560926"/>
+        <p14:creationId xmlns:p14="http://schemas.microsoft.com/office/powerpoint/2010/main" val="1177716729"/>
       </p:ext>
     </p:extLst>
   </p:cSld>
@@ -10616,7 +10550,7 @@
             <a:pPr algn="ctr"/>
             <a:r>
               <a:rPr lang="en-US" sz="4000" dirty="0" smtClean="0"/>
-              <a:t>Input: Multi-touch</a:t>
+              <a:t>Input: Gamepad</a:t>
             </a:r>
             <a:endParaRPr lang="en-US" sz="4000" dirty="0"/>
           </a:p>
@@ -10635,59 +10569,114 @@
         <p:spPr/>
         <p:txBody>
           <a:bodyPr>
-            <a:normAutofit/>
+            <a:noAutofit/>
           </a:bodyPr>
           <a:lstStyle/>
           <a:p>
-            <a:pPr>
+            <a:pPr marL="0" indent="0">
               <a:lnSpc>
                 <a:spcPct val="120000"/>
               </a:lnSpc>
               <a:spcBef>
                 <a:spcPts val="0"/>
               </a:spcBef>
+              <a:buNone/>
             </a:pPr>
             <a:r>
-              <a:rPr lang="en-US" dirty="0" smtClean="0">
-                <a:cs typeface="Consolas" panose="020B0609020204030204" pitchFamily="49" charset="0"/>
-              </a:rPr>
-              <a:t>Supports 10 pointers (= fingers)!</a:t>
-            </a:r>
-          </a:p>
-          <a:p>
-            <a:pPr>
+              <a:rPr lang="en-US" sz="1400" dirty="0">
+                <a:latin typeface="Consolas" panose="020B0609020204030204" pitchFamily="49" charset="0"/>
+                <a:cs typeface="Consolas" panose="020B0609020204030204" pitchFamily="49" charset="0"/>
+              </a:rPr>
+              <a:t>f</a:t>
+            </a:r>
+            <a:r>
+              <a:rPr lang="en-US" sz="1400" dirty="0" smtClean="0">
+                <a:latin typeface="Consolas" panose="020B0609020204030204" pitchFamily="49" charset="0"/>
+                <a:cs typeface="Consolas" panose="020B0609020204030204" pitchFamily="49" charset="0"/>
+              </a:rPr>
+              <a:t>unction create</a:t>
+            </a:r>
+            <a:r>
+              <a:rPr lang="en-US" sz="1400" dirty="0">
+                <a:latin typeface="Consolas" panose="020B0609020204030204" pitchFamily="49" charset="0"/>
+                <a:cs typeface="Consolas" panose="020B0609020204030204" pitchFamily="49" charset="0"/>
+              </a:rPr>
+              <a:t>() </a:t>
+            </a:r>
+            <a:r>
+              <a:rPr lang="en-US" sz="1400" dirty="0" smtClean="0">
+                <a:latin typeface="Consolas" panose="020B0609020204030204" pitchFamily="49" charset="0"/>
+                <a:cs typeface="Consolas" panose="020B0609020204030204" pitchFamily="49" charset="0"/>
+              </a:rPr>
+              <a:t>{</a:t>
+            </a:r>
+          </a:p>
+          <a:p>
+            <a:pPr marL="0" indent="0">
               <a:lnSpc>
                 <a:spcPct val="120000"/>
               </a:lnSpc>
               <a:spcBef>
                 <a:spcPts val="0"/>
               </a:spcBef>
+              <a:buNone/>
             </a:pPr>
             <a:r>
-              <a:rPr lang="en-US" dirty="0" smtClean="0">
-                <a:cs typeface="Consolas" panose="020B0609020204030204" pitchFamily="49" charset="0"/>
-              </a:rPr>
-              <a:t>Two pointers are already available</a:t>
-            </a:r>
-          </a:p>
-          <a:p>
-            <a:pPr>
+              <a:rPr lang="en-US" sz="1400" dirty="0" smtClean="0">
+                <a:latin typeface="Consolas" panose="020B0609020204030204" pitchFamily="49" charset="0"/>
+                <a:cs typeface="Consolas" panose="020B0609020204030204" pitchFamily="49" charset="0"/>
+              </a:rPr>
+              <a:t>	</a:t>
+            </a:r>
+            <a:r>
+              <a:rPr lang="en-US" sz="1400" dirty="0" err="1" smtClean="0">
+                <a:latin typeface="Consolas" panose="020B0609020204030204" pitchFamily="49" charset="0"/>
+                <a:cs typeface="Consolas" panose="020B0609020204030204" pitchFamily="49" charset="0"/>
+              </a:rPr>
+              <a:t>game.input.gamepad.start</a:t>
+            </a:r>
+            <a:r>
+              <a:rPr lang="en-US" sz="1400" dirty="0">
+                <a:latin typeface="Consolas" panose="020B0609020204030204" pitchFamily="49" charset="0"/>
+                <a:cs typeface="Consolas" panose="020B0609020204030204" pitchFamily="49" charset="0"/>
+              </a:rPr>
+              <a:t>();</a:t>
+            </a:r>
+          </a:p>
+          <a:p>
+            <a:pPr marL="0" indent="0">
               <a:lnSpc>
                 <a:spcPct val="120000"/>
               </a:lnSpc>
               <a:spcBef>
                 <a:spcPts val="0"/>
               </a:spcBef>
+              <a:buNone/>
             </a:pPr>
             <a:r>
-              <a:rPr lang="en-US" dirty="0" smtClean="0">
-                <a:cs typeface="Consolas" panose="020B0609020204030204" pitchFamily="49" charset="0"/>
-              </a:rPr>
-              <a:t>Add another pointer</a:t>
-            </a:r>
-          </a:p>
-          <a:p>
-            <a:pPr marL="457200" lvl="1" indent="0">
+              <a:rPr lang="en-US" sz="1400" dirty="0" smtClean="0">
+                <a:latin typeface="Consolas" panose="020B0609020204030204" pitchFamily="49" charset="0"/>
+                <a:cs typeface="Consolas" panose="020B0609020204030204" pitchFamily="49" charset="0"/>
+              </a:rPr>
+              <a:t>	pad1 </a:t>
+            </a:r>
+            <a:r>
+              <a:rPr lang="en-US" sz="1400" dirty="0">
+                <a:latin typeface="Consolas" panose="020B0609020204030204" pitchFamily="49" charset="0"/>
+                <a:cs typeface="Consolas" panose="020B0609020204030204" pitchFamily="49" charset="0"/>
+              </a:rPr>
+              <a:t>= game.input.gamepad.pad1</a:t>
+            </a:r>
+            <a:r>
+              <a:rPr lang="en-US" sz="1400" dirty="0" smtClean="0">
+                <a:latin typeface="Consolas" panose="020B0609020204030204" pitchFamily="49" charset="0"/>
+                <a:cs typeface="Consolas" panose="020B0609020204030204" pitchFamily="49" charset="0"/>
+              </a:rPr>
+              <a:t>;</a:t>
+            </a:r>
+          </a:p>
+          <a:p>
+            <a:pPr marL="0" indent="0">
               <a:lnSpc>
                 <a:spcPct val="120000"/>
               </a:lnSpc>
@@ -10697,38 +10686,40 @@
               <a:buNone/>
             </a:pPr>
             <a:r>
-              <a:rPr lang="en-US" sz="2000" dirty="0" err="1" smtClean="0">
-                <a:latin typeface="Consolas" panose="020B0609020204030204" pitchFamily="49" charset="0"/>
-                <a:cs typeface="Consolas" panose="020B0609020204030204" pitchFamily="49" charset="0"/>
-              </a:rPr>
-              <a:t>game.input.addPointer</a:t>
-            </a:r>
-            <a:r>
-              <a:rPr lang="en-US" sz="2000" dirty="0" smtClean="0">
-                <a:latin typeface="Consolas" panose="020B0609020204030204" pitchFamily="49" charset="0"/>
-                <a:cs typeface="Consolas" panose="020B0609020204030204" pitchFamily="49" charset="0"/>
-              </a:rPr>
-              <a:t>();</a:t>
-            </a:r>
-          </a:p>
-          <a:p>
-            <a:pPr>
+              <a:rPr lang="en-US" sz="1400" dirty="0" smtClean="0">
+                <a:latin typeface="Consolas" panose="020B0609020204030204" pitchFamily="49" charset="0"/>
+                <a:cs typeface="Consolas" panose="020B0609020204030204" pitchFamily="49" charset="0"/>
+              </a:rPr>
+              <a:t>}</a:t>
+            </a:r>
+          </a:p>
+          <a:p>
+            <a:pPr marL="0" indent="0">
               <a:lnSpc>
                 <a:spcPct val="120000"/>
               </a:lnSpc>
               <a:spcBef>
                 <a:spcPts val="0"/>
               </a:spcBef>
+              <a:buNone/>
             </a:pPr>
             <a:r>
-              <a:rPr lang="en-US" dirty="0" smtClean="0">
-                <a:cs typeface="Consolas" panose="020B0609020204030204" pitchFamily="49" charset="0"/>
-              </a:rPr>
-              <a:t>Read different pointers</a:t>
-            </a:r>
-          </a:p>
-          <a:p>
-            <a:pPr marL="457200" lvl="1" indent="0">
+              <a:rPr lang="en-US" sz="1400" dirty="0">
+                <a:latin typeface="Consolas" panose="020B0609020204030204" pitchFamily="49" charset="0"/>
+                <a:cs typeface="Consolas" panose="020B0609020204030204" pitchFamily="49" charset="0"/>
+              </a:rPr>
+              <a:t>f</a:t>
+            </a:r>
+            <a:r>
+              <a:rPr lang="en-US" sz="1400" dirty="0" smtClean="0">
+                <a:latin typeface="Consolas" panose="020B0609020204030204" pitchFamily="49" charset="0"/>
+                <a:cs typeface="Consolas" panose="020B0609020204030204" pitchFamily="49" charset="0"/>
+              </a:rPr>
+              <a:t>unction update() {</a:t>
+            </a:r>
+          </a:p>
+          <a:p>
+            <a:pPr marL="0" indent="0">
               <a:lnSpc>
                 <a:spcPct val="120000"/>
               </a:lnSpc>
@@ -10738,29 +10729,315 @@
               <a:buNone/>
             </a:pPr>
             <a:r>
-              <a:rPr lang="en-US" sz="2000" dirty="0" smtClean="0">
-                <a:latin typeface="Consolas" panose="020B0609020204030204" pitchFamily="49" charset="0"/>
-                <a:cs typeface="Consolas" panose="020B0609020204030204" pitchFamily="49" charset="0"/>
-              </a:rPr>
-              <a:t>game.input.pointer3;</a:t>
-            </a:r>
-            <a:r>
-              <a:rPr lang="en-US" dirty="0" smtClean="0">
-                <a:cs typeface="Consolas" panose="020B0609020204030204" pitchFamily="49" charset="0"/>
-              </a:rPr>
-              <a:t> or </a:t>
-            </a:r>
-            <a:r>
-              <a:rPr lang="en-US" sz="2000" dirty="0" smtClean="0">
-                <a:latin typeface="Consolas" panose="020B0609020204030204" pitchFamily="49" charset="0"/>
-                <a:cs typeface="Consolas" panose="020B0609020204030204" pitchFamily="49" charset="0"/>
-              </a:rPr>
-              <a:t>game.input.pointer4;</a:t>
-            </a:r>
-            <a:endParaRPr lang="en-US" sz="2000" dirty="0">
-              <a:latin typeface="Consolas" panose="020B0609020204030204" pitchFamily="49" charset="0"/>
-              <a:cs typeface="Consolas" panose="020B0609020204030204" pitchFamily="49" charset="0"/>
-            </a:endParaRPr>
+              <a:rPr lang="en-US" sz="1400" dirty="0" smtClean="0">
+                <a:latin typeface="Consolas" panose="020B0609020204030204" pitchFamily="49" charset="0"/>
+                <a:cs typeface="Consolas" panose="020B0609020204030204" pitchFamily="49" charset="0"/>
+              </a:rPr>
+              <a:t>	if </a:t>
+            </a:r>
+            <a:r>
+              <a:rPr lang="en-US" sz="1400" dirty="0">
+                <a:latin typeface="Consolas" panose="020B0609020204030204" pitchFamily="49" charset="0"/>
+                <a:cs typeface="Consolas" panose="020B0609020204030204" pitchFamily="49" charset="0"/>
+              </a:rPr>
+              <a:t>(</a:t>
+            </a:r>
+            <a:r>
+              <a:rPr lang="en-US" sz="1400" dirty="0" err="1" smtClean="0">
+                <a:latin typeface="Consolas" panose="020B0609020204030204" pitchFamily="49" charset="0"/>
+                <a:cs typeface="Consolas" panose="020B0609020204030204" pitchFamily="49" charset="0"/>
+              </a:rPr>
+              <a:t>game.input.gamepad.supported</a:t>
+            </a:r>
+            <a:r>
+              <a:rPr lang="en-US" sz="1400" dirty="0" smtClean="0">
+                <a:latin typeface="Consolas" panose="020B0609020204030204" pitchFamily="49" charset="0"/>
+                <a:cs typeface="Consolas" panose="020B0609020204030204" pitchFamily="49" charset="0"/>
+              </a:rPr>
+              <a:t> </a:t>
+            </a:r>
+          </a:p>
+          <a:p>
+            <a:pPr marL="0" indent="0">
+              <a:lnSpc>
+                <a:spcPct val="120000"/>
+              </a:lnSpc>
+              <a:spcBef>
+                <a:spcPts val="0"/>
+              </a:spcBef>
+              <a:buNone/>
+            </a:pPr>
+            <a:r>
+              <a:rPr lang="en-US" sz="1400" dirty="0" smtClean="0">
+                <a:latin typeface="Consolas" panose="020B0609020204030204" pitchFamily="49" charset="0"/>
+                <a:cs typeface="Consolas" panose="020B0609020204030204" pitchFamily="49" charset="0"/>
+              </a:rPr>
+              <a:t>		&amp;&amp; </a:t>
+            </a:r>
+            <a:r>
+              <a:rPr lang="en-US" sz="1400" dirty="0" err="1" smtClean="0">
+                <a:latin typeface="Consolas" panose="020B0609020204030204" pitchFamily="49" charset="0"/>
+                <a:cs typeface="Consolas" panose="020B0609020204030204" pitchFamily="49" charset="0"/>
+              </a:rPr>
+              <a:t>game.input.gamepad.active</a:t>
+            </a:r>
+            <a:r>
+              <a:rPr lang="en-US" sz="1400" dirty="0" smtClean="0">
+                <a:latin typeface="Consolas" panose="020B0609020204030204" pitchFamily="49" charset="0"/>
+                <a:cs typeface="Consolas" panose="020B0609020204030204" pitchFamily="49" charset="0"/>
+              </a:rPr>
+              <a:t> </a:t>
+            </a:r>
+          </a:p>
+          <a:p>
+            <a:pPr marL="0" indent="0">
+              <a:lnSpc>
+                <a:spcPct val="120000"/>
+              </a:lnSpc>
+              <a:spcBef>
+                <a:spcPts val="0"/>
+              </a:spcBef>
+              <a:buNone/>
+            </a:pPr>
+            <a:r>
+              <a:rPr lang="en-US" sz="1400" dirty="0" smtClean="0">
+                <a:latin typeface="Consolas" panose="020B0609020204030204" pitchFamily="49" charset="0"/>
+                <a:cs typeface="Consolas" panose="020B0609020204030204" pitchFamily="49" charset="0"/>
+              </a:rPr>
+              <a:t>		&amp;&amp; pad1.connected</a:t>
+            </a:r>
+            <a:r>
+              <a:rPr lang="en-US" sz="1400" dirty="0">
+                <a:latin typeface="Consolas" panose="020B0609020204030204" pitchFamily="49" charset="0"/>
+                <a:cs typeface="Consolas" panose="020B0609020204030204" pitchFamily="49" charset="0"/>
+              </a:rPr>
+              <a:t>) </a:t>
+            </a:r>
+            <a:r>
+              <a:rPr lang="en-US" sz="1400" dirty="0" smtClean="0">
+                <a:latin typeface="Consolas" panose="020B0609020204030204" pitchFamily="49" charset="0"/>
+                <a:cs typeface="Consolas" panose="020B0609020204030204" pitchFamily="49" charset="0"/>
+              </a:rPr>
+              <a:t>{</a:t>
+            </a:r>
+          </a:p>
+          <a:p>
+            <a:pPr marL="0" indent="0">
+              <a:lnSpc>
+                <a:spcPct val="120000"/>
+              </a:lnSpc>
+              <a:spcBef>
+                <a:spcPts val="0"/>
+              </a:spcBef>
+              <a:buNone/>
+            </a:pPr>
+            <a:r>
+              <a:rPr lang="en-US" sz="1400" dirty="0">
+                <a:latin typeface="Consolas" panose="020B0609020204030204" pitchFamily="49" charset="0"/>
+                <a:cs typeface="Consolas" panose="020B0609020204030204" pitchFamily="49" charset="0"/>
+              </a:rPr>
+              <a:t>	</a:t>
+            </a:r>
+            <a:r>
+              <a:rPr lang="en-US" sz="1400" dirty="0" smtClean="0">
+                <a:latin typeface="Consolas" panose="020B0609020204030204" pitchFamily="49" charset="0"/>
+                <a:cs typeface="Consolas" panose="020B0609020204030204" pitchFamily="49" charset="0"/>
+              </a:rPr>
+              <a:t>	//play with gamepad!</a:t>
+            </a:r>
+          </a:p>
+          <a:p>
+            <a:pPr marL="0" indent="0">
+              <a:lnSpc>
+                <a:spcPct val="120000"/>
+              </a:lnSpc>
+              <a:spcBef>
+                <a:spcPts val="0"/>
+              </a:spcBef>
+              <a:buNone/>
+            </a:pPr>
+            <a:r>
+              <a:rPr lang="en-US" sz="1400" dirty="0" smtClean="0">
+                <a:latin typeface="Consolas" panose="020B0609020204030204" pitchFamily="49" charset="0"/>
+                <a:cs typeface="Consolas" panose="020B0609020204030204" pitchFamily="49" charset="0"/>
+              </a:rPr>
+              <a:t>		if </a:t>
+            </a:r>
+            <a:r>
+              <a:rPr lang="en-US" sz="1400" dirty="0">
+                <a:latin typeface="Consolas" panose="020B0609020204030204" pitchFamily="49" charset="0"/>
+                <a:cs typeface="Consolas" panose="020B0609020204030204" pitchFamily="49" charset="0"/>
+              </a:rPr>
+              <a:t>(pad1.isDown(Phaser.Gamepad.XBOX360_DPAD_LEFT)) { … }</a:t>
+            </a:r>
+          </a:p>
+          <a:p>
+            <a:pPr marL="0" indent="0">
+              <a:lnSpc>
+                <a:spcPct val="120000"/>
+              </a:lnSpc>
+              <a:spcBef>
+                <a:spcPts val="0"/>
+              </a:spcBef>
+              <a:buNone/>
+            </a:pPr>
+            <a:r>
+              <a:rPr lang="en-US" sz="1400" dirty="0" smtClean="0">
+                <a:latin typeface="Consolas" panose="020B0609020204030204" pitchFamily="49" charset="0"/>
+                <a:cs typeface="Consolas" panose="020B0609020204030204" pitchFamily="49" charset="0"/>
+              </a:rPr>
+              <a:t>		if </a:t>
+            </a:r>
+            <a:r>
+              <a:rPr lang="en-US" sz="1400" dirty="0">
+                <a:latin typeface="Consolas" panose="020B0609020204030204" pitchFamily="49" charset="0"/>
+                <a:cs typeface="Consolas" panose="020B0609020204030204" pitchFamily="49" charset="0"/>
+              </a:rPr>
+              <a:t>(pad1.axis(Phaser.Gamepad.XBOX360_STICK_LEFT_X)) { … }</a:t>
+            </a:r>
+          </a:p>
+          <a:p>
+            <a:pPr marL="0" indent="0">
+              <a:lnSpc>
+                <a:spcPct val="120000"/>
+              </a:lnSpc>
+              <a:spcBef>
+                <a:spcPts val="0"/>
+              </a:spcBef>
+              <a:buNone/>
+            </a:pPr>
+            <a:r>
+              <a:rPr lang="en-US" sz="1400" dirty="0" smtClean="0">
+                <a:latin typeface="Consolas" panose="020B0609020204030204" pitchFamily="49" charset="0"/>
+                <a:cs typeface="Consolas" panose="020B0609020204030204" pitchFamily="49" charset="0"/>
+              </a:rPr>
+              <a:t>		if </a:t>
+            </a:r>
+            <a:r>
+              <a:rPr lang="en-US" sz="1400" dirty="0">
+                <a:latin typeface="Consolas" panose="020B0609020204030204" pitchFamily="49" charset="0"/>
+                <a:cs typeface="Consolas" panose="020B0609020204030204" pitchFamily="49" charset="0"/>
+              </a:rPr>
+              <a:t>(pad1.justPressed(Phaser.Gamepad.XBOX360_A)) { … </a:t>
+            </a:r>
+            <a:r>
+              <a:rPr lang="en-US" sz="1400" dirty="0" smtClean="0">
+                <a:latin typeface="Consolas" panose="020B0609020204030204" pitchFamily="49" charset="0"/>
+                <a:cs typeface="Consolas" panose="020B0609020204030204" pitchFamily="49" charset="0"/>
+              </a:rPr>
+              <a:t>}</a:t>
+            </a:r>
+          </a:p>
+          <a:p>
+            <a:pPr marL="0" indent="0">
+              <a:lnSpc>
+                <a:spcPct val="120000"/>
+              </a:lnSpc>
+              <a:spcBef>
+                <a:spcPts val="0"/>
+              </a:spcBef>
+              <a:buNone/>
+            </a:pPr>
+            <a:r>
+              <a:rPr lang="en-US" sz="1400" dirty="0" smtClean="0">
+                <a:latin typeface="Consolas" panose="020B0609020204030204" pitchFamily="49" charset="0"/>
+                <a:cs typeface="Consolas" panose="020B0609020204030204" pitchFamily="49" charset="0"/>
+              </a:rPr>
+              <a:t>	}</a:t>
+            </a:r>
+          </a:p>
+          <a:p>
+            <a:pPr marL="0" indent="0">
+              <a:lnSpc>
+                <a:spcPct val="120000"/>
+              </a:lnSpc>
+              <a:spcBef>
+                <a:spcPts val="0"/>
+              </a:spcBef>
+              <a:buNone/>
+            </a:pPr>
+            <a:r>
+              <a:rPr lang="en-US" sz="1400" dirty="0">
+                <a:latin typeface="Consolas" panose="020B0609020204030204" pitchFamily="49" charset="0"/>
+                <a:cs typeface="Consolas" panose="020B0609020204030204" pitchFamily="49" charset="0"/>
+              </a:rPr>
+              <a:t>	</a:t>
+            </a:r>
+            <a:r>
+              <a:rPr lang="en-US" sz="1400" dirty="0" smtClean="0">
+                <a:latin typeface="Consolas" panose="020B0609020204030204" pitchFamily="49" charset="0"/>
+                <a:cs typeface="Consolas" panose="020B0609020204030204" pitchFamily="49" charset="0"/>
+              </a:rPr>
+              <a:t>else {</a:t>
+            </a:r>
+          </a:p>
+          <a:p>
+            <a:pPr marL="0" indent="0">
+              <a:lnSpc>
+                <a:spcPct val="120000"/>
+              </a:lnSpc>
+              <a:spcBef>
+                <a:spcPts val="0"/>
+              </a:spcBef>
+              <a:buNone/>
+            </a:pPr>
+            <a:r>
+              <a:rPr lang="en-US" sz="1400" dirty="0">
+                <a:latin typeface="Consolas" panose="020B0609020204030204" pitchFamily="49" charset="0"/>
+                <a:cs typeface="Consolas" panose="020B0609020204030204" pitchFamily="49" charset="0"/>
+              </a:rPr>
+              <a:t>		</a:t>
+            </a:r>
+            <a:r>
+              <a:rPr lang="en-US" sz="1400" dirty="0" smtClean="0">
+                <a:latin typeface="Consolas" panose="020B0609020204030204" pitchFamily="49" charset="0"/>
+                <a:cs typeface="Consolas" panose="020B0609020204030204" pitchFamily="49" charset="0"/>
+              </a:rPr>
+              <a:t>//play with boring keyboard!</a:t>
+            </a:r>
+          </a:p>
+          <a:p>
+            <a:pPr marL="0" indent="0">
+              <a:lnSpc>
+                <a:spcPct val="120000"/>
+              </a:lnSpc>
+              <a:spcBef>
+                <a:spcPts val="0"/>
+              </a:spcBef>
+              <a:buNone/>
+            </a:pPr>
+            <a:r>
+              <a:rPr lang="en-US" sz="1400" dirty="0">
+                <a:latin typeface="Consolas" panose="020B0609020204030204" pitchFamily="49" charset="0"/>
+                <a:cs typeface="Consolas" panose="020B0609020204030204" pitchFamily="49" charset="0"/>
+              </a:rPr>
+              <a:t>	</a:t>
+            </a:r>
+            <a:r>
+              <a:rPr lang="en-US" sz="1400" dirty="0" smtClean="0">
+                <a:latin typeface="Consolas" panose="020B0609020204030204" pitchFamily="49" charset="0"/>
+                <a:cs typeface="Consolas" panose="020B0609020204030204" pitchFamily="49" charset="0"/>
+              </a:rPr>
+              <a:t>}</a:t>
+            </a:r>
+          </a:p>
+          <a:p>
+            <a:pPr marL="0" indent="0">
+              <a:lnSpc>
+                <a:spcPct val="120000"/>
+              </a:lnSpc>
+              <a:spcBef>
+                <a:spcPts val="0"/>
+              </a:spcBef>
+              <a:buNone/>
+            </a:pPr>
+            <a:r>
+              <a:rPr lang="en-US" sz="1400" dirty="0" smtClean="0">
+                <a:latin typeface="Consolas" panose="020B0609020204030204" pitchFamily="49" charset="0"/>
+                <a:cs typeface="Consolas" panose="020B0609020204030204" pitchFamily="49" charset="0"/>
+              </a:rPr>
+              <a:t>}</a:t>
+            </a:r>
           </a:p>
         </p:txBody>
       </p:sp>
@@ -10826,7 +11103,7 @@
     </p:spTree>
     <p:extLst>
       <p:ext uri="{BB962C8B-B14F-4D97-AF65-F5344CB8AC3E}">
-        <p14:creationId xmlns:p14="http://schemas.microsoft.com/office/powerpoint/2010/main" val="1177716729"/>
+        <p14:creationId xmlns:p14="http://schemas.microsoft.com/office/powerpoint/2010/main" val="1566433481"/>
       </p:ext>
     </p:extLst>
   </p:cSld>
@@ -10879,495 +11156,10 @@
           <a:p>
             <a:pPr algn="ctr"/>
             <a:r>
-              <a:rPr lang="en-US" sz="4000" dirty="0" smtClean="0"/>
-              <a:t>Input: Gamepad</a:t>
+              <a:rPr lang="en-GB" sz="4000" dirty="0"/>
+              <a:t>Dissecting the mummy</a:t>
             </a:r>
             <a:endParaRPr lang="en-US" sz="4000" dirty="0"/>
-          </a:p>
-        </p:txBody>
-      </p:sp>
-      <p:sp>
-        <p:nvSpPr>
-          <p:cNvPr id="3" name="Segnaposto contenuto 2"/>
-          <p:cNvSpPr>
-            <a:spLocks noGrp="1"/>
-          </p:cNvSpPr>
-          <p:nvPr>
-            <p:ph idx="1"/>
-          </p:nvPr>
-        </p:nvSpPr>
-        <p:spPr/>
-        <p:txBody>
-          <a:bodyPr>
-            <a:noAutofit/>
-          </a:bodyPr>
-          <a:lstStyle/>
-          <a:p>
-            <a:pPr marL="0" indent="0">
-              <a:lnSpc>
-                <a:spcPct val="120000"/>
-              </a:lnSpc>
-              <a:spcBef>
-                <a:spcPts val="0"/>
-              </a:spcBef>
-              <a:buNone/>
-            </a:pPr>
-            <a:r>
-              <a:rPr lang="en-US" sz="1400" dirty="0">
-                <a:latin typeface="Consolas" panose="020B0609020204030204" pitchFamily="49" charset="0"/>
-                <a:cs typeface="Consolas" panose="020B0609020204030204" pitchFamily="49" charset="0"/>
-              </a:rPr>
-              <a:t>f</a:t>
-            </a:r>
-            <a:r>
-              <a:rPr lang="en-US" sz="1400" dirty="0" smtClean="0">
-                <a:latin typeface="Consolas" panose="020B0609020204030204" pitchFamily="49" charset="0"/>
-                <a:cs typeface="Consolas" panose="020B0609020204030204" pitchFamily="49" charset="0"/>
-              </a:rPr>
-              <a:t>unction create</a:t>
-            </a:r>
-            <a:r>
-              <a:rPr lang="en-US" sz="1400" dirty="0">
-                <a:latin typeface="Consolas" panose="020B0609020204030204" pitchFamily="49" charset="0"/>
-                <a:cs typeface="Consolas" panose="020B0609020204030204" pitchFamily="49" charset="0"/>
-              </a:rPr>
-              <a:t>() </a:t>
-            </a:r>
-            <a:r>
-              <a:rPr lang="en-US" sz="1400" dirty="0" smtClean="0">
-                <a:latin typeface="Consolas" panose="020B0609020204030204" pitchFamily="49" charset="0"/>
-                <a:cs typeface="Consolas" panose="020B0609020204030204" pitchFamily="49" charset="0"/>
-              </a:rPr>
-              <a:t>{</a:t>
-            </a:r>
-          </a:p>
-          <a:p>
-            <a:pPr marL="0" indent="0">
-              <a:lnSpc>
-                <a:spcPct val="120000"/>
-              </a:lnSpc>
-              <a:spcBef>
-                <a:spcPts val="0"/>
-              </a:spcBef>
-              <a:buNone/>
-            </a:pPr>
-            <a:r>
-              <a:rPr lang="en-US" sz="1400" dirty="0" smtClean="0">
-                <a:latin typeface="Consolas" panose="020B0609020204030204" pitchFamily="49" charset="0"/>
-                <a:cs typeface="Consolas" panose="020B0609020204030204" pitchFamily="49" charset="0"/>
-              </a:rPr>
-              <a:t>	</a:t>
-            </a:r>
-            <a:r>
-              <a:rPr lang="en-US" sz="1400" dirty="0" err="1" smtClean="0">
-                <a:latin typeface="Consolas" panose="020B0609020204030204" pitchFamily="49" charset="0"/>
-                <a:cs typeface="Consolas" panose="020B0609020204030204" pitchFamily="49" charset="0"/>
-              </a:rPr>
-              <a:t>game.input.gamepad.start</a:t>
-            </a:r>
-            <a:r>
-              <a:rPr lang="en-US" sz="1400" dirty="0">
-                <a:latin typeface="Consolas" panose="020B0609020204030204" pitchFamily="49" charset="0"/>
-                <a:cs typeface="Consolas" panose="020B0609020204030204" pitchFamily="49" charset="0"/>
-              </a:rPr>
-              <a:t>();</a:t>
-            </a:r>
-          </a:p>
-          <a:p>
-            <a:pPr marL="0" indent="0">
-              <a:lnSpc>
-                <a:spcPct val="120000"/>
-              </a:lnSpc>
-              <a:spcBef>
-                <a:spcPts val="0"/>
-              </a:spcBef>
-              <a:buNone/>
-            </a:pPr>
-            <a:r>
-              <a:rPr lang="en-US" sz="1400" dirty="0" smtClean="0">
-                <a:latin typeface="Consolas" panose="020B0609020204030204" pitchFamily="49" charset="0"/>
-                <a:cs typeface="Consolas" panose="020B0609020204030204" pitchFamily="49" charset="0"/>
-              </a:rPr>
-              <a:t>	pad1 </a:t>
-            </a:r>
-            <a:r>
-              <a:rPr lang="en-US" sz="1400" dirty="0">
-                <a:latin typeface="Consolas" panose="020B0609020204030204" pitchFamily="49" charset="0"/>
-                <a:cs typeface="Consolas" panose="020B0609020204030204" pitchFamily="49" charset="0"/>
-              </a:rPr>
-              <a:t>= game.input.gamepad.pad1</a:t>
-            </a:r>
-            <a:r>
-              <a:rPr lang="en-US" sz="1400" dirty="0" smtClean="0">
-                <a:latin typeface="Consolas" panose="020B0609020204030204" pitchFamily="49" charset="0"/>
-                <a:cs typeface="Consolas" panose="020B0609020204030204" pitchFamily="49" charset="0"/>
-              </a:rPr>
-              <a:t>;</a:t>
-            </a:r>
-          </a:p>
-          <a:p>
-            <a:pPr marL="0" indent="0">
-              <a:lnSpc>
-                <a:spcPct val="120000"/>
-              </a:lnSpc>
-              <a:spcBef>
-                <a:spcPts val="0"/>
-              </a:spcBef>
-              <a:buNone/>
-            </a:pPr>
-            <a:r>
-              <a:rPr lang="en-US" sz="1400" dirty="0" smtClean="0">
-                <a:latin typeface="Consolas" panose="020B0609020204030204" pitchFamily="49" charset="0"/>
-                <a:cs typeface="Consolas" panose="020B0609020204030204" pitchFamily="49" charset="0"/>
-              </a:rPr>
-              <a:t>}</a:t>
-            </a:r>
-          </a:p>
-          <a:p>
-            <a:pPr marL="0" indent="0">
-              <a:lnSpc>
-                <a:spcPct val="120000"/>
-              </a:lnSpc>
-              <a:spcBef>
-                <a:spcPts val="0"/>
-              </a:spcBef>
-              <a:buNone/>
-            </a:pPr>
-            <a:r>
-              <a:rPr lang="en-US" sz="1400" dirty="0">
-                <a:latin typeface="Consolas" panose="020B0609020204030204" pitchFamily="49" charset="0"/>
-                <a:cs typeface="Consolas" panose="020B0609020204030204" pitchFamily="49" charset="0"/>
-              </a:rPr>
-              <a:t>f</a:t>
-            </a:r>
-            <a:r>
-              <a:rPr lang="en-US" sz="1400" dirty="0" smtClean="0">
-                <a:latin typeface="Consolas" panose="020B0609020204030204" pitchFamily="49" charset="0"/>
-                <a:cs typeface="Consolas" panose="020B0609020204030204" pitchFamily="49" charset="0"/>
-              </a:rPr>
-              <a:t>unction update() {</a:t>
-            </a:r>
-          </a:p>
-          <a:p>
-            <a:pPr marL="0" indent="0">
-              <a:lnSpc>
-                <a:spcPct val="120000"/>
-              </a:lnSpc>
-              <a:spcBef>
-                <a:spcPts val="0"/>
-              </a:spcBef>
-              <a:buNone/>
-            </a:pPr>
-            <a:r>
-              <a:rPr lang="en-US" sz="1400" dirty="0" smtClean="0">
-                <a:latin typeface="Consolas" panose="020B0609020204030204" pitchFamily="49" charset="0"/>
-                <a:cs typeface="Consolas" panose="020B0609020204030204" pitchFamily="49" charset="0"/>
-              </a:rPr>
-              <a:t>	if </a:t>
-            </a:r>
-            <a:r>
-              <a:rPr lang="en-US" sz="1400" dirty="0">
-                <a:latin typeface="Consolas" panose="020B0609020204030204" pitchFamily="49" charset="0"/>
-                <a:cs typeface="Consolas" panose="020B0609020204030204" pitchFamily="49" charset="0"/>
-              </a:rPr>
-              <a:t>(</a:t>
-            </a:r>
-            <a:r>
-              <a:rPr lang="en-US" sz="1400" dirty="0" err="1" smtClean="0">
-                <a:latin typeface="Consolas" panose="020B0609020204030204" pitchFamily="49" charset="0"/>
-                <a:cs typeface="Consolas" panose="020B0609020204030204" pitchFamily="49" charset="0"/>
-              </a:rPr>
-              <a:t>game.input.gamepad.supported</a:t>
-            </a:r>
-            <a:r>
-              <a:rPr lang="en-US" sz="1400" dirty="0" smtClean="0">
-                <a:latin typeface="Consolas" panose="020B0609020204030204" pitchFamily="49" charset="0"/>
-                <a:cs typeface="Consolas" panose="020B0609020204030204" pitchFamily="49" charset="0"/>
-              </a:rPr>
-              <a:t> </a:t>
-            </a:r>
-          </a:p>
-          <a:p>
-            <a:pPr marL="0" indent="0">
-              <a:lnSpc>
-                <a:spcPct val="120000"/>
-              </a:lnSpc>
-              <a:spcBef>
-                <a:spcPts val="0"/>
-              </a:spcBef>
-              <a:buNone/>
-            </a:pPr>
-            <a:r>
-              <a:rPr lang="en-US" sz="1400" dirty="0" smtClean="0">
-                <a:latin typeface="Consolas" panose="020B0609020204030204" pitchFamily="49" charset="0"/>
-                <a:cs typeface="Consolas" panose="020B0609020204030204" pitchFamily="49" charset="0"/>
-              </a:rPr>
-              <a:t>		&amp;&amp; </a:t>
-            </a:r>
-            <a:r>
-              <a:rPr lang="en-US" sz="1400" dirty="0" err="1" smtClean="0">
-                <a:latin typeface="Consolas" panose="020B0609020204030204" pitchFamily="49" charset="0"/>
-                <a:cs typeface="Consolas" panose="020B0609020204030204" pitchFamily="49" charset="0"/>
-              </a:rPr>
-              <a:t>game.input.gamepad.active</a:t>
-            </a:r>
-            <a:r>
-              <a:rPr lang="en-US" sz="1400" dirty="0" smtClean="0">
-                <a:latin typeface="Consolas" panose="020B0609020204030204" pitchFamily="49" charset="0"/>
-                <a:cs typeface="Consolas" panose="020B0609020204030204" pitchFamily="49" charset="0"/>
-              </a:rPr>
-              <a:t> </a:t>
-            </a:r>
-          </a:p>
-          <a:p>
-            <a:pPr marL="0" indent="0">
-              <a:lnSpc>
-                <a:spcPct val="120000"/>
-              </a:lnSpc>
-              <a:spcBef>
-                <a:spcPts val="0"/>
-              </a:spcBef>
-              <a:buNone/>
-            </a:pPr>
-            <a:r>
-              <a:rPr lang="en-US" sz="1400" dirty="0" smtClean="0">
-                <a:latin typeface="Consolas" panose="020B0609020204030204" pitchFamily="49" charset="0"/>
-                <a:cs typeface="Consolas" panose="020B0609020204030204" pitchFamily="49" charset="0"/>
-              </a:rPr>
-              <a:t>		&amp;&amp; pad1.connected</a:t>
-            </a:r>
-            <a:r>
-              <a:rPr lang="en-US" sz="1400" dirty="0">
-                <a:latin typeface="Consolas" panose="020B0609020204030204" pitchFamily="49" charset="0"/>
-                <a:cs typeface="Consolas" panose="020B0609020204030204" pitchFamily="49" charset="0"/>
-              </a:rPr>
-              <a:t>) </a:t>
-            </a:r>
-            <a:r>
-              <a:rPr lang="en-US" sz="1400" dirty="0" smtClean="0">
-                <a:latin typeface="Consolas" panose="020B0609020204030204" pitchFamily="49" charset="0"/>
-                <a:cs typeface="Consolas" panose="020B0609020204030204" pitchFamily="49" charset="0"/>
-              </a:rPr>
-              <a:t>{</a:t>
-            </a:r>
-          </a:p>
-          <a:p>
-            <a:pPr marL="0" indent="0">
-              <a:lnSpc>
-                <a:spcPct val="120000"/>
-              </a:lnSpc>
-              <a:spcBef>
-                <a:spcPts val="0"/>
-              </a:spcBef>
-              <a:buNone/>
-            </a:pPr>
-            <a:r>
-              <a:rPr lang="en-US" sz="1400" dirty="0">
-                <a:latin typeface="Consolas" panose="020B0609020204030204" pitchFamily="49" charset="0"/>
-                <a:cs typeface="Consolas" panose="020B0609020204030204" pitchFamily="49" charset="0"/>
-              </a:rPr>
-              <a:t>	</a:t>
-            </a:r>
-            <a:r>
-              <a:rPr lang="en-US" sz="1400" dirty="0" smtClean="0">
-                <a:latin typeface="Consolas" panose="020B0609020204030204" pitchFamily="49" charset="0"/>
-                <a:cs typeface="Consolas" panose="020B0609020204030204" pitchFamily="49" charset="0"/>
-              </a:rPr>
-              <a:t>	//play with gamepad!</a:t>
-            </a:r>
-          </a:p>
-          <a:p>
-            <a:pPr marL="0" indent="0">
-              <a:lnSpc>
-                <a:spcPct val="120000"/>
-              </a:lnSpc>
-              <a:spcBef>
-                <a:spcPts val="0"/>
-              </a:spcBef>
-              <a:buNone/>
-            </a:pPr>
-            <a:r>
-              <a:rPr lang="en-US" sz="1400" dirty="0" smtClean="0">
-                <a:latin typeface="Consolas" panose="020B0609020204030204" pitchFamily="49" charset="0"/>
-                <a:cs typeface="Consolas" panose="020B0609020204030204" pitchFamily="49" charset="0"/>
-              </a:rPr>
-              <a:t>		if </a:t>
-            </a:r>
-            <a:r>
-              <a:rPr lang="en-US" sz="1400" dirty="0">
-                <a:latin typeface="Consolas" panose="020B0609020204030204" pitchFamily="49" charset="0"/>
-                <a:cs typeface="Consolas" panose="020B0609020204030204" pitchFamily="49" charset="0"/>
-              </a:rPr>
-              <a:t>(pad1.isDown(Phaser.Gamepad.XBOX360_DPAD_LEFT)) { … }</a:t>
-            </a:r>
-          </a:p>
-          <a:p>
-            <a:pPr marL="0" indent="0">
-              <a:lnSpc>
-                <a:spcPct val="120000"/>
-              </a:lnSpc>
-              <a:spcBef>
-                <a:spcPts val="0"/>
-              </a:spcBef>
-              <a:buNone/>
-            </a:pPr>
-            <a:r>
-              <a:rPr lang="en-US" sz="1400" dirty="0" smtClean="0">
-                <a:latin typeface="Consolas" panose="020B0609020204030204" pitchFamily="49" charset="0"/>
-                <a:cs typeface="Consolas" panose="020B0609020204030204" pitchFamily="49" charset="0"/>
-              </a:rPr>
-              <a:t>		if </a:t>
-            </a:r>
-            <a:r>
-              <a:rPr lang="en-US" sz="1400" dirty="0">
-                <a:latin typeface="Consolas" panose="020B0609020204030204" pitchFamily="49" charset="0"/>
-                <a:cs typeface="Consolas" panose="020B0609020204030204" pitchFamily="49" charset="0"/>
-              </a:rPr>
-              <a:t>(pad1.axis(Phaser.Gamepad.XBOX360_STICK_LEFT_X)) { … }</a:t>
-            </a:r>
-          </a:p>
-          <a:p>
-            <a:pPr marL="0" indent="0">
-              <a:lnSpc>
-                <a:spcPct val="120000"/>
-              </a:lnSpc>
-              <a:spcBef>
-                <a:spcPts val="0"/>
-              </a:spcBef>
-              <a:buNone/>
-            </a:pPr>
-            <a:r>
-              <a:rPr lang="en-US" sz="1400" dirty="0" smtClean="0">
-                <a:latin typeface="Consolas" panose="020B0609020204030204" pitchFamily="49" charset="0"/>
-                <a:cs typeface="Consolas" panose="020B0609020204030204" pitchFamily="49" charset="0"/>
-              </a:rPr>
-              <a:t>		if </a:t>
-            </a:r>
-            <a:r>
-              <a:rPr lang="en-US" sz="1400" dirty="0">
-                <a:latin typeface="Consolas" panose="020B0609020204030204" pitchFamily="49" charset="0"/>
-                <a:cs typeface="Consolas" panose="020B0609020204030204" pitchFamily="49" charset="0"/>
-              </a:rPr>
-              <a:t>(pad1.justPressed(Phaser.Gamepad.XBOX360_A)) { … </a:t>
-            </a:r>
-            <a:r>
-              <a:rPr lang="en-US" sz="1400" dirty="0" smtClean="0">
-                <a:latin typeface="Consolas" panose="020B0609020204030204" pitchFamily="49" charset="0"/>
-                <a:cs typeface="Consolas" panose="020B0609020204030204" pitchFamily="49" charset="0"/>
-              </a:rPr>
-              <a:t>}</a:t>
-            </a:r>
-          </a:p>
-          <a:p>
-            <a:pPr marL="0" indent="0">
-              <a:lnSpc>
-                <a:spcPct val="120000"/>
-              </a:lnSpc>
-              <a:spcBef>
-                <a:spcPts val="0"/>
-              </a:spcBef>
-              <a:buNone/>
-            </a:pPr>
-            <a:r>
-              <a:rPr lang="en-US" sz="1400" dirty="0" smtClean="0">
-                <a:latin typeface="Consolas" panose="020B0609020204030204" pitchFamily="49" charset="0"/>
-                <a:cs typeface="Consolas" panose="020B0609020204030204" pitchFamily="49" charset="0"/>
-              </a:rPr>
-              <a:t>	}</a:t>
-            </a:r>
-          </a:p>
-          <a:p>
-            <a:pPr marL="0" indent="0">
-              <a:lnSpc>
-                <a:spcPct val="120000"/>
-              </a:lnSpc>
-              <a:spcBef>
-                <a:spcPts val="0"/>
-              </a:spcBef>
-              <a:buNone/>
-            </a:pPr>
-            <a:r>
-              <a:rPr lang="en-US" sz="1400" dirty="0">
-                <a:latin typeface="Consolas" panose="020B0609020204030204" pitchFamily="49" charset="0"/>
-                <a:cs typeface="Consolas" panose="020B0609020204030204" pitchFamily="49" charset="0"/>
-              </a:rPr>
-              <a:t>	</a:t>
-            </a:r>
-            <a:r>
-              <a:rPr lang="en-US" sz="1400" dirty="0" smtClean="0">
-                <a:latin typeface="Consolas" panose="020B0609020204030204" pitchFamily="49" charset="0"/>
-                <a:cs typeface="Consolas" panose="020B0609020204030204" pitchFamily="49" charset="0"/>
-              </a:rPr>
-              <a:t>else {</a:t>
-            </a:r>
-          </a:p>
-          <a:p>
-            <a:pPr marL="0" indent="0">
-              <a:lnSpc>
-                <a:spcPct val="120000"/>
-              </a:lnSpc>
-              <a:spcBef>
-                <a:spcPts val="0"/>
-              </a:spcBef>
-              <a:buNone/>
-            </a:pPr>
-            <a:r>
-              <a:rPr lang="en-US" sz="1400" dirty="0">
-                <a:latin typeface="Consolas" panose="020B0609020204030204" pitchFamily="49" charset="0"/>
-                <a:cs typeface="Consolas" panose="020B0609020204030204" pitchFamily="49" charset="0"/>
-              </a:rPr>
-              <a:t>		</a:t>
-            </a:r>
-            <a:r>
-              <a:rPr lang="en-US" sz="1400" dirty="0" smtClean="0">
-                <a:latin typeface="Consolas" panose="020B0609020204030204" pitchFamily="49" charset="0"/>
-                <a:cs typeface="Consolas" panose="020B0609020204030204" pitchFamily="49" charset="0"/>
-              </a:rPr>
-              <a:t>//play with boring keyboard!</a:t>
-            </a:r>
-          </a:p>
-          <a:p>
-            <a:pPr marL="0" indent="0">
-              <a:lnSpc>
-                <a:spcPct val="120000"/>
-              </a:lnSpc>
-              <a:spcBef>
-                <a:spcPts val="0"/>
-              </a:spcBef>
-              <a:buNone/>
-            </a:pPr>
-            <a:r>
-              <a:rPr lang="en-US" sz="1400" dirty="0">
-                <a:latin typeface="Consolas" panose="020B0609020204030204" pitchFamily="49" charset="0"/>
-                <a:cs typeface="Consolas" panose="020B0609020204030204" pitchFamily="49" charset="0"/>
-              </a:rPr>
-              <a:t>	</a:t>
-            </a:r>
-            <a:r>
-              <a:rPr lang="en-US" sz="1400" dirty="0" smtClean="0">
-                <a:latin typeface="Consolas" panose="020B0609020204030204" pitchFamily="49" charset="0"/>
-                <a:cs typeface="Consolas" panose="020B0609020204030204" pitchFamily="49" charset="0"/>
-              </a:rPr>
-              <a:t>}</a:t>
-            </a:r>
-          </a:p>
-          <a:p>
-            <a:pPr marL="0" indent="0">
-              <a:lnSpc>
-                <a:spcPct val="120000"/>
-              </a:lnSpc>
-              <a:spcBef>
-                <a:spcPts val="0"/>
-              </a:spcBef>
-              <a:buNone/>
-            </a:pPr>
-            <a:r>
-              <a:rPr lang="en-US" sz="1400" dirty="0" smtClean="0">
-                <a:latin typeface="Consolas" panose="020B0609020204030204" pitchFamily="49" charset="0"/>
-                <a:cs typeface="Consolas" panose="020B0609020204030204" pitchFamily="49" charset="0"/>
-              </a:rPr>
-              <a:t>}</a:t>
-            </a:r>
           </a:p>
         </p:txBody>
       </p:sp>
@@ -11425,128 +11217,6 @@
             <a:fld id="{219C0E88-5C08-45F5-BD91-E93F425D2D58}" type="slidenum">
               <a:rPr lang="it-IT" smtClean="0"/>
               <a:t>25</a:t>
-            </a:fld>
-            <a:endParaRPr lang="it-IT" dirty="0"/>
-          </a:p>
-        </p:txBody>
-      </p:sp>
-    </p:spTree>
-    <p:extLst>
-      <p:ext uri="{BB962C8B-B14F-4D97-AF65-F5344CB8AC3E}">
-        <p14:creationId xmlns:p14="http://schemas.microsoft.com/office/powerpoint/2010/main" val="1566433481"/>
-      </p:ext>
-    </p:extLst>
-  </p:cSld>
-  <p:clrMapOvr>
-    <a:masterClrMapping/>
-  </p:clrMapOvr>
-  <p:timing>
-    <p:tnLst>
-      <p:par>
-        <p:cTn id="1" dur="indefinite" restart="never" nodeType="tmRoot"/>
-      </p:par>
-    </p:tnLst>
-  </p:timing>
-</p:sld>
-</file>
-
-<file path=ppt/slides/slide26.xml><?xml version="1.0" encoding="utf-8"?>
-<p:sld xmlns:a="http://schemas.openxmlformats.org/drawingml/2006/main" xmlns:r="http://schemas.openxmlformats.org/officeDocument/2006/relationships" xmlns:p="http://schemas.openxmlformats.org/presentationml/2006/main">
-  <p:cSld>
-    <p:spTree>
-      <p:nvGrpSpPr>
-        <p:cNvPr id="1" name=""/>
-        <p:cNvGrpSpPr/>
-        <p:nvPr/>
-      </p:nvGrpSpPr>
-      <p:grpSpPr>
-        <a:xfrm>
-          <a:off x="0" y="0"/>
-          <a:ext cx="0" cy="0"/>
-          <a:chOff x="0" y="0"/>
-          <a:chExt cx="0" cy="0"/>
-        </a:xfrm>
-      </p:grpSpPr>
-      <p:sp>
-        <p:nvSpPr>
-          <p:cNvPr id="2" name="Titolo 1"/>
-          <p:cNvSpPr>
-            <a:spLocks noGrp="1"/>
-          </p:cNvSpPr>
-          <p:nvPr>
-            <p:ph type="title"/>
-          </p:nvPr>
-        </p:nvSpPr>
-        <p:spPr/>
-        <p:txBody>
-          <a:bodyPr>
-            <a:normAutofit/>
-          </a:bodyPr>
-          <a:lstStyle/>
-          <a:p>
-            <a:pPr algn="ctr"/>
-            <a:r>
-              <a:rPr lang="en-GB" sz="4000" dirty="0"/>
-              <a:t>Dissecting the mummy</a:t>
-            </a:r>
-            <a:endParaRPr lang="en-US" sz="4000" dirty="0"/>
-          </a:p>
-        </p:txBody>
-      </p:sp>
-      <p:sp>
-        <p:nvSpPr>
-          <p:cNvPr id="4" name="Segnaposto data 3"/>
-          <p:cNvSpPr>
-            <a:spLocks noGrp="1"/>
-          </p:cNvSpPr>
-          <p:nvPr>
-            <p:ph type="dt" sz="half" idx="10"/>
-          </p:nvPr>
-        </p:nvSpPr>
-        <p:spPr>
-          <a:xfrm>
-            <a:off x="539552" y="115094"/>
-            <a:ext cx="3233886" cy="365125"/>
-          </a:xfrm>
-        </p:spPr>
-        <p:txBody>
-          <a:bodyPr/>
-          <a:lstStyle/>
-          <a:p>
-            <a:r>
-              <a:rPr lang="en-US" b="1" i="1" smtClean="0">
-                <a:solidFill>
-                  <a:schemeClr val="bg1"/>
-                </a:solidFill>
-              </a:rPr>
-              <a:t>ROME  11-12 april 2014 – Valerio Riva</a:t>
-            </a:r>
-            <a:endParaRPr lang="it-IT" b="1" i="1" dirty="0">
-              <a:solidFill>
-                <a:schemeClr val="bg1"/>
-              </a:solidFill>
-            </a:endParaRPr>
-          </a:p>
-        </p:txBody>
-      </p:sp>
-      <p:sp>
-        <p:nvSpPr>
-          <p:cNvPr id="5" name="Segnaposto numero diapositiva 4"/>
-          <p:cNvSpPr>
-            <a:spLocks noGrp="1"/>
-          </p:cNvSpPr>
-          <p:nvPr>
-            <p:ph type="sldNum" sz="quarter" idx="12"/>
-          </p:nvPr>
-        </p:nvSpPr>
-        <p:spPr/>
-        <p:txBody>
-          <a:bodyPr/>
-          <a:lstStyle/>
-          <a:p>
-            <a:fld id="{219C0E88-5C08-45F5-BD91-E93F425D2D58}" type="slidenum">
-              <a:rPr lang="it-IT" smtClean="0"/>
-              <a:t>26</a:t>
             </a:fld>
             <a:endParaRPr lang="it-IT" dirty="0"/>
           </a:p>
@@ -11601,7 +11271,7 @@
 </p:sld>
 </file>
 
-<file path=ppt/slides/slide27.xml><?xml version="1.0" encoding="utf-8"?>
+<file path=ppt/slides/slide26.xml><?xml version="1.0" encoding="utf-8"?>
 <p:sld xmlns:a="http://schemas.openxmlformats.org/drawingml/2006/main" xmlns:r="http://schemas.openxmlformats.org/officeDocument/2006/relationships" xmlns:p="http://schemas.openxmlformats.org/presentationml/2006/main">
   <p:cSld>
     <p:spTree>
@@ -11818,7 +11488,7 @@
           <a:p>
             <a:fld id="{219C0E88-5C08-45F5-BD91-E93F425D2D58}" type="slidenum">
               <a:rPr lang="it-IT" smtClean="0"/>
-              <a:t>27</a:t>
+              <a:t>26</a:t>
             </a:fld>
             <a:endParaRPr lang="it-IT" dirty="0"/>
           </a:p>
@@ -11828,6 +11498,369 @@
     <p:extLst>
       <p:ext uri="{BB962C8B-B14F-4D97-AF65-F5344CB8AC3E}">
         <p14:creationId xmlns:p14="http://schemas.microsoft.com/office/powerpoint/2010/main" val="1906874276"/>
+      </p:ext>
+    </p:extLst>
+  </p:cSld>
+  <p:clrMapOvr>
+    <a:masterClrMapping/>
+  </p:clrMapOvr>
+  <p:timing>
+    <p:tnLst>
+      <p:par>
+        <p:cTn id="1" dur="indefinite" restart="never" nodeType="tmRoot"/>
+      </p:par>
+    </p:tnLst>
+  </p:timing>
+</p:sld>
+</file>
+
+<file path=ppt/slides/slide27.xml><?xml version="1.0" encoding="utf-8"?>
+<p:sld xmlns:a="http://schemas.openxmlformats.org/drawingml/2006/main" xmlns:r="http://schemas.openxmlformats.org/officeDocument/2006/relationships" xmlns:p="http://schemas.openxmlformats.org/presentationml/2006/main" showMasterSp="0">
+  <p:cSld>
+    <p:spTree>
+      <p:nvGrpSpPr>
+        <p:cNvPr id="1" name=""/>
+        <p:cNvGrpSpPr/>
+        <p:nvPr/>
+      </p:nvGrpSpPr>
+      <p:grpSpPr>
+        <a:xfrm>
+          <a:off x="0" y="0"/>
+          <a:ext cx="0" cy="0"/>
+          <a:chOff x="0" y="0"/>
+          <a:chExt cx="0" cy="0"/>
+        </a:xfrm>
+      </p:grpSpPr>
+      <p:sp>
+        <p:nvSpPr>
+          <p:cNvPr id="2" name="Titolo 1"/>
+          <p:cNvSpPr>
+            <a:spLocks noGrp="1"/>
+          </p:cNvSpPr>
+          <p:nvPr>
+            <p:ph type="title"/>
+          </p:nvPr>
+        </p:nvSpPr>
+        <p:spPr/>
+        <p:txBody>
+          <a:bodyPr/>
+          <a:lstStyle/>
+          <a:p>
+            <a:pPr algn="ctr"/>
+            <a:r>
+              <a:rPr lang="en-US" dirty="0" smtClean="0"/>
+              <a:t>Deployment</a:t>
+            </a:r>
+            <a:endParaRPr lang="en-US" dirty="0"/>
+          </a:p>
+        </p:txBody>
+      </p:sp>
+      <p:sp>
+        <p:nvSpPr>
+          <p:cNvPr id="6" name="Segnaposto testo 5"/>
+          <p:cNvSpPr>
+            <a:spLocks noGrp="1"/>
+          </p:cNvSpPr>
+          <p:nvPr>
+            <p:ph type="body" idx="1"/>
+          </p:nvPr>
+        </p:nvSpPr>
+        <p:spPr>
+          <a:xfrm>
+            <a:off x="630238" y="1681163"/>
+            <a:ext cx="3868737" cy="379685"/>
+          </a:xfrm>
+        </p:spPr>
+        <p:txBody>
+          <a:bodyPr>
+            <a:normAutofit fontScale="92500" lnSpcReduction="10000"/>
+          </a:bodyPr>
+          <a:lstStyle/>
+          <a:p>
+            <a:r>
+              <a:rPr lang="en-GB" dirty="0" smtClean="0"/>
+              <a:t>Web</a:t>
+            </a:r>
+            <a:endParaRPr lang="en-GB" dirty="0"/>
+          </a:p>
+        </p:txBody>
+      </p:sp>
+      <p:sp>
+        <p:nvSpPr>
+          <p:cNvPr id="7" name="Segnaposto contenuto 6"/>
+          <p:cNvSpPr>
+            <a:spLocks noGrp="1"/>
+          </p:cNvSpPr>
+          <p:nvPr>
+            <p:ph sz="half" idx="2"/>
+          </p:nvPr>
+        </p:nvSpPr>
+        <p:spPr>
+          <a:xfrm>
+            <a:off x="630239" y="2060848"/>
+            <a:ext cx="3797746" cy="4128815"/>
+          </a:xfrm>
+        </p:spPr>
+        <p:txBody>
+          <a:bodyPr/>
+          <a:lstStyle/>
+          <a:p>
+            <a:r>
+              <a:rPr lang="en-GB" dirty="0" smtClean="0"/>
+              <a:t>Any hosting!</a:t>
+            </a:r>
+          </a:p>
+          <a:p>
+            <a:r>
+              <a:rPr lang="en-GB" dirty="0" smtClean="0"/>
+              <a:t>Game portals</a:t>
+            </a:r>
+          </a:p>
+          <a:p>
+            <a:pPr lvl="1"/>
+            <a:r>
+              <a:rPr lang="en-GB" sz="2000" dirty="0">
+                <a:hlinkClick r:id="rId2"/>
+              </a:rPr>
+              <a:t>http://</a:t>
+            </a:r>
+            <a:r>
+              <a:rPr lang="en-GB" sz="2000" dirty="0" smtClean="0">
+                <a:hlinkClick r:id="rId2"/>
+              </a:rPr>
+              <a:t>www.gamepix.com</a:t>
+            </a:r>
+            <a:endParaRPr lang="en-GB" sz="2000" dirty="0"/>
+          </a:p>
+          <a:p>
+            <a:pPr lvl="1"/>
+            <a:r>
+              <a:rPr lang="en-GB" sz="2000" dirty="0" smtClean="0">
+                <a:hlinkClick r:id="rId3"/>
+              </a:rPr>
+              <a:t>http://kongregate.com</a:t>
+            </a:r>
+            <a:endParaRPr lang="en-GB" sz="2000" dirty="0" smtClean="0"/>
+          </a:p>
+          <a:p>
+            <a:pPr lvl="1"/>
+            <a:r>
+              <a:rPr lang="en-GB" sz="2000" dirty="0">
+                <a:hlinkClick r:id="rId4"/>
+              </a:rPr>
+              <a:t>http://</a:t>
+            </a:r>
+            <a:r>
+              <a:rPr lang="en-GB" sz="2000" dirty="0" smtClean="0">
+                <a:hlinkClick r:id="rId4"/>
+              </a:rPr>
+              <a:t>armorgames.com</a:t>
+            </a:r>
+            <a:endParaRPr lang="en-GB" sz="2000" dirty="0" smtClean="0"/>
+          </a:p>
+          <a:p>
+            <a:pPr lvl="1"/>
+            <a:r>
+              <a:rPr lang="en-GB" sz="2000" dirty="0">
+                <a:hlinkClick r:id="rId5"/>
+              </a:rPr>
+              <a:t>http</a:t>
+            </a:r>
+            <a:r>
+              <a:rPr lang="en-GB" sz="2000" dirty="0" smtClean="0">
+                <a:hlinkClick r:id="rId5"/>
+              </a:rPr>
+              <a:t>://newgrounds.com</a:t>
+            </a:r>
+            <a:endParaRPr lang="en-GB" sz="2000" dirty="0" smtClean="0"/>
+          </a:p>
+          <a:p>
+            <a:endParaRPr lang="en-GB" dirty="0" smtClean="0"/>
+          </a:p>
+          <a:p>
+            <a:pPr marL="0" indent="0">
+              <a:buNone/>
+            </a:pPr>
+            <a:endParaRPr lang="en-GB" dirty="0"/>
+          </a:p>
+        </p:txBody>
+      </p:sp>
+      <p:sp>
+        <p:nvSpPr>
+          <p:cNvPr id="8" name="Segnaposto testo 7"/>
+          <p:cNvSpPr>
+            <a:spLocks noGrp="1"/>
+          </p:cNvSpPr>
+          <p:nvPr>
+            <p:ph type="body" sz="quarter" idx="3"/>
+          </p:nvPr>
+        </p:nvSpPr>
+        <p:spPr>
+          <a:xfrm>
+            <a:off x="4629150" y="1681163"/>
+            <a:ext cx="3887788" cy="379685"/>
+          </a:xfrm>
+        </p:spPr>
+        <p:txBody>
+          <a:bodyPr>
+            <a:normAutofit fontScale="92500" lnSpcReduction="10000"/>
+          </a:bodyPr>
+          <a:lstStyle/>
+          <a:p>
+            <a:r>
+              <a:rPr lang="en-GB" dirty="0" smtClean="0"/>
+              <a:t>Mobile</a:t>
+            </a:r>
+            <a:endParaRPr lang="en-GB" dirty="0"/>
+          </a:p>
+        </p:txBody>
+      </p:sp>
+      <p:sp>
+        <p:nvSpPr>
+          <p:cNvPr id="9" name="Segnaposto contenuto 8"/>
+          <p:cNvSpPr>
+            <a:spLocks noGrp="1"/>
+          </p:cNvSpPr>
+          <p:nvPr>
+            <p:ph sz="quarter" idx="4"/>
+          </p:nvPr>
+        </p:nvSpPr>
+        <p:spPr>
+          <a:xfrm>
+            <a:off x="4629150" y="2060848"/>
+            <a:ext cx="3887788" cy="4128815"/>
+          </a:xfrm>
+        </p:spPr>
+        <p:txBody>
+          <a:bodyPr/>
+          <a:lstStyle/>
+          <a:p>
+            <a:r>
+              <a:rPr lang="en-GB" dirty="0" smtClean="0"/>
+              <a:t>Cordova (</a:t>
+            </a:r>
+            <a:r>
+              <a:rPr lang="en-GB" dirty="0" err="1" smtClean="0"/>
+              <a:t>Phonegap</a:t>
+            </a:r>
+            <a:r>
+              <a:rPr lang="en-GB" dirty="0" smtClean="0"/>
+              <a:t>)</a:t>
+            </a:r>
+          </a:p>
+          <a:p>
+            <a:r>
+              <a:rPr lang="en-GB" dirty="0" smtClean="0"/>
+              <a:t>Intel XDK</a:t>
+            </a:r>
+          </a:p>
+          <a:p>
+            <a:pPr lvl="1"/>
+            <a:r>
+              <a:rPr lang="en-GB" dirty="0" smtClean="0"/>
+              <a:t>Accelerated </a:t>
+            </a:r>
+            <a:r>
+              <a:rPr lang="en-GB" dirty="0" err="1"/>
+              <a:t>w</a:t>
+            </a:r>
+            <a:r>
+              <a:rPr lang="en-GB" dirty="0" err="1" smtClean="0"/>
+              <a:t>ebview</a:t>
+            </a:r>
+            <a:endParaRPr lang="en-GB" dirty="0" smtClean="0"/>
+          </a:p>
+          <a:p>
+            <a:r>
+              <a:rPr lang="en-GB" dirty="0" err="1" smtClean="0"/>
+              <a:t>CocoonJS</a:t>
+            </a:r>
+            <a:endParaRPr lang="en-GB" dirty="0" smtClean="0"/>
+          </a:p>
+          <a:p>
+            <a:pPr lvl="1"/>
+            <a:r>
+              <a:rPr lang="en-GB" dirty="0" smtClean="0"/>
+              <a:t>Accelerated </a:t>
+            </a:r>
+            <a:r>
+              <a:rPr lang="en-GB" dirty="0" err="1"/>
+              <a:t>w</a:t>
+            </a:r>
+            <a:r>
+              <a:rPr lang="en-GB" dirty="0" err="1" smtClean="0"/>
+              <a:t>ebview</a:t>
+            </a:r>
+            <a:endParaRPr lang="en-GB" dirty="0" smtClean="0"/>
+          </a:p>
+          <a:p>
+            <a:pPr lvl="1"/>
+            <a:r>
+              <a:rPr lang="en-GB" dirty="0" smtClean="0"/>
+              <a:t>API for Ads, IAP, accelerometer, etc.</a:t>
+            </a:r>
+            <a:endParaRPr lang="en-GB" dirty="0"/>
+          </a:p>
+        </p:txBody>
+      </p:sp>
+      <p:sp>
+        <p:nvSpPr>
+          <p:cNvPr id="4" name="Segnaposto data 3"/>
+          <p:cNvSpPr>
+            <a:spLocks noGrp="1"/>
+          </p:cNvSpPr>
+          <p:nvPr>
+            <p:ph type="dt" sz="half" idx="10"/>
+          </p:nvPr>
+        </p:nvSpPr>
+        <p:spPr/>
+        <p:txBody>
+          <a:bodyPr/>
+          <a:lstStyle/>
+          <a:p>
+            <a:r>
+              <a:rPr lang="en-US" b="1" i="1" smtClean="0">
+                <a:solidFill>
+                  <a:schemeClr val="bg1"/>
+                </a:solidFill>
+              </a:rPr>
+              <a:t>ROME  11-12 april 2014 – Valerio Riva</a:t>
+            </a:r>
+            <a:endParaRPr lang="it-IT" b="1" i="1" dirty="0">
+              <a:solidFill>
+                <a:schemeClr val="bg1"/>
+              </a:solidFill>
+            </a:endParaRPr>
+          </a:p>
+        </p:txBody>
+      </p:sp>
+      <p:sp>
+        <p:nvSpPr>
+          <p:cNvPr id="5" name="Segnaposto numero diapositiva 4"/>
+          <p:cNvSpPr>
+            <a:spLocks noGrp="1"/>
+          </p:cNvSpPr>
+          <p:nvPr>
+            <p:ph type="sldNum" sz="quarter" idx="12"/>
+          </p:nvPr>
+        </p:nvSpPr>
+        <p:spPr/>
+        <p:txBody>
+          <a:bodyPr/>
+          <a:lstStyle/>
+          <a:p>
+            <a:fld id="{219C0E88-5C08-45F5-BD91-E93F425D2D58}" type="slidenum">
+              <a:rPr lang="it-IT" smtClean="0"/>
+              <a:t>27</a:t>
+            </a:fld>
+            <a:endParaRPr lang="it-IT"/>
+          </a:p>
+        </p:txBody>
+      </p:sp>
+    </p:spTree>
+    <p:extLst>
+      <p:ext uri="{BB962C8B-B14F-4D97-AF65-F5344CB8AC3E}">
+        <p14:creationId xmlns:p14="http://schemas.microsoft.com/office/powerpoint/2010/main" val="2457404458"/>
       </p:ext>
     </p:extLst>
   </p:cSld>
@@ -12293,7 +12326,7 @@
             <a:pPr algn="ctr"/>
             <a:r>
               <a:rPr lang="en-US" sz="4000" dirty="0" smtClean="0"/>
-              <a:t>Question &amp; Answers</a:t>
+              <a:t>Thank you</a:t>
             </a:r>
             <a:endParaRPr lang="en-US" sz="4000" dirty="0"/>
           </a:p>
@@ -12315,6 +12348,27 @@
             <a:normAutofit/>
           </a:bodyPr>
           <a:lstStyle/>
+          <a:p>
+            <a:r>
+              <a:rPr lang="en-GB" sz="2000" dirty="0" smtClean="0">
+                <a:cs typeface="Consolas" panose="020B0609020204030204" pitchFamily="49" charset="0"/>
+              </a:rPr>
+              <a:t>Do you have any questions?</a:t>
+            </a:r>
+          </a:p>
+          <a:p>
+            <a:endParaRPr lang="en-GB" sz="2000" dirty="0" smtClean="0">
+              <a:cs typeface="Consolas" panose="020B0609020204030204" pitchFamily="49" charset="0"/>
+            </a:endParaRPr>
+          </a:p>
+          <a:p>
+            <a:pPr marL="0" indent="0">
+              <a:buNone/>
+            </a:pPr>
+            <a:endParaRPr lang="en-GB" sz="2000" dirty="0" smtClean="0">
+              <a:cs typeface="Consolas" panose="020B0609020204030204" pitchFamily="49" charset="0"/>
+            </a:endParaRPr>
+          </a:p>
           <a:p>
             <a:endParaRPr lang="en-GB" sz="2000" dirty="0" smtClean="0">
               <a:cs typeface="Consolas" panose="020B0609020204030204" pitchFamily="49" charset="0"/>
@@ -12384,7 +12438,7 @@
     </p:spTree>
     <p:extLst>
       <p:ext uri="{BB962C8B-B14F-4D97-AF65-F5344CB8AC3E}">
-        <p14:creationId xmlns:p14="http://schemas.microsoft.com/office/powerpoint/2010/main" val="3067319506"/>
+        <p14:creationId xmlns:p14="http://schemas.microsoft.com/office/powerpoint/2010/main" val="877185343"/>
       </p:ext>
     </p:extLst>
   </p:cSld>
@@ -12637,151 +12691,6 @@
 </p:sld>
 </file>
 
-<file path=ppt/slides/slide30.xml><?xml version="1.0" encoding="utf-8"?>
-<p:sld xmlns:a="http://schemas.openxmlformats.org/drawingml/2006/main" xmlns:r="http://schemas.openxmlformats.org/officeDocument/2006/relationships" xmlns:p="http://schemas.openxmlformats.org/presentationml/2006/main">
-  <p:cSld>
-    <p:spTree>
-      <p:nvGrpSpPr>
-        <p:cNvPr id="1" name=""/>
-        <p:cNvGrpSpPr/>
-        <p:nvPr/>
-      </p:nvGrpSpPr>
-      <p:grpSpPr>
-        <a:xfrm>
-          <a:off x="0" y="0"/>
-          <a:ext cx="0" cy="0"/>
-          <a:chOff x="0" y="0"/>
-          <a:chExt cx="0" cy="0"/>
-        </a:xfrm>
-      </p:grpSpPr>
-      <p:sp>
-        <p:nvSpPr>
-          <p:cNvPr id="2" name="Titolo 1"/>
-          <p:cNvSpPr>
-            <a:spLocks noGrp="1"/>
-          </p:cNvSpPr>
-          <p:nvPr>
-            <p:ph type="title"/>
-          </p:nvPr>
-        </p:nvSpPr>
-        <p:spPr/>
-        <p:txBody>
-          <a:bodyPr>
-            <a:normAutofit/>
-          </a:bodyPr>
-          <a:lstStyle/>
-          <a:p>
-            <a:pPr algn="ctr"/>
-            <a:r>
-              <a:rPr lang="en-US" sz="4000" dirty="0" smtClean="0"/>
-              <a:t>Thank you</a:t>
-            </a:r>
-            <a:endParaRPr lang="en-US" sz="4000" dirty="0"/>
-          </a:p>
-        </p:txBody>
-      </p:sp>
-      <p:sp>
-        <p:nvSpPr>
-          <p:cNvPr id="3" name="Segnaposto contenuto 2"/>
-          <p:cNvSpPr>
-            <a:spLocks noGrp="1"/>
-          </p:cNvSpPr>
-          <p:nvPr>
-            <p:ph idx="1"/>
-          </p:nvPr>
-        </p:nvSpPr>
-        <p:spPr/>
-        <p:txBody>
-          <a:bodyPr>
-            <a:normAutofit/>
-          </a:bodyPr>
-          <a:lstStyle/>
-          <a:p>
-            <a:endParaRPr lang="en-GB" sz="2000" dirty="0" smtClean="0">
-              <a:cs typeface="Consolas" panose="020B0609020204030204" pitchFamily="49" charset="0"/>
-            </a:endParaRPr>
-          </a:p>
-        </p:txBody>
-      </p:sp>
-      <p:sp>
-        <p:nvSpPr>
-          <p:cNvPr id="4" name="Segnaposto data 3"/>
-          <p:cNvSpPr>
-            <a:spLocks noGrp="1"/>
-          </p:cNvSpPr>
-          <p:nvPr>
-            <p:ph type="dt" sz="half" idx="10"/>
-          </p:nvPr>
-        </p:nvSpPr>
-        <p:spPr>
-          <a:xfrm>
-            <a:off x="539552" y="115094"/>
-            <a:ext cx="3233886" cy="365125"/>
-          </a:xfrm>
-        </p:spPr>
-        <p:txBody>
-          <a:bodyPr/>
-          <a:lstStyle/>
-          <a:p>
-            <a:r>
-              <a:rPr lang="en-US" b="1" i="1" smtClean="0">
-                <a:solidFill>
-                  <a:schemeClr val="bg1"/>
-                </a:solidFill>
-              </a:rPr>
-              <a:t>ROME  11-12 april 2014 – Valerio Riva</a:t>
-            </a:r>
-            <a:endParaRPr lang="it-IT" b="1" i="1" dirty="0">
-              <a:solidFill>
-                <a:schemeClr val="bg1"/>
-              </a:solidFill>
-            </a:endParaRPr>
-          </a:p>
-        </p:txBody>
-      </p:sp>
-      <p:sp>
-        <p:nvSpPr>
-          <p:cNvPr id="5" name="Segnaposto numero diapositiva 4"/>
-          <p:cNvSpPr>
-            <a:spLocks noGrp="1"/>
-          </p:cNvSpPr>
-          <p:nvPr>
-            <p:ph type="sldNum" sz="quarter" idx="12"/>
-          </p:nvPr>
-        </p:nvSpPr>
-        <p:spPr/>
-        <p:txBody>
-          <a:bodyPr/>
-          <a:lstStyle/>
-          <a:p>
-            <a:fld id="{219C0E88-5C08-45F5-BD91-E93F425D2D58}" type="slidenum">
-              <a:rPr lang="it-IT" smtClean="0"/>
-              <a:t>30</a:t>
-            </a:fld>
-            <a:endParaRPr lang="it-IT" dirty="0"/>
-          </a:p>
-        </p:txBody>
-      </p:sp>
-    </p:spTree>
-    <p:extLst>
-      <p:ext uri="{BB962C8B-B14F-4D97-AF65-F5344CB8AC3E}">
-        <p14:creationId xmlns:p14="http://schemas.microsoft.com/office/powerpoint/2010/main" val="877185343"/>
-      </p:ext>
-    </p:extLst>
-  </p:cSld>
-  <p:clrMapOvr>
-    <a:masterClrMapping/>
-  </p:clrMapOvr>
-  <p:timing>
-    <p:tnLst>
-      <p:par>
-        <p:cTn id="1" dur="indefinite" restart="never" nodeType="tmRoot"/>
-      </p:par>
-    </p:tnLst>
-  </p:timing>
-</p:sld>
-</file>
-
 <file path=ppt/slides/slide4.xml><?xml version="1.0" encoding="utf-8"?>
 <p:sld xmlns:a="http://schemas.openxmlformats.org/drawingml/2006/main" xmlns:r="http://schemas.openxmlformats.org/officeDocument/2006/relationships" xmlns:p="http://schemas.openxmlformats.org/presentationml/2006/main" showMasterSp="0">
   <p:cSld>
@@ -13033,277 +12942,131 @@
         </p:nvSpPr>
         <p:spPr/>
         <p:txBody>
-          <a:bodyPr/>
+          <a:bodyPr>
+            <a:normAutofit/>
+          </a:bodyPr>
           <a:lstStyle/>
           <a:p>
             <a:pPr algn="ctr"/>
             <a:r>
+              <a:rPr lang="en-US" sz="3600" dirty="0" smtClean="0"/>
+              <a:t>To develop an HTML5 game you need…</a:t>
+            </a:r>
+            <a:endParaRPr lang="en-US" sz="3600" dirty="0"/>
+          </a:p>
+        </p:txBody>
+      </p:sp>
+      <p:sp>
+        <p:nvSpPr>
+          <p:cNvPr id="3" name="Segnaposto contenuto 2"/>
+          <p:cNvSpPr>
+            <a:spLocks noGrp="1"/>
+          </p:cNvSpPr>
+          <p:nvPr>
+            <p:ph idx="1"/>
+          </p:nvPr>
+        </p:nvSpPr>
+        <p:spPr/>
+        <p:txBody>
+          <a:bodyPr>
+            <a:normAutofit/>
+          </a:bodyPr>
+          <a:lstStyle/>
+          <a:p>
+            <a:r>
               <a:rPr lang="en-US" dirty="0" smtClean="0"/>
-              <a:t>Deployment</a:t>
-            </a:r>
+              <a:t>Your </a:t>
+            </a:r>
+            <a:r>
+              <a:rPr lang="en-US" dirty="0" err="1" smtClean="0"/>
+              <a:t>favourite</a:t>
+            </a:r>
+            <a:r>
+              <a:rPr lang="en-US" dirty="0" smtClean="0"/>
+              <a:t> OS</a:t>
+            </a:r>
+          </a:p>
+          <a:p>
+            <a:r>
+              <a:rPr lang="en-US" dirty="0" smtClean="0"/>
+              <a:t>Your </a:t>
+            </a:r>
+            <a:r>
+              <a:rPr lang="en-US" dirty="0" err="1" smtClean="0"/>
+              <a:t>favourite</a:t>
+            </a:r>
+            <a:r>
+              <a:rPr lang="en-US" dirty="0" smtClean="0"/>
+              <a:t> editor</a:t>
+            </a:r>
+          </a:p>
+          <a:p>
+            <a:r>
+              <a:rPr lang="en-US" dirty="0" smtClean="0"/>
+              <a:t>Your </a:t>
+            </a:r>
+            <a:r>
+              <a:rPr lang="en-US" dirty="0" err="1" smtClean="0"/>
+              <a:t>favourite</a:t>
+            </a:r>
+            <a:r>
+              <a:rPr lang="en-US" dirty="0" smtClean="0"/>
+              <a:t> web server</a:t>
+            </a:r>
+          </a:p>
+          <a:p>
             <a:endParaRPr lang="en-US" dirty="0"/>
           </a:p>
-        </p:txBody>
-      </p:sp>
-      <p:sp>
-        <p:nvSpPr>
-          <p:cNvPr id="6" name="Segnaposto testo 5"/>
-          <p:cNvSpPr>
-            <a:spLocks noGrp="1"/>
-          </p:cNvSpPr>
-          <p:nvPr>
-            <p:ph type="body" idx="1"/>
+          <a:p>
+            <a:pPr marL="0" indent="0" algn="ctr">
+              <a:buNone/>
+            </a:pPr>
+            <a:r>
+              <a:rPr lang="en-US" dirty="0" smtClean="0"/>
+              <a:t>Or you can just use </a:t>
+            </a:r>
+            <a:r>
+              <a:rPr lang="en-US" dirty="0"/>
+              <a:t>Brackets! </a:t>
+            </a:r>
+            <a:r>
+              <a:rPr lang="en-US" dirty="0" smtClean="0">
+                <a:hlinkClick r:id="rId2"/>
+              </a:rPr>
+              <a:t>http</a:t>
+            </a:r>
+            <a:r>
+              <a:rPr lang="en-US" dirty="0">
+                <a:hlinkClick r:id="rId2"/>
+              </a:rPr>
+              <a:t>://brackets.io</a:t>
+            </a:r>
+            <a:r>
+              <a:rPr lang="en-US" dirty="0" smtClean="0">
+                <a:hlinkClick r:id="rId2"/>
+              </a:rPr>
+              <a:t>/</a:t>
+            </a:r>
+            <a:endParaRPr lang="en-US" dirty="0" smtClean="0"/>
+          </a:p>
+        </p:txBody>
+      </p:sp>
+      <p:sp>
+        <p:nvSpPr>
+          <p:cNvPr id="4" name="Segnaposto data 3"/>
+          <p:cNvSpPr>
+            <a:spLocks noGrp="1"/>
+          </p:cNvSpPr>
+          <p:nvPr>
+            <p:ph type="dt" sz="half" idx="10"/>
           </p:nvPr>
         </p:nvSpPr>
         <p:spPr>
           <a:xfrm>
-            <a:off x="630238" y="1681163"/>
-            <a:ext cx="3868737" cy="379685"/>
+            <a:off x="539552" y="115094"/>
+            <a:ext cx="3233886" cy="365125"/>
           </a:xfrm>
         </p:spPr>
-        <p:txBody>
-          <a:bodyPr>
-            <a:normAutofit fontScale="92500" lnSpcReduction="10000"/>
-          </a:bodyPr>
-          <a:lstStyle/>
-          <a:p>
-            <a:r>
-              <a:rPr lang="en-GB" dirty="0" smtClean="0"/>
-              <a:t>Web</a:t>
-            </a:r>
-            <a:endParaRPr lang="en-GB" dirty="0"/>
-          </a:p>
-        </p:txBody>
-      </p:sp>
-      <p:sp>
-        <p:nvSpPr>
-          <p:cNvPr id="7" name="Segnaposto contenuto 6"/>
-          <p:cNvSpPr>
-            <a:spLocks noGrp="1"/>
-          </p:cNvSpPr>
-          <p:nvPr>
-            <p:ph sz="half" idx="2"/>
-          </p:nvPr>
-        </p:nvSpPr>
-        <p:spPr>
-          <a:xfrm>
-            <a:off x="630239" y="2060848"/>
-            <a:ext cx="3797746" cy="4128815"/>
-          </a:xfrm>
-        </p:spPr>
-        <p:txBody>
-          <a:bodyPr/>
-          <a:lstStyle/>
-          <a:p>
-            <a:r>
-              <a:rPr lang="en-GB" dirty="0" smtClean="0"/>
-              <a:t>Any hosting!</a:t>
-            </a:r>
-          </a:p>
-          <a:p>
-            <a:r>
-              <a:rPr lang="en-GB" dirty="0" smtClean="0"/>
-              <a:t>Game portals</a:t>
-            </a:r>
-          </a:p>
-          <a:p>
-            <a:pPr lvl="1"/>
-            <a:r>
-              <a:rPr lang="en-GB" sz="2000" dirty="0">
-                <a:hlinkClick r:id="rId2"/>
-              </a:rPr>
-              <a:t>http://</a:t>
-            </a:r>
-            <a:r>
-              <a:rPr lang="en-GB" sz="2000" dirty="0" smtClean="0">
-                <a:hlinkClick r:id="rId2"/>
-              </a:rPr>
-              <a:t>www.gamepix.com</a:t>
-            </a:r>
-            <a:endParaRPr lang="en-GB" sz="2000" dirty="0"/>
-          </a:p>
-          <a:p>
-            <a:pPr lvl="1"/>
-            <a:r>
-              <a:rPr lang="en-GB" sz="2000" dirty="0" smtClean="0">
-                <a:hlinkClick r:id="rId3"/>
-              </a:rPr>
-              <a:t>http://kongregate.com</a:t>
-            </a:r>
-            <a:endParaRPr lang="en-GB" sz="2000" dirty="0" smtClean="0"/>
-          </a:p>
-          <a:p>
-            <a:pPr lvl="1"/>
-            <a:r>
-              <a:rPr lang="en-GB" sz="2000" dirty="0">
-                <a:hlinkClick r:id="rId4"/>
-              </a:rPr>
-              <a:t>http://</a:t>
-            </a:r>
-            <a:r>
-              <a:rPr lang="en-GB" sz="2000" dirty="0" smtClean="0">
-                <a:hlinkClick r:id="rId4"/>
-              </a:rPr>
-              <a:t>armorgames.com</a:t>
-            </a:r>
-            <a:endParaRPr lang="en-GB" sz="2000" dirty="0" smtClean="0"/>
-          </a:p>
-          <a:p>
-            <a:pPr lvl="1"/>
-            <a:r>
-              <a:rPr lang="en-GB" sz="2000" dirty="0">
-                <a:hlinkClick r:id="rId5"/>
-              </a:rPr>
-              <a:t>http</a:t>
-            </a:r>
-            <a:r>
-              <a:rPr lang="en-GB" sz="2000" dirty="0" smtClean="0">
-                <a:hlinkClick r:id="rId5"/>
-              </a:rPr>
-              <a:t>://newgrounds.com</a:t>
-            </a:r>
-            <a:endParaRPr lang="en-GB" sz="2000" dirty="0" smtClean="0"/>
-          </a:p>
-          <a:p>
-            <a:endParaRPr lang="en-GB" dirty="0" smtClean="0"/>
-          </a:p>
-          <a:p>
-            <a:pPr marL="0" indent="0">
-              <a:buNone/>
-            </a:pPr>
-            <a:endParaRPr lang="en-GB" dirty="0"/>
-          </a:p>
-        </p:txBody>
-      </p:sp>
-      <p:sp>
-        <p:nvSpPr>
-          <p:cNvPr id="8" name="Segnaposto testo 7"/>
-          <p:cNvSpPr>
-            <a:spLocks noGrp="1"/>
-          </p:cNvSpPr>
-          <p:nvPr>
-            <p:ph type="body" sz="quarter" idx="3"/>
-          </p:nvPr>
-        </p:nvSpPr>
-        <p:spPr>
-          <a:xfrm>
-            <a:off x="4629150" y="1681163"/>
-            <a:ext cx="3887788" cy="379685"/>
-          </a:xfrm>
-        </p:spPr>
-        <p:txBody>
-          <a:bodyPr>
-            <a:normAutofit fontScale="92500" lnSpcReduction="10000"/>
-          </a:bodyPr>
-          <a:lstStyle/>
-          <a:p>
-            <a:r>
-              <a:rPr lang="en-GB" dirty="0" smtClean="0"/>
-              <a:t>Mobile</a:t>
-            </a:r>
-            <a:endParaRPr lang="en-GB" dirty="0"/>
-          </a:p>
-        </p:txBody>
-      </p:sp>
-      <p:sp>
-        <p:nvSpPr>
-          <p:cNvPr id="9" name="Segnaposto contenuto 8"/>
-          <p:cNvSpPr>
-            <a:spLocks noGrp="1"/>
-          </p:cNvSpPr>
-          <p:nvPr>
-            <p:ph sz="quarter" idx="4"/>
-          </p:nvPr>
-        </p:nvSpPr>
-        <p:spPr>
-          <a:xfrm>
-            <a:off x="4629150" y="2060848"/>
-            <a:ext cx="3887788" cy="4128815"/>
-          </a:xfrm>
-        </p:spPr>
-        <p:txBody>
-          <a:bodyPr/>
-          <a:lstStyle/>
-          <a:p>
-            <a:r>
-              <a:rPr lang="en-GB" dirty="0" smtClean="0"/>
-              <a:t>Cordova (</a:t>
-            </a:r>
-            <a:r>
-              <a:rPr lang="en-GB" dirty="0" err="1" smtClean="0"/>
-              <a:t>Phonegap</a:t>
-            </a:r>
-            <a:r>
-              <a:rPr lang="en-GB" dirty="0" smtClean="0"/>
-              <a:t>)</a:t>
-            </a:r>
-          </a:p>
-          <a:p>
-            <a:r>
-              <a:rPr lang="en-GB" dirty="0" smtClean="0"/>
-              <a:t>Intel XDK</a:t>
-            </a:r>
-          </a:p>
-          <a:p>
-            <a:pPr lvl="1"/>
-            <a:r>
-              <a:rPr lang="en-GB" dirty="0" smtClean="0"/>
-              <a:t>Accelerated </a:t>
-            </a:r>
-            <a:r>
-              <a:rPr lang="en-GB" dirty="0" err="1"/>
-              <a:t>w</a:t>
-            </a:r>
-            <a:r>
-              <a:rPr lang="en-GB" dirty="0" err="1" smtClean="0"/>
-              <a:t>ebview</a:t>
-            </a:r>
-            <a:endParaRPr lang="en-GB" dirty="0" smtClean="0"/>
-          </a:p>
-          <a:p>
-            <a:r>
-              <a:rPr lang="en-GB" dirty="0" err="1" smtClean="0"/>
-              <a:t>CocoonJS</a:t>
-            </a:r>
-            <a:endParaRPr lang="en-GB" dirty="0" smtClean="0"/>
-          </a:p>
-          <a:p>
-            <a:pPr lvl="1"/>
-            <a:r>
-              <a:rPr lang="en-GB" dirty="0" smtClean="0"/>
-              <a:t>Accelerated </a:t>
-            </a:r>
-            <a:r>
-              <a:rPr lang="en-GB" dirty="0" err="1"/>
-              <a:t>w</a:t>
-            </a:r>
-            <a:r>
-              <a:rPr lang="en-GB" dirty="0" err="1" smtClean="0"/>
-              <a:t>ebview</a:t>
-            </a:r>
-            <a:endParaRPr lang="en-GB" dirty="0" smtClean="0"/>
-          </a:p>
-          <a:p>
-            <a:pPr lvl="1"/>
-            <a:r>
-              <a:rPr lang="en-GB" dirty="0" smtClean="0"/>
-              <a:t>API for Ads, IAP, accelerometer, etc.</a:t>
-            </a:r>
-            <a:endParaRPr lang="en-GB" dirty="0"/>
-          </a:p>
-        </p:txBody>
-      </p:sp>
-      <p:sp>
-        <p:nvSpPr>
-          <p:cNvPr id="4" name="Segnaposto data 3"/>
-          <p:cNvSpPr>
-            <a:spLocks noGrp="1"/>
-          </p:cNvSpPr>
-          <p:nvPr>
-            <p:ph type="dt" sz="half" idx="10"/>
-          </p:nvPr>
-        </p:nvSpPr>
-        <p:spPr/>
         <p:txBody>
           <a:bodyPr/>
           <a:lstStyle/>
@@ -13324,9 +13087,39 @@
           </a:p>
         </p:txBody>
       </p:sp>
-      <p:sp>
-        <p:nvSpPr>
-          <p:cNvPr id="5" name="Segnaposto numero diapositiva 4"/>
+      <p:pic>
+        <p:nvPicPr>
+          <p:cNvPr id="5" name="Immagine 4"/>
+          <p:cNvPicPr>
+            <a:picLocks noChangeAspect="1"/>
+          </p:cNvPicPr>
+          <p:nvPr/>
+        </p:nvPicPr>
+        <p:blipFill>
+          <a:blip r:embed="rId3">
+            <a:extLst>
+              <a:ext uri="{28A0092B-C50C-407E-A947-70E740481C1C}">
+                <a14:useLocalDpi xmlns:a14="http://schemas.microsoft.com/office/drawing/2010/main" val="0"/>
+              </a:ext>
+            </a:extLst>
+          </a:blip>
+          <a:stretch>
+            <a:fillRect/>
+          </a:stretch>
+        </p:blipFill>
+        <p:spPr>
+          <a:xfrm>
+            <a:off x="3807470" y="4509120"/>
+            <a:ext cx="1445146" cy="1445146"/>
+          </a:xfrm>
+          <a:prstGeom prst="rect">
+            <a:avLst/>
+          </a:prstGeom>
+        </p:spPr>
+      </p:pic>
+      <p:sp>
+        <p:nvSpPr>
+          <p:cNvPr id="6" name="Segnaposto numero diapositiva 5"/>
           <p:cNvSpPr>
             <a:spLocks noGrp="1"/>
           </p:cNvSpPr>
@@ -13350,7 +13143,7 @@
     </p:spTree>
     <p:extLst>
       <p:ext uri="{BB962C8B-B14F-4D97-AF65-F5344CB8AC3E}">
-        <p14:creationId xmlns:p14="http://schemas.microsoft.com/office/powerpoint/2010/main" val="2457404458"/>
+        <p14:creationId xmlns:p14="http://schemas.microsoft.com/office/powerpoint/2010/main" val="761961468"/>
       </p:ext>
     </p:extLst>
   </p:cSld>
@@ -13396,92 +13189,79 @@
         </p:nvSpPr>
         <p:spPr/>
         <p:txBody>
+          <a:bodyPr/>
+          <a:lstStyle/>
+          <a:p>
+            <a:pPr algn="ctr"/>
+            <a:r>
+              <a:rPr lang="en-US" dirty="0"/>
+              <a:t>Phaser (http://phaser.io</a:t>
+            </a:r>
+            <a:r>
+              <a:rPr lang="en-US" dirty="0" smtClean="0"/>
+              <a:t>/)</a:t>
+            </a:r>
+            <a:endParaRPr lang="en-US" dirty="0"/>
+          </a:p>
+        </p:txBody>
+      </p:sp>
+      <p:sp>
+        <p:nvSpPr>
+          <p:cNvPr id="3" name="Segnaposto contenuto 2"/>
+          <p:cNvSpPr>
+            <a:spLocks noGrp="1"/>
+          </p:cNvSpPr>
+          <p:nvPr>
+            <p:ph idx="1"/>
+          </p:nvPr>
+        </p:nvSpPr>
+        <p:spPr>
+          <a:xfrm>
+            <a:off x="628650" y="1825625"/>
+            <a:ext cx="7886700" cy="4351338"/>
+          </a:xfrm>
+        </p:spPr>
+        <p:txBody>
           <a:bodyPr>
             <a:normAutofit/>
           </a:bodyPr>
           <a:lstStyle/>
           <a:p>
-            <a:pPr algn="ctr"/>
-            <a:r>
-              <a:rPr lang="en-US" sz="3600" dirty="0" smtClean="0"/>
-              <a:t>To develop an HTML5 game you need…</a:t>
-            </a:r>
-            <a:endParaRPr lang="en-US" sz="3600" dirty="0"/>
-          </a:p>
-        </p:txBody>
-      </p:sp>
-      <p:sp>
-        <p:nvSpPr>
-          <p:cNvPr id="3" name="Segnaposto contenuto 2"/>
-          <p:cNvSpPr>
-            <a:spLocks noGrp="1"/>
-          </p:cNvSpPr>
-          <p:nvPr>
-            <p:ph idx="1"/>
-          </p:nvPr>
-        </p:nvSpPr>
-        <p:spPr/>
-        <p:txBody>
-          <a:bodyPr>
-            <a:normAutofit/>
-          </a:bodyPr>
-          <a:lstStyle/>
-          <a:p>
             <a:r>
               <a:rPr lang="en-US" dirty="0" smtClean="0"/>
-              <a:t>Your </a:t>
-            </a:r>
+              <a:t>Easy to use</a:t>
+            </a:r>
+          </a:p>
+          <a:p>
+            <a:r>
+              <a:rPr lang="en-US" dirty="0" smtClean="0"/>
+              <a:t>Focused on mobile</a:t>
+            </a:r>
+          </a:p>
+          <a:p>
             <a:r>
               <a:rPr lang="en-US" dirty="0" err="1" smtClean="0"/>
-              <a:t>favourite</a:t>
+              <a:t>WebGL</a:t>
             </a:r>
             <a:r>
               <a:rPr lang="en-US" dirty="0" smtClean="0"/>
-              <a:t> OS</a:t>
-            </a:r>
-          </a:p>
-          <a:p>
+              <a:t> &amp; Canvas</a:t>
+            </a:r>
+          </a:p>
+          <a:p>
+            <a:r>
+              <a:rPr lang="en-US" dirty="0" err="1" smtClean="0"/>
+              <a:t>WebAudio</a:t>
+            </a:r>
             <a:r>
               <a:rPr lang="en-US" dirty="0" smtClean="0"/>
-              <a:t>Your </a:t>
-            </a:r>
-            <a:r>
-              <a:rPr lang="en-US" dirty="0" err="1" smtClean="0"/>
-              <a:t>favourite</a:t>
-            </a:r>
+              <a:t> &amp; HTML Audio</a:t>
+            </a:r>
+          </a:p>
+          <a:p>
             <a:r>
               <a:rPr lang="en-US" dirty="0" smtClean="0"/>
-              <a:t> editor</a:t>
-            </a:r>
-          </a:p>
-          <a:p>
-            <a:r>
-              <a:rPr lang="en-US" dirty="0" smtClean="0"/>
-              <a:t>Your </a:t>
-            </a:r>
-            <a:r>
-              <a:rPr lang="en-US" dirty="0" err="1" smtClean="0"/>
-              <a:t>favourite</a:t>
-            </a:r>
-            <a:r>
-              <a:rPr lang="en-US" dirty="0" smtClean="0"/>
-              <a:t> web server</a:t>
-            </a:r>
-          </a:p>
-          <a:p>
-            <a:endParaRPr lang="en-US" dirty="0"/>
-          </a:p>
-          <a:p>
-            <a:pPr marL="0" indent="0" algn="ctr">
-              <a:buNone/>
-            </a:pPr>
-            <a:r>
-              <a:rPr lang="en-US" dirty="0" smtClean="0"/>
-              <a:t>Or you can just use </a:t>
-            </a:r>
-            <a:r>
-              <a:rPr lang="en-US" dirty="0"/>
-              <a:t>Brackets! </a:t>
+              <a:t>Use pixi.js (</a:t>
             </a:r>
             <a:r>
               <a:rPr lang="en-US" dirty="0" smtClean="0">
@@ -13493,7 +13273,7 @@
               <a:rPr lang="en-US" dirty="0">
                 <a:hlinkClick r:id="rId2"/>
               </a:rPr>
-              <a:t>://brackets.io</a:t>
+              <a:t>://www.pixijs.com</a:t>
             </a:r>
             <a:r>
               <a:rPr lang="en-US" dirty="0" smtClean="0">
@@ -13501,6 +13281,73 @@
               </a:rPr>
               <a:t>/</a:t>
             </a:r>
+            <a:r>
+              <a:rPr lang="en-US" dirty="0" smtClean="0"/>
+              <a:t>)</a:t>
+            </a:r>
+            <a:endParaRPr lang="en-US" dirty="0"/>
+          </a:p>
+          <a:p>
+            <a:r>
+              <a:rPr lang="en-US" dirty="0" smtClean="0"/>
+              <a:t>Various physics engine supported</a:t>
+            </a:r>
+          </a:p>
+          <a:p>
+            <a:pPr lvl="1"/>
+            <a:r>
+              <a:rPr lang="en-US" dirty="0" smtClean="0"/>
+              <a:t>“arcade”: simple AABB physics engine</a:t>
+            </a:r>
+          </a:p>
+          <a:p>
+            <a:pPr lvl="1"/>
+            <a:r>
+              <a:rPr lang="en-US" dirty="0" smtClean="0"/>
+              <a:t>p2.js: complete physics engine</a:t>
+            </a:r>
+            <a:r>
+              <a:rPr lang="en-US" dirty="0"/>
+              <a:t/>
+            </a:r>
+            <a:br>
+              <a:rPr lang="en-US" dirty="0"/>
+            </a:br>
+            <a:r>
+              <a:rPr lang="en-US" dirty="0" smtClean="0"/>
+              <a:t>(</a:t>
+            </a:r>
+            <a:r>
+              <a:rPr lang="en-US" dirty="0" smtClean="0">
+                <a:hlinkClick r:id="rId3"/>
+              </a:rPr>
+              <a:t>http</a:t>
+            </a:r>
+            <a:r>
+              <a:rPr lang="en-US" dirty="0">
+                <a:hlinkClick r:id="rId3"/>
+              </a:rPr>
+              <a:t>://schteppe.github.io/p2.js</a:t>
+            </a:r>
+            <a:r>
+              <a:rPr lang="en-US" dirty="0" smtClean="0">
+                <a:hlinkClick r:id="rId3"/>
+              </a:rPr>
+              <a:t>/</a:t>
+            </a:r>
+            <a:r>
+              <a:rPr lang="en-US" dirty="0" smtClean="0"/>
+              <a:t>)</a:t>
+            </a:r>
+          </a:p>
+          <a:p>
+            <a:pPr lvl="1"/>
+            <a:endParaRPr lang="en-US" dirty="0" smtClean="0"/>
+          </a:p>
+          <a:p>
+            <a:pPr marL="457200" lvl="1" indent="0">
+              <a:buNone/>
+            </a:pPr>
             <a:endParaRPr lang="en-US" dirty="0" smtClean="0"/>
           </a:p>
         </p:txBody>
@@ -13541,39 +13388,9 @@
           </a:p>
         </p:txBody>
       </p:sp>
-      <p:pic>
-        <p:nvPicPr>
-          <p:cNvPr id="5" name="Immagine 4"/>
-          <p:cNvPicPr>
-            <a:picLocks noChangeAspect="1"/>
-          </p:cNvPicPr>
-          <p:nvPr/>
-        </p:nvPicPr>
-        <p:blipFill>
-          <a:blip r:embed="rId3">
-            <a:extLst>
-              <a:ext uri="{28A0092B-C50C-407E-A947-70E740481C1C}">
-                <a14:useLocalDpi xmlns:a14="http://schemas.microsoft.com/office/drawing/2010/main" val="0"/>
-              </a:ext>
-            </a:extLst>
-          </a:blip>
-          <a:stretch>
-            <a:fillRect/>
-          </a:stretch>
-        </p:blipFill>
-        <p:spPr>
-          <a:xfrm>
-            <a:off x="3807470" y="4509120"/>
-            <a:ext cx="1445146" cy="1445146"/>
-          </a:xfrm>
-          <a:prstGeom prst="rect">
-            <a:avLst/>
-          </a:prstGeom>
-        </p:spPr>
-      </p:pic>
-      <p:sp>
-        <p:nvSpPr>
-          <p:cNvPr id="6" name="Segnaposto numero diapositiva 5"/>
+      <p:sp>
+        <p:nvSpPr>
+          <p:cNvPr id="5" name="Segnaposto numero diapositiva 4"/>
           <p:cNvSpPr>
             <a:spLocks noGrp="1"/>
           </p:cNvSpPr>
@@ -13589,277 +13406,6 @@
             <a:fld id="{219C0E88-5C08-45F5-BD91-E93F425D2D58}" type="slidenum">
               <a:rPr lang="it-IT" smtClean="0"/>
               <a:t>6</a:t>
-            </a:fld>
-            <a:endParaRPr lang="it-IT"/>
-          </a:p>
-        </p:txBody>
-      </p:sp>
-    </p:spTree>
-    <p:extLst>
-      <p:ext uri="{BB962C8B-B14F-4D97-AF65-F5344CB8AC3E}">
-        <p14:creationId xmlns:p14="http://schemas.microsoft.com/office/powerpoint/2010/main" val="761961468"/>
-      </p:ext>
-    </p:extLst>
-  </p:cSld>
-  <p:clrMapOvr>
-    <a:masterClrMapping/>
-  </p:clrMapOvr>
-  <p:timing>
-    <p:tnLst>
-      <p:par>
-        <p:cTn id="1" dur="indefinite" restart="never" nodeType="tmRoot"/>
-      </p:par>
-    </p:tnLst>
-  </p:timing>
-</p:sld>
-</file>
-
-<file path=ppt/slides/slide7.xml><?xml version="1.0" encoding="utf-8"?>
-<p:sld xmlns:a="http://schemas.openxmlformats.org/drawingml/2006/main" xmlns:r="http://schemas.openxmlformats.org/officeDocument/2006/relationships" xmlns:p="http://schemas.openxmlformats.org/presentationml/2006/main" showMasterSp="0">
-  <p:cSld>
-    <p:spTree>
-      <p:nvGrpSpPr>
-        <p:cNvPr id="1" name=""/>
-        <p:cNvGrpSpPr/>
-        <p:nvPr/>
-      </p:nvGrpSpPr>
-      <p:grpSpPr>
-        <a:xfrm>
-          <a:off x="0" y="0"/>
-          <a:ext cx="0" cy="0"/>
-          <a:chOff x="0" y="0"/>
-          <a:chExt cx="0" cy="0"/>
-        </a:xfrm>
-      </p:grpSpPr>
-      <p:sp>
-        <p:nvSpPr>
-          <p:cNvPr id="2" name="Titolo 1"/>
-          <p:cNvSpPr>
-            <a:spLocks noGrp="1"/>
-          </p:cNvSpPr>
-          <p:nvPr>
-            <p:ph type="title"/>
-          </p:nvPr>
-        </p:nvSpPr>
-        <p:spPr/>
-        <p:txBody>
-          <a:bodyPr/>
-          <a:lstStyle/>
-          <a:p>
-            <a:pPr algn="ctr"/>
-            <a:r>
-              <a:rPr lang="en-US" dirty="0"/>
-              <a:t>Phaser (http://phaser.io</a:t>
-            </a:r>
-            <a:r>
-              <a:rPr lang="en-US" dirty="0" smtClean="0"/>
-              <a:t>/)</a:t>
-            </a:r>
-            <a:endParaRPr lang="en-US" dirty="0"/>
-          </a:p>
-        </p:txBody>
-      </p:sp>
-      <p:sp>
-        <p:nvSpPr>
-          <p:cNvPr id="3" name="Segnaposto contenuto 2"/>
-          <p:cNvSpPr>
-            <a:spLocks noGrp="1"/>
-          </p:cNvSpPr>
-          <p:nvPr>
-            <p:ph idx="1"/>
-          </p:nvPr>
-        </p:nvSpPr>
-        <p:spPr>
-          <a:xfrm>
-            <a:off x="628650" y="1825625"/>
-            <a:ext cx="7886700" cy="4351338"/>
-          </a:xfrm>
-        </p:spPr>
-        <p:txBody>
-          <a:bodyPr>
-            <a:normAutofit/>
-          </a:bodyPr>
-          <a:lstStyle/>
-          <a:p>
-            <a:r>
-              <a:rPr lang="en-US" dirty="0" smtClean="0"/>
-              <a:t>Easy to use</a:t>
-            </a:r>
-          </a:p>
-          <a:p>
-            <a:r>
-              <a:rPr lang="en-US" dirty="0" smtClean="0"/>
-              <a:t>Focused on mobile</a:t>
-            </a:r>
-          </a:p>
-          <a:p>
-            <a:r>
-              <a:rPr lang="en-US" dirty="0" err="1" smtClean="0"/>
-              <a:t>WebGL</a:t>
-            </a:r>
-            <a:r>
-              <a:rPr lang="en-US" dirty="0" smtClean="0"/>
-              <a:t> &amp; Canvas</a:t>
-            </a:r>
-          </a:p>
-          <a:p>
-            <a:r>
-              <a:rPr lang="en-US" dirty="0" err="1" smtClean="0"/>
-              <a:t>WebAudio</a:t>
-            </a:r>
-            <a:r>
-              <a:rPr lang="en-US" dirty="0" smtClean="0"/>
-              <a:t> &amp; HTML Audio</a:t>
-            </a:r>
-          </a:p>
-          <a:p>
-            <a:r>
-              <a:rPr lang="en-US" dirty="0" smtClean="0"/>
-              <a:t>Use pixi.js (</a:t>
-            </a:r>
-            <a:r>
-              <a:rPr lang="en-US" dirty="0" smtClean="0">
-                <a:hlinkClick r:id="rId2"/>
-              </a:rPr>
-              <a:t>http</a:t>
-            </a:r>
-            <a:r>
-              <a:rPr lang="en-US" dirty="0">
-                <a:hlinkClick r:id="rId2"/>
-              </a:rPr>
-              <a:t>://www.pixijs.com</a:t>
-            </a:r>
-            <a:r>
-              <a:rPr lang="en-US" dirty="0" smtClean="0">
-                <a:hlinkClick r:id="rId2"/>
-              </a:rPr>
-              <a:t>/</a:t>
-            </a:r>
-            <a:r>
-              <a:rPr lang="en-US" dirty="0" smtClean="0"/>
-              <a:t>)</a:t>
-            </a:r>
-            <a:endParaRPr lang="en-US" dirty="0"/>
-          </a:p>
-          <a:p>
-            <a:r>
-              <a:rPr lang="en-US" dirty="0" smtClean="0"/>
-              <a:t>Various physics engine supported</a:t>
-            </a:r>
-          </a:p>
-          <a:p>
-            <a:pPr lvl="1"/>
-            <a:r>
-              <a:rPr lang="en-US" dirty="0" smtClean="0"/>
-              <a:t>“arcade”: simple AABB physics engine</a:t>
-            </a:r>
-          </a:p>
-          <a:p>
-            <a:pPr lvl="1"/>
-            <a:r>
-              <a:rPr lang="en-US" dirty="0" smtClean="0"/>
-              <a:t>p2.js: complete physics engine</a:t>
-            </a:r>
-            <a:r>
-              <a:rPr lang="en-US" dirty="0"/>
-              <a:t/>
-            </a:r>
-            <a:br>
-              <a:rPr lang="en-US" dirty="0"/>
-            </a:br>
-            <a:r>
-              <a:rPr lang="en-US" dirty="0" smtClean="0"/>
-              <a:t>(</a:t>
-            </a:r>
-            <a:r>
-              <a:rPr lang="en-US" dirty="0" smtClean="0">
-                <a:hlinkClick r:id="rId3"/>
-              </a:rPr>
-              <a:t>http</a:t>
-            </a:r>
-            <a:r>
-              <a:rPr lang="en-US" dirty="0">
-                <a:hlinkClick r:id="rId3"/>
-              </a:rPr>
-              <a:t>://schteppe.github.io/p2.js</a:t>
-            </a:r>
-            <a:r>
-              <a:rPr lang="en-US" dirty="0" smtClean="0">
-                <a:hlinkClick r:id="rId3"/>
-              </a:rPr>
-              <a:t>/</a:t>
-            </a:r>
-            <a:r>
-              <a:rPr lang="en-US" dirty="0" smtClean="0"/>
-              <a:t>)</a:t>
-            </a:r>
-          </a:p>
-          <a:p>
-            <a:pPr lvl="1"/>
-            <a:endParaRPr lang="en-US" dirty="0" smtClean="0"/>
-          </a:p>
-          <a:p>
-            <a:pPr marL="457200" lvl="1" indent="0">
-              <a:buNone/>
-            </a:pPr>
-            <a:endParaRPr lang="en-US" dirty="0" smtClean="0"/>
-          </a:p>
-        </p:txBody>
-      </p:sp>
-      <p:sp>
-        <p:nvSpPr>
-          <p:cNvPr id="4" name="Segnaposto data 3"/>
-          <p:cNvSpPr>
-            <a:spLocks noGrp="1"/>
-          </p:cNvSpPr>
-          <p:nvPr>
-            <p:ph type="dt" sz="half" idx="10"/>
-          </p:nvPr>
-        </p:nvSpPr>
-        <p:spPr>
-          <a:xfrm>
-            <a:off x="539552" y="115094"/>
-            <a:ext cx="3233886" cy="365125"/>
-          </a:xfrm>
-        </p:spPr>
-        <p:txBody>
-          <a:bodyPr/>
-          <a:lstStyle/>
-          <a:p>
-            <a:r>
-              <a:rPr lang="en-US" b="1" i="1" smtClean="0">
-                <a:solidFill>
-                  <a:schemeClr val="bg1"/>
-                </a:solidFill>
-              </a:rPr>
-              <a:t>ROME  11-12 april 2014 – Valerio Riva</a:t>
-            </a:r>
-            <a:endParaRPr lang="it-IT" b="1" i="1" dirty="0">
-              <a:solidFill>
-                <a:schemeClr val="bg1"/>
-              </a:solidFill>
-            </a:endParaRPr>
-          </a:p>
-        </p:txBody>
-      </p:sp>
-      <p:sp>
-        <p:nvSpPr>
-          <p:cNvPr id="5" name="Segnaposto numero diapositiva 4"/>
-          <p:cNvSpPr>
-            <a:spLocks noGrp="1"/>
-          </p:cNvSpPr>
-          <p:nvPr>
-            <p:ph type="sldNum" sz="quarter" idx="12"/>
-          </p:nvPr>
-        </p:nvSpPr>
-        <p:spPr/>
-        <p:txBody>
-          <a:bodyPr/>
-          <a:lstStyle/>
-          <a:p>
-            <a:fld id="{219C0E88-5C08-45F5-BD91-E93F425D2D58}" type="slidenum">
-              <a:rPr lang="it-IT" smtClean="0"/>
-              <a:t>7</a:t>
             </a:fld>
             <a:endParaRPr lang="it-IT"/>
           </a:p>
@@ -13915,6 +13461,176 @@
 </p:sld>
 </file>
 
+<file path=ppt/slides/slide7.xml><?xml version="1.0" encoding="utf-8"?>
+<p:sld xmlns:a="http://schemas.openxmlformats.org/drawingml/2006/main" xmlns:r="http://schemas.openxmlformats.org/officeDocument/2006/relationships" xmlns:p="http://schemas.openxmlformats.org/presentationml/2006/main" showMasterSp="0">
+  <p:cSld>
+    <p:spTree>
+      <p:nvGrpSpPr>
+        <p:cNvPr id="1" name=""/>
+        <p:cNvGrpSpPr/>
+        <p:nvPr/>
+      </p:nvGrpSpPr>
+      <p:grpSpPr>
+        <a:xfrm>
+          <a:off x="0" y="0"/>
+          <a:ext cx="0" cy="0"/>
+          <a:chOff x="0" y="0"/>
+          <a:chExt cx="0" cy="0"/>
+        </a:xfrm>
+      </p:grpSpPr>
+      <p:sp>
+        <p:nvSpPr>
+          <p:cNvPr id="2" name="Titolo 1"/>
+          <p:cNvSpPr>
+            <a:spLocks noGrp="1"/>
+          </p:cNvSpPr>
+          <p:nvPr>
+            <p:ph type="title"/>
+          </p:nvPr>
+        </p:nvSpPr>
+        <p:spPr/>
+        <p:txBody>
+          <a:bodyPr>
+            <a:normAutofit/>
+          </a:bodyPr>
+          <a:lstStyle/>
+          <a:p>
+            <a:pPr algn="ctr"/>
+            <a:r>
+              <a:rPr lang="en-US" sz="4000" dirty="0" smtClean="0"/>
+              <a:t>Core Game Development Concepts</a:t>
+            </a:r>
+            <a:endParaRPr lang="en-US" sz="4000" dirty="0"/>
+          </a:p>
+        </p:txBody>
+      </p:sp>
+      <p:sp>
+        <p:nvSpPr>
+          <p:cNvPr id="3" name="Segnaposto contenuto 2"/>
+          <p:cNvSpPr>
+            <a:spLocks noGrp="1"/>
+          </p:cNvSpPr>
+          <p:nvPr>
+            <p:ph idx="1"/>
+          </p:nvPr>
+        </p:nvSpPr>
+        <p:spPr/>
+        <p:txBody>
+          <a:bodyPr/>
+          <a:lstStyle/>
+          <a:p>
+            <a:r>
+              <a:rPr lang="en-US" dirty="0" smtClean="0"/>
+              <a:t>Loop</a:t>
+            </a:r>
+          </a:p>
+          <a:p>
+            <a:r>
+              <a:rPr lang="en-US" dirty="0" smtClean="0"/>
+              <a:t>Sprite</a:t>
+            </a:r>
+          </a:p>
+          <a:p>
+            <a:r>
+              <a:rPr lang="en-US" dirty="0"/>
+              <a:t>Tilemap</a:t>
+            </a:r>
+            <a:endParaRPr lang="en-US" dirty="0" smtClean="0"/>
+          </a:p>
+          <a:p>
+            <a:r>
+              <a:rPr lang="en-US" dirty="0" smtClean="0"/>
+              <a:t>Collision</a:t>
+            </a:r>
+          </a:p>
+          <a:p>
+            <a:r>
+              <a:rPr lang="en-US" dirty="0" smtClean="0"/>
+              <a:t>Input</a:t>
+            </a:r>
+            <a:endParaRPr lang="en-US" dirty="0"/>
+          </a:p>
+        </p:txBody>
+      </p:sp>
+      <p:sp>
+        <p:nvSpPr>
+          <p:cNvPr id="4" name="Segnaposto data 3"/>
+          <p:cNvSpPr>
+            <a:spLocks noGrp="1"/>
+          </p:cNvSpPr>
+          <p:nvPr>
+            <p:ph type="dt" sz="half" idx="10"/>
+          </p:nvPr>
+        </p:nvSpPr>
+        <p:spPr>
+          <a:xfrm>
+            <a:off x="539552" y="115094"/>
+            <a:ext cx="3233886" cy="365125"/>
+          </a:xfrm>
+        </p:spPr>
+        <p:txBody>
+          <a:bodyPr/>
+          <a:lstStyle/>
+          <a:p>
+            <a:r>
+              <a:rPr lang="en-US" b="1" i="1" smtClean="0">
+                <a:solidFill>
+                  <a:schemeClr val="bg1"/>
+                </a:solidFill>
+              </a:rPr>
+              <a:t>ROME  11-12 april 2014 – Valerio Riva</a:t>
+            </a:r>
+            <a:endParaRPr lang="it-IT" b="1" i="1" dirty="0">
+              <a:solidFill>
+                <a:schemeClr val="bg1"/>
+              </a:solidFill>
+            </a:endParaRPr>
+          </a:p>
+        </p:txBody>
+      </p:sp>
+      <p:sp>
+        <p:nvSpPr>
+          <p:cNvPr id="5" name="Segnaposto numero diapositiva 4"/>
+          <p:cNvSpPr>
+            <a:spLocks noGrp="1"/>
+          </p:cNvSpPr>
+          <p:nvPr>
+            <p:ph type="sldNum" sz="quarter" idx="12"/>
+          </p:nvPr>
+        </p:nvSpPr>
+        <p:spPr/>
+        <p:txBody>
+          <a:bodyPr/>
+          <a:lstStyle/>
+          <a:p>
+            <a:fld id="{219C0E88-5C08-45F5-BD91-E93F425D2D58}" type="slidenum">
+              <a:rPr lang="it-IT" smtClean="0"/>
+              <a:t>7</a:t>
+            </a:fld>
+            <a:endParaRPr lang="it-IT"/>
+          </a:p>
+        </p:txBody>
+      </p:sp>
+    </p:spTree>
+    <p:extLst>
+      <p:ext uri="{BB962C8B-B14F-4D97-AF65-F5344CB8AC3E}">
+        <p14:creationId xmlns:p14="http://schemas.microsoft.com/office/powerpoint/2010/main" val="3154257847"/>
+      </p:ext>
+    </p:extLst>
+  </p:cSld>
+  <p:clrMapOvr>
+    <a:masterClrMapping/>
+  </p:clrMapOvr>
+  <p:timing>
+    <p:tnLst>
+      <p:par>
+        <p:cTn id="1" dur="indefinite" restart="never" nodeType="tmRoot"/>
+      </p:par>
+    </p:tnLst>
+  </p:timing>
+</p:sld>
+</file>
+
 <file path=ppt/slides/slide8.xml><?xml version="1.0" encoding="utf-8"?>
 <p:sld xmlns:a="http://schemas.openxmlformats.org/drawingml/2006/main" xmlns:r="http://schemas.openxmlformats.org/officeDocument/2006/relationships" xmlns:p="http://schemas.openxmlformats.org/presentationml/2006/main" showMasterSp="0">
   <p:cSld>
@@ -13951,8 +13667,20 @@
           <a:p>
             <a:pPr algn="ctr"/>
             <a:r>
+              <a:rPr lang="en-US" sz="4000" dirty="0"/>
+              <a:t>d</a:t>
+            </a:r>
+            <a:r>
               <a:rPr lang="en-US" sz="4000" dirty="0" smtClean="0"/>
-              <a:t>Core Game Development Concepts</a:t>
+              <a:t>o { </a:t>
+            </a:r>
+            <a:r>
+              <a:rPr lang="en-US" sz="4000" i="1" dirty="0" smtClean="0"/>
+              <a:t>game</a:t>
+            </a:r>
+            <a:r>
+              <a:rPr lang="en-US" sz="4000" dirty="0" smtClean="0"/>
+              <a:t> } while (true);</a:t>
             </a:r>
             <a:endParaRPr lang="en-US" sz="4000" dirty="0"/>
           </a:p>
@@ -13970,39 +13698,80 @@
         </p:nvSpPr>
         <p:spPr/>
         <p:txBody>
-          <a:bodyPr/>
+          <a:bodyPr>
+            <a:normAutofit/>
+          </a:bodyPr>
           <a:lstStyle/>
           <a:p>
             <a:r>
               <a:rPr lang="en-US" dirty="0" smtClean="0"/>
-              <a:t>Loop</a:t>
-            </a:r>
-          </a:p>
-          <a:p>
+              <a:t>The hearth of the game</a:t>
+            </a:r>
+          </a:p>
+          <a:p>
+            <a:pPr lvl="1"/>
             <a:r>
               <a:rPr lang="en-US" dirty="0" smtClean="0"/>
-              <a:t>Sprite</a:t>
-            </a:r>
-          </a:p>
-          <a:p>
+              <a:t>update </a:t>
+            </a:r>
+            <a:r>
+              <a:rPr lang="en-US" dirty="0" smtClean="0"/>
+              <a:t>loop executes game logic</a:t>
+            </a:r>
+          </a:p>
+          <a:p>
+            <a:pPr lvl="2"/>
             <a:r>
               <a:rPr lang="en-US" dirty="0"/>
-              <a:t>Tilemap</a:t>
+              <a:t>Inputs, AI, </a:t>
+            </a:r>
+            <a:r>
+              <a:rPr lang="en-US" dirty="0" smtClean="0"/>
+              <a:t>collisions… </a:t>
+            </a:r>
+            <a:r>
+              <a:rPr lang="en-US" dirty="0"/>
+              <a:t>your game is computed here!</a:t>
             </a:r>
             <a:endParaRPr lang="en-US" dirty="0" smtClean="0"/>
           </a:p>
           <a:p>
+            <a:pPr lvl="1"/>
             <a:r>
               <a:rPr lang="en-US" dirty="0" smtClean="0"/>
-              <a:t>Collision</a:t>
+              <a:t>render loop draws graphic elements to screen</a:t>
             </a:r>
           </a:p>
           <a:p>
             <a:r>
               <a:rPr lang="en-US" dirty="0" smtClean="0"/>
-              <a:t>Input</a:t>
-            </a:r>
-            <a:endParaRPr lang="en-US" dirty="0"/>
+              <a:t>Phaser game implementation</a:t>
+            </a:r>
+          </a:p>
+          <a:p>
+            <a:pPr lvl="1"/>
+            <a:r>
+              <a:rPr lang="en-US" dirty="0" smtClean="0"/>
+              <a:t>Game is a set of states</a:t>
+            </a:r>
+          </a:p>
+          <a:p>
+            <a:pPr lvl="1"/>
+            <a:r>
+              <a:rPr lang="en-US" dirty="0" smtClean="0"/>
+              <a:t>Each state has its own loops</a:t>
+            </a:r>
+          </a:p>
+          <a:p>
+            <a:pPr lvl="1"/>
+            <a:r>
+              <a:rPr lang="en-US" dirty="0" smtClean="0"/>
+              <a:t>Render loop is supplied by pixi.js</a:t>
+            </a:r>
+          </a:p>
+          <a:p>
+            <a:pPr lvl="1"/>
+            <a:endParaRPr lang="en-US" dirty="0" smtClean="0"/>
           </a:p>
         </p:txBody>
       </p:sp>
@@ -14068,7 +13837,7 @@
     </p:spTree>
     <p:extLst>
       <p:ext uri="{BB962C8B-B14F-4D97-AF65-F5344CB8AC3E}">
-        <p14:creationId xmlns:p14="http://schemas.microsoft.com/office/powerpoint/2010/main" val="3154257847"/>
+        <p14:creationId xmlns:p14="http://schemas.microsoft.com/office/powerpoint/2010/main" val="3092724428"/>
       </p:ext>
     </p:extLst>
   </p:cSld>
@@ -14121,20 +13890,8 @@
           <a:p>
             <a:pPr algn="ctr"/>
             <a:r>
-              <a:rPr lang="en-US" sz="4000" dirty="0"/>
-              <a:t>d</a:t>
-            </a:r>
-            <a:r>
               <a:rPr lang="en-US" sz="4000" dirty="0" smtClean="0"/>
-              <a:t>o { </a:t>
-            </a:r>
-            <a:r>
-              <a:rPr lang="en-US" sz="4000" i="1" dirty="0" smtClean="0"/>
-              <a:t>game</a:t>
-            </a:r>
-            <a:r>
-              <a:rPr lang="en-US" sz="4000" dirty="0" smtClean="0"/>
-              <a:t> } while (true);</a:t>
+              <a:t>Phaser game state</a:t>
             </a:r>
             <a:endParaRPr lang="en-US" sz="4000" dirty="0"/>
           </a:p>
@@ -14157,63 +13914,115 @@
           </a:bodyPr>
           <a:lstStyle/>
           <a:p>
+            <a:pPr marL="0" indent="0">
+              <a:buNone/>
+            </a:pPr>
             <a:r>
               <a:rPr lang="en-US" dirty="0" smtClean="0"/>
-              <a:t>update loop executes game logic</a:t>
+              <a:t>Main functions:</a:t>
             </a:r>
           </a:p>
           <a:p>
             <a:pPr lvl="1"/>
             <a:r>
+              <a:rPr lang="en-US" b="1" dirty="0"/>
+              <a:t>preload</a:t>
+            </a:r>
+            <a:r>
               <a:rPr lang="en-US" dirty="0"/>
-              <a:t>Inputs, AI, </a:t>
+              <a:t>: </a:t>
             </a:r>
             <a:r>
               <a:rPr lang="en-US" dirty="0" smtClean="0"/>
-              <a:t>collisions… </a:t>
-            </a:r>
-            <a:r>
-              <a:rPr lang="en-US" dirty="0"/>
-              <a:t>your game is computed here!</a:t>
-            </a:r>
-            <a:endParaRPr lang="en-US" dirty="0" smtClean="0"/>
-          </a:p>
-          <a:p>
+              <a:t>used to load assets</a:t>
+            </a:r>
+            <a:endParaRPr lang="en-US" dirty="0"/>
+          </a:p>
+          <a:p>
+            <a:pPr lvl="1"/>
+            <a:r>
+              <a:rPr lang="en-US" b="1" dirty="0" smtClean="0"/>
+              <a:t>create</a:t>
+            </a:r>
             <a:r>
               <a:rPr lang="en-US" dirty="0" smtClean="0"/>
-              <a:t>render loop draws graphic elements to screen</a:t>
-            </a:r>
-          </a:p>
-          <a:p>
+              <a:t>: state initialization</a:t>
+            </a:r>
+          </a:p>
+          <a:p>
+            <a:pPr lvl="1"/>
+            <a:r>
+              <a:rPr lang="en-US" b="1" dirty="0" smtClean="0"/>
+              <a:t>update</a:t>
+            </a:r>
             <a:r>
               <a:rPr lang="en-US" dirty="0" smtClean="0"/>
-              <a:t>Phaser game implementation</a:t>
+              <a:t>: the </a:t>
+            </a:r>
+            <a:r>
+              <a:rPr lang="en-US" i="1" dirty="0" smtClean="0"/>
+              <a:t>real</a:t>
+            </a:r>
+            <a:r>
+              <a:rPr lang="en-US" dirty="0" smtClean="0"/>
+              <a:t> game loop</a:t>
             </a:r>
           </a:p>
           <a:p>
             <a:pPr lvl="1"/>
             <a:r>
+              <a:rPr lang="en-US" b="1" dirty="0" smtClean="0"/>
+              <a:t>render</a:t>
+            </a:r>
+            <a:r>
               <a:rPr lang="en-US" dirty="0" smtClean="0"/>
-              <a:t>Game is a set of states</a:t>
+              <a:t>: called after rendering. Use it for debugging and post-rendering purposes</a:t>
+            </a:r>
+            <a:endParaRPr lang="en-US" b="1" dirty="0"/>
+          </a:p>
+          <a:p>
+            <a:r>
+              <a:rPr lang="en-US" dirty="0" smtClean="0"/>
+              <a:t>Other function:</a:t>
             </a:r>
           </a:p>
           <a:p>
             <a:pPr lvl="1"/>
             <a:r>
+              <a:rPr lang="en-US" b="1" dirty="0"/>
+              <a:t>p</a:t>
+            </a:r>
+            <a:r>
+              <a:rPr lang="en-US" b="1" dirty="0" smtClean="0"/>
+              <a:t>ause</a:t>
+            </a:r>
+            <a:r>
               <a:rPr lang="en-US" dirty="0" smtClean="0"/>
-              <a:t>Each state has its own loops</a:t>
+              <a:t>: called when the game is paused (on focus loss)</a:t>
             </a:r>
           </a:p>
           <a:p>
             <a:pPr lvl="1"/>
             <a:r>
+              <a:rPr lang="en-US" b="1" dirty="0"/>
+              <a:t>s</a:t>
+            </a:r>
+            <a:r>
+              <a:rPr lang="en-US" b="1" dirty="0" smtClean="0"/>
+              <a:t>hutdown</a:t>
+            </a:r>
+            <a:r>
               <a:rPr lang="en-US" dirty="0" smtClean="0"/>
-              <a:t>Render loop is supplied by pixi.js</a:t>
+              <a:t>: called when leaving a state</a:t>
             </a:r>
           </a:p>
           <a:p>
             <a:pPr lvl="1"/>
-            <a:endParaRPr lang="en-US" dirty="0" smtClean="0"/>
+            <a:r>
+              <a:rPr lang="en-US" dirty="0" smtClean="0"/>
+              <a:t>…</a:t>
+            </a:r>
+            <a:endParaRPr lang="en-US" dirty="0"/>
           </a:p>
         </p:txBody>
       </p:sp>
@@ -14279,7 +14088,7 @@
     </p:spTree>
     <p:extLst>
       <p:ext uri="{BB962C8B-B14F-4D97-AF65-F5344CB8AC3E}">
-        <p14:creationId xmlns:p14="http://schemas.microsoft.com/office/powerpoint/2010/main" val="3092724428"/>
+        <p14:creationId xmlns:p14="http://schemas.microsoft.com/office/powerpoint/2010/main" val="3632048830"/>
       </p:ext>
     </p:extLst>
   </p:cSld>

--- a/codemotion.pptx
+++ b/codemotion.pptx
@@ -304,7 +304,7 @@
           <a:p>
             <a:fld id="{DC661A4A-D0C3-4623-84C2-FD4286BDBB96}" type="datetimeFigureOut">
               <a:rPr lang="it-IT" smtClean="0"/>
-              <a:t>07/04/2014</a:t>
+              <a:t>08/04/2014</a:t>
             </a:fld>
             <a:endParaRPr lang="it-IT"/>
           </a:p>
@@ -5437,26 +5437,14 @@
             </a:r>
             <a:r>
               <a:rPr lang="en-US" dirty="0" smtClean="0"/>
-              <a:t>as a </a:t>
-            </a:r>
-            <a:r>
-              <a:rPr lang="en-US" dirty="0" smtClean="0"/>
-              <a:t>set of coordinates </a:t>
-            </a:r>
-            <a:r>
-              <a:rPr lang="en-US" dirty="0" smtClean="0"/>
-              <a:t/>
+              <a:t>as a set of coordinates </a:t>
             </a:r>
             <a:br>
               <a:rPr lang="en-US" dirty="0" smtClean="0"/>
             </a:br>
             <a:r>
               <a:rPr lang="en-US" dirty="0" smtClean="0"/>
-              <a:t>and </a:t>
-            </a:r>
-            <a:r>
-              <a:rPr lang="en-US" dirty="0" smtClean="0"/>
-              <a:t>sizes</a:t>
+              <a:t>and sizes</a:t>
             </a:r>
           </a:p>
           <a:p>
@@ -8548,21 +8536,7 @@
                 <a:latin typeface="Consolas" panose="020B0609020204030204" pitchFamily="49" charset="0"/>
                 <a:cs typeface="Consolas" panose="020B0609020204030204" pitchFamily="49" charset="0"/>
               </a:rPr>
-              <a:t>(sprite, [tilemap, group], function(sprite, </a:t>
-            </a:r>
-            <a:r>
-              <a:rPr lang="en-US" sz="1800" dirty="0" smtClean="0">
-                <a:latin typeface="Consolas" panose="020B0609020204030204" pitchFamily="49" charset="0"/>
-                <a:cs typeface="Consolas" panose="020B0609020204030204" pitchFamily="49" charset="0"/>
-              </a:rPr>
-              <a:t>other) </a:t>
-            </a:r>
-            <a:r>
-              <a:rPr lang="en-US" sz="1800" dirty="0" smtClean="0">
-                <a:latin typeface="Consolas" panose="020B0609020204030204" pitchFamily="49" charset="0"/>
-                <a:cs typeface="Consolas" panose="020B0609020204030204" pitchFamily="49" charset="0"/>
-              </a:rPr>
-              <a:t>{ … });</a:t>
+              <a:t>(sprite, [tilemap, group], function(sprite, other) { … });</a:t>
             </a:r>
           </a:p>
           <a:p>
@@ -8795,14 +8769,13 @@
             </a:r>
             <a:r>
               <a:rPr lang="en-US" dirty="0" smtClean="0"/>
-              <a:t>: crazy slot cars (coming soon!)</a:t>
-            </a:r>
-          </a:p>
-          <a:p>
+              <a:t>: crazy slot cars (coming soon</a:t>
+            </a:r>
             <a:r>
               <a:rPr lang="en-US" dirty="0" smtClean="0"/>
-              <a:t>First game made: “Who wants to be a fake millionaire” on Nintendo DS as homebrew</a:t>
-            </a:r>
+              <a:t>!)</a:t>
+            </a:r>
+            <a:endParaRPr lang="en-US" dirty="0" smtClean="0"/>
           </a:p>
         </p:txBody>
       </p:sp>
@@ -8865,6 +8838,66 @@
           </a:p>
         </p:txBody>
       </p:sp>
+      <p:pic>
+        <p:nvPicPr>
+          <p:cNvPr id="6" name="Immagine 5"/>
+          <p:cNvPicPr>
+            <a:picLocks noChangeAspect="1"/>
+          </p:cNvPicPr>
+          <p:nvPr/>
+        </p:nvPicPr>
+        <p:blipFill>
+          <a:blip r:embed="rId4">
+            <a:extLst>
+              <a:ext uri="{28A0092B-C50C-407E-A947-70E740481C1C}">
+                <a14:useLocalDpi xmlns:a14="http://schemas.microsoft.com/office/drawing/2010/main" val="0"/>
+              </a:ext>
+            </a:extLst>
+          </a:blip>
+          <a:stretch>
+            <a:fillRect/>
+          </a:stretch>
+        </p:blipFill>
+        <p:spPr>
+          <a:xfrm>
+            <a:off x="5126176" y="3722303"/>
+            <a:ext cx="2663548" cy="2663548"/>
+          </a:xfrm>
+          <a:prstGeom prst="rect">
+            <a:avLst/>
+          </a:prstGeom>
+        </p:spPr>
+      </p:pic>
+      <p:pic>
+        <p:nvPicPr>
+          <p:cNvPr id="8" name="Immagine 7"/>
+          <p:cNvPicPr>
+            <a:picLocks noChangeAspect="1"/>
+          </p:cNvPicPr>
+          <p:nvPr/>
+        </p:nvPicPr>
+        <p:blipFill>
+          <a:blip r:embed="rId5">
+            <a:extLst>
+              <a:ext uri="{28A0092B-C50C-407E-A947-70E740481C1C}">
+                <a14:useLocalDpi xmlns:a14="http://schemas.microsoft.com/office/drawing/2010/main" val="0"/>
+              </a:ext>
+            </a:extLst>
+          </a:blip>
+          <a:stretch>
+            <a:fillRect/>
+          </a:stretch>
+        </p:blipFill>
+        <p:spPr>
+          <a:xfrm>
+            <a:off x="1187624" y="3648477"/>
+            <a:ext cx="3748266" cy="2811200"/>
+          </a:xfrm>
+          <a:prstGeom prst="rect">
+            <a:avLst/>
+          </a:prstGeom>
+        </p:spPr>
+      </p:pic>
     </p:spTree>
     <p:extLst>
       <p:ext uri="{BB962C8B-B14F-4D97-AF65-F5344CB8AC3E}">
@@ -13712,11 +13745,7 @@
             <a:pPr lvl="1"/>
             <a:r>
               <a:rPr lang="en-US" dirty="0" smtClean="0"/>
-              <a:t>update </a:t>
-            </a:r>
-            <a:r>
-              <a:rPr lang="en-US" dirty="0" smtClean="0"/>
-              <a:t>loop executes game logic</a:t>
+              <a:t>update loop executes game logic</a:t>
             </a:r>
           </a:p>
           <a:p>

--- a/codemotion.pptx
+++ b/codemotion.pptx
@@ -19,23 +19,23 @@
     <p:sldId id="268" r:id="rId10"/>
     <p:sldId id="270" r:id="rId11"/>
     <p:sldId id="272" r:id="rId12"/>
-    <p:sldId id="273" r:id="rId13"/>
-    <p:sldId id="277" r:id="rId14"/>
-    <p:sldId id="280" r:id="rId15"/>
-    <p:sldId id="282" r:id="rId16"/>
-    <p:sldId id="294" r:id="rId17"/>
+    <p:sldId id="293" r:id="rId13"/>
+    <p:sldId id="273" r:id="rId14"/>
+    <p:sldId id="277" r:id="rId15"/>
+    <p:sldId id="280" r:id="rId16"/>
+    <p:sldId id="282" r:id="rId17"/>
     <p:sldId id="302" r:id="rId18"/>
-    <p:sldId id="281" r:id="rId19"/>
-    <p:sldId id="300" r:id="rId20"/>
-    <p:sldId id="301" r:id="rId21"/>
-    <p:sldId id="290" r:id="rId22"/>
-    <p:sldId id="284" r:id="rId23"/>
-    <p:sldId id="285" r:id="rId24"/>
-    <p:sldId id="286" r:id="rId25"/>
-    <p:sldId id="287" r:id="rId26"/>
-    <p:sldId id="291" r:id="rId27"/>
-    <p:sldId id="297" r:id="rId28"/>
-    <p:sldId id="293" r:id="rId29"/>
+    <p:sldId id="294" r:id="rId19"/>
+    <p:sldId id="281" r:id="rId20"/>
+    <p:sldId id="300" r:id="rId21"/>
+    <p:sldId id="301" r:id="rId22"/>
+    <p:sldId id="290" r:id="rId23"/>
+    <p:sldId id="284" r:id="rId24"/>
+    <p:sldId id="285" r:id="rId25"/>
+    <p:sldId id="286" r:id="rId26"/>
+    <p:sldId id="287" r:id="rId27"/>
+    <p:sldId id="291" r:id="rId28"/>
+    <p:sldId id="297" r:id="rId29"/>
     <p:sldId id="296" r:id="rId30"/>
     <p:sldId id="299" r:id="rId31"/>
   </p:sldIdLst>
@@ -181,12 +181,13 @@
             <p14:sldId id="268"/>
             <p14:sldId id="270"/>
             <p14:sldId id="272"/>
+            <p14:sldId id="293"/>
             <p14:sldId id="273"/>
             <p14:sldId id="277"/>
             <p14:sldId id="280"/>
             <p14:sldId id="282"/>
+            <p14:sldId id="302"/>
             <p14:sldId id="294"/>
-            <p14:sldId id="302"/>
             <p14:sldId id="281"/>
             <p14:sldId id="300"/>
             <p14:sldId id="301"/>
@@ -197,7 +198,6 @@
             <p14:sldId id="287"/>
             <p14:sldId id="291"/>
             <p14:sldId id="297"/>
-            <p14:sldId id="293"/>
             <p14:sldId id="296"/>
             <p14:sldId id="299"/>
           </p14:sldIdLst>
@@ -304,7 +304,7 @@
           <a:p>
             <a:fld id="{DC661A4A-D0C3-4623-84C2-FD4286BDBB96}" type="datetimeFigureOut">
               <a:rPr lang="it-IT" smtClean="0"/>
-              <a:t>08/04/2014</a:t>
+              <a:t>09/04/2014</a:t>
             </a:fld>
             <a:endParaRPr lang="it-IT"/>
           </a:p>
@@ -637,7 +637,7 @@
           <a:p>
             <a:fld id="{B74071AC-48DE-4D22-A987-195E984FE17A}" type="slidenum">
               <a:rPr lang="it-IT" smtClean="0"/>
-              <a:t>17</a:t>
+              <a:t>18</a:t>
             </a:fld>
             <a:endParaRPr lang="it-IT"/>
           </a:p>
@@ -805,7 +805,7 @@
           <a:p>
             <a:fld id="{B74071AC-48DE-4D22-A987-195E984FE17A}" type="slidenum">
               <a:rPr lang="it-IT" smtClean="0"/>
-              <a:t>20</a:t>
+              <a:t>21</a:t>
             </a:fld>
             <a:endParaRPr lang="it-IT"/>
           </a:p>
@@ -889,7 +889,7 @@
           <a:p>
             <a:fld id="{B74071AC-48DE-4D22-A987-195E984FE17A}" type="slidenum">
               <a:rPr lang="it-IT" smtClean="0"/>
-              <a:t>21</a:t>
+              <a:t>22</a:t>
             </a:fld>
             <a:endParaRPr lang="it-IT"/>
           </a:p>
@@ -973,7 +973,7 @@
           <a:p>
             <a:fld id="{B74071AC-48DE-4D22-A987-195E984FE17A}" type="slidenum">
               <a:rPr lang="it-IT" smtClean="0"/>
-              <a:t>22</a:t>
+              <a:t>23</a:t>
             </a:fld>
             <a:endParaRPr lang="it-IT"/>
           </a:p>
@@ -1057,7 +1057,7 @@
           <a:p>
             <a:fld id="{B74071AC-48DE-4D22-A987-195E984FE17A}" type="slidenum">
               <a:rPr lang="it-IT" smtClean="0"/>
-              <a:t>23</a:t>
+              <a:t>24</a:t>
             </a:fld>
             <a:endParaRPr lang="it-IT"/>
           </a:p>
@@ -1141,7 +1141,7 @@
           <a:p>
             <a:fld id="{B74071AC-48DE-4D22-A987-195E984FE17A}" type="slidenum">
               <a:rPr lang="it-IT" smtClean="0"/>
-              <a:t>24</a:t>
+              <a:t>25</a:t>
             </a:fld>
             <a:endParaRPr lang="it-IT"/>
           </a:p>
@@ -1225,7 +1225,7 @@
           <a:p>
             <a:fld id="{B74071AC-48DE-4D22-A987-195E984FE17A}" type="slidenum">
               <a:rPr lang="it-IT" smtClean="0"/>
-              <a:t>25</a:t>
+              <a:t>26</a:t>
             </a:fld>
             <a:endParaRPr lang="it-IT"/>
           </a:p>
@@ -1309,7 +1309,7 @@
           <a:p>
             <a:fld id="{B74071AC-48DE-4D22-A987-195E984FE17A}" type="slidenum">
               <a:rPr lang="it-IT" smtClean="0"/>
-              <a:t>26</a:t>
+              <a:t>27</a:t>
             </a:fld>
             <a:endParaRPr lang="it-IT"/>
           </a:p>
@@ -5056,7 +5056,7 @@
         <p:spPr>
           <a:xfrm>
             <a:off x="1295400" y="3962400"/>
-            <a:ext cx="6934200" cy="369888"/>
+            <a:ext cx="6934200" cy="1754326"/>
           </a:xfrm>
           <a:prstGeom prst="rect">
             <a:avLst/>
@@ -5078,14 +5078,70 @@
               </a:spcAft>
               <a:defRPr/>
             </a:pPr>
+            <a:endParaRPr lang="it-IT" b="1" i="1" dirty="0" smtClean="0">
+              <a:latin typeface="Arial"/>
+              <a:ea typeface="+mn-ea"/>
+              <a:cs typeface="Arial"/>
+              <a:hlinkClick r:id="rId2"/>
+            </a:endParaRPr>
+          </a:p>
+          <a:p>
+            <a:pPr fontAlgn="auto">
+              <a:spcBef>
+                <a:spcPts val="0"/>
+              </a:spcBef>
+              <a:spcAft>
+                <a:spcPts val="0"/>
+              </a:spcAft>
+              <a:defRPr/>
+            </a:pPr>
+            <a:r>
+              <a:rPr lang="it-IT" b="1" i="1" dirty="0">
+                <a:latin typeface="Arial"/>
+                <a:ea typeface="+mn-ea"/>
+                <a:cs typeface="Arial"/>
+              </a:rPr>
+              <a:t> </a:t>
+            </a:r>
             <a:r>
               <a:rPr lang="it-IT" b="1" i="1" dirty="0" smtClean="0">
                 <a:latin typeface="Arial"/>
                 <a:ea typeface="+mn-ea"/>
                 <a:cs typeface="Arial"/>
               </a:rPr>
+              <a:t>           </a:t>
+            </a:r>
+            <a:r>
+              <a:rPr lang="it-IT" b="1" i="1" dirty="0" smtClean="0">
+                <a:latin typeface="Arial"/>
+                <a:ea typeface="+mn-ea"/>
+                <a:cs typeface="Arial"/>
+                <a:hlinkClick r:id="rId2"/>
+              </a:rPr>
               <a:t>valerio.riva@gmail.com</a:t>
             </a:r>
+            <a:endParaRPr lang="it-IT" b="1" i="1" dirty="0" smtClean="0">
+              <a:solidFill>
+                <a:schemeClr val="tx1">
+                  <a:lumMod val="75000"/>
+                  <a:lumOff val="25000"/>
+                </a:schemeClr>
+              </a:solidFill>
+              <a:latin typeface="Arial"/>
+              <a:ea typeface="+mn-ea"/>
+              <a:cs typeface="Arial"/>
+            </a:endParaRPr>
+          </a:p>
+          <a:p>
+            <a:pPr fontAlgn="auto">
+              <a:spcBef>
+                <a:spcPts val="0"/>
+              </a:spcBef>
+              <a:spcAft>
+                <a:spcPts val="0"/>
+              </a:spcAft>
+              <a:defRPr/>
+            </a:pPr>
             <a:r>
               <a:rPr lang="it-IT" b="1" i="1" dirty="0" smtClean="0">
                 <a:solidFill>
@@ -5098,7 +5154,179 @@
                 <a:ea typeface="+mn-ea"/>
                 <a:cs typeface="Arial"/>
               </a:rPr>
-              <a:t> – Interactive Project</a:t>
+              <a:t>           </a:t>
+            </a:r>
+          </a:p>
+          <a:p>
+            <a:pPr fontAlgn="auto">
+              <a:spcBef>
+                <a:spcPts val="0"/>
+              </a:spcBef>
+              <a:spcAft>
+                <a:spcPts val="0"/>
+              </a:spcAft>
+              <a:defRPr/>
+            </a:pPr>
+            <a:r>
+              <a:rPr lang="it-IT" b="1" i="1" dirty="0">
+                <a:solidFill>
+                  <a:schemeClr val="tx1">
+                    <a:lumMod val="75000"/>
+                    <a:lumOff val="25000"/>
+                  </a:schemeClr>
+                </a:solidFill>
+                <a:latin typeface="Arial"/>
+                <a:ea typeface="+mn-ea"/>
+                <a:cs typeface="Arial"/>
+              </a:rPr>
+              <a:t> </a:t>
+            </a:r>
+            <a:r>
+              <a:rPr lang="it-IT" b="1" i="1" dirty="0" smtClean="0">
+                <a:solidFill>
+                  <a:schemeClr val="tx1">
+                    <a:lumMod val="75000"/>
+                    <a:lumOff val="25000"/>
+                  </a:schemeClr>
+                </a:solidFill>
+                <a:latin typeface="Arial"/>
+                <a:ea typeface="+mn-ea"/>
+                <a:cs typeface="Arial"/>
+              </a:rPr>
+              <a:t>           </a:t>
+            </a:r>
+            <a:r>
+              <a:rPr lang="it-IT" b="1" i="1" dirty="0" smtClean="0">
+                <a:solidFill>
+                  <a:schemeClr val="tx1">
+                    <a:lumMod val="75000"/>
+                    <a:lumOff val="25000"/>
+                  </a:schemeClr>
+                </a:solidFill>
+                <a:latin typeface="Arial"/>
+                <a:ea typeface="+mn-ea"/>
+                <a:cs typeface="Arial"/>
+                <a:hlinkClick r:id="rId3"/>
+              </a:rPr>
+              <a:t>@</a:t>
+            </a:r>
+            <a:r>
+              <a:rPr lang="it-IT" b="1" i="1" dirty="0" err="1" smtClean="0">
+                <a:solidFill>
+                  <a:schemeClr val="tx1">
+                    <a:lumMod val="75000"/>
+                    <a:lumOff val="25000"/>
+                  </a:schemeClr>
+                </a:solidFill>
+                <a:latin typeface="Arial"/>
+                <a:ea typeface="+mn-ea"/>
+                <a:cs typeface="Arial"/>
+                <a:hlinkClick r:id="rId3"/>
+              </a:rPr>
+              <a:t>ValerioRiva</a:t>
+            </a:r>
+            <a:endParaRPr lang="it-IT" b="1" i="1" dirty="0" smtClean="0">
+              <a:solidFill>
+                <a:schemeClr val="tx1">
+                  <a:lumMod val="75000"/>
+                  <a:lumOff val="25000"/>
+                </a:schemeClr>
+              </a:solidFill>
+              <a:latin typeface="Arial"/>
+              <a:ea typeface="+mn-ea"/>
+              <a:cs typeface="Arial"/>
+            </a:endParaRPr>
+          </a:p>
+          <a:p>
+            <a:pPr fontAlgn="auto">
+              <a:spcBef>
+                <a:spcPts val="0"/>
+              </a:spcBef>
+              <a:spcAft>
+                <a:spcPts val="0"/>
+              </a:spcAft>
+              <a:defRPr/>
+            </a:pPr>
+            <a:endParaRPr lang="it-IT" b="1" i="1" dirty="0" smtClean="0">
+              <a:solidFill>
+                <a:schemeClr val="tx1">
+                  <a:lumMod val="75000"/>
+                  <a:lumOff val="25000"/>
+                </a:schemeClr>
+              </a:solidFill>
+              <a:latin typeface="Arial"/>
+              <a:ea typeface="+mn-ea"/>
+              <a:cs typeface="Arial"/>
+              <a:hlinkClick r:id="rId4"/>
+            </a:endParaRPr>
+          </a:p>
+          <a:p>
+            <a:pPr fontAlgn="auto">
+              <a:spcBef>
+                <a:spcPts val="0"/>
+              </a:spcBef>
+              <a:spcAft>
+                <a:spcPts val="0"/>
+              </a:spcAft>
+              <a:defRPr/>
+            </a:pPr>
+            <a:r>
+              <a:rPr lang="it-IT" b="1" i="1" dirty="0">
+                <a:solidFill>
+                  <a:schemeClr val="tx1">
+                    <a:lumMod val="75000"/>
+                    <a:lumOff val="25000"/>
+                  </a:schemeClr>
+                </a:solidFill>
+                <a:latin typeface="Arial"/>
+                <a:ea typeface="+mn-ea"/>
+                <a:cs typeface="Arial"/>
+              </a:rPr>
+              <a:t>	</a:t>
+            </a:r>
+            <a:r>
+              <a:rPr lang="it-IT" b="1" i="1" dirty="0" smtClean="0">
+                <a:solidFill>
+                  <a:schemeClr val="tx1">
+                    <a:lumMod val="75000"/>
+                    <a:lumOff val="25000"/>
+                  </a:schemeClr>
+                </a:solidFill>
+                <a:latin typeface="Arial"/>
+                <a:ea typeface="+mn-ea"/>
+                <a:cs typeface="Arial"/>
+              </a:rPr>
+              <a:t>    </a:t>
+            </a:r>
+            <a:r>
+              <a:rPr lang="it-IT" b="1" i="1" dirty="0" smtClean="0">
+                <a:solidFill>
+                  <a:schemeClr val="tx1">
+                    <a:lumMod val="75000"/>
+                    <a:lumOff val="25000"/>
+                  </a:schemeClr>
+                </a:solidFill>
+                <a:latin typeface="Arial"/>
+                <a:ea typeface="+mn-ea"/>
+                <a:cs typeface="Arial"/>
+                <a:hlinkClick r:id="rId4"/>
+              </a:rPr>
+              <a:t>http</a:t>
+            </a:r>
+            <a:r>
+              <a:rPr lang="it-IT" b="1" i="1" dirty="0">
+                <a:solidFill>
+                  <a:schemeClr val="tx1">
+                    <a:lumMod val="75000"/>
+                    <a:lumOff val="25000"/>
+                  </a:schemeClr>
+                </a:solidFill>
+                <a:latin typeface="Arial"/>
+                <a:ea typeface="+mn-ea"/>
+                <a:cs typeface="Arial"/>
+                <a:hlinkClick r:id="rId4"/>
+              </a:rPr>
+              <a:t>://it.linkedin.com/in/valerioriva/</a:t>
             </a:r>
             <a:endParaRPr lang="it-IT" b="1" i="1" dirty="0">
               <a:solidFill>
@@ -5167,6 +5395,96 @@
           </a:p>
         </p:txBody>
       </p:sp>
+      <p:pic>
+        <p:nvPicPr>
+          <p:cNvPr id="2" name="Immagine 1"/>
+          <p:cNvPicPr>
+            <a:picLocks noChangeAspect="1"/>
+          </p:cNvPicPr>
+          <p:nvPr/>
+        </p:nvPicPr>
+        <p:blipFill>
+          <a:blip r:embed="rId5">
+            <a:extLst>
+              <a:ext uri="{28A0092B-C50C-407E-A947-70E740481C1C}">
+                <a14:useLocalDpi xmlns:a14="http://schemas.microsoft.com/office/drawing/2010/main" val="0"/>
+              </a:ext>
+            </a:extLst>
+          </a:blip>
+          <a:stretch>
+            <a:fillRect/>
+          </a:stretch>
+        </p:blipFill>
+        <p:spPr>
+          <a:xfrm>
+            <a:off x="1368682" y="4653136"/>
+            <a:ext cx="643136" cy="643136"/>
+          </a:xfrm>
+          <a:prstGeom prst="rect">
+            <a:avLst/>
+          </a:prstGeom>
+        </p:spPr>
+      </p:pic>
+      <p:pic>
+        <p:nvPicPr>
+          <p:cNvPr id="6" name="Immagine 5"/>
+          <p:cNvPicPr>
+            <a:picLocks noChangeAspect="1"/>
+          </p:cNvPicPr>
+          <p:nvPr/>
+        </p:nvPicPr>
+        <p:blipFill>
+          <a:blip r:embed="rId6">
+            <a:extLst>
+              <a:ext uri="{28A0092B-C50C-407E-A947-70E740481C1C}">
+                <a14:useLocalDpi xmlns:a14="http://schemas.microsoft.com/office/drawing/2010/main" val="0"/>
+              </a:ext>
+            </a:extLst>
+          </a:blip>
+          <a:stretch>
+            <a:fillRect/>
+          </a:stretch>
+        </p:blipFill>
+        <p:spPr>
+          <a:xfrm>
+            <a:off x="1400640" y="5301208"/>
+            <a:ext cx="556266" cy="557193"/>
+          </a:xfrm>
+          <a:prstGeom prst="rect">
+            <a:avLst/>
+          </a:prstGeom>
+        </p:spPr>
+      </p:pic>
+      <p:pic>
+        <p:nvPicPr>
+          <p:cNvPr id="7" name="Immagine 6"/>
+          <p:cNvPicPr>
+            <a:picLocks noChangeAspect="1"/>
+          </p:cNvPicPr>
+          <p:nvPr/>
+        </p:nvPicPr>
+        <p:blipFill>
+          <a:blip r:embed="rId7">
+            <a:extLst>
+              <a:ext uri="{28A0092B-C50C-407E-A947-70E740481C1C}">
+                <a14:useLocalDpi xmlns:a14="http://schemas.microsoft.com/office/drawing/2010/main" val="0"/>
+              </a:ext>
+            </a:extLst>
+          </a:blip>
+          <a:stretch>
+            <a:fillRect/>
+          </a:stretch>
+        </p:blipFill>
+        <p:spPr>
+          <a:xfrm>
+            <a:off x="1331640" y="4110510"/>
+            <a:ext cx="686642" cy="686642"/>
+          </a:xfrm>
+          <a:prstGeom prst="rect">
+            <a:avLst/>
+          </a:prstGeom>
+        </p:spPr>
+      </p:pic>
     </p:spTree>
   </p:cSld>
   <p:clrMapOvr>
@@ -5334,6 +5652,527 @@
 </file>
 
 <file path=ppt/slides/slide11.xml><?xml version="1.0" encoding="utf-8"?>
+<p:sld xmlns:a="http://schemas.openxmlformats.org/drawingml/2006/main" xmlns:r="http://schemas.openxmlformats.org/officeDocument/2006/relationships" xmlns:p="http://schemas.openxmlformats.org/presentationml/2006/main" showMasterSp="0">
+  <p:cSld>
+    <p:spTree>
+      <p:nvGrpSpPr>
+        <p:cNvPr id="1" name=""/>
+        <p:cNvGrpSpPr/>
+        <p:nvPr/>
+      </p:nvGrpSpPr>
+      <p:grpSpPr>
+        <a:xfrm>
+          <a:off x="0" y="0"/>
+          <a:ext cx="0" cy="0"/>
+          <a:chOff x="0" y="0"/>
+          <a:chExt cx="0" cy="0"/>
+        </a:xfrm>
+      </p:grpSpPr>
+      <p:sp>
+        <p:nvSpPr>
+          <p:cNvPr id="2" name="Titolo 1"/>
+          <p:cNvSpPr>
+            <a:spLocks noGrp="1"/>
+          </p:cNvSpPr>
+          <p:nvPr>
+            <p:ph type="title"/>
+          </p:nvPr>
+        </p:nvSpPr>
+        <p:spPr/>
+        <p:txBody>
+          <a:bodyPr/>
+          <a:lstStyle/>
+          <a:p>
+            <a:pPr algn="ctr"/>
+            <a:r>
+              <a:rPr lang="en-US" dirty="0" smtClean="0"/>
+              <a:t>Deployment</a:t>
+            </a:r>
+            <a:endParaRPr lang="en-US" dirty="0"/>
+          </a:p>
+        </p:txBody>
+      </p:sp>
+      <p:sp>
+        <p:nvSpPr>
+          <p:cNvPr id="6" name="Segnaposto testo 5"/>
+          <p:cNvSpPr>
+            <a:spLocks noGrp="1"/>
+          </p:cNvSpPr>
+          <p:nvPr>
+            <p:ph type="body" idx="1"/>
+          </p:nvPr>
+        </p:nvSpPr>
+        <p:spPr>
+          <a:xfrm>
+            <a:off x="630238" y="1681163"/>
+            <a:ext cx="3868737" cy="379685"/>
+          </a:xfrm>
+        </p:spPr>
+        <p:txBody>
+          <a:bodyPr>
+            <a:normAutofit fontScale="92500" lnSpcReduction="10000"/>
+          </a:bodyPr>
+          <a:lstStyle/>
+          <a:p>
+            <a:r>
+              <a:rPr lang="en-GB" dirty="0" smtClean="0"/>
+              <a:t>Web</a:t>
+            </a:r>
+            <a:endParaRPr lang="en-GB" dirty="0"/>
+          </a:p>
+        </p:txBody>
+      </p:sp>
+      <p:sp>
+        <p:nvSpPr>
+          <p:cNvPr id="7" name="Segnaposto contenuto 6"/>
+          <p:cNvSpPr>
+            <a:spLocks noGrp="1"/>
+          </p:cNvSpPr>
+          <p:nvPr>
+            <p:ph sz="half" idx="2"/>
+          </p:nvPr>
+        </p:nvSpPr>
+        <p:spPr>
+          <a:xfrm>
+            <a:off x="630239" y="2060848"/>
+            <a:ext cx="3797746" cy="4128815"/>
+          </a:xfrm>
+        </p:spPr>
+        <p:txBody>
+          <a:bodyPr/>
+          <a:lstStyle/>
+          <a:p>
+            <a:r>
+              <a:rPr lang="en-GB" dirty="0" smtClean="0"/>
+              <a:t>Any hosting!</a:t>
+            </a:r>
+          </a:p>
+          <a:p>
+            <a:r>
+              <a:rPr lang="en-GB" dirty="0" smtClean="0"/>
+              <a:t>Game portals</a:t>
+            </a:r>
+          </a:p>
+          <a:p>
+            <a:pPr lvl="1"/>
+            <a:r>
+              <a:rPr lang="en-GB" sz="2000" dirty="0" smtClean="0">
+                <a:hlinkClick r:id="rId2"/>
+              </a:rPr>
+              <a:t>http://gamepix.com</a:t>
+            </a:r>
+            <a:endParaRPr lang="en-GB" sz="2000" dirty="0"/>
+          </a:p>
+          <a:p>
+            <a:pPr lvl="1"/>
+            <a:r>
+              <a:rPr lang="en-GB" sz="2000" dirty="0" smtClean="0">
+                <a:hlinkClick r:id="rId3"/>
+              </a:rPr>
+              <a:t>http://kongregate.com</a:t>
+            </a:r>
+            <a:endParaRPr lang="en-GB" sz="2000" dirty="0" smtClean="0"/>
+          </a:p>
+          <a:p>
+            <a:pPr lvl="1"/>
+            <a:r>
+              <a:rPr lang="en-GB" sz="2000" dirty="0">
+                <a:hlinkClick r:id="rId4"/>
+              </a:rPr>
+              <a:t>http://</a:t>
+            </a:r>
+            <a:r>
+              <a:rPr lang="en-GB" sz="2000" dirty="0" smtClean="0">
+                <a:hlinkClick r:id="rId4"/>
+              </a:rPr>
+              <a:t>armorgames.com</a:t>
+            </a:r>
+            <a:endParaRPr lang="en-GB" sz="2000" dirty="0" smtClean="0"/>
+          </a:p>
+          <a:p>
+            <a:endParaRPr lang="en-GB" dirty="0" smtClean="0"/>
+          </a:p>
+          <a:p>
+            <a:pPr marL="0" indent="0">
+              <a:buNone/>
+            </a:pPr>
+            <a:endParaRPr lang="en-GB" dirty="0"/>
+          </a:p>
+        </p:txBody>
+      </p:sp>
+      <p:sp>
+        <p:nvSpPr>
+          <p:cNvPr id="8" name="Segnaposto testo 7"/>
+          <p:cNvSpPr>
+            <a:spLocks noGrp="1"/>
+          </p:cNvSpPr>
+          <p:nvPr>
+            <p:ph type="body" sz="quarter" idx="3"/>
+          </p:nvPr>
+        </p:nvSpPr>
+        <p:spPr>
+          <a:xfrm>
+            <a:off x="4629150" y="1681163"/>
+            <a:ext cx="3887788" cy="379685"/>
+          </a:xfrm>
+        </p:spPr>
+        <p:txBody>
+          <a:bodyPr>
+            <a:normAutofit fontScale="92500" lnSpcReduction="10000"/>
+          </a:bodyPr>
+          <a:lstStyle/>
+          <a:p>
+            <a:r>
+              <a:rPr lang="en-GB" dirty="0" smtClean="0"/>
+              <a:t>Mobile</a:t>
+            </a:r>
+            <a:endParaRPr lang="en-GB" dirty="0"/>
+          </a:p>
+        </p:txBody>
+      </p:sp>
+      <p:sp>
+        <p:nvSpPr>
+          <p:cNvPr id="9" name="Segnaposto contenuto 8"/>
+          <p:cNvSpPr>
+            <a:spLocks noGrp="1"/>
+          </p:cNvSpPr>
+          <p:nvPr>
+            <p:ph sz="quarter" idx="4"/>
+          </p:nvPr>
+        </p:nvSpPr>
+        <p:spPr>
+          <a:xfrm>
+            <a:off x="4629150" y="2060848"/>
+            <a:ext cx="3887788" cy="4128815"/>
+          </a:xfrm>
+        </p:spPr>
+        <p:txBody>
+          <a:bodyPr/>
+          <a:lstStyle/>
+          <a:p>
+            <a:r>
+              <a:rPr lang="en-GB" dirty="0" smtClean="0"/>
+              <a:t>Cordova (</a:t>
+            </a:r>
+            <a:r>
+              <a:rPr lang="en-GB" dirty="0" err="1" smtClean="0"/>
+              <a:t>Phonegap</a:t>
+            </a:r>
+            <a:r>
+              <a:rPr lang="en-GB" dirty="0" smtClean="0"/>
+              <a:t>)</a:t>
+            </a:r>
+          </a:p>
+          <a:p>
+            <a:r>
+              <a:rPr lang="en-GB" dirty="0" smtClean="0"/>
+              <a:t>Intel XDK</a:t>
+            </a:r>
+          </a:p>
+          <a:p>
+            <a:pPr lvl="1"/>
+            <a:r>
+              <a:rPr lang="en-GB" dirty="0" smtClean="0"/>
+              <a:t>Accelerated </a:t>
+            </a:r>
+            <a:r>
+              <a:rPr lang="en-GB" dirty="0" err="1"/>
+              <a:t>w</a:t>
+            </a:r>
+            <a:r>
+              <a:rPr lang="en-GB" dirty="0" err="1" smtClean="0"/>
+              <a:t>ebview</a:t>
+            </a:r>
+            <a:endParaRPr lang="en-GB" dirty="0" smtClean="0"/>
+          </a:p>
+          <a:p>
+            <a:r>
+              <a:rPr lang="en-GB" dirty="0" err="1" smtClean="0"/>
+              <a:t>CocoonJS</a:t>
+            </a:r>
+            <a:endParaRPr lang="en-GB" dirty="0" smtClean="0"/>
+          </a:p>
+          <a:p>
+            <a:pPr lvl="1"/>
+            <a:r>
+              <a:rPr lang="en-GB" dirty="0" smtClean="0"/>
+              <a:t>Accelerated </a:t>
+            </a:r>
+            <a:r>
+              <a:rPr lang="en-GB" dirty="0" err="1"/>
+              <a:t>w</a:t>
+            </a:r>
+            <a:r>
+              <a:rPr lang="en-GB" dirty="0" err="1" smtClean="0"/>
+              <a:t>ebview</a:t>
+            </a:r>
+            <a:endParaRPr lang="en-GB" dirty="0" smtClean="0"/>
+          </a:p>
+          <a:p>
+            <a:pPr lvl="1"/>
+            <a:r>
+              <a:rPr lang="en-GB" dirty="0" smtClean="0"/>
+              <a:t>API for Ads, IAP, accelerometer, etc.</a:t>
+            </a:r>
+            <a:endParaRPr lang="en-GB" dirty="0"/>
+          </a:p>
+        </p:txBody>
+      </p:sp>
+      <p:sp>
+        <p:nvSpPr>
+          <p:cNvPr id="4" name="Segnaposto data 3"/>
+          <p:cNvSpPr>
+            <a:spLocks noGrp="1"/>
+          </p:cNvSpPr>
+          <p:nvPr>
+            <p:ph type="dt" sz="half" idx="10"/>
+          </p:nvPr>
+        </p:nvSpPr>
+        <p:spPr/>
+        <p:txBody>
+          <a:bodyPr/>
+          <a:lstStyle/>
+          <a:p>
+            <a:r>
+              <a:rPr lang="en-US" b="1" i="1" smtClean="0">
+                <a:solidFill>
+                  <a:schemeClr val="bg1"/>
+                </a:solidFill>
+              </a:rPr>
+              <a:t>ROME  11-12 april 2014 – Valerio Riva</a:t>
+            </a:r>
+            <a:endParaRPr lang="it-IT" b="1" i="1" dirty="0">
+              <a:solidFill>
+                <a:schemeClr val="bg1"/>
+              </a:solidFill>
+            </a:endParaRPr>
+          </a:p>
+        </p:txBody>
+      </p:sp>
+      <p:sp>
+        <p:nvSpPr>
+          <p:cNvPr id="5" name="Segnaposto numero diapositiva 4"/>
+          <p:cNvSpPr>
+            <a:spLocks noGrp="1"/>
+          </p:cNvSpPr>
+          <p:nvPr>
+            <p:ph type="sldNum" sz="quarter" idx="12"/>
+          </p:nvPr>
+        </p:nvSpPr>
+        <p:spPr/>
+        <p:txBody>
+          <a:bodyPr/>
+          <a:lstStyle/>
+          <a:p>
+            <a:fld id="{219C0E88-5C08-45F5-BD91-E93F425D2D58}" type="slidenum">
+              <a:rPr lang="it-IT" smtClean="0"/>
+              <a:t>11</a:t>
+            </a:fld>
+            <a:endParaRPr lang="it-IT"/>
+          </a:p>
+        </p:txBody>
+      </p:sp>
+      <p:pic>
+        <p:nvPicPr>
+          <p:cNvPr id="3" name="Immagine 2"/>
+          <p:cNvPicPr>
+            <a:picLocks noChangeAspect="1"/>
+          </p:cNvPicPr>
+          <p:nvPr/>
+        </p:nvPicPr>
+        <p:blipFill>
+          <a:blip r:embed="rId5">
+            <a:extLst>
+              <a:ext uri="{28A0092B-C50C-407E-A947-70E740481C1C}">
+                <a14:useLocalDpi xmlns:a14="http://schemas.microsoft.com/office/drawing/2010/main" val="0"/>
+              </a:ext>
+            </a:extLst>
+          </a:blip>
+          <a:stretch>
+            <a:fillRect/>
+          </a:stretch>
+        </p:blipFill>
+        <p:spPr>
+          <a:xfrm>
+            <a:off x="726343" y="4244915"/>
+            <a:ext cx="3605538" cy="890568"/>
+          </a:xfrm>
+          <a:prstGeom prst="rect">
+            <a:avLst/>
+          </a:prstGeom>
+        </p:spPr>
+      </p:pic>
+      <p:pic>
+        <p:nvPicPr>
+          <p:cNvPr id="10" name="Immagine 9"/>
+          <p:cNvPicPr>
+            <a:picLocks noChangeAspect="1"/>
+          </p:cNvPicPr>
+          <p:nvPr/>
+        </p:nvPicPr>
+        <p:blipFill>
+          <a:blip r:embed="rId6">
+            <a:extLst>
+              <a:ext uri="{28A0092B-C50C-407E-A947-70E740481C1C}">
+                <a14:useLocalDpi xmlns:a14="http://schemas.microsoft.com/office/drawing/2010/main" val="0"/>
+              </a:ext>
+            </a:extLst>
+          </a:blip>
+          <a:stretch>
+            <a:fillRect/>
+          </a:stretch>
+        </p:blipFill>
+        <p:spPr>
+          <a:xfrm>
+            <a:off x="2739522" y="5218826"/>
+            <a:ext cx="1044575" cy="1044575"/>
+          </a:xfrm>
+          <a:prstGeom prst="rect">
+            <a:avLst/>
+          </a:prstGeom>
+        </p:spPr>
+      </p:pic>
+      <p:pic>
+        <p:nvPicPr>
+          <p:cNvPr id="11" name="Immagine 10"/>
+          <p:cNvPicPr>
+            <a:picLocks noChangeAspect="1"/>
+          </p:cNvPicPr>
+          <p:nvPr/>
+        </p:nvPicPr>
+        <p:blipFill>
+          <a:blip r:embed="rId7">
+            <a:extLst>
+              <a:ext uri="{28A0092B-C50C-407E-A947-70E740481C1C}">
+                <a14:useLocalDpi xmlns:a14="http://schemas.microsoft.com/office/drawing/2010/main" val="0"/>
+              </a:ext>
+            </a:extLst>
+          </a:blip>
+          <a:stretch>
+            <a:fillRect/>
+          </a:stretch>
+        </p:blipFill>
+        <p:spPr>
+          <a:xfrm>
+            <a:off x="1231228" y="5292565"/>
+            <a:ext cx="897098" cy="897098"/>
+          </a:xfrm>
+          <a:prstGeom prst="rect">
+            <a:avLst/>
+          </a:prstGeom>
+        </p:spPr>
+      </p:pic>
+      <p:pic>
+        <p:nvPicPr>
+          <p:cNvPr id="12" name="Immagine 11"/>
+          <p:cNvPicPr>
+            <a:picLocks noChangeAspect="1"/>
+          </p:cNvPicPr>
+          <p:nvPr/>
+        </p:nvPicPr>
+        <p:blipFill>
+          <a:blip r:embed="rId8">
+            <a:extLst>
+              <a:ext uri="{28A0092B-C50C-407E-A947-70E740481C1C}">
+                <a14:useLocalDpi xmlns:a14="http://schemas.microsoft.com/office/drawing/2010/main" val="0"/>
+              </a:ext>
+            </a:extLst>
+          </a:blip>
+          <a:stretch>
+            <a:fillRect/>
+          </a:stretch>
+        </p:blipFill>
+        <p:spPr>
+          <a:xfrm>
+            <a:off x="4629150" y="5011415"/>
+            <a:ext cx="1363215" cy="1363215"/>
+          </a:xfrm>
+          <a:prstGeom prst="rect">
+            <a:avLst/>
+          </a:prstGeom>
+        </p:spPr>
+      </p:pic>
+      <p:pic>
+        <p:nvPicPr>
+          <p:cNvPr id="13" name="Immagine 12"/>
+          <p:cNvPicPr>
+            <a:picLocks noChangeAspect="1"/>
+          </p:cNvPicPr>
+          <p:nvPr/>
+        </p:nvPicPr>
+        <p:blipFill>
+          <a:blip r:embed="rId9">
+            <a:extLst>
+              <a:ext uri="{28A0092B-C50C-407E-A947-70E740481C1C}">
+                <a14:useLocalDpi xmlns:a14="http://schemas.microsoft.com/office/drawing/2010/main" val="0"/>
+              </a:ext>
+            </a:extLst>
+          </a:blip>
+          <a:stretch>
+            <a:fillRect/>
+          </a:stretch>
+        </p:blipFill>
+        <p:spPr>
+          <a:xfrm>
+            <a:off x="6193530" y="5218826"/>
+            <a:ext cx="1046006" cy="1046006"/>
+          </a:xfrm>
+          <a:prstGeom prst="rect">
+            <a:avLst/>
+          </a:prstGeom>
+        </p:spPr>
+      </p:pic>
+      <p:pic>
+        <p:nvPicPr>
+          <p:cNvPr id="14" name="Immagine 13"/>
+          <p:cNvPicPr>
+            <a:picLocks noChangeAspect="1"/>
+          </p:cNvPicPr>
+          <p:nvPr/>
+        </p:nvPicPr>
+        <p:blipFill>
+          <a:blip r:embed="rId10">
+            <a:extLst>
+              <a:ext uri="{28A0092B-C50C-407E-A947-70E740481C1C}">
+                <a14:useLocalDpi xmlns:a14="http://schemas.microsoft.com/office/drawing/2010/main" val="0"/>
+              </a:ext>
+            </a:extLst>
+          </a:blip>
+          <a:stretch>
+            <a:fillRect/>
+          </a:stretch>
+        </p:blipFill>
+        <p:spPr>
+          <a:xfrm>
+            <a:off x="7513332" y="5229200"/>
+            <a:ext cx="1091116" cy="1091116"/>
+          </a:xfrm>
+          <a:prstGeom prst="rect">
+            <a:avLst/>
+          </a:prstGeom>
+        </p:spPr>
+      </p:pic>
+    </p:spTree>
+    <p:extLst>
+      <p:ext uri="{BB962C8B-B14F-4D97-AF65-F5344CB8AC3E}">
+        <p14:creationId xmlns:p14="http://schemas.microsoft.com/office/powerpoint/2010/main" val="2457404458"/>
+      </p:ext>
+    </p:extLst>
+  </p:cSld>
+  <p:clrMapOvr>
+    <a:masterClrMapping/>
+  </p:clrMapOvr>
+  <p:timing>
+    <p:tnLst>
+      <p:par>
+        <p:cTn id="1" dur="indefinite" restart="never" nodeType="tmRoot"/>
+      </p:par>
+    </p:tnLst>
+  </p:timing>
+</p:sld>
+</file>
+
+<file path=ppt/slides/slide12.xml><?xml version="1.0" encoding="utf-8"?>
 <p:sld xmlns:a="http://schemas.openxmlformats.org/drawingml/2006/main" xmlns:r="http://schemas.openxmlformats.org/officeDocument/2006/relationships" xmlns:p="http://schemas.openxmlformats.org/presentationml/2006/main" showMasterSp="0">
   <p:cSld>
     <p:spTree>
@@ -5614,7 +6453,7 @@
           <a:p>
             <a:fld id="{219C0E88-5C08-45F5-BD91-E93F425D2D58}" type="slidenum">
               <a:rPr lang="it-IT" smtClean="0"/>
-              <a:t>11</a:t>
+              <a:t>12</a:t>
             </a:fld>
             <a:endParaRPr lang="it-IT"/>
           </a:p>
@@ -5640,7 +6479,7 @@
 </p:sld>
 </file>
 
-<file path=ppt/slides/slide12.xml><?xml version="1.0" encoding="utf-8"?>
+<file path=ppt/slides/slide13.xml><?xml version="1.0" encoding="utf-8"?>
 <p:sld xmlns:a="http://schemas.openxmlformats.org/drawingml/2006/main" xmlns:r="http://schemas.openxmlformats.org/officeDocument/2006/relationships" xmlns:p="http://schemas.openxmlformats.org/presentationml/2006/main" showMasterSp="0">
   <p:cSld>
     <p:spTree>
@@ -5670,7 +6509,7 @@
         <p:spPr>
           <a:xfrm>
             <a:off x="630239" y="1628800"/>
-            <a:ext cx="3221682" cy="4848895"/>
+            <a:ext cx="2573609" cy="4848895"/>
           </a:xfrm>
         </p:spPr>
         <p:txBody>
@@ -5680,77 +6519,77 @@
           <a:lstStyle/>
           <a:p>
             <a:r>
-              <a:rPr lang="it-IT" dirty="0" smtClean="0"/>
+              <a:rPr lang="it-IT" sz="2400" dirty="0" smtClean="0"/>
               <a:t>Be </a:t>
             </a:r>
             <a:r>
-              <a:rPr lang="it-IT" dirty="0" err="1" smtClean="0"/>
+              <a:rPr lang="it-IT" sz="2400" dirty="0" err="1" smtClean="0"/>
               <a:t>created</a:t>
             </a:r>
-            <a:endParaRPr lang="it-IT" dirty="0" smtClean="0"/>
-          </a:p>
-          <a:p>
-            <a:r>
-              <a:rPr lang="it-IT" dirty="0" smtClean="0"/>
+            <a:endParaRPr lang="it-IT" sz="2400" dirty="0" smtClean="0"/>
+          </a:p>
+          <a:p>
+            <a:r>
+              <a:rPr lang="it-IT" sz="2400" dirty="0" smtClean="0"/>
               <a:t>Scale</a:t>
             </a:r>
           </a:p>
           <a:p>
             <a:r>
-              <a:rPr lang="it-IT" dirty="0" smtClean="0"/>
+              <a:rPr lang="it-IT" sz="2400" dirty="0" smtClean="0"/>
               <a:t>Rotate</a:t>
             </a:r>
           </a:p>
           <a:p>
             <a:r>
-              <a:rPr lang="it-IT" dirty="0" err="1" smtClean="0"/>
+              <a:rPr lang="it-IT" sz="2400" dirty="0" err="1" smtClean="0"/>
               <a:t>Moves</a:t>
             </a:r>
-            <a:endParaRPr lang="it-IT" dirty="0" smtClean="0"/>
-          </a:p>
-          <a:p>
-            <a:r>
-              <a:rPr lang="en-US" dirty="0" smtClean="0"/>
+            <a:endParaRPr lang="it-IT" sz="2400" dirty="0" smtClean="0"/>
+          </a:p>
+          <a:p>
+            <a:r>
+              <a:rPr lang="en-US" sz="2400" dirty="0" smtClean="0"/>
               <a:t>Animate</a:t>
             </a:r>
           </a:p>
           <a:p>
             <a:r>
-              <a:rPr lang="it-IT" dirty="0" err="1" smtClean="0"/>
+              <a:rPr lang="it-IT" sz="2400" dirty="0" err="1" smtClean="0"/>
               <a:t>Have</a:t>
             </a:r>
             <a:r>
-              <a:rPr lang="it-IT" dirty="0" smtClean="0"/>
+              <a:rPr lang="it-IT" sz="2400" dirty="0" smtClean="0"/>
               <a:t> </a:t>
             </a:r>
             <a:r>
-              <a:rPr lang="it-IT" dirty="0" err="1" smtClean="0"/>
+              <a:rPr lang="it-IT" sz="2400" dirty="0" err="1" smtClean="0"/>
               <a:t>physic</a:t>
             </a:r>
             <a:r>
-              <a:rPr lang="it-IT" dirty="0" smtClean="0"/>
+              <a:rPr lang="it-IT" sz="2400" dirty="0" smtClean="0"/>
               <a:t> body for </a:t>
             </a:r>
             <a:r>
-              <a:rPr lang="it-IT" dirty="0" err="1" smtClean="0"/>
+              <a:rPr lang="it-IT" sz="2400" dirty="0" err="1" smtClean="0"/>
               <a:t>collisions</a:t>
             </a:r>
-            <a:endParaRPr lang="it-IT" dirty="0" smtClean="0"/>
-          </a:p>
-          <a:p>
-            <a:r>
-              <a:rPr lang="it-IT" dirty="0" smtClean="0"/>
+            <a:endParaRPr lang="it-IT" sz="2400" dirty="0" smtClean="0"/>
+          </a:p>
+          <a:p>
+            <a:r>
+              <a:rPr lang="it-IT" sz="2400" dirty="0" smtClean="0"/>
               <a:t>and </a:t>
             </a:r>
             <a:r>
-              <a:rPr lang="it-IT" dirty="0" err="1" smtClean="0"/>
+              <a:rPr lang="it-IT" sz="2400" dirty="0" err="1" smtClean="0"/>
               <a:t>much</a:t>
             </a:r>
             <a:r>
-              <a:rPr lang="it-IT" dirty="0" smtClean="0"/>
+              <a:rPr lang="it-IT" sz="2400" dirty="0" smtClean="0"/>
               <a:t> more!</a:t>
             </a:r>
-            <a:endParaRPr lang="it-IT" dirty="0"/>
+            <a:endParaRPr lang="it-IT" sz="2400" dirty="0"/>
           </a:p>
         </p:txBody>
       </p:sp>
@@ -5766,8 +6605,8 @@
         </p:nvSpPr>
         <p:spPr>
           <a:xfrm>
-            <a:off x="3851921" y="1628800"/>
-            <a:ext cx="4665017" cy="4848895"/>
+            <a:off x="3203848" y="1628800"/>
+            <a:ext cx="5313091" cy="4848895"/>
           </a:xfrm>
         </p:spPr>
         <p:txBody>
@@ -5776,13 +6615,14 @@
           </a:bodyPr>
           <a:lstStyle/>
           <a:p>
-            <a:pPr>
+            <a:pPr marL="0" indent="0">
               <a:lnSpc>
-                <a:spcPct val="150000"/>
+                <a:spcPct val="100000"/>
               </a:lnSpc>
               <a:spcBef>
-                <a:spcPts val="600"/>
+                <a:spcPts val="1300"/>
               </a:spcBef>
+              <a:buNone/>
             </a:pPr>
             <a:r>
               <a:rPr lang="it-IT" sz="1900" dirty="0" err="1">
@@ -5831,17 +6671,32 @@
                 <a:latin typeface="Consolas" panose="020B0609020204030204" pitchFamily="49" charset="0"/>
                 <a:cs typeface="Consolas" panose="020B0609020204030204" pitchFamily="49" charset="0"/>
               </a:rPr>
-              <a:t>,…);</a:t>
-            </a:r>
-          </a:p>
-          <a:p>
-            <a:pPr>
+              <a:t>,</a:t>
+            </a:r>
+            <a:r>
+              <a:rPr lang="it-IT" sz="1900" dirty="0">
+                <a:latin typeface="Consolas" panose="020B0609020204030204" pitchFamily="49" charset="0"/>
+                <a:cs typeface="Consolas" panose="020B0609020204030204" pitchFamily="49" charset="0"/>
+              </a:rPr>
+              <a:t> "</a:t>
+            </a:r>
+            <a:r>
+              <a:rPr lang="it-IT" sz="1900" dirty="0" smtClean="0">
+                <a:latin typeface="Consolas" panose="020B0609020204030204" pitchFamily="49" charset="0"/>
+                <a:cs typeface="Consolas" panose="020B0609020204030204" pitchFamily="49" charset="0"/>
+              </a:rPr>
+              <a:t>image");</a:t>
+            </a:r>
+          </a:p>
+          <a:p>
+            <a:pPr marL="0" indent="0">
               <a:lnSpc>
-                <a:spcPct val="150000"/>
+                <a:spcPct val="100000"/>
               </a:lnSpc>
               <a:spcBef>
-                <a:spcPts val="600"/>
+                <a:spcPts val="1300"/>
               </a:spcBef>
+              <a:buNone/>
             </a:pPr>
             <a:r>
               <a:rPr lang="it-IT" sz="1900" dirty="0" err="1" smtClean="0">
@@ -5859,13 +6714,14 @@
             </a:r>
           </a:p>
           <a:p>
-            <a:pPr>
+            <a:pPr marL="0" indent="0">
               <a:lnSpc>
-                <a:spcPct val="150000"/>
+                <a:spcPct val="100000"/>
               </a:lnSpc>
               <a:spcBef>
-                <a:spcPts val="600"/>
+                <a:spcPts val="1300"/>
               </a:spcBef>
+              <a:buNone/>
             </a:pPr>
             <a:r>
               <a:rPr lang="it-IT" sz="1900" dirty="0" err="1" smtClean="0">
@@ -5897,13 +6753,14 @@
             </a:r>
           </a:p>
           <a:p>
-            <a:pPr>
+            <a:pPr marL="0" indent="0">
               <a:lnSpc>
-                <a:spcPct val="150000"/>
+                <a:spcPct val="100000"/>
               </a:lnSpc>
               <a:spcBef>
-                <a:spcPts val="600"/>
+                <a:spcPts val="1300"/>
               </a:spcBef>
+              <a:buNone/>
             </a:pPr>
             <a:r>
               <a:rPr lang="it-IT" sz="1900" dirty="0" err="1" smtClean="0">
@@ -5942,13 +6799,14 @@
             </a:r>
           </a:p>
           <a:p>
-            <a:pPr>
+            <a:pPr marL="0" indent="0">
               <a:lnSpc>
-                <a:spcPct val="150000"/>
+                <a:spcPct val="100000"/>
               </a:lnSpc>
               <a:spcBef>
-                <a:spcPts val="600"/>
+                <a:spcPts val="1300"/>
               </a:spcBef>
+              <a:buNone/>
             </a:pPr>
             <a:r>
               <a:rPr lang="it-IT" sz="1900" dirty="0" err="1" smtClean="0">
@@ -5994,13 +6852,14 @@
             </a:r>
           </a:p>
           <a:p>
-            <a:pPr>
+            <a:pPr marL="0" indent="0">
               <a:lnSpc>
-                <a:spcPct val="150000"/>
+                <a:spcPct val="100000"/>
               </a:lnSpc>
               <a:spcBef>
-                <a:spcPts val="600"/>
+                <a:spcPts val="1300"/>
               </a:spcBef>
+              <a:buNone/>
             </a:pPr>
             <a:r>
               <a:rPr lang="it-IT" sz="1900" dirty="0" err="1" smtClean="0">
@@ -6275,7 +7134,7 @@
           <a:p>
             <a:fld id="{219C0E88-5C08-45F5-BD91-E93F425D2D58}" type="slidenum">
               <a:rPr lang="it-IT" smtClean="0"/>
-              <a:t>12</a:t>
+              <a:t>13</a:t>
             </a:fld>
             <a:endParaRPr lang="it-IT"/>
           </a:p>
@@ -6285,451 +7144,6 @@
     <p:extLst>
       <p:ext uri="{BB962C8B-B14F-4D97-AF65-F5344CB8AC3E}">
         <p14:creationId xmlns:p14="http://schemas.microsoft.com/office/powerpoint/2010/main" val="3861064117"/>
-      </p:ext>
-    </p:extLst>
-  </p:cSld>
-  <p:clrMapOvr>
-    <a:masterClrMapping/>
-  </p:clrMapOvr>
-  <p:timing>
-    <p:tnLst>
-      <p:par>
-        <p:cTn id="1" dur="indefinite" restart="never" nodeType="tmRoot"/>
-      </p:par>
-    </p:tnLst>
-  </p:timing>
-</p:sld>
-</file>
-
-<file path=ppt/slides/slide13.xml><?xml version="1.0" encoding="utf-8"?>
-<p:sld xmlns:a="http://schemas.openxmlformats.org/drawingml/2006/main" xmlns:r="http://schemas.openxmlformats.org/officeDocument/2006/relationships" xmlns:p="http://schemas.openxmlformats.org/presentationml/2006/main">
-  <p:cSld>
-    <p:spTree>
-      <p:nvGrpSpPr>
-        <p:cNvPr id="1" name=""/>
-        <p:cNvGrpSpPr/>
-        <p:nvPr/>
-      </p:nvGrpSpPr>
-      <p:grpSpPr>
-        <a:xfrm>
-          <a:off x="0" y="0"/>
-          <a:ext cx="0" cy="0"/>
-          <a:chOff x="0" y="0"/>
-          <a:chExt cx="0" cy="0"/>
-        </a:xfrm>
-      </p:grpSpPr>
-      <p:sp>
-        <p:nvSpPr>
-          <p:cNvPr id="2" name="Titolo 1"/>
-          <p:cNvSpPr>
-            <a:spLocks noGrp="1"/>
-          </p:cNvSpPr>
-          <p:nvPr>
-            <p:ph type="title"/>
-          </p:nvPr>
-        </p:nvSpPr>
-        <p:spPr/>
-        <p:txBody>
-          <a:bodyPr>
-            <a:normAutofit/>
-          </a:bodyPr>
-          <a:lstStyle/>
-          <a:p>
-            <a:pPr algn="ctr"/>
-            <a:r>
-              <a:rPr lang="en-US" sz="4000" dirty="0" smtClean="0"/>
-              <a:t>Group of sprites</a:t>
-            </a:r>
-            <a:endParaRPr lang="en-US" sz="4000" dirty="0"/>
-          </a:p>
-        </p:txBody>
-      </p:sp>
-      <p:sp>
-        <p:nvSpPr>
-          <p:cNvPr id="3" name="Segnaposto contenuto 2"/>
-          <p:cNvSpPr>
-            <a:spLocks noGrp="1"/>
-          </p:cNvSpPr>
-          <p:nvPr>
-            <p:ph idx="1"/>
-          </p:nvPr>
-        </p:nvSpPr>
-        <p:spPr/>
-        <p:txBody>
-          <a:bodyPr>
-            <a:normAutofit lnSpcReduction="10000"/>
-          </a:bodyPr>
-          <a:lstStyle/>
-          <a:p>
-            <a:r>
-              <a:rPr lang="en-US" dirty="0" smtClean="0"/>
-              <a:t>Use it as z-ordered layer</a:t>
-            </a:r>
-          </a:p>
-          <a:p>
-            <a:r>
-              <a:rPr lang="en-US" dirty="0" smtClean="0"/>
-              <a:t>Use it for </a:t>
-            </a:r>
-            <a:r>
-              <a:rPr lang="it-IT" dirty="0"/>
-              <a:t>fast </a:t>
-            </a:r>
-            <a:r>
-              <a:rPr lang="it-IT" dirty="0" err="1"/>
-              <a:t>pooling</a:t>
-            </a:r>
-            <a:r>
-              <a:rPr lang="it-IT" dirty="0"/>
-              <a:t> and </a:t>
-            </a:r>
-            <a:r>
-              <a:rPr lang="it-IT" dirty="0" err="1"/>
-              <a:t>object</a:t>
-            </a:r>
-            <a:r>
-              <a:rPr lang="it-IT" dirty="0"/>
-              <a:t> </a:t>
-            </a:r>
-            <a:r>
-              <a:rPr lang="it-IT" dirty="0" err="1" smtClean="0"/>
-              <a:t>recycling</a:t>
-            </a:r>
-            <a:r>
-              <a:rPr lang="it-IT" dirty="0" smtClean="0"/>
-              <a:t> </a:t>
-            </a:r>
-            <a:r>
-              <a:rPr lang="it-IT" dirty="0" err="1" smtClean="0"/>
-              <a:t>too</a:t>
-            </a:r>
-            <a:endParaRPr lang="it-IT" dirty="0" smtClean="0"/>
-          </a:p>
-          <a:p>
-            <a:r>
-              <a:rPr lang="it-IT" dirty="0" smtClean="0"/>
-              <a:t>Can </a:t>
-            </a:r>
-            <a:r>
-              <a:rPr lang="it-IT" dirty="0" err="1" smtClean="0"/>
-              <a:t>apply</a:t>
-            </a:r>
-            <a:r>
-              <a:rPr lang="it-IT" dirty="0" smtClean="0"/>
-              <a:t> </a:t>
-            </a:r>
-            <a:r>
-              <a:rPr lang="it-IT" dirty="0" err="1" smtClean="0"/>
-              <a:t>transformation</a:t>
-            </a:r>
-            <a:r>
-              <a:rPr lang="it-IT" dirty="0" smtClean="0"/>
-              <a:t> to </a:t>
-            </a:r>
-            <a:r>
-              <a:rPr lang="it-IT" dirty="0" err="1" smtClean="0"/>
-              <a:t>every</a:t>
-            </a:r>
-            <a:r>
-              <a:rPr lang="it-IT" dirty="0" smtClean="0"/>
-              <a:t> </a:t>
-            </a:r>
-            <a:r>
-              <a:rPr lang="it-IT" dirty="0" err="1" smtClean="0"/>
-              <a:t>sprite</a:t>
-            </a:r>
-            <a:endParaRPr lang="it-IT" dirty="0" smtClean="0"/>
-          </a:p>
-          <a:p>
-            <a:r>
-              <a:rPr lang="it-IT" dirty="0" smtClean="0"/>
-              <a:t>Can call </a:t>
-            </a:r>
-            <a:r>
-              <a:rPr lang="it-IT" dirty="0" err="1" smtClean="0"/>
-              <a:t>methods</a:t>
-            </a:r>
-            <a:r>
-              <a:rPr lang="it-IT" dirty="0" smtClean="0"/>
-              <a:t> on </a:t>
-            </a:r>
-            <a:r>
-              <a:rPr lang="it-IT" dirty="0" err="1" smtClean="0"/>
-              <a:t>every</a:t>
-            </a:r>
-            <a:r>
-              <a:rPr lang="it-IT" dirty="0" smtClean="0"/>
-              <a:t> </a:t>
-            </a:r>
-            <a:r>
-              <a:rPr lang="it-IT" dirty="0" err="1" smtClean="0"/>
-              <a:t>sprite</a:t>
-            </a:r>
-            <a:endParaRPr lang="it-IT" dirty="0" smtClean="0"/>
-          </a:p>
-          <a:p>
-            <a:pPr marL="0" indent="0">
-              <a:buNone/>
-            </a:pPr>
-            <a:r>
-              <a:rPr lang="en-US" sz="2000" dirty="0" err="1" smtClean="0">
-                <a:latin typeface="Consolas" panose="020B0609020204030204" pitchFamily="49" charset="0"/>
-                <a:cs typeface="Consolas" panose="020B0609020204030204" pitchFamily="49" charset="0"/>
-              </a:rPr>
-              <a:t>var</a:t>
-            </a:r>
-            <a:r>
-              <a:rPr lang="en-US" sz="2000" dirty="0" smtClean="0">
-                <a:latin typeface="Consolas" panose="020B0609020204030204" pitchFamily="49" charset="0"/>
-                <a:cs typeface="Consolas" panose="020B0609020204030204" pitchFamily="49" charset="0"/>
-              </a:rPr>
-              <a:t> group = </a:t>
-            </a:r>
-            <a:r>
-              <a:rPr lang="en-US" sz="2000" dirty="0" err="1" smtClean="0">
-                <a:latin typeface="Consolas" panose="020B0609020204030204" pitchFamily="49" charset="0"/>
-                <a:cs typeface="Consolas" panose="020B0609020204030204" pitchFamily="49" charset="0"/>
-              </a:rPr>
-              <a:t>game.add.group</a:t>
-            </a:r>
-            <a:r>
-              <a:rPr lang="en-US" sz="2000" dirty="0" smtClean="0">
-                <a:latin typeface="Consolas" panose="020B0609020204030204" pitchFamily="49" charset="0"/>
-                <a:cs typeface="Consolas" panose="020B0609020204030204" pitchFamily="49" charset="0"/>
-              </a:rPr>
-              <a:t>();</a:t>
-            </a:r>
-          </a:p>
-          <a:p>
-            <a:pPr marL="0" indent="0">
-              <a:buNone/>
-            </a:pPr>
-            <a:r>
-              <a:rPr lang="en-US" sz="2000" dirty="0" err="1">
-                <a:latin typeface="Consolas" panose="020B0609020204030204" pitchFamily="49" charset="0"/>
-                <a:cs typeface="Consolas" panose="020B0609020204030204" pitchFamily="49" charset="0"/>
-              </a:rPr>
-              <a:t>v</a:t>
-            </a:r>
-            <a:r>
-              <a:rPr lang="en-US" sz="2000" dirty="0" err="1" smtClean="0">
-                <a:latin typeface="Consolas" panose="020B0609020204030204" pitchFamily="49" charset="0"/>
-                <a:cs typeface="Consolas" panose="020B0609020204030204" pitchFamily="49" charset="0"/>
-              </a:rPr>
-              <a:t>ar</a:t>
-            </a:r>
-            <a:r>
-              <a:rPr lang="en-US" sz="2000" dirty="0" smtClean="0">
-                <a:latin typeface="Consolas" panose="020B0609020204030204" pitchFamily="49" charset="0"/>
-                <a:cs typeface="Consolas" panose="020B0609020204030204" pitchFamily="49" charset="0"/>
-              </a:rPr>
-              <a:t> sprite = </a:t>
-            </a:r>
-            <a:r>
-              <a:rPr lang="en-US" sz="2000" dirty="0" err="1" smtClean="0">
-                <a:latin typeface="Consolas" panose="020B0609020204030204" pitchFamily="49" charset="0"/>
-                <a:cs typeface="Consolas" panose="020B0609020204030204" pitchFamily="49" charset="0"/>
-              </a:rPr>
-              <a:t>group.create</a:t>
-            </a:r>
-            <a:r>
-              <a:rPr lang="en-US" sz="2000" dirty="0" smtClean="0">
-                <a:latin typeface="Consolas" panose="020B0609020204030204" pitchFamily="49" charset="0"/>
-                <a:cs typeface="Consolas" panose="020B0609020204030204" pitchFamily="49" charset="0"/>
-              </a:rPr>
-              <a:t>(x, y, </a:t>
-            </a:r>
-            <a:r>
-              <a:rPr lang="en-US" sz="2000" dirty="0">
-                <a:latin typeface="Consolas" panose="020B0609020204030204" pitchFamily="49" charset="0"/>
-                <a:cs typeface="Consolas" panose="020B0609020204030204" pitchFamily="49" charset="0"/>
-              </a:rPr>
-              <a:t>'</a:t>
-            </a:r>
-            <a:r>
-              <a:rPr lang="en-US" sz="2000" dirty="0" smtClean="0">
-                <a:latin typeface="Consolas" panose="020B0609020204030204" pitchFamily="49" charset="0"/>
-                <a:cs typeface="Consolas" panose="020B0609020204030204" pitchFamily="49" charset="0"/>
-              </a:rPr>
-              <a:t>image');</a:t>
-            </a:r>
-          </a:p>
-          <a:p>
-            <a:pPr marL="0" indent="0">
-              <a:buNone/>
-            </a:pPr>
-            <a:r>
-              <a:rPr lang="en-US" sz="2000" dirty="0" err="1" smtClean="0">
-                <a:latin typeface="Consolas" panose="020B0609020204030204" pitchFamily="49" charset="0"/>
-                <a:cs typeface="Consolas" panose="020B0609020204030204" pitchFamily="49" charset="0"/>
-              </a:rPr>
-              <a:t>group.x</a:t>
-            </a:r>
-            <a:r>
-              <a:rPr lang="en-US" sz="2000" dirty="0" smtClean="0">
-                <a:latin typeface="Consolas" panose="020B0609020204030204" pitchFamily="49" charset="0"/>
-                <a:cs typeface="Consolas" panose="020B0609020204030204" pitchFamily="49" charset="0"/>
-              </a:rPr>
-              <a:t> += 100;</a:t>
-            </a:r>
-          </a:p>
-          <a:p>
-            <a:pPr marL="0" indent="0">
-              <a:buNone/>
-            </a:pPr>
-            <a:r>
-              <a:rPr lang="en-US" sz="2000" dirty="0" err="1" smtClean="0">
-                <a:latin typeface="Consolas" panose="020B0609020204030204" pitchFamily="49" charset="0"/>
-                <a:cs typeface="Consolas" panose="020B0609020204030204" pitchFamily="49" charset="0"/>
-              </a:rPr>
-              <a:t>group.callAll</a:t>
-            </a:r>
-            <a:r>
-              <a:rPr lang="en-US" sz="2000" dirty="0" smtClean="0">
-                <a:latin typeface="Consolas" panose="020B0609020204030204" pitchFamily="49" charset="0"/>
-                <a:cs typeface="Consolas" panose="020B0609020204030204" pitchFamily="49" charset="0"/>
-              </a:rPr>
-              <a:t>(</a:t>
-            </a:r>
-            <a:r>
-              <a:rPr lang="en-US" sz="2000" dirty="0">
-                <a:latin typeface="Consolas" panose="020B0609020204030204" pitchFamily="49" charset="0"/>
-                <a:cs typeface="Consolas" panose="020B0609020204030204" pitchFamily="49" charset="0"/>
-              </a:rPr>
-              <a:t>'</a:t>
-            </a:r>
-            <a:r>
-              <a:rPr lang="en-US" sz="2000" dirty="0" smtClean="0">
-                <a:latin typeface="Consolas" panose="020B0609020204030204" pitchFamily="49" charset="0"/>
-                <a:cs typeface="Consolas" panose="020B0609020204030204" pitchFamily="49" charset="0"/>
-              </a:rPr>
-              <a:t>kill');</a:t>
-            </a:r>
-          </a:p>
-          <a:p>
-            <a:pPr marL="0" indent="0">
-              <a:buNone/>
-            </a:pPr>
-            <a:r>
-              <a:rPr lang="en-US" sz="2000" dirty="0" err="1" smtClean="0">
-                <a:latin typeface="Consolas" panose="020B0609020204030204" pitchFamily="49" charset="0"/>
-                <a:cs typeface="Consolas" panose="020B0609020204030204" pitchFamily="49" charset="0"/>
-              </a:rPr>
-              <a:t>var</a:t>
-            </a:r>
-            <a:r>
-              <a:rPr lang="en-US" sz="2000" dirty="0" smtClean="0">
-                <a:latin typeface="Consolas" panose="020B0609020204030204" pitchFamily="49" charset="0"/>
-                <a:cs typeface="Consolas" panose="020B0609020204030204" pitchFamily="49" charset="0"/>
-              </a:rPr>
-              <a:t> zombie = </a:t>
-            </a:r>
-            <a:r>
-              <a:rPr lang="en-US" sz="2000" dirty="0" err="1" smtClean="0">
-                <a:latin typeface="Consolas" panose="020B0609020204030204" pitchFamily="49" charset="0"/>
-                <a:cs typeface="Consolas" panose="020B0609020204030204" pitchFamily="49" charset="0"/>
-              </a:rPr>
-              <a:t>group.getFirstExists</a:t>
-            </a:r>
-            <a:r>
-              <a:rPr lang="en-US" sz="2000" dirty="0" smtClean="0">
-                <a:latin typeface="Consolas" panose="020B0609020204030204" pitchFamily="49" charset="0"/>
-                <a:cs typeface="Consolas" panose="020B0609020204030204" pitchFamily="49" charset="0"/>
-              </a:rPr>
-              <a:t>(false);</a:t>
-            </a:r>
-          </a:p>
-          <a:p>
-            <a:pPr marL="0" indent="0">
-              <a:buNone/>
-            </a:pPr>
-            <a:r>
-              <a:rPr lang="en-US" sz="2000" dirty="0" err="1">
-                <a:latin typeface="Consolas" panose="020B0609020204030204" pitchFamily="49" charset="0"/>
-                <a:cs typeface="Consolas" panose="020B0609020204030204" pitchFamily="49" charset="0"/>
-              </a:rPr>
-              <a:t>z</a:t>
-            </a:r>
-            <a:r>
-              <a:rPr lang="en-US" sz="2000" dirty="0" err="1" smtClean="0">
-                <a:latin typeface="Consolas" panose="020B0609020204030204" pitchFamily="49" charset="0"/>
-                <a:cs typeface="Consolas" panose="020B0609020204030204" pitchFamily="49" charset="0"/>
-              </a:rPr>
-              <a:t>ombie.revive</a:t>
-            </a:r>
-            <a:r>
-              <a:rPr lang="en-US" sz="2000" dirty="0" smtClean="0">
-                <a:latin typeface="Consolas" panose="020B0609020204030204" pitchFamily="49" charset="0"/>
-                <a:cs typeface="Consolas" panose="020B0609020204030204" pitchFamily="49" charset="0"/>
-              </a:rPr>
-              <a:t>(); //cured!</a:t>
-            </a:r>
-          </a:p>
-        </p:txBody>
-      </p:sp>
-      <p:sp>
-        <p:nvSpPr>
-          <p:cNvPr id="4" name="Segnaposto data 3"/>
-          <p:cNvSpPr>
-            <a:spLocks noGrp="1"/>
-          </p:cNvSpPr>
-          <p:nvPr>
-            <p:ph type="dt" sz="half" idx="10"/>
-          </p:nvPr>
-        </p:nvSpPr>
-        <p:spPr>
-          <a:xfrm>
-            <a:off x="539552" y="115094"/>
-            <a:ext cx="3233886" cy="365125"/>
-          </a:xfrm>
-        </p:spPr>
-        <p:txBody>
-          <a:bodyPr/>
-          <a:lstStyle/>
-          <a:p>
-            <a:r>
-              <a:rPr lang="en-US" b="1" i="1" smtClean="0">
-                <a:solidFill>
-                  <a:schemeClr val="bg1"/>
-                </a:solidFill>
-              </a:rPr>
-              <a:t>ROME  11-12 april 2014 – Valerio Riva</a:t>
-            </a:r>
-            <a:endParaRPr lang="it-IT" b="1" i="1" dirty="0">
-              <a:solidFill>
-                <a:schemeClr val="bg1"/>
-              </a:solidFill>
-            </a:endParaRPr>
-          </a:p>
-        </p:txBody>
-      </p:sp>
-      <p:sp>
-        <p:nvSpPr>
-          <p:cNvPr id="5" name="Segnaposto numero diapositiva 4"/>
-          <p:cNvSpPr>
-            <a:spLocks noGrp="1"/>
-          </p:cNvSpPr>
-          <p:nvPr>
-            <p:ph type="sldNum" sz="quarter" idx="12"/>
-          </p:nvPr>
-        </p:nvSpPr>
-        <p:spPr/>
-        <p:txBody>
-          <a:bodyPr/>
-          <a:lstStyle/>
-          <a:p>
-            <a:fld id="{219C0E88-5C08-45F5-BD91-E93F425D2D58}" type="slidenum">
-              <a:rPr lang="it-IT" smtClean="0"/>
-              <a:t>13</a:t>
-            </a:fld>
-            <a:endParaRPr lang="it-IT"/>
-          </a:p>
-        </p:txBody>
-      </p:sp>
-    </p:spTree>
-    <p:extLst>
-      <p:ext uri="{BB962C8B-B14F-4D97-AF65-F5344CB8AC3E}">
-        <p14:creationId xmlns:p14="http://schemas.microsoft.com/office/powerpoint/2010/main" val="2863946840"/>
       </p:ext>
     </p:extLst>
   </p:cSld>
@@ -6782,8 +7196,8 @@
           <a:p>
             <a:pPr algn="ctr"/>
             <a:r>
-              <a:rPr lang="en-US" sz="4000" dirty="0" err="1" smtClean="0"/>
-              <a:t>Tilesprite</a:t>
+              <a:rPr lang="en-US" sz="4000" dirty="0" smtClean="0"/>
+              <a:t>Group of sprites</a:t>
             </a:r>
             <a:endParaRPr lang="en-US" sz="4000" dirty="0"/>
           </a:p>
@@ -6799,202 +7213,331 @@
             <p:ph idx="1"/>
           </p:nvPr>
         </p:nvSpPr>
-        <p:spPr>
-          <a:noFill/>
-        </p:spPr>
+        <p:spPr/>
         <p:txBody>
           <a:bodyPr>
-            <a:normAutofit/>
+            <a:normAutofit lnSpcReduction="10000"/>
           </a:bodyPr>
           <a:lstStyle/>
           <a:p>
+            <a:r>
+              <a:rPr lang="en-US" dirty="0" smtClean="0"/>
+              <a:t>Use it as z-ordered layer</a:t>
+            </a:r>
+          </a:p>
+          <a:p>
+            <a:r>
+              <a:rPr lang="en-US" dirty="0" smtClean="0"/>
+              <a:t>Use it for </a:t>
+            </a:r>
+            <a:r>
+              <a:rPr lang="it-IT" dirty="0"/>
+              <a:t>fast </a:t>
+            </a:r>
+            <a:r>
+              <a:rPr lang="it-IT" dirty="0" err="1"/>
+              <a:t>pooling</a:t>
+            </a:r>
+            <a:r>
+              <a:rPr lang="it-IT" dirty="0"/>
+              <a:t> and </a:t>
+            </a:r>
+            <a:r>
+              <a:rPr lang="it-IT" dirty="0" err="1"/>
+              <a:t>object</a:t>
+            </a:r>
+            <a:r>
+              <a:rPr lang="it-IT" dirty="0"/>
+              <a:t> </a:t>
+            </a:r>
+            <a:r>
+              <a:rPr lang="it-IT" dirty="0" err="1" smtClean="0"/>
+              <a:t>recycling</a:t>
+            </a:r>
+            <a:r>
+              <a:rPr lang="it-IT" dirty="0" smtClean="0"/>
+              <a:t> </a:t>
+            </a:r>
+            <a:r>
+              <a:rPr lang="it-IT" dirty="0" err="1" smtClean="0"/>
+              <a:t>too</a:t>
+            </a:r>
+            <a:endParaRPr lang="it-IT" dirty="0" smtClean="0"/>
+          </a:p>
+          <a:p>
+            <a:r>
+              <a:rPr lang="it-IT" dirty="0" smtClean="0"/>
+              <a:t>Can </a:t>
+            </a:r>
+            <a:r>
+              <a:rPr lang="it-IT" dirty="0" err="1" smtClean="0"/>
+              <a:t>apply</a:t>
+            </a:r>
+            <a:r>
+              <a:rPr lang="it-IT" dirty="0" smtClean="0"/>
+              <a:t> </a:t>
+            </a:r>
+            <a:r>
+              <a:rPr lang="it-IT" dirty="0" err="1" smtClean="0"/>
+              <a:t>transformation</a:t>
+            </a:r>
+            <a:r>
+              <a:rPr lang="it-IT" dirty="0" smtClean="0"/>
+              <a:t> to </a:t>
+            </a:r>
+            <a:r>
+              <a:rPr lang="it-IT" dirty="0" err="1" smtClean="0"/>
+              <a:t>all</a:t>
+            </a:r>
+            <a:r>
+              <a:rPr lang="it-IT" dirty="0" smtClean="0"/>
+              <a:t> </a:t>
+            </a:r>
+            <a:r>
+              <a:rPr lang="it-IT" dirty="0" err="1" smtClean="0"/>
+              <a:t>sprites</a:t>
+            </a:r>
+            <a:r>
+              <a:rPr lang="it-IT" dirty="0" smtClean="0"/>
+              <a:t> of the </a:t>
+            </a:r>
+            <a:r>
+              <a:rPr lang="it-IT" dirty="0" err="1" smtClean="0"/>
+              <a:t>group</a:t>
+            </a:r>
+            <a:endParaRPr lang="it-IT" dirty="0" smtClean="0"/>
+          </a:p>
+          <a:p>
+            <a:r>
+              <a:rPr lang="it-IT" dirty="0" smtClean="0"/>
+              <a:t>Can call </a:t>
+            </a:r>
+            <a:r>
+              <a:rPr lang="it-IT" dirty="0" err="1" smtClean="0"/>
+              <a:t>methods</a:t>
+            </a:r>
+            <a:r>
+              <a:rPr lang="it-IT" dirty="0" smtClean="0"/>
+              <a:t> on </a:t>
+            </a:r>
+            <a:r>
+              <a:rPr lang="it-IT" dirty="0" err="1" smtClean="0"/>
+              <a:t>all</a:t>
+            </a:r>
+            <a:r>
+              <a:rPr lang="it-IT" dirty="0" smtClean="0"/>
+              <a:t> </a:t>
+            </a:r>
+            <a:r>
+              <a:rPr lang="it-IT" dirty="0" err="1" smtClean="0"/>
+              <a:t>sprites</a:t>
+            </a:r>
+            <a:r>
+              <a:rPr lang="it-IT" dirty="0" smtClean="0"/>
+              <a:t> of the </a:t>
+            </a:r>
+            <a:r>
+              <a:rPr lang="it-IT" dirty="0" err="1" smtClean="0"/>
+              <a:t>group</a:t>
+            </a:r>
+            <a:endParaRPr lang="it-IT" dirty="0" smtClean="0"/>
+          </a:p>
+          <a:p>
             <a:pPr marL="0" indent="0">
               <a:buNone/>
             </a:pPr>
             <a:r>
-              <a:rPr lang="en-GB" dirty="0" smtClean="0"/>
-              <a:t>“A </a:t>
-            </a:r>
-            <a:r>
-              <a:rPr lang="en-GB" dirty="0" err="1"/>
-              <a:t>t</a:t>
-            </a:r>
-            <a:r>
-              <a:rPr lang="en-GB" dirty="0" err="1" smtClean="0"/>
-              <a:t>ilesprite</a:t>
-            </a:r>
-            <a:r>
-              <a:rPr lang="en-GB" dirty="0" smtClean="0"/>
-              <a:t> </a:t>
-            </a:r>
-            <a:r>
-              <a:rPr lang="en-GB" dirty="0"/>
-              <a:t>is a </a:t>
-            </a:r>
-            <a:r>
-              <a:rPr lang="en-GB" dirty="0" smtClean="0"/>
-              <a:t>sprite </a:t>
-            </a:r>
-            <a:r>
-              <a:rPr lang="en-GB" dirty="0"/>
-              <a:t>that has a repeating texture</a:t>
-            </a:r>
-            <a:r>
-              <a:rPr lang="en-GB" dirty="0" smtClean="0"/>
-              <a:t>.”</a:t>
+              <a:rPr lang="en-US" sz="2000" dirty="0" err="1" smtClean="0">
+                <a:latin typeface="Consolas" panose="020B0609020204030204" pitchFamily="49" charset="0"/>
+                <a:cs typeface="Consolas" panose="020B0609020204030204" pitchFamily="49" charset="0"/>
+              </a:rPr>
+              <a:t>var</a:t>
+            </a:r>
+            <a:r>
+              <a:rPr lang="en-US" sz="2000" dirty="0" smtClean="0">
+                <a:latin typeface="Consolas" panose="020B0609020204030204" pitchFamily="49" charset="0"/>
+                <a:cs typeface="Consolas" panose="020B0609020204030204" pitchFamily="49" charset="0"/>
+              </a:rPr>
+              <a:t> group = </a:t>
+            </a:r>
+            <a:r>
+              <a:rPr lang="en-US" sz="2000" dirty="0" err="1" smtClean="0">
+                <a:latin typeface="Consolas" panose="020B0609020204030204" pitchFamily="49" charset="0"/>
+                <a:cs typeface="Consolas" panose="020B0609020204030204" pitchFamily="49" charset="0"/>
+              </a:rPr>
+              <a:t>game.add.group</a:t>
+            </a:r>
+            <a:r>
+              <a:rPr lang="en-US" sz="2000" dirty="0" smtClean="0">
+                <a:latin typeface="Consolas" panose="020B0609020204030204" pitchFamily="49" charset="0"/>
+                <a:cs typeface="Consolas" panose="020B0609020204030204" pitchFamily="49" charset="0"/>
+              </a:rPr>
+              <a:t>();</a:t>
             </a:r>
           </a:p>
           <a:p>
             <a:pPr marL="0" indent="0">
               <a:buNone/>
             </a:pPr>
-            <a:endParaRPr lang="en-GB" sz="2400" dirty="0" smtClean="0">
-              <a:latin typeface="Consolas" panose="020B0609020204030204" pitchFamily="49" charset="0"/>
-              <a:cs typeface="Consolas" panose="020B0609020204030204" pitchFamily="49" charset="0"/>
-            </a:endParaRPr>
+            <a:r>
+              <a:rPr lang="en-US" sz="2000" dirty="0" err="1">
+                <a:latin typeface="Consolas" panose="020B0609020204030204" pitchFamily="49" charset="0"/>
+                <a:cs typeface="Consolas" panose="020B0609020204030204" pitchFamily="49" charset="0"/>
+              </a:rPr>
+              <a:t>v</a:t>
+            </a:r>
+            <a:r>
+              <a:rPr lang="en-US" sz="2000" dirty="0" err="1" smtClean="0">
+                <a:latin typeface="Consolas" panose="020B0609020204030204" pitchFamily="49" charset="0"/>
+                <a:cs typeface="Consolas" panose="020B0609020204030204" pitchFamily="49" charset="0"/>
+              </a:rPr>
+              <a:t>ar</a:t>
+            </a:r>
+            <a:r>
+              <a:rPr lang="en-US" sz="2000" dirty="0" smtClean="0">
+                <a:latin typeface="Consolas" panose="020B0609020204030204" pitchFamily="49" charset="0"/>
+                <a:cs typeface="Consolas" panose="020B0609020204030204" pitchFamily="49" charset="0"/>
+              </a:rPr>
+              <a:t> sprite = </a:t>
+            </a:r>
+            <a:r>
+              <a:rPr lang="en-US" sz="2000" dirty="0" err="1" smtClean="0">
+                <a:latin typeface="Consolas" panose="020B0609020204030204" pitchFamily="49" charset="0"/>
+                <a:cs typeface="Consolas" panose="020B0609020204030204" pitchFamily="49" charset="0"/>
+              </a:rPr>
+              <a:t>group.create</a:t>
+            </a:r>
+            <a:r>
+              <a:rPr lang="en-US" sz="2000" dirty="0" smtClean="0">
+                <a:latin typeface="Consolas" panose="020B0609020204030204" pitchFamily="49" charset="0"/>
+                <a:cs typeface="Consolas" panose="020B0609020204030204" pitchFamily="49" charset="0"/>
+              </a:rPr>
+              <a:t>(x, y, </a:t>
+            </a:r>
+            <a:r>
+              <a:rPr lang="en-US" sz="2000" dirty="0">
+                <a:latin typeface="Consolas" panose="020B0609020204030204" pitchFamily="49" charset="0"/>
+                <a:cs typeface="Consolas" panose="020B0609020204030204" pitchFamily="49" charset="0"/>
+              </a:rPr>
+              <a:t>'</a:t>
+            </a:r>
+            <a:r>
+              <a:rPr lang="en-US" sz="2000" dirty="0" smtClean="0">
+                <a:latin typeface="Consolas" panose="020B0609020204030204" pitchFamily="49" charset="0"/>
+                <a:cs typeface="Consolas" panose="020B0609020204030204" pitchFamily="49" charset="0"/>
+              </a:rPr>
+              <a:t>image');</a:t>
+            </a:r>
           </a:p>
           <a:p>
             <a:pPr marL="0" indent="0">
               <a:buNone/>
             </a:pPr>
             <a:r>
-              <a:rPr lang="en-GB" sz="2400" dirty="0" err="1" smtClean="0">
+              <a:rPr lang="en-US" sz="2000" dirty="0" err="1" smtClean="0">
+                <a:latin typeface="Consolas" panose="020B0609020204030204" pitchFamily="49" charset="0"/>
+                <a:cs typeface="Consolas" panose="020B0609020204030204" pitchFamily="49" charset="0"/>
+              </a:rPr>
+              <a:t>group.x</a:t>
+            </a:r>
+            <a:r>
+              <a:rPr lang="en-US" sz="2000" dirty="0" smtClean="0">
+                <a:latin typeface="Consolas" panose="020B0609020204030204" pitchFamily="49" charset="0"/>
+                <a:cs typeface="Consolas" panose="020B0609020204030204" pitchFamily="49" charset="0"/>
+              </a:rPr>
+              <a:t> += 100;</a:t>
+            </a:r>
+          </a:p>
+          <a:p>
+            <a:pPr marL="0" indent="0">
+              <a:buNone/>
+            </a:pPr>
+            <a:r>
+              <a:rPr lang="en-US" sz="2000" dirty="0" err="1" smtClean="0">
+                <a:latin typeface="Consolas" panose="020B0609020204030204" pitchFamily="49" charset="0"/>
+                <a:cs typeface="Consolas" panose="020B0609020204030204" pitchFamily="49" charset="0"/>
+              </a:rPr>
+              <a:t>group.callAll</a:t>
+            </a:r>
+            <a:r>
+              <a:rPr lang="en-US" sz="2000" dirty="0" smtClean="0">
+                <a:latin typeface="Consolas" panose="020B0609020204030204" pitchFamily="49" charset="0"/>
+                <a:cs typeface="Consolas" panose="020B0609020204030204" pitchFamily="49" charset="0"/>
+              </a:rPr>
+              <a:t>(</a:t>
+            </a:r>
+            <a:r>
+              <a:rPr lang="en-US" sz="2000" dirty="0">
+                <a:latin typeface="Consolas" panose="020B0609020204030204" pitchFamily="49" charset="0"/>
+                <a:cs typeface="Consolas" panose="020B0609020204030204" pitchFamily="49" charset="0"/>
+              </a:rPr>
+              <a:t>'</a:t>
+            </a:r>
+            <a:r>
+              <a:rPr lang="en-US" sz="2000" dirty="0" smtClean="0">
+                <a:latin typeface="Consolas" panose="020B0609020204030204" pitchFamily="49" charset="0"/>
+                <a:cs typeface="Consolas" panose="020B0609020204030204" pitchFamily="49" charset="0"/>
+              </a:rPr>
+              <a:t>kill');</a:t>
+            </a:r>
+          </a:p>
+          <a:p>
+            <a:pPr marL="0" indent="0">
+              <a:buNone/>
+            </a:pPr>
+            <a:r>
+              <a:rPr lang="en-US" sz="2000" dirty="0" err="1" smtClean="0">
                 <a:latin typeface="Consolas" panose="020B0609020204030204" pitchFamily="49" charset="0"/>
                 <a:cs typeface="Consolas" panose="020B0609020204030204" pitchFamily="49" charset="0"/>
               </a:rPr>
               <a:t>var</a:t>
             </a:r>
             <a:r>
-              <a:rPr lang="en-GB" sz="2400" dirty="0" smtClean="0">
-                <a:latin typeface="Consolas" panose="020B0609020204030204" pitchFamily="49" charset="0"/>
-                <a:cs typeface="Consolas" panose="020B0609020204030204" pitchFamily="49" charset="0"/>
-              </a:rPr>
-              <a:t> </a:t>
-            </a:r>
-            <a:r>
-              <a:rPr lang="en-GB" sz="2400" dirty="0" err="1">
-                <a:latin typeface="Consolas" panose="020B0609020204030204" pitchFamily="49" charset="0"/>
-                <a:cs typeface="Consolas" panose="020B0609020204030204" pitchFamily="49" charset="0"/>
-              </a:rPr>
-              <a:t>tilesprite</a:t>
-            </a:r>
-            <a:r>
-              <a:rPr lang="en-GB" sz="2400" dirty="0">
-                <a:latin typeface="Consolas" panose="020B0609020204030204" pitchFamily="49" charset="0"/>
-                <a:cs typeface="Consolas" panose="020B0609020204030204" pitchFamily="49" charset="0"/>
-              </a:rPr>
-              <a:t> = </a:t>
-            </a:r>
-            <a:r>
-              <a:rPr lang="en-GB" sz="2400" dirty="0" err="1">
-                <a:latin typeface="Consolas" panose="020B0609020204030204" pitchFamily="49" charset="0"/>
-                <a:cs typeface="Consolas" panose="020B0609020204030204" pitchFamily="49" charset="0"/>
-              </a:rPr>
-              <a:t>game.add.tileSprite</a:t>
-            </a:r>
-            <a:r>
-              <a:rPr lang="en-GB" sz="2400" dirty="0">
-                <a:latin typeface="Consolas" panose="020B0609020204030204" pitchFamily="49" charset="0"/>
-                <a:cs typeface="Consolas" panose="020B0609020204030204" pitchFamily="49" charset="0"/>
-              </a:rPr>
-              <a:t>(0, 0, 32, 64, 'image');</a:t>
-            </a:r>
-            <a:endParaRPr lang="en-GB" sz="2400" dirty="0" smtClean="0">
-              <a:latin typeface="Consolas" panose="020B0609020204030204" pitchFamily="49" charset="0"/>
-              <a:cs typeface="Consolas" panose="020B0609020204030204" pitchFamily="49" charset="0"/>
-            </a:endParaRPr>
-          </a:p>
-          <a:p>
-            <a:endParaRPr lang="en-GB" dirty="0" smtClean="0"/>
-          </a:p>
-          <a:p>
-            <a:r>
-              <a:rPr lang="en-GB" dirty="0" smtClean="0"/>
-              <a:t>texture </a:t>
-            </a:r>
-            <a:r>
-              <a:rPr lang="en-GB" dirty="0"/>
-              <a:t>can be </a:t>
-            </a:r>
-            <a:r>
-              <a:rPr lang="en-GB" dirty="0" smtClean="0"/>
-              <a:t>scrolled</a:t>
-            </a:r>
-          </a:p>
-          <a:p>
-            <a:pPr marL="457200" lvl="1" indent="0">
+              <a:rPr lang="en-US" sz="2000" dirty="0" smtClean="0">
+                <a:latin typeface="Consolas" panose="020B0609020204030204" pitchFamily="49" charset="0"/>
+                <a:cs typeface="Consolas" panose="020B0609020204030204" pitchFamily="49" charset="0"/>
+              </a:rPr>
+              <a:t> zombie = </a:t>
+            </a:r>
+            <a:r>
+              <a:rPr lang="en-US" sz="2000" dirty="0" err="1" smtClean="0">
+                <a:latin typeface="Consolas" panose="020B0609020204030204" pitchFamily="49" charset="0"/>
+                <a:cs typeface="Consolas" panose="020B0609020204030204" pitchFamily="49" charset="0"/>
+              </a:rPr>
+              <a:t>group.getFirstExists</a:t>
+            </a:r>
+            <a:r>
+              <a:rPr lang="en-US" sz="2000" dirty="0" smtClean="0">
+                <a:latin typeface="Consolas" panose="020B0609020204030204" pitchFamily="49" charset="0"/>
+                <a:cs typeface="Consolas" panose="020B0609020204030204" pitchFamily="49" charset="0"/>
+              </a:rPr>
+              <a:t>(false);</a:t>
+            </a:r>
+          </a:p>
+          <a:p>
+            <a:pPr marL="0" indent="0">
               <a:buNone/>
             </a:pPr>
             <a:r>
-              <a:rPr lang="en-GB" dirty="0" err="1" smtClean="0">
-                <a:latin typeface="Consolas" panose="020B0609020204030204" pitchFamily="49" charset="0"/>
-                <a:cs typeface="Consolas" panose="020B0609020204030204" pitchFamily="49" charset="0"/>
-              </a:rPr>
-              <a:t>tilesprite.tilePosition.setTo</a:t>
-            </a:r>
-            <a:r>
-              <a:rPr lang="en-GB" dirty="0" smtClean="0">
-                <a:latin typeface="Consolas" panose="020B0609020204030204" pitchFamily="49" charset="0"/>
-                <a:cs typeface="Consolas" panose="020B0609020204030204" pitchFamily="49" charset="0"/>
-              </a:rPr>
-              <a:t>(10,20);</a:t>
-            </a:r>
-          </a:p>
-          <a:p>
-            <a:r>
-              <a:rPr lang="en-GB" dirty="0"/>
-              <a:t>t</a:t>
-            </a:r>
-            <a:r>
-              <a:rPr lang="en-GB" dirty="0" smtClean="0"/>
-              <a:t>exture can be scaled</a:t>
-            </a:r>
-          </a:p>
-          <a:p>
-            <a:pPr marL="457200" lvl="1" indent="0">
-              <a:buNone/>
-            </a:pPr>
-            <a:r>
-              <a:rPr lang="en-US" dirty="0" err="1" smtClean="0">
-                <a:latin typeface="Consolas" panose="020B0609020204030204" pitchFamily="49" charset="0"/>
-                <a:cs typeface="Consolas" panose="020B0609020204030204" pitchFamily="49" charset="0"/>
-              </a:rPr>
-              <a:t>tilesprite</a:t>
-            </a:r>
-            <a:r>
-              <a:rPr lang="en-US" dirty="0" smtClean="0">
-                <a:latin typeface="Consolas" panose="020B0609020204030204" pitchFamily="49" charset="0"/>
-                <a:cs typeface="Consolas" panose="020B0609020204030204" pitchFamily="49" charset="0"/>
-              </a:rPr>
-              <a:t>.</a:t>
-            </a:r>
-            <a:r>
-              <a:rPr lang="en-GB" dirty="0" err="1" smtClean="0">
-                <a:latin typeface="Consolas" panose="020B0609020204030204" pitchFamily="49" charset="0"/>
-                <a:cs typeface="Consolas" panose="020B0609020204030204" pitchFamily="49" charset="0"/>
-              </a:rPr>
-              <a:t>tileScale</a:t>
-            </a:r>
-            <a:r>
-              <a:rPr lang="en-US" dirty="0" smtClean="0">
-                <a:latin typeface="Consolas" panose="020B0609020204030204" pitchFamily="49" charset="0"/>
-                <a:cs typeface="Consolas" panose="020B0609020204030204" pitchFamily="49" charset="0"/>
-              </a:rPr>
-              <a:t>.</a:t>
-            </a:r>
-            <a:r>
-              <a:rPr lang="en-US" dirty="0" err="1" smtClean="0">
-                <a:latin typeface="Consolas" panose="020B0609020204030204" pitchFamily="49" charset="0"/>
-                <a:cs typeface="Consolas" panose="020B0609020204030204" pitchFamily="49" charset="0"/>
-              </a:rPr>
-              <a:t>setTo</a:t>
-            </a:r>
-            <a:r>
-              <a:rPr lang="en-US" dirty="0" smtClean="0">
-                <a:latin typeface="Consolas" panose="020B0609020204030204" pitchFamily="49" charset="0"/>
-                <a:cs typeface="Consolas" panose="020B0609020204030204" pitchFamily="49" charset="0"/>
-              </a:rPr>
-              <a:t>(1.5,1.5);</a:t>
+              <a:rPr lang="en-US" sz="2000" dirty="0" err="1">
+                <a:latin typeface="Consolas" panose="020B0609020204030204" pitchFamily="49" charset="0"/>
+                <a:cs typeface="Consolas" panose="020B0609020204030204" pitchFamily="49" charset="0"/>
+              </a:rPr>
+              <a:t>z</a:t>
+            </a:r>
+            <a:r>
+              <a:rPr lang="en-US" sz="2000" dirty="0" err="1" smtClean="0">
+                <a:latin typeface="Consolas" panose="020B0609020204030204" pitchFamily="49" charset="0"/>
+                <a:cs typeface="Consolas" panose="020B0609020204030204" pitchFamily="49" charset="0"/>
+              </a:rPr>
+              <a:t>ombie.revive</a:t>
+            </a:r>
+            <a:r>
+              <a:rPr lang="en-US" sz="2000" dirty="0" smtClean="0">
+                <a:latin typeface="Consolas" panose="020B0609020204030204" pitchFamily="49" charset="0"/>
+                <a:cs typeface="Consolas" panose="020B0609020204030204" pitchFamily="49" charset="0"/>
+              </a:rPr>
+              <a:t>(); //cured!</a:t>
             </a:r>
           </a:p>
         </p:txBody>
@@ -7061,7 +7604,7 @@
     </p:spTree>
     <p:extLst>
       <p:ext uri="{BB962C8B-B14F-4D97-AF65-F5344CB8AC3E}">
-        <p14:creationId xmlns:p14="http://schemas.microsoft.com/office/powerpoint/2010/main" val="1082215177"/>
+        <p14:creationId xmlns:p14="http://schemas.microsoft.com/office/powerpoint/2010/main" val="2863946840"/>
       </p:ext>
     </p:extLst>
   </p:cSld>
@@ -7114,8 +7657,8 @@
           <a:p>
             <a:pPr algn="ctr"/>
             <a:r>
-              <a:rPr lang="en-US" sz="4000" dirty="0" smtClean="0"/>
-              <a:t>Tilemap</a:t>
+              <a:rPr lang="en-US" sz="4000" dirty="0" err="1" smtClean="0"/>
+              <a:t>Tilesprite</a:t>
             </a:r>
             <a:endParaRPr lang="en-US" sz="4000" dirty="0"/>
           </a:p>
@@ -7144,62 +7687,190 @@
               <a:buNone/>
             </a:pPr>
             <a:r>
-              <a:rPr lang="en-US" dirty="0"/>
-              <a:t>A tilemap is a map composed by a fixed number of same sized sprites (tiles)</a:t>
-            </a:r>
-            <a:endParaRPr lang="en-US" dirty="0" smtClean="0"/>
-          </a:p>
-          <a:p>
-            <a:r>
-              <a:rPr lang="en-US" dirty="0" smtClean="0"/>
-              <a:t>Each tile can have different </a:t>
-            </a:r>
-            <a:r>
-              <a:rPr lang="en-US" dirty="0" err="1" smtClean="0"/>
-              <a:t>behaviour</a:t>
-            </a:r>
-            <a:endParaRPr lang="en-US" dirty="0" smtClean="0"/>
-          </a:p>
-          <a:p>
-            <a:r>
-              <a:rPr lang="en-US" dirty="0" smtClean="0"/>
-              <a:t>Used to create platform and map based games</a:t>
-            </a:r>
-          </a:p>
-          <a:p>
-            <a:r>
-              <a:rPr lang="en-US" dirty="0" smtClean="0"/>
-              <a:t>Can be orthogonal or isometric</a:t>
-            </a:r>
-          </a:p>
-          <a:p>
-            <a:r>
-              <a:rPr lang="en-US" dirty="0" smtClean="0"/>
-              <a:t>Easy to create with Tiled (</a:t>
+              <a:rPr lang="en-GB" dirty="0" smtClean="0"/>
+              <a:t>“A </a:t>
+            </a:r>
+            <a:r>
+              <a:rPr lang="en-GB" dirty="0" err="1"/>
+              <a:t>t</a:t>
+            </a:r>
+            <a:r>
+              <a:rPr lang="en-GB" dirty="0" err="1" smtClean="0"/>
+              <a:t>ilesprite</a:t>
+            </a:r>
+            <a:r>
+              <a:rPr lang="en-GB" dirty="0" smtClean="0"/>
+              <a:t> </a:t>
+            </a:r>
+            <a:r>
+              <a:rPr lang="en-GB" dirty="0"/>
+              <a:t>is a </a:t>
+            </a:r>
+            <a:r>
+              <a:rPr lang="en-GB" dirty="0" smtClean="0"/>
+              <a:t>sprite </a:t>
+            </a:r>
+            <a:r>
+              <a:rPr lang="en-GB" dirty="0"/>
+              <a:t>that has a repeating texture</a:t>
+            </a:r>
+            <a:r>
+              <a:rPr lang="en-GB" dirty="0" smtClean="0"/>
+              <a:t>.”</a:t>
+            </a:r>
+          </a:p>
+          <a:p>
+            <a:pPr marL="0" indent="0">
+              <a:buNone/>
+            </a:pPr>
+            <a:endParaRPr lang="en-GB" sz="2400" dirty="0" smtClean="0">
+              <a:latin typeface="Consolas" panose="020B0609020204030204" pitchFamily="49" charset="0"/>
+              <a:cs typeface="Consolas" panose="020B0609020204030204" pitchFamily="49" charset="0"/>
+            </a:endParaRPr>
+          </a:p>
+          <a:p>
+            <a:pPr marL="0" indent="0">
+              <a:buNone/>
+            </a:pPr>
+            <a:r>
+              <a:rPr lang="en-GB" sz="2400" dirty="0" err="1" smtClean="0">
+                <a:latin typeface="Consolas" panose="020B0609020204030204" pitchFamily="49" charset="0"/>
+                <a:cs typeface="Consolas" panose="020B0609020204030204" pitchFamily="49" charset="0"/>
+              </a:rPr>
+              <a:t>var</a:t>
+            </a:r>
+            <a:r>
+              <a:rPr lang="en-GB" sz="2400" dirty="0" smtClean="0">
+                <a:latin typeface="Consolas" panose="020B0609020204030204" pitchFamily="49" charset="0"/>
+                <a:cs typeface="Consolas" panose="020B0609020204030204" pitchFamily="49" charset="0"/>
+              </a:rPr>
+              <a:t> </a:t>
+            </a:r>
+            <a:r>
+              <a:rPr lang="en-GB" sz="2400" dirty="0" err="1">
+                <a:latin typeface="Consolas" panose="020B0609020204030204" pitchFamily="49" charset="0"/>
+                <a:cs typeface="Consolas" panose="020B0609020204030204" pitchFamily="49" charset="0"/>
+              </a:rPr>
+              <a:t>tilesprite</a:t>
+            </a:r>
+            <a:r>
+              <a:rPr lang="en-GB" sz="2400" dirty="0">
+                <a:latin typeface="Consolas" panose="020B0609020204030204" pitchFamily="49" charset="0"/>
+                <a:cs typeface="Consolas" panose="020B0609020204030204" pitchFamily="49" charset="0"/>
+              </a:rPr>
+              <a:t> = </a:t>
+            </a:r>
+            <a:r>
+              <a:rPr lang="en-GB" sz="2400" dirty="0" err="1">
+                <a:latin typeface="Consolas" panose="020B0609020204030204" pitchFamily="49" charset="0"/>
+                <a:cs typeface="Consolas" panose="020B0609020204030204" pitchFamily="49" charset="0"/>
+              </a:rPr>
+              <a:t>game.add.tileSprite</a:t>
+            </a:r>
+            <a:r>
+              <a:rPr lang="en-GB" sz="2400" dirty="0">
+                <a:latin typeface="Consolas" panose="020B0609020204030204" pitchFamily="49" charset="0"/>
+                <a:cs typeface="Consolas" panose="020B0609020204030204" pitchFamily="49" charset="0"/>
+              </a:rPr>
+              <a:t>(0, 0, 32, 64, 'image');</a:t>
+            </a:r>
+            <a:endParaRPr lang="en-GB" sz="2400" dirty="0" smtClean="0">
+              <a:latin typeface="Consolas" panose="020B0609020204030204" pitchFamily="49" charset="0"/>
+              <a:cs typeface="Consolas" panose="020B0609020204030204" pitchFamily="49" charset="0"/>
+            </a:endParaRPr>
+          </a:p>
+          <a:p>
+            <a:endParaRPr lang="en-GB" dirty="0" smtClean="0"/>
+          </a:p>
+          <a:p>
+            <a:r>
+              <a:rPr lang="en-GB" dirty="0" smtClean="0"/>
+              <a:t>texture </a:t>
+            </a:r>
+            <a:r>
+              <a:rPr lang="en-GB" dirty="0"/>
+              <a:t>can be </a:t>
+            </a:r>
+            <a:r>
+              <a:rPr lang="en-GB" dirty="0" smtClean="0"/>
+              <a:t>scrolled</a:t>
+            </a:r>
+          </a:p>
+          <a:p>
+            <a:pPr marL="457200" lvl="1" indent="0">
+              <a:buNone/>
+            </a:pPr>
+            <a:r>
+              <a:rPr lang="en-GB" dirty="0" err="1" smtClean="0">
+                <a:latin typeface="Consolas" panose="020B0609020204030204" pitchFamily="49" charset="0"/>
+                <a:cs typeface="Consolas" panose="020B0609020204030204" pitchFamily="49" charset="0"/>
+              </a:rPr>
+              <a:t>tilesprite.tilePosition.setTo</a:t>
             </a:r>
             <a:r>
               <a:rPr lang="en-GB" dirty="0" smtClean="0">
-                <a:hlinkClick r:id="rId2"/>
-              </a:rPr>
-              <a:t>http</a:t>
-            </a:r>
-            <a:r>
-              <a:rPr lang="en-GB" dirty="0">
-                <a:hlinkClick r:id="rId2"/>
-              </a:rPr>
-              <a:t>://www.mapeditor.org</a:t>
-            </a:r>
-            <a:r>
-              <a:rPr lang="en-GB" dirty="0" smtClean="0">
-                <a:hlinkClick r:id="rId2"/>
-              </a:rPr>
-              <a:t>/</a:t>
+                <a:latin typeface="Consolas" panose="020B0609020204030204" pitchFamily="49" charset="0"/>
+                <a:cs typeface="Consolas" panose="020B0609020204030204" pitchFamily="49" charset="0"/>
+              </a:rPr>
+              <a:t>(10,20);</a:t>
+            </a:r>
+          </a:p>
+          <a:p>
+            <a:r>
+              <a:rPr lang="en-GB" dirty="0"/>
+              <a:t>t</a:t>
             </a:r>
             <a:r>
               <a:rPr lang="en-GB" dirty="0" smtClean="0"/>
-              <a:t>)</a:t>
-            </a:r>
-            <a:endParaRPr lang="en-US" dirty="0" smtClean="0"/>
+              <a:t>exture can be scaled</a:t>
+            </a:r>
+          </a:p>
+          <a:p>
+            <a:pPr marL="457200" lvl="1" indent="0">
+              <a:buNone/>
+            </a:pPr>
+            <a:r>
+              <a:rPr lang="en-US" dirty="0" err="1" smtClean="0">
+                <a:latin typeface="Consolas" panose="020B0609020204030204" pitchFamily="49" charset="0"/>
+                <a:cs typeface="Consolas" panose="020B0609020204030204" pitchFamily="49" charset="0"/>
+              </a:rPr>
+              <a:t>tilesprite</a:t>
+            </a:r>
+            <a:r>
+              <a:rPr lang="en-US" dirty="0" smtClean="0">
+                <a:latin typeface="Consolas" panose="020B0609020204030204" pitchFamily="49" charset="0"/>
+                <a:cs typeface="Consolas" panose="020B0609020204030204" pitchFamily="49" charset="0"/>
+              </a:rPr>
+              <a:t>.</a:t>
+            </a:r>
+            <a:r>
+              <a:rPr lang="en-GB" dirty="0" err="1" smtClean="0">
+                <a:latin typeface="Consolas" panose="020B0609020204030204" pitchFamily="49" charset="0"/>
+                <a:cs typeface="Consolas" panose="020B0609020204030204" pitchFamily="49" charset="0"/>
+              </a:rPr>
+              <a:t>tileScale</a:t>
+            </a:r>
+            <a:r>
+              <a:rPr lang="en-US" dirty="0" smtClean="0">
+                <a:latin typeface="Consolas" panose="020B0609020204030204" pitchFamily="49" charset="0"/>
+                <a:cs typeface="Consolas" panose="020B0609020204030204" pitchFamily="49" charset="0"/>
+              </a:rPr>
+              <a:t>.</a:t>
+            </a:r>
+            <a:r>
+              <a:rPr lang="en-US" dirty="0" err="1" smtClean="0">
+                <a:latin typeface="Consolas" panose="020B0609020204030204" pitchFamily="49" charset="0"/>
+                <a:cs typeface="Consolas" panose="020B0609020204030204" pitchFamily="49" charset="0"/>
+              </a:rPr>
+              <a:t>setTo</a:t>
+            </a:r>
+            <a:r>
+              <a:rPr lang="en-US" dirty="0" smtClean="0">
+                <a:latin typeface="Consolas" panose="020B0609020204030204" pitchFamily="49" charset="0"/>
+                <a:cs typeface="Consolas" panose="020B0609020204030204" pitchFamily="49" charset="0"/>
+              </a:rPr>
+              <a:t>(1.5,1.5);</a:t>
+            </a:r>
           </a:p>
         </p:txBody>
       </p:sp>
@@ -7265,7 +7936,7 @@
     </p:spTree>
     <p:extLst>
       <p:ext uri="{BB962C8B-B14F-4D97-AF65-F5344CB8AC3E}">
-        <p14:creationId xmlns:p14="http://schemas.microsoft.com/office/powerpoint/2010/main" val="4097671932"/>
+        <p14:creationId xmlns:p14="http://schemas.microsoft.com/office/powerpoint/2010/main" val="1082215177"/>
       </p:ext>
     </p:extLst>
   </p:cSld>
@@ -7487,401 +8158,70 @@
             <p:ph idx="1"/>
           </p:nvPr>
         </p:nvSpPr>
-        <p:spPr/>
+        <p:spPr>
+          <a:noFill/>
+        </p:spPr>
         <p:txBody>
           <a:bodyPr>
-            <a:normAutofit fontScale="92500" lnSpcReduction="10000"/>
+            <a:normAutofit/>
           </a:bodyPr>
           <a:lstStyle/>
           <a:p>
             <a:pPr marL="0" indent="0">
-              <a:lnSpc>
-                <a:spcPct val="120000"/>
-              </a:lnSpc>
-              <a:spcBef>
-                <a:spcPts val="0"/>
-              </a:spcBef>
               <a:buNone/>
             </a:pPr>
             <a:r>
-              <a:rPr lang="en-US" sz="2000" dirty="0" smtClean="0">
-                <a:latin typeface="Consolas" panose="020B0609020204030204" pitchFamily="49" charset="0"/>
-                <a:cs typeface="Consolas" panose="020B0609020204030204" pitchFamily="49" charset="0"/>
-              </a:rPr>
-              <a:t>function preload() {</a:t>
-            </a:r>
-          </a:p>
-          <a:p>
-            <a:pPr marL="0" indent="0">
-              <a:lnSpc>
-                <a:spcPct val="120000"/>
-              </a:lnSpc>
-              <a:spcBef>
-                <a:spcPts val="0"/>
-              </a:spcBef>
-              <a:buNone/>
-            </a:pPr>
-            <a:r>
-              <a:rPr lang="en-US" sz="2000" dirty="0" smtClean="0">
-                <a:latin typeface="Consolas" panose="020B0609020204030204" pitchFamily="49" charset="0"/>
-                <a:cs typeface="Consolas" panose="020B0609020204030204" pitchFamily="49" charset="0"/>
-              </a:rPr>
-              <a:t>	</a:t>
-            </a:r>
-            <a:r>
-              <a:rPr lang="en-US" sz="2000" dirty="0" err="1" smtClean="0">
-                <a:latin typeface="Consolas" panose="020B0609020204030204" pitchFamily="49" charset="0"/>
-                <a:cs typeface="Consolas" panose="020B0609020204030204" pitchFamily="49" charset="0"/>
-              </a:rPr>
-              <a:t>game.load.tilemap</a:t>
-            </a:r>
-            <a:r>
-              <a:rPr lang="en-US" sz="2000" dirty="0" smtClean="0">
-                <a:latin typeface="Consolas" panose="020B0609020204030204" pitchFamily="49" charset="0"/>
-                <a:cs typeface="Consolas" panose="020B0609020204030204" pitchFamily="49" charset="0"/>
-              </a:rPr>
-              <a:t>('</a:t>
-            </a:r>
-            <a:r>
-              <a:rPr lang="en-US" sz="2000" dirty="0" err="1" smtClean="0">
-                <a:latin typeface="Consolas" panose="020B0609020204030204" pitchFamily="49" charset="0"/>
-                <a:cs typeface="Consolas" panose="020B0609020204030204" pitchFamily="49" charset="0"/>
-              </a:rPr>
-              <a:t>codem</a:t>
-            </a:r>
-            <a:r>
-              <a:rPr lang="en-US" sz="2000" dirty="0" smtClean="0">
-                <a:latin typeface="Consolas" panose="020B0609020204030204" pitchFamily="49" charset="0"/>
-                <a:cs typeface="Consolas" panose="020B0609020204030204" pitchFamily="49" charset="0"/>
-              </a:rPr>
-              <a:t>', '</a:t>
-            </a:r>
-            <a:r>
-              <a:rPr lang="en-US" sz="2000" dirty="0" err="1" smtClean="0">
-                <a:latin typeface="Consolas" panose="020B0609020204030204" pitchFamily="49" charset="0"/>
-                <a:cs typeface="Consolas" panose="020B0609020204030204" pitchFamily="49" charset="0"/>
-              </a:rPr>
-              <a:t>tilemap</a:t>
-            </a:r>
-            <a:r>
-              <a:rPr lang="en-US" sz="2000" dirty="0" smtClean="0">
-                <a:latin typeface="Consolas" panose="020B0609020204030204" pitchFamily="49" charset="0"/>
-                <a:cs typeface="Consolas" panose="020B0609020204030204" pitchFamily="49" charset="0"/>
+              <a:rPr lang="en-US" dirty="0"/>
+              <a:t>A tilemap is a map composed by a fixed number of same sized sprites (tiles)</a:t>
+            </a:r>
+            <a:endParaRPr lang="en-US" dirty="0" smtClean="0"/>
+          </a:p>
+          <a:p>
+            <a:r>
+              <a:rPr lang="en-US" dirty="0" smtClean="0"/>
+              <a:t>Each tile can have different behavior</a:t>
+            </a:r>
+          </a:p>
+          <a:p>
+            <a:r>
+              <a:rPr lang="en-US" dirty="0" smtClean="0"/>
+              <a:t>Used to create platform and map based games</a:t>
+            </a:r>
+          </a:p>
+          <a:p>
+            <a:r>
+              <a:rPr lang="en-US" dirty="0" smtClean="0"/>
+              <a:t>Can be orthogonal or isometric</a:t>
+            </a:r>
+          </a:p>
+          <a:p>
+            <a:r>
+              <a:rPr lang="en-US" dirty="0" smtClean="0"/>
+              <a:t>Easy to create with Tiled (</a:t>
+            </a:r>
+            <a:r>
+              <a:rPr lang="en-GB" dirty="0" smtClean="0">
+                <a:hlinkClick r:id="rId2"/>
+              </a:rPr>
+              <a:t>http</a:t>
+            </a:r>
+            <a:r>
+              <a:rPr lang="en-GB" dirty="0">
+                <a:hlinkClick r:id="rId2"/>
+              </a:rPr>
+              <a:t>://www.mapeditor.org</a:t>
+            </a:r>
+            <a:r>
+              <a:rPr lang="en-GB" dirty="0" smtClean="0">
+                <a:hlinkClick r:id="rId2"/>
               </a:rPr>
               <a:t>/</a:t>
             </a:r>
             <a:r>
-              <a:rPr lang="en-US" sz="2000" dirty="0" err="1" smtClean="0">
-                <a:latin typeface="Consolas" panose="020B0609020204030204" pitchFamily="49" charset="0"/>
-                <a:cs typeface="Consolas" panose="020B0609020204030204" pitchFamily="49" charset="0"/>
-              </a:rPr>
-              <a:t>codem.json</a:t>
-            </a:r>
-            <a:r>
-              <a:rPr lang="en-US" sz="2000" dirty="0" smtClean="0">
-                <a:latin typeface="Consolas" panose="020B0609020204030204" pitchFamily="49" charset="0"/>
-                <a:cs typeface="Consolas" panose="020B0609020204030204" pitchFamily="49" charset="0"/>
-              </a:rPr>
-              <a:t>', null, </a:t>
-            </a:r>
-            <a:r>
-              <a:rPr lang="en-US" sz="2000" dirty="0" err="1" smtClean="0">
-                <a:latin typeface="Consolas" panose="020B0609020204030204" pitchFamily="49" charset="0"/>
-                <a:cs typeface="Consolas" panose="020B0609020204030204" pitchFamily="49" charset="0"/>
-              </a:rPr>
-              <a:t>Phaser.Tilemap.TILED_JSON</a:t>
-            </a:r>
-            <a:r>
-              <a:rPr lang="en-US" sz="2000" dirty="0" smtClean="0">
-                <a:latin typeface="Consolas" panose="020B0609020204030204" pitchFamily="49" charset="0"/>
-                <a:cs typeface="Consolas" panose="020B0609020204030204" pitchFamily="49" charset="0"/>
-              </a:rPr>
-              <a:t>);</a:t>
-            </a:r>
-          </a:p>
-          <a:p>
-            <a:pPr marL="0" indent="0">
-              <a:lnSpc>
-                <a:spcPct val="120000"/>
-              </a:lnSpc>
-              <a:spcBef>
-                <a:spcPts val="0"/>
-              </a:spcBef>
-              <a:buNone/>
-            </a:pPr>
-            <a:r>
-              <a:rPr lang="en-US" sz="2000" dirty="0" smtClean="0">
-                <a:latin typeface="Consolas" panose="020B0609020204030204" pitchFamily="49" charset="0"/>
-                <a:cs typeface="Consolas" panose="020B0609020204030204" pitchFamily="49" charset="0"/>
-              </a:rPr>
-              <a:t>	</a:t>
-            </a:r>
-            <a:r>
-              <a:rPr lang="en-US" sz="2000" dirty="0" err="1" smtClean="0">
-                <a:latin typeface="Consolas" panose="020B0609020204030204" pitchFamily="49" charset="0"/>
-                <a:cs typeface="Consolas" panose="020B0609020204030204" pitchFamily="49" charset="0"/>
-              </a:rPr>
-              <a:t>game.load.image</a:t>
-            </a:r>
-            <a:r>
-              <a:rPr lang="en-US" sz="2000" dirty="0" smtClean="0">
-                <a:latin typeface="Consolas" panose="020B0609020204030204" pitchFamily="49" charset="0"/>
-                <a:cs typeface="Consolas" panose="020B0609020204030204" pitchFamily="49" charset="0"/>
-              </a:rPr>
-              <a:t>('block', 'sprites/block.gif');</a:t>
-            </a:r>
-          </a:p>
-          <a:p>
-            <a:pPr marL="0" indent="0">
-              <a:lnSpc>
-                <a:spcPct val="120000"/>
-              </a:lnSpc>
-              <a:spcBef>
-                <a:spcPts val="0"/>
-              </a:spcBef>
-              <a:buNone/>
-            </a:pPr>
-            <a:r>
-              <a:rPr lang="en-US" sz="2000" dirty="0" smtClean="0">
-                <a:latin typeface="Consolas" panose="020B0609020204030204" pitchFamily="49" charset="0"/>
-                <a:cs typeface="Consolas" panose="020B0609020204030204" pitchFamily="49" charset="0"/>
-              </a:rPr>
-              <a:t>}</a:t>
-            </a:r>
-          </a:p>
-          <a:p>
-            <a:pPr marL="0" indent="0">
-              <a:lnSpc>
-                <a:spcPct val="120000"/>
-              </a:lnSpc>
-              <a:spcBef>
-                <a:spcPts val="0"/>
-              </a:spcBef>
-              <a:buNone/>
-            </a:pPr>
-            <a:endParaRPr lang="en-US" sz="2000" dirty="0" smtClean="0">
-              <a:latin typeface="Consolas" panose="020B0609020204030204" pitchFamily="49" charset="0"/>
-              <a:cs typeface="Consolas" panose="020B0609020204030204" pitchFamily="49" charset="0"/>
-            </a:endParaRPr>
-          </a:p>
-          <a:p>
-            <a:pPr marL="0" indent="0">
-              <a:lnSpc>
-                <a:spcPct val="120000"/>
-              </a:lnSpc>
-              <a:spcBef>
-                <a:spcPts val="0"/>
-              </a:spcBef>
-              <a:buNone/>
-            </a:pPr>
-            <a:r>
-              <a:rPr lang="en-US" sz="2000" dirty="0" smtClean="0">
-                <a:latin typeface="Consolas" panose="020B0609020204030204" pitchFamily="49" charset="0"/>
-                <a:cs typeface="Consolas" panose="020B0609020204030204" pitchFamily="49" charset="0"/>
-              </a:rPr>
-              <a:t>function create() {</a:t>
-            </a:r>
-          </a:p>
-          <a:p>
-            <a:pPr marL="0" indent="0">
-              <a:lnSpc>
-                <a:spcPct val="120000"/>
-              </a:lnSpc>
-              <a:spcBef>
-                <a:spcPts val="0"/>
-              </a:spcBef>
-              <a:buNone/>
-            </a:pPr>
-            <a:r>
-              <a:rPr lang="en-US" sz="2000" dirty="0" smtClean="0">
-                <a:latin typeface="Consolas" panose="020B0609020204030204" pitchFamily="49" charset="0"/>
-                <a:cs typeface="Consolas" panose="020B0609020204030204" pitchFamily="49" charset="0"/>
-              </a:rPr>
-              <a:t>	map = </a:t>
-            </a:r>
-            <a:r>
-              <a:rPr lang="en-US" sz="2000" dirty="0" err="1" smtClean="0">
-                <a:latin typeface="Consolas" panose="020B0609020204030204" pitchFamily="49" charset="0"/>
-                <a:cs typeface="Consolas" panose="020B0609020204030204" pitchFamily="49" charset="0"/>
-              </a:rPr>
-              <a:t>game.add.tilemap</a:t>
-            </a:r>
-            <a:r>
-              <a:rPr lang="en-US" sz="2000" dirty="0" smtClean="0">
-                <a:latin typeface="Consolas" panose="020B0609020204030204" pitchFamily="49" charset="0"/>
-                <a:cs typeface="Consolas" panose="020B0609020204030204" pitchFamily="49" charset="0"/>
-              </a:rPr>
-              <a:t>("</a:t>
-            </a:r>
-            <a:r>
-              <a:rPr lang="en-US" sz="2000" dirty="0" err="1" smtClean="0">
-                <a:latin typeface="Consolas" panose="020B0609020204030204" pitchFamily="49" charset="0"/>
-                <a:cs typeface="Consolas" panose="020B0609020204030204" pitchFamily="49" charset="0"/>
-              </a:rPr>
-              <a:t>codem</a:t>
-            </a:r>
-            <a:r>
-              <a:rPr lang="en-US" sz="2000" dirty="0" smtClean="0">
-                <a:latin typeface="Consolas" panose="020B0609020204030204" pitchFamily="49" charset="0"/>
-                <a:cs typeface="Consolas" panose="020B0609020204030204" pitchFamily="49" charset="0"/>
-              </a:rPr>
-              <a:t>");</a:t>
-            </a:r>
-          </a:p>
-          <a:p>
-            <a:pPr marL="0" indent="0">
-              <a:lnSpc>
-                <a:spcPct val="120000"/>
-              </a:lnSpc>
-              <a:spcBef>
-                <a:spcPts val="0"/>
-              </a:spcBef>
-              <a:buNone/>
-            </a:pPr>
-            <a:r>
-              <a:rPr lang="en-US" sz="2000" dirty="0" smtClean="0">
-                <a:latin typeface="Consolas" panose="020B0609020204030204" pitchFamily="49" charset="0"/>
-                <a:cs typeface="Consolas" panose="020B0609020204030204" pitchFamily="49" charset="0"/>
-              </a:rPr>
-              <a:t>	</a:t>
-            </a:r>
-            <a:r>
-              <a:rPr lang="en-US" sz="2000" dirty="0" err="1" smtClean="0">
-                <a:latin typeface="Consolas" panose="020B0609020204030204" pitchFamily="49" charset="0"/>
-                <a:cs typeface="Consolas" panose="020B0609020204030204" pitchFamily="49" charset="0"/>
-              </a:rPr>
-              <a:t>map.addTilesetImage</a:t>
-            </a:r>
-            <a:r>
-              <a:rPr lang="en-US" sz="2000" dirty="0" smtClean="0">
-                <a:latin typeface="Consolas" panose="020B0609020204030204" pitchFamily="49" charset="0"/>
-                <a:cs typeface="Consolas" panose="020B0609020204030204" pitchFamily="49" charset="0"/>
-              </a:rPr>
-              <a:t>("block");</a:t>
-            </a:r>
-          </a:p>
-          <a:p>
-            <a:pPr marL="0" indent="0">
-              <a:lnSpc>
-                <a:spcPct val="120000"/>
-              </a:lnSpc>
-              <a:spcBef>
-                <a:spcPts val="0"/>
-              </a:spcBef>
-              <a:buNone/>
-            </a:pPr>
-            <a:r>
-              <a:rPr lang="en-US" sz="2000" dirty="0" smtClean="0">
-                <a:latin typeface="Consolas" panose="020B0609020204030204" pitchFamily="49" charset="0"/>
-                <a:cs typeface="Consolas" panose="020B0609020204030204" pitchFamily="49" charset="0"/>
-              </a:rPr>
-              <a:t>	</a:t>
-            </a:r>
-            <a:r>
-              <a:rPr lang="en-US" sz="2000" dirty="0" err="1" smtClean="0">
-                <a:latin typeface="Consolas" panose="020B0609020204030204" pitchFamily="49" charset="0"/>
-                <a:cs typeface="Consolas" panose="020B0609020204030204" pitchFamily="49" charset="0"/>
-              </a:rPr>
-              <a:t>map.setCollisionByExclusion</a:t>
-            </a:r>
-            <a:r>
-              <a:rPr lang="en-US" sz="2000" dirty="0" smtClean="0">
-                <a:latin typeface="Consolas" panose="020B0609020204030204" pitchFamily="49" charset="0"/>
-                <a:cs typeface="Consolas" panose="020B0609020204030204" pitchFamily="49" charset="0"/>
-              </a:rPr>
-              <a:t>([]);</a:t>
-            </a:r>
-          </a:p>
-          <a:p>
-            <a:pPr marL="0" indent="0">
-              <a:lnSpc>
-                <a:spcPct val="120000"/>
-              </a:lnSpc>
-              <a:spcBef>
-                <a:spcPts val="0"/>
-              </a:spcBef>
-              <a:buNone/>
-            </a:pPr>
-            <a:r>
-              <a:rPr lang="en-US" sz="2000" dirty="0" smtClean="0">
-                <a:latin typeface="Consolas" panose="020B0609020204030204" pitchFamily="49" charset="0"/>
-                <a:cs typeface="Consolas" panose="020B0609020204030204" pitchFamily="49" charset="0"/>
-              </a:rPr>
-              <a:t>	layer = </a:t>
-            </a:r>
-            <a:r>
-              <a:rPr lang="en-US" sz="2000" dirty="0" err="1" smtClean="0">
-                <a:latin typeface="Consolas" panose="020B0609020204030204" pitchFamily="49" charset="0"/>
-                <a:cs typeface="Consolas" panose="020B0609020204030204" pitchFamily="49" charset="0"/>
-              </a:rPr>
-              <a:t>map.createLayer</a:t>
-            </a:r>
-            <a:r>
-              <a:rPr lang="en-US" sz="2000" dirty="0" smtClean="0">
-                <a:latin typeface="Consolas" panose="020B0609020204030204" pitchFamily="49" charset="0"/>
-                <a:cs typeface="Consolas" panose="020B0609020204030204" pitchFamily="49" charset="0"/>
-              </a:rPr>
-              <a:t>("</a:t>
-            </a:r>
-            <a:r>
-              <a:rPr lang="en-US" sz="2000" dirty="0" err="1" smtClean="0">
-                <a:latin typeface="Consolas" panose="020B0609020204030204" pitchFamily="49" charset="0"/>
-                <a:cs typeface="Consolas" panose="020B0609020204030204" pitchFamily="49" charset="0"/>
-              </a:rPr>
-              <a:t>codemotion</a:t>
-            </a:r>
-            <a:r>
-              <a:rPr lang="en-US" sz="2000" dirty="0" smtClean="0">
-                <a:latin typeface="Consolas" panose="020B0609020204030204" pitchFamily="49" charset="0"/>
-                <a:cs typeface="Consolas" panose="020B0609020204030204" pitchFamily="49" charset="0"/>
-              </a:rPr>
-              <a:t>");</a:t>
-            </a:r>
-          </a:p>
-          <a:p>
-            <a:pPr marL="0" indent="0">
-              <a:lnSpc>
-                <a:spcPct val="120000"/>
-              </a:lnSpc>
-              <a:spcBef>
-                <a:spcPts val="0"/>
-              </a:spcBef>
-              <a:buNone/>
-            </a:pPr>
-            <a:r>
-              <a:rPr lang="en-US" sz="2000" dirty="0" smtClean="0">
-                <a:latin typeface="Consolas" panose="020B0609020204030204" pitchFamily="49" charset="0"/>
-                <a:cs typeface="Consolas" panose="020B0609020204030204" pitchFamily="49" charset="0"/>
-              </a:rPr>
-              <a:t>	</a:t>
-            </a:r>
-            <a:r>
-              <a:rPr lang="en-US" sz="2000" dirty="0" err="1" smtClean="0">
-                <a:latin typeface="Consolas" panose="020B0609020204030204" pitchFamily="49" charset="0"/>
-                <a:cs typeface="Consolas" panose="020B0609020204030204" pitchFamily="49" charset="0"/>
-              </a:rPr>
-              <a:t>layer.resizeWorld</a:t>
-            </a:r>
-            <a:r>
-              <a:rPr lang="en-US" sz="2000" dirty="0" smtClean="0">
-                <a:latin typeface="Consolas" panose="020B0609020204030204" pitchFamily="49" charset="0"/>
-                <a:cs typeface="Consolas" panose="020B0609020204030204" pitchFamily="49" charset="0"/>
-              </a:rPr>
-              <a:t>();</a:t>
-            </a:r>
-            <a:br>
-              <a:rPr lang="en-US" sz="2000" dirty="0" smtClean="0">
-                <a:latin typeface="Consolas" panose="020B0609020204030204" pitchFamily="49" charset="0"/>
-                <a:cs typeface="Consolas" panose="020B0609020204030204" pitchFamily="49" charset="0"/>
-              </a:rPr>
-            </a:br>
-            <a:r>
-              <a:rPr lang="en-US" sz="2000" dirty="0" smtClean="0">
-                <a:latin typeface="Consolas" panose="020B0609020204030204" pitchFamily="49" charset="0"/>
-                <a:cs typeface="Consolas" panose="020B0609020204030204" pitchFamily="49" charset="0"/>
-              </a:rPr>
-              <a:t>}</a:t>
-            </a:r>
+              <a:rPr lang="en-GB" dirty="0" smtClean="0"/>
+              <a:t>)</a:t>
+            </a:r>
+            <a:endParaRPr lang="en-US" dirty="0" smtClean="0"/>
           </a:p>
         </p:txBody>
       </p:sp>
@@ -7940,14 +8280,14 @@
               <a:rPr lang="it-IT" smtClean="0"/>
               <a:t>17</a:t>
             </a:fld>
-            <a:endParaRPr lang="it-IT" dirty="0"/>
+            <a:endParaRPr lang="it-IT"/>
           </a:p>
         </p:txBody>
       </p:sp>
     </p:spTree>
     <p:extLst>
       <p:ext uri="{BB962C8B-B14F-4D97-AF65-F5344CB8AC3E}">
-        <p14:creationId xmlns:p14="http://schemas.microsoft.com/office/powerpoint/2010/main" val="1160956334"/>
+        <p14:creationId xmlns:p14="http://schemas.microsoft.com/office/powerpoint/2010/main" val="4097671932"/>
       </p:ext>
     </p:extLst>
   </p:cSld>
@@ -8001,7 +8341,7 @@
             <a:pPr algn="ctr"/>
             <a:r>
               <a:rPr lang="en-US" sz="4000" dirty="0" smtClean="0"/>
-              <a:t>Collision</a:t>
+              <a:t>Tilemap</a:t>
             </a:r>
             <a:endParaRPr lang="en-US" sz="4000" dirty="0"/>
           </a:p>
@@ -8017,79 +8357,401 @@
             <p:ph idx="1"/>
           </p:nvPr>
         </p:nvSpPr>
-        <p:spPr>
-          <a:noFill/>
-        </p:spPr>
+        <p:spPr/>
         <p:txBody>
           <a:bodyPr>
-            <a:normAutofit lnSpcReduction="10000"/>
+            <a:normAutofit fontScale="92500" lnSpcReduction="10000"/>
           </a:bodyPr>
           <a:lstStyle/>
           <a:p>
             <a:pPr marL="0" indent="0">
+              <a:lnSpc>
+                <a:spcPct val="120000"/>
+              </a:lnSpc>
+              <a:spcBef>
+                <a:spcPts val="0"/>
+              </a:spcBef>
               <a:buNone/>
             </a:pPr>
             <a:r>
-              <a:rPr lang="en-US" dirty="0" smtClean="0"/>
-              <a:t>“An </a:t>
-            </a:r>
-            <a:r>
-              <a:rPr lang="en-US" dirty="0"/>
-              <a:t>instance of one moving object </a:t>
-            </a:r>
-            <a:r>
-              <a:rPr lang="en-US" dirty="0" smtClean="0"/>
-              <a:t>touching </a:t>
-            </a:r>
-            <a:r>
-              <a:rPr lang="en-US" dirty="0"/>
-              <a:t>another</a:t>
-            </a:r>
-            <a:r>
-              <a:rPr lang="en-US" dirty="0" smtClean="0"/>
-              <a:t>.”</a:t>
-            </a:r>
-          </a:p>
-          <a:p>
-            <a:r>
-              <a:rPr lang="en-US" dirty="0" smtClean="0"/>
-              <a:t>Both object must have a “body” (collider)</a:t>
-            </a:r>
-          </a:p>
-          <a:p>
-            <a:r>
-              <a:rPr lang="en-US" dirty="0" smtClean="0"/>
-              <a:t>Object can be a sprite or a tilemap or even a group!</a:t>
-            </a:r>
-          </a:p>
-          <a:p>
-            <a:r>
-              <a:rPr lang="en-US" dirty="0" smtClean="0"/>
-              <a:t>A body can be a rectangle, a circle or a polygon</a:t>
-            </a:r>
-          </a:p>
-          <a:p>
-            <a:r>
-              <a:rPr lang="en-US" dirty="0" smtClean="0"/>
-              <a:t>Bodies can have a lot of properties (mass, gravity, velocity, material, …)</a:t>
-            </a:r>
-          </a:p>
-          <a:p>
-            <a:r>
-              <a:rPr lang="en-US" dirty="0" smtClean="0"/>
-              <a:t>Last two statements depends on what physics engine you are using.</a:t>
-            </a:r>
-          </a:p>
-          <a:p>
-            <a:r>
-              <a:rPr lang="en-US" dirty="0" smtClean="0"/>
-              <a:t>More complex is the engine, more computation is needed. </a:t>
-            </a:r>
-            <a:r>
-              <a:rPr lang="en-US" smtClean="0"/>
-              <a:t>Choose wisely!</a:t>
-            </a:r>
-            <a:endParaRPr lang="en-US" dirty="0" smtClean="0"/>
+              <a:rPr lang="en-US" sz="2000" dirty="0" smtClean="0">
+                <a:latin typeface="Consolas" panose="020B0609020204030204" pitchFamily="49" charset="0"/>
+                <a:cs typeface="Consolas" panose="020B0609020204030204" pitchFamily="49" charset="0"/>
+              </a:rPr>
+              <a:t>function preload() {</a:t>
+            </a:r>
+          </a:p>
+          <a:p>
+            <a:pPr marL="0" indent="0">
+              <a:lnSpc>
+                <a:spcPct val="120000"/>
+              </a:lnSpc>
+              <a:spcBef>
+                <a:spcPts val="0"/>
+              </a:spcBef>
+              <a:buNone/>
+            </a:pPr>
+            <a:r>
+              <a:rPr lang="en-US" sz="2000" dirty="0" smtClean="0">
+                <a:latin typeface="Consolas" panose="020B0609020204030204" pitchFamily="49" charset="0"/>
+                <a:cs typeface="Consolas" panose="020B0609020204030204" pitchFamily="49" charset="0"/>
+              </a:rPr>
+              <a:t>	</a:t>
+            </a:r>
+            <a:r>
+              <a:rPr lang="en-US" sz="2000" dirty="0" err="1" smtClean="0">
+                <a:latin typeface="Consolas" panose="020B0609020204030204" pitchFamily="49" charset="0"/>
+                <a:cs typeface="Consolas" panose="020B0609020204030204" pitchFamily="49" charset="0"/>
+              </a:rPr>
+              <a:t>game.load.tilemap</a:t>
+            </a:r>
+            <a:r>
+              <a:rPr lang="en-US" sz="2000" dirty="0" smtClean="0">
+                <a:latin typeface="Consolas" panose="020B0609020204030204" pitchFamily="49" charset="0"/>
+                <a:cs typeface="Consolas" panose="020B0609020204030204" pitchFamily="49" charset="0"/>
+              </a:rPr>
+              <a:t>('</a:t>
+            </a:r>
+            <a:r>
+              <a:rPr lang="en-US" sz="2000" dirty="0" err="1" smtClean="0">
+                <a:latin typeface="Consolas" panose="020B0609020204030204" pitchFamily="49" charset="0"/>
+                <a:cs typeface="Consolas" panose="020B0609020204030204" pitchFamily="49" charset="0"/>
+              </a:rPr>
+              <a:t>codem</a:t>
+            </a:r>
+            <a:r>
+              <a:rPr lang="en-US" sz="2000" dirty="0" smtClean="0">
+                <a:latin typeface="Consolas" panose="020B0609020204030204" pitchFamily="49" charset="0"/>
+                <a:cs typeface="Consolas" panose="020B0609020204030204" pitchFamily="49" charset="0"/>
+              </a:rPr>
+              <a:t>', '</a:t>
+            </a:r>
+            <a:r>
+              <a:rPr lang="en-US" sz="2000" dirty="0" err="1" smtClean="0">
+                <a:latin typeface="Consolas" panose="020B0609020204030204" pitchFamily="49" charset="0"/>
+                <a:cs typeface="Consolas" panose="020B0609020204030204" pitchFamily="49" charset="0"/>
+              </a:rPr>
+              <a:t>tilemap</a:t>
+            </a:r>
+            <a:r>
+              <a:rPr lang="en-US" sz="2000" dirty="0" smtClean="0">
+                <a:latin typeface="Consolas" panose="020B0609020204030204" pitchFamily="49" charset="0"/>
+                <a:cs typeface="Consolas" panose="020B0609020204030204" pitchFamily="49" charset="0"/>
+              </a:rPr>
+              <a:t>/</a:t>
+            </a:r>
+            <a:r>
+              <a:rPr lang="en-US" sz="2000" dirty="0" err="1" smtClean="0">
+                <a:latin typeface="Consolas" panose="020B0609020204030204" pitchFamily="49" charset="0"/>
+                <a:cs typeface="Consolas" panose="020B0609020204030204" pitchFamily="49" charset="0"/>
+              </a:rPr>
+              <a:t>codem.json</a:t>
+            </a:r>
+            <a:r>
+              <a:rPr lang="en-US" sz="2000" dirty="0" smtClean="0">
+                <a:latin typeface="Consolas" panose="020B0609020204030204" pitchFamily="49" charset="0"/>
+                <a:cs typeface="Consolas" panose="020B0609020204030204" pitchFamily="49" charset="0"/>
+              </a:rPr>
+              <a:t>', null, </a:t>
+            </a:r>
+            <a:r>
+              <a:rPr lang="en-US" sz="2000" dirty="0" err="1" smtClean="0">
+                <a:latin typeface="Consolas" panose="020B0609020204030204" pitchFamily="49" charset="0"/>
+                <a:cs typeface="Consolas" panose="020B0609020204030204" pitchFamily="49" charset="0"/>
+              </a:rPr>
+              <a:t>Phaser.Tilemap.TILED_JSON</a:t>
+            </a:r>
+            <a:r>
+              <a:rPr lang="en-US" sz="2000" dirty="0" smtClean="0">
+                <a:latin typeface="Consolas" panose="020B0609020204030204" pitchFamily="49" charset="0"/>
+                <a:cs typeface="Consolas" panose="020B0609020204030204" pitchFamily="49" charset="0"/>
+              </a:rPr>
+              <a:t>);</a:t>
+            </a:r>
+          </a:p>
+          <a:p>
+            <a:pPr marL="0" indent="0">
+              <a:lnSpc>
+                <a:spcPct val="120000"/>
+              </a:lnSpc>
+              <a:spcBef>
+                <a:spcPts val="0"/>
+              </a:spcBef>
+              <a:buNone/>
+            </a:pPr>
+            <a:r>
+              <a:rPr lang="en-US" sz="2000" dirty="0" smtClean="0">
+                <a:latin typeface="Consolas" panose="020B0609020204030204" pitchFamily="49" charset="0"/>
+                <a:cs typeface="Consolas" panose="020B0609020204030204" pitchFamily="49" charset="0"/>
+              </a:rPr>
+              <a:t>	</a:t>
+            </a:r>
+            <a:r>
+              <a:rPr lang="en-US" sz="2000" dirty="0" err="1" smtClean="0">
+                <a:latin typeface="Consolas" panose="020B0609020204030204" pitchFamily="49" charset="0"/>
+                <a:cs typeface="Consolas" panose="020B0609020204030204" pitchFamily="49" charset="0"/>
+              </a:rPr>
+              <a:t>game.load.image</a:t>
+            </a:r>
+            <a:r>
+              <a:rPr lang="en-US" sz="2000" dirty="0" smtClean="0">
+                <a:latin typeface="Consolas" panose="020B0609020204030204" pitchFamily="49" charset="0"/>
+                <a:cs typeface="Consolas" panose="020B0609020204030204" pitchFamily="49" charset="0"/>
+              </a:rPr>
+              <a:t>('block', 'sprites/block.gif');</a:t>
+            </a:r>
+          </a:p>
+          <a:p>
+            <a:pPr marL="0" indent="0">
+              <a:lnSpc>
+                <a:spcPct val="120000"/>
+              </a:lnSpc>
+              <a:spcBef>
+                <a:spcPts val="0"/>
+              </a:spcBef>
+              <a:buNone/>
+            </a:pPr>
+            <a:r>
+              <a:rPr lang="en-US" sz="2000" dirty="0" smtClean="0">
+                <a:latin typeface="Consolas" panose="020B0609020204030204" pitchFamily="49" charset="0"/>
+                <a:cs typeface="Consolas" panose="020B0609020204030204" pitchFamily="49" charset="0"/>
+              </a:rPr>
+              <a:t>}</a:t>
+            </a:r>
+          </a:p>
+          <a:p>
+            <a:pPr marL="0" indent="0">
+              <a:lnSpc>
+                <a:spcPct val="120000"/>
+              </a:lnSpc>
+              <a:spcBef>
+                <a:spcPts val="0"/>
+              </a:spcBef>
+              <a:buNone/>
+            </a:pPr>
+            <a:endParaRPr lang="en-US" sz="2000" dirty="0" smtClean="0">
+              <a:latin typeface="Consolas" panose="020B0609020204030204" pitchFamily="49" charset="0"/>
+              <a:cs typeface="Consolas" panose="020B0609020204030204" pitchFamily="49" charset="0"/>
+            </a:endParaRPr>
+          </a:p>
+          <a:p>
+            <a:pPr marL="0" indent="0">
+              <a:lnSpc>
+                <a:spcPct val="120000"/>
+              </a:lnSpc>
+              <a:spcBef>
+                <a:spcPts val="0"/>
+              </a:spcBef>
+              <a:buNone/>
+            </a:pPr>
+            <a:r>
+              <a:rPr lang="en-US" sz="2000" dirty="0" smtClean="0">
+                <a:latin typeface="Consolas" panose="020B0609020204030204" pitchFamily="49" charset="0"/>
+                <a:cs typeface="Consolas" panose="020B0609020204030204" pitchFamily="49" charset="0"/>
+              </a:rPr>
+              <a:t>function create() {</a:t>
+            </a:r>
+          </a:p>
+          <a:p>
+            <a:pPr marL="0" indent="0">
+              <a:lnSpc>
+                <a:spcPct val="120000"/>
+              </a:lnSpc>
+              <a:spcBef>
+                <a:spcPts val="0"/>
+              </a:spcBef>
+              <a:buNone/>
+            </a:pPr>
+            <a:r>
+              <a:rPr lang="en-US" sz="2000" dirty="0" smtClean="0">
+                <a:latin typeface="Consolas" panose="020B0609020204030204" pitchFamily="49" charset="0"/>
+                <a:cs typeface="Consolas" panose="020B0609020204030204" pitchFamily="49" charset="0"/>
+              </a:rPr>
+              <a:t>	map = </a:t>
+            </a:r>
+            <a:r>
+              <a:rPr lang="en-US" sz="2000" dirty="0" err="1" smtClean="0">
+                <a:latin typeface="Consolas" panose="020B0609020204030204" pitchFamily="49" charset="0"/>
+                <a:cs typeface="Consolas" panose="020B0609020204030204" pitchFamily="49" charset="0"/>
+              </a:rPr>
+              <a:t>game.add.tilemap</a:t>
+            </a:r>
+            <a:r>
+              <a:rPr lang="en-US" sz="2000" dirty="0" smtClean="0">
+                <a:latin typeface="Consolas" panose="020B0609020204030204" pitchFamily="49" charset="0"/>
+                <a:cs typeface="Consolas" panose="020B0609020204030204" pitchFamily="49" charset="0"/>
+              </a:rPr>
+              <a:t>("</a:t>
+            </a:r>
+            <a:r>
+              <a:rPr lang="en-US" sz="2000" dirty="0" err="1" smtClean="0">
+                <a:latin typeface="Consolas" panose="020B0609020204030204" pitchFamily="49" charset="0"/>
+                <a:cs typeface="Consolas" panose="020B0609020204030204" pitchFamily="49" charset="0"/>
+              </a:rPr>
+              <a:t>codem</a:t>
+            </a:r>
+            <a:r>
+              <a:rPr lang="en-US" sz="2000" dirty="0" smtClean="0">
+                <a:latin typeface="Consolas" panose="020B0609020204030204" pitchFamily="49" charset="0"/>
+                <a:cs typeface="Consolas" panose="020B0609020204030204" pitchFamily="49" charset="0"/>
+              </a:rPr>
+              <a:t>");</a:t>
+            </a:r>
+          </a:p>
+          <a:p>
+            <a:pPr marL="0" indent="0">
+              <a:lnSpc>
+                <a:spcPct val="120000"/>
+              </a:lnSpc>
+              <a:spcBef>
+                <a:spcPts val="0"/>
+              </a:spcBef>
+              <a:buNone/>
+            </a:pPr>
+            <a:r>
+              <a:rPr lang="en-US" sz="2000" dirty="0" smtClean="0">
+                <a:latin typeface="Consolas" panose="020B0609020204030204" pitchFamily="49" charset="0"/>
+                <a:cs typeface="Consolas" panose="020B0609020204030204" pitchFamily="49" charset="0"/>
+              </a:rPr>
+              <a:t>	</a:t>
+            </a:r>
+            <a:r>
+              <a:rPr lang="en-US" sz="2000" dirty="0" err="1" smtClean="0">
+                <a:latin typeface="Consolas" panose="020B0609020204030204" pitchFamily="49" charset="0"/>
+                <a:cs typeface="Consolas" panose="020B0609020204030204" pitchFamily="49" charset="0"/>
+              </a:rPr>
+              <a:t>map.addTilesetImage</a:t>
+            </a:r>
+            <a:r>
+              <a:rPr lang="en-US" sz="2000" dirty="0" smtClean="0">
+                <a:latin typeface="Consolas" panose="020B0609020204030204" pitchFamily="49" charset="0"/>
+                <a:cs typeface="Consolas" panose="020B0609020204030204" pitchFamily="49" charset="0"/>
+              </a:rPr>
+              <a:t>("block");</a:t>
+            </a:r>
+          </a:p>
+          <a:p>
+            <a:pPr marL="0" indent="0">
+              <a:lnSpc>
+                <a:spcPct val="120000"/>
+              </a:lnSpc>
+              <a:spcBef>
+                <a:spcPts val="0"/>
+              </a:spcBef>
+              <a:buNone/>
+            </a:pPr>
+            <a:r>
+              <a:rPr lang="en-US" sz="2000" dirty="0" smtClean="0">
+                <a:latin typeface="Consolas" panose="020B0609020204030204" pitchFamily="49" charset="0"/>
+                <a:cs typeface="Consolas" panose="020B0609020204030204" pitchFamily="49" charset="0"/>
+              </a:rPr>
+              <a:t>	</a:t>
+            </a:r>
+            <a:r>
+              <a:rPr lang="en-US" sz="2000" dirty="0" err="1" smtClean="0">
+                <a:latin typeface="Consolas" panose="020B0609020204030204" pitchFamily="49" charset="0"/>
+                <a:cs typeface="Consolas" panose="020B0609020204030204" pitchFamily="49" charset="0"/>
+              </a:rPr>
+              <a:t>map.setCollisionByExclusion</a:t>
+            </a:r>
+            <a:r>
+              <a:rPr lang="en-US" sz="2000" dirty="0" smtClean="0">
+                <a:latin typeface="Consolas" panose="020B0609020204030204" pitchFamily="49" charset="0"/>
+                <a:cs typeface="Consolas" panose="020B0609020204030204" pitchFamily="49" charset="0"/>
+              </a:rPr>
+              <a:t>([]);</a:t>
+            </a:r>
+          </a:p>
+          <a:p>
+            <a:pPr marL="0" indent="0">
+              <a:lnSpc>
+                <a:spcPct val="120000"/>
+              </a:lnSpc>
+              <a:spcBef>
+                <a:spcPts val="0"/>
+              </a:spcBef>
+              <a:buNone/>
+            </a:pPr>
+            <a:r>
+              <a:rPr lang="en-US" sz="2000" dirty="0" smtClean="0">
+                <a:latin typeface="Consolas" panose="020B0609020204030204" pitchFamily="49" charset="0"/>
+                <a:cs typeface="Consolas" panose="020B0609020204030204" pitchFamily="49" charset="0"/>
+              </a:rPr>
+              <a:t>	layer = </a:t>
+            </a:r>
+            <a:r>
+              <a:rPr lang="en-US" sz="2000" dirty="0" err="1" smtClean="0">
+                <a:latin typeface="Consolas" panose="020B0609020204030204" pitchFamily="49" charset="0"/>
+                <a:cs typeface="Consolas" panose="020B0609020204030204" pitchFamily="49" charset="0"/>
+              </a:rPr>
+              <a:t>map.createLayer</a:t>
+            </a:r>
+            <a:r>
+              <a:rPr lang="en-US" sz="2000" dirty="0" smtClean="0">
+                <a:latin typeface="Consolas" panose="020B0609020204030204" pitchFamily="49" charset="0"/>
+                <a:cs typeface="Consolas" panose="020B0609020204030204" pitchFamily="49" charset="0"/>
+              </a:rPr>
+              <a:t>("</a:t>
+            </a:r>
+            <a:r>
+              <a:rPr lang="en-US" sz="2000" dirty="0" err="1" smtClean="0">
+                <a:latin typeface="Consolas" panose="020B0609020204030204" pitchFamily="49" charset="0"/>
+                <a:cs typeface="Consolas" panose="020B0609020204030204" pitchFamily="49" charset="0"/>
+              </a:rPr>
+              <a:t>codemotion</a:t>
+            </a:r>
+            <a:r>
+              <a:rPr lang="en-US" sz="2000" dirty="0" smtClean="0">
+                <a:latin typeface="Consolas" panose="020B0609020204030204" pitchFamily="49" charset="0"/>
+                <a:cs typeface="Consolas" panose="020B0609020204030204" pitchFamily="49" charset="0"/>
+              </a:rPr>
+              <a:t>");</a:t>
+            </a:r>
+          </a:p>
+          <a:p>
+            <a:pPr marL="0" indent="0">
+              <a:lnSpc>
+                <a:spcPct val="120000"/>
+              </a:lnSpc>
+              <a:spcBef>
+                <a:spcPts val="0"/>
+              </a:spcBef>
+              <a:buNone/>
+            </a:pPr>
+            <a:r>
+              <a:rPr lang="en-US" sz="2000" dirty="0" smtClean="0">
+                <a:latin typeface="Consolas" panose="020B0609020204030204" pitchFamily="49" charset="0"/>
+                <a:cs typeface="Consolas" panose="020B0609020204030204" pitchFamily="49" charset="0"/>
+              </a:rPr>
+              <a:t>	</a:t>
+            </a:r>
+            <a:r>
+              <a:rPr lang="en-US" sz="2000" dirty="0" err="1" smtClean="0">
+                <a:latin typeface="Consolas" panose="020B0609020204030204" pitchFamily="49" charset="0"/>
+                <a:cs typeface="Consolas" panose="020B0609020204030204" pitchFamily="49" charset="0"/>
+              </a:rPr>
+              <a:t>layer.resizeWorld</a:t>
+            </a:r>
+            <a:r>
+              <a:rPr lang="en-US" sz="2000" dirty="0" smtClean="0">
+                <a:latin typeface="Consolas" panose="020B0609020204030204" pitchFamily="49" charset="0"/>
+                <a:cs typeface="Consolas" panose="020B0609020204030204" pitchFamily="49" charset="0"/>
+              </a:rPr>
+              <a:t>();</a:t>
+            </a:r>
+            <a:br>
+              <a:rPr lang="en-US" sz="2000" dirty="0" smtClean="0">
+                <a:latin typeface="Consolas" panose="020B0609020204030204" pitchFamily="49" charset="0"/>
+                <a:cs typeface="Consolas" panose="020B0609020204030204" pitchFamily="49" charset="0"/>
+              </a:rPr>
+            </a:br>
+            <a:r>
+              <a:rPr lang="en-US" sz="2000" dirty="0" smtClean="0">
+                <a:latin typeface="Consolas" panose="020B0609020204030204" pitchFamily="49" charset="0"/>
+                <a:cs typeface="Consolas" panose="020B0609020204030204" pitchFamily="49" charset="0"/>
+              </a:rPr>
+              <a:t>}</a:t>
+            </a:r>
           </a:p>
         </p:txBody>
       </p:sp>
@@ -8148,14 +8810,14 @@
               <a:rPr lang="it-IT" smtClean="0"/>
               <a:t>18</a:t>
             </a:fld>
-            <a:endParaRPr lang="it-IT"/>
+            <a:endParaRPr lang="it-IT" dirty="0"/>
           </a:p>
         </p:txBody>
       </p:sp>
     </p:spTree>
     <p:extLst>
       <p:ext uri="{BB962C8B-B14F-4D97-AF65-F5344CB8AC3E}">
-        <p14:creationId xmlns:p14="http://schemas.microsoft.com/office/powerpoint/2010/main" val="2781362493"/>
+        <p14:creationId xmlns:p14="http://schemas.microsoft.com/office/powerpoint/2010/main" val="1160956334"/>
       </p:ext>
     </p:extLst>
   </p:cSld>
@@ -8230,336 +8892,69 @@
         </p:spPr>
         <p:txBody>
           <a:bodyPr>
-            <a:normAutofit/>
+            <a:normAutofit lnSpcReduction="10000"/>
           </a:bodyPr>
           <a:lstStyle/>
           <a:p>
             <a:pPr marL="0" indent="0">
-              <a:lnSpc>
-                <a:spcPct val="100000"/>
-              </a:lnSpc>
-              <a:spcBef>
-                <a:spcPts val="0"/>
-              </a:spcBef>
               <a:buNone/>
             </a:pPr>
             <a:r>
-              <a:rPr lang="en-US" sz="1800" dirty="0" smtClean="0">
-                <a:latin typeface="Consolas" panose="020B0609020204030204" pitchFamily="49" charset="0"/>
-                <a:cs typeface="Consolas" panose="020B0609020204030204" pitchFamily="49" charset="0"/>
-              </a:rPr>
-              <a:t>function create() { 	</a:t>
-            </a:r>
-            <a:r>
-              <a:rPr lang="en-US" sz="1800" dirty="0" err="1" smtClean="0">
-                <a:latin typeface="Consolas" panose="020B0609020204030204" pitchFamily="49" charset="0"/>
-                <a:cs typeface="Consolas" panose="020B0609020204030204" pitchFamily="49" charset="0"/>
-              </a:rPr>
-              <a:t>game.physics.startSystem</a:t>
-            </a:r>
-            <a:r>
-              <a:rPr lang="en-US" sz="1800" dirty="0" smtClean="0">
-                <a:latin typeface="Consolas" panose="020B0609020204030204" pitchFamily="49" charset="0"/>
-                <a:cs typeface="Consolas" panose="020B0609020204030204" pitchFamily="49" charset="0"/>
-              </a:rPr>
-              <a:t>(</a:t>
-            </a:r>
-            <a:r>
-              <a:rPr lang="en-US" sz="1800" dirty="0" err="1" smtClean="0">
-                <a:latin typeface="Consolas" panose="020B0609020204030204" pitchFamily="49" charset="0"/>
-                <a:cs typeface="Consolas" panose="020B0609020204030204" pitchFamily="49" charset="0"/>
-              </a:rPr>
-              <a:t>Phaser.Physics.ARCADE</a:t>
-            </a:r>
-            <a:r>
-              <a:rPr lang="en-US" sz="1800" dirty="0" smtClean="0">
-                <a:latin typeface="Consolas" panose="020B0609020204030204" pitchFamily="49" charset="0"/>
-                <a:cs typeface="Consolas" panose="020B0609020204030204" pitchFamily="49" charset="0"/>
-              </a:rPr>
-              <a:t>);</a:t>
-            </a:r>
-          </a:p>
-          <a:p>
-            <a:pPr marL="0" indent="0">
-              <a:lnSpc>
-                <a:spcPct val="100000"/>
-              </a:lnSpc>
-              <a:spcBef>
-                <a:spcPts val="0"/>
-              </a:spcBef>
-              <a:buNone/>
-            </a:pPr>
-            <a:r>
-              <a:rPr lang="en-US" sz="1800" dirty="0" smtClean="0">
-                <a:latin typeface="Consolas" panose="020B0609020204030204" pitchFamily="49" charset="0"/>
-                <a:cs typeface="Consolas" panose="020B0609020204030204" pitchFamily="49" charset="0"/>
-              </a:rPr>
-              <a:t>	sprite = </a:t>
-            </a:r>
-            <a:r>
-              <a:rPr lang="en-US" sz="1800" dirty="0" err="1">
-                <a:latin typeface="Consolas" panose="020B0609020204030204" pitchFamily="49" charset="0"/>
-                <a:cs typeface="Consolas" panose="020B0609020204030204" pitchFamily="49" charset="0"/>
-              </a:rPr>
-              <a:t>game.add.sprite</a:t>
-            </a:r>
-            <a:r>
-              <a:rPr lang="en-US" sz="1800" dirty="0">
-                <a:latin typeface="Consolas" panose="020B0609020204030204" pitchFamily="49" charset="0"/>
-                <a:cs typeface="Consolas" panose="020B0609020204030204" pitchFamily="49" charset="0"/>
-              </a:rPr>
-              <a:t>(0, </a:t>
-            </a:r>
-            <a:r>
-              <a:rPr lang="en-US" sz="1800" dirty="0" smtClean="0">
-                <a:latin typeface="Consolas" panose="020B0609020204030204" pitchFamily="49" charset="0"/>
-                <a:cs typeface="Consolas" panose="020B0609020204030204" pitchFamily="49" charset="0"/>
-              </a:rPr>
-              <a:t>0, </a:t>
-            </a:r>
-            <a:r>
-              <a:rPr lang="en-US" sz="1800" dirty="0">
-                <a:latin typeface="Consolas" panose="020B0609020204030204" pitchFamily="49" charset="0"/>
-                <a:cs typeface="Consolas" panose="020B0609020204030204" pitchFamily="49" charset="0"/>
-              </a:rPr>
-              <a:t>'</a:t>
-            </a:r>
-            <a:r>
-              <a:rPr lang="en-US" sz="1800" dirty="0" smtClean="0">
-                <a:latin typeface="Consolas" panose="020B0609020204030204" pitchFamily="49" charset="0"/>
-                <a:cs typeface="Consolas" panose="020B0609020204030204" pitchFamily="49" charset="0"/>
-              </a:rPr>
-              <a:t>image');</a:t>
-            </a:r>
-          </a:p>
-          <a:p>
-            <a:pPr marL="0" indent="0">
-              <a:lnSpc>
-                <a:spcPct val="100000"/>
-              </a:lnSpc>
-              <a:spcBef>
-                <a:spcPts val="0"/>
-              </a:spcBef>
-              <a:buNone/>
-            </a:pPr>
-            <a:r>
-              <a:rPr lang="en-US" sz="1800" dirty="0" smtClean="0">
-                <a:latin typeface="Consolas" panose="020B0609020204030204" pitchFamily="49" charset="0"/>
-                <a:cs typeface="Consolas" panose="020B0609020204030204" pitchFamily="49" charset="0"/>
-              </a:rPr>
-              <a:t>	</a:t>
-            </a:r>
-            <a:r>
-              <a:rPr lang="en-US" sz="1800" dirty="0" err="1" smtClean="0">
-                <a:latin typeface="Consolas" panose="020B0609020204030204" pitchFamily="49" charset="0"/>
-                <a:cs typeface="Consolas" panose="020B0609020204030204" pitchFamily="49" charset="0"/>
-              </a:rPr>
-              <a:t>game.physics.enable</a:t>
-            </a:r>
-            <a:r>
-              <a:rPr lang="en-US" sz="1800" dirty="0" smtClean="0">
-                <a:latin typeface="Consolas" panose="020B0609020204030204" pitchFamily="49" charset="0"/>
-                <a:cs typeface="Consolas" panose="020B0609020204030204" pitchFamily="49" charset="0"/>
-              </a:rPr>
-              <a:t>(sprite, </a:t>
-            </a:r>
-            <a:r>
-              <a:rPr lang="en-US" sz="1800" dirty="0" err="1">
-                <a:latin typeface="Consolas" panose="020B0609020204030204" pitchFamily="49" charset="0"/>
-                <a:cs typeface="Consolas" panose="020B0609020204030204" pitchFamily="49" charset="0"/>
-              </a:rPr>
-              <a:t>Phaser.Physics.ARCADE</a:t>
-            </a:r>
-            <a:r>
-              <a:rPr lang="en-US" sz="1800" dirty="0" smtClean="0">
-                <a:latin typeface="Consolas" panose="020B0609020204030204" pitchFamily="49" charset="0"/>
-                <a:cs typeface="Consolas" panose="020B0609020204030204" pitchFamily="49" charset="0"/>
-              </a:rPr>
-              <a:t>);</a:t>
-            </a:r>
-          </a:p>
-          <a:p>
-            <a:pPr marL="0" indent="0">
-              <a:lnSpc>
-                <a:spcPct val="100000"/>
-              </a:lnSpc>
-              <a:spcBef>
-                <a:spcPts val="0"/>
-              </a:spcBef>
-              <a:buNone/>
-            </a:pPr>
-            <a:r>
-              <a:rPr lang="en-US" sz="1800" dirty="0" smtClean="0">
-                <a:latin typeface="Consolas" panose="020B0609020204030204" pitchFamily="49" charset="0"/>
-                <a:cs typeface="Consolas" panose="020B0609020204030204" pitchFamily="49" charset="0"/>
-              </a:rPr>
-              <a:t>	</a:t>
-            </a:r>
-            <a:r>
-              <a:rPr lang="en-US" sz="1800" dirty="0" err="1" smtClean="0">
-                <a:latin typeface="Consolas" panose="020B0609020204030204" pitchFamily="49" charset="0"/>
-                <a:cs typeface="Consolas" panose="020B0609020204030204" pitchFamily="49" charset="0"/>
-              </a:rPr>
-              <a:t>sprite.body.collideWorldBounds</a:t>
-            </a:r>
-            <a:r>
-              <a:rPr lang="en-US" sz="1800" dirty="0" smtClean="0">
-                <a:latin typeface="Consolas" panose="020B0609020204030204" pitchFamily="49" charset="0"/>
-                <a:cs typeface="Consolas" panose="020B0609020204030204" pitchFamily="49" charset="0"/>
-              </a:rPr>
-              <a:t> </a:t>
-            </a:r>
-            <a:r>
-              <a:rPr lang="en-US" sz="1800" dirty="0">
-                <a:latin typeface="Consolas" panose="020B0609020204030204" pitchFamily="49" charset="0"/>
-                <a:cs typeface="Consolas" panose="020B0609020204030204" pitchFamily="49" charset="0"/>
-              </a:rPr>
-              <a:t>= true</a:t>
-            </a:r>
-            <a:r>
-              <a:rPr lang="en-US" sz="1800" dirty="0" smtClean="0">
-                <a:latin typeface="Consolas" panose="020B0609020204030204" pitchFamily="49" charset="0"/>
-                <a:cs typeface="Consolas" panose="020B0609020204030204" pitchFamily="49" charset="0"/>
-              </a:rPr>
-              <a:t>;</a:t>
-            </a:r>
-          </a:p>
-          <a:p>
-            <a:pPr marL="0" indent="0">
-              <a:lnSpc>
-                <a:spcPct val="100000"/>
-              </a:lnSpc>
-              <a:spcBef>
-                <a:spcPts val="0"/>
-              </a:spcBef>
-              <a:buNone/>
-            </a:pPr>
-            <a:r>
-              <a:rPr lang="en-US" sz="1800" dirty="0" smtClean="0">
-                <a:latin typeface="Consolas" panose="020B0609020204030204" pitchFamily="49" charset="0"/>
-                <a:cs typeface="Consolas" panose="020B0609020204030204" pitchFamily="49" charset="0"/>
-              </a:rPr>
-              <a:t>	</a:t>
-            </a:r>
-            <a:r>
-              <a:rPr lang="en-US" sz="1800" dirty="0" err="1" smtClean="0">
-                <a:latin typeface="Consolas" panose="020B0609020204030204" pitchFamily="49" charset="0"/>
-                <a:cs typeface="Consolas" panose="020B0609020204030204" pitchFamily="49" charset="0"/>
-              </a:rPr>
-              <a:t>sprite.body.bounce.set</a:t>
-            </a:r>
-            <a:r>
-              <a:rPr lang="en-US" sz="1800" dirty="0" smtClean="0">
-                <a:latin typeface="Consolas" panose="020B0609020204030204" pitchFamily="49" charset="0"/>
-                <a:cs typeface="Consolas" panose="020B0609020204030204" pitchFamily="49" charset="0"/>
-              </a:rPr>
-              <a:t>(1);</a:t>
-            </a:r>
-          </a:p>
-          <a:p>
-            <a:pPr marL="0" indent="0">
-              <a:lnSpc>
-                <a:spcPct val="100000"/>
-              </a:lnSpc>
-              <a:spcBef>
-                <a:spcPts val="0"/>
-              </a:spcBef>
-              <a:buNone/>
-            </a:pPr>
-            <a:r>
-              <a:rPr lang="en-US" sz="1800" dirty="0" smtClean="0">
-                <a:latin typeface="Consolas" panose="020B0609020204030204" pitchFamily="49" charset="0"/>
-                <a:cs typeface="Consolas" panose="020B0609020204030204" pitchFamily="49" charset="0"/>
-              </a:rPr>
-              <a:t>}</a:t>
-            </a:r>
-          </a:p>
-          <a:p>
-            <a:pPr marL="0" indent="0">
-              <a:lnSpc>
-                <a:spcPct val="100000"/>
-              </a:lnSpc>
-              <a:spcBef>
-                <a:spcPts val="0"/>
-              </a:spcBef>
-              <a:buNone/>
-            </a:pPr>
-            <a:endParaRPr lang="en-US" sz="1800" dirty="0" smtClean="0">
-              <a:latin typeface="Consolas" panose="020B0609020204030204" pitchFamily="49" charset="0"/>
-              <a:cs typeface="Consolas" panose="020B0609020204030204" pitchFamily="49" charset="0"/>
-            </a:endParaRPr>
-          </a:p>
-          <a:p>
-            <a:pPr marL="0" indent="0">
-              <a:lnSpc>
-                <a:spcPct val="100000"/>
-              </a:lnSpc>
-              <a:spcBef>
-                <a:spcPts val="0"/>
-              </a:spcBef>
-              <a:buNone/>
-            </a:pPr>
-            <a:r>
-              <a:rPr lang="en-US" sz="1800" dirty="0" smtClean="0">
-                <a:latin typeface="Consolas" panose="020B0609020204030204" pitchFamily="49" charset="0"/>
-                <a:cs typeface="Consolas" panose="020B0609020204030204" pitchFamily="49" charset="0"/>
-              </a:rPr>
-              <a:t>function update() {</a:t>
-            </a:r>
-          </a:p>
-          <a:p>
-            <a:pPr marL="0" indent="0">
-              <a:lnSpc>
-                <a:spcPct val="100000"/>
-              </a:lnSpc>
-              <a:spcBef>
-                <a:spcPts val="0"/>
-              </a:spcBef>
-              <a:buNone/>
-            </a:pPr>
-            <a:r>
-              <a:rPr lang="en-US" sz="1800" dirty="0" smtClean="0">
-                <a:latin typeface="Consolas" panose="020B0609020204030204" pitchFamily="49" charset="0"/>
-                <a:cs typeface="Consolas" panose="020B0609020204030204" pitchFamily="49" charset="0"/>
-              </a:rPr>
-              <a:t>	</a:t>
-            </a:r>
-            <a:r>
-              <a:rPr lang="en-US" sz="1800" dirty="0" err="1" smtClean="0">
-                <a:latin typeface="Consolas" panose="020B0609020204030204" pitchFamily="49" charset="0"/>
-                <a:cs typeface="Consolas" panose="020B0609020204030204" pitchFamily="49" charset="0"/>
-              </a:rPr>
-              <a:t>game.physics.arcade.collide</a:t>
-            </a:r>
-            <a:r>
-              <a:rPr lang="en-US" sz="1800" dirty="0" smtClean="0">
-                <a:latin typeface="Consolas" panose="020B0609020204030204" pitchFamily="49" charset="0"/>
-                <a:cs typeface="Consolas" panose="020B0609020204030204" pitchFamily="49" charset="0"/>
-              </a:rPr>
-              <a:t>(sprite, [tilemap, group], function(sprite, other) { … });</a:t>
-            </a:r>
-          </a:p>
-          <a:p>
-            <a:pPr marL="0" indent="0">
-              <a:lnSpc>
-                <a:spcPct val="100000"/>
-              </a:lnSpc>
-              <a:spcBef>
-                <a:spcPts val="0"/>
-              </a:spcBef>
-              <a:buNone/>
-            </a:pPr>
-            <a:r>
-              <a:rPr lang="en-US" sz="1800" dirty="0">
-                <a:latin typeface="Consolas" panose="020B0609020204030204" pitchFamily="49" charset="0"/>
-                <a:cs typeface="Consolas" panose="020B0609020204030204" pitchFamily="49" charset="0"/>
-              </a:rPr>
-              <a:t>}</a:t>
-            </a:r>
-            <a:endParaRPr lang="en-US" sz="1800" dirty="0" smtClean="0">
-              <a:latin typeface="Consolas" panose="020B0609020204030204" pitchFamily="49" charset="0"/>
-              <a:cs typeface="Consolas" panose="020B0609020204030204" pitchFamily="49" charset="0"/>
-            </a:endParaRPr>
+              <a:rPr lang="en-US" dirty="0" smtClean="0"/>
+              <a:t>“An </a:t>
+            </a:r>
+            <a:r>
+              <a:rPr lang="en-US" dirty="0"/>
+              <a:t>instance of one moving object </a:t>
+            </a:r>
+            <a:r>
+              <a:rPr lang="en-US" dirty="0" smtClean="0"/>
+              <a:t>touching </a:t>
+            </a:r>
+            <a:r>
+              <a:rPr lang="en-US" dirty="0"/>
+              <a:t>another</a:t>
+            </a:r>
+            <a:r>
+              <a:rPr lang="en-US" dirty="0" smtClean="0"/>
+              <a:t>.”</a:t>
+            </a:r>
+          </a:p>
+          <a:p>
+            <a:r>
+              <a:rPr lang="en-US" dirty="0" smtClean="0"/>
+              <a:t>Both object must have a “body” (collider)</a:t>
+            </a:r>
+          </a:p>
+          <a:p>
+            <a:r>
+              <a:rPr lang="en-US" dirty="0" smtClean="0"/>
+              <a:t>Object can be a sprite or a tilemap or even a group!</a:t>
+            </a:r>
+          </a:p>
+          <a:p>
+            <a:r>
+              <a:rPr lang="en-US" dirty="0" smtClean="0"/>
+              <a:t>A body can be a rectangle, a circle or a polygon</a:t>
+            </a:r>
+          </a:p>
+          <a:p>
+            <a:r>
+              <a:rPr lang="en-US" dirty="0" smtClean="0"/>
+              <a:t>Bodies can have a lot of properties (mass, gravity, velocity, material, …)</a:t>
+            </a:r>
+          </a:p>
+          <a:p>
+            <a:r>
+              <a:rPr lang="en-US" dirty="0" smtClean="0"/>
+              <a:t>Last two statements depends on what physics engine you are using.</a:t>
+            </a:r>
+          </a:p>
+          <a:p>
+            <a:r>
+              <a:rPr lang="en-US" dirty="0" smtClean="0"/>
+              <a:t>More complex is the engine, more computation is needed. Choose wisely!</a:t>
+            </a:r>
           </a:p>
         </p:txBody>
       </p:sp>
@@ -8625,7 +9020,7 @@
     </p:spTree>
     <p:extLst>
       <p:ext uri="{BB962C8B-B14F-4D97-AF65-F5344CB8AC3E}">
-        <p14:creationId xmlns:p14="http://schemas.microsoft.com/office/powerpoint/2010/main" val="3086071955"/>
+        <p14:creationId xmlns:p14="http://schemas.microsoft.com/office/powerpoint/2010/main" val="2781362493"/>
       </p:ext>
     </p:extLst>
   </p:cSld>
@@ -8769,13 +9164,8 @@
             </a:r>
             <a:r>
               <a:rPr lang="en-US" dirty="0" smtClean="0"/>
-              <a:t>: crazy slot cars (coming soon</a:t>
-            </a:r>
-            <a:r>
-              <a:rPr lang="en-US" dirty="0" smtClean="0"/>
-              <a:t>!)</a:t>
-            </a:r>
-            <a:endParaRPr lang="en-US" dirty="0" smtClean="0"/>
+              <a:t>: crazy slot cars (coming soon!)</a:t>
+            </a:r>
           </a:p>
         </p:txBody>
       </p:sp>
@@ -8955,7 +9345,7 @@
             <a:pPr algn="ctr"/>
             <a:r>
               <a:rPr lang="en-US" sz="4000" dirty="0" smtClean="0"/>
-              <a:t>Input</a:t>
+              <a:t>Collision</a:t>
             </a:r>
             <a:endParaRPr lang="en-US" sz="4000" dirty="0"/>
           </a:p>
@@ -8971,7 +9361,9 @@
             <p:ph idx="1"/>
           </p:nvPr>
         </p:nvSpPr>
-        <p:spPr/>
+        <p:spPr>
+          <a:noFill/>
+        </p:spPr>
         <p:txBody>
           <a:bodyPr>
             <a:normAutofit/>
@@ -8980,7 +9372,7 @@
           <a:p>
             <a:pPr marL="0" indent="0">
               <a:lnSpc>
-                <a:spcPct val="120000"/>
+                <a:spcPct val="100000"/>
               </a:lnSpc>
               <a:spcBef>
                 <a:spcPts val="0"/>
@@ -8988,91 +9380,322 @@
               <a:buNone/>
             </a:pPr>
             <a:r>
-              <a:rPr lang="en-US" dirty="0" smtClean="0">
-                <a:cs typeface="Consolas" panose="020B0609020204030204" pitchFamily="49" charset="0"/>
-              </a:rPr>
-              <a:t>Phaser supports natively</a:t>
-            </a:r>
-          </a:p>
-          <a:p>
-            <a:pPr>
+              <a:rPr lang="en-US" sz="1800" dirty="0" smtClean="0">
+                <a:latin typeface="Consolas" panose="020B0609020204030204" pitchFamily="49" charset="0"/>
+                <a:cs typeface="Consolas" panose="020B0609020204030204" pitchFamily="49" charset="0"/>
+              </a:rPr>
+              <a:t>function create() { 	</a:t>
+            </a:r>
+            <a:r>
+              <a:rPr lang="en-US" sz="1800" dirty="0" err="1" smtClean="0">
+                <a:latin typeface="Consolas" panose="020B0609020204030204" pitchFamily="49" charset="0"/>
+                <a:cs typeface="Consolas" panose="020B0609020204030204" pitchFamily="49" charset="0"/>
+              </a:rPr>
+              <a:t>game.physics.startSystem</a:t>
+            </a:r>
+            <a:r>
+              <a:rPr lang="en-US" sz="1800" dirty="0" smtClean="0">
+                <a:latin typeface="Consolas" panose="020B0609020204030204" pitchFamily="49" charset="0"/>
+                <a:cs typeface="Consolas" panose="020B0609020204030204" pitchFamily="49" charset="0"/>
+              </a:rPr>
+              <a:t>(</a:t>
+            </a:r>
+            <a:r>
+              <a:rPr lang="en-US" sz="1800" dirty="0" err="1" smtClean="0">
+                <a:latin typeface="Consolas" panose="020B0609020204030204" pitchFamily="49" charset="0"/>
+                <a:cs typeface="Consolas" panose="020B0609020204030204" pitchFamily="49" charset="0"/>
+              </a:rPr>
+              <a:t>Phaser.Physics.ARCADE</a:t>
+            </a:r>
+            <a:r>
+              <a:rPr lang="en-US" sz="1800" dirty="0" smtClean="0">
+                <a:latin typeface="Consolas" panose="020B0609020204030204" pitchFamily="49" charset="0"/>
+                <a:cs typeface="Consolas" panose="020B0609020204030204" pitchFamily="49" charset="0"/>
+              </a:rPr>
+              <a:t>);</a:t>
+            </a:r>
+          </a:p>
+          <a:p>
+            <a:pPr marL="0" indent="0">
               <a:lnSpc>
-                <a:spcPct val="120000"/>
+                <a:spcPct val="100000"/>
               </a:lnSpc>
               <a:spcBef>
                 <a:spcPts val="0"/>
               </a:spcBef>
+              <a:buNone/>
             </a:pPr>
             <a:r>
-              <a:rPr lang="en-US" dirty="0" smtClean="0">
-                <a:cs typeface="Consolas" panose="020B0609020204030204" pitchFamily="49" charset="0"/>
-              </a:rPr>
-              <a:t>Keyboard</a:t>
-            </a:r>
-          </a:p>
-          <a:p>
-            <a:pPr>
+              <a:rPr lang="en-US" sz="1800" dirty="0" smtClean="0">
+                <a:latin typeface="Consolas" panose="020B0609020204030204" pitchFamily="49" charset="0"/>
+                <a:cs typeface="Consolas" panose="020B0609020204030204" pitchFamily="49" charset="0"/>
+              </a:rPr>
+              <a:t>	sprite = </a:t>
+            </a:r>
+            <a:r>
+              <a:rPr lang="en-US" sz="1800" dirty="0" err="1">
+                <a:latin typeface="Consolas" panose="020B0609020204030204" pitchFamily="49" charset="0"/>
+                <a:cs typeface="Consolas" panose="020B0609020204030204" pitchFamily="49" charset="0"/>
+              </a:rPr>
+              <a:t>game.add.sprite</a:t>
+            </a:r>
+            <a:r>
+              <a:rPr lang="en-US" sz="1800" dirty="0">
+                <a:latin typeface="Consolas" panose="020B0609020204030204" pitchFamily="49" charset="0"/>
+                <a:cs typeface="Consolas" panose="020B0609020204030204" pitchFamily="49" charset="0"/>
+              </a:rPr>
+              <a:t>(0, </a:t>
+            </a:r>
+            <a:r>
+              <a:rPr lang="en-US" sz="1800" dirty="0" smtClean="0">
+                <a:latin typeface="Consolas" panose="020B0609020204030204" pitchFamily="49" charset="0"/>
+                <a:cs typeface="Consolas" panose="020B0609020204030204" pitchFamily="49" charset="0"/>
+              </a:rPr>
+              <a:t>0, </a:t>
+            </a:r>
+            <a:r>
+              <a:rPr lang="en-US" sz="1800" dirty="0">
+                <a:latin typeface="Consolas" panose="020B0609020204030204" pitchFamily="49" charset="0"/>
+                <a:cs typeface="Consolas" panose="020B0609020204030204" pitchFamily="49" charset="0"/>
+              </a:rPr>
+              <a:t>'</a:t>
+            </a:r>
+            <a:r>
+              <a:rPr lang="en-US" sz="1800" dirty="0" smtClean="0">
+                <a:latin typeface="Consolas" panose="020B0609020204030204" pitchFamily="49" charset="0"/>
+                <a:cs typeface="Consolas" panose="020B0609020204030204" pitchFamily="49" charset="0"/>
+              </a:rPr>
+              <a:t>image');</a:t>
+            </a:r>
+          </a:p>
+          <a:p>
+            <a:pPr marL="0" indent="0">
               <a:lnSpc>
-                <a:spcPct val="120000"/>
+                <a:spcPct val="100000"/>
               </a:lnSpc>
               <a:spcBef>
                 <a:spcPts val="0"/>
               </a:spcBef>
+              <a:buNone/>
             </a:pPr>
             <a:r>
-              <a:rPr lang="en-US" dirty="0" smtClean="0">
-                <a:cs typeface="Consolas" panose="020B0609020204030204" pitchFamily="49" charset="0"/>
-              </a:rPr>
-              <a:t>Mouse</a:t>
-            </a:r>
-          </a:p>
-          <a:p>
-            <a:pPr>
+              <a:rPr lang="en-US" sz="1800" dirty="0" smtClean="0">
+                <a:latin typeface="Consolas" panose="020B0609020204030204" pitchFamily="49" charset="0"/>
+                <a:cs typeface="Consolas" panose="020B0609020204030204" pitchFamily="49" charset="0"/>
+              </a:rPr>
+              <a:t>	</a:t>
+            </a:r>
+            <a:r>
+              <a:rPr lang="en-US" sz="1800" dirty="0" err="1" smtClean="0">
+                <a:latin typeface="Consolas" panose="020B0609020204030204" pitchFamily="49" charset="0"/>
+                <a:cs typeface="Consolas" panose="020B0609020204030204" pitchFamily="49" charset="0"/>
+              </a:rPr>
+              <a:t>game.physics.enable</a:t>
+            </a:r>
+            <a:r>
+              <a:rPr lang="en-US" sz="1800" dirty="0" smtClean="0">
+                <a:latin typeface="Consolas" panose="020B0609020204030204" pitchFamily="49" charset="0"/>
+                <a:cs typeface="Consolas" panose="020B0609020204030204" pitchFamily="49" charset="0"/>
+              </a:rPr>
+              <a:t>(sprite, </a:t>
+            </a:r>
+            <a:r>
+              <a:rPr lang="en-US" sz="1800" dirty="0" err="1">
+                <a:latin typeface="Consolas" panose="020B0609020204030204" pitchFamily="49" charset="0"/>
+                <a:cs typeface="Consolas" panose="020B0609020204030204" pitchFamily="49" charset="0"/>
+              </a:rPr>
+              <a:t>Phaser.Physics.ARCADE</a:t>
+            </a:r>
+            <a:r>
+              <a:rPr lang="en-US" sz="1800" dirty="0" smtClean="0">
+                <a:latin typeface="Consolas" panose="020B0609020204030204" pitchFamily="49" charset="0"/>
+                <a:cs typeface="Consolas" panose="020B0609020204030204" pitchFamily="49" charset="0"/>
+              </a:rPr>
+              <a:t>);</a:t>
+            </a:r>
+          </a:p>
+          <a:p>
+            <a:pPr marL="0" indent="0">
               <a:lnSpc>
-                <a:spcPct val="120000"/>
+                <a:spcPct val="100000"/>
               </a:lnSpc>
               <a:spcBef>
                 <a:spcPts val="0"/>
               </a:spcBef>
+              <a:buNone/>
             </a:pPr>
             <a:r>
-              <a:rPr lang="en-US" dirty="0" smtClean="0">
-                <a:cs typeface="Consolas" panose="020B0609020204030204" pitchFamily="49" charset="0"/>
-              </a:rPr>
-              <a:t>Multi-touch</a:t>
-            </a:r>
-          </a:p>
-          <a:p>
-            <a:pPr>
+              <a:rPr lang="en-US" sz="1800" dirty="0" smtClean="0">
+                <a:latin typeface="Consolas" panose="020B0609020204030204" pitchFamily="49" charset="0"/>
+                <a:cs typeface="Consolas" panose="020B0609020204030204" pitchFamily="49" charset="0"/>
+              </a:rPr>
+              <a:t>	</a:t>
+            </a:r>
+            <a:r>
+              <a:rPr lang="en-US" sz="1800" dirty="0" err="1" smtClean="0">
+                <a:latin typeface="Consolas" panose="020B0609020204030204" pitchFamily="49" charset="0"/>
+                <a:cs typeface="Consolas" panose="020B0609020204030204" pitchFamily="49" charset="0"/>
+              </a:rPr>
+              <a:t>sprite.body.collideWorldBounds</a:t>
+            </a:r>
+            <a:r>
+              <a:rPr lang="en-US" sz="1800" dirty="0" smtClean="0">
+                <a:latin typeface="Consolas" panose="020B0609020204030204" pitchFamily="49" charset="0"/>
+                <a:cs typeface="Consolas" panose="020B0609020204030204" pitchFamily="49" charset="0"/>
+              </a:rPr>
+              <a:t> </a:t>
+            </a:r>
+            <a:r>
+              <a:rPr lang="en-US" sz="1800" dirty="0">
+                <a:latin typeface="Consolas" panose="020B0609020204030204" pitchFamily="49" charset="0"/>
+                <a:cs typeface="Consolas" panose="020B0609020204030204" pitchFamily="49" charset="0"/>
+              </a:rPr>
+              <a:t>= true</a:t>
+            </a:r>
+            <a:r>
+              <a:rPr lang="en-US" sz="1800" dirty="0" smtClean="0">
+                <a:latin typeface="Consolas" panose="020B0609020204030204" pitchFamily="49" charset="0"/>
+                <a:cs typeface="Consolas" panose="020B0609020204030204" pitchFamily="49" charset="0"/>
+              </a:rPr>
+              <a:t>;</a:t>
+            </a:r>
+          </a:p>
+          <a:p>
+            <a:pPr marL="0" indent="0">
               <a:lnSpc>
-                <a:spcPct val="120000"/>
+                <a:spcPct val="100000"/>
               </a:lnSpc>
               <a:spcBef>
                 <a:spcPts val="0"/>
               </a:spcBef>
+              <a:buNone/>
             </a:pPr>
             <a:r>
-              <a:rPr lang="en-US" dirty="0" smtClean="0">
-                <a:cs typeface="Consolas" panose="020B0609020204030204" pitchFamily="49" charset="0"/>
-              </a:rPr>
-              <a:t>Gamepads (up to four, each one with 10 axis and 16 buttons)</a:t>
-            </a:r>
-          </a:p>
-          <a:p>
-            <a:pPr>
+              <a:rPr lang="en-US" sz="1800" dirty="0" smtClean="0">
+                <a:latin typeface="Consolas" panose="020B0609020204030204" pitchFamily="49" charset="0"/>
+                <a:cs typeface="Consolas" panose="020B0609020204030204" pitchFamily="49" charset="0"/>
+              </a:rPr>
+              <a:t>	</a:t>
+            </a:r>
+            <a:r>
+              <a:rPr lang="en-US" sz="1800" dirty="0" err="1" smtClean="0">
+                <a:latin typeface="Consolas" panose="020B0609020204030204" pitchFamily="49" charset="0"/>
+                <a:cs typeface="Consolas" panose="020B0609020204030204" pitchFamily="49" charset="0"/>
+              </a:rPr>
+              <a:t>sprite.body.bounce.set</a:t>
+            </a:r>
+            <a:r>
+              <a:rPr lang="en-US" sz="1800" dirty="0" smtClean="0">
+                <a:latin typeface="Consolas" panose="020B0609020204030204" pitchFamily="49" charset="0"/>
+                <a:cs typeface="Consolas" panose="020B0609020204030204" pitchFamily="49" charset="0"/>
+              </a:rPr>
+              <a:t>(1);</a:t>
+            </a:r>
+          </a:p>
+          <a:p>
+            <a:pPr marL="0" indent="0">
               <a:lnSpc>
-                <a:spcPct val="120000"/>
+                <a:spcPct val="100000"/>
               </a:lnSpc>
               <a:spcBef>
                 <a:spcPts val="0"/>
               </a:spcBef>
+              <a:buNone/>
             </a:pPr>
             <a:r>
-              <a:rPr lang="en-US" dirty="0" smtClean="0">
-                <a:cs typeface="Consolas" panose="020B0609020204030204" pitchFamily="49" charset="0"/>
-              </a:rPr>
-              <a:t>Supports even Xbox 360 gamepad! (button mapping depends on browser :\ )</a:t>
-            </a:r>
+              <a:rPr lang="en-US" sz="1800" dirty="0" smtClean="0">
+                <a:latin typeface="Consolas" panose="020B0609020204030204" pitchFamily="49" charset="0"/>
+                <a:cs typeface="Consolas" panose="020B0609020204030204" pitchFamily="49" charset="0"/>
+              </a:rPr>
+              <a:t>}</a:t>
+            </a:r>
+          </a:p>
+          <a:p>
+            <a:pPr marL="0" indent="0">
+              <a:lnSpc>
+                <a:spcPct val="100000"/>
+              </a:lnSpc>
+              <a:spcBef>
+                <a:spcPts val="0"/>
+              </a:spcBef>
+              <a:buNone/>
+            </a:pPr>
+            <a:endParaRPr lang="en-US" sz="1800" dirty="0" smtClean="0">
+              <a:latin typeface="Consolas" panose="020B0609020204030204" pitchFamily="49" charset="0"/>
+              <a:cs typeface="Consolas" panose="020B0609020204030204" pitchFamily="49" charset="0"/>
+            </a:endParaRPr>
+          </a:p>
+          <a:p>
+            <a:pPr marL="0" indent="0">
+              <a:lnSpc>
+                <a:spcPct val="100000"/>
+              </a:lnSpc>
+              <a:spcBef>
+                <a:spcPts val="0"/>
+              </a:spcBef>
+              <a:buNone/>
+            </a:pPr>
+            <a:r>
+              <a:rPr lang="en-US" sz="1800" dirty="0" smtClean="0">
+                <a:latin typeface="Consolas" panose="020B0609020204030204" pitchFamily="49" charset="0"/>
+                <a:cs typeface="Consolas" panose="020B0609020204030204" pitchFamily="49" charset="0"/>
+              </a:rPr>
+              <a:t>function update() {</a:t>
+            </a:r>
+          </a:p>
+          <a:p>
+            <a:pPr marL="0" indent="0">
+              <a:lnSpc>
+                <a:spcPct val="100000"/>
+              </a:lnSpc>
+              <a:spcBef>
+                <a:spcPts val="0"/>
+              </a:spcBef>
+              <a:buNone/>
+            </a:pPr>
+            <a:r>
+              <a:rPr lang="en-US" sz="1800" dirty="0" smtClean="0">
+                <a:latin typeface="Consolas" panose="020B0609020204030204" pitchFamily="49" charset="0"/>
+                <a:cs typeface="Consolas" panose="020B0609020204030204" pitchFamily="49" charset="0"/>
+              </a:rPr>
+              <a:t>	</a:t>
+            </a:r>
+            <a:r>
+              <a:rPr lang="en-US" sz="1800" dirty="0" err="1" smtClean="0">
+                <a:latin typeface="Consolas" panose="020B0609020204030204" pitchFamily="49" charset="0"/>
+                <a:cs typeface="Consolas" panose="020B0609020204030204" pitchFamily="49" charset="0"/>
+              </a:rPr>
+              <a:t>game.physics.arcade.collide</a:t>
+            </a:r>
+            <a:r>
+              <a:rPr lang="en-US" sz="1800" dirty="0" smtClean="0">
+                <a:latin typeface="Consolas" panose="020B0609020204030204" pitchFamily="49" charset="0"/>
+                <a:cs typeface="Consolas" panose="020B0609020204030204" pitchFamily="49" charset="0"/>
+              </a:rPr>
+              <a:t>(sprite, [tilemap, group], function(sprite, other) { … });</a:t>
+            </a:r>
+          </a:p>
+          <a:p>
+            <a:pPr marL="0" indent="0">
+              <a:lnSpc>
+                <a:spcPct val="100000"/>
+              </a:lnSpc>
+              <a:spcBef>
+                <a:spcPts val="0"/>
+              </a:spcBef>
+              <a:buNone/>
+            </a:pPr>
+            <a:r>
+              <a:rPr lang="en-US" sz="1800" dirty="0">
+                <a:latin typeface="Consolas" panose="020B0609020204030204" pitchFamily="49" charset="0"/>
+                <a:cs typeface="Consolas" panose="020B0609020204030204" pitchFamily="49" charset="0"/>
+              </a:rPr>
+              <a:t>}</a:t>
+            </a:r>
+            <a:endParaRPr lang="en-US" sz="1800" dirty="0" smtClean="0">
+              <a:latin typeface="Consolas" panose="020B0609020204030204" pitchFamily="49" charset="0"/>
+              <a:cs typeface="Consolas" panose="020B0609020204030204" pitchFamily="49" charset="0"/>
+            </a:endParaRPr>
           </a:p>
         </p:txBody>
       </p:sp>
@@ -9131,14 +9754,14 @@
               <a:rPr lang="it-IT" smtClean="0"/>
               <a:t>20</a:t>
             </a:fld>
-            <a:endParaRPr lang="it-IT" dirty="0"/>
+            <a:endParaRPr lang="it-IT"/>
           </a:p>
         </p:txBody>
       </p:sp>
     </p:spTree>
     <p:extLst>
       <p:ext uri="{BB962C8B-B14F-4D97-AF65-F5344CB8AC3E}">
-        <p14:creationId xmlns:p14="http://schemas.microsoft.com/office/powerpoint/2010/main" val="635934165"/>
+        <p14:creationId xmlns:p14="http://schemas.microsoft.com/office/powerpoint/2010/main" val="3086071955"/>
       </p:ext>
     </p:extLst>
   </p:cSld>
@@ -9192,7 +9815,7 @@
             <a:pPr algn="ctr"/>
             <a:r>
               <a:rPr lang="en-US" sz="4000" dirty="0" smtClean="0"/>
-              <a:t>Input: Keyboard</a:t>
+              <a:t>Input</a:t>
             </a:r>
             <a:endParaRPr lang="en-US" sz="4000" dirty="0"/>
           </a:p>
@@ -9211,7 +9834,7 @@
         <p:spPr/>
         <p:txBody>
           <a:bodyPr>
-            <a:noAutofit/>
+            <a:normAutofit/>
           </a:bodyPr>
           <a:lstStyle/>
           <a:p>
@@ -9225,433 +9848,91 @@
               <a:buNone/>
             </a:pPr>
             <a:r>
-              <a:rPr lang="en-US" sz="1600" dirty="0">
-                <a:latin typeface="Consolas" panose="020B0609020204030204" pitchFamily="49" charset="0"/>
-                <a:cs typeface="Consolas" panose="020B0609020204030204" pitchFamily="49" charset="0"/>
-              </a:rPr>
-              <a:t>function update() {</a:t>
-            </a:r>
-          </a:p>
-          <a:p>
-            <a:pPr marL="0" indent="0">
+              <a:rPr lang="en-US" dirty="0" smtClean="0">
+                <a:cs typeface="Consolas" panose="020B0609020204030204" pitchFamily="49" charset="0"/>
+              </a:rPr>
+              <a:t>Phaser supports natively</a:t>
+            </a:r>
+          </a:p>
+          <a:p>
+            <a:pPr>
               <a:lnSpc>
                 <a:spcPct val="120000"/>
               </a:lnSpc>
               <a:spcBef>
                 <a:spcPts val="0"/>
               </a:spcBef>
-              <a:buNone/>
             </a:pPr>
             <a:r>
-              <a:rPr lang="en-US" sz="1600" dirty="0">
-                <a:latin typeface="Consolas" panose="020B0609020204030204" pitchFamily="49" charset="0"/>
-                <a:cs typeface="Consolas" panose="020B0609020204030204" pitchFamily="49" charset="0"/>
-              </a:rPr>
-              <a:t>    if (</a:t>
-            </a:r>
-            <a:r>
-              <a:rPr lang="en-US" sz="1600" dirty="0" err="1">
-                <a:latin typeface="Consolas" panose="020B0609020204030204" pitchFamily="49" charset="0"/>
-                <a:cs typeface="Consolas" panose="020B0609020204030204" pitchFamily="49" charset="0"/>
-              </a:rPr>
-              <a:t>game.input.keyboard.isDown</a:t>
-            </a:r>
-            <a:r>
-              <a:rPr lang="en-US" sz="1600" dirty="0">
-                <a:latin typeface="Consolas" panose="020B0609020204030204" pitchFamily="49" charset="0"/>
-                <a:cs typeface="Consolas" panose="020B0609020204030204" pitchFamily="49" charset="0"/>
-              </a:rPr>
-              <a:t>(</a:t>
-            </a:r>
-            <a:r>
-              <a:rPr lang="en-US" sz="1600" dirty="0" err="1">
-                <a:latin typeface="Consolas" panose="020B0609020204030204" pitchFamily="49" charset="0"/>
-                <a:cs typeface="Consolas" panose="020B0609020204030204" pitchFamily="49" charset="0"/>
-              </a:rPr>
-              <a:t>Phaser.Keyboard.UP</a:t>
-            </a:r>
-            <a:r>
-              <a:rPr lang="en-US" sz="1600" dirty="0">
-                <a:latin typeface="Consolas" panose="020B0609020204030204" pitchFamily="49" charset="0"/>
-                <a:cs typeface="Consolas" panose="020B0609020204030204" pitchFamily="49" charset="0"/>
-              </a:rPr>
-              <a:t>)) {</a:t>
-            </a:r>
-          </a:p>
-          <a:p>
-            <a:pPr marL="0" indent="0">
+              <a:rPr lang="en-US" dirty="0" smtClean="0">
+                <a:cs typeface="Consolas" panose="020B0609020204030204" pitchFamily="49" charset="0"/>
+              </a:rPr>
+              <a:t>Keyboard</a:t>
+            </a:r>
+          </a:p>
+          <a:p>
+            <a:pPr>
               <a:lnSpc>
                 <a:spcPct val="120000"/>
               </a:lnSpc>
               <a:spcBef>
                 <a:spcPts val="0"/>
               </a:spcBef>
-              <a:buNone/>
             </a:pPr>
             <a:r>
-              <a:rPr lang="en-US" sz="1600" dirty="0">
-                <a:latin typeface="Consolas" panose="020B0609020204030204" pitchFamily="49" charset="0"/>
-                <a:cs typeface="Consolas" panose="020B0609020204030204" pitchFamily="49" charset="0"/>
-              </a:rPr>
-              <a:t>        </a:t>
-            </a:r>
-            <a:r>
-              <a:rPr lang="en-US" sz="1600" dirty="0" err="1">
-                <a:latin typeface="Consolas" panose="020B0609020204030204" pitchFamily="49" charset="0"/>
-                <a:cs typeface="Consolas" panose="020B0609020204030204" pitchFamily="49" charset="0"/>
-              </a:rPr>
-              <a:t>ufo.y</a:t>
-            </a:r>
-            <a:r>
-              <a:rPr lang="en-US" sz="1600" dirty="0">
-                <a:latin typeface="Consolas" panose="020B0609020204030204" pitchFamily="49" charset="0"/>
-                <a:cs typeface="Consolas" panose="020B0609020204030204" pitchFamily="49" charset="0"/>
-              </a:rPr>
-              <a:t> -= speed;</a:t>
-            </a:r>
-          </a:p>
-          <a:p>
-            <a:pPr marL="0" indent="0">
+              <a:rPr lang="en-US" dirty="0" smtClean="0">
+                <a:cs typeface="Consolas" panose="020B0609020204030204" pitchFamily="49" charset="0"/>
+              </a:rPr>
+              <a:t>Mouse</a:t>
+            </a:r>
+          </a:p>
+          <a:p>
+            <a:pPr>
               <a:lnSpc>
                 <a:spcPct val="120000"/>
               </a:lnSpc>
               <a:spcBef>
                 <a:spcPts val="0"/>
               </a:spcBef>
-              <a:buNone/>
             </a:pPr>
             <a:r>
-              <a:rPr lang="en-US" sz="1600" dirty="0">
-                <a:latin typeface="Consolas" panose="020B0609020204030204" pitchFamily="49" charset="0"/>
-                <a:cs typeface="Consolas" panose="020B0609020204030204" pitchFamily="49" charset="0"/>
-              </a:rPr>
-              <a:t>    }</a:t>
-            </a:r>
-          </a:p>
-          <a:p>
-            <a:pPr marL="0" indent="0">
+              <a:rPr lang="en-US" dirty="0" smtClean="0">
+                <a:cs typeface="Consolas" panose="020B0609020204030204" pitchFamily="49" charset="0"/>
+              </a:rPr>
+              <a:t>Multi-touch</a:t>
+            </a:r>
+          </a:p>
+          <a:p>
+            <a:pPr>
               <a:lnSpc>
                 <a:spcPct val="120000"/>
               </a:lnSpc>
               <a:spcBef>
                 <a:spcPts val="0"/>
               </a:spcBef>
-              <a:buNone/>
             </a:pPr>
             <a:r>
-              <a:rPr lang="en-US" sz="1600" dirty="0">
-                <a:latin typeface="Consolas" panose="020B0609020204030204" pitchFamily="49" charset="0"/>
-                <a:cs typeface="Consolas" panose="020B0609020204030204" pitchFamily="49" charset="0"/>
-              </a:rPr>
-              <a:t>    else if (</a:t>
-            </a:r>
-            <a:r>
-              <a:rPr lang="en-US" sz="1600" dirty="0" err="1">
-                <a:latin typeface="Consolas" panose="020B0609020204030204" pitchFamily="49" charset="0"/>
-                <a:cs typeface="Consolas" panose="020B0609020204030204" pitchFamily="49" charset="0"/>
-              </a:rPr>
-              <a:t>game.input.keyboard.isDown</a:t>
-            </a:r>
-            <a:r>
-              <a:rPr lang="en-US" sz="1600" dirty="0">
-                <a:latin typeface="Consolas" panose="020B0609020204030204" pitchFamily="49" charset="0"/>
-                <a:cs typeface="Consolas" panose="020B0609020204030204" pitchFamily="49" charset="0"/>
-              </a:rPr>
-              <a:t>(</a:t>
-            </a:r>
-            <a:r>
-              <a:rPr lang="en-US" sz="1600" dirty="0" err="1">
-                <a:latin typeface="Consolas" panose="020B0609020204030204" pitchFamily="49" charset="0"/>
-                <a:cs typeface="Consolas" panose="020B0609020204030204" pitchFamily="49" charset="0"/>
-              </a:rPr>
-              <a:t>Phaser.Keyboard.DOWN</a:t>
-            </a:r>
-            <a:r>
-              <a:rPr lang="en-US" sz="1600" dirty="0">
-                <a:latin typeface="Consolas" panose="020B0609020204030204" pitchFamily="49" charset="0"/>
-                <a:cs typeface="Consolas" panose="020B0609020204030204" pitchFamily="49" charset="0"/>
-              </a:rPr>
-              <a:t>)) {</a:t>
-            </a:r>
-          </a:p>
-          <a:p>
-            <a:pPr marL="0" indent="0">
+              <a:rPr lang="en-US" dirty="0" smtClean="0">
+                <a:cs typeface="Consolas" panose="020B0609020204030204" pitchFamily="49" charset="0"/>
+              </a:rPr>
+              <a:t>Gamepads (up to four, each one with 10 axis and 16 buttons)</a:t>
+            </a:r>
+          </a:p>
+          <a:p>
+            <a:pPr>
               <a:lnSpc>
                 <a:spcPct val="120000"/>
               </a:lnSpc>
               <a:spcBef>
                 <a:spcPts val="0"/>
               </a:spcBef>
-              <a:buNone/>
             </a:pPr>
             <a:r>
-              <a:rPr lang="en-US" sz="1600" dirty="0">
-                <a:latin typeface="Consolas" panose="020B0609020204030204" pitchFamily="49" charset="0"/>
-                <a:cs typeface="Consolas" panose="020B0609020204030204" pitchFamily="49" charset="0"/>
-              </a:rPr>
-              <a:t>        </a:t>
-            </a:r>
-            <a:r>
-              <a:rPr lang="en-US" sz="1600" dirty="0" err="1">
-                <a:latin typeface="Consolas" panose="020B0609020204030204" pitchFamily="49" charset="0"/>
-                <a:cs typeface="Consolas" panose="020B0609020204030204" pitchFamily="49" charset="0"/>
-              </a:rPr>
-              <a:t>ufo.y</a:t>
-            </a:r>
-            <a:r>
-              <a:rPr lang="en-US" sz="1600" dirty="0">
-                <a:latin typeface="Consolas" panose="020B0609020204030204" pitchFamily="49" charset="0"/>
-                <a:cs typeface="Consolas" panose="020B0609020204030204" pitchFamily="49" charset="0"/>
-              </a:rPr>
-              <a:t> += speed;</a:t>
-            </a:r>
-          </a:p>
-          <a:p>
-            <a:pPr marL="0" indent="0">
-              <a:lnSpc>
-                <a:spcPct val="120000"/>
-              </a:lnSpc>
-              <a:spcBef>
-                <a:spcPts val="0"/>
-              </a:spcBef>
-              <a:buNone/>
-            </a:pPr>
-            <a:r>
-              <a:rPr lang="en-US" sz="1600" dirty="0">
-                <a:latin typeface="Consolas" panose="020B0609020204030204" pitchFamily="49" charset="0"/>
-                <a:cs typeface="Consolas" panose="020B0609020204030204" pitchFamily="49" charset="0"/>
-              </a:rPr>
-              <a:t>    }</a:t>
-            </a:r>
-          </a:p>
-          <a:p>
-            <a:pPr marL="0" indent="0">
-              <a:lnSpc>
-                <a:spcPct val="120000"/>
-              </a:lnSpc>
-              <a:spcBef>
-                <a:spcPts val="0"/>
-              </a:spcBef>
-              <a:buNone/>
-            </a:pPr>
-            <a:endParaRPr lang="en-US" sz="1600" dirty="0">
-              <a:latin typeface="Consolas" panose="020B0609020204030204" pitchFamily="49" charset="0"/>
-              <a:cs typeface="Consolas" panose="020B0609020204030204" pitchFamily="49" charset="0"/>
-            </a:endParaRPr>
-          </a:p>
-          <a:p>
-            <a:pPr marL="0" indent="0">
-              <a:lnSpc>
-                <a:spcPct val="120000"/>
-              </a:lnSpc>
-              <a:spcBef>
-                <a:spcPts val="0"/>
-              </a:spcBef>
-              <a:buNone/>
-            </a:pPr>
-            <a:r>
-              <a:rPr lang="en-US" sz="1600" dirty="0">
-                <a:latin typeface="Consolas" panose="020B0609020204030204" pitchFamily="49" charset="0"/>
-                <a:cs typeface="Consolas" panose="020B0609020204030204" pitchFamily="49" charset="0"/>
-              </a:rPr>
-              <a:t>    if (</a:t>
-            </a:r>
-            <a:r>
-              <a:rPr lang="en-US" sz="1600" dirty="0" err="1">
-                <a:latin typeface="Consolas" panose="020B0609020204030204" pitchFamily="49" charset="0"/>
-                <a:cs typeface="Consolas" panose="020B0609020204030204" pitchFamily="49" charset="0"/>
-              </a:rPr>
-              <a:t>game.input.keyboard.isDown</a:t>
-            </a:r>
-            <a:r>
-              <a:rPr lang="en-US" sz="1600" dirty="0">
-                <a:latin typeface="Consolas" panose="020B0609020204030204" pitchFamily="49" charset="0"/>
-                <a:cs typeface="Consolas" panose="020B0609020204030204" pitchFamily="49" charset="0"/>
-              </a:rPr>
-              <a:t>(</a:t>
-            </a:r>
-            <a:r>
-              <a:rPr lang="en-US" sz="1600" dirty="0" err="1">
-                <a:latin typeface="Consolas" panose="020B0609020204030204" pitchFamily="49" charset="0"/>
-                <a:cs typeface="Consolas" panose="020B0609020204030204" pitchFamily="49" charset="0"/>
-              </a:rPr>
-              <a:t>Phaser.Keyboard.LEFT</a:t>
-            </a:r>
-            <a:r>
-              <a:rPr lang="en-US" sz="1600" dirty="0">
-                <a:latin typeface="Consolas" panose="020B0609020204030204" pitchFamily="49" charset="0"/>
-                <a:cs typeface="Consolas" panose="020B0609020204030204" pitchFamily="49" charset="0"/>
-              </a:rPr>
-              <a:t>)) {</a:t>
-            </a:r>
-          </a:p>
-          <a:p>
-            <a:pPr marL="0" indent="0">
-              <a:lnSpc>
-                <a:spcPct val="120000"/>
-              </a:lnSpc>
-              <a:spcBef>
-                <a:spcPts val="0"/>
-              </a:spcBef>
-              <a:buNone/>
-            </a:pPr>
-            <a:r>
-              <a:rPr lang="en-US" sz="1600" dirty="0">
-                <a:latin typeface="Consolas" panose="020B0609020204030204" pitchFamily="49" charset="0"/>
-                <a:cs typeface="Consolas" panose="020B0609020204030204" pitchFamily="49" charset="0"/>
-              </a:rPr>
-              <a:t>        </a:t>
-            </a:r>
-            <a:r>
-              <a:rPr lang="en-US" sz="1600" dirty="0" err="1">
-                <a:latin typeface="Consolas" panose="020B0609020204030204" pitchFamily="49" charset="0"/>
-                <a:cs typeface="Consolas" panose="020B0609020204030204" pitchFamily="49" charset="0"/>
-              </a:rPr>
-              <a:t>ufo.x</a:t>
-            </a:r>
-            <a:r>
-              <a:rPr lang="en-US" sz="1600" dirty="0">
-                <a:latin typeface="Consolas" panose="020B0609020204030204" pitchFamily="49" charset="0"/>
-                <a:cs typeface="Consolas" panose="020B0609020204030204" pitchFamily="49" charset="0"/>
-              </a:rPr>
-              <a:t> -= speed;</a:t>
-            </a:r>
-          </a:p>
-          <a:p>
-            <a:pPr marL="0" indent="0">
-              <a:lnSpc>
-                <a:spcPct val="120000"/>
-              </a:lnSpc>
-              <a:spcBef>
-                <a:spcPts val="0"/>
-              </a:spcBef>
-              <a:buNone/>
-            </a:pPr>
-            <a:r>
-              <a:rPr lang="en-US" sz="1600" dirty="0">
-                <a:latin typeface="Consolas" panose="020B0609020204030204" pitchFamily="49" charset="0"/>
-                <a:cs typeface="Consolas" panose="020B0609020204030204" pitchFamily="49" charset="0"/>
-              </a:rPr>
-              <a:t>    }</a:t>
-            </a:r>
-          </a:p>
-          <a:p>
-            <a:pPr marL="0" indent="0">
-              <a:lnSpc>
-                <a:spcPct val="120000"/>
-              </a:lnSpc>
-              <a:spcBef>
-                <a:spcPts val="0"/>
-              </a:spcBef>
-              <a:buNone/>
-            </a:pPr>
-            <a:r>
-              <a:rPr lang="en-US" sz="1600" dirty="0">
-                <a:latin typeface="Consolas" panose="020B0609020204030204" pitchFamily="49" charset="0"/>
-                <a:cs typeface="Consolas" panose="020B0609020204030204" pitchFamily="49" charset="0"/>
-              </a:rPr>
-              <a:t>    else if (</a:t>
-            </a:r>
-            <a:r>
-              <a:rPr lang="en-US" sz="1600" dirty="0" err="1">
-                <a:latin typeface="Consolas" panose="020B0609020204030204" pitchFamily="49" charset="0"/>
-                <a:cs typeface="Consolas" panose="020B0609020204030204" pitchFamily="49" charset="0"/>
-              </a:rPr>
-              <a:t>game.input.keyboard.isDown</a:t>
-            </a:r>
-            <a:r>
-              <a:rPr lang="en-US" sz="1600" dirty="0">
-                <a:latin typeface="Consolas" panose="020B0609020204030204" pitchFamily="49" charset="0"/>
-                <a:cs typeface="Consolas" panose="020B0609020204030204" pitchFamily="49" charset="0"/>
-              </a:rPr>
-              <a:t>(</a:t>
-            </a:r>
-            <a:r>
-              <a:rPr lang="en-US" sz="1600" dirty="0" err="1">
-                <a:latin typeface="Consolas" panose="020B0609020204030204" pitchFamily="49" charset="0"/>
-                <a:cs typeface="Consolas" panose="020B0609020204030204" pitchFamily="49" charset="0"/>
-              </a:rPr>
-              <a:t>Phaser.Keyboard.RIGHT</a:t>
-            </a:r>
-            <a:r>
-              <a:rPr lang="en-US" sz="1600" dirty="0">
-                <a:latin typeface="Consolas" panose="020B0609020204030204" pitchFamily="49" charset="0"/>
-                <a:cs typeface="Consolas" panose="020B0609020204030204" pitchFamily="49" charset="0"/>
-              </a:rPr>
-              <a:t>)) {</a:t>
-            </a:r>
-          </a:p>
-          <a:p>
-            <a:pPr marL="0" indent="0">
-              <a:lnSpc>
-                <a:spcPct val="120000"/>
-              </a:lnSpc>
-              <a:spcBef>
-                <a:spcPts val="0"/>
-              </a:spcBef>
-              <a:buNone/>
-            </a:pPr>
-            <a:r>
-              <a:rPr lang="en-US" sz="1600" dirty="0">
-                <a:latin typeface="Consolas" panose="020B0609020204030204" pitchFamily="49" charset="0"/>
-                <a:cs typeface="Consolas" panose="020B0609020204030204" pitchFamily="49" charset="0"/>
-              </a:rPr>
-              <a:t>        </a:t>
-            </a:r>
-            <a:r>
-              <a:rPr lang="en-US" sz="1600" dirty="0" err="1">
-                <a:latin typeface="Consolas" panose="020B0609020204030204" pitchFamily="49" charset="0"/>
-                <a:cs typeface="Consolas" panose="020B0609020204030204" pitchFamily="49" charset="0"/>
-              </a:rPr>
-              <a:t>ufo.x</a:t>
-            </a:r>
-            <a:r>
-              <a:rPr lang="en-US" sz="1600" dirty="0">
-                <a:latin typeface="Consolas" panose="020B0609020204030204" pitchFamily="49" charset="0"/>
-                <a:cs typeface="Consolas" panose="020B0609020204030204" pitchFamily="49" charset="0"/>
-              </a:rPr>
-              <a:t> += speed;</a:t>
-            </a:r>
-          </a:p>
-          <a:p>
-            <a:pPr marL="0" indent="0">
-              <a:lnSpc>
-                <a:spcPct val="120000"/>
-              </a:lnSpc>
-              <a:spcBef>
-                <a:spcPts val="0"/>
-              </a:spcBef>
-              <a:buNone/>
-            </a:pPr>
-            <a:r>
-              <a:rPr lang="en-US" sz="1600" dirty="0">
-                <a:latin typeface="Consolas" panose="020B0609020204030204" pitchFamily="49" charset="0"/>
-                <a:cs typeface="Consolas" panose="020B0609020204030204" pitchFamily="49" charset="0"/>
-              </a:rPr>
-              <a:t>    }</a:t>
-            </a:r>
-          </a:p>
-          <a:p>
-            <a:pPr marL="0" indent="0">
-              <a:lnSpc>
-                <a:spcPct val="120000"/>
-              </a:lnSpc>
-              <a:spcBef>
-                <a:spcPts val="0"/>
-              </a:spcBef>
-              <a:buNone/>
-            </a:pPr>
-            <a:r>
-              <a:rPr lang="en-US" sz="1600" dirty="0">
-                <a:latin typeface="Consolas" panose="020B0609020204030204" pitchFamily="49" charset="0"/>
-                <a:cs typeface="Consolas" panose="020B0609020204030204" pitchFamily="49" charset="0"/>
-              </a:rPr>
-              <a:t>}</a:t>
-            </a:r>
-            <a:endParaRPr lang="en-US" sz="1600" dirty="0" smtClean="0">
-              <a:latin typeface="Consolas" panose="020B0609020204030204" pitchFamily="49" charset="0"/>
-              <a:cs typeface="Consolas" panose="020B0609020204030204" pitchFamily="49" charset="0"/>
-            </a:endParaRPr>
+              <a:rPr lang="en-US" dirty="0" smtClean="0">
+                <a:cs typeface="Consolas" panose="020B0609020204030204" pitchFamily="49" charset="0"/>
+              </a:rPr>
+              <a:t>Supports even Xbox 360 gamepad! (button mapping depends on browser :\ )</a:t>
+            </a:r>
           </a:p>
         </p:txBody>
       </p:sp>
@@ -9717,7 +9998,7 @@
     </p:spTree>
     <p:extLst>
       <p:ext uri="{BB962C8B-B14F-4D97-AF65-F5344CB8AC3E}">
-        <p14:creationId xmlns:p14="http://schemas.microsoft.com/office/powerpoint/2010/main" val="100593303"/>
+        <p14:creationId xmlns:p14="http://schemas.microsoft.com/office/powerpoint/2010/main" val="635934165"/>
       </p:ext>
     </p:extLst>
   </p:cSld>
@@ -9771,7 +10052,7 @@
             <a:pPr algn="ctr"/>
             <a:r>
               <a:rPr lang="en-US" sz="4000" dirty="0" smtClean="0"/>
-              <a:t>Input: Mouse</a:t>
+              <a:t>Input: Keyboard</a:t>
             </a:r>
             <a:endParaRPr lang="en-US" sz="4000" dirty="0"/>
           </a:p>
@@ -9790,7 +10071,7 @@
         <p:spPr/>
         <p:txBody>
           <a:bodyPr>
-            <a:normAutofit fontScale="55000" lnSpcReduction="20000"/>
+            <a:noAutofit/>
           </a:bodyPr>
           <a:lstStyle/>
           <a:p>
@@ -9804,25 +10085,11 @@
               <a:buNone/>
             </a:pPr>
             <a:r>
-              <a:rPr lang="en-US" dirty="0">
-                <a:latin typeface="Consolas" panose="020B0609020204030204" pitchFamily="49" charset="0"/>
-                <a:cs typeface="Consolas" panose="020B0609020204030204" pitchFamily="49" charset="0"/>
-              </a:rPr>
-              <a:t>if (</a:t>
-            </a:r>
-            <a:r>
-              <a:rPr lang="en-US" dirty="0" err="1">
-                <a:latin typeface="Consolas" panose="020B0609020204030204" pitchFamily="49" charset="0"/>
-                <a:cs typeface="Consolas" panose="020B0609020204030204" pitchFamily="49" charset="0"/>
-              </a:rPr>
-              <a:t>game.input.mousePointer.isDown</a:t>
-            </a:r>
-            <a:r>
-              <a:rPr lang="en-US" dirty="0">
-                <a:latin typeface="Consolas" panose="020B0609020204030204" pitchFamily="49" charset="0"/>
-                <a:cs typeface="Consolas" panose="020B0609020204030204" pitchFamily="49" charset="0"/>
-              </a:rPr>
-              <a:t>) {</a:t>
+              <a:rPr lang="en-US" sz="1600" dirty="0">
+                <a:latin typeface="Consolas" panose="020B0609020204030204" pitchFamily="49" charset="0"/>
+                <a:cs typeface="Consolas" panose="020B0609020204030204" pitchFamily="49" charset="0"/>
+              </a:rPr>
+              <a:t>function update() {</a:t>
             </a:r>
           </a:p>
           <a:p>
@@ -9836,39 +10103,39 @@
               <a:buNone/>
             </a:pPr>
             <a:r>
-              <a:rPr lang="en-US" dirty="0">
-                <a:latin typeface="Consolas" panose="020B0609020204030204" pitchFamily="49" charset="0"/>
-                <a:cs typeface="Consolas" panose="020B0609020204030204" pitchFamily="49" charset="0"/>
-              </a:rPr>
-              <a:t>	if (</a:t>
-            </a:r>
-            <a:r>
-              <a:rPr lang="en-US" dirty="0" err="1">
-                <a:latin typeface="Consolas" panose="020B0609020204030204" pitchFamily="49" charset="0"/>
-                <a:cs typeface="Consolas" panose="020B0609020204030204" pitchFamily="49" charset="0"/>
-              </a:rPr>
-              <a:t>game.input.mousePointer.x</a:t>
-            </a:r>
-            <a:r>
-              <a:rPr lang="en-US" dirty="0">
-                <a:latin typeface="Consolas" panose="020B0609020204030204" pitchFamily="49" charset="0"/>
-                <a:cs typeface="Consolas" panose="020B0609020204030204" pitchFamily="49" charset="0"/>
-              </a:rPr>
-              <a:t> &lt; </a:t>
-            </a:r>
-            <a:r>
-              <a:rPr lang="en-US" dirty="0" err="1">
-                <a:latin typeface="Consolas" panose="020B0609020204030204" pitchFamily="49" charset="0"/>
-                <a:cs typeface="Consolas" panose="020B0609020204030204" pitchFamily="49" charset="0"/>
-              </a:rPr>
-              <a:t>game.width</a:t>
-            </a:r>
-            <a:r>
-              <a:rPr lang="en-US" dirty="0">
-                <a:latin typeface="Consolas" panose="020B0609020204030204" pitchFamily="49" charset="0"/>
-                <a:cs typeface="Consolas" panose="020B0609020204030204" pitchFamily="49" charset="0"/>
-              </a:rPr>
-              <a:t>*0.5) {</a:t>
+              <a:rPr lang="en-US" sz="1600" dirty="0">
+                <a:latin typeface="Consolas" panose="020B0609020204030204" pitchFamily="49" charset="0"/>
+                <a:cs typeface="Consolas" panose="020B0609020204030204" pitchFamily="49" charset="0"/>
+              </a:rPr>
+              <a:t>    if (</a:t>
+            </a:r>
+            <a:r>
+              <a:rPr lang="en-US" sz="1600" dirty="0" err="1">
+                <a:latin typeface="Consolas" panose="020B0609020204030204" pitchFamily="49" charset="0"/>
+                <a:cs typeface="Consolas" panose="020B0609020204030204" pitchFamily="49" charset="0"/>
+              </a:rPr>
+              <a:t>game.input.keyboard.isDown</a:t>
+            </a:r>
+            <a:r>
+              <a:rPr lang="en-US" sz="1600" dirty="0">
+                <a:latin typeface="Consolas" panose="020B0609020204030204" pitchFamily="49" charset="0"/>
+                <a:cs typeface="Consolas" panose="020B0609020204030204" pitchFamily="49" charset="0"/>
+              </a:rPr>
+              <a:t>(</a:t>
+            </a:r>
+            <a:r>
+              <a:rPr lang="en-US" sz="1600" dirty="0" err="1">
+                <a:latin typeface="Consolas" panose="020B0609020204030204" pitchFamily="49" charset="0"/>
+                <a:cs typeface="Consolas" panose="020B0609020204030204" pitchFamily="49" charset="0"/>
+              </a:rPr>
+              <a:t>Phaser.Keyboard.UP</a:t>
+            </a:r>
+            <a:r>
+              <a:rPr lang="en-US" sz="1600" dirty="0">
+                <a:latin typeface="Consolas" panose="020B0609020204030204" pitchFamily="49" charset="0"/>
+                <a:cs typeface="Consolas" panose="020B0609020204030204" pitchFamily="49" charset="0"/>
+              </a:rPr>
+              <a:t>)) {</a:t>
             </a:r>
           </a:p>
           <a:p>
@@ -9882,25 +10149,25 @@
               <a:buNone/>
             </a:pPr>
             <a:r>
-              <a:rPr lang="en-US" dirty="0">
-                <a:latin typeface="Consolas" panose="020B0609020204030204" pitchFamily="49" charset="0"/>
-                <a:cs typeface="Consolas" panose="020B0609020204030204" pitchFamily="49" charset="0"/>
-              </a:rPr>
-              <a:t>		</a:t>
-            </a:r>
-            <a:r>
-              <a:rPr lang="en-US" dirty="0" err="1">
-                <a:latin typeface="Consolas" panose="020B0609020204030204" pitchFamily="49" charset="0"/>
-                <a:cs typeface="Consolas" panose="020B0609020204030204" pitchFamily="49" charset="0"/>
-              </a:rPr>
-              <a:t>clickOnLeft</a:t>
-            </a:r>
-            <a:r>
-              <a:rPr lang="en-US" dirty="0">
-                <a:latin typeface="Consolas" panose="020B0609020204030204" pitchFamily="49" charset="0"/>
-                <a:cs typeface="Consolas" panose="020B0609020204030204" pitchFamily="49" charset="0"/>
-              </a:rPr>
-              <a:t> = true;</a:t>
+              <a:rPr lang="en-US" sz="1600" dirty="0">
+                <a:latin typeface="Consolas" panose="020B0609020204030204" pitchFamily="49" charset="0"/>
+                <a:cs typeface="Consolas" panose="020B0609020204030204" pitchFamily="49" charset="0"/>
+              </a:rPr>
+              <a:t>        </a:t>
+            </a:r>
+            <a:r>
+              <a:rPr lang="en-US" sz="1600" dirty="0" err="1">
+                <a:latin typeface="Consolas" panose="020B0609020204030204" pitchFamily="49" charset="0"/>
+                <a:cs typeface="Consolas" panose="020B0609020204030204" pitchFamily="49" charset="0"/>
+              </a:rPr>
+              <a:t>ufo.y</a:t>
+            </a:r>
+            <a:r>
+              <a:rPr lang="en-US" sz="1600" dirty="0">
+                <a:latin typeface="Consolas" panose="020B0609020204030204" pitchFamily="49" charset="0"/>
+                <a:cs typeface="Consolas" panose="020B0609020204030204" pitchFamily="49" charset="0"/>
+              </a:rPr>
+              <a:t> -= speed;</a:t>
             </a:r>
           </a:p>
           <a:p>
@@ -9914,11 +10181,11 @@
               <a:buNone/>
             </a:pPr>
             <a:r>
-              <a:rPr lang="en-US" dirty="0">
-                <a:latin typeface="Consolas" panose="020B0609020204030204" pitchFamily="49" charset="0"/>
-                <a:cs typeface="Consolas" panose="020B0609020204030204" pitchFamily="49" charset="0"/>
-              </a:rPr>
-              <a:t>	}</a:t>
+              <a:rPr lang="en-US" sz="1600" dirty="0">
+                <a:latin typeface="Consolas" panose="020B0609020204030204" pitchFamily="49" charset="0"/>
+                <a:cs typeface="Consolas" panose="020B0609020204030204" pitchFamily="49" charset="0"/>
+              </a:rPr>
+              <a:t>    }</a:t>
             </a:r>
           </a:p>
           <a:p>
@@ -9932,39 +10199,39 @@
               <a:buNone/>
             </a:pPr>
             <a:r>
-              <a:rPr lang="en-US" dirty="0">
-                <a:latin typeface="Consolas" panose="020B0609020204030204" pitchFamily="49" charset="0"/>
-                <a:cs typeface="Consolas" panose="020B0609020204030204" pitchFamily="49" charset="0"/>
-              </a:rPr>
-              <a:t>	else if (</a:t>
-            </a:r>
-            <a:r>
-              <a:rPr lang="en-US" dirty="0" err="1">
-                <a:latin typeface="Consolas" panose="020B0609020204030204" pitchFamily="49" charset="0"/>
-                <a:cs typeface="Consolas" panose="020B0609020204030204" pitchFamily="49" charset="0"/>
-              </a:rPr>
-              <a:t>game.input.mousePointer.x</a:t>
-            </a:r>
-            <a:r>
-              <a:rPr lang="en-US" dirty="0">
-                <a:latin typeface="Consolas" panose="020B0609020204030204" pitchFamily="49" charset="0"/>
-                <a:cs typeface="Consolas" panose="020B0609020204030204" pitchFamily="49" charset="0"/>
-              </a:rPr>
-              <a:t> &gt; </a:t>
-            </a:r>
-            <a:r>
-              <a:rPr lang="en-US" dirty="0" err="1">
-                <a:latin typeface="Consolas" panose="020B0609020204030204" pitchFamily="49" charset="0"/>
-                <a:cs typeface="Consolas" panose="020B0609020204030204" pitchFamily="49" charset="0"/>
-              </a:rPr>
-              <a:t>game.width</a:t>
-            </a:r>
-            <a:r>
-              <a:rPr lang="en-US" dirty="0">
-                <a:latin typeface="Consolas" panose="020B0609020204030204" pitchFamily="49" charset="0"/>
-                <a:cs typeface="Consolas" panose="020B0609020204030204" pitchFamily="49" charset="0"/>
-              </a:rPr>
-              <a:t>*0.5) {</a:t>
+              <a:rPr lang="en-US" sz="1600" dirty="0">
+                <a:latin typeface="Consolas" panose="020B0609020204030204" pitchFamily="49" charset="0"/>
+                <a:cs typeface="Consolas" panose="020B0609020204030204" pitchFamily="49" charset="0"/>
+              </a:rPr>
+              <a:t>    else if (</a:t>
+            </a:r>
+            <a:r>
+              <a:rPr lang="en-US" sz="1600" dirty="0" err="1">
+                <a:latin typeface="Consolas" panose="020B0609020204030204" pitchFamily="49" charset="0"/>
+                <a:cs typeface="Consolas" panose="020B0609020204030204" pitchFamily="49" charset="0"/>
+              </a:rPr>
+              <a:t>game.input.keyboard.isDown</a:t>
+            </a:r>
+            <a:r>
+              <a:rPr lang="en-US" sz="1600" dirty="0">
+                <a:latin typeface="Consolas" panose="020B0609020204030204" pitchFamily="49" charset="0"/>
+                <a:cs typeface="Consolas" panose="020B0609020204030204" pitchFamily="49" charset="0"/>
+              </a:rPr>
+              <a:t>(</a:t>
+            </a:r>
+            <a:r>
+              <a:rPr lang="en-US" sz="1600" dirty="0" err="1">
+                <a:latin typeface="Consolas" panose="020B0609020204030204" pitchFamily="49" charset="0"/>
+                <a:cs typeface="Consolas" panose="020B0609020204030204" pitchFamily="49" charset="0"/>
+              </a:rPr>
+              <a:t>Phaser.Keyboard.DOWN</a:t>
+            </a:r>
+            <a:r>
+              <a:rPr lang="en-US" sz="1600" dirty="0">
+                <a:latin typeface="Consolas" panose="020B0609020204030204" pitchFamily="49" charset="0"/>
+                <a:cs typeface="Consolas" panose="020B0609020204030204" pitchFamily="49" charset="0"/>
+              </a:rPr>
+              <a:t>)) {</a:t>
             </a:r>
           </a:p>
           <a:p>
@@ -9978,25 +10245,25 @@
               <a:buNone/>
             </a:pPr>
             <a:r>
-              <a:rPr lang="en-US" dirty="0">
-                <a:latin typeface="Consolas" panose="020B0609020204030204" pitchFamily="49" charset="0"/>
-                <a:cs typeface="Consolas" panose="020B0609020204030204" pitchFamily="49" charset="0"/>
-              </a:rPr>
-              <a:t>		</a:t>
-            </a:r>
-            <a:r>
-              <a:rPr lang="en-US" dirty="0" err="1">
-                <a:latin typeface="Consolas" panose="020B0609020204030204" pitchFamily="49" charset="0"/>
-                <a:cs typeface="Consolas" panose="020B0609020204030204" pitchFamily="49" charset="0"/>
-              </a:rPr>
-              <a:t>clickOnRight</a:t>
-            </a:r>
-            <a:r>
-              <a:rPr lang="en-US" dirty="0">
-                <a:latin typeface="Consolas" panose="020B0609020204030204" pitchFamily="49" charset="0"/>
-                <a:cs typeface="Consolas" panose="020B0609020204030204" pitchFamily="49" charset="0"/>
-              </a:rPr>
-              <a:t> = true;</a:t>
+              <a:rPr lang="en-US" sz="1600" dirty="0">
+                <a:latin typeface="Consolas" panose="020B0609020204030204" pitchFamily="49" charset="0"/>
+                <a:cs typeface="Consolas" panose="020B0609020204030204" pitchFamily="49" charset="0"/>
+              </a:rPr>
+              <a:t>        </a:t>
+            </a:r>
+            <a:r>
+              <a:rPr lang="en-US" sz="1600" dirty="0" err="1">
+                <a:latin typeface="Consolas" panose="020B0609020204030204" pitchFamily="49" charset="0"/>
+                <a:cs typeface="Consolas" panose="020B0609020204030204" pitchFamily="49" charset="0"/>
+              </a:rPr>
+              <a:t>ufo.y</a:t>
+            </a:r>
+            <a:r>
+              <a:rPr lang="en-US" sz="1600" dirty="0">
+                <a:latin typeface="Consolas" panose="020B0609020204030204" pitchFamily="49" charset="0"/>
+                <a:cs typeface="Consolas" panose="020B0609020204030204" pitchFamily="49" charset="0"/>
+              </a:rPr>
+              <a:t> += speed;</a:t>
             </a:r>
           </a:p>
           <a:p>
@@ -10010,11 +10277,11 @@
               <a:buNone/>
             </a:pPr>
             <a:r>
-              <a:rPr lang="en-US" dirty="0">
-                <a:latin typeface="Consolas" panose="020B0609020204030204" pitchFamily="49" charset="0"/>
-                <a:cs typeface="Consolas" panose="020B0609020204030204" pitchFamily="49" charset="0"/>
-              </a:rPr>
-              <a:t>	}</a:t>
+              <a:rPr lang="en-US" sz="1600" dirty="0">
+                <a:latin typeface="Consolas" panose="020B0609020204030204" pitchFamily="49" charset="0"/>
+                <a:cs typeface="Consolas" panose="020B0609020204030204" pitchFamily="49" charset="0"/>
+              </a:rPr>
+              <a:t>    }</a:t>
             </a:r>
           </a:p>
           <a:p>
@@ -10027,7 +10294,7 @@
               </a:spcBef>
               <a:buNone/>
             </a:pPr>
-            <a:endParaRPr lang="en-US" dirty="0">
+            <a:endParaRPr lang="en-US" sz="1600" dirty="0">
               <a:latin typeface="Consolas" panose="020B0609020204030204" pitchFamily="49" charset="0"/>
               <a:cs typeface="Consolas" panose="020B0609020204030204" pitchFamily="49" charset="0"/>
             </a:endParaRPr>
@@ -10043,39 +10310,39 @@
               <a:buNone/>
             </a:pPr>
             <a:r>
-              <a:rPr lang="en-US" dirty="0">
-                <a:latin typeface="Consolas" panose="020B0609020204030204" pitchFamily="49" charset="0"/>
-                <a:cs typeface="Consolas" panose="020B0609020204030204" pitchFamily="49" charset="0"/>
-              </a:rPr>
-              <a:t>	if (</a:t>
-            </a:r>
-            <a:r>
-              <a:rPr lang="en-US" dirty="0" err="1">
-                <a:latin typeface="Consolas" panose="020B0609020204030204" pitchFamily="49" charset="0"/>
-                <a:cs typeface="Consolas" panose="020B0609020204030204" pitchFamily="49" charset="0"/>
-              </a:rPr>
-              <a:t>game.input.mousePointer.y</a:t>
-            </a:r>
-            <a:r>
-              <a:rPr lang="en-US" dirty="0">
-                <a:latin typeface="Consolas" panose="020B0609020204030204" pitchFamily="49" charset="0"/>
-                <a:cs typeface="Consolas" panose="020B0609020204030204" pitchFamily="49" charset="0"/>
-              </a:rPr>
-              <a:t> &lt; </a:t>
-            </a:r>
-            <a:r>
-              <a:rPr lang="en-US" dirty="0" err="1">
-                <a:latin typeface="Consolas" panose="020B0609020204030204" pitchFamily="49" charset="0"/>
-                <a:cs typeface="Consolas" panose="020B0609020204030204" pitchFamily="49" charset="0"/>
-              </a:rPr>
-              <a:t>game.height</a:t>
-            </a:r>
-            <a:r>
-              <a:rPr lang="en-US" dirty="0">
-                <a:latin typeface="Consolas" panose="020B0609020204030204" pitchFamily="49" charset="0"/>
-                <a:cs typeface="Consolas" panose="020B0609020204030204" pitchFamily="49" charset="0"/>
-              </a:rPr>
-              <a:t>*0.5) {</a:t>
+              <a:rPr lang="en-US" sz="1600" dirty="0">
+                <a:latin typeface="Consolas" panose="020B0609020204030204" pitchFamily="49" charset="0"/>
+                <a:cs typeface="Consolas" panose="020B0609020204030204" pitchFamily="49" charset="0"/>
+              </a:rPr>
+              <a:t>    if (</a:t>
+            </a:r>
+            <a:r>
+              <a:rPr lang="en-US" sz="1600" dirty="0" err="1">
+                <a:latin typeface="Consolas" panose="020B0609020204030204" pitchFamily="49" charset="0"/>
+                <a:cs typeface="Consolas" panose="020B0609020204030204" pitchFamily="49" charset="0"/>
+              </a:rPr>
+              <a:t>game.input.keyboard.isDown</a:t>
+            </a:r>
+            <a:r>
+              <a:rPr lang="en-US" sz="1600" dirty="0">
+                <a:latin typeface="Consolas" panose="020B0609020204030204" pitchFamily="49" charset="0"/>
+                <a:cs typeface="Consolas" panose="020B0609020204030204" pitchFamily="49" charset="0"/>
+              </a:rPr>
+              <a:t>(</a:t>
+            </a:r>
+            <a:r>
+              <a:rPr lang="en-US" sz="1600" dirty="0" err="1">
+                <a:latin typeface="Consolas" panose="020B0609020204030204" pitchFamily="49" charset="0"/>
+                <a:cs typeface="Consolas" panose="020B0609020204030204" pitchFamily="49" charset="0"/>
+              </a:rPr>
+              <a:t>Phaser.Keyboard.LEFT</a:t>
+            </a:r>
+            <a:r>
+              <a:rPr lang="en-US" sz="1600" dirty="0">
+                <a:latin typeface="Consolas" panose="020B0609020204030204" pitchFamily="49" charset="0"/>
+                <a:cs typeface="Consolas" panose="020B0609020204030204" pitchFamily="49" charset="0"/>
+              </a:rPr>
+              <a:t>)) {</a:t>
             </a:r>
           </a:p>
           <a:p>
@@ -10089,25 +10356,25 @@
               <a:buNone/>
             </a:pPr>
             <a:r>
-              <a:rPr lang="en-US" dirty="0">
-                <a:latin typeface="Consolas" panose="020B0609020204030204" pitchFamily="49" charset="0"/>
-                <a:cs typeface="Consolas" panose="020B0609020204030204" pitchFamily="49" charset="0"/>
-              </a:rPr>
-              <a:t>		</a:t>
-            </a:r>
-            <a:r>
-              <a:rPr lang="en-US" dirty="0" err="1">
-                <a:latin typeface="Consolas" panose="020B0609020204030204" pitchFamily="49" charset="0"/>
-                <a:cs typeface="Consolas" panose="020B0609020204030204" pitchFamily="49" charset="0"/>
-              </a:rPr>
-              <a:t>clickOnTop</a:t>
-            </a:r>
-            <a:r>
-              <a:rPr lang="en-US" dirty="0">
-                <a:latin typeface="Consolas" panose="020B0609020204030204" pitchFamily="49" charset="0"/>
-                <a:cs typeface="Consolas" panose="020B0609020204030204" pitchFamily="49" charset="0"/>
-              </a:rPr>
-              <a:t> = true;</a:t>
+              <a:rPr lang="en-US" sz="1600" dirty="0">
+                <a:latin typeface="Consolas" panose="020B0609020204030204" pitchFamily="49" charset="0"/>
+                <a:cs typeface="Consolas" panose="020B0609020204030204" pitchFamily="49" charset="0"/>
+              </a:rPr>
+              <a:t>        </a:t>
+            </a:r>
+            <a:r>
+              <a:rPr lang="en-US" sz="1600" dirty="0" err="1">
+                <a:latin typeface="Consolas" panose="020B0609020204030204" pitchFamily="49" charset="0"/>
+                <a:cs typeface="Consolas" panose="020B0609020204030204" pitchFamily="49" charset="0"/>
+              </a:rPr>
+              <a:t>ufo.x</a:t>
+            </a:r>
+            <a:r>
+              <a:rPr lang="en-US" sz="1600" dirty="0">
+                <a:latin typeface="Consolas" panose="020B0609020204030204" pitchFamily="49" charset="0"/>
+                <a:cs typeface="Consolas" panose="020B0609020204030204" pitchFamily="49" charset="0"/>
+              </a:rPr>
+              <a:t> -= speed;</a:t>
             </a:r>
           </a:p>
           <a:p>
@@ -10121,11 +10388,11 @@
               <a:buNone/>
             </a:pPr>
             <a:r>
-              <a:rPr lang="en-US" dirty="0">
-                <a:latin typeface="Consolas" panose="020B0609020204030204" pitchFamily="49" charset="0"/>
-                <a:cs typeface="Consolas" panose="020B0609020204030204" pitchFamily="49" charset="0"/>
-              </a:rPr>
-              <a:t>	}</a:t>
+              <a:rPr lang="en-US" sz="1600" dirty="0">
+                <a:latin typeface="Consolas" panose="020B0609020204030204" pitchFamily="49" charset="0"/>
+                <a:cs typeface="Consolas" panose="020B0609020204030204" pitchFamily="49" charset="0"/>
+              </a:rPr>
+              <a:t>    }</a:t>
             </a:r>
           </a:p>
           <a:p>
@@ -10139,11 +10406,39 @@
               <a:buNone/>
             </a:pPr>
             <a:r>
-              <a:rPr lang="en-US" dirty="0" smtClean="0">
-                <a:latin typeface="Consolas" panose="020B0609020204030204" pitchFamily="49" charset="0"/>
-                <a:cs typeface="Consolas" panose="020B0609020204030204" pitchFamily="49" charset="0"/>
-              </a:rPr>
-              <a:t>}</a:t>
+              <a:rPr lang="en-US" sz="1600" dirty="0">
+                <a:latin typeface="Consolas" panose="020B0609020204030204" pitchFamily="49" charset="0"/>
+                <a:cs typeface="Consolas" panose="020B0609020204030204" pitchFamily="49" charset="0"/>
+              </a:rPr>
+              <a:t>    else if (</a:t>
+            </a:r>
+            <a:r>
+              <a:rPr lang="en-US" sz="1600" dirty="0" err="1">
+                <a:latin typeface="Consolas" panose="020B0609020204030204" pitchFamily="49" charset="0"/>
+                <a:cs typeface="Consolas" panose="020B0609020204030204" pitchFamily="49" charset="0"/>
+              </a:rPr>
+              <a:t>game.input.keyboard.isDown</a:t>
+            </a:r>
+            <a:r>
+              <a:rPr lang="en-US" sz="1600" dirty="0">
+                <a:latin typeface="Consolas" panose="020B0609020204030204" pitchFamily="49" charset="0"/>
+                <a:cs typeface="Consolas" panose="020B0609020204030204" pitchFamily="49" charset="0"/>
+              </a:rPr>
+              <a:t>(</a:t>
+            </a:r>
+            <a:r>
+              <a:rPr lang="en-US" sz="1600" dirty="0" err="1">
+                <a:latin typeface="Consolas" panose="020B0609020204030204" pitchFamily="49" charset="0"/>
+                <a:cs typeface="Consolas" panose="020B0609020204030204" pitchFamily="49" charset="0"/>
+              </a:rPr>
+              <a:t>Phaser.Keyboard.RIGHT</a:t>
+            </a:r>
+            <a:r>
+              <a:rPr lang="en-US" sz="1600" dirty="0">
+                <a:latin typeface="Consolas" panose="020B0609020204030204" pitchFamily="49" charset="0"/>
+                <a:cs typeface="Consolas" panose="020B0609020204030204" pitchFamily="49" charset="0"/>
+              </a:rPr>
+              <a:t>)) {</a:t>
             </a:r>
           </a:p>
           <a:p>
@@ -10156,50 +10451,67 @@
               </a:spcBef>
               <a:buNone/>
             </a:pPr>
-            <a:endParaRPr lang="en-US" dirty="0">
-              <a:latin typeface="Consolas" panose="020B0609020204030204" pitchFamily="49" charset="0"/>
-              <a:cs typeface="Consolas" panose="020B0609020204030204" pitchFamily="49" charset="0"/>
-            </a:endParaRPr>
-          </a:p>
-          <a:p>
-            <a:pPr>
+            <a:r>
+              <a:rPr lang="en-US" sz="1600" dirty="0">
+                <a:latin typeface="Consolas" panose="020B0609020204030204" pitchFamily="49" charset="0"/>
+                <a:cs typeface="Consolas" panose="020B0609020204030204" pitchFamily="49" charset="0"/>
+              </a:rPr>
+              <a:t>        </a:t>
+            </a:r>
+            <a:r>
+              <a:rPr lang="en-US" sz="1600" dirty="0" err="1">
+                <a:latin typeface="Consolas" panose="020B0609020204030204" pitchFamily="49" charset="0"/>
+                <a:cs typeface="Consolas" panose="020B0609020204030204" pitchFamily="49" charset="0"/>
+              </a:rPr>
+              <a:t>ufo.x</a:t>
+            </a:r>
+            <a:r>
+              <a:rPr lang="en-US" sz="1600" dirty="0">
+                <a:latin typeface="Consolas" panose="020B0609020204030204" pitchFamily="49" charset="0"/>
+                <a:cs typeface="Consolas" panose="020B0609020204030204" pitchFamily="49" charset="0"/>
+              </a:rPr>
+              <a:t> += speed;</a:t>
+            </a:r>
+          </a:p>
+          <a:p>
+            <a:pPr marL="0" indent="0">
               <a:lnSpc>
                 <a:spcPct val="120000"/>
               </a:lnSpc>
               <a:spcBef>
                 <a:spcPts val="0"/>
               </a:spcBef>
+              <a:buNone/>
             </a:pPr>
             <a:r>
-              <a:rPr lang="en-US" sz="5100" dirty="0" smtClean="0">
-                <a:cs typeface="Consolas" panose="020B0609020204030204" pitchFamily="49" charset="0"/>
-              </a:rPr>
-              <a:t>Swap </a:t>
-            </a:r>
-            <a:r>
-              <a:rPr lang="en-US" sz="5100" dirty="0" err="1" smtClean="0">
-                <a:cs typeface="Consolas" panose="020B0609020204030204" pitchFamily="49" charset="0"/>
-              </a:rPr>
-              <a:t>mousePointer</a:t>
-            </a:r>
-            <a:r>
-              <a:rPr lang="en-US" sz="5100" dirty="0" smtClean="0">
-                <a:cs typeface="Consolas" panose="020B0609020204030204" pitchFamily="49" charset="0"/>
-              </a:rPr>
-              <a:t> with </a:t>
-            </a:r>
-            <a:r>
-              <a:rPr lang="en-US" sz="5100" dirty="0" err="1" smtClean="0">
-                <a:cs typeface="Consolas" panose="020B0609020204030204" pitchFamily="49" charset="0"/>
-              </a:rPr>
-              <a:t>activePointer</a:t>
-            </a:r>
-            <a:r>
-              <a:rPr lang="en-US" sz="5100" dirty="0" smtClean="0">
-                <a:cs typeface="Consolas" panose="020B0609020204030204" pitchFamily="49" charset="0"/>
-              </a:rPr>
-              <a:t> to capture any active pointer (works with mouse and touch inputs)</a:t>
-            </a:r>
+              <a:rPr lang="en-US" sz="1600" dirty="0">
+                <a:latin typeface="Consolas" panose="020B0609020204030204" pitchFamily="49" charset="0"/>
+                <a:cs typeface="Consolas" panose="020B0609020204030204" pitchFamily="49" charset="0"/>
+              </a:rPr>
+              <a:t>    }</a:t>
+            </a:r>
+          </a:p>
+          <a:p>
+            <a:pPr marL="0" indent="0">
+              <a:lnSpc>
+                <a:spcPct val="120000"/>
+              </a:lnSpc>
+              <a:spcBef>
+                <a:spcPts val="0"/>
+              </a:spcBef>
+              <a:buNone/>
+            </a:pPr>
+            <a:r>
+              <a:rPr lang="en-US" sz="1600" dirty="0">
+                <a:latin typeface="Consolas" panose="020B0609020204030204" pitchFamily="49" charset="0"/>
+                <a:cs typeface="Consolas" panose="020B0609020204030204" pitchFamily="49" charset="0"/>
+              </a:rPr>
+              <a:t>}</a:t>
+            </a:r>
+            <a:endParaRPr lang="en-US" sz="1600" dirty="0" smtClean="0">
+              <a:latin typeface="Consolas" panose="020B0609020204030204" pitchFamily="49" charset="0"/>
+              <a:cs typeface="Consolas" panose="020B0609020204030204" pitchFamily="49" charset="0"/>
+            </a:endParaRPr>
           </a:p>
         </p:txBody>
       </p:sp>
@@ -10265,7 +10577,7 @@
     </p:spTree>
     <p:extLst>
       <p:ext uri="{BB962C8B-B14F-4D97-AF65-F5344CB8AC3E}">
-        <p14:creationId xmlns:p14="http://schemas.microsoft.com/office/powerpoint/2010/main" val="4174560926"/>
+        <p14:creationId xmlns:p14="http://schemas.microsoft.com/office/powerpoint/2010/main" val="100593303"/>
       </p:ext>
     </p:extLst>
   </p:cSld>
@@ -10319,7 +10631,7 @@
             <a:pPr algn="ctr"/>
             <a:r>
               <a:rPr lang="en-US" sz="4000" dirty="0" smtClean="0"/>
-              <a:t>Input: Multi-touch</a:t>
+              <a:t>Input: Mouse</a:t>
             </a:r>
             <a:endParaRPr lang="en-US" sz="4000" dirty="0"/>
           </a:p>
@@ -10338,9 +10650,377 @@
         <p:spPr/>
         <p:txBody>
           <a:bodyPr>
-            <a:normAutofit/>
+            <a:normAutofit fontScale="55000" lnSpcReduction="20000"/>
           </a:bodyPr>
           <a:lstStyle/>
+          <a:p>
+            <a:pPr marL="0" indent="0">
+              <a:lnSpc>
+                <a:spcPct val="120000"/>
+              </a:lnSpc>
+              <a:spcBef>
+                <a:spcPts val="0"/>
+              </a:spcBef>
+              <a:buNone/>
+            </a:pPr>
+            <a:r>
+              <a:rPr lang="en-US" dirty="0">
+                <a:latin typeface="Consolas" panose="020B0609020204030204" pitchFamily="49" charset="0"/>
+                <a:cs typeface="Consolas" panose="020B0609020204030204" pitchFamily="49" charset="0"/>
+              </a:rPr>
+              <a:t>if (</a:t>
+            </a:r>
+            <a:r>
+              <a:rPr lang="en-US" dirty="0" err="1">
+                <a:latin typeface="Consolas" panose="020B0609020204030204" pitchFamily="49" charset="0"/>
+                <a:cs typeface="Consolas" panose="020B0609020204030204" pitchFamily="49" charset="0"/>
+              </a:rPr>
+              <a:t>game.input.mousePointer.isDown</a:t>
+            </a:r>
+            <a:r>
+              <a:rPr lang="en-US" dirty="0">
+                <a:latin typeface="Consolas" panose="020B0609020204030204" pitchFamily="49" charset="0"/>
+                <a:cs typeface="Consolas" panose="020B0609020204030204" pitchFamily="49" charset="0"/>
+              </a:rPr>
+              <a:t>) {</a:t>
+            </a:r>
+          </a:p>
+          <a:p>
+            <a:pPr marL="0" indent="0">
+              <a:lnSpc>
+                <a:spcPct val="120000"/>
+              </a:lnSpc>
+              <a:spcBef>
+                <a:spcPts val="0"/>
+              </a:spcBef>
+              <a:buNone/>
+            </a:pPr>
+            <a:r>
+              <a:rPr lang="en-US" dirty="0">
+                <a:latin typeface="Consolas" panose="020B0609020204030204" pitchFamily="49" charset="0"/>
+                <a:cs typeface="Consolas" panose="020B0609020204030204" pitchFamily="49" charset="0"/>
+              </a:rPr>
+              <a:t>	if (</a:t>
+            </a:r>
+            <a:r>
+              <a:rPr lang="en-US" dirty="0" err="1">
+                <a:latin typeface="Consolas" panose="020B0609020204030204" pitchFamily="49" charset="0"/>
+                <a:cs typeface="Consolas" panose="020B0609020204030204" pitchFamily="49" charset="0"/>
+              </a:rPr>
+              <a:t>game.input.mousePointer.x</a:t>
+            </a:r>
+            <a:r>
+              <a:rPr lang="en-US" dirty="0">
+                <a:latin typeface="Consolas" panose="020B0609020204030204" pitchFamily="49" charset="0"/>
+                <a:cs typeface="Consolas" panose="020B0609020204030204" pitchFamily="49" charset="0"/>
+              </a:rPr>
+              <a:t> &lt; </a:t>
+            </a:r>
+            <a:r>
+              <a:rPr lang="en-US" dirty="0" err="1">
+                <a:latin typeface="Consolas" panose="020B0609020204030204" pitchFamily="49" charset="0"/>
+                <a:cs typeface="Consolas" panose="020B0609020204030204" pitchFamily="49" charset="0"/>
+              </a:rPr>
+              <a:t>game.width</a:t>
+            </a:r>
+            <a:r>
+              <a:rPr lang="en-US" dirty="0">
+                <a:latin typeface="Consolas" panose="020B0609020204030204" pitchFamily="49" charset="0"/>
+                <a:cs typeface="Consolas" panose="020B0609020204030204" pitchFamily="49" charset="0"/>
+              </a:rPr>
+              <a:t>*0.5) {</a:t>
+            </a:r>
+          </a:p>
+          <a:p>
+            <a:pPr marL="0" indent="0">
+              <a:lnSpc>
+                <a:spcPct val="120000"/>
+              </a:lnSpc>
+              <a:spcBef>
+                <a:spcPts val="0"/>
+              </a:spcBef>
+              <a:buNone/>
+            </a:pPr>
+            <a:r>
+              <a:rPr lang="en-US" dirty="0">
+                <a:latin typeface="Consolas" panose="020B0609020204030204" pitchFamily="49" charset="0"/>
+                <a:cs typeface="Consolas" panose="020B0609020204030204" pitchFamily="49" charset="0"/>
+              </a:rPr>
+              <a:t>		</a:t>
+            </a:r>
+            <a:r>
+              <a:rPr lang="en-US" dirty="0" err="1">
+                <a:latin typeface="Consolas" panose="020B0609020204030204" pitchFamily="49" charset="0"/>
+                <a:cs typeface="Consolas" panose="020B0609020204030204" pitchFamily="49" charset="0"/>
+              </a:rPr>
+              <a:t>clickOnLeft</a:t>
+            </a:r>
+            <a:r>
+              <a:rPr lang="en-US" dirty="0">
+                <a:latin typeface="Consolas" panose="020B0609020204030204" pitchFamily="49" charset="0"/>
+                <a:cs typeface="Consolas" panose="020B0609020204030204" pitchFamily="49" charset="0"/>
+              </a:rPr>
+              <a:t> = true;</a:t>
+            </a:r>
+          </a:p>
+          <a:p>
+            <a:pPr marL="0" indent="0">
+              <a:lnSpc>
+                <a:spcPct val="120000"/>
+              </a:lnSpc>
+              <a:spcBef>
+                <a:spcPts val="0"/>
+              </a:spcBef>
+              <a:buNone/>
+            </a:pPr>
+            <a:r>
+              <a:rPr lang="en-US" dirty="0">
+                <a:latin typeface="Consolas" panose="020B0609020204030204" pitchFamily="49" charset="0"/>
+                <a:cs typeface="Consolas" panose="020B0609020204030204" pitchFamily="49" charset="0"/>
+              </a:rPr>
+              <a:t>	}</a:t>
+            </a:r>
+          </a:p>
+          <a:p>
+            <a:pPr marL="0" indent="0">
+              <a:lnSpc>
+                <a:spcPct val="120000"/>
+              </a:lnSpc>
+              <a:spcBef>
+                <a:spcPts val="0"/>
+              </a:spcBef>
+              <a:buNone/>
+            </a:pPr>
+            <a:r>
+              <a:rPr lang="en-US" dirty="0">
+                <a:latin typeface="Consolas" panose="020B0609020204030204" pitchFamily="49" charset="0"/>
+                <a:cs typeface="Consolas" panose="020B0609020204030204" pitchFamily="49" charset="0"/>
+              </a:rPr>
+              <a:t>	else if (</a:t>
+            </a:r>
+            <a:r>
+              <a:rPr lang="en-US" dirty="0" err="1">
+                <a:latin typeface="Consolas" panose="020B0609020204030204" pitchFamily="49" charset="0"/>
+                <a:cs typeface="Consolas" panose="020B0609020204030204" pitchFamily="49" charset="0"/>
+              </a:rPr>
+              <a:t>game.input.mousePointer.x</a:t>
+            </a:r>
+            <a:r>
+              <a:rPr lang="en-US" dirty="0">
+                <a:latin typeface="Consolas" panose="020B0609020204030204" pitchFamily="49" charset="0"/>
+                <a:cs typeface="Consolas" panose="020B0609020204030204" pitchFamily="49" charset="0"/>
+              </a:rPr>
+              <a:t> &gt; </a:t>
+            </a:r>
+            <a:r>
+              <a:rPr lang="en-US" dirty="0" err="1">
+                <a:latin typeface="Consolas" panose="020B0609020204030204" pitchFamily="49" charset="0"/>
+                <a:cs typeface="Consolas" panose="020B0609020204030204" pitchFamily="49" charset="0"/>
+              </a:rPr>
+              <a:t>game.width</a:t>
+            </a:r>
+            <a:r>
+              <a:rPr lang="en-US" dirty="0">
+                <a:latin typeface="Consolas" panose="020B0609020204030204" pitchFamily="49" charset="0"/>
+                <a:cs typeface="Consolas" panose="020B0609020204030204" pitchFamily="49" charset="0"/>
+              </a:rPr>
+              <a:t>*0.5) {</a:t>
+            </a:r>
+          </a:p>
+          <a:p>
+            <a:pPr marL="0" indent="0">
+              <a:lnSpc>
+                <a:spcPct val="120000"/>
+              </a:lnSpc>
+              <a:spcBef>
+                <a:spcPts val="0"/>
+              </a:spcBef>
+              <a:buNone/>
+            </a:pPr>
+            <a:r>
+              <a:rPr lang="en-US" dirty="0">
+                <a:latin typeface="Consolas" panose="020B0609020204030204" pitchFamily="49" charset="0"/>
+                <a:cs typeface="Consolas" panose="020B0609020204030204" pitchFamily="49" charset="0"/>
+              </a:rPr>
+              <a:t>		</a:t>
+            </a:r>
+            <a:r>
+              <a:rPr lang="en-US" dirty="0" err="1">
+                <a:latin typeface="Consolas" panose="020B0609020204030204" pitchFamily="49" charset="0"/>
+                <a:cs typeface="Consolas" panose="020B0609020204030204" pitchFamily="49" charset="0"/>
+              </a:rPr>
+              <a:t>clickOnRight</a:t>
+            </a:r>
+            <a:r>
+              <a:rPr lang="en-US" dirty="0">
+                <a:latin typeface="Consolas" panose="020B0609020204030204" pitchFamily="49" charset="0"/>
+                <a:cs typeface="Consolas" panose="020B0609020204030204" pitchFamily="49" charset="0"/>
+              </a:rPr>
+              <a:t> = true;</a:t>
+            </a:r>
+          </a:p>
+          <a:p>
+            <a:pPr marL="0" indent="0">
+              <a:lnSpc>
+                <a:spcPct val="120000"/>
+              </a:lnSpc>
+              <a:spcBef>
+                <a:spcPts val="0"/>
+              </a:spcBef>
+              <a:buNone/>
+            </a:pPr>
+            <a:r>
+              <a:rPr lang="en-US" dirty="0">
+                <a:latin typeface="Consolas" panose="020B0609020204030204" pitchFamily="49" charset="0"/>
+                <a:cs typeface="Consolas" panose="020B0609020204030204" pitchFamily="49" charset="0"/>
+              </a:rPr>
+              <a:t>	}</a:t>
+            </a:r>
+          </a:p>
+          <a:p>
+            <a:pPr marL="0" indent="0">
+              <a:lnSpc>
+                <a:spcPct val="120000"/>
+              </a:lnSpc>
+              <a:spcBef>
+                <a:spcPts val="0"/>
+              </a:spcBef>
+              <a:buNone/>
+            </a:pPr>
+            <a:endParaRPr lang="en-US" dirty="0">
+              <a:latin typeface="Consolas" panose="020B0609020204030204" pitchFamily="49" charset="0"/>
+              <a:cs typeface="Consolas" panose="020B0609020204030204" pitchFamily="49" charset="0"/>
+            </a:endParaRPr>
+          </a:p>
+          <a:p>
+            <a:pPr marL="0" indent="0">
+              <a:lnSpc>
+                <a:spcPct val="120000"/>
+              </a:lnSpc>
+              <a:spcBef>
+                <a:spcPts val="0"/>
+              </a:spcBef>
+              <a:buNone/>
+            </a:pPr>
+            <a:r>
+              <a:rPr lang="en-US" dirty="0">
+                <a:latin typeface="Consolas" panose="020B0609020204030204" pitchFamily="49" charset="0"/>
+                <a:cs typeface="Consolas" panose="020B0609020204030204" pitchFamily="49" charset="0"/>
+              </a:rPr>
+              <a:t>	if (</a:t>
+            </a:r>
+            <a:r>
+              <a:rPr lang="en-US" dirty="0" err="1">
+                <a:latin typeface="Consolas" panose="020B0609020204030204" pitchFamily="49" charset="0"/>
+                <a:cs typeface="Consolas" panose="020B0609020204030204" pitchFamily="49" charset="0"/>
+              </a:rPr>
+              <a:t>game.input.mousePointer.y</a:t>
+            </a:r>
+            <a:r>
+              <a:rPr lang="en-US" dirty="0">
+                <a:latin typeface="Consolas" panose="020B0609020204030204" pitchFamily="49" charset="0"/>
+                <a:cs typeface="Consolas" panose="020B0609020204030204" pitchFamily="49" charset="0"/>
+              </a:rPr>
+              <a:t> &lt; </a:t>
+            </a:r>
+            <a:r>
+              <a:rPr lang="en-US" dirty="0" err="1">
+                <a:latin typeface="Consolas" panose="020B0609020204030204" pitchFamily="49" charset="0"/>
+                <a:cs typeface="Consolas" panose="020B0609020204030204" pitchFamily="49" charset="0"/>
+              </a:rPr>
+              <a:t>game.height</a:t>
+            </a:r>
+            <a:r>
+              <a:rPr lang="en-US" dirty="0">
+                <a:latin typeface="Consolas" panose="020B0609020204030204" pitchFamily="49" charset="0"/>
+                <a:cs typeface="Consolas" panose="020B0609020204030204" pitchFamily="49" charset="0"/>
+              </a:rPr>
+              <a:t>*0.5) {</a:t>
+            </a:r>
+          </a:p>
+          <a:p>
+            <a:pPr marL="0" indent="0">
+              <a:lnSpc>
+                <a:spcPct val="120000"/>
+              </a:lnSpc>
+              <a:spcBef>
+                <a:spcPts val="0"/>
+              </a:spcBef>
+              <a:buNone/>
+            </a:pPr>
+            <a:r>
+              <a:rPr lang="en-US" dirty="0">
+                <a:latin typeface="Consolas" panose="020B0609020204030204" pitchFamily="49" charset="0"/>
+                <a:cs typeface="Consolas" panose="020B0609020204030204" pitchFamily="49" charset="0"/>
+              </a:rPr>
+              <a:t>		</a:t>
+            </a:r>
+            <a:r>
+              <a:rPr lang="en-US" dirty="0" err="1">
+                <a:latin typeface="Consolas" panose="020B0609020204030204" pitchFamily="49" charset="0"/>
+                <a:cs typeface="Consolas" panose="020B0609020204030204" pitchFamily="49" charset="0"/>
+              </a:rPr>
+              <a:t>clickOnTop</a:t>
+            </a:r>
+            <a:r>
+              <a:rPr lang="en-US" dirty="0">
+                <a:latin typeface="Consolas" panose="020B0609020204030204" pitchFamily="49" charset="0"/>
+                <a:cs typeface="Consolas" panose="020B0609020204030204" pitchFamily="49" charset="0"/>
+              </a:rPr>
+              <a:t> = true;</a:t>
+            </a:r>
+          </a:p>
+          <a:p>
+            <a:pPr marL="0" indent="0">
+              <a:lnSpc>
+                <a:spcPct val="120000"/>
+              </a:lnSpc>
+              <a:spcBef>
+                <a:spcPts val="0"/>
+              </a:spcBef>
+              <a:buNone/>
+            </a:pPr>
+            <a:r>
+              <a:rPr lang="en-US" dirty="0">
+                <a:latin typeface="Consolas" panose="020B0609020204030204" pitchFamily="49" charset="0"/>
+                <a:cs typeface="Consolas" panose="020B0609020204030204" pitchFamily="49" charset="0"/>
+              </a:rPr>
+              <a:t>	}</a:t>
+            </a:r>
+          </a:p>
+          <a:p>
+            <a:pPr marL="0" indent="0">
+              <a:lnSpc>
+                <a:spcPct val="120000"/>
+              </a:lnSpc>
+              <a:spcBef>
+                <a:spcPts val="0"/>
+              </a:spcBef>
+              <a:buNone/>
+            </a:pPr>
+            <a:r>
+              <a:rPr lang="en-US" dirty="0" smtClean="0">
+                <a:latin typeface="Consolas" panose="020B0609020204030204" pitchFamily="49" charset="0"/>
+                <a:cs typeface="Consolas" panose="020B0609020204030204" pitchFamily="49" charset="0"/>
+              </a:rPr>
+              <a:t>}</a:t>
+            </a:r>
+          </a:p>
+          <a:p>
+            <a:pPr marL="0" indent="0">
+              <a:lnSpc>
+                <a:spcPct val="120000"/>
+              </a:lnSpc>
+              <a:spcBef>
+                <a:spcPts val="0"/>
+              </a:spcBef>
+              <a:buNone/>
+            </a:pPr>
+            <a:endParaRPr lang="en-US" dirty="0">
+              <a:latin typeface="Consolas" panose="020B0609020204030204" pitchFamily="49" charset="0"/>
+              <a:cs typeface="Consolas" panose="020B0609020204030204" pitchFamily="49" charset="0"/>
+            </a:endParaRPr>
+          </a:p>
           <a:p>
             <a:pPr>
               <a:lnSpc>
@@ -10351,119 +11031,35 @@
               </a:spcBef>
             </a:pPr>
             <a:r>
-              <a:rPr lang="en-US" dirty="0" smtClean="0">
-                <a:cs typeface="Consolas" panose="020B0609020204030204" pitchFamily="49" charset="0"/>
-              </a:rPr>
-              <a:t>Supports 10 pointers (= fingers)!</a:t>
-            </a:r>
-          </a:p>
-          <a:p>
-            <a:pPr>
-              <a:lnSpc>
-                <a:spcPct val="120000"/>
-              </a:lnSpc>
-              <a:spcBef>
-                <a:spcPts val="0"/>
-              </a:spcBef>
-            </a:pPr>
-            <a:r>
-              <a:rPr lang="en-US" dirty="0" smtClean="0">
-                <a:cs typeface="Consolas" panose="020B0609020204030204" pitchFamily="49" charset="0"/>
-              </a:rPr>
-              <a:t>Two pointers are already available</a:t>
-            </a:r>
-          </a:p>
-          <a:p>
-            <a:pPr>
-              <a:lnSpc>
-                <a:spcPct val="120000"/>
-              </a:lnSpc>
-              <a:spcBef>
-                <a:spcPts val="0"/>
-              </a:spcBef>
-            </a:pPr>
-            <a:r>
-              <a:rPr lang="en-US" dirty="0" smtClean="0">
-                <a:cs typeface="Consolas" panose="020B0609020204030204" pitchFamily="49" charset="0"/>
-              </a:rPr>
-              <a:t>Add another pointer</a:t>
-            </a:r>
-          </a:p>
-          <a:p>
-            <a:pPr marL="457200" lvl="1" indent="0">
-              <a:lnSpc>
-                <a:spcPct val="120000"/>
-              </a:lnSpc>
-              <a:spcBef>
-                <a:spcPts val="0"/>
-              </a:spcBef>
-              <a:buNone/>
-            </a:pPr>
-            <a:r>
-              <a:rPr lang="en-US" sz="2000" dirty="0" err="1" smtClean="0">
-                <a:latin typeface="Consolas" panose="020B0609020204030204" pitchFamily="49" charset="0"/>
-                <a:cs typeface="Consolas" panose="020B0609020204030204" pitchFamily="49" charset="0"/>
-              </a:rPr>
-              <a:t>game.input.addPointer</a:t>
-            </a:r>
-            <a:r>
-              <a:rPr lang="en-US" sz="2000" dirty="0" smtClean="0">
-                <a:latin typeface="Consolas" panose="020B0609020204030204" pitchFamily="49" charset="0"/>
-                <a:cs typeface="Consolas" panose="020B0609020204030204" pitchFamily="49" charset="0"/>
-              </a:rPr>
-              <a:t>();</a:t>
-            </a:r>
-          </a:p>
-          <a:p>
-            <a:pPr>
-              <a:lnSpc>
-                <a:spcPct val="120000"/>
-              </a:lnSpc>
-              <a:spcBef>
-                <a:spcPts val="0"/>
-              </a:spcBef>
-            </a:pPr>
-            <a:r>
-              <a:rPr lang="en-US" dirty="0" smtClean="0">
-                <a:cs typeface="Consolas" panose="020B0609020204030204" pitchFamily="49" charset="0"/>
-              </a:rPr>
-              <a:t>Read different pointers</a:t>
-            </a:r>
-          </a:p>
-          <a:p>
-            <a:pPr marL="457200" lvl="1" indent="0">
-              <a:lnSpc>
-                <a:spcPct val="120000"/>
-              </a:lnSpc>
-              <a:spcBef>
-                <a:spcPts val="0"/>
-              </a:spcBef>
-              <a:buNone/>
-            </a:pPr>
-            <a:r>
-              <a:rPr lang="en-US" sz="2000" dirty="0" smtClean="0">
-                <a:latin typeface="Consolas" panose="020B0609020204030204" pitchFamily="49" charset="0"/>
-                <a:cs typeface="Consolas" panose="020B0609020204030204" pitchFamily="49" charset="0"/>
-              </a:rPr>
-              <a:t>game.input.pointer3;</a:t>
-            </a:r>
-            <a:r>
-              <a:rPr lang="en-US" dirty="0" smtClean="0">
-                <a:cs typeface="Consolas" panose="020B0609020204030204" pitchFamily="49" charset="0"/>
-              </a:rPr>
-              <a:t> or </a:t>
-            </a:r>
-            <a:r>
-              <a:rPr lang="en-US" sz="2000" dirty="0" smtClean="0">
-                <a:latin typeface="Consolas" panose="020B0609020204030204" pitchFamily="49" charset="0"/>
-                <a:cs typeface="Consolas" panose="020B0609020204030204" pitchFamily="49" charset="0"/>
-              </a:rPr>
-              <a:t>game.input.pointer4;</a:t>
-            </a:r>
-            <a:endParaRPr lang="en-US" sz="2000" dirty="0">
-              <a:latin typeface="Consolas" panose="020B0609020204030204" pitchFamily="49" charset="0"/>
-              <a:cs typeface="Consolas" panose="020B0609020204030204" pitchFamily="49" charset="0"/>
-            </a:endParaRPr>
+              <a:rPr lang="en-US" sz="5100" dirty="0" smtClean="0">
+                <a:cs typeface="Consolas" panose="020B0609020204030204" pitchFamily="49" charset="0"/>
+              </a:rPr>
+              <a:t>Swap </a:t>
+            </a:r>
+            <a:r>
+              <a:rPr lang="en-US" sz="5100" dirty="0" err="1" smtClean="0">
+                <a:cs typeface="Consolas" panose="020B0609020204030204" pitchFamily="49" charset="0"/>
+              </a:rPr>
+              <a:t>mousePointer</a:t>
+            </a:r>
+            <a:r>
+              <a:rPr lang="en-US" sz="5100" dirty="0" smtClean="0">
+                <a:cs typeface="Consolas" panose="020B0609020204030204" pitchFamily="49" charset="0"/>
+              </a:rPr>
+              <a:t> with </a:t>
+            </a:r>
+            <a:r>
+              <a:rPr lang="en-US" sz="5100" dirty="0" err="1" smtClean="0">
+                <a:cs typeface="Consolas" panose="020B0609020204030204" pitchFamily="49" charset="0"/>
+              </a:rPr>
+              <a:t>activePointer</a:t>
+            </a:r>
+            <a:r>
+              <a:rPr lang="en-US" sz="5100" dirty="0" smtClean="0">
+                <a:cs typeface="Consolas" panose="020B0609020204030204" pitchFamily="49" charset="0"/>
+              </a:rPr>
+              <a:t> to capture any active pointer (works with mouse and touch inputs)</a:t>
+            </a:r>
           </a:p>
         </p:txBody>
       </p:sp>
@@ -10529,7 +11125,7 @@
     </p:spTree>
     <p:extLst>
       <p:ext uri="{BB962C8B-B14F-4D97-AF65-F5344CB8AC3E}">
-        <p14:creationId xmlns:p14="http://schemas.microsoft.com/office/powerpoint/2010/main" val="1177716729"/>
+        <p14:creationId xmlns:p14="http://schemas.microsoft.com/office/powerpoint/2010/main" val="4174560926"/>
       </p:ext>
     </p:extLst>
   </p:cSld>
@@ -10583,7 +11179,7 @@
             <a:pPr algn="ctr"/>
             <a:r>
               <a:rPr lang="en-US" sz="4000" dirty="0" smtClean="0"/>
-              <a:t>Input: Gamepad</a:t>
+              <a:t>Input: Multi-touch</a:t>
             </a:r>
             <a:endParaRPr lang="en-US" sz="4000" dirty="0"/>
           </a:p>
@@ -10602,114 +11198,59 @@
         <p:spPr/>
         <p:txBody>
           <a:bodyPr>
-            <a:noAutofit/>
+            <a:normAutofit/>
           </a:bodyPr>
           <a:lstStyle/>
           <a:p>
-            <a:pPr marL="0" indent="0">
+            <a:pPr>
               <a:lnSpc>
                 <a:spcPct val="120000"/>
               </a:lnSpc>
               <a:spcBef>
                 <a:spcPts val="0"/>
               </a:spcBef>
-              <a:buNone/>
             </a:pPr>
             <a:r>
-              <a:rPr lang="en-US" sz="1400" dirty="0">
-                <a:latin typeface="Consolas" panose="020B0609020204030204" pitchFamily="49" charset="0"/>
-                <a:cs typeface="Consolas" panose="020B0609020204030204" pitchFamily="49" charset="0"/>
-              </a:rPr>
-              <a:t>f</a:t>
-            </a:r>
-            <a:r>
-              <a:rPr lang="en-US" sz="1400" dirty="0" smtClean="0">
-                <a:latin typeface="Consolas" panose="020B0609020204030204" pitchFamily="49" charset="0"/>
-                <a:cs typeface="Consolas" panose="020B0609020204030204" pitchFamily="49" charset="0"/>
-              </a:rPr>
-              <a:t>unction create</a:t>
-            </a:r>
-            <a:r>
-              <a:rPr lang="en-US" sz="1400" dirty="0">
-                <a:latin typeface="Consolas" panose="020B0609020204030204" pitchFamily="49" charset="0"/>
-                <a:cs typeface="Consolas" panose="020B0609020204030204" pitchFamily="49" charset="0"/>
-              </a:rPr>
-              <a:t>() </a:t>
-            </a:r>
-            <a:r>
-              <a:rPr lang="en-US" sz="1400" dirty="0" smtClean="0">
-                <a:latin typeface="Consolas" panose="020B0609020204030204" pitchFamily="49" charset="0"/>
-                <a:cs typeface="Consolas" panose="020B0609020204030204" pitchFamily="49" charset="0"/>
-              </a:rPr>
-              <a:t>{</a:t>
-            </a:r>
-          </a:p>
-          <a:p>
-            <a:pPr marL="0" indent="0">
+              <a:rPr lang="en-US" dirty="0" smtClean="0">
+                <a:cs typeface="Consolas" panose="020B0609020204030204" pitchFamily="49" charset="0"/>
+              </a:rPr>
+              <a:t>Supports 10 pointers (= fingers)!</a:t>
+            </a:r>
+          </a:p>
+          <a:p>
+            <a:pPr>
               <a:lnSpc>
                 <a:spcPct val="120000"/>
               </a:lnSpc>
               <a:spcBef>
                 <a:spcPts val="0"/>
               </a:spcBef>
-              <a:buNone/>
             </a:pPr>
             <a:r>
-              <a:rPr lang="en-US" sz="1400" dirty="0" smtClean="0">
-                <a:latin typeface="Consolas" panose="020B0609020204030204" pitchFamily="49" charset="0"/>
-                <a:cs typeface="Consolas" panose="020B0609020204030204" pitchFamily="49" charset="0"/>
-              </a:rPr>
-              <a:t>	</a:t>
-            </a:r>
-            <a:r>
-              <a:rPr lang="en-US" sz="1400" dirty="0" err="1" smtClean="0">
-                <a:latin typeface="Consolas" panose="020B0609020204030204" pitchFamily="49" charset="0"/>
-                <a:cs typeface="Consolas" panose="020B0609020204030204" pitchFamily="49" charset="0"/>
-              </a:rPr>
-              <a:t>game.input.gamepad.start</a:t>
-            </a:r>
-            <a:r>
-              <a:rPr lang="en-US" sz="1400" dirty="0">
-                <a:latin typeface="Consolas" panose="020B0609020204030204" pitchFamily="49" charset="0"/>
-                <a:cs typeface="Consolas" panose="020B0609020204030204" pitchFamily="49" charset="0"/>
-              </a:rPr>
-              <a:t>();</a:t>
-            </a:r>
-          </a:p>
-          <a:p>
-            <a:pPr marL="0" indent="0">
+              <a:rPr lang="en-US" dirty="0" smtClean="0">
+                <a:cs typeface="Consolas" panose="020B0609020204030204" pitchFamily="49" charset="0"/>
+              </a:rPr>
+              <a:t>Two pointers are already available</a:t>
+            </a:r>
+          </a:p>
+          <a:p>
+            <a:pPr>
               <a:lnSpc>
                 <a:spcPct val="120000"/>
               </a:lnSpc>
               <a:spcBef>
                 <a:spcPts val="0"/>
               </a:spcBef>
-              <a:buNone/>
             </a:pPr>
             <a:r>
-              <a:rPr lang="en-US" sz="1400" dirty="0" smtClean="0">
-                <a:latin typeface="Consolas" panose="020B0609020204030204" pitchFamily="49" charset="0"/>
-                <a:cs typeface="Consolas" panose="020B0609020204030204" pitchFamily="49" charset="0"/>
-              </a:rPr>
-              <a:t>	pad1 </a:t>
-            </a:r>
-            <a:r>
-              <a:rPr lang="en-US" sz="1400" dirty="0">
-                <a:latin typeface="Consolas" panose="020B0609020204030204" pitchFamily="49" charset="0"/>
-                <a:cs typeface="Consolas" panose="020B0609020204030204" pitchFamily="49" charset="0"/>
-              </a:rPr>
-              <a:t>= game.input.gamepad.pad1</a:t>
-            </a:r>
-            <a:r>
-              <a:rPr lang="en-US" sz="1400" dirty="0" smtClean="0">
-                <a:latin typeface="Consolas" panose="020B0609020204030204" pitchFamily="49" charset="0"/>
-                <a:cs typeface="Consolas" panose="020B0609020204030204" pitchFamily="49" charset="0"/>
-              </a:rPr>
-              <a:t>;</a:t>
-            </a:r>
-          </a:p>
-          <a:p>
-            <a:pPr marL="0" indent="0">
+              <a:rPr lang="en-US" dirty="0" smtClean="0">
+                <a:cs typeface="Consolas" panose="020B0609020204030204" pitchFamily="49" charset="0"/>
+              </a:rPr>
+              <a:t>Add another pointer</a:t>
+            </a:r>
+          </a:p>
+          <a:p>
+            <a:pPr marL="457200" lvl="1" indent="0">
               <a:lnSpc>
                 <a:spcPct val="120000"/>
               </a:lnSpc>
@@ -10719,40 +11260,38 @@
               <a:buNone/>
             </a:pPr>
             <a:r>
-              <a:rPr lang="en-US" sz="1400" dirty="0" smtClean="0">
-                <a:latin typeface="Consolas" panose="020B0609020204030204" pitchFamily="49" charset="0"/>
-                <a:cs typeface="Consolas" panose="020B0609020204030204" pitchFamily="49" charset="0"/>
-              </a:rPr>
-              <a:t>}</a:t>
-            </a:r>
-          </a:p>
-          <a:p>
-            <a:pPr marL="0" indent="0">
+              <a:rPr lang="en-US" sz="2000" dirty="0" err="1" smtClean="0">
+                <a:latin typeface="Consolas" panose="020B0609020204030204" pitchFamily="49" charset="0"/>
+                <a:cs typeface="Consolas" panose="020B0609020204030204" pitchFamily="49" charset="0"/>
+              </a:rPr>
+              <a:t>game.input.addPointer</a:t>
+            </a:r>
+            <a:r>
+              <a:rPr lang="en-US" sz="2000" dirty="0" smtClean="0">
+                <a:latin typeface="Consolas" panose="020B0609020204030204" pitchFamily="49" charset="0"/>
+                <a:cs typeface="Consolas" panose="020B0609020204030204" pitchFamily="49" charset="0"/>
+              </a:rPr>
+              <a:t>();</a:t>
+            </a:r>
+          </a:p>
+          <a:p>
+            <a:pPr>
               <a:lnSpc>
                 <a:spcPct val="120000"/>
               </a:lnSpc>
               <a:spcBef>
                 <a:spcPts val="0"/>
               </a:spcBef>
-              <a:buNone/>
             </a:pPr>
             <a:r>
-              <a:rPr lang="en-US" sz="1400" dirty="0">
-                <a:latin typeface="Consolas" panose="020B0609020204030204" pitchFamily="49" charset="0"/>
-                <a:cs typeface="Consolas" panose="020B0609020204030204" pitchFamily="49" charset="0"/>
-              </a:rPr>
-              <a:t>f</a:t>
-            </a:r>
-            <a:r>
-              <a:rPr lang="en-US" sz="1400" dirty="0" smtClean="0">
-                <a:latin typeface="Consolas" panose="020B0609020204030204" pitchFamily="49" charset="0"/>
-                <a:cs typeface="Consolas" panose="020B0609020204030204" pitchFamily="49" charset="0"/>
-              </a:rPr>
-              <a:t>unction update() {</a:t>
-            </a:r>
-          </a:p>
-          <a:p>
-            <a:pPr marL="0" indent="0">
+              <a:rPr lang="en-US" dirty="0" smtClean="0">
+                <a:cs typeface="Consolas" panose="020B0609020204030204" pitchFamily="49" charset="0"/>
+              </a:rPr>
+              <a:t>Read different pointers</a:t>
+            </a:r>
+          </a:p>
+          <a:p>
+            <a:pPr marL="457200" lvl="1" indent="0">
               <a:lnSpc>
                 <a:spcPct val="120000"/>
               </a:lnSpc>
@@ -10762,315 +11301,29 @@
               <a:buNone/>
             </a:pPr>
             <a:r>
-              <a:rPr lang="en-US" sz="1400" dirty="0" smtClean="0">
-                <a:latin typeface="Consolas" panose="020B0609020204030204" pitchFamily="49" charset="0"/>
-                <a:cs typeface="Consolas" panose="020B0609020204030204" pitchFamily="49" charset="0"/>
-              </a:rPr>
-              <a:t>	if </a:t>
-            </a:r>
-            <a:r>
-              <a:rPr lang="en-US" sz="1400" dirty="0">
-                <a:latin typeface="Consolas" panose="020B0609020204030204" pitchFamily="49" charset="0"/>
-                <a:cs typeface="Consolas" panose="020B0609020204030204" pitchFamily="49" charset="0"/>
-              </a:rPr>
-              <a:t>(</a:t>
-            </a:r>
-            <a:r>
-              <a:rPr lang="en-US" sz="1400" dirty="0" err="1" smtClean="0">
-                <a:latin typeface="Consolas" panose="020B0609020204030204" pitchFamily="49" charset="0"/>
-                <a:cs typeface="Consolas" panose="020B0609020204030204" pitchFamily="49" charset="0"/>
-              </a:rPr>
-              <a:t>game.input.gamepad.supported</a:t>
-            </a:r>
-            <a:r>
-              <a:rPr lang="en-US" sz="1400" dirty="0" smtClean="0">
-                <a:latin typeface="Consolas" panose="020B0609020204030204" pitchFamily="49" charset="0"/>
-                <a:cs typeface="Consolas" panose="020B0609020204030204" pitchFamily="49" charset="0"/>
-              </a:rPr>
-              <a:t> </a:t>
-            </a:r>
-          </a:p>
-          <a:p>
-            <a:pPr marL="0" indent="0">
-              <a:lnSpc>
-                <a:spcPct val="120000"/>
-              </a:lnSpc>
-              <a:spcBef>
-                <a:spcPts val="0"/>
-              </a:spcBef>
-              <a:buNone/>
-            </a:pPr>
-            <a:r>
-              <a:rPr lang="en-US" sz="1400" dirty="0" smtClean="0">
-                <a:latin typeface="Consolas" panose="020B0609020204030204" pitchFamily="49" charset="0"/>
-                <a:cs typeface="Consolas" panose="020B0609020204030204" pitchFamily="49" charset="0"/>
-              </a:rPr>
-              <a:t>		&amp;&amp; </a:t>
-            </a:r>
-            <a:r>
-              <a:rPr lang="en-US" sz="1400" dirty="0" err="1" smtClean="0">
-                <a:latin typeface="Consolas" panose="020B0609020204030204" pitchFamily="49" charset="0"/>
-                <a:cs typeface="Consolas" panose="020B0609020204030204" pitchFamily="49" charset="0"/>
-              </a:rPr>
-              <a:t>game.input.gamepad.active</a:t>
-            </a:r>
-            <a:r>
-              <a:rPr lang="en-US" sz="1400" dirty="0" smtClean="0">
-                <a:latin typeface="Consolas" panose="020B0609020204030204" pitchFamily="49" charset="0"/>
-                <a:cs typeface="Consolas" panose="020B0609020204030204" pitchFamily="49" charset="0"/>
-              </a:rPr>
-              <a:t> </a:t>
-            </a:r>
-          </a:p>
-          <a:p>
-            <a:pPr marL="0" indent="0">
-              <a:lnSpc>
-                <a:spcPct val="120000"/>
-              </a:lnSpc>
-              <a:spcBef>
-                <a:spcPts val="0"/>
-              </a:spcBef>
-              <a:buNone/>
-            </a:pPr>
-            <a:r>
-              <a:rPr lang="en-US" sz="1400" dirty="0" smtClean="0">
-                <a:latin typeface="Consolas" panose="020B0609020204030204" pitchFamily="49" charset="0"/>
-                <a:cs typeface="Consolas" panose="020B0609020204030204" pitchFamily="49" charset="0"/>
-              </a:rPr>
-              <a:t>		&amp;&amp; pad1.connected</a:t>
-            </a:r>
-            <a:r>
-              <a:rPr lang="en-US" sz="1400" dirty="0">
-                <a:latin typeface="Consolas" panose="020B0609020204030204" pitchFamily="49" charset="0"/>
-                <a:cs typeface="Consolas" panose="020B0609020204030204" pitchFamily="49" charset="0"/>
-              </a:rPr>
-              <a:t>) </a:t>
-            </a:r>
-            <a:r>
-              <a:rPr lang="en-US" sz="1400" dirty="0" smtClean="0">
-                <a:latin typeface="Consolas" panose="020B0609020204030204" pitchFamily="49" charset="0"/>
-                <a:cs typeface="Consolas" panose="020B0609020204030204" pitchFamily="49" charset="0"/>
-              </a:rPr>
-              <a:t>{</a:t>
-            </a:r>
-          </a:p>
-          <a:p>
-            <a:pPr marL="0" indent="0">
-              <a:lnSpc>
-                <a:spcPct val="120000"/>
-              </a:lnSpc>
-              <a:spcBef>
-                <a:spcPts val="0"/>
-              </a:spcBef>
-              <a:buNone/>
-            </a:pPr>
-            <a:r>
-              <a:rPr lang="en-US" sz="1400" dirty="0">
-                <a:latin typeface="Consolas" panose="020B0609020204030204" pitchFamily="49" charset="0"/>
-                <a:cs typeface="Consolas" panose="020B0609020204030204" pitchFamily="49" charset="0"/>
-              </a:rPr>
-              <a:t>	</a:t>
-            </a:r>
-            <a:r>
-              <a:rPr lang="en-US" sz="1400" dirty="0" smtClean="0">
-                <a:latin typeface="Consolas" panose="020B0609020204030204" pitchFamily="49" charset="0"/>
-                <a:cs typeface="Consolas" panose="020B0609020204030204" pitchFamily="49" charset="0"/>
-              </a:rPr>
-              <a:t>	//play with gamepad!</a:t>
-            </a:r>
-          </a:p>
-          <a:p>
-            <a:pPr marL="0" indent="0">
-              <a:lnSpc>
-                <a:spcPct val="120000"/>
-              </a:lnSpc>
-              <a:spcBef>
-                <a:spcPts val="0"/>
-              </a:spcBef>
-              <a:buNone/>
-            </a:pPr>
-            <a:r>
-              <a:rPr lang="en-US" sz="1400" dirty="0" smtClean="0">
-                <a:latin typeface="Consolas" panose="020B0609020204030204" pitchFamily="49" charset="0"/>
-                <a:cs typeface="Consolas" panose="020B0609020204030204" pitchFamily="49" charset="0"/>
-              </a:rPr>
-              <a:t>		if </a:t>
-            </a:r>
-            <a:r>
-              <a:rPr lang="en-US" sz="1400" dirty="0">
-                <a:latin typeface="Consolas" panose="020B0609020204030204" pitchFamily="49" charset="0"/>
-                <a:cs typeface="Consolas" panose="020B0609020204030204" pitchFamily="49" charset="0"/>
-              </a:rPr>
-              <a:t>(pad1.isDown(Phaser.Gamepad.XBOX360_DPAD_LEFT)) { … }</a:t>
-            </a:r>
-          </a:p>
-          <a:p>
-            <a:pPr marL="0" indent="0">
-              <a:lnSpc>
-                <a:spcPct val="120000"/>
-              </a:lnSpc>
-              <a:spcBef>
-                <a:spcPts val="0"/>
-              </a:spcBef>
-              <a:buNone/>
-            </a:pPr>
-            <a:r>
-              <a:rPr lang="en-US" sz="1400" dirty="0" smtClean="0">
-                <a:latin typeface="Consolas" panose="020B0609020204030204" pitchFamily="49" charset="0"/>
-                <a:cs typeface="Consolas" panose="020B0609020204030204" pitchFamily="49" charset="0"/>
-              </a:rPr>
-              <a:t>		if </a:t>
-            </a:r>
-            <a:r>
-              <a:rPr lang="en-US" sz="1400" dirty="0">
-                <a:latin typeface="Consolas" panose="020B0609020204030204" pitchFamily="49" charset="0"/>
-                <a:cs typeface="Consolas" panose="020B0609020204030204" pitchFamily="49" charset="0"/>
-              </a:rPr>
-              <a:t>(pad1.axis(Phaser.Gamepad.XBOX360_STICK_LEFT_X)) { … }</a:t>
-            </a:r>
-          </a:p>
-          <a:p>
-            <a:pPr marL="0" indent="0">
-              <a:lnSpc>
-                <a:spcPct val="120000"/>
-              </a:lnSpc>
-              <a:spcBef>
-                <a:spcPts val="0"/>
-              </a:spcBef>
-              <a:buNone/>
-            </a:pPr>
-            <a:r>
-              <a:rPr lang="en-US" sz="1400" dirty="0" smtClean="0">
-                <a:latin typeface="Consolas" panose="020B0609020204030204" pitchFamily="49" charset="0"/>
-                <a:cs typeface="Consolas" panose="020B0609020204030204" pitchFamily="49" charset="0"/>
-              </a:rPr>
-              <a:t>		if </a:t>
-            </a:r>
-            <a:r>
-              <a:rPr lang="en-US" sz="1400" dirty="0">
-                <a:latin typeface="Consolas" panose="020B0609020204030204" pitchFamily="49" charset="0"/>
-                <a:cs typeface="Consolas" panose="020B0609020204030204" pitchFamily="49" charset="0"/>
-              </a:rPr>
-              <a:t>(pad1.justPressed(Phaser.Gamepad.XBOX360_A)) { … </a:t>
-            </a:r>
-            <a:r>
-              <a:rPr lang="en-US" sz="1400" dirty="0" smtClean="0">
-                <a:latin typeface="Consolas" panose="020B0609020204030204" pitchFamily="49" charset="0"/>
-                <a:cs typeface="Consolas" panose="020B0609020204030204" pitchFamily="49" charset="0"/>
-              </a:rPr>
-              <a:t>}</a:t>
-            </a:r>
-          </a:p>
-          <a:p>
-            <a:pPr marL="0" indent="0">
-              <a:lnSpc>
-                <a:spcPct val="120000"/>
-              </a:lnSpc>
-              <a:spcBef>
-                <a:spcPts val="0"/>
-              </a:spcBef>
-              <a:buNone/>
-            </a:pPr>
-            <a:r>
-              <a:rPr lang="en-US" sz="1400" dirty="0" smtClean="0">
-                <a:latin typeface="Consolas" panose="020B0609020204030204" pitchFamily="49" charset="0"/>
-                <a:cs typeface="Consolas" panose="020B0609020204030204" pitchFamily="49" charset="0"/>
-              </a:rPr>
-              <a:t>	}</a:t>
-            </a:r>
-          </a:p>
-          <a:p>
-            <a:pPr marL="0" indent="0">
-              <a:lnSpc>
-                <a:spcPct val="120000"/>
-              </a:lnSpc>
-              <a:spcBef>
-                <a:spcPts val="0"/>
-              </a:spcBef>
-              <a:buNone/>
-            </a:pPr>
-            <a:r>
-              <a:rPr lang="en-US" sz="1400" dirty="0">
-                <a:latin typeface="Consolas" panose="020B0609020204030204" pitchFamily="49" charset="0"/>
-                <a:cs typeface="Consolas" panose="020B0609020204030204" pitchFamily="49" charset="0"/>
-              </a:rPr>
-              <a:t>	</a:t>
-            </a:r>
-            <a:r>
-              <a:rPr lang="en-US" sz="1400" dirty="0" smtClean="0">
-                <a:latin typeface="Consolas" panose="020B0609020204030204" pitchFamily="49" charset="0"/>
-                <a:cs typeface="Consolas" panose="020B0609020204030204" pitchFamily="49" charset="0"/>
-              </a:rPr>
-              <a:t>else {</a:t>
-            </a:r>
-          </a:p>
-          <a:p>
-            <a:pPr marL="0" indent="0">
-              <a:lnSpc>
-                <a:spcPct val="120000"/>
-              </a:lnSpc>
-              <a:spcBef>
-                <a:spcPts val="0"/>
-              </a:spcBef>
-              <a:buNone/>
-            </a:pPr>
-            <a:r>
-              <a:rPr lang="en-US" sz="1400" dirty="0">
-                <a:latin typeface="Consolas" panose="020B0609020204030204" pitchFamily="49" charset="0"/>
-                <a:cs typeface="Consolas" panose="020B0609020204030204" pitchFamily="49" charset="0"/>
-              </a:rPr>
-              <a:t>		</a:t>
-            </a:r>
-            <a:r>
-              <a:rPr lang="en-US" sz="1400" dirty="0" smtClean="0">
-                <a:latin typeface="Consolas" panose="020B0609020204030204" pitchFamily="49" charset="0"/>
-                <a:cs typeface="Consolas" panose="020B0609020204030204" pitchFamily="49" charset="0"/>
-              </a:rPr>
-              <a:t>//play with boring keyboard!</a:t>
-            </a:r>
-          </a:p>
-          <a:p>
-            <a:pPr marL="0" indent="0">
-              <a:lnSpc>
-                <a:spcPct val="120000"/>
-              </a:lnSpc>
-              <a:spcBef>
-                <a:spcPts val="0"/>
-              </a:spcBef>
-              <a:buNone/>
-            </a:pPr>
-            <a:r>
-              <a:rPr lang="en-US" sz="1400" dirty="0">
-                <a:latin typeface="Consolas" panose="020B0609020204030204" pitchFamily="49" charset="0"/>
-                <a:cs typeface="Consolas" panose="020B0609020204030204" pitchFamily="49" charset="0"/>
-              </a:rPr>
-              <a:t>	</a:t>
-            </a:r>
-            <a:r>
-              <a:rPr lang="en-US" sz="1400" dirty="0" smtClean="0">
-                <a:latin typeface="Consolas" panose="020B0609020204030204" pitchFamily="49" charset="0"/>
-                <a:cs typeface="Consolas" panose="020B0609020204030204" pitchFamily="49" charset="0"/>
-              </a:rPr>
-              <a:t>}</a:t>
-            </a:r>
-          </a:p>
-          <a:p>
-            <a:pPr marL="0" indent="0">
-              <a:lnSpc>
-                <a:spcPct val="120000"/>
-              </a:lnSpc>
-              <a:spcBef>
-                <a:spcPts val="0"/>
-              </a:spcBef>
-              <a:buNone/>
-            </a:pPr>
-            <a:r>
-              <a:rPr lang="en-US" sz="1400" dirty="0" smtClean="0">
-                <a:latin typeface="Consolas" panose="020B0609020204030204" pitchFamily="49" charset="0"/>
-                <a:cs typeface="Consolas" panose="020B0609020204030204" pitchFamily="49" charset="0"/>
-              </a:rPr>
-              <a:t>}</a:t>
-            </a:r>
+              <a:rPr lang="en-US" sz="2000" dirty="0" smtClean="0">
+                <a:latin typeface="Consolas" panose="020B0609020204030204" pitchFamily="49" charset="0"/>
+                <a:cs typeface="Consolas" panose="020B0609020204030204" pitchFamily="49" charset="0"/>
+              </a:rPr>
+              <a:t>game.input.pointer3;</a:t>
+            </a:r>
+            <a:r>
+              <a:rPr lang="en-US" dirty="0" smtClean="0">
+                <a:cs typeface="Consolas" panose="020B0609020204030204" pitchFamily="49" charset="0"/>
+              </a:rPr>
+              <a:t> or </a:t>
+            </a:r>
+            <a:r>
+              <a:rPr lang="en-US" sz="2000" dirty="0" smtClean="0">
+                <a:latin typeface="Consolas" panose="020B0609020204030204" pitchFamily="49" charset="0"/>
+                <a:cs typeface="Consolas" panose="020B0609020204030204" pitchFamily="49" charset="0"/>
+              </a:rPr>
+              <a:t>game.input.pointer4;</a:t>
+            </a:r>
+            <a:endParaRPr lang="en-US" sz="2000" dirty="0">
+              <a:latin typeface="Consolas" panose="020B0609020204030204" pitchFamily="49" charset="0"/>
+              <a:cs typeface="Consolas" panose="020B0609020204030204" pitchFamily="49" charset="0"/>
+            </a:endParaRPr>
           </a:p>
         </p:txBody>
       </p:sp>
@@ -11136,7 +11389,7 @@
     </p:spTree>
     <p:extLst>
       <p:ext uri="{BB962C8B-B14F-4D97-AF65-F5344CB8AC3E}">
-        <p14:creationId xmlns:p14="http://schemas.microsoft.com/office/powerpoint/2010/main" val="1566433481"/>
+        <p14:creationId xmlns:p14="http://schemas.microsoft.com/office/powerpoint/2010/main" val="1177716729"/>
       </p:ext>
     </p:extLst>
   </p:cSld>
@@ -11189,10 +11442,495 @@
           <a:p>
             <a:pPr algn="ctr"/>
             <a:r>
-              <a:rPr lang="en-GB" sz="4000" dirty="0"/>
-              <a:t>Dissecting the mummy</a:t>
+              <a:rPr lang="en-US" sz="4000" dirty="0" smtClean="0"/>
+              <a:t>Input: Gamepad</a:t>
             </a:r>
             <a:endParaRPr lang="en-US" sz="4000" dirty="0"/>
+          </a:p>
+        </p:txBody>
+      </p:sp>
+      <p:sp>
+        <p:nvSpPr>
+          <p:cNvPr id="3" name="Segnaposto contenuto 2"/>
+          <p:cNvSpPr>
+            <a:spLocks noGrp="1"/>
+          </p:cNvSpPr>
+          <p:nvPr>
+            <p:ph idx="1"/>
+          </p:nvPr>
+        </p:nvSpPr>
+        <p:spPr/>
+        <p:txBody>
+          <a:bodyPr>
+            <a:noAutofit/>
+          </a:bodyPr>
+          <a:lstStyle/>
+          <a:p>
+            <a:pPr marL="0" indent="0">
+              <a:lnSpc>
+                <a:spcPct val="120000"/>
+              </a:lnSpc>
+              <a:spcBef>
+                <a:spcPts val="0"/>
+              </a:spcBef>
+              <a:buNone/>
+            </a:pPr>
+            <a:r>
+              <a:rPr lang="en-US" sz="1400" dirty="0">
+                <a:latin typeface="Consolas" panose="020B0609020204030204" pitchFamily="49" charset="0"/>
+                <a:cs typeface="Consolas" panose="020B0609020204030204" pitchFamily="49" charset="0"/>
+              </a:rPr>
+              <a:t>f</a:t>
+            </a:r>
+            <a:r>
+              <a:rPr lang="en-US" sz="1400" dirty="0" smtClean="0">
+                <a:latin typeface="Consolas" panose="020B0609020204030204" pitchFamily="49" charset="0"/>
+                <a:cs typeface="Consolas" panose="020B0609020204030204" pitchFamily="49" charset="0"/>
+              </a:rPr>
+              <a:t>unction create</a:t>
+            </a:r>
+            <a:r>
+              <a:rPr lang="en-US" sz="1400" dirty="0">
+                <a:latin typeface="Consolas" panose="020B0609020204030204" pitchFamily="49" charset="0"/>
+                <a:cs typeface="Consolas" panose="020B0609020204030204" pitchFamily="49" charset="0"/>
+              </a:rPr>
+              <a:t>() </a:t>
+            </a:r>
+            <a:r>
+              <a:rPr lang="en-US" sz="1400" dirty="0" smtClean="0">
+                <a:latin typeface="Consolas" panose="020B0609020204030204" pitchFamily="49" charset="0"/>
+                <a:cs typeface="Consolas" panose="020B0609020204030204" pitchFamily="49" charset="0"/>
+              </a:rPr>
+              <a:t>{</a:t>
+            </a:r>
+          </a:p>
+          <a:p>
+            <a:pPr marL="0" indent="0">
+              <a:lnSpc>
+                <a:spcPct val="120000"/>
+              </a:lnSpc>
+              <a:spcBef>
+                <a:spcPts val="0"/>
+              </a:spcBef>
+              <a:buNone/>
+            </a:pPr>
+            <a:r>
+              <a:rPr lang="en-US" sz="1400" dirty="0" smtClean="0">
+                <a:latin typeface="Consolas" panose="020B0609020204030204" pitchFamily="49" charset="0"/>
+                <a:cs typeface="Consolas" panose="020B0609020204030204" pitchFamily="49" charset="0"/>
+              </a:rPr>
+              <a:t>	</a:t>
+            </a:r>
+            <a:r>
+              <a:rPr lang="en-US" sz="1400" dirty="0" err="1" smtClean="0">
+                <a:latin typeface="Consolas" panose="020B0609020204030204" pitchFamily="49" charset="0"/>
+                <a:cs typeface="Consolas" panose="020B0609020204030204" pitchFamily="49" charset="0"/>
+              </a:rPr>
+              <a:t>game.input.gamepad.start</a:t>
+            </a:r>
+            <a:r>
+              <a:rPr lang="en-US" sz="1400" dirty="0">
+                <a:latin typeface="Consolas" panose="020B0609020204030204" pitchFamily="49" charset="0"/>
+                <a:cs typeface="Consolas" panose="020B0609020204030204" pitchFamily="49" charset="0"/>
+              </a:rPr>
+              <a:t>();</a:t>
+            </a:r>
+          </a:p>
+          <a:p>
+            <a:pPr marL="0" indent="0">
+              <a:lnSpc>
+                <a:spcPct val="120000"/>
+              </a:lnSpc>
+              <a:spcBef>
+                <a:spcPts val="0"/>
+              </a:spcBef>
+              <a:buNone/>
+            </a:pPr>
+            <a:r>
+              <a:rPr lang="en-US" sz="1400" dirty="0" smtClean="0">
+                <a:latin typeface="Consolas" panose="020B0609020204030204" pitchFamily="49" charset="0"/>
+                <a:cs typeface="Consolas" panose="020B0609020204030204" pitchFamily="49" charset="0"/>
+              </a:rPr>
+              <a:t>	pad1 </a:t>
+            </a:r>
+            <a:r>
+              <a:rPr lang="en-US" sz="1400" dirty="0">
+                <a:latin typeface="Consolas" panose="020B0609020204030204" pitchFamily="49" charset="0"/>
+                <a:cs typeface="Consolas" panose="020B0609020204030204" pitchFamily="49" charset="0"/>
+              </a:rPr>
+              <a:t>= game.input.gamepad.pad1</a:t>
+            </a:r>
+            <a:r>
+              <a:rPr lang="en-US" sz="1400" dirty="0" smtClean="0">
+                <a:latin typeface="Consolas" panose="020B0609020204030204" pitchFamily="49" charset="0"/>
+                <a:cs typeface="Consolas" panose="020B0609020204030204" pitchFamily="49" charset="0"/>
+              </a:rPr>
+              <a:t>;</a:t>
+            </a:r>
+          </a:p>
+          <a:p>
+            <a:pPr marL="0" indent="0">
+              <a:lnSpc>
+                <a:spcPct val="120000"/>
+              </a:lnSpc>
+              <a:spcBef>
+                <a:spcPts val="0"/>
+              </a:spcBef>
+              <a:buNone/>
+            </a:pPr>
+            <a:r>
+              <a:rPr lang="en-US" sz="1400" dirty="0" smtClean="0">
+                <a:latin typeface="Consolas" panose="020B0609020204030204" pitchFamily="49" charset="0"/>
+                <a:cs typeface="Consolas" panose="020B0609020204030204" pitchFamily="49" charset="0"/>
+              </a:rPr>
+              <a:t>}</a:t>
+            </a:r>
+          </a:p>
+          <a:p>
+            <a:pPr marL="0" indent="0">
+              <a:lnSpc>
+                <a:spcPct val="120000"/>
+              </a:lnSpc>
+              <a:spcBef>
+                <a:spcPts val="0"/>
+              </a:spcBef>
+              <a:buNone/>
+            </a:pPr>
+            <a:r>
+              <a:rPr lang="en-US" sz="1400" dirty="0">
+                <a:latin typeface="Consolas" panose="020B0609020204030204" pitchFamily="49" charset="0"/>
+                <a:cs typeface="Consolas" panose="020B0609020204030204" pitchFamily="49" charset="0"/>
+              </a:rPr>
+              <a:t>f</a:t>
+            </a:r>
+            <a:r>
+              <a:rPr lang="en-US" sz="1400" dirty="0" smtClean="0">
+                <a:latin typeface="Consolas" panose="020B0609020204030204" pitchFamily="49" charset="0"/>
+                <a:cs typeface="Consolas" panose="020B0609020204030204" pitchFamily="49" charset="0"/>
+              </a:rPr>
+              <a:t>unction update() {</a:t>
+            </a:r>
+          </a:p>
+          <a:p>
+            <a:pPr marL="0" indent="0">
+              <a:lnSpc>
+                <a:spcPct val="120000"/>
+              </a:lnSpc>
+              <a:spcBef>
+                <a:spcPts val="0"/>
+              </a:spcBef>
+              <a:buNone/>
+            </a:pPr>
+            <a:r>
+              <a:rPr lang="en-US" sz="1400" dirty="0" smtClean="0">
+                <a:latin typeface="Consolas" panose="020B0609020204030204" pitchFamily="49" charset="0"/>
+                <a:cs typeface="Consolas" panose="020B0609020204030204" pitchFamily="49" charset="0"/>
+              </a:rPr>
+              <a:t>	if </a:t>
+            </a:r>
+            <a:r>
+              <a:rPr lang="en-US" sz="1400" dirty="0">
+                <a:latin typeface="Consolas" panose="020B0609020204030204" pitchFamily="49" charset="0"/>
+                <a:cs typeface="Consolas" panose="020B0609020204030204" pitchFamily="49" charset="0"/>
+              </a:rPr>
+              <a:t>(</a:t>
+            </a:r>
+            <a:r>
+              <a:rPr lang="en-US" sz="1400" dirty="0" err="1" smtClean="0">
+                <a:latin typeface="Consolas" panose="020B0609020204030204" pitchFamily="49" charset="0"/>
+                <a:cs typeface="Consolas" panose="020B0609020204030204" pitchFamily="49" charset="0"/>
+              </a:rPr>
+              <a:t>game.input.gamepad.supported</a:t>
+            </a:r>
+            <a:r>
+              <a:rPr lang="en-US" sz="1400" dirty="0" smtClean="0">
+                <a:latin typeface="Consolas" panose="020B0609020204030204" pitchFamily="49" charset="0"/>
+                <a:cs typeface="Consolas" panose="020B0609020204030204" pitchFamily="49" charset="0"/>
+              </a:rPr>
+              <a:t> </a:t>
+            </a:r>
+          </a:p>
+          <a:p>
+            <a:pPr marL="0" indent="0">
+              <a:lnSpc>
+                <a:spcPct val="120000"/>
+              </a:lnSpc>
+              <a:spcBef>
+                <a:spcPts val="0"/>
+              </a:spcBef>
+              <a:buNone/>
+            </a:pPr>
+            <a:r>
+              <a:rPr lang="en-US" sz="1400" dirty="0" smtClean="0">
+                <a:latin typeface="Consolas" panose="020B0609020204030204" pitchFamily="49" charset="0"/>
+                <a:cs typeface="Consolas" panose="020B0609020204030204" pitchFamily="49" charset="0"/>
+              </a:rPr>
+              <a:t>		&amp;&amp; </a:t>
+            </a:r>
+            <a:r>
+              <a:rPr lang="en-US" sz="1400" dirty="0" err="1" smtClean="0">
+                <a:latin typeface="Consolas" panose="020B0609020204030204" pitchFamily="49" charset="0"/>
+                <a:cs typeface="Consolas" panose="020B0609020204030204" pitchFamily="49" charset="0"/>
+              </a:rPr>
+              <a:t>game.input.gamepad.active</a:t>
+            </a:r>
+            <a:r>
+              <a:rPr lang="en-US" sz="1400" dirty="0" smtClean="0">
+                <a:latin typeface="Consolas" panose="020B0609020204030204" pitchFamily="49" charset="0"/>
+                <a:cs typeface="Consolas" panose="020B0609020204030204" pitchFamily="49" charset="0"/>
+              </a:rPr>
+              <a:t> </a:t>
+            </a:r>
+          </a:p>
+          <a:p>
+            <a:pPr marL="0" indent="0">
+              <a:lnSpc>
+                <a:spcPct val="120000"/>
+              </a:lnSpc>
+              <a:spcBef>
+                <a:spcPts val="0"/>
+              </a:spcBef>
+              <a:buNone/>
+            </a:pPr>
+            <a:r>
+              <a:rPr lang="en-US" sz="1400" dirty="0" smtClean="0">
+                <a:latin typeface="Consolas" panose="020B0609020204030204" pitchFamily="49" charset="0"/>
+                <a:cs typeface="Consolas" panose="020B0609020204030204" pitchFamily="49" charset="0"/>
+              </a:rPr>
+              <a:t>		&amp;&amp; pad1.connected</a:t>
+            </a:r>
+            <a:r>
+              <a:rPr lang="en-US" sz="1400" dirty="0">
+                <a:latin typeface="Consolas" panose="020B0609020204030204" pitchFamily="49" charset="0"/>
+                <a:cs typeface="Consolas" panose="020B0609020204030204" pitchFamily="49" charset="0"/>
+              </a:rPr>
+              <a:t>) </a:t>
+            </a:r>
+            <a:r>
+              <a:rPr lang="en-US" sz="1400" dirty="0" smtClean="0">
+                <a:latin typeface="Consolas" panose="020B0609020204030204" pitchFamily="49" charset="0"/>
+                <a:cs typeface="Consolas" panose="020B0609020204030204" pitchFamily="49" charset="0"/>
+              </a:rPr>
+              <a:t>{</a:t>
+            </a:r>
+          </a:p>
+          <a:p>
+            <a:pPr marL="0" indent="0">
+              <a:lnSpc>
+                <a:spcPct val="120000"/>
+              </a:lnSpc>
+              <a:spcBef>
+                <a:spcPts val="0"/>
+              </a:spcBef>
+              <a:buNone/>
+            </a:pPr>
+            <a:r>
+              <a:rPr lang="en-US" sz="1400" dirty="0">
+                <a:latin typeface="Consolas" panose="020B0609020204030204" pitchFamily="49" charset="0"/>
+                <a:cs typeface="Consolas" panose="020B0609020204030204" pitchFamily="49" charset="0"/>
+              </a:rPr>
+              <a:t>	</a:t>
+            </a:r>
+            <a:r>
+              <a:rPr lang="en-US" sz="1400" dirty="0" smtClean="0">
+                <a:latin typeface="Consolas" panose="020B0609020204030204" pitchFamily="49" charset="0"/>
+                <a:cs typeface="Consolas" panose="020B0609020204030204" pitchFamily="49" charset="0"/>
+              </a:rPr>
+              <a:t>	//play with gamepad!</a:t>
+            </a:r>
+          </a:p>
+          <a:p>
+            <a:pPr marL="0" indent="0">
+              <a:lnSpc>
+                <a:spcPct val="120000"/>
+              </a:lnSpc>
+              <a:spcBef>
+                <a:spcPts val="0"/>
+              </a:spcBef>
+              <a:buNone/>
+            </a:pPr>
+            <a:r>
+              <a:rPr lang="en-US" sz="1400" dirty="0" smtClean="0">
+                <a:latin typeface="Consolas" panose="020B0609020204030204" pitchFamily="49" charset="0"/>
+                <a:cs typeface="Consolas" panose="020B0609020204030204" pitchFamily="49" charset="0"/>
+              </a:rPr>
+              <a:t>		if </a:t>
+            </a:r>
+            <a:r>
+              <a:rPr lang="en-US" sz="1400" dirty="0">
+                <a:latin typeface="Consolas" panose="020B0609020204030204" pitchFamily="49" charset="0"/>
+                <a:cs typeface="Consolas" panose="020B0609020204030204" pitchFamily="49" charset="0"/>
+              </a:rPr>
+              <a:t>(pad1.isDown(Phaser.Gamepad.XBOX360_DPAD_LEFT)) { … }</a:t>
+            </a:r>
+          </a:p>
+          <a:p>
+            <a:pPr marL="0" indent="0">
+              <a:lnSpc>
+                <a:spcPct val="120000"/>
+              </a:lnSpc>
+              <a:spcBef>
+                <a:spcPts val="0"/>
+              </a:spcBef>
+              <a:buNone/>
+            </a:pPr>
+            <a:r>
+              <a:rPr lang="en-US" sz="1400" dirty="0" smtClean="0">
+                <a:latin typeface="Consolas" panose="020B0609020204030204" pitchFamily="49" charset="0"/>
+                <a:cs typeface="Consolas" panose="020B0609020204030204" pitchFamily="49" charset="0"/>
+              </a:rPr>
+              <a:t>		if </a:t>
+            </a:r>
+            <a:r>
+              <a:rPr lang="en-US" sz="1400" dirty="0">
+                <a:latin typeface="Consolas" panose="020B0609020204030204" pitchFamily="49" charset="0"/>
+                <a:cs typeface="Consolas" panose="020B0609020204030204" pitchFamily="49" charset="0"/>
+              </a:rPr>
+              <a:t>(pad1.axis(Phaser.Gamepad.XBOX360_STICK_LEFT_X)) { … }</a:t>
+            </a:r>
+          </a:p>
+          <a:p>
+            <a:pPr marL="0" indent="0">
+              <a:lnSpc>
+                <a:spcPct val="120000"/>
+              </a:lnSpc>
+              <a:spcBef>
+                <a:spcPts val="0"/>
+              </a:spcBef>
+              <a:buNone/>
+            </a:pPr>
+            <a:r>
+              <a:rPr lang="en-US" sz="1400" dirty="0" smtClean="0">
+                <a:latin typeface="Consolas" panose="020B0609020204030204" pitchFamily="49" charset="0"/>
+                <a:cs typeface="Consolas" panose="020B0609020204030204" pitchFamily="49" charset="0"/>
+              </a:rPr>
+              <a:t>		if </a:t>
+            </a:r>
+            <a:r>
+              <a:rPr lang="en-US" sz="1400" dirty="0">
+                <a:latin typeface="Consolas" panose="020B0609020204030204" pitchFamily="49" charset="0"/>
+                <a:cs typeface="Consolas" panose="020B0609020204030204" pitchFamily="49" charset="0"/>
+              </a:rPr>
+              <a:t>(pad1.justPressed(Phaser.Gamepad.XBOX360_A)) { … </a:t>
+            </a:r>
+            <a:r>
+              <a:rPr lang="en-US" sz="1400" dirty="0" smtClean="0">
+                <a:latin typeface="Consolas" panose="020B0609020204030204" pitchFamily="49" charset="0"/>
+                <a:cs typeface="Consolas" panose="020B0609020204030204" pitchFamily="49" charset="0"/>
+              </a:rPr>
+              <a:t>}</a:t>
+            </a:r>
+          </a:p>
+          <a:p>
+            <a:pPr marL="0" indent="0">
+              <a:lnSpc>
+                <a:spcPct val="120000"/>
+              </a:lnSpc>
+              <a:spcBef>
+                <a:spcPts val="0"/>
+              </a:spcBef>
+              <a:buNone/>
+            </a:pPr>
+            <a:r>
+              <a:rPr lang="en-US" sz="1400" dirty="0" smtClean="0">
+                <a:latin typeface="Consolas" panose="020B0609020204030204" pitchFamily="49" charset="0"/>
+                <a:cs typeface="Consolas" panose="020B0609020204030204" pitchFamily="49" charset="0"/>
+              </a:rPr>
+              <a:t>	}</a:t>
+            </a:r>
+          </a:p>
+          <a:p>
+            <a:pPr marL="0" indent="0">
+              <a:lnSpc>
+                <a:spcPct val="120000"/>
+              </a:lnSpc>
+              <a:spcBef>
+                <a:spcPts val="0"/>
+              </a:spcBef>
+              <a:buNone/>
+            </a:pPr>
+            <a:r>
+              <a:rPr lang="en-US" sz="1400" dirty="0">
+                <a:latin typeface="Consolas" panose="020B0609020204030204" pitchFamily="49" charset="0"/>
+                <a:cs typeface="Consolas" panose="020B0609020204030204" pitchFamily="49" charset="0"/>
+              </a:rPr>
+              <a:t>	</a:t>
+            </a:r>
+            <a:r>
+              <a:rPr lang="en-US" sz="1400" dirty="0" smtClean="0">
+                <a:latin typeface="Consolas" panose="020B0609020204030204" pitchFamily="49" charset="0"/>
+                <a:cs typeface="Consolas" panose="020B0609020204030204" pitchFamily="49" charset="0"/>
+              </a:rPr>
+              <a:t>else {</a:t>
+            </a:r>
+          </a:p>
+          <a:p>
+            <a:pPr marL="0" indent="0">
+              <a:lnSpc>
+                <a:spcPct val="120000"/>
+              </a:lnSpc>
+              <a:spcBef>
+                <a:spcPts val="0"/>
+              </a:spcBef>
+              <a:buNone/>
+            </a:pPr>
+            <a:r>
+              <a:rPr lang="en-US" sz="1400" dirty="0">
+                <a:latin typeface="Consolas" panose="020B0609020204030204" pitchFamily="49" charset="0"/>
+                <a:cs typeface="Consolas" panose="020B0609020204030204" pitchFamily="49" charset="0"/>
+              </a:rPr>
+              <a:t>		</a:t>
+            </a:r>
+            <a:r>
+              <a:rPr lang="en-US" sz="1400" dirty="0" smtClean="0">
+                <a:latin typeface="Consolas" panose="020B0609020204030204" pitchFamily="49" charset="0"/>
+                <a:cs typeface="Consolas" panose="020B0609020204030204" pitchFamily="49" charset="0"/>
+              </a:rPr>
+              <a:t>//play with boring keyboard!</a:t>
+            </a:r>
+          </a:p>
+          <a:p>
+            <a:pPr marL="0" indent="0">
+              <a:lnSpc>
+                <a:spcPct val="120000"/>
+              </a:lnSpc>
+              <a:spcBef>
+                <a:spcPts val="0"/>
+              </a:spcBef>
+              <a:buNone/>
+            </a:pPr>
+            <a:r>
+              <a:rPr lang="en-US" sz="1400" dirty="0">
+                <a:latin typeface="Consolas" panose="020B0609020204030204" pitchFamily="49" charset="0"/>
+                <a:cs typeface="Consolas" panose="020B0609020204030204" pitchFamily="49" charset="0"/>
+              </a:rPr>
+              <a:t>	</a:t>
+            </a:r>
+            <a:r>
+              <a:rPr lang="en-US" sz="1400" dirty="0" smtClean="0">
+                <a:latin typeface="Consolas" panose="020B0609020204030204" pitchFamily="49" charset="0"/>
+                <a:cs typeface="Consolas" panose="020B0609020204030204" pitchFamily="49" charset="0"/>
+              </a:rPr>
+              <a:t>}</a:t>
+            </a:r>
+          </a:p>
+          <a:p>
+            <a:pPr marL="0" indent="0">
+              <a:lnSpc>
+                <a:spcPct val="120000"/>
+              </a:lnSpc>
+              <a:spcBef>
+                <a:spcPts val="0"/>
+              </a:spcBef>
+              <a:buNone/>
+            </a:pPr>
+            <a:r>
+              <a:rPr lang="en-US" sz="1400" dirty="0" smtClean="0">
+                <a:latin typeface="Consolas" panose="020B0609020204030204" pitchFamily="49" charset="0"/>
+                <a:cs typeface="Consolas" panose="020B0609020204030204" pitchFamily="49" charset="0"/>
+              </a:rPr>
+              <a:t>}</a:t>
+            </a:r>
           </a:p>
         </p:txBody>
       </p:sp>
@@ -11250,6 +11988,128 @@
             <a:fld id="{219C0E88-5C08-45F5-BD91-E93F425D2D58}" type="slidenum">
               <a:rPr lang="it-IT" smtClean="0"/>
               <a:t>25</a:t>
+            </a:fld>
+            <a:endParaRPr lang="it-IT" dirty="0"/>
+          </a:p>
+        </p:txBody>
+      </p:sp>
+    </p:spTree>
+    <p:extLst>
+      <p:ext uri="{BB962C8B-B14F-4D97-AF65-F5344CB8AC3E}">
+        <p14:creationId xmlns:p14="http://schemas.microsoft.com/office/powerpoint/2010/main" val="1566433481"/>
+      </p:ext>
+    </p:extLst>
+  </p:cSld>
+  <p:clrMapOvr>
+    <a:masterClrMapping/>
+  </p:clrMapOvr>
+  <p:timing>
+    <p:tnLst>
+      <p:par>
+        <p:cTn id="1" dur="indefinite" restart="never" nodeType="tmRoot"/>
+      </p:par>
+    </p:tnLst>
+  </p:timing>
+</p:sld>
+</file>
+
+<file path=ppt/slides/slide26.xml><?xml version="1.0" encoding="utf-8"?>
+<p:sld xmlns:a="http://schemas.openxmlformats.org/drawingml/2006/main" xmlns:r="http://schemas.openxmlformats.org/officeDocument/2006/relationships" xmlns:p="http://schemas.openxmlformats.org/presentationml/2006/main">
+  <p:cSld>
+    <p:spTree>
+      <p:nvGrpSpPr>
+        <p:cNvPr id="1" name=""/>
+        <p:cNvGrpSpPr/>
+        <p:nvPr/>
+      </p:nvGrpSpPr>
+      <p:grpSpPr>
+        <a:xfrm>
+          <a:off x="0" y="0"/>
+          <a:ext cx="0" cy="0"/>
+          <a:chOff x="0" y="0"/>
+          <a:chExt cx="0" cy="0"/>
+        </a:xfrm>
+      </p:grpSpPr>
+      <p:sp>
+        <p:nvSpPr>
+          <p:cNvPr id="2" name="Titolo 1"/>
+          <p:cNvSpPr>
+            <a:spLocks noGrp="1"/>
+          </p:cNvSpPr>
+          <p:nvPr>
+            <p:ph type="title"/>
+          </p:nvPr>
+        </p:nvSpPr>
+        <p:spPr/>
+        <p:txBody>
+          <a:bodyPr>
+            <a:normAutofit/>
+          </a:bodyPr>
+          <a:lstStyle/>
+          <a:p>
+            <a:pPr algn="ctr"/>
+            <a:r>
+              <a:rPr lang="en-GB" sz="4000" dirty="0"/>
+              <a:t>Dissecting the mummy</a:t>
+            </a:r>
+            <a:endParaRPr lang="en-US" sz="4000" dirty="0"/>
+          </a:p>
+        </p:txBody>
+      </p:sp>
+      <p:sp>
+        <p:nvSpPr>
+          <p:cNvPr id="4" name="Segnaposto data 3"/>
+          <p:cNvSpPr>
+            <a:spLocks noGrp="1"/>
+          </p:cNvSpPr>
+          <p:nvPr>
+            <p:ph type="dt" sz="half" idx="10"/>
+          </p:nvPr>
+        </p:nvSpPr>
+        <p:spPr>
+          <a:xfrm>
+            <a:off x="539552" y="115094"/>
+            <a:ext cx="3233886" cy="365125"/>
+          </a:xfrm>
+        </p:spPr>
+        <p:txBody>
+          <a:bodyPr/>
+          <a:lstStyle/>
+          <a:p>
+            <a:r>
+              <a:rPr lang="en-US" b="1" i="1" smtClean="0">
+                <a:solidFill>
+                  <a:schemeClr val="bg1"/>
+                </a:solidFill>
+              </a:rPr>
+              <a:t>ROME  11-12 april 2014 – Valerio Riva</a:t>
+            </a:r>
+            <a:endParaRPr lang="it-IT" b="1" i="1" dirty="0">
+              <a:solidFill>
+                <a:schemeClr val="bg1"/>
+              </a:solidFill>
+            </a:endParaRPr>
+          </a:p>
+        </p:txBody>
+      </p:sp>
+      <p:sp>
+        <p:nvSpPr>
+          <p:cNvPr id="5" name="Segnaposto numero diapositiva 4"/>
+          <p:cNvSpPr>
+            <a:spLocks noGrp="1"/>
+          </p:cNvSpPr>
+          <p:nvPr>
+            <p:ph type="sldNum" sz="quarter" idx="12"/>
+          </p:nvPr>
+        </p:nvSpPr>
+        <p:spPr/>
+        <p:txBody>
+          <a:bodyPr/>
+          <a:lstStyle/>
+          <a:p>
+            <a:fld id="{219C0E88-5C08-45F5-BD91-E93F425D2D58}" type="slidenum">
+              <a:rPr lang="it-IT" smtClean="0"/>
+              <a:t>26</a:t>
             </a:fld>
             <a:endParaRPr lang="it-IT" dirty="0"/>
           </a:p>
@@ -11304,7 +12164,7 @@
 </p:sld>
 </file>
 
-<file path=ppt/slides/slide26.xml><?xml version="1.0" encoding="utf-8"?>
+<file path=ppt/slides/slide27.xml><?xml version="1.0" encoding="utf-8"?>
 <p:sld xmlns:a="http://schemas.openxmlformats.org/drawingml/2006/main" xmlns:r="http://schemas.openxmlformats.org/officeDocument/2006/relationships" xmlns:p="http://schemas.openxmlformats.org/presentationml/2006/main">
   <p:cSld>
     <p:spTree>
@@ -11521,7 +12381,7 @@
           <a:p>
             <a:fld id="{219C0E88-5C08-45F5-BD91-E93F425D2D58}" type="slidenum">
               <a:rPr lang="it-IT" smtClean="0"/>
-              <a:t>26</a:t>
+              <a:t>27</a:t>
             </a:fld>
             <a:endParaRPr lang="it-IT" dirty="0"/>
           </a:p>
@@ -11531,369 +12391,6 @@
     <p:extLst>
       <p:ext uri="{BB962C8B-B14F-4D97-AF65-F5344CB8AC3E}">
         <p14:creationId xmlns:p14="http://schemas.microsoft.com/office/powerpoint/2010/main" val="1906874276"/>
-      </p:ext>
-    </p:extLst>
-  </p:cSld>
-  <p:clrMapOvr>
-    <a:masterClrMapping/>
-  </p:clrMapOvr>
-  <p:timing>
-    <p:tnLst>
-      <p:par>
-        <p:cTn id="1" dur="indefinite" restart="never" nodeType="tmRoot"/>
-      </p:par>
-    </p:tnLst>
-  </p:timing>
-</p:sld>
-</file>
-
-<file path=ppt/slides/slide27.xml><?xml version="1.0" encoding="utf-8"?>
-<p:sld xmlns:a="http://schemas.openxmlformats.org/drawingml/2006/main" xmlns:r="http://schemas.openxmlformats.org/officeDocument/2006/relationships" xmlns:p="http://schemas.openxmlformats.org/presentationml/2006/main" showMasterSp="0">
-  <p:cSld>
-    <p:spTree>
-      <p:nvGrpSpPr>
-        <p:cNvPr id="1" name=""/>
-        <p:cNvGrpSpPr/>
-        <p:nvPr/>
-      </p:nvGrpSpPr>
-      <p:grpSpPr>
-        <a:xfrm>
-          <a:off x="0" y="0"/>
-          <a:ext cx="0" cy="0"/>
-          <a:chOff x="0" y="0"/>
-          <a:chExt cx="0" cy="0"/>
-        </a:xfrm>
-      </p:grpSpPr>
-      <p:sp>
-        <p:nvSpPr>
-          <p:cNvPr id="2" name="Titolo 1"/>
-          <p:cNvSpPr>
-            <a:spLocks noGrp="1"/>
-          </p:cNvSpPr>
-          <p:nvPr>
-            <p:ph type="title"/>
-          </p:nvPr>
-        </p:nvSpPr>
-        <p:spPr/>
-        <p:txBody>
-          <a:bodyPr/>
-          <a:lstStyle/>
-          <a:p>
-            <a:pPr algn="ctr"/>
-            <a:r>
-              <a:rPr lang="en-US" dirty="0" smtClean="0"/>
-              <a:t>Deployment</a:t>
-            </a:r>
-            <a:endParaRPr lang="en-US" dirty="0"/>
-          </a:p>
-        </p:txBody>
-      </p:sp>
-      <p:sp>
-        <p:nvSpPr>
-          <p:cNvPr id="6" name="Segnaposto testo 5"/>
-          <p:cNvSpPr>
-            <a:spLocks noGrp="1"/>
-          </p:cNvSpPr>
-          <p:nvPr>
-            <p:ph type="body" idx="1"/>
-          </p:nvPr>
-        </p:nvSpPr>
-        <p:spPr>
-          <a:xfrm>
-            <a:off x="630238" y="1681163"/>
-            <a:ext cx="3868737" cy="379685"/>
-          </a:xfrm>
-        </p:spPr>
-        <p:txBody>
-          <a:bodyPr>
-            <a:normAutofit fontScale="92500" lnSpcReduction="10000"/>
-          </a:bodyPr>
-          <a:lstStyle/>
-          <a:p>
-            <a:r>
-              <a:rPr lang="en-GB" dirty="0" smtClean="0"/>
-              <a:t>Web</a:t>
-            </a:r>
-            <a:endParaRPr lang="en-GB" dirty="0"/>
-          </a:p>
-        </p:txBody>
-      </p:sp>
-      <p:sp>
-        <p:nvSpPr>
-          <p:cNvPr id="7" name="Segnaposto contenuto 6"/>
-          <p:cNvSpPr>
-            <a:spLocks noGrp="1"/>
-          </p:cNvSpPr>
-          <p:nvPr>
-            <p:ph sz="half" idx="2"/>
-          </p:nvPr>
-        </p:nvSpPr>
-        <p:spPr>
-          <a:xfrm>
-            <a:off x="630239" y="2060848"/>
-            <a:ext cx="3797746" cy="4128815"/>
-          </a:xfrm>
-        </p:spPr>
-        <p:txBody>
-          <a:bodyPr/>
-          <a:lstStyle/>
-          <a:p>
-            <a:r>
-              <a:rPr lang="en-GB" dirty="0" smtClean="0"/>
-              <a:t>Any hosting!</a:t>
-            </a:r>
-          </a:p>
-          <a:p>
-            <a:r>
-              <a:rPr lang="en-GB" dirty="0" smtClean="0"/>
-              <a:t>Game portals</a:t>
-            </a:r>
-          </a:p>
-          <a:p>
-            <a:pPr lvl="1"/>
-            <a:r>
-              <a:rPr lang="en-GB" sz="2000" dirty="0">
-                <a:hlinkClick r:id="rId2"/>
-              </a:rPr>
-              <a:t>http://</a:t>
-            </a:r>
-            <a:r>
-              <a:rPr lang="en-GB" sz="2000" dirty="0" smtClean="0">
-                <a:hlinkClick r:id="rId2"/>
-              </a:rPr>
-              <a:t>www.gamepix.com</a:t>
-            </a:r>
-            <a:endParaRPr lang="en-GB" sz="2000" dirty="0"/>
-          </a:p>
-          <a:p>
-            <a:pPr lvl="1"/>
-            <a:r>
-              <a:rPr lang="en-GB" sz="2000" dirty="0" smtClean="0">
-                <a:hlinkClick r:id="rId3"/>
-              </a:rPr>
-              <a:t>http://kongregate.com</a:t>
-            </a:r>
-            <a:endParaRPr lang="en-GB" sz="2000" dirty="0" smtClean="0"/>
-          </a:p>
-          <a:p>
-            <a:pPr lvl="1"/>
-            <a:r>
-              <a:rPr lang="en-GB" sz="2000" dirty="0">
-                <a:hlinkClick r:id="rId4"/>
-              </a:rPr>
-              <a:t>http://</a:t>
-            </a:r>
-            <a:r>
-              <a:rPr lang="en-GB" sz="2000" dirty="0" smtClean="0">
-                <a:hlinkClick r:id="rId4"/>
-              </a:rPr>
-              <a:t>armorgames.com</a:t>
-            </a:r>
-            <a:endParaRPr lang="en-GB" sz="2000" dirty="0" smtClean="0"/>
-          </a:p>
-          <a:p>
-            <a:pPr lvl="1"/>
-            <a:r>
-              <a:rPr lang="en-GB" sz="2000" dirty="0">
-                <a:hlinkClick r:id="rId5"/>
-              </a:rPr>
-              <a:t>http</a:t>
-            </a:r>
-            <a:r>
-              <a:rPr lang="en-GB" sz="2000" dirty="0" smtClean="0">
-                <a:hlinkClick r:id="rId5"/>
-              </a:rPr>
-              <a:t>://newgrounds.com</a:t>
-            </a:r>
-            <a:endParaRPr lang="en-GB" sz="2000" dirty="0" smtClean="0"/>
-          </a:p>
-          <a:p>
-            <a:endParaRPr lang="en-GB" dirty="0" smtClean="0"/>
-          </a:p>
-          <a:p>
-            <a:pPr marL="0" indent="0">
-              <a:buNone/>
-            </a:pPr>
-            <a:endParaRPr lang="en-GB" dirty="0"/>
-          </a:p>
-        </p:txBody>
-      </p:sp>
-      <p:sp>
-        <p:nvSpPr>
-          <p:cNvPr id="8" name="Segnaposto testo 7"/>
-          <p:cNvSpPr>
-            <a:spLocks noGrp="1"/>
-          </p:cNvSpPr>
-          <p:nvPr>
-            <p:ph type="body" sz="quarter" idx="3"/>
-          </p:nvPr>
-        </p:nvSpPr>
-        <p:spPr>
-          <a:xfrm>
-            <a:off x="4629150" y="1681163"/>
-            <a:ext cx="3887788" cy="379685"/>
-          </a:xfrm>
-        </p:spPr>
-        <p:txBody>
-          <a:bodyPr>
-            <a:normAutofit fontScale="92500" lnSpcReduction="10000"/>
-          </a:bodyPr>
-          <a:lstStyle/>
-          <a:p>
-            <a:r>
-              <a:rPr lang="en-GB" dirty="0" smtClean="0"/>
-              <a:t>Mobile</a:t>
-            </a:r>
-            <a:endParaRPr lang="en-GB" dirty="0"/>
-          </a:p>
-        </p:txBody>
-      </p:sp>
-      <p:sp>
-        <p:nvSpPr>
-          <p:cNvPr id="9" name="Segnaposto contenuto 8"/>
-          <p:cNvSpPr>
-            <a:spLocks noGrp="1"/>
-          </p:cNvSpPr>
-          <p:nvPr>
-            <p:ph sz="quarter" idx="4"/>
-          </p:nvPr>
-        </p:nvSpPr>
-        <p:spPr>
-          <a:xfrm>
-            <a:off x="4629150" y="2060848"/>
-            <a:ext cx="3887788" cy="4128815"/>
-          </a:xfrm>
-        </p:spPr>
-        <p:txBody>
-          <a:bodyPr/>
-          <a:lstStyle/>
-          <a:p>
-            <a:r>
-              <a:rPr lang="en-GB" dirty="0" smtClean="0"/>
-              <a:t>Cordova (</a:t>
-            </a:r>
-            <a:r>
-              <a:rPr lang="en-GB" dirty="0" err="1" smtClean="0"/>
-              <a:t>Phonegap</a:t>
-            </a:r>
-            <a:r>
-              <a:rPr lang="en-GB" dirty="0" smtClean="0"/>
-              <a:t>)</a:t>
-            </a:r>
-          </a:p>
-          <a:p>
-            <a:r>
-              <a:rPr lang="en-GB" dirty="0" smtClean="0"/>
-              <a:t>Intel XDK</a:t>
-            </a:r>
-          </a:p>
-          <a:p>
-            <a:pPr lvl="1"/>
-            <a:r>
-              <a:rPr lang="en-GB" dirty="0" smtClean="0"/>
-              <a:t>Accelerated </a:t>
-            </a:r>
-            <a:r>
-              <a:rPr lang="en-GB" dirty="0" err="1"/>
-              <a:t>w</a:t>
-            </a:r>
-            <a:r>
-              <a:rPr lang="en-GB" dirty="0" err="1" smtClean="0"/>
-              <a:t>ebview</a:t>
-            </a:r>
-            <a:endParaRPr lang="en-GB" dirty="0" smtClean="0"/>
-          </a:p>
-          <a:p>
-            <a:r>
-              <a:rPr lang="en-GB" dirty="0" err="1" smtClean="0"/>
-              <a:t>CocoonJS</a:t>
-            </a:r>
-            <a:endParaRPr lang="en-GB" dirty="0" smtClean="0"/>
-          </a:p>
-          <a:p>
-            <a:pPr lvl="1"/>
-            <a:r>
-              <a:rPr lang="en-GB" dirty="0" smtClean="0"/>
-              <a:t>Accelerated </a:t>
-            </a:r>
-            <a:r>
-              <a:rPr lang="en-GB" dirty="0" err="1"/>
-              <a:t>w</a:t>
-            </a:r>
-            <a:r>
-              <a:rPr lang="en-GB" dirty="0" err="1" smtClean="0"/>
-              <a:t>ebview</a:t>
-            </a:r>
-            <a:endParaRPr lang="en-GB" dirty="0" smtClean="0"/>
-          </a:p>
-          <a:p>
-            <a:pPr lvl="1"/>
-            <a:r>
-              <a:rPr lang="en-GB" dirty="0" smtClean="0"/>
-              <a:t>API for Ads, IAP, accelerometer, etc.</a:t>
-            </a:r>
-            <a:endParaRPr lang="en-GB" dirty="0"/>
-          </a:p>
-        </p:txBody>
-      </p:sp>
-      <p:sp>
-        <p:nvSpPr>
-          <p:cNvPr id="4" name="Segnaposto data 3"/>
-          <p:cNvSpPr>
-            <a:spLocks noGrp="1"/>
-          </p:cNvSpPr>
-          <p:nvPr>
-            <p:ph type="dt" sz="half" idx="10"/>
-          </p:nvPr>
-        </p:nvSpPr>
-        <p:spPr/>
-        <p:txBody>
-          <a:bodyPr/>
-          <a:lstStyle/>
-          <a:p>
-            <a:r>
-              <a:rPr lang="en-US" b="1" i="1" smtClean="0">
-                <a:solidFill>
-                  <a:schemeClr val="bg1"/>
-                </a:solidFill>
-              </a:rPr>
-              <a:t>ROME  11-12 april 2014 – Valerio Riva</a:t>
-            </a:r>
-            <a:endParaRPr lang="it-IT" b="1" i="1" dirty="0">
-              <a:solidFill>
-                <a:schemeClr val="bg1"/>
-              </a:solidFill>
-            </a:endParaRPr>
-          </a:p>
-        </p:txBody>
-      </p:sp>
-      <p:sp>
-        <p:nvSpPr>
-          <p:cNvPr id="5" name="Segnaposto numero diapositiva 4"/>
-          <p:cNvSpPr>
-            <a:spLocks noGrp="1"/>
-          </p:cNvSpPr>
-          <p:nvPr>
-            <p:ph type="sldNum" sz="quarter" idx="12"/>
-          </p:nvPr>
-        </p:nvSpPr>
-        <p:spPr/>
-        <p:txBody>
-          <a:bodyPr/>
-          <a:lstStyle/>
-          <a:p>
-            <a:fld id="{219C0E88-5C08-45F5-BD91-E93F425D2D58}" type="slidenum">
-              <a:rPr lang="it-IT" smtClean="0"/>
-              <a:t>27</a:t>
-            </a:fld>
-            <a:endParaRPr lang="it-IT"/>
-          </a:p>
-        </p:txBody>
-      </p:sp>
-    </p:spTree>
-    <p:extLst>
-      <p:ext uri="{BB962C8B-B14F-4D97-AF65-F5344CB8AC3E}">
-        <p14:creationId xmlns:p14="http://schemas.microsoft.com/office/powerpoint/2010/main" val="2457404458"/>
       </p:ext>
     </p:extLst>
   </p:cSld>
@@ -12382,14 +12879,15 @@
           </a:bodyPr>
           <a:lstStyle/>
           <a:p>
-            <a:r>
-              <a:rPr lang="en-GB" sz="2000" dirty="0" smtClean="0">
-                <a:cs typeface="Consolas" panose="020B0609020204030204" pitchFamily="49" charset="0"/>
-              </a:rPr>
-              <a:t>Do you have any questions?</a:t>
-            </a:r>
-          </a:p>
-          <a:p>
+            <a:pPr marL="0" indent="0" algn="ctr">
+              <a:buNone/>
+            </a:pPr>
+            <a:r>
+              <a:rPr lang="en-GB" sz="5400" dirty="0" smtClean="0">
+                <a:cs typeface="Consolas" panose="020B0609020204030204" pitchFamily="49" charset="0"/>
+              </a:rPr>
+              <a:t>Any Questions?</a:t>
+            </a:r>
             <a:endParaRPr lang="en-GB" sz="2000" dirty="0" smtClean="0">
               <a:cs typeface="Consolas" panose="020B0609020204030204" pitchFamily="49" charset="0"/>
             </a:endParaRPr>
@@ -12403,6 +12901,25 @@
             </a:endParaRPr>
           </a:p>
           <a:p>
+            <a:pPr marL="0" indent="0">
+              <a:buNone/>
+            </a:pPr>
+            <a:endParaRPr lang="en-GB" sz="2000" dirty="0" smtClean="0">
+              <a:cs typeface="Consolas" panose="020B0609020204030204" pitchFamily="49" charset="0"/>
+            </a:endParaRPr>
+          </a:p>
+          <a:p>
+            <a:pPr marL="0" indent="0">
+              <a:buNone/>
+            </a:pPr>
+            <a:endParaRPr lang="en-GB" sz="2000" dirty="0">
+              <a:cs typeface="Consolas" panose="020B0609020204030204" pitchFamily="49" charset="0"/>
+            </a:endParaRPr>
+          </a:p>
+          <a:p>
+            <a:pPr marL="0" indent="0">
+              <a:buNone/>
+            </a:pPr>
             <a:endParaRPr lang="en-GB" sz="2000" dirty="0" smtClean="0">
               <a:cs typeface="Consolas" panose="020B0609020204030204" pitchFamily="49" charset="0"/>
             </a:endParaRPr>
@@ -12468,6 +12985,391 @@
           </a:p>
         </p:txBody>
       </p:sp>
+      <p:sp>
+        <p:nvSpPr>
+          <p:cNvPr id="6" name="CasellaDiTesto 5"/>
+          <p:cNvSpPr txBox="1"/>
+          <p:nvPr/>
+        </p:nvSpPr>
+        <p:spPr>
+          <a:xfrm>
+            <a:off x="2575640" y="4232682"/>
+            <a:ext cx="6934200" cy="1754326"/>
+          </a:xfrm>
+          <a:prstGeom prst="rect">
+            <a:avLst/>
+          </a:prstGeom>
+          <a:noFill/>
+        </p:spPr>
+        <p:txBody>
+          <a:bodyPr>
+            <a:spAutoFit/>
+          </a:bodyPr>
+          <a:lstStyle/>
+          <a:p>
+            <a:pPr fontAlgn="auto">
+              <a:spcBef>
+                <a:spcPts val="0"/>
+              </a:spcBef>
+              <a:spcAft>
+                <a:spcPts val="0"/>
+              </a:spcAft>
+              <a:defRPr/>
+            </a:pPr>
+            <a:endParaRPr lang="it-IT" b="1" i="1" dirty="0" smtClean="0">
+              <a:latin typeface="Arial"/>
+              <a:ea typeface="+mn-ea"/>
+              <a:cs typeface="Arial"/>
+              <a:hlinkClick r:id="rId3"/>
+            </a:endParaRPr>
+          </a:p>
+          <a:p>
+            <a:pPr fontAlgn="auto">
+              <a:spcBef>
+                <a:spcPts val="0"/>
+              </a:spcBef>
+              <a:spcAft>
+                <a:spcPts val="0"/>
+              </a:spcAft>
+              <a:defRPr/>
+            </a:pPr>
+            <a:r>
+              <a:rPr lang="it-IT" b="1" i="1" dirty="0">
+                <a:latin typeface="Arial"/>
+                <a:ea typeface="+mn-ea"/>
+                <a:cs typeface="Arial"/>
+              </a:rPr>
+              <a:t> </a:t>
+            </a:r>
+            <a:r>
+              <a:rPr lang="it-IT" b="1" i="1" dirty="0" smtClean="0">
+                <a:latin typeface="Arial"/>
+                <a:ea typeface="+mn-ea"/>
+                <a:cs typeface="Arial"/>
+              </a:rPr>
+              <a:t>           </a:t>
+            </a:r>
+            <a:r>
+              <a:rPr lang="it-IT" b="1" i="1" dirty="0" smtClean="0">
+                <a:latin typeface="Arial"/>
+                <a:ea typeface="+mn-ea"/>
+                <a:cs typeface="Arial"/>
+                <a:hlinkClick r:id="rId3"/>
+              </a:rPr>
+              <a:t>valerio.riva@gmail.com</a:t>
+            </a:r>
+            <a:endParaRPr lang="it-IT" b="1" i="1" dirty="0" smtClean="0">
+              <a:solidFill>
+                <a:schemeClr val="tx1">
+                  <a:lumMod val="75000"/>
+                  <a:lumOff val="25000"/>
+                </a:schemeClr>
+              </a:solidFill>
+              <a:latin typeface="Arial"/>
+              <a:ea typeface="+mn-ea"/>
+              <a:cs typeface="Arial"/>
+            </a:endParaRPr>
+          </a:p>
+          <a:p>
+            <a:pPr fontAlgn="auto">
+              <a:spcBef>
+                <a:spcPts val="0"/>
+              </a:spcBef>
+              <a:spcAft>
+                <a:spcPts val="0"/>
+              </a:spcAft>
+              <a:defRPr/>
+            </a:pPr>
+            <a:r>
+              <a:rPr lang="it-IT" b="1" i="1" dirty="0" smtClean="0">
+                <a:solidFill>
+                  <a:schemeClr val="tx1">
+                    <a:lumMod val="75000"/>
+                    <a:lumOff val="25000"/>
+                  </a:schemeClr>
+                </a:solidFill>
+                <a:latin typeface="Arial"/>
+                <a:ea typeface="+mn-ea"/>
+                <a:cs typeface="Arial"/>
+              </a:rPr>
+              <a:t>           </a:t>
+            </a:r>
+          </a:p>
+          <a:p>
+            <a:pPr fontAlgn="auto">
+              <a:spcBef>
+                <a:spcPts val="0"/>
+              </a:spcBef>
+              <a:spcAft>
+                <a:spcPts val="0"/>
+              </a:spcAft>
+              <a:defRPr/>
+            </a:pPr>
+            <a:r>
+              <a:rPr lang="it-IT" b="1" i="1" dirty="0">
+                <a:solidFill>
+                  <a:schemeClr val="tx1">
+                    <a:lumMod val="75000"/>
+                    <a:lumOff val="25000"/>
+                  </a:schemeClr>
+                </a:solidFill>
+                <a:latin typeface="Arial"/>
+                <a:ea typeface="+mn-ea"/>
+                <a:cs typeface="Arial"/>
+              </a:rPr>
+              <a:t> </a:t>
+            </a:r>
+            <a:r>
+              <a:rPr lang="it-IT" b="1" i="1" dirty="0" smtClean="0">
+                <a:solidFill>
+                  <a:schemeClr val="tx1">
+                    <a:lumMod val="75000"/>
+                    <a:lumOff val="25000"/>
+                  </a:schemeClr>
+                </a:solidFill>
+                <a:latin typeface="Arial"/>
+                <a:ea typeface="+mn-ea"/>
+                <a:cs typeface="Arial"/>
+              </a:rPr>
+              <a:t>           </a:t>
+            </a:r>
+            <a:r>
+              <a:rPr lang="it-IT" b="1" i="1" dirty="0" smtClean="0">
+                <a:solidFill>
+                  <a:schemeClr val="tx1">
+                    <a:lumMod val="75000"/>
+                    <a:lumOff val="25000"/>
+                  </a:schemeClr>
+                </a:solidFill>
+                <a:latin typeface="Arial"/>
+                <a:ea typeface="+mn-ea"/>
+                <a:cs typeface="Arial"/>
+                <a:hlinkClick r:id="rId4"/>
+              </a:rPr>
+              <a:t>@</a:t>
+            </a:r>
+            <a:r>
+              <a:rPr lang="it-IT" b="1" i="1" dirty="0" err="1" smtClean="0">
+                <a:solidFill>
+                  <a:schemeClr val="tx1">
+                    <a:lumMod val="75000"/>
+                    <a:lumOff val="25000"/>
+                  </a:schemeClr>
+                </a:solidFill>
+                <a:latin typeface="Arial"/>
+                <a:ea typeface="+mn-ea"/>
+                <a:cs typeface="Arial"/>
+                <a:hlinkClick r:id="rId4"/>
+              </a:rPr>
+              <a:t>ValerioRiva</a:t>
+            </a:r>
+            <a:endParaRPr lang="it-IT" b="1" i="1" dirty="0" smtClean="0">
+              <a:solidFill>
+                <a:schemeClr val="tx1">
+                  <a:lumMod val="75000"/>
+                  <a:lumOff val="25000"/>
+                </a:schemeClr>
+              </a:solidFill>
+              <a:latin typeface="Arial"/>
+              <a:ea typeface="+mn-ea"/>
+              <a:cs typeface="Arial"/>
+            </a:endParaRPr>
+          </a:p>
+          <a:p>
+            <a:pPr fontAlgn="auto">
+              <a:spcBef>
+                <a:spcPts val="0"/>
+              </a:spcBef>
+              <a:spcAft>
+                <a:spcPts val="0"/>
+              </a:spcAft>
+              <a:defRPr/>
+            </a:pPr>
+            <a:endParaRPr lang="it-IT" b="1" i="1" dirty="0" smtClean="0">
+              <a:solidFill>
+                <a:schemeClr val="tx1">
+                  <a:lumMod val="75000"/>
+                  <a:lumOff val="25000"/>
+                </a:schemeClr>
+              </a:solidFill>
+              <a:latin typeface="Arial"/>
+              <a:ea typeface="+mn-ea"/>
+              <a:cs typeface="Arial"/>
+              <a:hlinkClick r:id="rId5"/>
+            </a:endParaRPr>
+          </a:p>
+          <a:p>
+            <a:pPr fontAlgn="auto">
+              <a:spcBef>
+                <a:spcPts val="0"/>
+              </a:spcBef>
+              <a:spcAft>
+                <a:spcPts val="0"/>
+              </a:spcAft>
+              <a:defRPr/>
+            </a:pPr>
+            <a:r>
+              <a:rPr lang="it-IT" b="1" i="1" dirty="0">
+                <a:solidFill>
+                  <a:schemeClr val="tx1">
+                    <a:lumMod val="75000"/>
+                    <a:lumOff val="25000"/>
+                  </a:schemeClr>
+                </a:solidFill>
+                <a:latin typeface="Arial"/>
+                <a:ea typeface="+mn-ea"/>
+                <a:cs typeface="Arial"/>
+              </a:rPr>
+              <a:t>	</a:t>
+            </a:r>
+            <a:r>
+              <a:rPr lang="it-IT" b="1" i="1" dirty="0" smtClean="0">
+                <a:solidFill>
+                  <a:schemeClr val="tx1">
+                    <a:lumMod val="75000"/>
+                    <a:lumOff val="25000"/>
+                  </a:schemeClr>
+                </a:solidFill>
+                <a:latin typeface="Arial"/>
+                <a:ea typeface="+mn-ea"/>
+                <a:cs typeface="Arial"/>
+              </a:rPr>
+              <a:t>    </a:t>
+            </a:r>
+            <a:r>
+              <a:rPr lang="it-IT" b="1" i="1" dirty="0" smtClean="0">
+                <a:solidFill>
+                  <a:schemeClr val="tx1">
+                    <a:lumMod val="75000"/>
+                    <a:lumOff val="25000"/>
+                  </a:schemeClr>
+                </a:solidFill>
+                <a:latin typeface="Arial"/>
+                <a:ea typeface="+mn-ea"/>
+                <a:cs typeface="Arial"/>
+                <a:hlinkClick r:id="rId5"/>
+              </a:rPr>
+              <a:t>http</a:t>
+            </a:r>
+            <a:r>
+              <a:rPr lang="it-IT" b="1" i="1" dirty="0">
+                <a:solidFill>
+                  <a:schemeClr val="tx1">
+                    <a:lumMod val="75000"/>
+                    <a:lumOff val="25000"/>
+                  </a:schemeClr>
+                </a:solidFill>
+                <a:latin typeface="Arial"/>
+                <a:ea typeface="+mn-ea"/>
+                <a:cs typeface="Arial"/>
+                <a:hlinkClick r:id="rId5"/>
+              </a:rPr>
+              <a:t>://it.linkedin.com/in/valerioriva/</a:t>
+            </a:r>
+            <a:endParaRPr lang="it-IT" b="1" i="1" dirty="0">
+              <a:solidFill>
+                <a:schemeClr val="tx1">
+                  <a:lumMod val="75000"/>
+                  <a:lumOff val="25000"/>
+                </a:schemeClr>
+              </a:solidFill>
+              <a:latin typeface="Arial"/>
+              <a:ea typeface="+mn-ea"/>
+              <a:cs typeface="Arial"/>
+            </a:endParaRPr>
+          </a:p>
+        </p:txBody>
+      </p:sp>
+      <p:pic>
+        <p:nvPicPr>
+          <p:cNvPr id="7" name="Immagine 6"/>
+          <p:cNvPicPr>
+            <a:picLocks noChangeAspect="1"/>
+          </p:cNvPicPr>
+          <p:nvPr/>
+        </p:nvPicPr>
+        <p:blipFill>
+          <a:blip r:embed="rId6">
+            <a:extLst>
+              <a:ext uri="{28A0092B-C50C-407E-A947-70E740481C1C}">
+                <a14:useLocalDpi xmlns:a14="http://schemas.microsoft.com/office/drawing/2010/main" val="0"/>
+              </a:ext>
+            </a:extLst>
+          </a:blip>
+          <a:stretch>
+            <a:fillRect/>
+          </a:stretch>
+        </p:blipFill>
+        <p:spPr>
+          <a:xfrm>
+            <a:off x="2648922" y="4923418"/>
+            <a:ext cx="643136" cy="643136"/>
+          </a:xfrm>
+          <a:prstGeom prst="rect">
+            <a:avLst/>
+          </a:prstGeom>
+        </p:spPr>
+      </p:pic>
+      <p:pic>
+        <p:nvPicPr>
+          <p:cNvPr id="8" name="Immagine 7"/>
+          <p:cNvPicPr>
+            <a:picLocks noChangeAspect="1"/>
+          </p:cNvPicPr>
+          <p:nvPr/>
+        </p:nvPicPr>
+        <p:blipFill>
+          <a:blip r:embed="rId7">
+            <a:extLst>
+              <a:ext uri="{28A0092B-C50C-407E-A947-70E740481C1C}">
+                <a14:useLocalDpi xmlns:a14="http://schemas.microsoft.com/office/drawing/2010/main" val="0"/>
+              </a:ext>
+            </a:extLst>
+          </a:blip>
+          <a:stretch>
+            <a:fillRect/>
+          </a:stretch>
+        </p:blipFill>
+        <p:spPr>
+          <a:xfrm>
+            <a:off x="2680880" y="5571490"/>
+            <a:ext cx="556266" cy="557193"/>
+          </a:xfrm>
+          <a:prstGeom prst="rect">
+            <a:avLst/>
+          </a:prstGeom>
+        </p:spPr>
+      </p:pic>
+      <p:pic>
+        <p:nvPicPr>
+          <p:cNvPr id="9" name="Immagine 8"/>
+          <p:cNvPicPr>
+            <a:picLocks noChangeAspect="1"/>
+          </p:cNvPicPr>
+          <p:nvPr/>
+        </p:nvPicPr>
+        <p:blipFill>
+          <a:blip r:embed="rId8">
+            <a:extLst>
+              <a:ext uri="{28A0092B-C50C-407E-A947-70E740481C1C}">
+                <a14:useLocalDpi xmlns:a14="http://schemas.microsoft.com/office/drawing/2010/main" val="0"/>
+              </a:ext>
+            </a:extLst>
+          </a:blip>
+          <a:stretch>
+            <a:fillRect/>
+          </a:stretch>
+        </p:blipFill>
+        <p:spPr>
+          <a:xfrm>
+            <a:off x="2611880" y="4380792"/>
+            <a:ext cx="686642" cy="686642"/>
+          </a:xfrm>
+          <a:prstGeom prst="rect">
+            <a:avLst/>
+          </a:prstGeom>
+        </p:spPr>
+      </p:pic>
     </p:spTree>
     <p:extLst>
       <p:ext uri="{BB962C8B-B14F-4D97-AF65-F5344CB8AC3E}">
@@ -12814,11 +13716,11 @@
           <a:p>
             <a:r>
               <a:rPr lang="en-US" dirty="0"/>
-              <a:t>Overload of game </a:t>
+              <a:t>Overload of </a:t>
             </a:r>
             <a:r>
               <a:rPr lang="en-US" dirty="0" smtClean="0"/>
-              <a:t>engine</a:t>
+              <a:t>HTML5 game engine</a:t>
             </a:r>
           </a:p>
           <a:p>
@@ -13768,7 +14670,7 @@
             <a:pPr lvl="1"/>
             <a:r>
               <a:rPr lang="en-US" dirty="0" smtClean="0"/>
-              <a:t>render loop draws graphic elements to screen</a:t>
+              <a:t>draw loop draws graphic elements to screen</a:t>
             </a:r>
           </a:p>
           <a:p>
@@ -13795,7 +14697,7 @@
             <a:pPr lvl="1"/>
             <a:r>
               <a:rPr lang="en-US" dirty="0" smtClean="0"/>
-              <a:t>Render loop is supplied by pixi.js</a:t>
+              <a:t>Draw loop is supplied by pixi.js</a:t>
             </a:r>
           </a:p>
           <a:p>

--- a/codemotion.pptx
+++ b/codemotion.pptx
@@ -304,7 +304,7 @@
           <a:p>
             <a:fld id="{DC661A4A-D0C3-4623-84C2-FD4286BDBB96}" type="datetimeFigureOut">
               <a:rPr lang="it-IT" smtClean="0"/>
-              <a:t>09/04/2014</a:t>
+              <a:t>10/04/2014</a:t>
             </a:fld>
             <a:endParaRPr lang="it-IT"/>
           </a:p>
@@ -7691,11 +7691,11 @@
               <a:t>“A </a:t>
             </a:r>
             <a:r>
-              <a:rPr lang="en-GB" dirty="0" err="1"/>
+              <a:rPr lang="en-GB" b="1" dirty="0" err="1"/>
               <a:t>t</a:t>
             </a:r>
             <a:r>
-              <a:rPr lang="en-GB" dirty="0" err="1" smtClean="0"/>
+              <a:rPr lang="en-GB" b="1" dirty="0" err="1" smtClean="0"/>
               <a:t>ilesprite</a:t>
             </a:r>
             <a:r>
@@ -8172,7 +8172,15 @@
             </a:pPr>
             <a:r>
               <a:rPr lang="en-US" dirty="0"/>
-              <a:t>A tilemap is a map composed by a fixed number of same sized sprites (tiles)</a:t>
+              <a:t>A </a:t>
+            </a:r>
+            <a:r>
+              <a:rPr lang="en-US" b="1" dirty="0"/>
+              <a:t>tilemap</a:t>
+            </a:r>
+            <a:r>
+              <a:rPr lang="en-US" dirty="0"/>
+              <a:t> is a map composed by a fixed number of same sized sprites (tiles)</a:t>
             </a:r>
             <a:endParaRPr lang="en-US" dirty="0" smtClean="0"/>
           </a:p>
@@ -8892,7 +8900,7 @@
         </p:spPr>
         <p:txBody>
           <a:bodyPr>
-            <a:normAutofit lnSpcReduction="10000"/>
+            <a:normAutofit fontScale="92500" lnSpcReduction="10000"/>
           </a:bodyPr>
           <a:lstStyle/>
           <a:p>
@@ -8901,7 +8909,19 @@
             </a:pPr>
             <a:r>
               <a:rPr lang="en-US" dirty="0" smtClean="0"/>
-              <a:t>“An </a:t>
+              <a:t>“A </a:t>
+            </a:r>
+            <a:r>
+              <a:rPr lang="en-US" b="1" dirty="0" smtClean="0"/>
+              <a:t>collision</a:t>
+            </a:r>
+            <a:r>
+              <a:rPr lang="en-US" dirty="0" smtClean="0"/>
+              <a:t> is </a:t>
+            </a:r>
+            <a:r>
+              <a:rPr lang="en-US" dirty="0" smtClean="0"/>
+              <a:t>an </a:t>
             </a:r>
             <a:r>
               <a:rPr lang="en-US" dirty="0"/>
@@ -12856,7 +12876,11 @@
             <a:pPr algn="ctr"/>
             <a:r>
               <a:rPr lang="en-US" sz="4000" dirty="0" smtClean="0"/>
-              <a:t>Thank you</a:t>
+              <a:t>Thank </a:t>
+            </a:r>
+            <a:r>
+              <a:rPr lang="en-US" sz="4000" dirty="0" smtClean="0"/>
+              <a:t>you!</a:t>
             </a:r>
             <a:endParaRPr lang="en-US" sz="4000" dirty="0"/>
           </a:p>
@@ -13910,43 +13934,31 @@
           <a:p>
             <a:r>
               <a:rPr lang="en-US" dirty="0" smtClean="0"/>
-              <a:t>Your </a:t>
-            </a:r>
-            <a:r>
-              <a:rPr lang="en-US" dirty="0" err="1" smtClean="0"/>
-              <a:t>favourite</a:t>
+              <a:t>Any </a:t>
             </a:r>
             <a:r>
               <a:rPr lang="en-US" dirty="0" smtClean="0"/>
-              <a:t> OS</a:t>
+              <a:t>OS</a:t>
             </a:r>
           </a:p>
           <a:p>
             <a:r>
               <a:rPr lang="en-US" dirty="0" smtClean="0"/>
-              <a:t>Your </a:t>
-            </a:r>
-            <a:r>
-              <a:rPr lang="en-US" dirty="0" err="1" smtClean="0"/>
-              <a:t>favourite</a:t>
+              <a:t>Any </a:t>
             </a:r>
             <a:r>
               <a:rPr lang="en-US" dirty="0" smtClean="0"/>
-              <a:t> editor</a:t>
+              <a:t>editor</a:t>
             </a:r>
           </a:p>
           <a:p>
             <a:r>
               <a:rPr lang="en-US" dirty="0" smtClean="0"/>
-              <a:t>Your </a:t>
-            </a:r>
-            <a:r>
-              <a:rPr lang="en-US" dirty="0" err="1" smtClean="0"/>
-              <a:t>favourite</a:t>
+              <a:t>Any </a:t>
             </a:r>
             <a:r>
               <a:rPr lang="en-US" dirty="0" smtClean="0"/>
-              <a:t> web server</a:t>
+              <a:t>web server</a:t>
             </a:r>
           </a:p>
           <a:p>

--- a/codemotion.pptx
+++ b/codemotion.pptx
@@ -8917,11 +8917,7 @@
             </a:r>
             <a:r>
               <a:rPr lang="en-US" dirty="0" smtClean="0"/>
-              <a:t> is </a:t>
-            </a:r>
-            <a:r>
-              <a:rPr lang="en-US" dirty="0" smtClean="0"/>
-              <a:t>an </a:t>
+              <a:t> is an </a:t>
             </a:r>
             <a:r>
               <a:rPr lang="en-US" dirty="0"/>
@@ -10187,8 +10183,19 @@
                 <a:latin typeface="Consolas" panose="020B0609020204030204" pitchFamily="49" charset="0"/>
                 <a:cs typeface="Consolas" panose="020B0609020204030204" pitchFamily="49" charset="0"/>
               </a:rPr>
-              <a:t> -= speed;</a:t>
-            </a:r>
+              <a:t> -= </a:t>
+            </a:r>
+            <a:r>
+              <a:rPr lang="en-US" sz="1600" dirty="0" smtClean="0">
+                <a:latin typeface="Consolas" panose="020B0609020204030204" pitchFamily="49" charset="0"/>
+                <a:cs typeface="Consolas" panose="020B0609020204030204" pitchFamily="49" charset="0"/>
+              </a:rPr>
+              <a:t>10;</a:t>
+            </a:r>
+            <a:endParaRPr lang="en-US" sz="1600" dirty="0">
+              <a:latin typeface="Consolas" panose="020B0609020204030204" pitchFamily="49" charset="0"/>
+              <a:cs typeface="Consolas" panose="020B0609020204030204" pitchFamily="49" charset="0"/>
+            </a:endParaRPr>
           </a:p>
           <a:p>
             <a:pPr marL="0" indent="0">
@@ -10283,8 +10290,19 @@
                 <a:latin typeface="Consolas" panose="020B0609020204030204" pitchFamily="49" charset="0"/>
                 <a:cs typeface="Consolas" panose="020B0609020204030204" pitchFamily="49" charset="0"/>
               </a:rPr>
-              <a:t> += speed;</a:t>
-            </a:r>
+              <a:t> += </a:t>
+            </a:r>
+            <a:r>
+              <a:rPr lang="en-US" sz="1600" dirty="0" smtClean="0">
+                <a:latin typeface="Consolas" panose="020B0609020204030204" pitchFamily="49" charset="0"/>
+                <a:cs typeface="Consolas" panose="020B0609020204030204" pitchFamily="49" charset="0"/>
+              </a:rPr>
+              <a:t>10;</a:t>
+            </a:r>
+            <a:endParaRPr lang="en-US" sz="1600" dirty="0">
+              <a:latin typeface="Consolas" panose="020B0609020204030204" pitchFamily="49" charset="0"/>
+              <a:cs typeface="Consolas" panose="020B0609020204030204" pitchFamily="49" charset="0"/>
+            </a:endParaRPr>
           </a:p>
           <a:p>
             <a:pPr marL="0" indent="0">
@@ -10394,8 +10412,19 @@
                 <a:latin typeface="Consolas" panose="020B0609020204030204" pitchFamily="49" charset="0"/>
                 <a:cs typeface="Consolas" panose="020B0609020204030204" pitchFamily="49" charset="0"/>
               </a:rPr>
-              <a:t> -= speed;</a:t>
-            </a:r>
+              <a:t> -= </a:t>
+            </a:r>
+            <a:r>
+              <a:rPr lang="en-US" sz="1600" dirty="0" smtClean="0">
+                <a:latin typeface="Consolas" panose="020B0609020204030204" pitchFamily="49" charset="0"/>
+                <a:cs typeface="Consolas" panose="020B0609020204030204" pitchFamily="49" charset="0"/>
+              </a:rPr>
+              <a:t>10;</a:t>
+            </a:r>
+            <a:endParaRPr lang="en-US" sz="1600" dirty="0">
+              <a:latin typeface="Consolas" panose="020B0609020204030204" pitchFamily="49" charset="0"/>
+              <a:cs typeface="Consolas" panose="020B0609020204030204" pitchFamily="49" charset="0"/>
+            </a:endParaRPr>
           </a:p>
           <a:p>
             <a:pPr marL="0" indent="0">
@@ -10490,8 +10519,19 @@
                 <a:latin typeface="Consolas" panose="020B0609020204030204" pitchFamily="49" charset="0"/>
                 <a:cs typeface="Consolas" panose="020B0609020204030204" pitchFamily="49" charset="0"/>
               </a:rPr>
-              <a:t> += speed;</a:t>
-            </a:r>
+              <a:t> += </a:t>
+            </a:r>
+            <a:r>
+              <a:rPr lang="en-US" sz="1600" dirty="0" smtClean="0">
+                <a:latin typeface="Consolas" panose="020B0609020204030204" pitchFamily="49" charset="0"/>
+                <a:cs typeface="Consolas" panose="020B0609020204030204" pitchFamily="49" charset="0"/>
+              </a:rPr>
+              <a:t>10;</a:t>
+            </a:r>
+            <a:endParaRPr lang="en-US" sz="1600" dirty="0">
+              <a:latin typeface="Consolas" panose="020B0609020204030204" pitchFamily="49" charset="0"/>
+              <a:cs typeface="Consolas" panose="020B0609020204030204" pitchFamily="49" charset="0"/>
+            </a:endParaRPr>
           </a:p>
           <a:p>
             <a:pPr marL="0" indent="0">
@@ -12876,11 +12916,7 @@
             <a:pPr algn="ctr"/>
             <a:r>
               <a:rPr lang="en-US" sz="4000" dirty="0" smtClean="0"/>
-              <a:t>Thank </a:t>
-            </a:r>
-            <a:r>
-              <a:rPr lang="en-US" sz="4000" dirty="0" smtClean="0"/>
-              <a:t>you!</a:t>
+              <a:t>Thank you!</a:t>
             </a:r>
             <a:endParaRPr lang="en-US" sz="4000" dirty="0"/>
           </a:p>
@@ -13739,16 +13775,6 @@
           </a:p>
           <a:p>
             <a:r>
-              <a:rPr lang="en-US" dirty="0"/>
-              <a:t>Overload of </a:t>
-            </a:r>
-            <a:r>
-              <a:rPr lang="en-US" dirty="0" smtClean="0"/>
-              <a:t>HTML5 game engine</a:t>
-            </a:r>
-          </a:p>
-          <a:p>
-            <a:r>
               <a:rPr lang="en-US" dirty="0" smtClean="0"/>
               <a:t>Flash game frameworks ported to HTML5 (</a:t>
             </a:r>
@@ -13934,31 +13960,19 @@
           <a:p>
             <a:r>
               <a:rPr lang="en-US" dirty="0" smtClean="0"/>
-              <a:t>Any </a:t>
-            </a:r>
+              <a:t>Any OS</a:t>
+            </a:r>
+          </a:p>
+          <a:p>
             <a:r>
               <a:rPr lang="en-US" dirty="0" smtClean="0"/>
-              <a:t>OS</a:t>
+              <a:t>Any editor</a:t>
             </a:r>
           </a:p>
           <a:p>
             <a:r>
               <a:rPr lang="en-US" dirty="0" smtClean="0"/>
-              <a:t>Any </a:t>
-            </a:r>
-            <a:r>
-              <a:rPr lang="en-US" dirty="0" smtClean="0"/>
-              <a:t>editor</a:t>
-            </a:r>
-          </a:p>
-          <a:p>
-            <a:r>
-              <a:rPr lang="en-US" dirty="0" smtClean="0"/>
-              <a:t>Any </a:t>
-            </a:r>
-            <a:r>
-              <a:rPr lang="en-US" dirty="0" smtClean="0"/>
-              <a:t>web server</a:t>
+              <a:t>Any web server</a:t>
             </a:r>
           </a:p>
           <a:p>
@@ -14681,8 +14695,16 @@
           <a:p>
             <a:pPr lvl="1"/>
             <a:r>
+              <a:rPr lang="en-US" dirty="0"/>
+              <a:t>r</a:t>
+            </a:r>
+            <a:r>
               <a:rPr lang="en-US" dirty="0" smtClean="0"/>
-              <a:t>draw loop draws graphic elements to screen</a:t>
+              <a:t>endering loop </a:t>
+            </a:r>
+            <a:r>
+              <a:rPr lang="en-US" dirty="0" smtClean="0"/>
+              <a:t>draws graphic elements to screen</a:t>
             </a:r>
           </a:p>
           <a:p>
@@ -14709,7 +14731,15 @@
             <a:pPr lvl="1"/>
             <a:r>
               <a:rPr lang="en-US" dirty="0" smtClean="0"/>
-              <a:t>Draw loop is supplied by pixi.js</a:t>
+              <a:t>rendering</a:t>
+            </a:r>
+            <a:r>
+              <a:rPr lang="en-US" dirty="0" smtClean="0"/>
+              <a:t> </a:t>
+            </a:r>
+            <a:r>
+              <a:rPr lang="en-US" dirty="0" smtClean="0"/>
+              <a:t>loop is supplied by pixi.js</a:t>
             </a:r>
           </a:p>
           <a:p>

--- a/codemotion.pptx
+++ b/codemotion.pptx
@@ -304,7 +304,7 @@
           <a:p>
             <a:fld id="{DC661A4A-D0C3-4623-84C2-FD4286BDBB96}" type="datetimeFigureOut">
               <a:rPr lang="it-IT" smtClean="0"/>
-              <a:t>10/04/2014</a:t>
+              <a:t>11/04/2014</a:t>
             </a:fld>
             <a:endParaRPr lang="it-IT"/>
           </a:p>
@@ -14189,115 +14189,129 @@
           <a:lstStyle/>
           <a:p>
             <a:r>
-              <a:rPr lang="en-US" dirty="0" smtClean="0"/>
-              <a:t>Easy to use</a:t>
-            </a:r>
-          </a:p>
-          <a:p>
-            <a:r>
-              <a:rPr lang="en-US" dirty="0" smtClean="0"/>
+              <a:rPr lang="en-US" sz="2600" dirty="0" smtClean="0"/>
+              <a:t>Easy to use 2D game framework</a:t>
+            </a:r>
+            <a:endParaRPr lang="en-US" sz="2600" dirty="0" smtClean="0"/>
+          </a:p>
+          <a:p>
+            <a:r>
+              <a:rPr lang="en-US" sz="2600" dirty="0" smtClean="0"/>
               <a:t>Focused on mobile</a:t>
             </a:r>
           </a:p>
           <a:p>
             <a:r>
-              <a:rPr lang="en-US" dirty="0" err="1" smtClean="0"/>
+              <a:rPr lang="en-US" sz="2600" dirty="0" smtClean="0"/>
+              <a:t>Use pixi.js for </a:t>
+            </a:r>
+            <a:r>
+              <a:rPr lang="en-US" sz="2600" dirty="0" err="1" smtClean="0"/>
               <a:t>WebGL</a:t>
             </a:r>
             <a:r>
-              <a:rPr lang="en-US" dirty="0" smtClean="0"/>
-              <a:t> &amp; Canvas</a:t>
-            </a:r>
-          </a:p>
-          <a:p>
-            <a:r>
-              <a:rPr lang="en-US" dirty="0" err="1" smtClean="0"/>
-              <a:t>WebAudio</a:t>
-            </a:r>
-            <a:r>
-              <a:rPr lang="en-US" dirty="0" smtClean="0"/>
-              <a:t> &amp; HTML Audio</a:t>
-            </a:r>
-          </a:p>
-          <a:p>
-            <a:r>
-              <a:rPr lang="en-US" dirty="0" smtClean="0"/>
-              <a:t>Use pixi.js (</a:t>
-            </a:r>
-            <a:r>
-              <a:rPr lang="en-US" dirty="0" smtClean="0">
+              <a:rPr lang="en-US" sz="2600" dirty="0" smtClean="0"/>
+              <a:t> &amp; Canvas rendering</a:t>
+            </a:r>
+            <a:br>
+              <a:rPr lang="en-US" sz="2600" dirty="0" smtClean="0"/>
+            </a:br>
+            <a:r>
+              <a:rPr lang="en-US" sz="2600" dirty="0" smtClean="0"/>
+              <a:t>(</a:t>
+            </a:r>
+            <a:r>
+              <a:rPr lang="en-US" sz="2600" dirty="0" smtClean="0">
                 <a:hlinkClick r:id="rId2"/>
               </a:rPr>
+              <a:t>http://www.pixijs.com/</a:t>
+            </a:r>
+            <a:r>
+              <a:rPr lang="en-US" sz="2600" dirty="0" smtClean="0"/>
+              <a:t>)</a:t>
+            </a:r>
+          </a:p>
+          <a:p>
+            <a:r>
+              <a:rPr lang="en-US" sz="2600" smtClean="0"/>
+              <a:t>Supports WebAudio</a:t>
+            </a:r>
+            <a:r>
+              <a:rPr lang="en-US" sz="2600" dirty="0" smtClean="0"/>
+              <a:t> </a:t>
+            </a:r>
+            <a:r>
+              <a:rPr lang="en-US" sz="2600" dirty="0"/>
+              <a:t>&amp;</a:t>
+            </a:r>
+            <a:r>
+              <a:rPr lang="en-US" sz="2600" dirty="0" smtClean="0"/>
+              <a:t> </a:t>
+            </a:r>
+            <a:r>
+              <a:rPr lang="en-US" sz="2600" dirty="0"/>
+              <a:t>HTML </a:t>
+            </a:r>
+            <a:r>
+              <a:rPr lang="en-US" sz="2600" dirty="0" smtClean="0"/>
+              <a:t>Audio</a:t>
+            </a:r>
+            <a:endParaRPr lang="en-US" sz="2600" dirty="0" smtClean="0"/>
+          </a:p>
+          <a:p>
+            <a:r>
+              <a:rPr lang="en-US" sz="2600" dirty="0" smtClean="0"/>
+              <a:t>Various </a:t>
+            </a:r>
+            <a:r>
+              <a:rPr lang="en-US" sz="2600" dirty="0" smtClean="0"/>
+              <a:t>physics engine supported</a:t>
+            </a:r>
+          </a:p>
+          <a:p>
+            <a:pPr lvl="1"/>
+            <a:r>
+              <a:rPr lang="en-US" sz="2200" dirty="0" smtClean="0"/>
+              <a:t>“arcade”: simple AABB physics engine</a:t>
+            </a:r>
+          </a:p>
+          <a:p>
+            <a:pPr lvl="1"/>
+            <a:r>
+              <a:rPr lang="en-US" sz="2200" dirty="0" smtClean="0"/>
+              <a:t>p2.js: complete physics engine</a:t>
+            </a:r>
+            <a:r>
+              <a:rPr lang="en-US" sz="2200" dirty="0"/>
+              <a:t/>
+            </a:r>
+            <a:br>
+              <a:rPr lang="en-US" sz="2200" dirty="0"/>
+            </a:br>
+            <a:r>
+              <a:rPr lang="en-US" sz="2200" dirty="0" smtClean="0"/>
+              <a:t>(</a:t>
+            </a:r>
+            <a:r>
+              <a:rPr lang="en-US" sz="2200" dirty="0" smtClean="0">
+                <a:hlinkClick r:id="rId3"/>
+              </a:rPr>
               <a:t>http</a:t>
             </a:r>
             <a:r>
-              <a:rPr lang="en-US" dirty="0">
-                <a:hlinkClick r:id="rId2"/>
-              </a:rPr>
-              <a:t>://www.pixijs.com</a:t>
-            </a:r>
-            <a:r>
-              <a:rPr lang="en-US" dirty="0" smtClean="0">
-                <a:hlinkClick r:id="rId2"/>
+              <a:rPr lang="en-US" sz="2200" dirty="0">
+                <a:hlinkClick r:id="rId3"/>
+              </a:rPr>
+              <a:t>://schteppe.github.io/p2.js</a:t>
+            </a:r>
+            <a:r>
+              <a:rPr lang="en-US" sz="2200" dirty="0" smtClean="0">
+                <a:hlinkClick r:id="rId3"/>
               </a:rPr>
               <a:t>/</a:t>
             </a:r>
             <a:r>
-              <a:rPr lang="en-US" dirty="0" smtClean="0"/>
-              <a:t>)</a:t>
-            </a:r>
-            <a:endParaRPr lang="en-US" dirty="0"/>
-          </a:p>
-          <a:p>
-            <a:r>
-              <a:rPr lang="en-US" dirty="0" smtClean="0"/>
-              <a:t>Various physics engine supported</a:t>
-            </a:r>
-          </a:p>
-          <a:p>
-            <a:pPr lvl="1"/>
-            <a:r>
-              <a:rPr lang="en-US" dirty="0" smtClean="0"/>
-              <a:t>“arcade”: simple AABB physics engine</a:t>
-            </a:r>
-          </a:p>
-          <a:p>
-            <a:pPr lvl="1"/>
-            <a:r>
-              <a:rPr lang="en-US" dirty="0" smtClean="0"/>
-              <a:t>p2.js: complete physics engine</a:t>
-            </a:r>
-            <a:r>
-              <a:rPr lang="en-US" dirty="0"/>
-              <a:t/>
-            </a:r>
-            <a:br>
-              <a:rPr lang="en-US" dirty="0"/>
-            </a:br>
-            <a:r>
-              <a:rPr lang="en-US" dirty="0" smtClean="0"/>
-              <a:t>(</a:t>
-            </a:r>
-            <a:r>
-              <a:rPr lang="en-US" dirty="0" smtClean="0">
-                <a:hlinkClick r:id="rId3"/>
-              </a:rPr>
-              <a:t>http</a:t>
-            </a:r>
-            <a:r>
-              <a:rPr lang="en-US" dirty="0">
-                <a:hlinkClick r:id="rId3"/>
-              </a:rPr>
-              <a:t>://schteppe.github.io/p2.js</a:t>
-            </a:r>
-            <a:r>
-              <a:rPr lang="en-US" dirty="0" smtClean="0">
-                <a:hlinkClick r:id="rId3"/>
-              </a:rPr>
-              <a:t>/</a:t>
-            </a:r>
-            <a:r>
-              <a:rPr lang="en-US" dirty="0" smtClean="0"/>
+              <a:rPr lang="en-US" sz="2200" dirty="0" smtClean="0"/>
               <a:t>)</a:t>
             </a:r>
           </a:p>
@@ -14394,8 +14408,8 @@
         </p:blipFill>
         <p:spPr>
           <a:xfrm>
-            <a:off x="6029250" y="1556792"/>
-            <a:ext cx="2575198" cy="2231390"/>
+            <a:off x="5957412" y="3526817"/>
+            <a:ext cx="3058475" cy="2650146"/>
           </a:xfrm>
           <a:prstGeom prst="rect">
             <a:avLst/>
@@ -14700,11 +14714,7 @@
             </a:r>
             <a:r>
               <a:rPr lang="en-US" dirty="0" smtClean="0"/>
-              <a:t>endering loop </a:t>
-            </a:r>
-            <a:r>
-              <a:rPr lang="en-US" dirty="0" smtClean="0"/>
-              <a:t>draws graphic elements to screen</a:t>
+              <a:t>endering loop draws graphic elements to screen</a:t>
             </a:r>
           </a:p>
           <a:p>
@@ -14731,15 +14741,7 @@
             <a:pPr lvl="1"/>
             <a:r>
               <a:rPr lang="en-US" dirty="0" smtClean="0"/>
-              <a:t>rendering</a:t>
-            </a:r>
-            <a:r>
-              <a:rPr lang="en-US" dirty="0" smtClean="0"/>
-              <a:t> </a:t>
-            </a:r>
-            <a:r>
-              <a:rPr lang="en-US" dirty="0" smtClean="0"/>
-              <a:t>loop is supplied by pixi.js</a:t>
+              <a:t>rendering loop is supplied by pixi.js</a:t>
             </a:r>
           </a:p>
           <a:p>
